--- a/Script Flow.pptx
+++ b/Script Flow.pptx
@@ -2,12 +2,12 @@
 <file path=ppt/presentation.xml><?xml version="1.0" encoding="utf-8"?>
 <p:presentation xmlns:a="http://schemas.openxmlformats.org/drawingml/2006/main" xmlns:r="http://schemas.openxmlformats.org/officeDocument/2006/relationships" xmlns:p="http://schemas.openxmlformats.org/presentationml/2006/main" saveSubsetFonts="1">
   <p:sldMasterIdLst>
-    <p:sldMasterId id="2147483648" r:id="rId1"/>
+    <p:sldMasterId id="2147483660" r:id="rId1"/>
   </p:sldMasterIdLst>
   <p:sldIdLst>
     <p:sldId id="256" r:id="rId2"/>
   </p:sldIdLst>
-  <p:sldSz cx="12192000" cy="6858000"/>
+  <p:sldSz cx="10107613" cy="8856663"/>
   <p:notesSz cx="6858000" cy="9144000"/>
   <p:defaultTextStyle>
     <a:defPPr>
@@ -104,6 +104,11 @@
       </a:defRPr>
     </a:lvl9pPr>
   </p:defaultTextStyle>
+  <p:extLst>
+    <p:ext uri="{EFAFB233-063F-42B5-8137-9DF3F51BA10A}">
+      <p15:sldGuideLst xmlns:p15="http://schemas.microsoft.com/office/powerpoint/2012/main"/>
+    </p:ext>
+  </p:extLst>
 </p:presentation>
 </file>
 
@@ -136,15 +141,15 @@
         </p:nvSpPr>
         <p:spPr>
           <a:xfrm>
-            <a:off x="1524000" y="1122363"/>
-            <a:ext cx="9144000" cy="2387600"/>
+            <a:off x="758071" y="1449459"/>
+            <a:ext cx="8591471" cy="3083431"/>
           </a:xfrm>
         </p:spPr>
         <p:txBody>
           <a:bodyPr anchor="b"/>
           <a:lstStyle>
             <a:lvl1pPr algn="ctr">
-              <a:defRPr sz="6000"/>
+              <a:defRPr sz="6632"/>
             </a:lvl1pPr>
           </a:lstStyle>
           <a:p>
@@ -152,7 +157,7 @@
               <a:rPr lang="en-US" smtClean="0"/>
               <a:t>Click to edit Master title style</a:t>
             </a:r>
-            <a:endParaRPr lang="pt-BR"/>
+            <a:endParaRPr lang="en-US" dirty="0"/>
           </a:p>
         </p:txBody>
       </p:sp>
@@ -168,8 +173,8 @@
         </p:nvSpPr>
         <p:spPr>
           <a:xfrm>
-            <a:off x="1524000" y="3602038"/>
-            <a:ext cx="9144000" cy="1655762"/>
+            <a:off x="1263452" y="4651799"/>
+            <a:ext cx="7580710" cy="2138309"/>
           </a:xfrm>
         </p:spPr>
         <p:txBody>
@@ -177,39 +182,39 @@
           <a:lstStyle>
             <a:lvl1pPr marL="0" indent="0" algn="ctr">
               <a:buNone/>
-              <a:defRPr sz="2400"/>
+              <a:defRPr sz="2653"/>
             </a:lvl1pPr>
-            <a:lvl2pPr marL="457200" indent="0" algn="ctr">
-              <a:buNone/>
-              <a:defRPr sz="2000"/>
+            <a:lvl2pPr marL="505389" indent="0" algn="ctr">
+              <a:buNone/>
+              <a:defRPr sz="2211"/>
             </a:lvl2pPr>
-            <a:lvl3pPr marL="914400" indent="0" algn="ctr">
-              <a:buNone/>
-              <a:defRPr sz="1800"/>
+            <a:lvl3pPr marL="1010778" indent="0" algn="ctr">
+              <a:buNone/>
+              <a:defRPr sz="1990"/>
             </a:lvl3pPr>
-            <a:lvl4pPr marL="1371600" indent="0" algn="ctr">
-              <a:buNone/>
-              <a:defRPr sz="1600"/>
+            <a:lvl4pPr marL="1516167" indent="0" algn="ctr">
+              <a:buNone/>
+              <a:defRPr sz="1769"/>
             </a:lvl4pPr>
-            <a:lvl5pPr marL="1828800" indent="0" algn="ctr">
-              <a:buNone/>
-              <a:defRPr sz="1600"/>
+            <a:lvl5pPr marL="2021556" indent="0" algn="ctr">
+              <a:buNone/>
+              <a:defRPr sz="1769"/>
             </a:lvl5pPr>
-            <a:lvl6pPr marL="2286000" indent="0" algn="ctr">
-              <a:buNone/>
-              <a:defRPr sz="1600"/>
+            <a:lvl6pPr marL="2526944" indent="0" algn="ctr">
+              <a:buNone/>
+              <a:defRPr sz="1769"/>
             </a:lvl6pPr>
-            <a:lvl7pPr marL="2743200" indent="0" algn="ctr">
-              <a:buNone/>
-              <a:defRPr sz="1600"/>
+            <a:lvl7pPr marL="3032333" indent="0" algn="ctr">
+              <a:buNone/>
+              <a:defRPr sz="1769"/>
             </a:lvl7pPr>
-            <a:lvl8pPr marL="3200400" indent="0" algn="ctr">
-              <a:buNone/>
-              <a:defRPr sz="1600"/>
+            <a:lvl8pPr marL="3537722" indent="0" algn="ctr">
+              <a:buNone/>
+              <a:defRPr sz="1769"/>
             </a:lvl8pPr>
-            <a:lvl9pPr marL="3657600" indent="0" algn="ctr">
-              <a:buNone/>
-              <a:defRPr sz="1600"/>
+            <a:lvl9pPr marL="4043111" indent="0" algn="ctr">
+              <a:buNone/>
+              <a:defRPr sz="1769"/>
             </a:lvl9pPr>
           </a:lstStyle>
           <a:p>
@@ -217,7 +222,7 @@
               <a:rPr lang="en-US" smtClean="0"/>
               <a:t>Click to edit Master subtitle style</a:t>
             </a:r>
-            <a:endParaRPr lang="pt-BR"/>
+            <a:endParaRPr lang="en-US" dirty="0"/>
           </a:p>
         </p:txBody>
       </p:sp>
@@ -238,7 +243,7 @@
           <a:p>
             <a:fld id="{2E538E35-4A08-48D2-89A5-89C6CF66D327}" type="datetimeFigureOut">
               <a:rPr lang="pt-BR" smtClean="0"/>
-              <a:t>18/04/2017</a:t>
+              <a:t>26/04/2017</a:t>
             </a:fld>
             <a:endParaRPr lang="pt-BR"/>
           </a:p>
@@ -289,7 +294,7 @@
     </p:spTree>
     <p:extLst>
       <p:ext uri="{BB962C8B-B14F-4D97-AF65-F5344CB8AC3E}">
-        <p14:creationId xmlns:p14="http://schemas.microsoft.com/office/powerpoint/2010/main" val="943000448"/>
+        <p14:creationId xmlns:p14="http://schemas.microsoft.com/office/powerpoint/2010/main" val="3570597112"/>
       </p:ext>
     </p:extLst>
   </p:cSld>
@@ -335,7 +340,7 @@
               <a:rPr lang="en-US" smtClean="0"/>
               <a:t>Click to edit Master title style</a:t>
             </a:r>
-            <a:endParaRPr lang="pt-BR"/>
+            <a:endParaRPr lang="en-US" dirty="0"/>
           </a:p>
         </p:txBody>
       </p:sp>
@@ -387,7 +392,7 @@
               <a:rPr lang="en-US" smtClean="0"/>
               <a:t>Fifth level</a:t>
             </a:r>
-            <a:endParaRPr lang="pt-BR"/>
+            <a:endParaRPr lang="en-US" dirty="0"/>
           </a:p>
         </p:txBody>
       </p:sp>
@@ -408,7 +413,7 @@
           <a:p>
             <a:fld id="{2E538E35-4A08-48D2-89A5-89C6CF66D327}" type="datetimeFigureOut">
               <a:rPr lang="pt-BR" smtClean="0"/>
-              <a:t>18/04/2017</a:t>
+              <a:t>26/04/2017</a:t>
             </a:fld>
             <a:endParaRPr lang="pt-BR"/>
           </a:p>
@@ -459,7 +464,7 @@
     </p:spTree>
     <p:extLst>
       <p:ext uri="{BB962C8B-B14F-4D97-AF65-F5344CB8AC3E}">
-        <p14:creationId xmlns:p14="http://schemas.microsoft.com/office/powerpoint/2010/main" val="863538333"/>
+        <p14:creationId xmlns:p14="http://schemas.microsoft.com/office/powerpoint/2010/main" val="2357860427"/>
       </p:ext>
     </p:extLst>
   </p:cSld>
@@ -498,8 +503,8 @@
         </p:nvSpPr>
         <p:spPr>
           <a:xfrm>
-            <a:off x="8724900" y="365125"/>
-            <a:ext cx="2628900" cy="5811838"/>
+            <a:off x="7233261" y="471535"/>
+            <a:ext cx="2179454" cy="7505613"/>
           </a:xfrm>
         </p:spPr>
         <p:txBody>
@@ -510,7 +515,7 @@
               <a:rPr lang="en-US" smtClean="0"/>
               <a:t>Click to edit Master title style</a:t>
             </a:r>
-            <a:endParaRPr lang="pt-BR"/>
+            <a:endParaRPr lang="en-US" dirty="0"/>
           </a:p>
         </p:txBody>
       </p:sp>
@@ -526,8 +531,8 @@
         </p:nvSpPr>
         <p:spPr>
           <a:xfrm>
-            <a:off x="838200" y="365125"/>
-            <a:ext cx="7734300" cy="5811838"/>
+            <a:off x="694899" y="471535"/>
+            <a:ext cx="6412017" cy="7505613"/>
           </a:xfrm>
         </p:spPr>
         <p:txBody>
@@ -567,7 +572,7 @@
               <a:rPr lang="en-US" smtClean="0"/>
               <a:t>Fifth level</a:t>
             </a:r>
-            <a:endParaRPr lang="pt-BR"/>
+            <a:endParaRPr lang="en-US" dirty="0"/>
           </a:p>
         </p:txBody>
       </p:sp>
@@ -588,7 +593,7 @@
           <a:p>
             <a:fld id="{2E538E35-4A08-48D2-89A5-89C6CF66D327}" type="datetimeFigureOut">
               <a:rPr lang="pt-BR" smtClean="0"/>
-              <a:t>18/04/2017</a:t>
+              <a:t>26/04/2017</a:t>
             </a:fld>
             <a:endParaRPr lang="pt-BR"/>
           </a:p>
@@ -639,7 +644,7 @@
     </p:spTree>
     <p:extLst>
       <p:ext uri="{BB962C8B-B14F-4D97-AF65-F5344CB8AC3E}">
-        <p14:creationId xmlns:p14="http://schemas.microsoft.com/office/powerpoint/2010/main" val="2094157130"/>
+        <p14:creationId xmlns:p14="http://schemas.microsoft.com/office/powerpoint/2010/main" val="528681589"/>
       </p:ext>
     </p:extLst>
   </p:cSld>
@@ -685,7 +690,7 @@
               <a:rPr lang="en-US" smtClean="0"/>
               <a:t>Click to edit Master title style</a:t>
             </a:r>
-            <a:endParaRPr lang="pt-BR"/>
+            <a:endParaRPr lang="en-US" dirty="0"/>
           </a:p>
         </p:txBody>
       </p:sp>
@@ -737,7 +742,7 @@
               <a:rPr lang="en-US" smtClean="0"/>
               <a:t>Fifth level</a:t>
             </a:r>
-            <a:endParaRPr lang="pt-BR"/>
+            <a:endParaRPr lang="en-US" dirty="0"/>
           </a:p>
         </p:txBody>
       </p:sp>
@@ -758,7 +763,7 @@
           <a:p>
             <a:fld id="{2E538E35-4A08-48D2-89A5-89C6CF66D327}" type="datetimeFigureOut">
               <a:rPr lang="pt-BR" smtClean="0"/>
-              <a:t>18/04/2017</a:t>
+              <a:t>26/04/2017</a:t>
             </a:fld>
             <a:endParaRPr lang="pt-BR"/>
           </a:p>
@@ -809,7 +814,7 @@
     </p:spTree>
     <p:extLst>
       <p:ext uri="{BB962C8B-B14F-4D97-AF65-F5344CB8AC3E}">
-        <p14:creationId xmlns:p14="http://schemas.microsoft.com/office/powerpoint/2010/main" val="2533511239"/>
+        <p14:creationId xmlns:p14="http://schemas.microsoft.com/office/powerpoint/2010/main" val="3892793284"/>
       </p:ext>
     </p:extLst>
   </p:cSld>
@@ -848,15 +853,15 @@
         </p:nvSpPr>
         <p:spPr>
           <a:xfrm>
-            <a:off x="831850" y="1709738"/>
-            <a:ext cx="10515600" cy="2852737"/>
+            <a:off x="689635" y="2208018"/>
+            <a:ext cx="8717816" cy="3684125"/>
           </a:xfrm>
         </p:spPr>
         <p:txBody>
           <a:bodyPr anchor="b"/>
           <a:lstStyle>
             <a:lvl1pPr>
-              <a:defRPr sz="6000"/>
+              <a:defRPr sz="6632"/>
             </a:lvl1pPr>
           </a:lstStyle>
           <a:p>
@@ -864,7 +869,7 @@
               <a:rPr lang="en-US" smtClean="0"/>
               <a:t>Click to edit Master title style</a:t>
             </a:r>
-            <a:endParaRPr lang="pt-BR"/>
+            <a:endParaRPr lang="en-US" dirty="0"/>
           </a:p>
         </p:txBody>
       </p:sp>
@@ -880,8 +885,8 @@
         </p:nvSpPr>
         <p:spPr>
           <a:xfrm>
-            <a:off x="831850" y="4589463"/>
-            <a:ext cx="10515600" cy="1500187"/>
+            <a:off x="689635" y="5926996"/>
+            <a:ext cx="8717816" cy="1937394"/>
           </a:xfrm>
         </p:spPr>
         <p:txBody>
@@ -889,17 +894,15 @@
           <a:lstStyle>
             <a:lvl1pPr marL="0" indent="0">
               <a:buNone/>
-              <a:defRPr sz="2400">
+              <a:defRPr sz="2653">
                 <a:solidFill>
-                  <a:schemeClr val="tx1">
-                    <a:tint val="75000"/>
-                  </a:schemeClr>
+                  <a:schemeClr val="tx1"/>
                 </a:solidFill>
               </a:defRPr>
             </a:lvl1pPr>
-            <a:lvl2pPr marL="457200" indent="0">
-              <a:buNone/>
-              <a:defRPr sz="2000">
+            <a:lvl2pPr marL="505389" indent="0">
+              <a:buNone/>
+              <a:defRPr sz="2211">
                 <a:solidFill>
                   <a:schemeClr val="tx1">
                     <a:tint val="75000"/>
@@ -907,9 +910,9 @@
                 </a:solidFill>
               </a:defRPr>
             </a:lvl2pPr>
-            <a:lvl3pPr marL="914400" indent="0">
-              <a:buNone/>
-              <a:defRPr sz="1800">
+            <a:lvl3pPr marL="1010778" indent="0">
+              <a:buNone/>
+              <a:defRPr sz="1990">
                 <a:solidFill>
                   <a:schemeClr val="tx1">
                     <a:tint val="75000"/>
@@ -917,9 +920,9 @@
                 </a:solidFill>
               </a:defRPr>
             </a:lvl3pPr>
-            <a:lvl4pPr marL="1371600" indent="0">
-              <a:buNone/>
-              <a:defRPr sz="1600">
+            <a:lvl4pPr marL="1516167" indent="0">
+              <a:buNone/>
+              <a:defRPr sz="1769">
                 <a:solidFill>
                   <a:schemeClr val="tx1">
                     <a:tint val="75000"/>
@@ -927,9 +930,9 @@
                 </a:solidFill>
               </a:defRPr>
             </a:lvl4pPr>
-            <a:lvl5pPr marL="1828800" indent="0">
-              <a:buNone/>
-              <a:defRPr sz="1600">
+            <a:lvl5pPr marL="2021556" indent="0">
+              <a:buNone/>
+              <a:defRPr sz="1769">
                 <a:solidFill>
                   <a:schemeClr val="tx1">
                     <a:tint val="75000"/>
@@ -937,9 +940,9 @@
                 </a:solidFill>
               </a:defRPr>
             </a:lvl5pPr>
-            <a:lvl6pPr marL="2286000" indent="0">
-              <a:buNone/>
-              <a:defRPr sz="1600">
+            <a:lvl6pPr marL="2526944" indent="0">
+              <a:buNone/>
+              <a:defRPr sz="1769">
                 <a:solidFill>
                   <a:schemeClr val="tx1">
                     <a:tint val="75000"/>
@@ -947,9 +950,9 @@
                 </a:solidFill>
               </a:defRPr>
             </a:lvl6pPr>
-            <a:lvl7pPr marL="2743200" indent="0">
-              <a:buNone/>
-              <a:defRPr sz="1600">
+            <a:lvl7pPr marL="3032333" indent="0">
+              <a:buNone/>
+              <a:defRPr sz="1769">
                 <a:solidFill>
                   <a:schemeClr val="tx1">
                     <a:tint val="75000"/>
@@ -957,9 +960,9 @@
                 </a:solidFill>
               </a:defRPr>
             </a:lvl7pPr>
-            <a:lvl8pPr marL="3200400" indent="0">
-              <a:buNone/>
-              <a:defRPr sz="1600">
+            <a:lvl8pPr marL="3537722" indent="0">
+              <a:buNone/>
+              <a:defRPr sz="1769">
                 <a:solidFill>
                   <a:schemeClr val="tx1">
                     <a:tint val="75000"/>
@@ -967,9 +970,9 @@
                 </a:solidFill>
               </a:defRPr>
             </a:lvl8pPr>
-            <a:lvl9pPr marL="3657600" indent="0">
-              <a:buNone/>
-              <a:defRPr sz="1600">
+            <a:lvl9pPr marL="4043111" indent="0">
+              <a:buNone/>
+              <a:defRPr sz="1769">
                 <a:solidFill>
                   <a:schemeClr val="tx1">
                     <a:tint val="75000"/>
@@ -1004,7 +1007,7 @@
           <a:p>
             <a:fld id="{2E538E35-4A08-48D2-89A5-89C6CF66D327}" type="datetimeFigureOut">
               <a:rPr lang="pt-BR" smtClean="0"/>
-              <a:t>18/04/2017</a:t>
+              <a:t>26/04/2017</a:t>
             </a:fld>
             <a:endParaRPr lang="pt-BR"/>
           </a:p>
@@ -1055,7 +1058,7 @@
     </p:spTree>
     <p:extLst>
       <p:ext uri="{BB962C8B-B14F-4D97-AF65-F5344CB8AC3E}">
-        <p14:creationId xmlns:p14="http://schemas.microsoft.com/office/powerpoint/2010/main" val="2607486825"/>
+        <p14:creationId xmlns:p14="http://schemas.microsoft.com/office/powerpoint/2010/main" val="1017082435"/>
       </p:ext>
     </p:extLst>
   </p:cSld>
@@ -1101,7 +1104,7 @@
               <a:rPr lang="en-US" smtClean="0"/>
               <a:t>Click to edit Master title style</a:t>
             </a:r>
-            <a:endParaRPr lang="pt-BR"/>
+            <a:endParaRPr lang="en-US" dirty="0"/>
           </a:p>
         </p:txBody>
       </p:sp>
@@ -1117,8 +1120,8 @@
         </p:nvSpPr>
         <p:spPr>
           <a:xfrm>
-            <a:off x="838200" y="1825625"/>
-            <a:ext cx="5181600" cy="4351338"/>
+            <a:off x="694898" y="2357677"/>
+            <a:ext cx="4295736" cy="5619471"/>
           </a:xfrm>
         </p:spPr>
         <p:txBody>
@@ -1158,7 +1161,7 @@
               <a:rPr lang="en-US" smtClean="0"/>
               <a:t>Fifth level</a:t>
             </a:r>
-            <a:endParaRPr lang="pt-BR"/>
+            <a:endParaRPr lang="en-US" dirty="0"/>
           </a:p>
         </p:txBody>
       </p:sp>
@@ -1174,8 +1177,8 @@
         </p:nvSpPr>
         <p:spPr>
           <a:xfrm>
-            <a:off x="6172200" y="1825625"/>
-            <a:ext cx="5181600" cy="4351338"/>
+            <a:off x="5116979" y="2357677"/>
+            <a:ext cx="4295736" cy="5619471"/>
           </a:xfrm>
         </p:spPr>
         <p:txBody>
@@ -1215,7 +1218,7 @@
               <a:rPr lang="en-US" smtClean="0"/>
               <a:t>Fifth level</a:t>
             </a:r>
-            <a:endParaRPr lang="pt-BR"/>
+            <a:endParaRPr lang="en-US" dirty="0"/>
           </a:p>
         </p:txBody>
       </p:sp>
@@ -1236,7 +1239,7 @@
           <a:p>
             <a:fld id="{2E538E35-4A08-48D2-89A5-89C6CF66D327}" type="datetimeFigureOut">
               <a:rPr lang="pt-BR" smtClean="0"/>
-              <a:t>18/04/2017</a:t>
+              <a:t>26/04/2017</a:t>
             </a:fld>
             <a:endParaRPr lang="pt-BR"/>
           </a:p>
@@ -1287,7 +1290,7 @@
     </p:spTree>
     <p:extLst>
       <p:ext uri="{BB962C8B-B14F-4D97-AF65-F5344CB8AC3E}">
-        <p14:creationId xmlns:p14="http://schemas.microsoft.com/office/powerpoint/2010/main" val="1649774202"/>
+        <p14:creationId xmlns:p14="http://schemas.microsoft.com/office/powerpoint/2010/main" val="3888093889"/>
       </p:ext>
     </p:extLst>
   </p:cSld>
@@ -1326,8 +1329,8 @@
         </p:nvSpPr>
         <p:spPr>
           <a:xfrm>
-            <a:off x="839788" y="365125"/>
-            <a:ext cx="10515600" cy="1325563"/>
+            <a:off x="696215" y="471537"/>
+            <a:ext cx="8717816" cy="1711879"/>
           </a:xfrm>
         </p:spPr>
         <p:txBody>
@@ -1338,7 +1341,7 @@
               <a:rPr lang="en-US" smtClean="0"/>
               <a:t>Click to edit Master title style</a:t>
             </a:r>
-            <a:endParaRPr lang="pt-BR"/>
+            <a:endParaRPr lang="en-US" dirty="0"/>
           </a:p>
         </p:txBody>
       </p:sp>
@@ -1354,8 +1357,8 @@
         </p:nvSpPr>
         <p:spPr>
           <a:xfrm>
-            <a:off x="839788" y="1681163"/>
-            <a:ext cx="5157787" cy="823912"/>
+            <a:off x="696216" y="2171113"/>
+            <a:ext cx="4275993" cy="1064029"/>
           </a:xfrm>
         </p:spPr>
         <p:txBody>
@@ -1363,39 +1366,39 @@
           <a:lstStyle>
             <a:lvl1pPr marL="0" indent="0">
               <a:buNone/>
-              <a:defRPr sz="2400" b="1"/>
+              <a:defRPr sz="2653" b="1"/>
             </a:lvl1pPr>
-            <a:lvl2pPr marL="457200" indent="0">
-              <a:buNone/>
-              <a:defRPr sz="2000" b="1"/>
+            <a:lvl2pPr marL="505389" indent="0">
+              <a:buNone/>
+              <a:defRPr sz="2211" b="1"/>
             </a:lvl2pPr>
-            <a:lvl3pPr marL="914400" indent="0">
-              <a:buNone/>
-              <a:defRPr sz="1800" b="1"/>
+            <a:lvl3pPr marL="1010778" indent="0">
+              <a:buNone/>
+              <a:defRPr sz="1990" b="1"/>
             </a:lvl3pPr>
-            <a:lvl4pPr marL="1371600" indent="0">
-              <a:buNone/>
-              <a:defRPr sz="1600" b="1"/>
+            <a:lvl4pPr marL="1516167" indent="0">
+              <a:buNone/>
+              <a:defRPr sz="1769" b="1"/>
             </a:lvl4pPr>
-            <a:lvl5pPr marL="1828800" indent="0">
-              <a:buNone/>
-              <a:defRPr sz="1600" b="1"/>
+            <a:lvl5pPr marL="2021556" indent="0">
+              <a:buNone/>
+              <a:defRPr sz="1769" b="1"/>
             </a:lvl5pPr>
-            <a:lvl6pPr marL="2286000" indent="0">
-              <a:buNone/>
-              <a:defRPr sz="1600" b="1"/>
+            <a:lvl6pPr marL="2526944" indent="0">
+              <a:buNone/>
+              <a:defRPr sz="1769" b="1"/>
             </a:lvl6pPr>
-            <a:lvl7pPr marL="2743200" indent="0">
-              <a:buNone/>
-              <a:defRPr sz="1600" b="1"/>
+            <a:lvl7pPr marL="3032333" indent="0">
+              <a:buNone/>
+              <a:defRPr sz="1769" b="1"/>
             </a:lvl7pPr>
-            <a:lvl8pPr marL="3200400" indent="0">
-              <a:buNone/>
-              <a:defRPr sz="1600" b="1"/>
+            <a:lvl8pPr marL="3537722" indent="0">
+              <a:buNone/>
+              <a:defRPr sz="1769" b="1"/>
             </a:lvl8pPr>
-            <a:lvl9pPr marL="3657600" indent="0">
-              <a:buNone/>
-              <a:defRPr sz="1600" b="1"/>
+            <a:lvl9pPr marL="4043111" indent="0">
+              <a:buNone/>
+              <a:defRPr sz="1769" b="1"/>
             </a:lvl9pPr>
           </a:lstStyle>
           <a:p>
@@ -1419,8 +1422,8 @@
         </p:nvSpPr>
         <p:spPr>
           <a:xfrm>
-            <a:off x="839788" y="2505075"/>
-            <a:ext cx="5157787" cy="3684588"/>
+            <a:off x="696216" y="3235142"/>
+            <a:ext cx="4275993" cy="4758407"/>
           </a:xfrm>
         </p:spPr>
         <p:txBody>
@@ -1460,7 +1463,7 @@
               <a:rPr lang="en-US" smtClean="0"/>
               <a:t>Fifth level</a:t>
             </a:r>
-            <a:endParaRPr lang="pt-BR"/>
+            <a:endParaRPr lang="en-US" dirty="0"/>
           </a:p>
         </p:txBody>
       </p:sp>
@@ -1476,8 +1479,8 @@
         </p:nvSpPr>
         <p:spPr>
           <a:xfrm>
-            <a:off x="6172200" y="1681163"/>
-            <a:ext cx="5183188" cy="823912"/>
+            <a:off x="5116980" y="2171113"/>
+            <a:ext cx="4297052" cy="1064029"/>
           </a:xfrm>
         </p:spPr>
         <p:txBody>
@@ -1485,39 +1488,39 @@
           <a:lstStyle>
             <a:lvl1pPr marL="0" indent="0">
               <a:buNone/>
-              <a:defRPr sz="2400" b="1"/>
+              <a:defRPr sz="2653" b="1"/>
             </a:lvl1pPr>
-            <a:lvl2pPr marL="457200" indent="0">
-              <a:buNone/>
-              <a:defRPr sz="2000" b="1"/>
+            <a:lvl2pPr marL="505389" indent="0">
+              <a:buNone/>
+              <a:defRPr sz="2211" b="1"/>
             </a:lvl2pPr>
-            <a:lvl3pPr marL="914400" indent="0">
-              <a:buNone/>
-              <a:defRPr sz="1800" b="1"/>
+            <a:lvl3pPr marL="1010778" indent="0">
+              <a:buNone/>
+              <a:defRPr sz="1990" b="1"/>
             </a:lvl3pPr>
-            <a:lvl4pPr marL="1371600" indent="0">
-              <a:buNone/>
-              <a:defRPr sz="1600" b="1"/>
+            <a:lvl4pPr marL="1516167" indent="0">
+              <a:buNone/>
+              <a:defRPr sz="1769" b="1"/>
             </a:lvl4pPr>
-            <a:lvl5pPr marL="1828800" indent="0">
-              <a:buNone/>
-              <a:defRPr sz="1600" b="1"/>
+            <a:lvl5pPr marL="2021556" indent="0">
+              <a:buNone/>
+              <a:defRPr sz="1769" b="1"/>
             </a:lvl5pPr>
-            <a:lvl6pPr marL="2286000" indent="0">
-              <a:buNone/>
-              <a:defRPr sz="1600" b="1"/>
+            <a:lvl6pPr marL="2526944" indent="0">
+              <a:buNone/>
+              <a:defRPr sz="1769" b="1"/>
             </a:lvl6pPr>
-            <a:lvl7pPr marL="2743200" indent="0">
-              <a:buNone/>
-              <a:defRPr sz="1600" b="1"/>
+            <a:lvl7pPr marL="3032333" indent="0">
+              <a:buNone/>
+              <a:defRPr sz="1769" b="1"/>
             </a:lvl7pPr>
-            <a:lvl8pPr marL="3200400" indent="0">
-              <a:buNone/>
-              <a:defRPr sz="1600" b="1"/>
+            <a:lvl8pPr marL="3537722" indent="0">
+              <a:buNone/>
+              <a:defRPr sz="1769" b="1"/>
             </a:lvl8pPr>
-            <a:lvl9pPr marL="3657600" indent="0">
-              <a:buNone/>
-              <a:defRPr sz="1600" b="1"/>
+            <a:lvl9pPr marL="4043111" indent="0">
+              <a:buNone/>
+              <a:defRPr sz="1769" b="1"/>
             </a:lvl9pPr>
           </a:lstStyle>
           <a:p>
@@ -1541,8 +1544,8 @@
         </p:nvSpPr>
         <p:spPr>
           <a:xfrm>
-            <a:off x="6172200" y="2505075"/>
-            <a:ext cx="5183188" cy="3684588"/>
+            <a:off x="5116980" y="3235142"/>
+            <a:ext cx="4297052" cy="4758407"/>
           </a:xfrm>
         </p:spPr>
         <p:txBody>
@@ -1582,7 +1585,7 @@
               <a:rPr lang="en-US" smtClean="0"/>
               <a:t>Fifth level</a:t>
             </a:r>
-            <a:endParaRPr lang="pt-BR"/>
+            <a:endParaRPr lang="en-US" dirty="0"/>
           </a:p>
         </p:txBody>
       </p:sp>
@@ -1603,7 +1606,7 @@
           <a:p>
             <a:fld id="{2E538E35-4A08-48D2-89A5-89C6CF66D327}" type="datetimeFigureOut">
               <a:rPr lang="pt-BR" smtClean="0"/>
-              <a:t>18/04/2017</a:t>
+              <a:t>26/04/2017</a:t>
             </a:fld>
             <a:endParaRPr lang="pt-BR"/>
           </a:p>
@@ -1654,7 +1657,7 @@
     </p:spTree>
     <p:extLst>
       <p:ext uri="{BB962C8B-B14F-4D97-AF65-F5344CB8AC3E}">
-        <p14:creationId xmlns:p14="http://schemas.microsoft.com/office/powerpoint/2010/main" val="3607719394"/>
+        <p14:creationId xmlns:p14="http://schemas.microsoft.com/office/powerpoint/2010/main" val="3492018013"/>
       </p:ext>
     </p:extLst>
   </p:cSld>
@@ -1700,7 +1703,7 @@
               <a:rPr lang="en-US" smtClean="0"/>
               <a:t>Click to edit Master title style</a:t>
             </a:r>
-            <a:endParaRPr lang="pt-BR"/>
+            <a:endParaRPr lang="en-US" dirty="0"/>
           </a:p>
         </p:txBody>
       </p:sp>
@@ -1721,7 +1724,7 @@
           <a:p>
             <a:fld id="{2E538E35-4A08-48D2-89A5-89C6CF66D327}" type="datetimeFigureOut">
               <a:rPr lang="pt-BR" smtClean="0"/>
-              <a:t>18/04/2017</a:t>
+              <a:t>26/04/2017</a:t>
             </a:fld>
             <a:endParaRPr lang="pt-BR"/>
           </a:p>
@@ -1772,7 +1775,7 @@
     </p:spTree>
     <p:extLst>
       <p:ext uri="{BB962C8B-B14F-4D97-AF65-F5344CB8AC3E}">
-        <p14:creationId xmlns:p14="http://schemas.microsoft.com/office/powerpoint/2010/main" val="2020987423"/>
+        <p14:creationId xmlns:p14="http://schemas.microsoft.com/office/powerpoint/2010/main" val="3758043534"/>
       </p:ext>
     </p:extLst>
   </p:cSld>
@@ -1816,7 +1819,7 @@
           <a:p>
             <a:fld id="{2E538E35-4A08-48D2-89A5-89C6CF66D327}" type="datetimeFigureOut">
               <a:rPr lang="pt-BR" smtClean="0"/>
-              <a:t>18/04/2017</a:t>
+              <a:t>26/04/2017</a:t>
             </a:fld>
             <a:endParaRPr lang="pt-BR"/>
           </a:p>
@@ -1867,7 +1870,7 @@
     </p:spTree>
     <p:extLst>
       <p:ext uri="{BB962C8B-B14F-4D97-AF65-F5344CB8AC3E}">
-        <p14:creationId xmlns:p14="http://schemas.microsoft.com/office/powerpoint/2010/main" val="3255791638"/>
+        <p14:creationId xmlns:p14="http://schemas.microsoft.com/office/powerpoint/2010/main" val="2880037176"/>
       </p:ext>
     </p:extLst>
   </p:cSld>
@@ -1906,15 +1909,15 @@
         </p:nvSpPr>
         <p:spPr>
           <a:xfrm>
-            <a:off x="839788" y="457200"/>
-            <a:ext cx="3932237" cy="1600200"/>
+            <a:off x="696215" y="590444"/>
+            <a:ext cx="3259968" cy="2066555"/>
           </a:xfrm>
         </p:spPr>
         <p:txBody>
           <a:bodyPr anchor="b"/>
           <a:lstStyle>
             <a:lvl1pPr>
-              <a:defRPr sz="3200"/>
+              <a:defRPr sz="3537"/>
             </a:lvl1pPr>
           </a:lstStyle>
           <a:p>
@@ -1922,7 +1925,7 @@
               <a:rPr lang="en-US" smtClean="0"/>
               <a:t>Click to edit Master title style</a:t>
             </a:r>
-            <a:endParaRPr lang="pt-BR"/>
+            <a:endParaRPr lang="en-US" dirty="0"/>
           </a:p>
         </p:txBody>
       </p:sp>
@@ -1938,39 +1941,39 @@
         </p:nvSpPr>
         <p:spPr>
           <a:xfrm>
-            <a:off x="5183188" y="987425"/>
-            <a:ext cx="6172200" cy="4873625"/>
+            <a:off x="4297052" y="1275197"/>
+            <a:ext cx="5116979" cy="6293971"/>
           </a:xfrm>
         </p:spPr>
         <p:txBody>
           <a:bodyPr/>
           <a:lstStyle>
             <a:lvl1pPr>
-              <a:defRPr sz="3200"/>
+              <a:defRPr sz="3537"/>
             </a:lvl1pPr>
             <a:lvl2pPr>
-              <a:defRPr sz="2800"/>
+              <a:defRPr sz="3095"/>
             </a:lvl2pPr>
             <a:lvl3pPr>
-              <a:defRPr sz="2400"/>
+              <a:defRPr sz="2653"/>
             </a:lvl3pPr>
             <a:lvl4pPr>
-              <a:defRPr sz="2000"/>
+              <a:defRPr sz="2211"/>
             </a:lvl4pPr>
             <a:lvl5pPr>
-              <a:defRPr sz="2000"/>
+              <a:defRPr sz="2211"/>
             </a:lvl5pPr>
             <a:lvl6pPr>
-              <a:defRPr sz="2000"/>
+              <a:defRPr sz="2211"/>
             </a:lvl6pPr>
             <a:lvl7pPr>
-              <a:defRPr sz="2000"/>
+              <a:defRPr sz="2211"/>
             </a:lvl7pPr>
             <a:lvl8pPr>
-              <a:defRPr sz="2000"/>
+              <a:defRPr sz="2211"/>
             </a:lvl8pPr>
             <a:lvl9pPr>
-              <a:defRPr sz="2000"/>
+              <a:defRPr sz="2211"/>
             </a:lvl9pPr>
           </a:lstStyle>
           <a:p>
@@ -2007,7 +2010,7 @@
               <a:rPr lang="en-US" smtClean="0"/>
               <a:t>Fifth level</a:t>
             </a:r>
-            <a:endParaRPr lang="pt-BR"/>
+            <a:endParaRPr lang="en-US" dirty="0"/>
           </a:p>
         </p:txBody>
       </p:sp>
@@ -2023,8 +2026,8 @@
         </p:nvSpPr>
         <p:spPr>
           <a:xfrm>
-            <a:off x="839788" y="2057400"/>
-            <a:ext cx="3932237" cy="3811588"/>
+            <a:off x="696215" y="2656999"/>
+            <a:ext cx="3259968" cy="4922419"/>
           </a:xfrm>
         </p:spPr>
         <p:txBody>
@@ -2032,39 +2035,39 @@
           <a:lstStyle>
             <a:lvl1pPr marL="0" indent="0">
               <a:buNone/>
-              <a:defRPr sz="1600"/>
+              <a:defRPr sz="1769"/>
             </a:lvl1pPr>
-            <a:lvl2pPr marL="457200" indent="0">
-              <a:buNone/>
-              <a:defRPr sz="1400"/>
+            <a:lvl2pPr marL="505389" indent="0">
+              <a:buNone/>
+              <a:defRPr sz="1548"/>
             </a:lvl2pPr>
-            <a:lvl3pPr marL="914400" indent="0">
-              <a:buNone/>
-              <a:defRPr sz="1200"/>
+            <a:lvl3pPr marL="1010778" indent="0">
+              <a:buNone/>
+              <a:defRPr sz="1326"/>
             </a:lvl3pPr>
-            <a:lvl4pPr marL="1371600" indent="0">
-              <a:buNone/>
-              <a:defRPr sz="1000"/>
+            <a:lvl4pPr marL="1516167" indent="0">
+              <a:buNone/>
+              <a:defRPr sz="1105"/>
             </a:lvl4pPr>
-            <a:lvl5pPr marL="1828800" indent="0">
-              <a:buNone/>
-              <a:defRPr sz="1000"/>
+            <a:lvl5pPr marL="2021556" indent="0">
+              <a:buNone/>
+              <a:defRPr sz="1105"/>
             </a:lvl5pPr>
-            <a:lvl6pPr marL="2286000" indent="0">
-              <a:buNone/>
-              <a:defRPr sz="1000"/>
+            <a:lvl6pPr marL="2526944" indent="0">
+              <a:buNone/>
+              <a:defRPr sz="1105"/>
             </a:lvl6pPr>
-            <a:lvl7pPr marL="2743200" indent="0">
-              <a:buNone/>
-              <a:defRPr sz="1000"/>
+            <a:lvl7pPr marL="3032333" indent="0">
+              <a:buNone/>
+              <a:defRPr sz="1105"/>
             </a:lvl7pPr>
-            <a:lvl8pPr marL="3200400" indent="0">
-              <a:buNone/>
-              <a:defRPr sz="1000"/>
+            <a:lvl8pPr marL="3537722" indent="0">
+              <a:buNone/>
+              <a:defRPr sz="1105"/>
             </a:lvl8pPr>
-            <a:lvl9pPr marL="3657600" indent="0">
-              <a:buNone/>
-              <a:defRPr sz="1000"/>
+            <a:lvl9pPr marL="4043111" indent="0">
+              <a:buNone/>
+              <a:defRPr sz="1105"/>
             </a:lvl9pPr>
           </a:lstStyle>
           <a:p>
@@ -2093,7 +2096,7 @@
           <a:p>
             <a:fld id="{2E538E35-4A08-48D2-89A5-89C6CF66D327}" type="datetimeFigureOut">
               <a:rPr lang="pt-BR" smtClean="0"/>
-              <a:t>18/04/2017</a:t>
+              <a:t>26/04/2017</a:t>
             </a:fld>
             <a:endParaRPr lang="pt-BR"/>
           </a:p>
@@ -2144,7 +2147,7 @@
     </p:spTree>
     <p:extLst>
       <p:ext uri="{BB962C8B-B14F-4D97-AF65-F5344CB8AC3E}">
-        <p14:creationId xmlns:p14="http://schemas.microsoft.com/office/powerpoint/2010/main" val="2458920776"/>
+        <p14:creationId xmlns:p14="http://schemas.microsoft.com/office/powerpoint/2010/main" val="31242726"/>
       </p:ext>
     </p:extLst>
   </p:cSld>
@@ -2183,15 +2186,15 @@
         </p:nvSpPr>
         <p:spPr>
           <a:xfrm>
-            <a:off x="839788" y="457200"/>
-            <a:ext cx="3932237" cy="1600200"/>
+            <a:off x="696215" y="590444"/>
+            <a:ext cx="3259968" cy="2066555"/>
           </a:xfrm>
         </p:spPr>
         <p:txBody>
           <a:bodyPr anchor="b"/>
           <a:lstStyle>
             <a:lvl1pPr>
-              <a:defRPr sz="3200"/>
+              <a:defRPr sz="3537"/>
             </a:lvl1pPr>
           </a:lstStyle>
           <a:p>
@@ -2199,7 +2202,7 @@
               <a:rPr lang="en-US" smtClean="0"/>
               <a:t>Click to edit Master title style</a:t>
             </a:r>
-            <a:endParaRPr lang="pt-BR"/>
+            <a:endParaRPr lang="en-US" dirty="0"/>
           </a:p>
         </p:txBody>
       </p:sp>
@@ -2207,7 +2210,7 @@
         <p:nvSpPr>
           <p:cNvPr id="3" name="Picture Placeholder 2"/>
           <p:cNvSpPr>
-            <a:spLocks noGrp="1"/>
+            <a:spLocks noGrp="1" noChangeAspect="1"/>
           </p:cNvSpPr>
           <p:nvPr>
             <p:ph type="pic" idx="1"/>
@@ -2215,52 +2218,56 @@
         </p:nvSpPr>
         <p:spPr>
           <a:xfrm>
-            <a:off x="5183188" y="987425"/>
-            <a:ext cx="6172200" cy="4873625"/>
-          </a:xfrm>
-        </p:spPr>
-        <p:txBody>
-          <a:bodyPr/>
+            <a:off x="4297052" y="1275197"/>
+            <a:ext cx="5116979" cy="6293971"/>
+          </a:xfrm>
+        </p:spPr>
+        <p:txBody>
+          <a:bodyPr anchor="t"/>
           <a:lstStyle>
             <a:lvl1pPr marL="0" indent="0">
               <a:buNone/>
-              <a:defRPr sz="3200"/>
+              <a:defRPr sz="3537"/>
             </a:lvl1pPr>
-            <a:lvl2pPr marL="457200" indent="0">
-              <a:buNone/>
-              <a:defRPr sz="2800"/>
+            <a:lvl2pPr marL="505389" indent="0">
+              <a:buNone/>
+              <a:defRPr sz="3095"/>
             </a:lvl2pPr>
-            <a:lvl3pPr marL="914400" indent="0">
-              <a:buNone/>
-              <a:defRPr sz="2400"/>
+            <a:lvl3pPr marL="1010778" indent="0">
+              <a:buNone/>
+              <a:defRPr sz="2653"/>
             </a:lvl3pPr>
-            <a:lvl4pPr marL="1371600" indent="0">
-              <a:buNone/>
-              <a:defRPr sz="2000"/>
+            <a:lvl4pPr marL="1516167" indent="0">
+              <a:buNone/>
+              <a:defRPr sz="2211"/>
             </a:lvl4pPr>
-            <a:lvl5pPr marL="1828800" indent="0">
-              <a:buNone/>
-              <a:defRPr sz="2000"/>
+            <a:lvl5pPr marL="2021556" indent="0">
+              <a:buNone/>
+              <a:defRPr sz="2211"/>
             </a:lvl5pPr>
-            <a:lvl6pPr marL="2286000" indent="0">
-              <a:buNone/>
-              <a:defRPr sz="2000"/>
+            <a:lvl6pPr marL="2526944" indent="0">
+              <a:buNone/>
+              <a:defRPr sz="2211"/>
             </a:lvl6pPr>
-            <a:lvl7pPr marL="2743200" indent="0">
-              <a:buNone/>
-              <a:defRPr sz="2000"/>
+            <a:lvl7pPr marL="3032333" indent="0">
+              <a:buNone/>
+              <a:defRPr sz="2211"/>
             </a:lvl7pPr>
-            <a:lvl8pPr marL="3200400" indent="0">
-              <a:buNone/>
-              <a:defRPr sz="2000"/>
+            <a:lvl8pPr marL="3537722" indent="0">
+              <a:buNone/>
+              <a:defRPr sz="2211"/>
             </a:lvl8pPr>
-            <a:lvl9pPr marL="3657600" indent="0">
-              <a:buNone/>
-              <a:defRPr sz="2000"/>
+            <a:lvl9pPr marL="4043111" indent="0">
+              <a:buNone/>
+              <a:defRPr sz="2211"/>
             </a:lvl9pPr>
           </a:lstStyle>
           <a:p>
-            <a:endParaRPr lang="pt-BR"/>
+            <a:r>
+              <a:rPr lang="en-US" smtClean="0"/>
+              <a:t>Click icon to add picture</a:t>
+            </a:r>
+            <a:endParaRPr lang="en-US" dirty="0"/>
           </a:p>
         </p:txBody>
       </p:sp>
@@ -2276,8 +2283,8 @@
         </p:nvSpPr>
         <p:spPr>
           <a:xfrm>
-            <a:off x="839788" y="2057400"/>
-            <a:ext cx="3932237" cy="3811588"/>
+            <a:off x="696215" y="2656999"/>
+            <a:ext cx="3259968" cy="4922419"/>
           </a:xfrm>
         </p:spPr>
         <p:txBody>
@@ -2285,39 +2292,39 @@
           <a:lstStyle>
             <a:lvl1pPr marL="0" indent="0">
               <a:buNone/>
-              <a:defRPr sz="1600"/>
+              <a:defRPr sz="1769"/>
             </a:lvl1pPr>
-            <a:lvl2pPr marL="457200" indent="0">
-              <a:buNone/>
-              <a:defRPr sz="1400"/>
+            <a:lvl2pPr marL="505389" indent="0">
+              <a:buNone/>
+              <a:defRPr sz="1548"/>
             </a:lvl2pPr>
-            <a:lvl3pPr marL="914400" indent="0">
-              <a:buNone/>
-              <a:defRPr sz="1200"/>
+            <a:lvl3pPr marL="1010778" indent="0">
+              <a:buNone/>
+              <a:defRPr sz="1326"/>
             </a:lvl3pPr>
-            <a:lvl4pPr marL="1371600" indent="0">
-              <a:buNone/>
-              <a:defRPr sz="1000"/>
+            <a:lvl4pPr marL="1516167" indent="0">
+              <a:buNone/>
+              <a:defRPr sz="1105"/>
             </a:lvl4pPr>
-            <a:lvl5pPr marL="1828800" indent="0">
-              <a:buNone/>
-              <a:defRPr sz="1000"/>
+            <a:lvl5pPr marL="2021556" indent="0">
+              <a:buNone/>
+              <a:defRPr sz="1105"/>
             </a:lvl5pPr>
-            <a:lvl6pPr marL="2286000" indent="0">
-              <a:buNone/>
-              <a:defRPr sz="1000"/>
+            <a:lvl6pPr marL="2526944" indent="0">
+              <a:buNone/>
+              <a:defRPr sz="1105"/>
             </a:lvl6pPr>
-            <a:lvl7pPr marL="2743200" indent="0">
-              <a:buNone/>
-              <a:defRPr sz="1000"/>
+            <a:lvl7pPr marL="3032333" indent="0">
+              <a:buNone/>
+              <a:defRPr sz="1105"/>
             </a:lvl7pPr>
-            <a:lvl8pPr marL="3200400" indent="0">
-              <a:buNone/>
-              <a:defRPr sz="1000"/>
+            <a:lvl8pPr marL="3537722" indent="0">
+              <a:buNone/>
+              <a:defRPr sz="1105"/>
             </a:lvl8pPr>
-            <a:lvl9pPr marL="3657600" indent="0">
-              <a:buNone/>
-              <a:defRPr sz="1000"/>
+            <a:lvl9pPr marL="4043111" indent="0">
+              <a:buNone/>
+              <a:defRPr sz="1105"/>
             </a:lvl9pPr>
           </a:lstStyle>
           <a:p>
@@ -2346,7 +2353,7 @@
           <a:p>
             <a:fld id="{2E538E35-4A08-48D2-89A5-89C6CF66D327}" type="datetimeFigureOut">
               <a:rPr lang="pt-BR" smtClean="0"/>
-              <a:t>18/04/2017</a:t>
+              <a:t>26/04/2017</a:t>
             </a:fld>
             <a:endParaRPr lang="pt-BR"/>
           </a:p>
@@ -2397,7 +2404,7 @@
     </p:spTree>
     <p:extLst>
       <p:ext uri="{BB962C8B-B14F-4D97-AF65-F5344CB8AC3E}">
-        <p14:creationId xmlns:p14="http://schemas.microsoft.com/office/powerpoint/2010/main" val="2536845740"/>
+        <p14:creationId xmlns:p14="http://schemas.microsoft.com/office/powerpoint/2010/main" val="1055630057"/>
       </p:ext>
     </p:extLst>
   </p:cSld>
@@ -2441,8 +2448,8 @@
         </p:nvSpPr>
         <p:spPr>
           <a:xfrm>
-            <a:off x="838200" y="365125"/>
-            <a:ext cx="10515600" cy="1325563"/>
+            <a:off x="694899" y="471537"/>
+            <a:ext cx="8717816" cy="1711879"/>
           </a:xfrm>
           <a:prstGeom prst="rect">
             <a:avLst/>
@@ -2458,7 +2465,7 @@
               <a:rPr lang="en-US" smtClean="0"/>
               <a:t>Click to edit Master title style</a:t>
             </a:r>
-            <a:endParaRPr lang="pt-BR"/>
+            <a:endParaRPr lang="en-US" dirty="0"/>
           </a:p>
         </p:txBody>
       </p:sp>
@@ -2474,8 +2481,8 @@
         </p:nvSpPr>
         <p:spPr>
           <a:xfrm>
-            <a:off x="838200" y="1825625"/>
-            <a:ext cx="10515600" cy="4351338"/>
+            <a:off x="694899" y="2357677"/>
+            <a:ext cx="8717816" cy="5619471"/>
           </a:xfrm>
           <a:prstGeom prst="rect">
             <a:avLst/>
@@ -2520,7 +2527,7 @@
               <a:rPr lang="en-US" smtClean="0"/>
               <a:t>Fifth level</a:t>
             </a:r>
-            <a:endParaRPr lang="pt-BR"/>
+            <a:endParaRPr lang="en-US" dirty="0"/>
           </a:p>
         </p:txBody>
       </p:sp>
@@ -2536,8 +2543,8 @@
         </p:nvSpPr>
         <p:spPr>
           <a:xfrm>
-            <a:off x="838200" y="6356350"/>
-            <a:ext cx="2743200" cy="365125"/>
+            <a:off x="694898" y="8208817"/>
+            <a:ext cx="2274213" cy="471535"/>
           </a:xfrm>
           <a:prstGeom prst="rect">
             <a:avLst/>
@@ -2547,7 +2554,7 @@
           <a:bodyPr vert="horz" lIns="91440" tIns="45720" rIns="91440" bIns="45720" rtlCol="0" anchor="ctr"/>
           <a:lstStyle>
             <a:lvl1pPr algn="l">
-              <a:defRPr sz="1200">
+              <a:defRPr sz="1326">
                 <a:solidFill>
                   <a:schemeClr val="tx1">
                     <a:tint val="75000"/>
@@ -2559,7 +2566,7 @@
           <a:p>
             <a:fld id="{2E538E35-4A08-48D2-89A5-89C6CF66D327}" type="datetimeFigureOut">
               <a:rPr lang="pt-BR" smtClean="0"/>
-              <a:t>18/04/2017</a:t>
+              <a:t>26/04/2017</a:t>
             </a:fld>
             <a:endParaRPr lang="pt-BR"/>
           </a:p>
@@ -2577,8 +2584,8 @@
         </p:nvSpPr>
         <p:spPr>
           <a:xfrm>
-            <a:off x="4038600" y="6356350"/>
-            <a:ext cx="4114800" cy="365125"/>
+            <a:off x="3348147" y="8208817"/>
+            <a:ext cx="3411319" cy="471535"/>
           </a:xfrm>
           <a:prstGeom prst="rect">
             <a:avLst/>
@@ -2588,7 +2595,7 @@
           <a:bodyPr vert="horz" lIns="91440" tIns="45720" rIns="91440" bIns="45720" rtlCol="0" anchor="ctr"/>
           <a:lstStyle>
             <a:lvl1pPr algn="ctr">
-              <a:defRPr sz="1200">
+              <a:defRPr sz="1326">
                 <a:solidFill>
                   <a:schemeClr val="tx1">
                     <a:tint val="75000"/>
@@ -2614,8 +2621,8 @@
         </p:nvSpPr>
         <p:spPr>
           <a:xfrm>
-            <a:off x="8610600" y="6356350"/>
-            <a:ext cx="2743200" cy="365125"/>
+            <a:off x="7138502" y="8208817"/>
+            <a:ext cx="2274213" cy="471535"/>
           </a:xfrm>
           <a:prstGeom prst="rect">
             <a:avLst/>
@@ -2625,7 +2632,7 @@
           <a:bodyPr vert="horz" lIns="91440" tIns="45720" rIns="91440" bIns="45720" rtlCol="0" anchor="ctr"/>
           <a:lstStyle>
             <a:lvl1pPr algn="r">
-              <a:defRPr sz="1200">
+              <a:defRPr sz="1326">
                 <a:solidFill>
                   <a:schemeClr val="tx1">
                     <a:tint val="75000"/>
@@ -2646,27 +2653,27 @@
     </p:spTree>
     <p:extLst>
       <p:ext uri="{BB962C8B-B14F-4D97-AF65-F5344CB8AC3E}">
-        <p14:creationId xmlns:p14="http://schemas.microsoft.com/office/powerpoint/2010/main" val="3102941678"/>
+        <p14:creationId xmlns:p14="http://schemas.microsoft.com/office/powerpoint/2010/main" val="1987631323"/>
       </p:ext>
     </p:extLst>
   </p:cSld>
   <p:clrMap bg1="lt1" tx1="dk1" bg2="lt2" tx2="dk2" accent1="accent1" accent2="accent2" accent3="accent3" accent4="accent4" accent5="accent5" accent6="accent6" hlink="hlink" folHlink="folHlink"/>
   <p:sldLayoutIdLst>
-    <p:sldLayoutId id="2147483649" r:id="rId1"/>
-    <p:sldLayoutId id="2147483650" r:id="rId2"/>
-    <p:sldLayoutId id="2147483651" r:id="rId3"/>
-    <p:sldLayoutId id="2147483652" r:id="rId4"/>
-    <p:sldLayoutId id="2147483653" r:id="rId5"/>
-    <p:sldLayoutId id="2147483654" r:id="rId6"/>
-    <p:sldLayoutId id="2147483655" r:id="rId7"/>
-    <p:sldLayoutId id="2147483656" r:id="rId8"/>
-    <p:sldLayoutId id="2147483657" r:id="rId9"/>
-    <p:sldLayoutId id="2147483658" r:id="rId10"/>
-    <p:sldLayoutId id="2147483659" r:id="rId11"/>
+    <p:sldLayoutId id="2147483661" r:id="rId1"/>
+    <p:sldLayoutId id="2147483662" r:id="rId2"/>
+    <p:sldLayoutId id="2147483663" r:id="rId3"/>
+    <p:sldLayoutId id="2147483664" r:id="rId4"/>
+    <p:sldLayoutId id="2147483665" r:id="rId5"/>
+    <p:sldLayoutId id="2147483666" r:id="rId6"/>
+    <p:sldLayoutId id="2147483667" r:id="rId7"/>
+    <p:sldLayoutId id="2147483668" r:id="rId8"/>
+    <p:sldLayoutId id="2147483669" r:id="rId9"/>
+    <p:sldLayoutId id="2147483670" r:id="rId10"/>
+    <p:sldLayoutId id="2147483671" r:id="rId11"/>
   </p:sldLayoutIdLst>
   <p:txStyles>
     <p:titleStyle>
-      <a:lvl1pPr algn="l" defTabSz="914400" rtl="0" eaLnBrk="1" latinLnBrk="0" hangingPunct="1">
+      <a:lvl1pPr algn="l" defTabSz="1010778" rtl="0" eaLnBrk="1" latinLnBrk="0" hangingPunct="1">
         <a:lnSpc>
           <a:spcPct val="90000"/>
         </a:lnSpc>
@@ -2674,7 +2681,7 @@
           <a:spcPct val="0"/>
         </a:spcBef>
         <a:buNone/>
-        <a:defRPr sz="4400" kern="1200">
+        <a:defRPr sz="4864" kern="1200">
           <a:solidFill>
             <a:schemeClr val="tx1"/>
           </a:solidFill>
@@ -2685,16 +2692,16 @@
       </a:lvl1pPr>
     </p:titleStyle>
     <p:bodyStyle>
-      <a:lvl1pPr marL="228600" indent="-228600" algn="l" defTabSz="914400" rtl="0" eaLnBrk="1" latinLnBrk="0" hangingPunct="1">
+      <a:lvl1pPr marL="252694" indent="-252694" algn="l" defTabSz="1010778" rtl="0" eaLnBrk="1" latinLnBrk="0" hangingPunct="1">
         <a:lnSpc>
           <a:spcPct val="90000"/>
         </a:lnSpc>
         <a:spcBef>
-          <a:spcPts val="1000"/>
+          <a:spcPts val="1105"/>
         </a:spcBef>
         <a:buFont typeface="Arial" panose="020B0604020202020204" pitchFamily="34" charset="0"/>
         <a:buChar char="•"/>
-        <a:defRPr sz="2800" kern="1200">
+        <a:defRPr sz="3095" kern="1200">
           <a:solidFill>
             <a:schemeClr val="tx1"/>
           </a:solidFill>
@@ -2703,16 +2710,16 @@
           <a:cs typeface="+mn-cs"/>
         </a:defRPr>
       </a:lvl1pPr>
-      <a:lvl2pPr marL="685800" indent="-228600" algn="l" defTabSz="914400" rtl="0" eaLnBrk="1" latinLnBrk="0" hangingPunct="1">
+      <a:lvl2pPr marL="758083" indent="-252694" algn="l" defTabSz="1010778" rtl="0" eaLnBrk="1" latinLnBrk="0" hangingPunct="1">
         <a:lnSpc>
           <a:spcPct val="90000"/>
         </a:lnSpc>
         <a:spcBef>
-          <a:spcPts val="500"/>
+          <a:spcPts val="553"/>
         </a:spcBef>
         <a:buFont typeface="Arial" panose="020B0604020202020204" pitchFamily="34" charset="0"/>
         <a:buChar char="•"/>
-        <a:defRPr sz="2400" kern="1200">
+        <a:defRPr sz="2653" kern="1200">
           <a:solidFill>
             <a:schemeClr val="tx1"/>
           </a:solidFill>
@@ -2721,16 +2728,16 @@
           <a:cs typeface="+mn-cs"/>
         </a:defRPr>
       </a:lvl2pPr>
-      <a:lvl3pPr marL="1143000" indent="-228600" algn="l" defTabSz="914400" rtl="0" eaLnBrk="1" latinLnBrk="0" hangingPunct="1">
+      <a:lvl3pPr marL="1263472" indent="-252694" algn="l" defTabSz="1010778" rtl="0" eaLnBrk="1" latinLnBrk="0" hangingPunct="1">
         <a:lnSpc>
           <a:spcPct val="90000"/>
         </a:lnSpc>
         <a:spcBef>
-          <a:spcPts val="500"/>
+          <a:spcPts val="553"/>
         </a:spcBef>
         <a:buFont typeface="Arial" panose="020B0604020202020204" pitchFamily="34" charset="0"/>
         <a:buChar char="•"/>
-        <a:defRPr sz="2000" kern="1200">
+        <a:defRPr sz="2211" kern="1200">
           <a:solidFill>
             <a:schemeClr val="tx1"/>
           </a:solidFill>
@@ -2739,16 +2746,16 @@
           <a:cs typeface="+mn-cs"/>
         </a:defRPr>
       </a:lvl3pPr>
-      <a:lvl4pPr marL="1600200" indent="-228600" algn="l" defTabSz="914400" rtl="0" eaLnBrk="1" latinLnBrk="0" hangingPunct="1">
+      <a:lvl4pPr marL="1768861" indent="-252694" algn="l" defTabSz="1010778" rtl="0" eaLnBrk="1" latinLnBrk="0" hangingPunct="1">
         <a:lnSpc>
           <a:spcPct val="90000"/>
         </a:lnSpc>
         <a:spcBef>
-          <a:spcPts val="500"/>
+          <a:spcPts val="553"/>
         </a:spcBef>
         <a:buFont typeface="Arial" panose="020B0604020202020204" pitchFamily="34" charset="0"/>
         <a:buChar char="•"/>
-        <a:defRPr sz="1800" kern="1200">
+        <a:defRPr sz="1990" kern="1200">
           <a:solidFill>
             <a:schemeClr val="tx1"/>
           </a:solidFill>
@@ -2757,16 +2764,16 @@
           <a:cs typeface="+mn-cs"/>
         </a:defRPr>
       </a:lvl4pPr>
-      <a:lvl5pPr marL="2057400" indent="-228600" algn="l" defTabSz="914400" rtl="0" eaLnBrk="1" latinLnBrk="0" hangingPunct="1">
+      <a:lvl5pPr marL="2274250" indent="-252694" algn="l" defTabSz="1010778" rtl="0" eaLnBrk="1" latinLnBrk="0" hangingPunct="1">
         <a:lnSpc>
           <a:spcPct val="90000"/>
         </a:lnSpc>
         <a:spcBef>
-          <a:spcPts val="500"/>
+          <a:spcPts val="553"/>
         </a:spcBef>
         <a:buFont typeface="Arial" panose="020B0604020202020204" pitchFamily="34" charset="0"/>
         <a:buChar char="•"/>
-        <a:defRPr sz="1800" kern="1200">
+        <a:defRPr sz="1990" kern="1200">
           <a:solidFill>
             <a:schemeClr val="tx1"/>
           </a:solidFill>
@@ -2775,16 +2782,16 @@
           <a:cs typeface="+mn-cs"/>
         </a:defRPr>
       </a:lvl5pPr>
-      <a:lvl6pPr marL="2514600" indent="-228600" algn="l" defTabSz="914400" rtl="0" eaLnBrk="1" latinLnBrk="0" hangingPunct="1">
+      <a:lvl6pPr marL="2779639" indent="-252694" algn="l" defTabSz="1010778" rtl="0" eaLnBrk="1" latinLnBrk="0" hangingPunct="1">
         <a:lnSpc>
           <a:spcPct val="90000"/>
         </a:lnSpc>
         <a:spcBef>
-          <a:spcPts val="500"/>
+          <a:spcPts val="553"/>
         </a:spcBef>
         <a:buFont typeface="Arial" panose="020B0604020202020204" pitchFamily="34" charset="0"/>
         <a:buChar char="•"/>
-        <a:defRPr sz="1800" kern="1200">
+        <a:defRPr sz="1990" kern="1200">
           <a:solidFill>
             <a:schemeClr val="tx1"/>
           </a:solidFill>
@@ -2793,16 +2800,16 @@
           <a:cs typeface="+mn-cs"/>
         </a:defRPr>
       </a:lvl6pPr>
-      <a:lvl7pPr marL="2971800" indent="-228600" algn="l" defTabSz="914400" rtl="0" eaLnBrk="1" latinLnBrk="0" hangingPunct="1">
+      <a:lvl7pPr marL="3285028" indent="-252694" algn="l" defTabSz="1010778" rtl="0" eaLnBrk="1" latinLnBrk="0" hangingPunct="1">
         <a:lnSpc>
           <a:spcPct val="90000"/>
         </a:lnSpc>
         <a:spcBef>
-          <a:spcPts val="500"/>
+          <a:spcPts val="553"/>
         </a:spcBef>
         <a:buFont typeface="Arial" panose="020B0604020202020204" pitchFamily="34" charset="0"/>
         <a:buChar char="•"/>
-        <a:defRPr sz="1800" kern="1200">
+        <a:defRPr sz="1990" kern="1200">
           <a:solidFill>
             <a:schemeClr val="tx1"/>
           </a:solidFill>
@@ -2811,16 +2818,16 @@
           <a:cs typeface="+mn-cs"/>
         </a:defRPr>
       </a:lvl7pPr>
-      <a:lvl8pPr marL="3429000" indent="-228600" algn="l" defTabSz="914400" rtl="0" eaLnBrk="1" latinLnBrk="0" hangingPunct="1">
+      <a:lvl8pPr marL="3790417" indent="-252694" algn="l" defTabSz="1010778" rtl="0" eaLnBrk="1" latinLnBrk="0" hangingPunct="1">
         <a:lnSpc>
           <a:spcPct val="90000"/>
         </a:lnSpc>
         <a:spcBef>
-          <a:spcPts val="500"/>
+          <a:spcPts val="553"/>
         </a:spcBef>
         <a:buFont typeface="Arial" panose="020B0604020202020204" pitchFamily="34" charset="0"/>
         <a:buChar char="•"/>
-        <a:defRPr sz="1800" kern="1200">
+        <a:defRPr sz="1990" kern="1200">
           <a:solidFill>
             <a:schemeClr val="tx1"/>
           </a:solidFill>
@@ -2829,16 +2836,16 @@
           <a:cs typeface="+mn-cs"/>
         </a:defRPr>
       </a:lvl8pPr>
-      <a:lvl9pPr marL="3886200" indent="-228600" algn="l" defTabSz="914400" rtl="0" eaLnBrk="1" latinLnBrk="0" hangingPunct="1">
+      <a:lvl9pPr marL="4295805" indent="-252694" algn="l" defTabSz="1010778" rtl="0" eaLnBrk="1" latinLnBrk="0" hangingPunct="1">
         <a:lnSpc>
           <a:spcPct val="90000"/>
         </a:lnSpc>
         <a:spcBef>
-          <a:spcPts val="500"/>
+          <a:spcPts val="553"/>
         </a:spcBef>
         <a:buFont typeface="Arial" panose="020B0604020202020204" pitchFamily="34" charset="0"/>
         <a:buChar char="•"/>
-        <a:defRPr sz="1800" kern="1200">
+        <a:defRPr sz="1990" kern="1200">
           <a:solidFill>
             <a:schemeClr val="tx1"/>
           </a:solidFill>
@@ -2850,10 +2857,10 @@
     </p:bodyStyle>
     <p:otherStyle>
       <a:defPPr>
-        <a:defRPr lang="pt-BR"/>
+        <a:defRPr lang="en-US"/>
       </a:defPPr>
-      <a:lvl1pPr marL="0" algn="l" defTabSz="914400" rtl="0" eaLnBrk="1" latinLnBrk="0" hangingPunct="1">
-        <a:defRPr sz="1800" kern="1200">
+      <a:lvl1pPr marL="0" algn="l" defTabSz="1010778" rtl="0" eaLnBrk="1" latinLnBrk="0" hangingPunct="1">
+        <a:defRPr sz="1990" kern="1200">
           <a:solidFill>
             <a:schemeClr val="tx1"/>
           </a:solidFill>
@@ -2862,8 +2869,8 @@
           <a:cs typeface="+mn-cs"/>
         </a:defRPr>
       </a:lvl1pPr>
-      <a:lvl2pPr marL="457200" algn="l" defTabSz="914400" rtl="0" eaLnBrk="1" latinLnBrk="0" hangingPunct="1">
-        <a:defRPr sz="1800" kern="1200">
+      <a:lvl2pPr marL="505389" algn="l" defTabSz="1010778" rtl="0" eaLnBrk="1" latinLnBrk="0" hangingPunct="1">
+        <a:defRPr sz="1990" kern="1200">
           <a:solidFill>
             <a:schemeClr val="tx1"/>
           </a:solidFill>
@@ -2872,8 +2879,8 @@
           <a:cs typeface="+mn-cs"/>
         </a:defRPr>
       </a:lvl2pPr>
-      <a:lvl3pPr marL="914400" algn="l" defTabSz="914400" rtl="0" eaLnBrk="1" latinLnBrk="0" hangingPunct="1">
-        <a:defRPr sz="1800" kern="1200">
+      <a:lvl3pPr marL="1010778" algn="l" defTabSz="1010778" rtl="0" eaLnBrk="1" latinLnBrk="0" hangingPunct="1">
+        <a:defRPr sz="1990" kern="1200">
           <a:solidFill>
             <a:schemeClr val="tx1"/>
           </a:solidFill>
@@ -2882,8 +2889,8 @@
           <a:cs typeface="+mn-cs"/>
         </a:defRPr>
       </a:lvl3pPr>
-      <a:lvl4pPr marL="1371600" algn="l" defTabSz="914400" rtl="0" eaLnBrk="1" latinLnBrk="0" hangingPunct="1">
-        <a:defRPr sz="1800" kern="1200">
+      <a:lvl4pPr marL="1516167" algn="l" defTabSz="1010778" rtl="0" eaLnBrk="1" latinLnBrk="0" hangingPunct="1">
+        <a:defRPr sz="1990" kern="1200">
           <a:solidFill>
             <a:schemeClr val="tx1"/>
           </a:solidFill>
@@ -2892,8 +2899,8 @@
           <a:cs typeface="+mn-cs"/>
         </a:defRPr>
       </a:lvl4pPr>
-      <a:lvl5pPr marL="1828800" algn="l" defTabSz="914400" rtl="0" eaLnBrk="1" latinLnBrk="0" hangingPunct="1">
-        <a:defRPr sz="1800" kern="1200">
+      <a:lvl5pPr marL="2021556" algn="l" defTabSz="1010778" rtl="0" eaLnBrk="1" latinLnBrk="0" hangingPunct="1">
+        <a:defRPr sz="1990" kern="1200">
           <a:solidFill>
             <a:schemeClr val="tx1"/>
           </a:solidFill>
@@ -2902,8 +2909,8 @@
           <a:cs typeface="+mn-cs"/>
         </a:defRPr>
       </a:lvl5pPr>
-      <a:lvl6pPr marL="2286000" algn="l" defTabSz="914400" rtl="0" eaLnBrk="1" latinLnBrk="0" hangingPunct="1">
-        <a:defRPr sz="1800" kern="1200">
+      <a:lvl6pPr marL="2526944" algn="l" defTabSz="1010778" rtl="0" eaLnBrk="1" latinLnBrk="0" hangingPunct="1">
+        <a:defRPr sz="1990" kern="1200">
           <a:solidFill>
             <a:schemeClr val="tx1"/>
           </a:solidFill>
@@ -2912,8 +2919,8 @@
           <a:cs typeface="+mn-cs"/>
         </a:defRPr>
       </a:lvl6pPr>
-      <a:lvl7pPr marL="2743200" algn="l" defTabSz="914400" rtl="0" eaLnBrk="1" latinLnBrk="0" hangingPunct="1">
-        <a:defRPr sz="1800" kern="1200">
+      <a:lvl7pPr marL="3032333" algn="l" defTabSz="1010778" rtl="0" eaLnBrk="1" latinLnBrk="0" hangingPunct="1">
+        <a:defRPr sz="1990" kern="1200">
           <a:solidFill>
             <a:schemeClr val="tx1"/>
           </a:solidFill>
@@ -2922,8 +2929,8 @@
           <a:cs typeface="+mn-cs"/>
         </a:defRPr>
       </a:lvl7pPr>
-      <a:lvl8pPr marL="3200400" algn="l" defTabSz="914400" rtl="0" eaLnBrk="1" latinLnBrk="0" hangingPunct="1">
-        <a:defRPr sz="1800" kern="1200">
+      <a:lvl8pPr marL="3537722" algn="l" defTabSz="1010778" rtl="0" eaLnBrk="1" latinLnBrk="0" hangingPunct="1">
+        <a:defRPr sz="1990" kern="1200">
           <a:solidFill>
             <a:schemeClr val="tx1"/>
           </a:solidFill>
@@ -2932,8 +2939,8 @@
           <a:cs typeface="+mn-cs"/>
         </a:defRPr>
       </a:lvl8pPr>
-      <a:lvl9pPr marL="3657600" algn="l" defTabSz="914400" rtl="0" eaLnBrk="1" latinLnBrk="0" hangingPunct="1">
-        <a:defRPr sz="1800" kern="1200">
+      <a:lvl9pPr marL="4043111" algn="l" defTabSz="1010778" rtl="0" eaLnBrk="1" latinLnBrk="0" hangingPunct="1">
+        <a:defRPr sz="1990" kern="1200">
           <a:solidFill>
             <a:schemeClr val="tx1"/>
           </a:solidFill>
@@ -2972,8 +2979,8 @@
         </p:nvSpPr>
         <p:spPr>
           <a:xfrm>
-            <a:off x="4733687" y="2053027"/>
-            <a:ext cx="2345267" cy="3522663"/>
+            <a:off x="3947628" y="1771096"/>
+            <a:ext cx="1944312" cy="2920416"/>
           </a:xfrm>
           <a:prstGeom prst="rect">
             <a:avLst/>
@@ -3010,7 +3017,7 @@
           <a:lstStyle/>
           <a:p>
             <a:pPr algn="ctr"/>
-            <a:endParaRPr lang="pt-BR"/>
+            <a:endParaRPr lang="pt-BR" sz="1492"/>
           </a:p>
         </p:txBody>
       </p:sp>
@@ -3022,8 +3029,8 @@
         </p:nvSpPr>
         <p:spPr>
           <a:xfrm>
-            <a:off x="7755467" y="2065865"/>
-            <a:ext cx="1913466" cy="795867"/>
+            <a:off x="6452793" y="1781739"/>
+            <a:ext cx="1586333" cy="659803"/>
           </a:xfrm>
           <a:prstGeom prst="ellipse">
             <a:avLst/>
@@ -3051,7 +3058,7 @@
           <a:p>
             <a:pPr algn="ctr"/>
             <a:r>
-              <a:rPr lang="pt-BR" dirty="0" smtClean="0"/>
+              <a:rPr lang="pt-BR" sz="1492" dirty="0"/>
               <a:t>Choice</a:t>
             </a:r>
           </a:p>
@@ -3065,8 +3072,8 @@
         </p:nvSpPr>
         <p:spPr>
           <a:xfrm>
-            <a:off x="2133601" y="2065865"/>
-            <a:ext cx="1913466" cy="795867"/>
+            <a:off x="1792062" y="1781739"/>
+            <a:ext cx="1586333" cy="659803"/>
           </a:xfrm>
           <a:prstGeom prst="ellipse">
             <a:avLst/>
@@ -3094,7 +3101,7 @@
           <a:p>
             <a:pPr algn="ctr"/>
             <a:r>
-              <a:rPr lang="pt-BR" dirty="0" smtClean="0"/>
+              <a:rPr lang="pt-BR" sz="1492" dirty="0"/>
               <a:t>Card</a:t>
             </a:r>
           </a:p>
@@ -3108,8 +3115,8 @@
         </p:nvSpPr>
         <p:spPr>
           <a:xfrm>
-            <a:off x="4944534" y="2065865"/>
-            <a:ext cx="1913466" cy="795867"/>
+            <a:off x="4122428" y="1781739"/>
+            <a:ext cx="1586333" cy="659803"/>
           </a:xfrm>
           <a:prstGeom prst="ellipse">
             <a:avLst/>
@@ -3135,7 +3142,7 @@
           <a:p>
             <a:pPr algn="ctr"/>
             <a:r>
-              <a:rPr lang="pt-BR" dirty="0" smtClean="0"/>
+              <a:rPr lang="pt-BR" sz="1492" dirty="0"/>
               <a:t>Control Manager</a:t>
             </a:r>
           </a:p>
@@ -3149,8 +3156,8 @@
         </p:nvSpPr>
         <p:spPr>
           <a:xfrm>
-            <a:off x="2133601" y="3285064"/>
-            <a:ext cx="1913466" cy="795867"/>
+            <a:off x="1792062" y="2792499"/>
+            <a:ext cx="1586333" cy="659803"/>
           </a:xfrm>
           <a:prstGeom prst="ellipse">
             <a:avLst/>
@@ -3178,7 +3185,7 @@
           <a:p>
             <a:pPr algn="ctr"/>
             <a:r>
-              <a:rPr lang="pt-BR" dirty="0" smtClean="0"/>
+              <a:rPr lang="pt-BR" sz="1492" dirty="0"/>
               <a:t>Dealer</a:t>
             </a:r>
           </a:p>
@@ -3192,8 +3199,8 @@
         </p:nvSpPr>
         <p:spPr>
           <a:xfrm>
-            <a:off x="2133601" y="5723464"/>
-            <a:ext cx="1913466" cy="795867"/>
+            <a:off x="1792062" y="4814022"/>
+            <a:ext cx="1586333" cy="659803"/>
           </a:xfrm>
           <a:prstGeom prst="ellipse">
             <a:avLst/>
@@ -3221,7 +3228,7 @@
           <a:p>
             <a:pPr algn="ctr"/>
             <a:r>
-              <a:rPr lang="pt-BR" dirty="0" smtClean="0"/>
+              <a:rPr lang="pt-BR" sz="1492" dirty="0"/>
               <a:t>Hide / Show</a:t>
             </a:r>
           </a:p>
@@ -3235,8 +3242,8 @@
         </p:nvSpPr>
         <p:spPr>
           <a:xfrm>
-            <a:off x="4944534" y="3285065"/>
-            <a:ext cx="1913466" cy="795867"/>
+            <a:off x="4122428" y="2792500"/>
+            <a:ext cx="1586333" cy="659803"/>
           </a:xfrm>
           <a:prstGeom prst="ellipse">
             <a:avLst/>
@@ -3262,7 +3269,7 @@
           <a:p>
             <a:pPr algn="ctr"/>
             <a:r>
-              <a:rPr lang="pt-BR" dirty="0" smtClean="0"/>
+              <a:rPr lang="pt-BR" sz="1492" dirty="0"/>
               <a:t>Data Manager</a:t>
             </a:r>
           </a:p>
@@ -3276,8 +3283,8 @@
         </p:nvSpPr>
         <p:spPr>
           <a:xfrm>
-            <a:off x="7755467" y="3285064"/>
-            <a:ext cx="1913466" cy="795867"/>
+            <a:off x="6452793" y="2792499"/>
+            <a:ext cx="1586333" cy="659803"/>
           </a:xfrm>
           <a:prstGeom prst="ellipse">
             <a:avLst/>
@@ -3305,7 +3312,7 @@
           <a:p>
             <a:pPr algn="ctr"/>
             <a:r>
-              <a:rPr lang="pt-BR" dirty="0" smtClean="0"/>
+              <a:rPr lang="pt-BR" sz="1492" dirty="0"/>
               <a:t>Logger</a:t>
             </a:r>
           </a:p>
@@ -3319,8 +3326,8 @@
         </p:nvSpPr>
         <p:spPr>
           <a:xfrm>
-            <a:off x="2133601" y="4504265"/>
-            <a:ext cx="1913466" cy="795867"/>
+            <a:off x="1792062" y="3803261"/>
+            <a:ext cx="1586333" cy="659803"/>
           </a:xfrm>
           <a:prstGeom prst="ellipse">
             <a:avLst/>
@@ -3348,7 +3355,7 @@
           <a:p>
             <a:pPr algn="ctr"/>
             <a:r>
-              <a:rPr lang="pt-BR" dirty="0" smtClean="0"/>
+              <a:rPr lang="pt-BR" sz="1492" dirty="0"/>
               <a:t>Motion</a:t>
             </a:r>
           </a:p>
@@ -3362,8 +3369,8 @@
         </p:nvSpPr>
         <p:spPr>
           <a:xfrm>
-            <a:off x="4944534" y="4504265"/>
-            <a:ext cx="1913466" cy="795867"/>
+            <a:off x="4122428" y="3803261"/>
+            <a:ext cx="1586333" cy="659803"/>
           </a:xfrm>
           <a:prstGeom prst="ellipse">
             <a:avLst/>
@@ -3389,7 +3396,7 @@
           <a:p>
             <a:pPr algn="ctr"/>
             <a:r>
-              <a:rPr lang="pt-BR" dirty="0" smtClean="0"/>
+              <a:rPr lang="pt-BR" sz="1492" dirty="0"/>
               <a:t>Iterface Manager</a:t>
             </a:r>
           </a:p>
@@ -3403,8 +3410,8 @@
         </p:nvSpPr>
         <p:spPr>
           <a:xfrm>
-            <a:off x="7755467" y="5723463"/>
-            <a:ext cx="1913466" cy="795867"/>
+            <a:off x="6452793" y="4814021"/>
+            <a:ext cx="1586333" cy="659803"/>
           </a:xfrm>
           <a:prstGeom prst="ellipse">
             <a:avLst/>
@@ -3430,7 +3437,7 @@
           <a:p>
             <a:pPr algn="ctr"/>
             <a:r>
-              <a:rPr lang="pt-BR" dirty="0" smtClean="0"/>
+              <a:rPr lang="pt-BR" sz="1492" dirty="0"/>
               <a:t>Exit</a:t>
             </a:r>
           </a:p>
@@ -3444,8 +3451,8 @@
         </p:nvSpPr>
         <p:spPr>
           <a:xfrm>
-            <a:off x="4944534" y="5723465"/>
-            <a:ext cx="1913466" cy="795867"/>
+            <a:off x="4122428" y="4814022"/>
+            <a:ext cx="1586333" cy="659803"/>
           </a:xfrm>
           <a:prstGeom prst="ellipse">
             <a:avLst/>
@@ -3471,16 +3478,17 @@
           <a:p>
             <a:pPr algn="ctr"/>
             <a:r>
-              <a:rPr lang="pt-BR" dirty="0" smtClean="0"/>
+              <a:rPr lang="pt-BR" sz="1492" dirty="0"/>
               <a:t>User</a:t>
             </a:r>
           </a:p>
           <a:p>
             <a:pPr algn="ctr"/>
             <a:r>
-              <a:rPr lang="pt-BR" dirty="0" smtClean="0"/>
-              <a:t>Manager</a:t>
-            </a:r>
+              <a:rPr lang="pt-BR" sz="1492" dirty="0" smtClean="0"/>
+              <a:t>Panel</a:t>
+            </a:r>
+            <a:endParaRPr lang="pt-BR" sz="1492" dirty="0"/>
           </a:p>
         </p:txBody>
       </p:sp>
@@ -3495,8 +3503,8 @@
         </p:nvCxnSpPr>
         <p:spPr>
           <a:xfrm flipV="1">
-            <a:off x="3766846" y="2745180"/>
-            <a:ext cx="1457909" cy="656436"/>
+            <a:off x="3146081" y="2344915"/>
+            <a:ext cx="1208660" cy="544209"/>
           </a:xfrm>
           <a:prstGeom prst="straightConnector1">
             <a:avLst/>
@@ -3534,8 +3542,8 @@
         </p:nvCxnSpPr>
         <p:spPr>
           <a:xfrm flipV="1">
-            <a:off x="3090334" y="2861732"/>
-            <a:ext cx="0" cy="423332"/>
+            <a:off x="2585228" y="2441541"/>
+            <a:ext cx="0" cy="350958"/>
           </a:xfrm>
           <a:prstGeom prst="straightConnector1">
             <a:avLst/>
@@ -3573,8 +3581,8 @@
         </p:nvCxnSpPr>
         <p:spPr>
           <a:xfrm>
-            <a:off x="3766846" y="3964379"/>
-            <a:ext cx="1457909" cy="656438"/>
+            <a:off x="3146081" y="3355676"/>
+            <a:ext cx="1208660" cy="544211"/>
           </a:xfrm>
           <a:prstGeom prst="straightConnector1">
             <a:avLst/>
@@ -3612,8 +3620,8 @@
         </p:nvCxnSpPr>
         <p:spPr>
           <a:xfrm flipV="1">
-            <a:off x="4047067" y="2463799"/>
-            <a:ext cx="3708400" cy="1219199"/>
+            <a:off x="3378395" y="2111641"/>
+            <a:ext cx="3074399" cy="1010760"/>
           </a:xfrm>
           <a:prstGeom prst="straightConnector1">
             <a:avLst/>
@@ -3651,8 +3659,8 @@
         </p:nvCxnSpPr>
         <p:spPr>
           <a:xfrm flipH="1">
-            <a:off x="4047067" y="4902199"/>
-            <a:ext cx="897467" cy="0"/>
+            <a:off x="3378395" y="4133163"/>
+            <a:ext cx="744033" cy="0"/>
           </a:xfrm>
           <a:prstGeom prst="straightConnector1">
             <a:avLst/>
@@ -3690,8 +3698,8 @@
         </p:nvCxnSpPr>
         <p:spPr>
           <a:xfrm flipH="1">
-            <a:off x="3766846" y="5183580"/>
-            <a:ext cx="1457909" cy="656436"/>
+            <a:off x="3146081" y="4366438"/>
+            <a:ext cx="1208660" cy="544209"/>
           </a:xfrm>
           <a:prstGeom prst="straightConnector1">
             <a:avLst/>
@@ -3721,16 +3729,13 @@
       <p:cxnSp>
         <p:nvCxnSpPr>
           <p:cNvPr id="43" name="Straight Arrow Connector 42"/>
-          <p:cNvCxnSpPr>
-            <a:stCxn id="26" idx="4"/>
-            <a:endCxn id="29" idx="0"/>
-          </p:cNvCxnSpPr>
+          <p:cNvCxnSpPr/>
           <p:nvPr/>
         </p:nvCxnSpPr>
         <p:spPr>
           <a:xfrm>
-            <a:off x="5901267" y="5300132"/>
-            <a:ext cx="0" cy="423333"/>
+            <a:off x="4935524" y="5492160"/>
+            <a:ext cx="0" cy="350958"/>
           </a:xfrm>
           <a:prstGeom prst="straightConnector1">
             <a:avLst/>
@@ -3765,8 +3770,8 @@
         </p:nvSpPr>
         <p:spPr>
           <a:xfrm rot="5400000">
-            <a:off x="7343621" y="4483510"/>
-            <a:ext cx="308043" cy="837379"/>
+            <a:off x="6111358" y="3786054"/>
+            <a:ext cx="255379" cy="694218"/>
           </a:xfrm>
           <a:prstGeom prst="downArrow">
             <a:avLst/>
@@ -3793,7 +3798,7 @@
           <a:lstStyle/>
           <a:p>
             <a:pPr algn="ctr"/>
-            <a:endParaRPr lang="pt-BR"/>
+            <a:endParaRPr lang="pt-BR" sz="1492"/>
           </a:p>
         </p:txBody>
       </p:sp>
@@ -3805,8 +3810,8 @@
         </p:nvSpPr>
         <p:spPr>
           <a:xfrm>
-            <a:off x="7755467" y="4506681"/>
-            <a:ext cx="1913466" cy="795867"/>
+            <a:off x="6452793" y="3805264"/>
+            <a:ext cx="1586333" cy="659803"/>
           </a:xfrm>
           <a:prstGeom prst="ellipse">
             <a:avLst/>
@@ -3834,7 +3839,7 @@
           <a:p>
             <a:pPr algn="ctr"/>
             <a:r>
-              <a:rPr lang="pt-BR" dirty="0" smtClean="0"/>
+              <a:rPr lang="pt-BR" sz="1492" dirty="0"/>
               <a:t>Singleton</a:t>
             </a:r>
           </a:p>
@@ -3851,8 +3856,8 @@
         </p:nvCxnSpPr>
         <p:spPr>
           <a:xfrm rot="10800000" flipV="1">
-            <a:off x="2133601" y="2463799"/>
-            <a:ext cx="12700" cy="2438400"/>
+            <a:off x="1792061" y="2111640"/>
+            <a:ext cx="10529" cy="2021523"/>
           </a:xfrm>
           <a:prstGeom prst="bentConnector3">
             <a:avLst>
@@ -3892,8 +3897,8 @@
         </p:nvCxnSpPr>
         <p:spPr>
           <a:xfrm rot="16200000" flipV="1">
-            <a:off x="5901267" y="-745068"/>
-            <a:ext cx="12700" cy="5621866"/>
+            <a:off x="4915594" y="-548628"/>
+            <a:ext cx="10529" cy="4660732"/>
           </a:xfrm>
           <a:prstGeom prst="bentConnector3">
             <a:avLst>
@@ -3930,8 +3935,8 @@
         </p:nvSpPr>
         <p:spPr>
           <a:xfrm>
-            <a:off x="5700914" y="1253835"/>
-            <a:ext cx="400705" cy="400778"/>
+            <a:off x="4749495" y="1108536"/>
+            <a:ext cx="332199" cy="332260"/>
           </a:xfrm>
           <a:prstGeom prst="downArrow">
             <a:avLst/>
@@ -3958,7 +3963,7 @@
           <a:lstStyle/>
           <a:p>
             <a:pPr algn="ctr"/>
-            <a:endParaRPr lang="pt-BR"/>
+            <a:endParaRPr lang="pt-BR" sz="1492"/>
           </a:p>
         </p:txBody>
       </p:sp>
@@ -3970,8 +3975,8 @@
         </p:nvSpPr>
         <p:spPr>
           <a:xfrm>
-            <a:off x="4944534" y="451000"/>
-            <a:ext cx="1913466" cy="795867"/>
+            <a:off x="4122428" y="442957"/>
+            <a:ext cx="1586333" cy="659803"/>
           </a:xfrm>
           <a:prstGeom prst="ellipse">
             <a:avLst/>
@@ -3997,10 +4002,10 @@
           <a:p>
             <a:pPr algn="ctr"/>
             <a:r>
-              <a:rPr lang="pt-BR" dirty="0" smtClean="0"/>
+              <a:rPr lang="pt-BR" sz="1492" dirty="0"/>
               <a:t>Game Base</a:t>
             </a:r>
-            <a:endParaRPr lang="pt-BR" dirty="0"/>
+            <a:endParaRPr lang="pt-BR" sz="1492" dirty="0"/>
           </a:p>
         </p:txBody>
       </p:sp>
@@ -4012,8 +4017,8 @@
         </p:nvSpPr>
         <p:spPr>
           <a:xfrm>
-            <a:off x="7260593" y="5582177"/>
-            <a:ext cx="2864210" cy="1107572"/>
+            <a:off x="6042525" y="4696889"/>
+            <a:ext cx="2374535" cy="918218"/>
           </a:xfrm>
           <a:prstGeom prst="rect">
             <a:avLst/>
@@ -4049,7 +4054,7 @@
           <a:lstStyle/>
           <a:p>
             <a:pPr algn="ctr"/>
-            <a:endParaRPr lang="pt-BR"/>
+            <a:endParaRPr lang="pt-BR" sz="1492"/>
           </a:p>
         </p:txBody>
       </p:sp>
@@ -4061,13 +4066,13 @@
         </p:nvSpPr>
         <p:spPr>
           <a:xfrm rot="5400000">
-            <a:off x="3393532" y="-41523"/>
-            <a:ext cx="5028168" cy="8434376"/>
+            <a:off x="2340873" y="530353"/>
+            <a:ext cx="5159968" cy="6992405"/>
           </a:xfrm>
           <a:prstGeom prst="corner">
             <a:avLst>
-              <a:gd name="adj1" fmla="val 109634"/>
-              <a:gd name="adj2" fmla="val 77097"/>
+              <a:gd name="adj1" fmla="val 88664"/>
+              <a:gd name="adj2" fmla="val 61739"/>
             </a:avLst>
           </a:prstGeom>
           <a:noFill/>
@@ -4099,10 +4104,135 @@
           <a:lstStyle/>
           <a:p>
             <a:pPr algn="ctr"/>
-            <a:endParaRPr lang="pt-BR"/>
-          </a:p>
-        </p:txBody>
-      </p:sp>
+            <a:endParaRPr lang="pt-BR" sz="1492"/>
+          </a:p>
+        </p:txBody>
+      </p:sp>
+      <p:sp>
+        <p:nvSpPr>
+          <p:cNvPr id="30" name="Oval 29"/>
+          <p:cNvSpPr/>
+          <p:nvPr/>
+        </p:nvSpPr>
+        <p:spPr>
+          <a:xfrm>
+            <a:off x="4122428" y="5843117"/>
+            <a:ext cx="1586333" cy="659803"/>
+          </a:xfrm>
+          <a:prstGeom prst="ellipse">
+            <a:avLst/>
+          </a:prstGeom>
+        </p:spPr>
+        <p:style>
+          <a:lnRef idx="3">
+            <a:schemeClr val="lt1"/>
+          </a:lnRef>
+          <a:fillRef idx="1">
+            <a:schemeClr val="accent2"/>
+          </a:fillRef>
+          <a:effectRef idx="1">
+            <a:schemeClr val="accent2"/>
+          </a:effectRef>
+          <a:fontRef idx="minor">
+            <a:schemeClr val="lt1"/>
+          </a:fontRef>
+        </p:style>
+        <p:txBody>
+          <a:bodyPr rtlCol="0" anchor="ctr"/>
+          <a:lstStyle/>
+          <a:p>
+            <a:pPr algn="ctr"/>
+            <a:r>
+              <a:rPr lang="pt-BR" sz="1492" dirty="0"/>
+              <a:t>User</a:t>
+            </a:r>
+          </a:p>
+          <a:p>
+            <a:pPr algn="ctr"/>
+            <a:r>
+              <a:rPr lang="pt-BR" sz="1492" dirty="0"/>
+              <a:t>Manager</a:t>
+            </a:r>
+          </a:p>
+        </p:txBody>
+      </p:sp>
+      <p:cxnSp>
+        <p:nvCxnSpPr>
+          <p:cNvPr id="32" name="Straight Arrow Connector 31"/>
+          <p:cNvCxnSpPr/>
+          <p:nvPr/>
+        </p:nvCxnSpPr>
+        <p:spPr>
+          <a:xfrm flipH="1">
+            <a:off x="3378395" y="5146623"/>
+            <a:ext cx="744033" cy="0"/>
+          </a:xfrm>
+          <a:prstGeom prst="straightConnector1">
+            <a:avLst/>
+          </a:prstGeom>
+          <a:ln w="38100">
+            <a:solidFill>
+              <a:schemeClr val="tx1"/>
+            </a:solidFill>
+            <a:tailEnd type="triangle"/>
+          </a:ln>
+        </p:spPr>
+        <p:style>
+          <a:lnRef idx="1">
+            <a:schemeClr val="accent1"/>
+          </a:lnRef>
+          <a:fillRef idx="0">
+            <a:schemeClr val="accent1"/>
+          </a:fillRef>
+          <a:effectRef idx="0">
+            <a:schemeClr val="accent1"/>
+          </a:effectRef>
+          <a:fontRef idx="minor">
+            <a:schemeClr val="tx1"/>
+          </a:fontRef>
+        </p:style>
+      </p:cxnSp>
+      <p:cxnSp>
+        <p:nvCxnSpPr>
+          <p:cNvPr id="34" name="Straight Arrow Connector 33"/>
+          <p:cNvCxnSpPr>
+            <a:stCxn id="26" idx="7"/>
+            <a:endCxn id="18" idx="3"/>
+          </p:cNvCxnSpPr>
+          <p:nvPr/>
+        </p:nvCxnSpPr>
+        <p:spPr>
+          <a:xfrm flipV="1">
+            <a:off x="5476448" y="2344916"/>
+            <a:ext cx="1208658" cy="1554971"/>
+          </a:xfrm>
+          <a:prstGeom prst="straightConnector1">
+            <a:avLst/>
+          </a:prstGeom>
+          <a:ln w="38100">
+            <a:solidFill>
+              <a:schemeClr val="bg1">
+                <a:lumMod val="50000"/>
+              </a:schemeClr>
+            </a:solidFill>
+            <a:tailEnd type="triangle"/>
+          </a:ln>
+        </p:spPr>
+        <p:style>
+          <a:lnRef idx="1">
+            <a:schemeClr val="accent1"/>
+          </a:lnRef>
+          <a:fillRef idx="0">
+            <a:schemeClr val="accent1"/>
+          </a:fillRef>
+          <a:effectRef idx="0">
+            <a:schemeClr val="accent1"/>
+          </a:effectRef>
+          <a:fontRef idx="minor">
+            <a:schemeClr val="tx1"/>
+          </a:fontRef>
+        </p:style>
+      </p:cxnSp>
     </p:spTree>
     <p:extLst>
       <p:ext uri="{BB962C8B-B14F-4D97-AF65-F5344CB8AC3E}">
@@ -4119,7 +4249,7 @@
 <file path=ppt/theme/theme1.xml><?xml version="1.0" encoding="utf-8"?>
 <a:theme xmlns:a="http://schemas.openxmlformats.org/drawingml/2006/main" name="Office Theme">
   <a:themeElements>
-    <a:clrScheme name="Office">
+    <a:clrScheme name="Office Theme">
       <a:dk1>
         <a:sysClr val="windowText" lastClr="000000"/>
       </a:dk1>
@@ -4157,7 +4287,7 @@
         <a:srgbClr val="954F72"/>
       </a:folHlink>
     </a:clrScheme>
-    <a:fontScheme name="Office">
+    <a:fontScheme name="Office Theme">
       <a:majorFont>
         <a:latin typeface="Calibri Light" panose="020F0302020204030204"/>
         <a:ea typeface=""/>
@@ -4229,7 +4359,7 @@
         <a:font script="Geor" typeface="Sylfaen"/>
       </a:minorFont>
     </a:fontScheme>
-    <a:fmtScheme name="Office">
+    <a:fmtScheme name="Office Theme">
       <a:fillStyleLst>
         <a:solidFill>
           <a:schemeClr val="phClr"/>

--- a/Script Flow.pptx
+++ b/Script Flow.pptx
@@ -3451,7 +3451,7 @@
         </p:nvSpPr>
         <p:spPr>
           <a:xfrm>
-            <a:off x="4122428" y="4814022"/>
+            <a:off x="1802591" y="5824783"/>
             <a:ext cx="1586333" cy="659803"/>
           </a:xfrm>
           <a:prstGeom prst="ellipse">
@@ -3459,17 +3459,17 @@
           </a:prstGeom>
         </p:spPr>
         <p:style>
-          <a:lnRef idx="3">
-            <a:schemeClr val="lt1"/>
+          <a:lnRef idx="1">
+            <a:schemeClr val="accent2"/>
           </a:lnRef>
-          <a:fillRef idx="1">
+          <a:fillRef idx="2">
             <a:schemeClr val="accent2"/>
           </a:fillRef>
           <a:effectRef idx="1">
             <a:schemeClr val="accent2"/>
           </a:effectRef>
           <a:fontRef idx="minor">
-            <a:schemeClr val="lt1"/>
+            <a:schemeClr val="dk1"/>
           </a:fontRef>
         </p:style>
         <p:txBody>
@@ -3729,13 +3729,16 @@
       <p:cxnSp>
         <p:nvCxnSpPr>
           <p:cNvPr id="43" name="Straight Arrow Connector 42"/>
-          <p:cNvCxnSpPr/>
+          <p:cNvCxnSpPr>
+            <a:stCxn id="29" idx="6"/>
+            <a:endCxn id="30" idx="2"/>
+          </p:cNvCxnSpPr>
           <p:nvPr/>
         </p:nvCxnSpPr>
         <p:spPr>
-          <a:xfrm>
-            <a:off x="4935524" y="5492160"/>
-            <a:ext cx="0" cy="350958"/>
+          <a:xfrm flipV="1">
+            <a:off x="3388924" y="6154684"/>
+            <a:ext cx="733504" cy="1"/>
           </a:xfrm>
           <a:prstGeom prst="straightConnector1">
             <a:avLst/>
@@ -4005,7 +4008,6 @@
               <a:rPr lang="pt-BR" sz="1492" dirty="0"/>
               <a:t>Game Base</a:t>
             </a:r>
-            <a:endParaRPr lang="pt-BR" sz="1492" dirty="0"/>
           </a:p>
         </p:txBody>
       </p:sp>
@@ -4116,7 +4118,7 @@
         </p:nvSpPr>
         <p:spPr>
           <a:xfrm>
-            <a:off x="4122428" y="5843117"/>
+            <a:off x="4122428" y="5824782"/>
             <a:ext cx="1586333" cy="659803"/>
           </a:xfrm>
           <a:prstGeom prst="ellipse">
@@ -4124,14 +4126,16 @@
           </a:prstGeom>
         </p:spPr>
         <p:style>
-          <a:lnRef idx="3">
-            <a:schemeClr val="lt1"/>
+          <a:lnRef idx="2">
+            <a:schemeClr val="accent4">
+              <a:shade val="50000"/>
+            </a:schemeClr>
           </a:lnRef>
           <a:fillRef idx="1">
-            <a:schemeClr val="accent2"/>
+            <a:schemeClr val="accent4"/>
           </a:fillRef>
-          <a:effectRef idx="1">
-            <a:schemeClr val="accent2"/>
+          <a:effectRef idx="0">
+            <a:schemeClr val="accent4"/>
           </a:effectRef>
           <a:fontRef idx="minor">
             <a:schemeClr val="lt1"/>
@@ -4159,13 +4163,16 @@
       <p:cxnSp>
         <p:nvCxnSpPr>
           <p:cNvPr id="32" name="Straight Arrow Connector 31"/>
-          <p:cNvCxnSpPr/>
+          <p:cNvCxnSpPr>
+            <a:stCxn id="29" idx="0"/>
+            <a:endCxn id="22" idx="4"/>
+          </p:cNvCxnSpPr>
           <p:nvPr/>
         </p:nvCxnSpPr>
         <p:spPr>
-          <a:xfrm flipH="1">
-            <a:off x="3378395" y="5146623"/>
-            <a:ext cx="744033" cy="0"/>
+          <a:xfrm flipH="1" flipV="1">
+            <a:off x="2585229" y="5473825"/>
+            <a:ext cx="10529" cy="350958"/>
           </a:xfrm>
           <a:prstGeom prst="straightConnector1">
             <a:avLst/>
@@ -4233,6 +4240,176 @@
           </a:fontRef>
         </p:style>
       </p:cxnSp>
+      <p:sp>
+        <p:nvSpPr>
+          <p:cNvPr id="38" name="Oval 37"/>
+          <p:cNvSpPr/>
+          <p:nvPr/>
+        </p:nvSpPr>
+        <p:spPr>
+          <a:xfrm>
+            <a:off x="4122428" y="4826096"/>
+            <a:ext cx="1586333" cy="659803"/>
+          </a:xfrm>
+          <a:prstGeom prst="ellipse">
+            <a:avLst/>
+          </a:prstGeom>
+        </p:spPr>
+        <p:style>
+          <a:lnRef idx="1">
+            <a:schemeClr val="accent2"/>
+          </a:lnRef>
+          <a:fillRef idx="2">
+            <a:schemeClr val="accent2"/>
+          </a:fillRef>
+          <a:effectRef idx="1">
+            <a:schemeClr val="accent2"/>
+          </a:effectRef>
+          <a:fontRef idx="minor">
+            <a:schemeClr val="dk1"/>
+          </a:fontRef>
+        </p:style>
+        <p:txBody>
+          <a:bodyPr rtlCol="0" anchor="ctr"/>
+          <a:lstStyle/>
+          <a:p>
+            <a:pPr algn="ctr"/>
+            <a:r>
+              <a:rPr lang="pt-BR" sz="1492" dirty="0" smtClean="0"/>
+              <a:t>Results Panel</a:t>
+            </a:r>
+            <a:endParaRPr lang="pt-BR" sz="1492" dirty="0"/>
+          </a:p>
+        </p:txBody>
+      </p:sp>
+      <p:cxnSp>
+        <p:nvCxnSpPr>
+          <p:cNvPr id="40" name="Straight Arrow Connector 39"/>
+          <p:cNvCxnSpPr>
+            <a:stCxn id="38" idx="2"/>
+            <a:endCxn id="22" idx="6"/>
+          </p:cNvCxnSpPr>
+          <p:nvPr/>
+        </p:nvCxnSpPr>
+        <p:spPr>
+          <a:xfrm flipH="1" flipV="1">
+            <a:off x="3378395" y="5143924"/>
+            <a:ext cx="744033" cy="12074"/>
+          </a:xfrm>
+          <a:prstGeom prst="straightConnector1">
+            <a:avLst/>
+          </a:prstGeom>
+          <a:ln w="38100">
+            <a:solidFill>
+              <a:schemeClr val="tx1"/>
+            </a:solidFill>
+            <a:tailEnd type="triangle"/>
+          </a:ln>
+        </p:spPr>
+        <p:style>
+          <a:lnRef idx="1">
+            <a:schemeClr val="accent1"/>
+          </a:lnRef>
+          <a:fillRef idx="0">
+            <a:schemeClr val="accent1"/>
+          </a:fillRef>
+          <a:effectRef idx="0">
+            <a:schemeClr val="accent1"/>
+          </a:effectRef>
+          <a:fontRef idx="minor">
+            <a:schemeClr val="tx1"/>
+          </a:fontRef>
+        </p:style>
+      </p:cxnSp>
+      <p:cxnSp>
+        <p:nvCxnSpPr>
+          <p:cNvPr id="44" name="Straight Arrow Connector 43"/>
+          <p:cNvCxnSpPr>
+            <a:stCxn id="26" idx="4"/>
+            <a:endCxn id="38" idx="0"/>
+          </p:cNvCxnSpPr>
+          <p:nvPr/>
+        </p:nvCxnSpPr>
+        <p:spPr>
+          <a:xfrm>
+            <a:off x="4915595" y="4463064"/>
+            <a:ext cx="0" cy="363032"/>
+          </a:xfrm>
+          <a:prstGeom prst="straightConnector1">
+            <a:avLst/>
+          </a:prstGeom>
+          <a:ln w="38100">
+            <a:solidFill>
+              <a:schemeClr val="tx1"/>
+            </a:solidFill>
+            <a:tailEnd type="triangle"/>
+          </a:ln>
+        </p:spPr>
+        <p:style>
+          <a:lnRef idx="1">
+            <a:schemeClr val="accent1"/>
+          </a:lnRef>
+          <a:fillRef idx="0">
+            <a:schemeClr val="accent1"/>
+          </a:fillRef>
+          <a:effectRef idx="0">
+            <a:schemeClr val="accent1"/>
+          </a:effectRef>
+          <a:fontRef idx="minor">
+            <a:schemeClr val="tx1"/>
+          </a:fontRef>
+        </p:style>
+      </p:cxnSp>
+      <p:sp>
+        <p:nvSpPr>
+          <p:cNvPr id="45" name="Oval 44"/>
+          <p:cNvSpPr/>
+          <p:nvPr/>
+        </p:nvSpPr>
+        <p:spPr>
+          <a:xfrm>
+            <a:off x="3561574" y="7478068"/>
+            <a:ext cx="1586333" cy="659803"/>
+          </a:xfrm>
+          <a:prstGeom prst="ellipse">
+            <a:avLst/>
+          </a:prstGeom>
+        </p:spPr>
+        <p:style>
+          <a:lnRef idx="1">
+            <a:schemeClr val="accent2"/>
+          </a:lnRef>
+          <a:fillRef idx="2">
+            <a:schemeClr val="accent2"/>
+          </a:fillRef>
+          <a:effectRef idx="1">
+            <a:schemeClr val="accent2"/>
+          </a:effectRef>
+          <a:fontRef idx="minor">
+            <a:schemeClr val="dk1"/>
+          </a:fontRef>
+        </p:style>
+        <p:txBody>
+          <a:bodyPr rtlCol="0" anchor="ctr"/>
+          <a:lstStyle/>
+          <a:p>
+            <a:pPr algn="ctr"/>
+            <a:r>
+              <a:rPr lang="pt-BR" sz="1492" smtClean="0"/>
+              <a:t>Results</a:t>
+            </a:r>
+            <a:endParaRPr lang="pt-BR" sz="1492" dirty="0"/>
+          </a:p>
+          <a:p>
+            <a:pPr algn="ctr"/>
+            <a:r>
+              <a:rPr lang="pt-BR" sz="1492" dirty="0" smtClean="0"/>
+              <a:t>Panel</a:t>
+            </a:r>
+            <a:endParaRPr lang="pt-BR" sz="1492" dirty="0"/>
+          </a:p>
+        </p:txBody>
+      </p:sp>
     </p:spTree>
     <p:extLst>
       <p:ext uri="{BB962C8B-B14F-4D97-AF65-F5344CB8AC3E}">

--- a/Script Flow.pptx
+++ b/Script Flow.pptx
@@ -243,7 +243,7 @@
           <a:p>
             <a:fld id="{2E538E35-4A08-48D2-89A5-89C6CF66D327}" type="datetimeFigureOut">
               <a:rPr lang="pt-BR" smtClean="0"/>
-              <a:t>26/04/2017</a:t>
+              <a:t>30/04/2017</a:t>
             </a:fld>
             <a:endParaRPr lang="pt-BR"/>
           </a:p>
@@ -413,7 +413,7 @@
           <a:p>
             <a:fld id="{2E538E35-4A08-48D2-89A5-89C6CF66D327}" type="datetimeFigureOut">
               <a:rPr lang="pt-BR" smtClean="0"/>
-              <a:t>26/04/2017</a:t>
+              <a:t>30/04/2017</a:t>
             </a:fld>
             <a:endParaRPr lang="pt-BR"/>
           </a:p>
@@ -593,7 +593,7 @@
           <a:p>
             <a:fld id="{2E538E35-4A08-48D2-89A5-89C6CF66D327}" type="datetimeFigureOut">
               <a:rPr lang="pt-BR" smtClean="0"/>
-              <a:t>26/04/2017</a:t>
+              <a:t>30/04/2017</a:t>
             </a:fld>
             <a:endParaRPr lang="pt-BR"/>
           </a:p>
@@ -763,7 +763,7 @@
           <a:p>
             <a:fld id="{2E538E35-4A08-48D2-89A5-89C6CF66D327}" type="datetimeFigureOut">
               <a:rPr lang="pt-BR" smtClean="0"/>
-              <a:t>26/04/2017</a:t>
+              <a:t>30/04/2017</a:t>
             </a:fld>
             <a:endParaRPr lang="pt-BR"/>
           </a:p>
@@ -1007,7 +1007,7 @@
           <a:p>
             <a:fld id="{2E538E35-4A08-48D2-89A5-89C6CF66D327}" type="datetimeFigureOut">
               <a:rPr lang="pt-BR" smtClean="0"/>
-              <a:t>26/04/2017</a:t>
+              <a:t>30/04/2017</a:t>
             </a:fld>
             <a:endParaRPr lang="pt-BR"/>
           </a:p>
@@ -1239,7 +1239,7 @@
           <a:p>
             <a:fld id="{2E538E35-4A08-48D2-89A5-89C6CF66D327}" type="datetimeFigureOut">
               <a:rPr lang="pt-BR" smtClean="0"/>
-              <a:t>26/04/2017</a:t>
+              <a:t>30/04/2017</a:t>
             </a:fld>
             <a:endParaRPr lang="pt-BR"/>
           </a:p>
@@ -1606,7 +1606,7 @@
           <a:p>
             <a:fld id="{2E538E35-4A08-48D2-89A5-89C6CF66D327}" type="datetimeFigureOut">
               <a:rPr lang="pt-BR" smtClean="0"/>
-              <a:t>26/04/2017</a:t>
+              <a:t>30/04/2017</a:t>
             </a:fld>
             <a:endParaRPr lang="pt-BR"/>
           </a:p>
@@ -1724,7 +1724,7 @@
           <a:p>
             <a:fld id="{2E538E35-4A08-48D2-89A5-89C6CF66D327}" type="datetimeFigureOut">
               <a:rPr lang="pt-BR" smtClean="0"/>
-              <a:t>26/04/2017</a:t>
+              <a:t>30/04/2017</a:t>
             </a:fld>
             <a:endParaRPr lang="pt-BR"/>
           </a:p>
@@ -1819,7 +1819,7 @@
           <a:p>
             <a:fld id="{2E538E35-4A08-48D2-89A5-89C6CF66D327}" type="datetimeFigureOut">
               <a:rPr lang="pt-BR" smtClean="0"/>
-              <a:t>26/04/2017</a:t>
+              <a:t>30/04/2017</a:t>
             </a:fld>
             <a:endParaRPr lang="pt-BR"/>
           </a:p>
@@ -2096,7 +2096,7 @@
           <a:p>
             <a:fld id="{2E538E35-4A08-48D2-89A5-89C6CF66D327}" type="datetimeFigureOut">
               <a:rPr lang="pt-BR" smtClean="0"/>
-              <a:t>26/04/2017</a:t>
+              <a:t>30/04/2017</a:t>
             </a:fld>
             <a:endParaRPr lang="pt-BR"/>
           </a:p>
@@ -2353,7 +2353,7 @@
           <a:p>
             <a:fld id="{2E538E35-4A08-48D2-89A5-89C6CF66D327}" type="datetimeFigureOut">
               <a:rPr lang="pt-BR" smtClean="0"/>
-              <a:t>26/04/2017</a:t>
+              <a:t>30/04/2017</a:t>
             </a:fld>
             <a:endParaRPr lang="pt-BR"/>
           </a:p>
@@ -2566,7 +2566,7 @@
           <a:p>
             <a:fld id="{2E538E35-4A08-48D2-89A5-89C6CF66D327}" type="datetimeFigureOut">
               <a:rPr lang="pt-BR" smtClean="0"/>
-              <a:t>26/04/2017</a:t>
+              <a:t>30/04/2017</a:t>
             </a:fld>
             <a:endParaRPr lang="pt-BR"/>
           </a:p>
@@ -2980,7 +2980,7 @@
         <p:spPr>
           <a:xfrm>
             <a:off x="3947628" y="1771096"/>
-            <a:ext cx="1944312" cy="2920416"/>
+            <a:ext cx="2084368" cy="2920416"/>
           </a:xfrm>
           <a:prstGeom prst="rect">
             <a:avLst/>
@@ -3410,7 +3410,7 @@
         </p:nvSpPr>
         <p:spPr>
           <a:xfrm>
-            <a:off x="6452793" y="4814021"/>
+            <a:off x="6452792" y="448733"/>
             <a:ext cx="1586333" cy="659803"/>
           </a:xfrm>
           <a:prstGeom prst="ellipse">
@@ -3451,7 +3451,7 @@
         </p:nvSpPr>
         <p:spPr>
           <a:xfrm>
-            <a:off x="1802591" y="5824783"/>
+            <a:off x="1792061" y="5824783"/>
             <a:ext cx="1586333" cy="659803"/>
           </a:xfrm>
           <a:prstGeom prst="ellipse">
@@ -3730,15 +3730,15 @@
         <p:nvCxnSpPr>
           <p:cNvPr id="43" name="Straight Arrow Connector 42"/>
           <p:cNvCxnSpPr>
-            <a:stCxn id="29" idx="6"/>
-            <a:endCxn id="30" idx="2"/>
+            <a:stCxn id="29" idx="4"/>
+            <a:endCxn id="30" idx="0"/>
           </p:cNvCxnSpPr>
           <p:nvPr/>
         </p:nvCxnSpPr>
         <p:spPr>
-          <a:xfrm flipV="1">
-            <a:off x="3388924" y="6154684"/>
-            <a:ext cx="733504" cy="1"/>
+          <a:xfrm>
+            <a:off x="2585228" y="6484586"/>
+            <a:ext cx="0" cy="350958"/>
           </a:xfrm>
           <a:prstGeom prst="straightConnector1">
             <a:avLst/>
@@ -3773,8 +3773,8 @@
         </p:nvSpPr>
         <p:spPr>
           <a:xfrm rot="5400000">
-            <a:off x="6111358" y="3786054"/>
-            <a:ext cx="255379" cy="694218"/>
+            <a:off x="6187160" y="3861856"/>
+            <a:ext cx="243832" cy="554161"/>
           </a:xfrm>
           <a:prstGeom prst="downArrow">
             <a:avLst/>
@@ -4013,112 +4013,13 @@
       </p:sp>
       <p:sp>
         <p:nvSpPr>
-          <p:cNvPr id="61" name="Rectangle 60"/>
-          <p:cNvSpPr/>
-          <p:nvPr/>
-        </p:nvSpPr>
-        <p:spPr>
-          <a:xfrm>
-            <a:off x="6042525" y="4696889"/>
-            <a:ext cx="2374535" cy="918218"/>
-          </a:xfrm>
-          <a:prstGeom prst="rect">
-            <a:avLst/>
-          </a:prstGeom>
-          <a:noFill/>
-          <a:ln>
-            <a:solidFill>
-              <a:schemeClr val="bg1">
-                <a:lumMod val="50000"/>
-              </a:schemeClr>
-            </a:solidFill>
-            <a:prstDash val="dash"/>
-          </a:ln>
-        </p:spPr>
-        <p:style>
-          <a:lnRef idx="2">
-            <a:schemeClr val="accent1">
-              <a:shade val="50000"/>
-            </a:schemeClr>
-          </a:lnRef>
-          <a:fillRef idx="1">
-            <a:schemeClr val="accent1"/>
-          </a:fillRef>
-          <a:effectRef idx="0">
-            <a:schemeClr val="accent1"/>
-          </a:effectRef>
-          <a:fontRef idx="minor">
-            <a:schemeClr val="lt1"/>
-          </a:fontRef>
-        </p:style>
-        <p:txBody>
-          <a:bodyPr rtlCol="0" anchor="ctr"/>
-          <a:lstStyle/>
-          <a:p>
-            <a:pPr algn="ctr"/>
-            <a:endParaRPr lang="pt-BR" sz="1492"/>
-          </a:p>
-        </p:txBody>
-      </p:sp>
-      <p:sp>
-        <p:nvSpPr>
-          <p:cNvPr id="63" name="L-Shape 62"/>
-          <p:cNvSpPr/>
-          <p:nvPr/>
-        </p:nvSpPr>
-        <p:spPr>
-          <a:xfrm rot="5400000">
-            <a:off x="2340873" y="530353"/>
-            <a:ext cx="5159968" cy="6992405"/>
-          </a:xfrm>
-          <a:prstGeom prst="corner">
-            <a:avLst>
-              <a:gd name="adj1" fmla="val 88664"/>
-              <a:gd name="adj2" fmla="val 61739"/>
-            </a:avLst>
-          </a:prstGeom>
-          <a:noFill/>
-          <a:ln w="28575">
-            <a:solidFill>
-              <a:schemeClr val="tx1"/>
-            </a:solidFill>
-            <a:prstDash val="sysDash"/>
-          </a:ln>
-        </p:spPr>
-        <p:style>
-          <a:lnRef idx="2">
-            <a:schemeClr val="accent1">
-              <a:shade val="50000"/>
-            </a:schemeClr>
-          </a:lnRef>
-          <a:fillRef idx="1">
-            <a:schemeClr val="accent1"/>
-          </a:fillRef>
-          <a:effectRef idx="0">
-            <a:schemeClr val="accent1"/>
-          </a:effectRef>
-          <a:fontRef idx="minor">
-            <a:schemeClr val="lt1"/>
-          </a:fontRef>
-        </p:style>
-        <p:txBody>
-          <a:bodyPr rtlCol="0" anchor="ctr"/>
-          <a:lstStyle/>
-          <a:p>
-            <a:pPr algn="ctr"/>
-            <a:endParaRPr lang="pt-BR" sz="1492"/>
-          </a:p>
-        </p:txBody>
-      </p:sp>
-      <p:sp>
-        <p:nvSpPr>
           <p:cNvPr id="30" name="Oval 29"/>
           <p:cNvSpPr/>
           <p:nvPr/>
         </p:nvSpPr>
         <p:spPr>
           <a:xfrm>
-            <a:off x="4122428" y="5824782"/>
+            <a:off x="1792061" y="6835544"/>
             <a:ext cx="1586333" cy="659803"/>
           </a:xfrm>
           <a:prstGeom prst="ellipse">
@@ -4170,9 +4071,9 @@
           <p:nvPr/>
         </p:nvCxnSpPr>
         <p:spPr>
-          <a:xfrm flipH="1" flipV="1">
-            <a:off x="2585229" y="5473825"/>
-            <a:ext cx="10529" cy="350958"/>
+          <a:xfrm flipV="1">
+            <a:off x="2585228" y="5473825"/>
+            <a:ext cx="1" cy="350958"/>
           </a:xfrm>
           <a:prstGeom prst="straightConnector1">
             <a:avLst/>
@@ -4276,7 +4177,14 @@
             <a:pPr algn="ctr"/>
             <a:r>
               <a:rPr lang="pt-BR" sz="1492" dirty="0" smtClean="0"/>
-              <a:t>Results Panel</a:t>
+              <a:t>Control</a:t>
+            </a:r>
+          </a:p>
+          <a:p>
+            <a:pPr algn="ctr"/>
+            <a:r>
+              <a:rPr lang="pt-BR" sz="1492" dirty="0" smtClean="0"/>
+              <a:t>Panel</a:t>
             </a:r>
             <a:endParaRPr lang="pt-BR" sz="1492" dirty="0"/>
           </a:p>
@@ -4368,7 +4276,7 @@
         </p:nvSpPr>
         <p:spPr>
           <a:xfrm>
-            <a:off x="3561574" y="7478068"/>
+            <a:off x="6452791" y="4826095"/>
             <a:ext cx="1586333" cy="659803"/>
           </a:xfrm>
           <a:prstGeom prst="ellipse">
@@ -4410,6 +4318,429 @@
           </a:p>
         </p:txBody>
       </p:sp>
+      <p:cxnSp>
+        <p:nvCxnSpPr>
+          <p:cNvPr id="41" name="Elbow Connector 40"/>
+          <p:cNvCxnSpPr>
+            <a:stCxn id="38" idx="7"/>
+            <a:endCxn id="20" idx="6"/>
+          </p:cNvCxnSpPr>
+          <p:nvPr/>
+        </p:nvCxnSpPr>
+        <p:spPr>
+          <a:xfrm rot="5400000" flipH="1" flipV="1">
+            <a:off x="4187064" y="3401026"/>
+            <a:ext cx="2811081" cy="232313"/>
+          </a:xfrm>
+          <a:prstGeom prst="bentConnector4">
+            <a:avLst>
+              <a:gd name="adj1" fmla="val 978"/>
+              <a:gd name="adj2" fmla="val 198402"/>
+            </a:avLst>
+          </a:prstGeom>
+          <a:ln w="38100">
+            <a:solidFill>
+              <a:schemeClr val="bg1">
+                <a:lumMod val="50000"/>
+              </a:schemeClr>
+            </a:solidFill>
+            <a:tailEnd type="triangle"/>
+          </a:ln>
+        </p:spPr>
+        <p:style>
+          <a:lnRef idx="1">
+            <a:schemeClr val="accent1"/>
+          </a:lnRef>
+          <a:fillRef idx="0">
+            <a:schemeClr val="accent1"/>
+          </a:fillRef>
+          <a:effectRef idx="0">
+            <a:schemeClr val="accent1"/>
+          </a:effectRef>
+          <a:fontRef idx="minor">
+            <a:schemeClr val="tx1"/>
+          </a:fontRef>
+        </p:style>
+      </p:cxnSp>
+      <p:cxnSp>
+        <p:nvCxnSpPr>
+          <p:cNvPr id="50" name="Straight Arrow Connector 49"/>
+          <p:cNvCxnSpPr>
+            <a:stCxn id="38" idx="6"/>
+            <a:endCxn id="45" idx="2"/>
+          </p:cNvCxnSpPr>
+          <p:nvPr/>
+        </p:nvCxnSpPr>
+        <p:spPr>
+          <a:xfrm flipV="1">
+            <a:off x="5708761" y="5155997"/>
+            <a:ext cx="744030" cy="1"/>
+          </a:xfrm>
+          <a:prstGeom prst="straightConnector1">
+            <a:avLst/>
+          </a:prstGeom>
+          <a:ln w="38100">
+            <a:solidFill>
+              <a:schemeClr val="tx1"/>
+            </a:solidFill>
+            <a:tailEnd type="triangle"/>
+          </a:ln>
+        </p:spPr>
+        <p:style>
+          <a:lnRef idx="1">
+            <a:schemeClr val="accent1"/>
+          </a:lnRef>
+          <a:fillRef idx="0">
+            <a:schemeClr val="accent1"/>
+          </a:fillRef>
+          <a:effectRef idx="0">
+            <a:schemeClr val="accent1"/>
+          </a:effectRef>
+          <a:fontRef idx="minor">
+            <a:schemeClr val="tx1"/>
+          </a:fontRef>
+        </p:style>
+      </p:cxnSp>
+      <p:sp>
+        <p:nvSpPr>
+          <p:cNvPr id="36" name="Rectangle 35"/>
+          <p:cNvSpPr/>
+          <p:nvPr/>
+        </p:nvSpPr>
+        <p:spPr>
+          <a:xfrm>
+            <a:off x="1317171" y="1440796"/>
+            <a:ext cx="7032172" cy="6244518"/>
+          </a:xfrm>
+          <a:prstGeom prst="rect">
+            <a:avLst/>
+          </a:prstGeom>
+          <a:noFill/>
+          <a:ln w="28575">
+            <a:solidFill>
+              <a:schemeClr val="tx1"/>
+            </a:solidFill>
+            <a:prstDash val="dash"/>
+          </a:ln>
+        </p:spPr>
+        <p:style>
+          <a:lnRef idx="1">
+            <a:schemeClr val="dk1"/>
+          </a:lnRef>
+          <a:fillRef idx="2">
+            <a:schemeClr val="dk1"/>
+          </a:fillRef>
+          <a:effectRef idx="1">
+            <a:schemeClr val="dk1"/>
+          </a:effectRef>
+          <a:fontRef idx="minor">
+            <a:schemeClr val="dk1"/>
+          </a:fontRef>
+        </p:style>
+        <p:txBody>
+          <a:bodyPr rtlCol="0" anchor="ctr"/>
+          <a:lstStyle/>
+          <a:p>
+            <a:pPr algn="ctr"/>
+            <a:endParaRPr lang="pt-BR"/>
+          </a:p>
+        </p:txBody>
+      </p:sp>
+      <p:sp>
+        <p:nvSpPr>
+          <p:cNvPr id="54" name="Oval 53"/>
+          <p:cNvSpPr/>
+          <p:nvPr/>
+        </p:nvSpPr>
+        <p:spPr>
+          <a:xfrm>
+            <a:off x="4122427" y="6835544"/>
+            <a:ext cx="1586333" cy="659803"/>
+          </a:xfrm>
+          <a:prstGeom prst="ellipse">
+            <a:avLst/>
+          </a:prstGeom>
+        </p:spPr>
+        <p:style>
+          <a:lnRef idx="3">
+            <a:schemeClr val="lt1"/>
+          </a:lnRef>
+          <a:fillRef idx="1">
+            <a:schemeClr val="accent2"/>
+          </a:fillRef>
+          <a:effectRef idx="1">
+            <a:schemeClr val="accent2"/>
+          </a:effectRef>
+          <a:fontRef idx="minor">
+            <a:schemeClr val="lt1"/>
+          </a:fontRef>
+        </p:style>
+        <p:txBody>
+          <a:bodyPr rtlCol="0" anchor="ctr"/>
+          <a:lstStyle/>
+          <a:p>
+            <a:pPr algn="ctr"/>
+            <a:r>
+              <a:rPr lang="pt-BR" sz="1492" dirty="0" smtClean="0"/>
+              <a:t>Robot</a:t>
+            </a:r>
+          </a:p>
+          <a:p>
+            <a:pPr algn="ctr"/>
+            <a:r>
+              <a:rPr lang="pt-BR" sz="1492" dirty="0" smtClean="0"/>
+              <a:t>Cursor</a:t>
+            </a:r>
+            <a:endParaRPr lang="pt-BR" sz="1492" dirty="0"/>
+          </a:p>
+        </p:txBody>
+      </p:sp>
+      <p:sp>
+        <p:nvSpPr>
+          <p:cNvPr id="59" name="Oval 58"/>
+          <p:cNvSpPr/>
+          <p:nvPr/>
+        </p:nvSpPr>
+        <p:spPr>
+          <a:xfrm>
+            <a:off x="4122426" y="5845403"/>
+            <a:ext cx="1586333" cy="659803"/>
+          </a:xfrm>
+          <a:prstGeom prst="ellipse">
+            <a:avLst/>
+          </a:prstGeom>
+        </p:spPr>
+        <p:style>
+          <a:lnRef idx="3">
+            <a:schemeClr val="lt1"/>
+          </a:lnRef>
+          <a:fillRef idx="1">
+            <a:schemeClr val="accent2"/>
+          </a:fillRef>
+          <a:effectRef idx="1">
+            <a:schemeClr val="accent2"/>
+          </a:effectRef>
+          <a:fontRef idx="minor">
+            <a:schemeClr val="lt1"/>
+          </a:fontRef>
+        </p:style>
+        <p:txBody>
+          <a:bodyPr rtlCol="0" anchor="ctr"/>
+          <a:lstStyle/>
+          <a:p>
+            <a:pPr algn="ctr"/>
+            <a:r>
+              <a:rPr lang="pt-BR" sz="1492" dirty="0" smtClean="0"/>
+              <a:t>Connection</a:t>
+            </a:r>
+            <a:endParaRPr lang="pt-BR" sz="1492" dirty="0"/>
+          </a:p>
+        </p:txBody>
+      </p:sp>
+      <p:cxnSp>
+        <p:nvCxnSpPr>
+          <p:cNvPr id="62" name="Straight Arrow Connector 61"/>
+          <p:cNvCxnSpPr>
+            <a:stCxn id="38" idx="4"/>
+            <a:endCxn id="59" idx="0"/>
+          </p:cNvCxnSpPr>
+          <p:nvPr/>
+        </p:nvCxnSpPr>
+        <p:spPr>
+          <a:xfrm flipH="1">
+            <a:off x="4915593" y="5485899"/>
+            <a:ext cx="2" cy="359504"/>
+          </a:xfrm>
+          <a:prstGeom prst="straightConnector1">
+            <a:avLst/>
+          </a:prstGeom>
+          <a:ln w="38100">
+            <a:solidFill>
+              <a:schemeClr val="tx1"/>
+            </a:solidFill>
+            <a:tailEnd type="triangle"/>
+          </a:ln>
+        </p:spPr>
+        <p:style>
+          <a:lnRef idx="1">
+            <a:schemeClr val="accent1"/>
+          </a:lnRef>
+          <a:fillRef idx="0">
+            <a:schemeClr val="accent1"/>
+          </a:fillRef>
+          <a:effectRef idx="0">
+            <a:schemeClr val="accent1"/>
+          </a:effectRef>
+          <a:fontRef idx="minor">
+            <a:schemeClr val="tx1"/>
+          </a:fontRef>
+        </p:style>
+      </p:cxnSp>
+      <p:cxnSp>
+        <p:nvCxnSpPr>
+          <p:cNvPr id="65" name="Elbow Connector 64"/>
+          <p:cNvCxnSpPr>
+            <a:stCxn id="59" idx="6"/>
+            <a:endCxn id="20" idx="6"/>
+          </p:cNvCxnSpPr>
+          <p:nvPr/>
+        </p:nvCxnSpPr>
+        <p:spPr>
+          <a:xfrm flipV="1">
+            <a:off x="5708759" y="2111641"/>
+            <a:ext cx="2" cy="4063664"/>
+          </a:xfrm>
+          <a:prstGeom prst="bentConnector3">
+            <a:avLst>
+              <a:gd name="adj1" fmla="val 11430100000"/>
+            </a:avLst>
+          </a:prstGeom>
+          <a:ln w="38100">
+            <a:solidFill>
+              <a:schemeClr val="bg1">
+                <a:lumMod val="50000"/>
+              </a:schemeClr>
+            </a:solidFill>
+            <a:tailEnd type="triangle"/>
+          </a:ln>
+        </p:spPr>
+        <p:style>
+          <a:lnRef idx="1">
+            <a:schemeClr val="accent1"/>
+          </a:lnRef>
+          <a:fillRef idx="0">
+            <a:schemeClr val="accent1"/>
+          </a:fillRef>
+          <a:effectRef idx="0">
+            <a:schemeClr val="accent1"/>
+          </a:effectRef>
+          <a:fontRef idx="minor">
+            <a:schemeClr val="tx1"/>
+          </a:fontRef>
+        </p:style>
+      </p:cxnSp>
+      <p:cxnSp>
+        <p:nvCxnSpPr>
+          <p:cNvPr id="75" name="Straight Arrow Connector 74"/>
+          <p:cNvCxnSpPr>
+            <a:stCxn id="54" idx="0"/>
+            <a:endCxn id="59" idx="4"/>
+          </p:cNvCxnSpPr>
+          <p:nvPr/>
+        </p:nvCxnSpPr>
+        <p:spPr>
+          <a:xfrm flipH="1" flipV="1">
+            <a:off x="4915593" y="6505206"/>
+            <a:ext cx="1" cy="330338"/>
+          </a:xfrm>
+          <a:prstGeom prst="straightConnector1">
+            <a:avLst/>
+          </a:prstGeom>
+          <a:ln w="38100">
+            <a:solidFill>
+              <a:schemeClr val="tx1"/>
+            </a:solidFill>
+            <a:tailEnd type="triangle"/>
+          </a:ln>
+        </p:spPr>
+        <p:style>
+          <a:lnRef idx="1">
+            <a:schemeClr val="accent1"/>
+          </a:lnRef>
+          <a:fillRef idx="0">
+            <a:schemeClr val="accent1"/>
+          </a:fillRef>
+          <a:effectRef idx="0">
+            <a:schemeClr val="accent1"/>
+          </a:effectRef>
+          <a:fontRef idx="minor">
+            <a:schemeClr val="tx1"/>
+          </a:fontRef>
+        </p:style>
+      </p:cxnSp>
+      <p:sp>
+        <p:nvSpPr>
+          <p:cNvPr id="88" name="Oval 87"/>
+          <p:cNvSpPr/>
+          <p:nvPr/>
+        </p:nvSpPr>
+        <p:spPr>
+          <a:xfrm>
+            <a:off x="6452791" y="5845403"/>
+            <a:ext cx="1586333" cy="659803"/>
+          </a:xfrm>
+          <a:prstGeom prst="ellipse">
+            <a:avLst/>
+          </a:prstGeom>
+        </p:spPr>
+        <p:style>
+          <a:lnRef idx="3">
+            <a:schemeClr val="lt1"/>
+          </a:lnRef>
+          <a:fillRef idx="1">
+            <a:schemeClr val="accent2"/>
+          </a:fillRef>
+          <a:effectRef idx="1">
+            <a:schemeClr val="accent2"/>
+          </a:effectRef>
+          <a:fontRef idx="minor">
+            <a:schemeClr val="lt1"/>
+          </a:fontRef>
+        </p:style>
+        <p:txBody>
+          <a:bodyPr rtlCol="0" anchor="ctr"/>
+          <a:lstStyle/>
+          <a:p>
+            <a:pPr algn="ctr"/>
+            <a:r>
+              <a:rPr lang="pt-BR" sz="1492" dirty="0" smtClean="0"/>
+              <a:t>AnkleBot?</a:t>
+            </a:r>
+            <a:endParaRPr lang="pt-BR" sz="1492" dirty="0"/>
+          </a:p>
+        </p:txBody>
+      </p:sp>
+      <p:cxnSp>
+        <p:nvCxnSpPr>
+          <p:cNvPr id="90" name="Elbow Connector 89"/>
+          <p:cNvCxnSpPr>
+            <a:stCxn id="45" idx="3"/>
+            <a:endCxn id="22" idx="5"/>
+          </p:cNvCxnSpPr>
+          <p:nvPr/>
+        </p:nvCxnSpPr>
+        <p:spPr>
+          <a:xfrm rot="5400000" flipH="1">
+            <a:off x="4909556" y="3613725"/>
+            <a:ext cx="12073" cy="3539022"/>
+          </a:xfrm>
+          <a:prstGeom prst="bentConnector3">
+            <a:avLst>
+              <a:gd name="adj1" fmla="val -1972501"/>
+            </a:avLst>
+          </a:prstGeom>
+          <a:ln w="28575">
+            <a:solidFill>
+              <a:schemeClr val="tx1"/>
+            </a:solidFill>
+            <a:tailEnd type="triangle"/>
+          </a:ln>
+        </p:spPr>
+        <p:style>
+          <a:lnRef idx="1">
+            <a:schemeClr val="accent1"/>
+          </a:lnRef>
+          <a:fillRef idx="0">
+            <a:schemeClr val="accent1"/>
+          </a:fillRef>
+          <a:effectRef idx="0">
+            <a:schemeClr val="accent1"/>
+          </a:effectRef>
+          <a:fontRef idx="minor">
+            <a:schemeClr val="tx1"/>
+          </a:fontRef>
+        </p:style>
+      </p:cxnSp>
     </p:spTree>
     <p:extLst>
       <p:ext uri="{BB962C8B-B14F-4D97-AF65-F5344CB8AC3E}">

--- a/Script Flow.pptx
+++ b/Script Flow.pptx
@@ -243,7 +243,7 @@
           <a:p>
             <a:fld id="{2E538E35-4A08-48D2-89A5-89C6CF66D327}" type="datetimeFigureOut">
               <a:rPr lang="pt-BR" smtClean="0"/>
-              <a:t>30/04/2017</a:t>
+              <a:t>19/06/2017</a:t>
             </a:fld>
             <a:endParaRPr lang="pt-BR"/>
           </a:p>
@@ -413,7 +413,7 @@
           <a:p>
             <a:fld id="{2E538E35-4A08-48D2-89A5-89C6CF66D327}" type="datetimeFigureOut">
               <a:rPr lang="pt-BR" smtClean="0"/>
-              <a:t>30/04/2017</a:t>
+              <a:t>19/06/2017</a:t>
             </a:fld>
             <a:endParaRPr lang="pt-BR"/>
           </a:p>
@@ -593,7 +593,7 @@
           <a:p>
             <a:fld id="{2E538E35-4A08-48D2-89A5-89C6CF66D327}" type="datetimeFigureOut">
               <a:rPr lang="pt-BR" smtClean="0"/>
-              <a:t>30/04/2017</a:t>
+              <a:t>19/06/2017</a:t>
             </a:fld>
             <a:endParaRPr lang="pt-BR"/>
           </a:p>
@@ -763,7 +763,7 @@
           <a:p>
             <a:fld id="{2E538E35-4A08-48D2-89A5-89C6CF66D327}" type="datetimeFigureOut">
               <a:rPr lang="pt-BR" smtClean="0"/>
-              <a:t>30/04/2017</a:t>
+              <a:t>19/06/2017</a:t>
             </a:fld>
             <a:endParaRPr lang="pt-BR"/>
           </a:p>
@@ -1007,7 +1007,7 @@
           <a:p>
             <a:fld id="{2E538E35-4A08-48D2-89A5-89C6CF66D327}" type="datetimeFigureOut">
               <a:rPr lang="pt-BR" smtClean="0"/>
-              <a:t>30/04/2017</a:t>
+              <a:t>19/06/2017</a:t>
             </a:fld>
             <a:endParaRPr lang="pt-BR"/>
           </a:p>
@@ -1239,7 +1239,7 @@
           <a:p>
             <a:fld id="{2E538E35-4A08-48D2-89A5-89C6CF66D327}" type="datetimeFigureOut">
               <a:rPr lang="pt-BR" smtClean="0"/>
-              <a:t>30/04/2017</a:t>
+              <a:t>19/06/2017</a:t>
             </a:fld>
             <a:endParaRPr lang="pt-BR"/>
           </a:p>
@@ -1606,7 +1606,7 @@
           <a:p>
             <a:fld id="{2E538E35-4A08-48D2-89A5-89C6CF66D327}" type="datetimeFigureOut">
               <a:rPr lang="pt-BR" smtClean="0"/>
-              <a:t>30/04/2017</a:t>
+              <a:t>19/06/2017</a:t>
             </a:fld>
             <a:endParaRPr lang="pt-BR"/>
           </a:p>
@@ -1724,7 +1724,7 @@
           <a:p>
             <a:fld id="{2E538E35-4A08-48D2-89A5-89C6CF66D327}" type="datetimeFigureOut">
               <a:rPr lang="pt-BR" smtClean="0"/>
-              <a:t>30/04/2017</a:t>
+              <a:t>19/06/2017</a:t>
             </a:fld>
             <a:endParaRPr lang="pt-BR"/>
           </a:p>
@@ -1819,7 +1819,7 @@
           <a:p>
             <a:fld id="{2E538E35-4A08-48D2-89A5-89C6CF66D327}" type="datetimeFigureOut">
               <a:rPr lang="pt-BR" smtClean="0"/>
-              <a:t>30/04/2017</a:t>
+              <a:t>19/06/2017</a:t>
             </a:fld>
             <a:endParaRPr lang="pt-BR"/>
           </a:p>
@@ -2096,7 +2096,7 @@
           <a:p>
             <a:fld id="{2E538E35-4A08-48D2-89A5-89C6CF66D327}" type="datetimeFigureOut">
               <a:rPr lang="pt-BR" smtClean="0"/>
-              <a:t>30/04/2017</a:t>
+              <a:t>19/06/2017</a:t>
             </a:fld>
             <a:endParaRPr lang="pt-BR"/>
           </a:p>
@@ -2353,7 +2353,7 @@
           <a:p>
             <a:fld id="{2E538E35-4A08-48D2-89A5-89C6CF66D327}" type="datetimeFigureOut">
               <a:rPr lang="pt-BR" smtClean="0"/>
-              <a:t>30/04/2017</a:t>
+              <a:t>19/06/2017</a:t>
             </a:fld>
             <a:endParaRPr lang="pt-BR"/>
           </a:p>
@@ -2566,7 +2566,7 @@
           <a:p>
             <a:fld id="{2E538E35-4A08-48D2-89A5-89C6CF66D327}" type="datetimeFigureOut">
               <a:rPr lang="pt-BR" smtClean="0"/>
-              <a:t>30/04/2017</a:t>
+              <a:t>19/06/2017</a:t>
             </a:fld>
             <a:endParaRPr lang="pt-BR"/>
           </a:p>
@@ -4741,6 +4741,47 @@
           </a:fontRef>
         </p:style>
       </p:cxnSp>
+      <p:cxnSp>
+        <p:nvCxnSpPr>
+          <p:cNvPr id="47" name="Elbow Connector 46"/>
+          <p:cNvCxnSpPr>
+            <a:stCxn id="54" idx="2"/>
+            <a:endCxn id="29" idx="6"/>
+          </p:cNvCxnSpPr>
+          <p:nvPr/>
+        </p:nvCxnSpPr>
+        <p:spPr>
+          <a:xfrm rot="10800000">
+            <a:off x="3378395" y="6154686"/>
+            <a:ext cx="744033" cy="1010761"/>
+          </a:xfrm>
+          <a:prstGeom prst="bentConnector3">
+            <a:avLst>
+              <a:gd name="adj1" fmla="val 50000"/>
+            </a:avLst>
+          </a:prstGeom>
+          <a:ln w="28575">
+            <a:solidFill>
+              <a:schemeClr val="tx1"/>
+            </a:solidFill>
+            <a:tailEnd type="triangle"/>
+          </a:ln>
+        </p:spPr>
+        <p:style>
+          <a:lnRef idx="1">
+            <a:schemeClr val="accent1"/>
+          </a:lnRef>
+          <a:fillRef idx="0">
+            <a:schemeClr val="accent1"/>
+          </a:fillRef>
+          <a:effectRef idx="0">
+            <a:schemeClr val="accent1"/>
+          </a:effectRef>
+          <a:fontRef idx="minor">
+            <a:schemeClr val="tx1"/>
+          </a:fontRef>
+        </p:style>
+      </p:cxnSp>
     </p:spTree>
     <p:extLst>
       <p:ext uri="{BB962C8B-B14F-4D97-AF65-F5344CB8AC3E}">

--- a/Script Flow.pptx
+++ b/Script Flow.pptx
@@ -2,12 +2,13 @@
 <file path=ppt/presentation.xml><?xml version="1.0" encoding="utf-8"?>
 <p:presentation xmlns:a="http://schemas.openxmlformats.org/drawingml/2006/main" xmlns:r="http://schemas.openxmlformats.org/officeDocument/2006/relationships" xmlns:p="http://schemas.openxmlformats.org/presentationml/2006/main" saveSubsetFonts="1">
   <p:sldMasterIdLst>
-    <p:sldMasterId id="2147483660" r:id="rId1"/>
+    <p:sldMasterId id="2147483672" r:id="rId1"/>
   </p:sldMasterIdLst>
   <p:sldIdLst>
     <p:sldId id="256" r:id="rId2"/>
+    <p:sldId id="257" r:id="rId3"/>
   </p:sldIdLst>
-  <p:sldSz cx="10107613" cy="8856663"/>
+  <p:sldSz cx="11809413" cy="8856663"/>
   <p:notesSz cx="6858000" cy="9144000"/>
   <p:defaultTextStyle>
     <a:defPPr>
@@ -141,15 +142,15 @@
         </p:nvSpPr>
         <p:spPr>
           <a:xfrm>
-            <a:off x="758071" y="1449459"/>
-            <a:ext cx="8591471" cy="3083431"/>
+            <a:off x="885706" y="1449459"/>
+            <a:ext cx="10038001" cy="3083431"/>
           </a:xfrm>
         </p:spPr>
         <p:txBody>
           <a:bodyPr anchor="b"/>
           <a:lstStyle>
             <a:lvl1pPr algn="ctr">
-              <a:defRPr sz="6632"/>
+              <a:defRPr sz="7748"/>
             </a:lvl1pPr>
           </a:lstStyle>
           <a:p>
@@ -173,8 +174,8 @@
         </p:nvSpPr>
         <p:spPr>
           <a:xfrm>
-            <a:off x="1263452" y="4651799"/>
-            <a:ext cx="7580710" cy="2138309"/>
+            <a:off x="1476177" y="4651799"/>
+            <a:ext cx="8857060" cy="2138309"/>
           </a:xfrm>
         </p:spPr>
         <p:txBody>
@@ -182,39 +183,39 @@
           <a:lstStyle>
             <a:lvl1pPr marL="0" indent="0" algn="ctr">
               <a:buNone/>
-              <a:defRPr sz="2653"/>
+              <a:defRPr sz="3099"/>
             </a:lvl1pPr>
-            <a:lvl2pPr marL="505389" indent="0" algn="ctr">
+            <a:lvl2pPr marL="590428" indent="0" algn="ctr">
               <a:buNone/>
-              <a:defRPr sz="2211"/>
+              <a:defRPr sz="2583"/>
             </a:lvl2pPr>
-            <a:lvl3pPr marL="1010778" indent="0" algn="ctr">
+            <a:lvl3pPr marL="1180856" indent="0" algn="ctr">
               <a:buNone/>
-              <a:defRPr sz="1990"/>
+              <a:defRPr sz="2325"/>
             </a:lvl3pPr>
-            <a:lvl4pPr marL="1516167" indent="0" algn="ctr">
+            <a:lvl4pPr marL="1771284" indent="0" algn="ctr">
               <a:buNone/>
-              <a:defRPr sz="1769"/>
+              <a:defRPr sz="2066"/>
             </a:lvl4pPr>
-            <a:lvl5pPr marL="2021556" indent="0" algn="ctr">
+            <a:lvl5pPr marL="2361712" indent="0" algn="ctr">
               <a:buNone/>
-              <a:defRPr sz="1769"/>
+              <a:defRPr sz="2066"/>
             </a:lvl5pPr>
-            <a:lvl6pPr marL="2526944" indent="0" algn="ctr">
+            <a:lvl6pPr marL="2952140" indent="0" algn="ctr">
               <a:buNone/>
-              <a:defRPr sz="1769"/>
+              <a:defRPr sz="2066"/>
             </a:lvl6pPr>
-            <a:lvl7pPr marL="3032333" indent="0" algn="ctr">
+            <a:lvl7pPr marL="3542568" indent="0" algn="ctr">
               <a:buNone/>
-              <a:defRPr sz="1769"/>
+              <a:defRPr sz="2066"/>
             </a:lvl7pPr>
-            <a:lvl8pPr marL="3537722" indent="0" algn="ctr">
+            <a:lvl8pPr marL="4132997" indent="0" algn="ctr">
               <a:buNone/>
-              <a:defRPr sz="1769"/>
+              <a:defRPr sz="2066"/>
             </a:lvl8pPr>
-            <a:lvl9pPr marL="4043111" indent="0" algn="ctr">
+            <a:lvl9pPr marL="4723425" indent="0" algn="ctr">
               <a:buNone/>
-              <a:defRPr sz="1769"/>
+              <a:defRPr sz="2066"/>
             </a:lvl9pPr>
           </a:lstStyle>
           <a:p>
@@ -243,7 +244,7 @@
           <a:p>
             <a:fld id="{2E538E35-4A08-48D2-89A5-89C6CF66D327}" type="datetimeFigureOut">
               <a:rPr lang="pt-BR" smtClean="0"/>
-              <a:t>19/06/2017</a:t>
+              <a:t>26/06/2017</a:t>
             </a:fld>
             <a:endParaRPr lang="pt-BR"/>
           </a:p>
@@ -294,7 +295,7 @@
     </p:spTree>
     <p:extLst>
       <p:ext uri="{BB962C8B-B14F-4D97-AF65-F5344CB8AC3E}">
-        <p14:creationId xmlns:p14="http://schemas.microsoft.com/office/powerpoint/2010/main" val="3570597112"/>
+        <p14:creationId xmlns:p14="http://schemas.microsoft.com/office/powerpoint/2010/main" val="2166038326"/>
       </p:ext>
     </p:extLst>
   </p:cSld>
@@ -413,7 +414,7 @@
           <a:p>
             <a:fld id="{2E538E35-4A08-48D2-89A5-89C6CF66D327}" type="datetimeFigureOut">
               <a:rPr lang="pt-BR" smtClean="0"/>
-              <a:t>19/06/2017</a:t>
+              <a:t>26/06/2017</a:t>
             </a:fld>
             <a:endParaRPr lang="pt-BR"/>
           </a:p>
@@ -464,7 +465,7 @@
     </p:spTree>
     <p:extLst>
       <p:ext uri="{BB962C8B-B14F-4D97-AF65-F5344CB8AC3E}">
-        <p14:creationId xmlns:p14="http://schemas.microsoft.com/office/powerpoint/2010/main" val="2357860427"/>
+        <p14:creationId xmlns:p14="http://schemas.microsoft.com/office/powerpoint/2010/main" val="75879932"/>
       </p:ext>
     </p:extLst>
   </p:cSld>
@@ -503,8 +504,8 @@
         </p:nvSpPr>
         <p:spPr>
           <a:xfrm>
-            <a:off x="7233261" y="471535"/>
-            <a:ext cx="2179454" cy="7505613"/>
+            <a:off x="8451112" y="471535"/>
+            <a:ext cx="2546405" cy="7505613"/>
           </a:xfrm>
         </p:spPr>
         <p:txBody>
@@ -531,8 +532,8 @@
         </p:nvSpPr>
         <p:spPr>
           <a:xfrm>
-            <a:off x="694899" y="471535"/>
-            <a:ext cx="6412017" cy="7505613"/>
+            <a:off x="811898" y="471535"/>
+            <a:ext cx="7491596" cy="7505613"/>
           </a:xfrm>
         </p:spPr>
         <p:txBody>
@@ -593,7 +594,7 @@
           <a:p>
             <a:fld id="{2E538E35-4A08-48D2-89A5-89C6CF66D327}" type="datetimeFigureOut">
               <a:rPr lang="pt-BR" smtClean="0"/>
-              <a:t>19/06/2017</a:t>
+              <a:t>26/06/2017</a:t>
             </a:fld>
             <a:endParaRPr lang="pt-BR"/>
           </a:p>
@@ -644,7 +645,7 @@
     </p:spTree>
     <p:extLst>
       <p:ext uri="{BB962C8B-B14F-4D97-AF65-F5344CB8AC3E}">
-        <p14:creationId xmlns:p14="http://schemas.microsoft.com/office/powerpoint/2010/main" val="528681589"/>
+        <p14:creationId xmlns:p14="http://schemas.microsoft.com/office/powerpoint/2010/main" val="3868114972"/>
       </p:ext>
     </p:extLst>
   </p:cSld>
@@ -763,7 +764,7 @@
           <a:p>
             <a:fld id="{2E538E35-4A08-48D2-89A5-89C6CF66D327}" type="datetimeFigureOut">
               <a:rPr lang="pt-BR" smtClean="0"/>
-              <a:t>19/06/2017</a:t>
+              <a:t>26/06/2017</a:t>
             </a:fld>
             <a:endParaRPr lang="pt-BR"/>
           </a:p>
@@ -814,7 +815,7 @@
     </p:spTree>
     <p:extLst>
       <p:ext uri="{BB962C8B-B14F-4D97-AF65-F5344CB8AC3E}">
-        <p14:creationId xmlns:p14="http://schemas.microsoft.com/office/powerpoint/2010/main" val="3892793284"/>
+        <p14:creationId xmlns:p14="http://schemas.microsoft.com/office/powerpoint/2010/main" val="4028600043"/>
       </p:ext>
     </p:extLst>
   </p:cSld>
@@ -853,15 +854,15 @@
         </p:nvSpPr>
         <p:spPr>
           <a:xfrm>
-            <a:off x="689635" y="2208018"/>
-            <a:ext cx="8717816" cy="3684125"/>
+            <a:off x="805747" y="2208018"/>
+            <a:ext cx="10185619" cy="3684125"/>
           </a:xfrm>
         </p:spPr>
         <p:txBody>
           <a:bodyPr anchor="b"/>
           <a:lstStyle>
             <a:lvl1pPr>
-              <a:defRPr sz="6632"/>
+              <a:defRPr sz="7748"/>
             </a:lvl1pPr>
           </a:lstStyle>
           <a:p>
@@ -885,8 +886,8 @@
         </p:nvSpPr>
         <p:spPr>
           <a:xfrm>
-            <a:off x="689635" y="5926996"/>
-            <a:ext cx="8717816" cy="1937394"/>
+            <a:off x="805747" y="5926996"/>
+            <a:ext cx="10185619" cy="1937394"/>
           </a:xfrm>
         </p:spPr>
         <p:txBody>
@@ -894,15 +895,15 @@
           <a:lstStyle>
             <a:lvl1pPr marL="0" indent="0">
               <a:buNone/>
-              <a:defRPr sz="2653">
+              <a:defRPr sz="3099">
                 <a:solidFill>
                   <a:schemeClr val="tx1"/>
                 </a:solidFill>
               </a:defRPr>
             </a:lvl1pPr>
-            <a:lvl2pPr marL="505389" indent="0">
+            <a:lvl2pPr marL="590428" indent="0">
               <a:buNone/>
-              <a:defRPr sz="2211">
+              <a:defRPr sz="2583">
                 <a:solidFill>
                   <a:schemeClr val="tx1">
                     <a:tint val="75000"/>
@@ -910,9 +911,9 @@
                 </a:solidFill>
               </a:defRPr>
             </a:lvl2pPr>
-            <a:lvl3pPr marL="1010778" indent="0">
+            <a:lvl3pPr marL="1180856" indent="0">
               <a:buNone/>
-              <a:defRPr sz="1990">
+              <a:defRPr sz="2325">
                 <a:solidFill>
                   <a:schemeClr val="tx1">
                     <a:tint val="75000"/>
@@ -920,9 +921,9 @@
                 </a:solidFill>
               </a:defRPr>
             </a:lvl3pPr>
-            <a:lvl4pPr marL="1516167" indent="0">
+            <a:lvl4pPr marL="1771284" indent="0">
               <a:buNone/>
-              <a:defRPr sz="1769">
+              <a:defRPr sz="2066">
                 <a:solidFill>
                   <a:schemeClr val="tx1">
                     <a:tint val="75000"/>
@@ -930,9 +931,9 @@
                 </a:solidFill>
               </a:defRPr>
             </a:lvl4pPr>
-            <a:lvl5pPr marL="2021556" indent="0">
+            <a:lvl5pPr marL="2361712" indent="0">
               <a:buNone/>
-              <a:defRPr sz="1769">
+              <a:defRPr sz="2066">
                 <a:solidFill>
                   <a:schemeClr val="tx1">
                     <a:tint val="75000"/>
@@ -940,9 +941,9 @@
                 </a:solidFill>
               </a:defRPr>
             </a:lvl5pPr>
-            <a:lvl6pPr marL="2526944" indent="0">
+            <a:lvl6pPr marL="2952140" indent="0">
               <a:buNone/>
-              <a:defRPr sz="1769">
+              <a:defRPr sz="2066">
                 <a:solidFill>
                   <a:schemeClr val="tx1">
                     <a:tint val="75000"/>
@@ -950,9 +951,9 @@
                 </a:solidFill>
               </a:defRPr>
             </a:lvl6pPr>
-            <a:lvl7pPr marL="3032333" indent="0">
+            <a:lvl7pPr marL="3542568" indent="0">
               <a:buNone/>
-              <a:defRPr sz="1769">
+              <a:defRPr sz="2066">
                 <a:solidFill>
                   <a:schemeClr val="tx1">
                     <a:tint val="75000"/>
@@ -960,9 +961,9 @@
                 </a:solidFill>
               </a:defRPr>
             </a:lvl7pPr>
-            <a:lvl8pPr marL="3537722" indent="0">
+            <a:lvl8pPr marL="4132997" indent="0">
               <a:buNone/>
-              <a:defRPr sz="1769">
+              <a:defRPr sz="2066">
                 <a:solidFill>
                   <a:schemeClr val="tx1">
                     <a:tint val="75000"/>
@@ -970,9 +971,9 @@
                 </a:solidFill>
               </a:defRPr>
             </a:lvl8pPr>
-            <a:lvl9pPr marL="4043111" indent="0">
+            <a:lvl9pPr marL="4723425" indent="0">
               <a:buNone/>
-              <a:defRPr sz="1769">
+              <a:defRPr sz="2066">
                 <a:solidFill>
                   <a:schemeClr val="tx1">
                     <a:tint val="75000"/>
@@ -1007,7 +1008,7 @@
           <a:p>
             <a:fld id="{2E538E35-4A08-48D2-89A5-89C6CF66D327}" type="datetimeFigureOut">
               <a:rPr lang="pt-BR" smtClean="0"/>
-              <a:t>19/06/2017</a:t>
+              <a:t>26/06/2017</a:t>
             </a:fld>
             <a:endParaRPr lang="pt-BR"/>
           </a:p>
@@ -1058,7 +1059,7 @@
     </p:spTree>
     <p:extLst>
       <p:ext uri="{BB962C8B-B14F-4D97-AF65-F5344CB8AC3E}">
-        <p14:creationId xmlns:p14="http://schemas.microsoft.com/office/powerpoint/2010/main" val="1017082435"/>
+        <p14:creationId xmlns:p14="http://schemas.microsoft.com/office/powerpoint/2010/main" val="2888029077"/>
       </p:ext>
     </p:extLst>
   </p:cSld>
@@ -1120,8 +1121,8 @@
         </p:nvSpPr>
         <p:spPr>
           <a:xfrm>
-            <a:off x="694898" y="2357677"/>
-            <a:ext cx="4295736" cy="5619471"/>
+            <a:off x="811897" y="2357677"/>
+            <a:ext cx="5019001" cy="5619471"/>
           </a:xfrm>
         </p:spPr>
         <p:txBody>
@@ -1177,8 +1178,8 @@
         </p:nvSpPr>
         <p:spPr>
           <a:xfrm>
-            <a:off x="5116979" y="2357677"/>
-            <a:ext cx="4295736" cy="5619471"/>
+            <a:off x="5978515" y="2357677"/>
+            <a:ext cx="5019001" cy="5619471"/>
           </a:xfrm>
         </p:spPr>
         <p:txBody>
@@ -1239,7 +1240,7 @@
           <a:p>
             <a:fld id="{2E538E35-4A08-48D2-89A5-89C6CF66D327}" type="datetimeFigureOut">
               <a:rPr lang="pt-BR" smtClean="0"/>
-              <a:t>19/06/2017</a:t>
+              <a:t>26/06/2017</a:t>
             </a:fld>
             <a:endParaRPr lang="pt-BR"/>
           </a:p>
@@ -1290,7 +1291,7 @@
     </p:spTree>
     <p:extLst>
       <p:ext uri="{BB962C8B-B14F-4D97-AF65-F5344CB8AC3E}">
-        <p14:creationId xmlns:p14="http://schemas.microsoft.com/office/powerpoint/2010/main" val="3888093889"/>
+        <p14:creationId xmlns:p14="http://schemas.microsoft.com/office/powerpoint/2010/main" val="2112286880"/>
       </p:ext>
     </p:extLst>
   </p:cSld>
@@ -1329,8 +1330,8 @@
         </p:nvSpPr>
         <p:spPr>
           <a:xfrm>
-            <a:off x="696215" y="471537"/>
-            <a:ext cx="8717816" cy="1711879"/>
+            <a:off x="813435" y="471537"/>
+            <a:ext cx="10185619" cy="1711879"/>
           </a:xfrm>
         </p:spPr>
         <p:txBody>
@@ -1357,8 +1358,8 @@
         </p:nvSpPr>
         <p:spPr>
           <a:xfrm>
-            <a:off x="696216" y="2171113"/>
-            <a:ext cx="4275993" cy="1064029"/>
+            <a:off x="813437" y="2171113"/>
+            <a:ext cx="4995934" cy="1064029"/>
           </a:xfrm>
         </p:spPr>
         <p:txBody>
@@ -1366,39 +1367,39 @@
           <a:lstStyle>
             <a:lvl1pPr marL="0" indent="0">
               <a:buNone/>
-              <a:defRPr sz="2653" b="1"/>
+              <a:defRPr sz="3099" b="1"/>
             </a:lvl1pPr>
-            <a:lvl2pPr marL="505389" indent="0">
+            <a:lvl2pPr marL="590428" indent="0">
               <a:buNone/>
-              <a:defRPr sz="2211" b="1"/>
+              <a:defRPr sz="2583" b="1"/>
             </a:lvl2pPr>
-            <a:lvl3pPr marL="1010778" indent="0">
+            <a:lvl3pPr marL="1180856" indent="0">
               <a:buNone/>
-              <a:defRPr sz="1990" b="1"/>
+              <a:defRPr sz="2325" b="1"/>
             </a:lvl3pPr>
-            <a:lvl4pPr marL="1516167" indent="0">
+            <a:lvl4pPr marL="1771284" indent="0">
               <a:buNone/>
-              <a:defRPr sz="1769" b="1"/>
+              <a:defRPr sz="2066" b="1"/>
             </a:lvl4pPr>
-            <a:lvl5pPr marL="2021556" indent="0">
+            <a:lvl5pPr marL="2361712" indent="0">
               <a:buNone/>
-              <a:defRPr sz="1769" b="1"/>
+              <a:defRPr sz="2066" b="1"/>
             </a:lvl5pPr>
-            <a:lvl6pPr marL="2526944" indent="0">
+            <a:lvl6pPr marL="2952140" indent="0">
               <a:buNone/>
-              <a:defRPr sz="1769" b="1"/>
+              <a:defRPr sz="2066" b="1"/>
             </a:lvl6pPr>
-            <a:lvl7pPr marL="3032333" indent="0">
+            <a:lvl7pPr marL="3542568" indent="0">
               <a:buNone/>
-              <a:defRPr sz="1769" b="1"/>
+              <a:defRPr sz="2066" b="1"/>
             </a:lvl7pPr>
-            <a:lvl8pPr marL="3537722" indent="0">
+            <a:lvl8pPr marL="4132997" indent="0">
               <a:buNone/>
-              <a:defRPr sz="1769" b="1"/>
+              <a:defRPr sz="2066" b="1"/>
             </a:lvl8pPr>
-            <a:lvl9pPr marL="4043111" indent="0">
+            <a:lvl9pPr marL="4723425" indent="0">
               <a:buNone/>
-              <a:defRPr sz="1769" b="1"/>
+              <a:defRPr sz="2066" b="1"/>
             </a:lvl9pPr>
           </a:lstStyle>
           <a:p>
@@ -1422,8 +1423,8 @@
         </p:nvSpPr>
         <p:spPr>
           <a:xfrm>
-            <a:off x="696216" y="3235142"/>
-            <a:ext cx="4275993" cy="4758407"/>
+            <a:off x="813437" y="3235142"/>
+            <a:ext cx="4995934" cy="4758407"/>
           </a:xfrm>
         </p:spPr>
         <p:txBody>
@@ -1479,8 +1480,8 @@
         </p:nvSpPr>
         <p:spPr>
           <a:xfrm>
-            <a:off x="5116980" y="2171113"/>
-            <a:ext cx="4297052" cy="1064029"/>
+            <a:off x="5978516" y="2171113"/>
+            <a:ext cx="5020539" cy="1064029"/>
           </a:xfrm>
         </p:spPr>
         <p:txBody>
@@ -1488,39 +1489,39 @@
           <a:lstStyle>
             <a:lvl1pPr marL="0" indent="0">
               <a:buNone/>
-              <a:defRPr sz="2653" b="1"/>
+              <a:defRPr sz="3099" b="1"/>
             </a:lvl1pPr>
-            <a:lvl2pPr marL="505389" indent="0">
+            <a:lvl2pPr marL="590428" indent="0">
               <a:buNone/>
-              <a:defRPr sz="2211" b="1"/>
+              <a:defRPr sz="2583" b="1"/>
             </a:lvl2pPr>
-            <a:lvl3pPr marL="1010778" indent="0">
+            <a:lvl3pPr marL="1180856" indent="0">
               <a:buNone/>
-              <a:defRPr sz="1990" b="1"/>
+              <a:defRPr sz="2325" b="1"/>
             </a:lvl3pPr>
-            <a:lvl4pPr marL="1516167" indent="0">
+            <a:lvl4pPr marL="1771284" indent="0">
               <a:buNone/>
-              <a:defRPr sz="1769" b="1"/>
+              <a:defRPr sz="2066" b="1"/>
             </a:lvl4pPr>
-            <a:lvl5pPr marL="2021556" indent="0">
+            <a:lvl5pPr marL="2361712" indent="0">
               <a:buNone/>
-              <a:defRPr sz="1769" b="1"/>
+              <a:defRPr sz="2066" b="1"/>
             </a:lvl5pPr>
-            <a:lvl6pPr marL="2526944" indent="0">
+            <a:lvl6pPr marL="2952140" indent="0">
               <a:buNone/>
-              <a:defRPr sz="1769" b="1"/>
+              <a:defRPr sz="2066" b="1"/>
             </a:lvl6pPr>
-            <a:lvl7pPr marL="3032333" indent="0">
+            <a:lvl7pPr marL="3542568" indent="0">
               <a:buNone/>
-              <a:defRPr sz="1769" b="1"/>
+              <a:defRPr sz="2066" b="1"/>
             </a:lvl7pPr>
-            <a:lvl8pPr marL="3537722" indent="0">
+            <a:lvl8pPr marL="4132997" indent="0">
               <a:buNone/>
-              <a:defRPr sz="1769" b="1"/>
+              <a:defRPr sz="2066" b="1"/>
             </a:lvl8pPr>
-            <a:lvl9pPr marL="4043111" indent="0">
+            <a:lvl9pPr marL="4723425" indent="0">
               <a:buNone/>
-              <a:defRPr sz="1769" b="1"/>
+              <a:defRPr sz="2066" b="1"/>
             </a:lvl9pPr>
           </a:lstStyle>
           <a:p>
@@ -1544,8 +1545,8 @@
         </p:nvSpPr>
         <p:spPr>
           <a:xfrm>
-            <a:off x="5116980" y="3235142"/>
-            <a:ext cx="4297052" cy="4758407"/>
+            <a:off x="5978516" y="3235142"/>
+            <a:ext cx="5020539" cy="4758407"/>
           </a:xfrm>
         </p:spPr>
         <p:txBody>
@@ -1606,7 +1607,7 @@
           <a:p>
             <a:fld id="{2E538E35-4A08-48D2-89A5-89C6CF66D327}" type="datetimeFigureOut">
               <a:rPr lang="pt-BR" smtClean="0"/>
-              <a:t>19/06/2017</a:t>
+              <a:t>26/06/2017</a:t>
             </a:fld>
             <a:endParaRPr lang="pt-BR"/>
           </a:p>
@@ -1657,7 +1658,7 @@
     </p:spTree>
     <p:extLst>
       <p:ext uri="{BB962C8B-B14F-4D97-AF65-F5344CB8AC3E}">
-        <p14:creationId xmlns:p14="http://schemas.microsoft.com/office/powerpoint/2010/main" val="3492018013"/>
+        <p14:creationId xmlns:p14="http://schemas.microsoft.com/office/powerpoint/2010/main" val="2781464089"/>
       </p:ext>
     </p:extLst>
   </p:cSld>
@@ -1724,7 +1725,7 @@
           <a:p>
             <a:fld id="{2E538E35-4A08-48D2-89A5-89C6CF66D327}" type="datetimeFigureOut">
               <a:rPr lang="pt-BR" smtClean="0"/>
-              <a:t>19/06/2017</a:t>
+              <a:t>26/06/2017</a:t>
             </a:fld>
             <a:endParaRPr lang="pt-BR"/>
           </a:p>
@@ -1775,7 +1776,7 @@
     </p:spTree>
     <p:extLst>
       <p:ext uri="{BB962C8B-B14F-4D97-AF65-F5344CB8AC3E}">
-        <p14:creationId xmlns:p14="http://schemas.microsoft.com/office/powerpoint/2010/main" val="3758043534"/>
+        <p14:creationId xmlns:p14="http://schemas.microsoft.com/office/powerpoint/2010/main" val="473522842"/>
       </p:ext>
     </p:extLst>
   </p:cSld>
@@ -1819,7 +1820,7 @@
           <a:p>
             <a:fld id="{2E538E35-4A08-48D2-89A5-89C6CF66D327}" type="datetimeFigureOut">
               <a:rPr lang="pt-BR" smtClean="0"/>
-              <a:t>19/06/2017</a:t>
+              <a:t>26/06/2017</a:t>
             </a:fld>
             <a:endParaRPr lang="pt-BR"/>
           </a:p>
@@ -1870,7 +1871,7 @@
     </p:spTree>
     <p:extLst>
       <p:ext uri="{BB962C8B-B14F-4D97-AF65-F5344CB8AC3E}">
-        <p14:creationId xmlns:p14="http://schemas.microsoft.com/office/powerpoint/2010/main" val="2880037176"/>
+        <p14:creationId xmlns:p14="http://schemas.microsoft.com/office/powerpoint/2010/main" val="3048084110"/>
       </p:ext>
     </p:extLst>
   </p:cSld>
@@ -1909,15 +1910,15 @@
         </p:nvSpPr>
         <p:spPr>
           <a:xfrm>
-            <a:off x="696215" y="590444"/>
-            <a:ext cx="3259968" cy="2066555"/>
+            <a:off x="813435" y="590444"/>
+            <a:ext cx="3808843" cy="2066555"/>
           </a:xfrm>
         </p:spPr>
         <p:txBody>
           <a:bodyPr anchor="b"/>
           <a:lstStyle>
             <a:lvl1pPr>
-              <a:defRPr sz="3537"/>
+              <a:defRPr sz="4132"/>
             </a:lvl1pPr>
           </a:lstStyle>
           <a:p>
@@ -1941,39 +1942,39 @@
         </p:nvSpPr>
         <p:spPr>
           <a:xfrm>
-            <a:off x="4297052" y="1275197"/>
-            <a:ext cx="5116979" cy="6293971"/>
+            <a:off x="5020539" y="1275197"/>
+            <a:ext cx="5978515" cy="6293971"/>
           </a:xfrm>
         </p:spPr>
         <p:txBody>
           <a:bodyPr/>
           <a:lstStyle>
             <a:lvl1pPr>
-              <a:defRPr sz="3537"/>
+              <a:defRPr sz="4132"/>
             </a:lvl1pPr>
             <a:lvl2pPr>
-              <a:defRPr sz="3095"/>
+              <a:defRPr sz="3616"/>
             </a:lvl2pPr>
             <a:lvl3pPr>
-              <a:defRPr sz="2653"/>
+              <a:defRPr sz="3099"/>
             </a:lvl3pPr>
             <a:lvl4pPr>
-              <a:defRPr sz="2211"/>
+              <a:defRPr sz="2583"/>
             </a:lvl4pPr>
             <a:lvl5pPr>
-              <a:defRPr sz="2211"/>
+              <a:defRPr sz="2583"/>
             </a:lvl5pPr>
             <a:lvl6pPr>
-              <a:defRPr sz="2211"/>
+              <a:defRPr sz="2583"/>
             </a:lvl6pPr>
             <a:lvl7pPr>
-              <a:defRPr sz="2211"/>
+              <a:defRPr sz="2583"/>
             </a:lvl7pPr>
             <a:lvl8pPr>
-              <a:defRPr sz="2211"/>
+              <a:defRPr sz="2583"/>
             </a:lvl8pPr>
             <a:lvl9pPr>
-              <a:defRPr sz="2211"/>
+              <a:defRPr sz="2583"/>
             </a:lvl9pPr>
           </a:lstStyle>
           <a:p>
@@ -2026,8 +2027,8 @@
         </p:nvSpPr>
         <p:spPr>
           <a:xfrm>
-            <a:off x="696215" y="2656999"/>
-            <a:ext cx="3259968" cy="4922419"/>
+            <a:off x="813435" y="2656999"/>
+            <a:ext cx="3808843" cy="4922419"/>
           </a:xfrm>
         </p:spPr>
         <p:txBody>
@@ -2035,39 +2036,39 @@
           <a:lstStyle>
             <a:lvl1pPr marL="0" indent="0">
               <a:buNone/>
-              <a:defRPr sz="1769"/>
+              <a:defRPr sz="2066"/>
             </a:lvl1pPr>
-            <a:lvl2pPr marL="505389" indent="0">
+            <a:lvl2pPr marL="590428" indent="0">
               <a:buNone/>
-              <a:defRPr sz="1548"/>
+              <a:defRPr sz="1808"/>
             </a:lvl2pPr>
-            <a:lvl3pPr marL="1010778" indent="0">
+            <a:lvl3pPr marL="1180856" indent="0">
               <a:buNone/>
-              <a:defRPr sz="1326"/>
+              <a:defRPr sz="1550"/>
             </a:lvl3pPr>
-            <a:lvl4pPr marL="1516167" indent="0">
+            <a:lvl4pPr marL="1771284" indent="0">
               <a:buNone/>
-              <a:defRPr sz="1105"/>
+              <a:defRPr sz="1291"/>
             </a:lvl4pPr>
-            <a:lvl5pPr marL="2021556" indent="0">
+            <a:lvl5pPr marL="2361712" indent="0">
               <a:buNone/>
-              <a:defRPr sz="1105"/>
+              <a:defRPr sz="1291"/>
             </a:lvl5pPr>
-            <a:lvl6pPr marL="2526944" indent="0">
+            <a:lvl6pPr marL="2952140" indent="0">
               <a:buNone/>
-              <a:defRPr sz="1105"/>
+              <a:defRPr sz="1291"/>
             </a:lvl6pPr>
-            <a:lvl7pPr marL="3032333" indent="0">
+            <a:lvl7pPr marL="3542568" indent="0">
               <a:buNone/>
-              <a:defRPr sz="1105"/>
+              <a:defRPr sz="1291"/>
             </a:lvl7pPr>
-            <a:lvl8pPr marL="3537722" indent="0">
+            <a:lvl8pPr marL="4132997" indent="0">
               <a:buNone/>
-              <a:defRPr sz="1105"/>
+              <a:defRPr sz="1291"/>
             </a:lvl8pPr>
-            <a:lvl9pPr marL="4043111" indent="0">
+            <a:lvl9pPr marL="4723425" indent="0">
               <a:buNone/>
-              <a:defRPr sz="1105"/>
+              <a:defRPr sz="1291"/>
             </a:lvl9pPr>
           </a:lstStyle>
           <a:p>
@@ -2096,7 +2097,7 @@
           <a:p>
             <a:fld id="{2E538E35-4A08-48D2-89A5-89C6CF66D327}" type="datetimeFigureOut">
               <a:rPr lang="pt-BR" smtClean="0"/>
-              <a:t>19/06/2017</a:t>
+              <a:t>26/06/2017</a:t>
             </a:fld>
             <a:endParaRPr lang="pt-BR"/>
           </a:p>
@@ -2147,7 +2148,7 @@
     </p:spTree>
     <p:extLst>
       <p:ext uri="{BB962C8B-B14F-4D97-AF65-F5344CB8AC3E}">
-        <p14:creationId xmlns:p14="http://schemas.microsoft.com/office/powerpoint/2010/main" val="31242726"/>
+        <p14:creationId xmlns:p14="http://schemas.microsoft.com/office/powerpoint/2010/main" val="3663285053"/>
       </p:ext>
     </p:extLst>
   </p:cSld>
@@ -2186,15 +2187,15 @@
         </p:nvSpPr>
         <p:spPr>
           <a:xfrm>
-            <a:off x="696215" y="590444"/>
-            <a:ext cx="3259968" cy="2066555"/>
+            <a:off x="813435" y="590444"/>
+            <a:ext cx="3808843" cy="2066555"/>
           </a:xfrm>
         </p:spPr>
         <p:txBody>
           <a:bodyPr anchor="b"/>
           <a:lstStyle>
             <a:lvl1pPr>
-              <a:defRPr sz="3537"/>
+              <a:defRPr sz="4132"/>
             </a:lvl1pPr>
           </a:lstStyle>
           <a:p>
@@ -2218,8 +2219,8 @@
         </p:nvSpPr>
         <p:spPr>
           <a:xfrm>
-            <a:off x="4297052" y="1275197"/>
-            <a:ext cx="5116979" cy="6293971"/>
+            <a:off x="5020539" y="1275197"/>
+            <a:ext cx="5978515" cy="6293971"/>
           </a:xfrm>
         </p:spPr>
         <p:txBody>
@@ -2227,39 +2228,39 @@
           <a:lstStyle>
             <a:lvl1pPr marL="0" indent="0">
               <a:buNone/>
-              <a:defRPr sz="3537"/>
+              <a:defRPr sz="4132"/>
             </a:lvl1pPr>
-            <a:lvl2pPr marL="505389" indent="0">
+            <a:lvl2pPr marL="590428" indent="0">
               <a:buNone/>
-              <a:defRPr sz="3095"/>
+              <a:defRPr sz="3616"/>
             </a:lvl2pPr>
-            <a:lvl3pPr marL="1010778" indent="0">
+            <a:lvl3pPr marL="1180856" indent="0">
               <a:buNone/>
-              <a:defRPr sz="2653"/>
+              <a:defRPr sz="3099"/>
             </a:lvl3pPr>
-            <a:lvl4pPr marL="1516167" indent="0">
+            <a:lvl4pPr marL="1771284" indent="0">
               <a:buNone/>
-              <a:defRPr sz="2211"/>
+              <a:defRPr sz="2583"/>
             </a:lvl4pPr>
-            <a:lvl5pPr marL="2021556" indent="0">
+            <a:lvl5pPr marL="2361712" indent="0">
               <a:buNone/>
-              <a:defRPr sz="2211"/>
+              <a:defRPr sz="2583"/>
             </a:lvl5pPr>
-            <a:lvl6pPr marL="2526944" indent="0">
+            <a:lvl6pPr marL="2952140" indent="0">
               <a:buNone/>
-              <a:defRPr sz="2211"/>
+              <a:defRPr sz="2583"/>
             </a:lvl6pPr>
-            <a:lvl7pPr marL="3032333" indent="0">
+            <a:lvl7pPr marL="3542568" indent="0">
               <a:buNone/>
-              <a:defRPr sz="2211"/>
+              <a:defRPr sz="2583"/>
             </a:lvl7pPr>
-            <a:lvl8pPr marL="3537722" indent="0">
+            <a:lvl8pPr marL="4132997" indent="0">
               <a:buNone/>
-              <a:defRPr sz="2211"/>
+              <a:defRPr sz="2583"/>
             </a:lvl8pPr>
-            <a:lvl9pPr marL="4043111" indent="0">
+            <a:lvl9pPr marL="4723425" indent="0">
               <a:buNone/>
-              <a:defRPr sz="2211"/>
+              <a:defRPr sz="2583"/>
             </a:lvl9pPr>
           </a:lstStyle>
           <a:p>
@@ -2283,8 +2284,8 @@
         </p:nvSpPr>
         <p:spPr>
           <a:xfrm>
-            <a:off x="696215" y="2656999"/>
-            <a:ext cx="3259968" cy="4922419"/>
+            <a:off x="813435" y="2656999"/>
+            <a:ext cx="3808843" cy="4922419"/>
           </a:xfrm>
         </p:spPr>
         <p:txBody>
@@ -2292,39 +2293,39 @@
           <a:lstStyle>
             <a:lvl1pPr marL="0" indent="0">
               <a:buNone/>
-              <a:defRPr sz="1769"/>
+              <a:defRPr sz="2066"/>
             </a:lvl1pPr>
-            <a:lvl2pPr marL="505389" indent="0">
+            <a:lvl2pPr marL="590428" indent="0">
               <a:buNone/>
-              <a:defRPr sz="1548"/>
+              <a:defRPr sz="1808"/>
             </a:lvl2pPr>
-            <a:lvl3pPr marL="1010778" indent="0">
+            <a:lvl3pPr marL="1180856" indent="0">
               <a:buNone/>
-              <a:defRPr sz="1326"/>
+              <a:defRPr sz="1550"/>
             </a:lvl3pPr>
-            <a:lvl4pPr marL="1516167" indent="0">
+            <a:lvl4pPr marL="1771284" indent="0">
               <a:buNone/>
-              <a:defRPr sz="1105"/>
+              <a:defRPr sz="1291"/>
             </a:lvl4pPr>
-            <a:lvl5pPr marL="2021556" indent="0">
+            <a:lvl5pPr marL="2361712" indent="0">
               <a:buNone/>
-              <a:defRPr sz="1105"/>
+              <a:defRPr sz="1291"/>
             </a:lvl5pPr>
-            <a:lvl6pPr marL="2526944" indent="0">
+            <a:lvl6pPr marL="2952140" indent="0">
               <a:buNone/>
-              <a:defRPr sz="1105"/>
+              <a:defRPr sz="1291"/>
             </a:lvl6pPr>
-            <a:lvl7pPr marL="3032333" indent="0">
+            <a:lvl7pPr marL="3542568" indent="0">
               <a:buNone/>
-              <a:defRPr sz="1105"/>
+              <a:defRPr sz="1291"/>
             </a:lvl7pPr>
-            <a:lvl8pPr marL="3537722" indent="0">
+            <a:lvl8pPr marL="4132997" indent="0">
               <a:buNone/>
-              <a:defRPr sz="1105"/>
+              <a:defRPr sz="1291"/>
             </a:lvl8pPr>
-            <a:lvl9pPr marL="4043111" indent="0">
+            <a:lvl9pPr marL="4723425" indent="0">
               <a:buNone/>
-              <a:defRPr sz="1105"/>
+              <a:defRPr sz="1291"/>
             </a:lvl9pPr>
           </a:lstStyle>
           <a:p>
@@ -2353,7 +2354,7 @@
           <a:p>
             <a:fld id="{2E538E35-4A08-48D2-89A5-89C6CF66D327}" type="datetimeFigureOut">
               <a:rPr lang="pt-BR" smtClean="0"/>
-              <a:t>19/06/2017</a:t>
+              <a:t>26/06/2017</a:t>
             </a:fld>
             <a:endParaRPr lang="pt-BR"/>
           </a:p>
@@ -2404,7 +2405,7 @@
     </p:spTree>
     <p:extLst>
       <p:ext uri="{BB962C8B-B14F-4D97-AF65-F5344CB8AC3E}">
-        <p14:creationId xmlns:p14="http://schemas.microsoft.com/office/powerpoint/2010/main" val="1055630057"/>
+        <p14:creationId xmlns:p14="http://schemas.microsoft.com/office/powerpoint/2010/main" val="490580740"/>
       </p:ext>
     </p:extLst>
   </p:cSld>
@@ -2448,8 +2449,8 @@
         </p:nvSpPr>
         <p:spPr>
           <a:xfrm>
-            <a:off x="694899" y="471537"/>
-            <a:ext cx="8717816" cy="1711879"/>
+            <a:off x="811897" y="471537"/>
+            <a:ext cx="10185619" cy="1711879"/>
           </a:xfrm>
           <a:prstGeom prst="rect">
             <a:avLst/>
@@ -2481,8 +2482,8 @@
         </p:nvSpPr>
         <p:spPr>
           <a:xfrm>
-            <a:off x="694899" y="2357677"/>
-            <a:ext cx="8717816" cy="5619471"/>
+            <a:off x="811897" y="2357677"/>
+            <a:ext cx="10185619" cy="5619471"/>
           </a:xfrm>
           <a:prstGeom prst="rect">
             <a:avLst/>
@@ -2543,8 +2544,8 @@
         </p:nvSpPr>
         <p:spPr>
           <a:xfrm>
-            <a:off x="694898" y="8208817"/>
-            <a:ext cx="2274213" cy="471535"/>
+            <a:off x="811897" y="8208817"/>
+            <a:ext cx="2657118" cy="471535"/>
           </a:xfrm>
           <a:prstGeom prst="rect">
             <a:avLst/>
@@ -2554,7 +2555,7 @@
           <a:bodyPr vert="horz" lIns="91440" tIns="45720" rIns="91440" bIns="45720" rtlCol="0" anchor="ctr"/>
           <a:lstStyle>
             <a:lvl1pPr algn="l">
-              <a:defRPr sz="1326">
+              <a:defRPr sz="1550">
                 <a:solidFill>
                   <a:schemeClr val="tx1">
                     <a:tint val="75000"/>
@@ -2566,7 +2567,7 @@
           <a:p>
             <a:fld id="{2E538E35-4A08-48D2-89A5-89C6CF66D327}" type="datetimeFigureOut">
               <a:rPr lang="pt-BR" smtClean="0"/>
-              <a:t>19/06/2017</a:t>
+              <a:t>26/06/2017</a:t>
             </a:fld>
             <a:endParaRPr lang="pt-BR"/>
           </a:p>
@@ -2584,8 +2585,8 @@
         </p:nvSpPr>
         <p:spPr>
           <a:xfrm>
-            <a:off x="3348147" y="8208817"/>
-            <a:ext cx="3411319" cy="471535"/>
+            <a:off x="3911868" y="8208817"/>
+            <a:ext cx="3985677" cy="471535"/>
           </a:xfrm>
           <a:prstGeom prst="rect">
             <a:avLst/>
@@ -2595,7 +2596,7 @@
           <a:bodyPr vert="horz" lIns="91440" tIns="45720" rIns="91440" bIns="45720" rtlCol="0" anchor="ctr"/>
           <a:lstStyle>
             <a:lvl1pPr algn="ctr">
-              <a:defRPr sz="1326">
+              <a:defRPr sz="1550">
                 <a:solidFill>
                   <a:schemeClr val="tx1">
                     <a:tint val="75000"/>
@@ -2621,8 +2622,8 @@
         </p:nvSpPr>
         <p:spPr>
           <a:xfrm>
-            <a:off x="7138502" y="8208817"/>
-            <a:ext cx="2274213" cy="471535"/>
+            <a:off x="8340398" y="8208817"/>
+            <a:ext cx="2657118" cy="471535"/>
           </a:xfrm>
           <a:prstGeom prst="rect">
             <a:avLst/>
@@ -2632,7 +2633,7 @@
           <a:bodyPr vert="horz" lIns="91440" tIns="45720" rIns="91440" bIns="45720" rtlCol="0" anchor="ctr"/>
           <a:lstStyle>
             <a:lvl1pPr algn="r">
-              <a:defRPr sz="1326">
+              <a:defRPr sz="1550">
                 <a:solidFill>
                   <a:schemeClr val="tx1">
                     <a:tint val="75000"/>
@@ -2653,27 +2654,27 @@
     </p:spTree>
     <p:extLst>
       <p:ext uri="{BB962C8B-B14F-4D97-AF65-F5344CB8AC3E}">
-        <p14:creationId xmlns:p14="http://schemas.microsoft.com/office/powerpoint/2010/main" val="1987631323"/>
+        <p14:creationId xmlns:p14="http://schemas.microsoft.com/office/powerpoint/2010/main" val="1300411991"/>
       </p:ext>
     </p:extLst>
   </p:cSld>
   <p:clrMap bg1="lt1" tx1="dk1" bg2="lt2" tx2="dk2" accent1="accent1" accent2="accent2" accent3="accent3" accent4="accent4" accent5="accent5" accent6="accent6" hlink="hlink" folHlink="folHlink"/>
   <p:sldLayoutIdLst>
-    <p:sldLayoutId id="2147483661" r:id="rId1"/>
-    <p:sldLayoutId id="2147483662" r:id="rId2"/>
-    <p:sldLayoutId id="2147483663" r:id="rId3"/>
-    <p:sldLayoutId id="2147483664" r:id="rId4"/>
-    <p:sldLayoutId id="2147483665" r:id="rId5"/>
-    <p:sldLayoutId id="2147483666" r:id="rId6"/>
-    <p:sldLayoutId id="2147483667" r:id="rId7"/>
-    <p:sldLayoutId id="2147483668" r:id="rId8"/>
-    <p:sldLayoutId id="2147483669" r:id="rId9"/>
-    <p:sldLayoutId id="2147483670" r:id="rId10"/>
-    <p:sldLayoutId id="2147483671" r:id="rId11"/>
+    <p:sldLayoutId id="2147483673" r:id="rId1"/>
+    <p:sldLayoutId id="2147483674" r:id="rId2"/>
+    <p:sldLayoutId id="2147483675" r:id="rId3"/>
+    <p:sldLayoutId id="2147483676" r:id="rId4"/>
+    <p:sldLayoutId id="2147483677" r:id="rId5"/>
+    <p:sldLayoutId id="2147483678" r:id="rId6"/>
+    <p:sldLayoutId id="2147483679" r:id="rId7"/>
+    <p:sldLayoutId id="2147483680" r:id="rId8"/>
+    <p:sldLayoutId id="2147483681" r:id="rId9"/>
+    <p:sldLayoutId id="2147483682" r:id="rId10"/>
+    <p:sldLayoutId id="2147483683" r:id="rId11"/>
   </p:sldLayoutIdLst>
   <p:txStyles>
     <p:titleStyle>
-      <a:lvl1pPr algn="l" defTabSz="1010778" rtl="0" eaLnBrk="1" latinLnBrk="0" hangingPunct="1">
+      <a:lvl1pPr algn="l" defTabSz="1180856" rtl="0" eaLnBrk="1" latinLnBrk="0" hangingPunct="1">
         <a:lnSpc>
           <a:spcPct val="90000"/>
         </a:lnSpc>
@@ -2681,7 +2682,7 @@
           <a:spcPct val="0"/>
         </a:spcBef>
         <a:buNone/>
-        <a:defRPr sz="4864" kern="1200">
+        <a:defRPr sz="5682" kern="1200">
           <a:solidFill>
             <a:schemeClr val="tx1"/>
           </a:solidFill>
@@ -2692,16 +2693,16 @@
       </a:lvl1pPr>
     </p:titleStyle>
     <p:bodyStyle>
-      <a:lvl1pPr marL="252694" indent="-252694" algn="l" defTabSz="1010778" rtl="0" eaLnBrk="1" latinLnBrk="0" hangingPunct="1">
+      <a:lvl1pPr marL="295214" indent="-295214" algn="l" defTabSz="1180856" rtl="0" eaLnBrk="1" latinLnBrk="0" hangingPunct="1">
         <a:lnSpc>
           <a:spcPct val="90000"/>
         </a:lnSpc>
         <a:spcBef>
-          <a:spcPts val="1105"/>
+          <a:spcPts val="1291"/>
         </a:spcBef>
         <a:buFont typeface="Arial" panose="020B0604020202020204" pitchFamily="34" charset="0"/>
         <a:buChar char="•"/>
-        <a:defRPr sz="3095" kern="1200">
+        <a:defRPr sz="3616" kern="1200">
           <a:solidFill>
             <a:schemeClr val="tx1"/>
           </a:solidFill>
@@ -2710,16 +2711,16 @@
           <a:cs typeface="+mn-cs"/>
         </a:defRPr>
       </a:lvl1pPr>
-      <a:lvl2pPr marL="758083" indent="-252694" algn="l" defTabSz="1010778" rtl="0" eaLnBrk="1" latinLnBrk="0" hangingPunct="1">
+      <a:lvl2pPr marL="885642" indent="-295214" algn="l" defTabSz="1180856" rtl="0" eaLnBrk="1" latinLnBrk="0" hangingPunct="1">
         <a:lnSpc>
           <a:spcPct val="90000"/>
         </a:lnSpc>
         <a:spcBef>
-          <a:spcPts val="553"/>
+          <a:spcPts val="646"/>
         </a:spcBef>
         <a:buFont typeface="Arial" panose="020B0604020202020204" pitchFamily="34" charset="0"/>
         <a:buChar char="•"/>
-        <a:defRPr sz="2653" kern="1200">
+        <a:defRPr sz="3099" kern="1200">
           <a:solidFill>
             <a:schemeClr val="tx1"/>
           </a:solidFill>
@@ -2728,16 +2729,16 @@
           <a:cs typeface="+mn-cs"/>
         </a:defRPr>
       </a:lvl2pPr>
-      <a:lvl3pPr marL="1263472" indent="-252694" algn="l" defTabSz="1010778" rtl="0" eaLnBrk="1" latinLnBrk="0" hangingPunct="1">
+      <a:lvl3pPr marL="1476070" indent="-295214" algn="l" defTabSz="1180856" rtl="0" eaLnBrk="1" latinLnBrk="0" hangingPunct="1">
         <a:lnSpc>
           <a:spcPct val="90000"/>
         </a:lnSpc>
         <a:spcBef>
-          <a:spcPts val="553"/>
+          <a:spcPts val="646"/>
         </a:spcBef>
         <a:buFont typeface="Arial" panose="020B0604020202020204" pitchFamily="34" charset="0"/>
         <a:buChar char="•"/>
-        <a:defRPr sz="2211" kern="1200">
+        <a:defRPr sz="2583" kern="1200">
           <a:solidFill>
             <a:schemeClr val="tx1"/>
           </a:solidFill>
@@ -2746,16 +2747,16 @@
           <a:cs typeface="+mn-cs"/>
         </a:defRPr>
       </a:lvl3pPr>
-      <a:lvl4pPr marL="1768861" indent="-252694" algn="l" defTabSz="1010778" rtl="0" eaLnBrk="1" latinLnBrk="0" hangingPunct="1">
+      <a:lvl4pPr marL="2066498" indent="-295214" algn="l" defTabSz="1180856" rtl="0" eaLnBrk="1" latinLnBrk="0" hangingPunct="1">
         <a:lnSpc>
           <a:spcPct val="90000"/>
         </a:lnSpc>
         <a:spcBef>
-          <a:spcPts val="553"/>
+          <a:spcPts val="646"/>
         </a:spcBef>
         <a:buFont typeface="Arial" panose="020B0604020202020204" pitchFamily="34" charset="0"/>
         <a:buChar char="•"/>
-        <a:defRPr sz="1990" kern="1200">
+        <a:defRPr sz="2325" kern="1200">
           <a:solidFill>
             <a:schemeClr val="tx1"/>
           </a:solidFill>
@@ -2764,16 +2765,16 @@
           <a:cs typeface="+mn-cs"/>
         </a:defRPr>
       </a:lvl4pPr>
-      <a:lvl5pPr marL="2274250" indent="-252694" algn="l" defTabSz="1010778" rtl="0" eaLnBrk="1" latinLnBrk="0" hangingPunct="1">
+      <a:lvl5pPr marL="2656926" indent="-295214" algn="l" defTabSz="1180856" rtl="0" eaLnBrk="1" latinLnBrk="0" hangingPunct="1">
         <a:lnSpc>
           <a:spcPct val="90000"/>
         </a:lnSpc>
         <a:spcBef>
-          <a:spcPts val="553"/>
+          <a:spcPts val="646"/>
         </a:spcBef>
         <a:buFont typeface="Arial" panose="020B0604020202020204" pitchFamily="34" charset="0"/>
         <a:buChar char="•"/>
-        <a:defRPr sz="1990" kern="1200">
+        <a:defRPr sz="2325" kern="1200">
           <a:solidFill>
             <a:schemeClr val="tx1"/>
           </a:solidFill>
@@ -2782,16 +2783,16 @@
           <a:cs typeface="+mn-cs"/>
         </a:defRPr>
       </a:lvl5pPr>
-      <a:lvl6pPr marL="2779639" indent="-252694" algn="l" defTabSz="1010778" rtl="0" eaLnBrk="1" latinLnBrk="0" hangingPunct="1">
+      <a:lvl6pPr marL="3247354" indent="-295214" algn="l" defTabSz="1180856" rtl="0" eaLnBrk="1" latinLnBrk="0" hangingPunct="1">
         <a:lnSpc>
           <a:spcPct val="90000"/>
         </a:lnSpc>
         <a:spcBef>
-          <a:spcPts val="553"/>
+          <a:spcPts val="646"/>
         </a:spcBef>
         <a:buFont typeface="Arial" panose="020B0604020202020204" pitchFamily="34" charset="0"/>
         <a:buChar char="•"/>
-        <a:defRPr sz="1990" kern="1200">
+        <a:defRPr sz="2325" kern="1200">
           <a:solidFill>
             <a:schemeClr val="tx1"/>
           </a:solidFill>
@@ -2800,16 +2801,16 @@
           <a:cs typeface="+mn-cs"/>
         </a:defRPr>
       </a:lvl6pPr>
-      <a:lvl7pPr marL="3285028" indent="-252694" algn="l" defTabSz="1010778" rtl="0" eaLnBrk="1" latinLnBrk="0" hangingPunct="1">
+      <a:lvl7pPr marL="3837783" indent="-295214" algn="l" defTabSz="1180856" rtl="0" eaLnBrk="1" latinLnBrk="0" hangingPunct="1">
         <a:lnSpc>
           <a:spcPct val="90000"/>
         </a:lnSpc>
         <a:spcBef>
-          <a:spcPts val="553"/>
+          <a:spcPts val="646"/>
         </a:spcBef>
         <a:buFont typeface="Arial" panose="020B0604020202020204" pitchFamily="34" charset="0"/>
         <a:buChar char="•"/>
-        <a:defRPr sz="1990" kern="1200">
+        <a:defRPr sz="2325" kern="1200">
           <a:solidFill>
             <a:schemeClr val="tx1"/>
           </a:solidFill>
@@ -2818,16 +2819,16 @@
           <a:cs typeface="+mn-cs"/>
         </a:defRPr>
       </a:lvl7pPr>
-      <a:lvl8pPr marL="3790417" indent="-252694" algn="l" defTabSz="1010778" rtl="0" eaLnBrk="1" latinLnBrk="0" hangingPunct="1">
+      <a:lvl8pPr marL="4428211" indent="-295214" algn="l" defTabSz="1180856" rtl="0" eaLnBrk="1" latinLnBrk="0" hangingPunct="1">
         <a:lnSpc>
           <a:spcPct val="90000"/>
         </a:lnSpc>
         <a:spcBef>
-          <a:spcPts val="553"/>
+          <a:spcPts val="646"/>
         </a:spcBef>
         <a:buFont typeface="Arial" panose="020B0604020202020204" pitchFamily="34" charset="0"/>
         <a:buChar char="•"/>
-        <a:defRPr sz="1990" kern="1200">
+        <a:defRPr sz="2325" kern="1200">
           <a:solidFill>
             <a:schemeClr val="tx1"/>
           </a:solidFill>
@@ -2836,16 +2837,16 @@
           <a:cs typeface="+mn-cs"/>
         </a:defRPr>
       </a:lvl8pPr>
-      <a:lvl9pPr marL="4295805" indent="-252694" algn="l" defTabSz="1010778" rtl="0" eaLnBrk="1" latinLnBrk="0" hangingPunct="1">
+      <a:lvl9pPr marL="5018639" indent="-295214" algn="l" defTabSz="1180856" rtl="0" eaLnBrk="1" latinLnBrk="0" hangingPunct="1">
         <a:lnSpc>
           <a:spcPct val="90000"/>
         </a:lnSpc>
         <a:spcBef>
-          <a:spcPts val="553"/>
+          <a:spcPts val="646"/>
         </a:spcBef>
         <a:buFont typeface="Arial" panose="020B0604020202020204" pitchFamily="34" charset="0"/>
         <a:buChar char="•"/>
-        <a:defRPr sz="1990" kern="1200">
+        <a:defRPr sz="2325" kern="1200">
           <a:solidFill>
             <a:schemeClr val="tx1"/>
           </a:solidFill>
@@ -2859,8 +2860,8 @@
       <a:defPPr>
         <a:defRPr lang="en-US"/>
       </a:defPPr>
-      <a:lvl1pPr marL="0" algn="l" defTabSz="1010778" rtl="0" eaLnBrk="1" latinLnBrk="0" hangingPunct="1">
-        <a:defRPr sz="1990" kern="1200">
+      <a:lvl1pPr marL="0" algn="l" defTabSz="1180856" rtl="0" eaLnBrk="1" latinLnBrk="0" hangingPunct="1">
+        <a:defRPr sz="2325" kern="1200">
           <a:solidFill>
             <a:schemeClr val="tx1"/>
           </a:solidFill>
@@ -2869,8 +2870,8 @@
           <a:cs typeface="+mn-cs"/>
         </a:defRPr>
       </a:lvl1pPr>
-      <a:lvl2pPr marL="505389" algn="l" defTabSz="1010778" rtl="0" eaLnBrk="1" latinLnBrk="0" hangingPunct="1">
-        <a:defRPr sz="1990" kern="1200">
+      <a:lvl2pPr marL="590428" algn="l" defTabSz="1180856" rtl="0" eaLnBrk="1" latinLnBrk="0" hangingPunct="1">
+        <a:defRPr sz="2325" kern="1200">
           <a:solidFill>
             <a:schemeClr val="tx1"/>
           </a:solidFill>
@@ -2879,8 +2880,8 @@
           <a:cs typeface="+mn-cs"/>
         </a:defRPr>
       </a:lvl2pPr>
-      <a:lvl3pPr marL="1010778" algn="l" defTabSz="1010778" rtl="0" eaLnBrk="1" latinLnBrk="0" hangingPunct="1">
-        <a:defRPr sz="1990" kern="1200">
+      <a:lvl3pPr marL="1180856" algn="l" defTabSz="1180856" rtl="0" eaLnBrk="1" latinLnBrk="0" hangingPunct="1">
+        <a:defRPr sz="2325" kern="1200">
           <a:solidFill>
             <a:schemeClr val="tx1"/>
           </a:solidFill>
@@ -2889,8 +2890,8 @@
           <a:cs typeface="+mn-cs"/>
         </a:defRPr>
       </a:lvl3pPr>
-      <a:lvl4pPr marL="1516167" algn="l" defTabSz="1010778" rtl="0" eaLnBrk="1" latinLnBrk="0" hangingPunct="1">
-        <a:defRPr sz="1990" kern="1200">
+      <a:lvl4pPr marL="1771284" algn="l" defTabSz="1180856" rtl="0" eaLnBrk="1" latinLnBrk="0" hangingPunct="1">
+        <a:defRPr sz="2325" kern="1200">
           <a:solidFill>
             <a:schemeClr val="tx1"/>
           </a:solidFill>
@@ -2899,8 +2900,8 @@
           <a:cs typeface="+mn-cs"/>
         </a:defRPr>
       </a:lvl4pPr>
-      <a:lvl5pPr marL="2021556" algn="l" defTabSz="1010778" rtl="0" eaLnBrk="1" latinLnBrk="0" hangingPunct="1">
-        <a:defRPr sz="1990" kern="1200">
+      <a:lvl5pPr marL="2361712" algn="l" defTabSz="1180856" rtl="0" eaLnBrk="1" latinLnBrk="0" hangingPunct="1">
+        <a:defRPr sz="2325" kern="1200">
           <a:solidFill>
             <a:schemeClr val="tx1"/>
           </a:solidFill>
@@ -2909,8 +2910,8 @@
           <a:cs typeface="+mn-cs"/>
         </a:defRPr>
       </a:lvl5pPr>
-      <a:lvl6pPr marL="2526944" algn="l" defTabSz="1010778" rtl="0" eaLnBrk="1" latinLnBrk="0" hangingPunct="1">
-        <a:defRPr sz="1990" kern="1200">
+      <a:lvl6pPr marL="2952140" algn="l" defTabSz="1180856" rtl="0" eaLnBrk="1" latinLnBrk="0" hangingPunct="1">
+        <a:defRPr sz="2325" kern="1200">
           <a:solidFill>
             <a:schemeClr val="tx1"/>
           </a:solidFill>
@@ -2919,8 +2920,8 @@
           <a:cs typeface="+mn-cs"/>
         </a:defRPr>
       </a:lvl6pPr>
-      <a:lvl7pPr marL="3032333" algn="l" defTabSz="1010778" rtl="0" eaLnBrk="1" latinLnBrk="0" hangingPunct="1">
-        <a:defRPr sz="1990" kern="1200">
+      <a:lvl7pPr marL="3542568" algn="l" defTabSz="1180856" rtl="0" eaLnBrk="1" latinLnBrk="0" hangingPunct="1">
+        <a:defRPr sz="2325" kern="1200">
           <a:solidFill>
             <a:schemeClr val="tx1"/>
           </a:solidFill>
@@ -2929,8 +2930,8 @@
           <a:cs typeface="+mn-cs"/>
         </a:defRPr>
       </a:lvl7pPr>
-      <a:lvl8pPr marL="3537722" algn="l" defTabSz="1010778" rtl="0" eaLnBrk="1" latinLnBrk="0" hangingPunct="1">
-        <a:defRPr sz="1990" kern="1200">
+      <a:lvl8pPr marL="4132997" algn="l" defTabSz="1180856" rtl="0" eaLnBrk="1" latinLnBrk="0" hangingPunct="1">
+        <a:defRPr sz="2325" kern="1200">
           <a:solidFill>
             <a:schemeClr val="tx1"/>
           </a:solidFill>
@@ -2939,8 +2940,8 @@
           <a:cs typeface="+mn-cs"/>
         </a:defRPr>
       </a:lvl8pPr>
-      <a:lvl9pPr marL="4043111" algn="l" defTabSz="1010778" rtl="0" eaLnBrk="1" latinLnBrk="0" hangingPunct="1">
-        <a:defRPr sz="1990" kern="1200">
+      <a:lvl9pPr marL="4723425" algn="l" defTabSz="1180856" rtl="0" eaLnBrk="1" latinLnBrk="0" hangingPunct="1">
+        <a:defRPr sz="2325" kern="1200">
           <a:solidFill>
             <a:schemeClr val="tx1"/>
           </a:solidFill>
@@ -2979,8 +2980,8 @@
         </p:nvSpPr>
         <p:spPr>
           <a:xfrm>
-            <a:off x="3947628" y="1771096"/>
-            <a:ext cx="2084368" cy="2920416"/>
+            <a:off x="3339842" y="2019296"/>
+            <a:ext cx="2084368" cy="1829927"/>
           </a:xfrm>
           <a:prstGeom prst="rect">
             <a:avLst/>
@@ -3029,7 +3030,7 @@
         </p:nvSpPr>
         <p:spPr>
           <a:xfrm>
-            <a:off x="6452793" y="1781739"/>
+            <a:off x="5844723" y="4051460"/>
             <a:ext cx="1586333" cy="659803"/>
           </a:xfrm>
           <a:prstGeom prst="ellipse">
@@ -3072,7 +3073,7 @@
         </p:nvSpPr>
         <p:spPr>
           <a:xfrm>
-            <a:off x="1792062" y="1781739"/>
+            <a:off x="1184277" y="2029940"/>
             <a:ext cx="1586333" cy="659803"/>
           </a:xfrm>
           <a:prstGeom prst="ellipse">
@@ -3115,7 +3116,7 @@
         </p:nvSpPr>
         <p:spPr>
           <a:xfrm>
-            <a:off x="4122428" y="1781739"/>
+            <a:off x="3514643" y="2029940"/>
             <a:ext cx="1586333" cy="659803"/>
           </a:xfrm>
           <a:prstGeom prst="ellipse">
@@ -3156,7 +3157,7 @@
         </p:nvSpPr>
         <p:spPr>
           <a:xfrm>
-            <a:off x="1792062" y="2792499"/>
+            <a:off x="1184277" y="3040700"/>
             <a:ext cx="1586333" cy="659803"/>
           </a:xfrm>
           <a:prstGeom prst="ellipse">
@@ -3199,7 +3200,7 @@
         </p:nvSpPr>
         <p:spPr>
           <a:xfrm>
-            <a:off x="1792062" y="4814022"/>
+            <a:off x="1184277" y="5062223"/>
             <a:ext cx="1586333" cy="659803"/>
           </a:xfrm>
           <a:prstGeom prst="ellipse">
@@ -3242,7 +3243,7 @@
         </p:nvSpPr>
         <p:spPr>
           <a:xfrm>
-            <a:off x="4122428" y="2792500"/>
+            <a:off x="3520993" y="4050054"/>
             <a:ext cx="1586333" cy="659803"/>
           </a:xfrm>
           <a:prstGeom prst="ellipse">
@@ -3269,8 +3270,12 @@
           <a:p>
             <a:pPr algn="ctr"/>
             <a:r>
-              <a:rPr lang="pt-BR" sz="1492" dirty="0"/>
-              <a:t>Data Manager</a:t>
+              <a:rPr lang="pt-BR" sz="1492" dirty="0">
+                <a:solidFill>
+                  <a:schemeClr val="bg1"/>
+                </a:solidFill>
+              </a:rPr>
+              <a:t>Challenge Manager</a:t>
             </a:r>
           </a:p>
         </p:txBody>
@@ -3283,7 +3288,7 @@
         </p:nvSpPr>
         <p:spPr>
           <a:xfrm>
-            <a:off x="6452793" y="2792499"/>
+            <a:off x="5845008" y="3040700"/>
             <a:ext cx="1586333" cy="659803"/>
           </a:xfrm>
           <a:prstGeom prst="ellipse">
@@ -3326,7 +3331,7 @@
         </p:nvSpPr>
         <p:spPr>
           <a:xfrm>
-            <a:off x="1792062" y="3803261"/>
+            <a:off x="1184277" y="4051462"/>
             <a:ext cx="1586333" cy="659803"/>
           </a:xfrm>
           <a:prstGeom prst="ellipse">
@@ -3369,7 +3374,7 @@
         </p:nvSpPr>
         <p:spPr>
           <a:xfrm>
-            <a:off x="4122428" y="3803261"/>
+            <a:off x="3514358" y="3039295"/>
             <a:ext cx="1586333" cy="659803"/>
           </a:xfrm>
           <a:prstGeom prst="ellipse">
@@ -3410,7 +3415,7 @@
         </p:nvSpPr>
         <p:spPr>
           <a:xfrm>
-            <a:off x="6452792" y="448733"/>
+            <a:off x="5845007" y="696934"/>
             <a:ext cx="1586333" cy="659803"/>
           </a:xfrm>
           <a:prstGeom prst="ellipse">
@@ -3451,7 +3456,7 @@
         </p:nvSpPr>
         <p:spPr>
           <a:xfrm>
-            <a:off x="1792061" y="5824783"/>
+            <a:off x="1184276" y="6072984"/>
             <a:ext cx="1586333" cy="659803"/>
           </a:xfrm>
           <a:prstGeom prst="ellipse">
@@ -3485,10 +3490,9 @@
           <a:p>
             <a:pPr algn="ctr"/>
             <a:r>
-              <a:rPr lang="pt-BR" sz="1492" dirty="0" smtClean="0"/>
+              <a:rPr lang="pt-BR" sz="1492" dirty="0"/>
               <a:t>Panel</a:t>
             </a:r>
-            <a:endParaRPr lang="pt-BR" sz="1492" dirty="0"/>
           </a:p>
         </p:txBody>
       </p:sp>
@@ -3503,8 +3507,8 @@
         </p:nvCxnSpPr>
         <p:spPr>
           <a:xfrm flipV="1">
-            <a:off x="3146081" y="2344915"/>
-            <a:ext cx="1208660" cy="544209"/>
+            <a:off x="2538297" y="2593117"/>
+            <a:ext cx="1208659" cy="544209"/>
           </a:xfrm>
           <a:prstGeom prst="straightConnector1">
             <a:avLst/>
@@ -3542,7 +3546,7 @@
         </p:nvCxnSpPr>
         <p:spPr>
           <a:xfrm flipV="1">
-            <a:off x="2585228" y="2441541"/>
+            <a:off x="1977442" y="2689741"/>
             <a:ext cx="0" cy="350958"/>
           </a:xfrm>
           <a:prstGeom prst="straightConnector1">
@@ -3574,15 +3578,15 @@
         <p:nvCxnSpPr>
           <p:cNvPr id="35" name="Straight Arrow Connector 34"/>
           <p:cNvCxnSpPr>
-            <a:stCxn id="21" idx="5"/>
-            <a:endCxn id="26" idx="1"/>
+            <a:stCxn id="21" idx="6"/>
+            <a:endCxn id="26" idx="2"/>
           </p:cNvCxnSpPr>
           <p:nvPr/>
         </p:nvCxnSpPr>
         <p:spPr>
-          <a:xfrm>
-            <a:off x="3146081" y="3355676"/>
-            <a:ext cx="1208660" cy="544211"/>
+          <a:xfrm flipV="1">
+            <a:off x="2770610" y="3369197"/>
+            <a:ext cx="743748" cy="1405"/>
           </a:xfrm>
           <a:prstGeom prst="straightConnector1">
             <a:avLst/>
@@ -3619,9 +3623,9 @@
           <p:nvPr/>
         </p:nvCxnSpPr>
         <p:spPr>
-          <a:xfrm flipV="1">
-            <a:off x="3378395" y="2111641"/>
-            <a:ext cx="3074399" cy="1010760"/>
+          <a:xfrm>
+            <a:off x="2770610" y="3370602"/>
+            <a:ext cx="3074113" cy="1010760"/>
           </a:xfrm>
           <a:prstGeom prst="straightConnector1">
             <a:avLst/>
@@ -3652,54 +3656,15 @@
         <p:nvCxnSpPr>
           <p:cNvPr id="39" name="Straight Arrow Connector 38"/>
           <p:cNvCxnSpPr>
-            <a:stCxn id="26" idx="2"/>
+            <a:stCxn id="26" idx="3"/>
             <a:endCxn id="25" idx="6"/>
           </p:cNvCxnSpPr>
           <p:nvPr/>
         </p:nvCxnSpPr>
         <p:spPr>
           <a:xfrm flipH="1">
-            <a:off x="3378395" y="4133163"/>
-            <a:ext cx="744033" cy="0"/>
-          </a:xfrm>
-          <a:prstGeom prst="straightConnector1">
-            <a:avLst/>
-          </a:prstGeom>
-          <a:ln w="38100">
-            <a:solidFill>
-              <a:schemeClr val="tx1"/>
-            </a:solidFill>
-            <a:tailEnd type="triangle"/>
-          </a:ln>
-        </p:spPr>
-        <p:style>
-          <a:lnRef idx="1">
-            <a:schemeClr val="accent1"/>
-          </a:lnRef>
-          <a:fillRef idx="0">
-            <a:schemeClr val="accent1"/>
-          </a:fillRef>
-          <a:effectRef idx="0">
-            <a:schemeClr val="accent1"/>
-          </a:effectRef>
-          <a:fontRef idx="minor">
-            <a:schemeClr val="tx1"/>
-          </a:fontRef>
-        </p:style>
-      </p:cxnSp>
-      <p:cxnSp>
-        <p:nvCxnSpPr>
-          <p:cNvPr id="42" name="Straight Arrow Connector 41"/>
-          <p:cNvCxnSpPr>
-            <a:stCxn id="26" idx="3"/>
-            <a:endCxn id="22" idx="7"/>
-          </p:cNvCxnSpPr>
-          <p:nvPr/>
-        </p:nvCxnSpPr>
-        <p:spPr>
-          <a:xfrm flipH="1">
-            <a:off x="3146081" y="4366438"/>
-            <a:ext cx="1208660" cy="544209"/>
+            <a:off x="2770610" y="3602472"/>
+            <a:ext cx="976061" cy="778892"/>
           </a:xfrm>
           <a:prstGeom prst="straightConnector1">
             <a:avLst/>
@@ -3737,7 +3702,7 @@
         </p:nvCxnSpPr>
         <p:spPr>
           <a:xfrm>
-            <a:off x="2585228" y="6484586"/>
+            <a:off x="1977442" y="6732786"/>
             <a:ext cx="0" cy="350958"/>
           </a:xfrm>
           <a:prstGeom prst="straightConnector1">
@@ -3773,7 +3738,7 @@
         </p:nvSpPr>
         <p:spPr>
           <a:xfrm rot="5400000">
-            <a:off x="6187160" y="3861856"/>
+            <a:off x="5579374" y="2105798"/>
             <a:ext cx="243832" cy="554161"/>
           </a:xfrm>
           <a:prstGeom prst="downArrow">
@@ -3813,7 +3778,7 @@
         </p:nvSpPr>
         <p:spPr>
           <a:xfrm>
-            <a:off x="6452793" y="3805264"/>
+            <a:off x="5845008" y="2049206"/>
             <a:ext cx="1586333" cy="659803"/>
           </a:xfrm>
           <a:prstGeom prst="ellipse">
@@ -3859,7 +3824,7 @@
         </p:nvCxnSpPr>
         <p:spPr>
           <a:xfrm rot="10800000" flipV="1">
-            <a:off x="1792061" y="2111640"/>
+            <a:off x="1184276" y="2359841"/>
             <a:ext cx="10529" cy="2021523"/>
           </a:xfrm>
           <a:prstGeom prst="bentConnector3">
@@ -3900,12 +3865,12 @@
         </p:nvCxnSpPr>
         <p:spPr>
           <a:xfrm rot="16200000" flipV="1">
-            <a:off x="4915594" y="-548628"/>
-            <a:ext cx="10529" cy="4660732"/>
+            <a:off x="3296907" y="710477"/>
+            <a:ext cx="2021520" cy="4660446"/>
           </a:xfrm>
           <a:prstGeom prst="bentConnector3">
             <a:avLst>
-              <a:gd name="adj1" fmla="val 1800000"/>
+              <a:gd name="adj1" fmla="val 111308"/>
             </a:avLst>
           </a:prstGeom>
           <a:ln w="38100">
@@ -3938,7 +3903,7 @@
         </p:nvSpPr>
         <p:spPr>
           <a:xfrm>
-            <a:off x="4749495" y="1108536"/>
+            <a:off x="4141710" y="1356736"/>
             <a:ext cx="332199" cy="332260"/>
           </a:xfrm>
           <a:prstGeom prst="downArrow">
@@ -3978,7 +3943,7 @@
         </p:nvSpPr>
         <p:spPr>
           <a:xfrm>
-            <a:off x="4122428" y="442957"/>
+            <a:off x="3514643" y="691158"/>
             <a:ext cx="1586333" cy="659803"/>
           </a:xfrm>
           <a:prstGeom prst="ellipse">
@@ -4019,7 +3984,7 @@
         </p:nvSpPr>
         <p:spPr>
           <a:xfrm>
-            <a:off x="1792061" y="6835544"/>
+            <a:off x="1184276" y="7083745"/>
             <a:ext cx="1586333" cy="659803"/>
           </a:xfrm>
           <a:prstGeom prst="ellipse">
@@ -4072,7 +4037,7 @@
         </p:nvCxnSpPr>
         <p:spPr>
           <a:xfrm flipV="1">
-            <a:off x="2585228" y="5473825"/>
+            <a:off x="1977443" y="5722025"/>
             <a:ext cx="1" cy="350958"/>
           </a:xfrm>
           <a:prstGeom prst="straightConnector1">
@@ -4104,15 +4069,15 @@
         <p:nvCxnSpPr>
           <p:cNvPr id="34" name="Straight Arrow Connector 33"/>
           <p:cNvCxnSpPr>
-            <a:stCxn id="26" idx="7"/>
-            <a:endCxn id="18" idx="3"/>
+            <a:stCxn id="26" idx="5"/>
+            <a:endCxn id="18" idx="1"/>
           </p:cNvCxnSpPr>
           <p:nvPr/>
         </p:nvCxnSpPr>
         <p:spPr>
-          <a:xfrm flipV="1">
-            <a:off x="5476448" y="2344916"/>
-            <a:ext cx="1208658" cy="1554971"/>
+          <a:xfrm>
+            <a:off x="4868378" y="3602472"/>
+            <a:ext cx="1208658" cy="545614"/>
           </a:xfrm>
           <a:prstGeom prst="straightConnector1">
             <a:avLst/>
@@ -4149,7 +4114,7 @@
         </p:nvSpPr>
         <p:spPr>
           <a:xfrm>
-            <a:off x="4122428" y="4826096"/>
+            <a:off x="3514643" y="5074297"/>
             <a:ext cx="1586333" cy="659803"/>
           </a:xfrm>
           <a:prstGeom prst="ellipse">
@@ -4176,17 +4141,16 @@
           <a:p>
             <a:pPr algn="ctr"/>
             <a:r>
-              <a:rPr lang="pt-BR" sz="1492" dirty="0" smtClean="0"/>
+              <a:rPr lang="pt-BR" sz="1492" dirty="0"/>
               <a:t>Control</a:t>
             </a:r>
           </a:p>
           <a:p>
             <a:pPr algn="ctr"/>
             <a:r>
-              <a:rPr lang="pt-BR" sz="1492" dirty="0" smtClean="0"/>
+              <a:rPr lang="pt-BR" sz="1492" dirty="0"/>
               <a:t>Panel</a:t>
             </a:r>
-            <a:endParaRPr lang="pt-BR" sz="1492" dirty="0"/>
           </a:p>
         </p:txBody>
       </p:sp>
@@ -4201,7 +4165,7 @@
         </p:nvCxnSpPr>
         <p:spPr>
           <a:xfrm flipH="1" flipV="1">
-            <a:off x="3378395" y="5143924"/>
+            <a:off x="2770610" y="5392124"/>
             <a:ext cx="744033" cy="12074"/>
           </a:xfrm>
           <a:prstGeom prst="straightConnector1">
@@ -4229,45 +4193,6 @@
           </a:fontRef>
         </p:style>
       </p:cxnSp>
-      <p:cxnSp>
-        <p:nvCxnSpPr>
-          <p:cNvPr id="44" name="Straight Arrow Connector 43"/>
-          <p:cNvCxnSpPr>
-            <a:stCxn id="26" idx="4"/>
-            <a:endCxn id="38" idx="0"/>
-          </p:cNvCxnSpPr>
-          <p:nvPr/>
-        </p:nvCxnSpPr>
-        <p:spPr>
-          <a:xfrm>
-            <a:off x="4915595" y="4463064"/>
-            <a:ext cx="0" cy="363032"/>
-          </a:xfrm>
-          <a:prstGeom prst="straightConnector1">
-            <a:avLst/>
-          </a:prstGeom>
-          <a:ln w="38100">
-            <a:solidFill>
-              <a:schemeClr val="tx1"/>
-            </a:solidFill>
-            <a:tailEnd type="triangle"/>
-          </a:ln>
-        </p:spPr>
-        <p:style>
-          <a:lnRef idx="1">
-            <a:schemeClr val="accent1"/>
-          </a:lnRef>
-          <a:fillRef idx="0">
-            <a:schemeClr val="accent1"/>
-          </a:fillRef>
-          <a:effectRef idx="0">
-            <a:schemeClr val="accent1"/>
-          </a:effectRef>
-          <a:fontRef idx="minor">
-            <a:schemeClr val="tx1"/>
-          </a:fontRef>
-        </p:style>
-      </p:cxnSp>
       <p:sp>
         <p:nvSpPr>
           <p:cNvPr id="45" name="Oval 44"/>
@@ -4276,7 +4201,7 @@
         </p:nvSpPr>
         <p:spPr>
           <a:xfrm>
-            <a:off x="6452791" y="4826095"/>
+            <a:off x="5845006" y="5074296"/>
             <a:ext cx="1586333" cy="659803"/>
           </a:xfrm>
           <a:prstGeom prst="ellipse">
@@ -4303,7 +4228,7 @@
           <a:p>
             <a:pPr algn="ctr"/>
             <a:r>
-              <a:rPr lang="pt-BR" sz="1492" smtClean="0"/>
+              <a:rPr lang="pt-BR" sz="1492"/>
               <a:t>Results</a:t>
             </a:r>
             <a:endParaRPr lang="pt-BR" sz="1492" dirty="0"/>
@@ -4311,10 +4236,9 @@
           <a:p>
             <a:pPr algn="ctr"/>
             <a:r>
-              <a:rPr lang="pt-BR" sz="1492" dirty="0" smtClean="0"/>
+              <a:rPr lang="pt-BR" sz="1492" dirty="0"/>
               <a:t>Panel</a:t>
             </a:r>
-            <a:endParaRPr lang="pt-BR" sz="1492" dirty="0"/>
           </a:p>
         </p:txBody>
       </p:sp>
@@ -4322,20 +4246,19 @@
         <p:nvCxnSpPr>
           <p:cNvPr id="41" name="Elbow Connector 40"/>
           <p:cNvCxnSpPr>
-            <a:stCxn id="38" idx="7"/>
+            <a:stCxn id="38" idx="6"/>
             <a:endCxn id="20" idx="6"/>
           </p:cNvCxnSpPr>
           <p:nvPr/>
         </p:nvCxnSpPr>
         <p:spPr>
-          <a:xfrm rot="5400000" flipH="1" flipV="1">
-            <a:off x="4187064" y="3401026"/>
-            <a:ext cx="2811081" cy="232313"/>
-          </a:xfrm>
-          <a:prstGeom prst="bentConnector4">
+          <a:xfrm flipV="1">
+            <a:off x="5100976" y="2359842"/>
+            <a:ext cx="12700" cy="3044357"/>
+          </a:xfrm>
+          <a:prstGeom prst="bentConnector3">
             <a:avLst>
-              <a:gd name="adj1" fmla="val 978"/>
-              <a:gd name="adj2" fmla="val 198402"/>
+              <a:gd name="adj1" fmla="val 1800000"/>
             </a:avLst>
           </a:prstGeom>
           <a:ln w="38100">
@@ -4366,15 +4289,15 @@
         <p:nvCxnSpPr>
           <p:cNvPr id="50" name="Straight Arrow Connector 49"/>
           <p:cNvCxnSpPr>
-            <a:stCxn id="38" idx="6"/>
+            <a:stCxn id="38" idx="5"/>
             <a:endCxn id="45" idx="2"/>
           </p:cNvCxnSpPr>
           <p:nvPr/>
         </p:nvCxnSpPr>
         <p:spPr>
           <a:xfrm flipV="1">
-            <a:off x="5708761" y="5155997"/>
-            <a:ext cx="744030" cy="1"/>
+            <a:off x="4868663" y="5404198"/>
+            <a:ext cx="976343" cy="233276"/>
           </a:xfrm>
           <a:prstGeom prst="straightConnector1">
             <a:avLst/>
@@ -4409,7 +4332,7 @@
         </p:nvSpPr>
         <p:spPr>
           <a:xfrm>
-            <a:off x="1317171" y="1440796"/>
+            <a:off x="709385" y="1688996"/>
             <a:ext cx="7032172" cy="6244518"/>
           </a:xfrm>
           <a:prstGeom prst="rect">
@@ -4454,7 +4377,7 @@
         </p:nvSpPr>
         <p:spPr>
           <a:xfrm>
-            <a:off x="4122427" y="6835544"/>
+            <a:off x="3514642" y="7083745"/>
             <a:ext cx="1586333" cy="659803"/>
           </a:xfrm>
           <a:prstGeom prst="ellipse">
@@ -4481,17 +4404,16 @@
           <a:p>
             <a:pPr algn="ctr"/>
             <a:r>
-              <a:rPr lang="pt-BR" sz="1492" dirty="0" smtClean="0"/>
+              <a:rPr lang="pt-BR" sz="1492" dirty="0"/>
               <a:t>Robot</a:t>
             </a:r>
           </a:p>
           <a:p>
             <a:pPr algn="ctr"/>
             <a:r>
-              <a:rPr lang="pt-BR" sz="1492" dirty="0" smtClean="0"/>
+              <a:rPr lang="pt-BR" sz="1492" dirty="0"/>
               <a:t>Cursor</a:t>
             </a:r>
-            <a:endParaRPr lang="pt-BR" sz="1492" dirty="0"/>
           </a:p>
         </p:txBody>
       </p:sp>
@@ -4503,12 +4425,18 @@
         </p:nvSpPr>
         <p:spPr>
           <a:xfrm>
-            <a:off x="4122426" y="5845403"/>
+            <a:off x="3514641" y="6093604"/>
             <a:ext cx="1586333" cy="659803"/>
           </a:xfrm>
           <a:prstGeom prst="ellipse">
             <a:avLst/>
           </a:prstGeom>
+          <a:ln>
+            <a:solidFill>
+              <a:schemeClr val="tx1"/>
+            </a:solidFill>
+            <a:prstDash val="dash"/>
+          </a:ln>
         </p:spPr>
         <p:style>
           <a:lnRef idx="3">
@@ -4530,10 +4458,9 @@
           <a:p>
             <a:pPr algn="ctr"/>
             <a:r>
-              <a:rPr lang="pt-BR" sz="1492" dirty="0" smtClean="0"/>
+              <a:rPr lang="pt-BR" sz="1492" dirty="0"/>
               <a:t>Connection</a:t>
             </a:r>
-            <a:endParaRPr lang="pt-BR" sz="1492" dirty="0"/>
           </a:p>
         </p:txBody>
       </p:sp>
@@ -4548,7 +4475,7 @@
         </p:nvCxnSpPr>
         <p:spPr>
           <a:xfrm flipH="1">
-            <a:off x="4915593" y="5485899"/>
+            <a:off x="4307807" y="5734099"/>
             <a:ext cx="2" cy="359504"/>
           </a:xfrm>
           <a:prstGeom prst="straightConnector1">
@@ -4580,20 +4507,387 @@
         <p:nvCxnSpPr>
           <p:cNvPr id="65" name="Elbow Connector 64"/>
           <p:cNvCxnSpPr>
-            <a:stCxn id="59" idx="6"/>
-            <a:endCxn id="20" idx="6"/>
+            <a:stCxn id="59" idx="2"/>
+            <a:endCxn id="20" idx="2"/>
           </p:cNvCxnSpPr>
           <p:nvPr/>
         </p:nvCxnSpPr>
         <p:spPr>
-          <a:xfrm flipV="1">
-            <a:off x="5708759" y="2111641"/>
+          <a:xfrm rot="10800000" flipH="1">
+            <a:off x="3514640" y="2359841"/>
             <a:ext cx="2" cy="4063664"/>
           </a:xfrm>
           <a:prstGeom prst="bentConnector3">
             <a:avLst>
-              <a:gd name="adj1" fmla="val 11430100000"/>
+              <a:gd name="adj1" fmla="val -11430000000"/>
             </a:avLst>
+          </a:prstGeom>
+          <a:ln w="38100">
+            <a:solidFill>
+              <a:schemeClr val="tx1"/>
+            </a:solidFill>
+            <a:headEnd type="triangle" w="med" len="med"/>
+            <a:tailEnd type="none" w="med" len="med"/>
+          </a:ln>
+        </p:spPr>
+        <p:style>
+          <a:lnRef idx="1">
+            <a:schemeClr val="accent1"/>
+          </a:lnRef>
+          <a:fillRef idx="0">
+            <a:schemeClr val="accent1"/>
+          </a:fillRef>
+          <a:effectRef idx="0">
+            <a:schemeClr val="accent1"/>
+          </a:effectRef>
+          <a:fontRef idx="minor">
+            <a:schemeClr val="tx1"/>
+          </a:fontRef>
+        </p:style>
+      </p:cxnSp>
+      <p:cxnSp>
+        <p:nvCxnSpPr>
+          <p:cNvPr id="75" name="Straight Arrow Connector 74"/>
+          <p:cNvCxnSpPr>
+            <a:stCxn id="54" idx="0"/>
+            <a:endCxn id="59" idx="4"/>
+          </p:cNvCxnSpPr>
+          <p:nvPr/>
+        </p:nvCxnSpPr>
+        <p:spPr>
+          <a:xfrm flipH="1" flipV="1">
+            <a:off x="4307808" y="6753406"/>
+            <a:ext cx="1" cy="330338"/>
+          </a:xfrm>
+          <a:prstGeom prst="straightConnector1">
+            <a:avLst/>
+          </a:prstGeom>
+          <a:ln w="38100">
+            <a:solidFill>
+              <a:schemeClr val="tx1"/>
+            </a:solidFill>
+            <a:tailEnd type="triangle"/>
+          </a:ln>
+        </p:spPr>
+        <p:style>
+          <a:lnRef idx="1">
+            <a:schemeClr val="accent1"/>
+          </a:lnRef>
+          <a:fillRef idx="0">
+            <a:schemeClr val="accent1"/>
+          </a:fillRef>
+          <a:effectRef idx="0">
+            <a:schemeClr val="accent1"/>
+          </a:effectRef>
+          <a:fontRef idx="minor">
+            <a:schemeClr val="tx1"/>
+          </a:fontRef>
+        </p:style>
+      </p:cxnSp>
+      <p:sp>
+        <p:nvSpPr>
+          <p:cNvPr id="88" name="Oval 87"/>
+          <p:cNvSpPr/>
+          <p:nvPr/>
+        </p:nvSpPr>
+        <p:spPr>
+          <a:xfrm>
+            <a:off x="5845006" y="6093604"/>
+            <a:ext cx="1586333" cy="659803"/>
+          </a:xfrm>
+          <a:prstGeom prst="ellipse">
+            <a:avLst/>
+          </a:prstGeom>
+        </p:spPr>
+        <p:style>
+          <a:lnRef idx="3">
+            <a:schemeClr val="lt1"/>
+          </a:lnRef>
+          <a:fillRef idx="1">
+            <a:schemeClr val="accent2"/>
+          </a:fillRef>
+          <a:effectRef idx="1">
+            <a:schemeClr val="accent2"/>
+          </a:effectRef>
+          <a:fontRef idx="minor">
+            <a:schemeClr val="lt1"/>
+          </a:fontRef>
+        </p:style>
+        <p:txBody>
+          <a:bodyPr rtlCol="0" anchor="ctr"/>
+          <a:lstStyle/>
+          <a:p>
+            <a:pPr algn="ctr"/>
+            <a:r>
+              <a:rPr lang="pt-BR" sz="1492" dirty="0">
+                <a:solidFill>
+                  <a:srgbClr val="FF0000"/>
+                </a:solidFill>
+              </a:rPr>
+              <a:t>AnkleBot?</a:t>
+            </a:r>
+          </a:p>
+        </p:txBody>
+      </p:sp>
+      <p:cxnSp>
+        <p:nvCxnSpPr>
+          <p:cNvPr id="90" name="Elbow Connector 89"/>
+          <p:cNvCxnSpPr>
+            <a:stCxn id="45" idx="3"/>
+            <a:endCxn id="22" idx="5"/>
+          </p:cNvCxnSpPr>
+          <p:nvPr/>
+        </p:nvCxnSpPr>
+        <p:spPr>
+          <a:xfrm rot="5400000" flipH="1">
+            <a:off x="4301771" y="3861925"/>
+            <a:ext cx="12073" cy="3539022"/>
+          </a:xfrm>
+          <a:prstGeom prst="bentConnector3">
+            <a:avLst>
+              <a:gd name="adj1" fmla="val -1972501"/>
+            </a:avLst>
+          </a:prstGeom>
+          <a:ln w="28575">
+            <a:solidFill>
+              <a:schemeClr val="tx1"/>
+            </a:solidFill>
+            <a:tailEnd type="triangle"/>
+          </a:ln>
+        </p:spPr>
+        <p:style>
+          <a:lnRef idx="1">
+            <a:schemeClr val="accent1"/>
+          </a:lnRef>
+          <a:fillRef idx="0">
+            <a:schemeClr val="accent1"/>
+          </a:fillRef>
+          <a:effectRef idx="0">
+            <a:schemeClr val="accent1"/>
+          </a:effectRef>
+          <a:fontRef idx="minor">
+            <a:schemeClr val="tx1"/>
+          </a:fontRef>
+        </p:style>
+      </p:cxnSp>
+      <p:cxnSp>
+        <p:nvCxnSpPr>
+          <p:cNvPr id="47" name="Elbow Connector 46"/>
+          <p:cNvCxnSpPr>
+            <a:stCxn id="54" idx="2"/>
+            <a:endCxn id="29" idx="6"/>
+          </p:cNvCxnSpPr>
+          <p:nvPr/>
+        </p:nvCxnSpPr>
+        <p:spPr>
+          <a:xfrm rot="10800000">
+            <a:off x="2770610" y="6402887"/>
+            <a:ext cx="744033" cy="1010761"/>
+          </a:xfrm>
+          <a:prstGeom prst="bentConnector3">
+            <a:avLst>
+              <a:gd name="adj1" fmla="val 50000"/>
+            </a:avLst>
+          </a:prstGeom>
+          <a:ln w="28575">
+            <a:solidFill>
+              <a:schemeClr val="tx1"/>
+            </a:solidFill>
+            <a:tailEnd type="triangle"/>
+          </a:ln>
+        </p:spPr>
+        <p:style>
+          <a:lnRef idx="1">
+            <a:schemeClr val="accent1"/>
+          </a:lnRef>
+          <a:fillRef idx="0">
+            <a:schemeClr val="accent1"/>
+          </a:fillRef>
+          <a:effectRef idx="0">
+            <a:schemeClr val="accent1"/>
+          </a:effectRef>
+          <a:fontRef idx="minor">
+            <a:schemeClr val="tx1"/>
+          </a:fontRef>
+        </p:style>
+      </p:cxnSp>
+      <p:cxnSp>
+        <p:nvCxnSpPr>
+          <p:cNvPr id="48" name="Elbow Connector 47"/>
+          <p:cNvCxnSpPr>
+            <a:stCxn id="54" idx="6"/>
+            <a:endCxn id="20" idx="5"/>
+          </p:cNvCxnSpPr>
+          <p:nvPr/>
+        </p:nvCxnSpPr>
+        <p:spPr>
+          <a:xfrm flipH="1" flipV="1">
+            <a:off x="4868662" y="2593116"/>
+            <a:ext cx="232312" cy="4820530"/>
+          </a:xfrm>
+          <a:prstGeom prst="bentConnector4">
+            <a:avLst>
+              <a:gd name="adj1" fmla="val -60915"/>
+              <a:gd name="adj2" fmla="val 99165"/>
+            </a:avLst>
+          </a:prstGeom>
+          <a:ln w="28575">
+            <a:solidFill>
+              <a:schemeClr val="bg1">
+                <a:lumMod val="50000"/>
+              </a:schemeClr>
+            </a:solidFill>
+            <a:tailEnd type="triangle"/>
+          </a:ln>
+        </p:spPr>
+        <p:style>
+          <a:lnRef idx="1">
+            <a:schemeClr val="accent1"/>
+          </a:lnRef>
+          <a:fillRef idx="0">
+            <a:schemeClr val="accent1"/>
+          </a:fillRef>
+          <a:effectRef idx="0">
+            <a:schemeClr val="accent1"/>
+          </a:effectRef>
+          <a:fontRef idx="minor">
+            <a:schemeClr val="tx1"/>
+          </a:fontRef>
+        </p:style>
+      </p:cxnSp>
+      <p:sp>
+        <p:nvSpPr>
+          <p:cNvPr id="66" name="Oval 65"/>
+          <p:cNvSpPr/>
+          <p:nvPr/>
+        </p:nvSpPr>
+        <p:spPr>
+          <a:xfrm>
+            <a:off x="7977781" y="2049206"/>
+            <a:ext cx="1586333" cy="659803"/>
+          </a:xfrm>
+          <a:prstGeom prst="ellipse">
+            <a:avLst/>
+          </a:prstGeom>
+        </p:spPr>
+        <p:style>
+          <a:lnRef idx="3">
+            <a:schemeClr val="lt1"/>
+          </a:lnRef>
+          <a:fillRef idx="1">
+            <a:schemeClr val="accent2"/>
+          </a:fillRef>
+          <a:effectRef idx="1">
+            <a:schemeClr val="accent2"/>
+          </a:effectRef>
+          <a:fontRef idx="minor">
+            <a:schemeClr val="lt1"/>
+          </a:fontRef>
+        </p:style>
+        <p:txBody>
+          <a:bodyPr rtlCol="0" anchor="ctr"/>
+          <a:lstStyle/>
+          <a:p>
+            <a:pPr algn="ctr"/>
+            <a:r>
+              <a:rPr lang="pt-BR" sz="1492" dirty="0">
+                <a:solidFill>
+                  <a:srgbClr val="FF0000"/>
+                </a:solidFill>
+              </a:rPr>
+              <a:t>Data Manager</a:t>
+            </a:r>
+          </a:p>
+        </p:txBody>
+      </p:sp>
+      <p:cxnSp>
+        <p:nvCxnSpPr>
+          <p:cNvPr id="67" name="Straight Arrow Connector 66"/>
+          <p:cNvCxnSpPr>
+            <a:stCxn id="21" idx="5"/>
+            <a:endCxn id="23" idx="2"/>
+          </p:cNvCxnSpPr>
+          <p:nvPr/>
+        </p:nvCxnSpPr>
+        <p:spPr>
+          <a:xfrm>
+            <a:off x="2538297" y="3603877"/>
+            <a:ext cx="982696" cy="776079"/>
+          </a:xfrm>
+          <a:prstGeom prst="straightConnector1">
+            <a:avLst/>
+          </a:prstGeom>
+          <a:ln w="38100">
+            <a:solidFill>
+              <a:schemeClr val="tx1"/>
+            </a:solidFill>
+            <a:tailEnd type="triangle"/>
+          </a:ln>
+        </p:spPr>
+        <p:style>
+          <a:lnRef idx="1">
+            <a:schemeClr val="accent1"/>
+          </a:lnRef>
+          <a:fillRef idx="0">
+            <a:schemeClr val="accent1"/>
+          </a:fillRef>
+          <a:effectRef idx="0">
+            <a:schemeClr val="accent1"/>
+          </a:effectRef>
+          <a:fontRef idx="minor">
+            <a:schemeClr val="tx1"/>
+          </a:fontRef>
+        </p:style>
+      </p:cxnSp>
+      <p:cxnSp>
+        <p:nvCxnSpPr>
+          <p:cNvPr id="73" name="Straight Arrow Connector 72"/>
+          <p:cNvCxnSpPr/>
+          <p:nvPr/>
+        </p:nvCxnSpPr>
+        <p:spPr>
+          <a:xfrm flipV="1">
+            <a:off x="8236882" y="3518378"/>
+            <a:ext cx="744030" cy="1"/>
+          </a:xfrm>
+          <a:prstGeom prst="straightConnector1">
+            <a:avLst/>
+          </a:prstGeom>
+          <a:ln w="38100">
+            <a:solidFill>
+              <a:srgbClr val="00B0F0"/>
+            </a:solidFill>
+            <a:tailEnd type="triangle"/>
+          </a:ln>
+        </p:spPr>
+        <p:style>
+          <a:lnRef idx="1">
+            <a:schemeClr val="accent1"/>
+          </a:lnRef>
+          <a:fillRef idx="0">
+            <a:schemeClr val="accent1"/>
+          </a:fillRef>
+          <a:effectRef idx="0">
+            <a:schemeClr val="accent1"/>
+          </a:effectRef>
+          <a:fontRef idx="minor">
+            <a:schemeClr val="tx1"/>
+          </a:fontRef>
+        </p:style>
+      </p:cxnSp>
+      <p:cxnSp>
+        <p:nvCxnSpPr>
+          <p:cNvPr id="74" name="Straight Arrow Connector 73"/>
+          <p:cNvCxnSpPr/>
+          <p:nvPr/>
+        </p:nvCxnSpPr>
+        <p:spPr>
+          <a:xfrm flipV="1">
+            <a:off x="8236882" y="3187206"/>
+            <a:ext cx="744030" cy="1"/>
+          </a:xfrm>
+          <a:prstGeom prst="straightConnector1">
+            <a:avLst/>
           </a:prstGeom>
           <a:ln w="38100">
             <a:solidFill>
@@ -4621,17 +4915,14 @@
       </p:cxnSp>
       <p:cxnSp>
         <p:nvCxnSpPr>
-          <p:cNvPr id="75" name="Straight Arrow Connector 74"/>
-          <p:cNvCxnSpPr>
-            <a:stCxn id="54" idx="0"/>
-            <a:endCxn id="59" idx="4"/>
-          </p:cNvCxnSpPr>
+          <p:cNvPr id="76" name="Straight Arrow Connector 75"/>
+          <p:cNvCxnSpPr/>
           <p:nvPr/>
         </p:nvCxnSpPr>
         <p:spPr>
-          <a:xfrm flipH="1" flipV="1">
-            <a:off x="4915593" y="6505206"/>
-            <a:ext cx="1" cy="330338"/>
+          <a:xfrm flipV="1">
+            <a:off x="8236882" y="2856034"/>
+            <a:ext cx="744030" cy="1"/>
           </a:xfrm>
           <a:prstGeom prst="straightConnector1">
             <a:avLst/>
@@ -4660,66 +4951,257 @@
       </p:cxnSp>
       <p:sp>
         <p:nvSpPr>
-          <p:cNvPr id="88" name="Oval 87"/>
-          <p:cNvSpPr/>
-          <p:nvPr/>
-        </p:nvSpPr>
-        <p:spPr>
-          <a:xfrm>
-            <a:off x="6452791" y="5845403"/>
-            <a:ext cx="1586333" cy="659803"/>
-          </a:xfrm>
-          <a:prstGeom prst="ellipse">
-            <a:avLst/>
-          </a:prstGeom>
-        </p:spPr>
-        <p:style>
-          <a:lnRef idx="3">
-            <a:schemeClr val="lt1"/>
-          </a:lnRef>
-          <a:fillRef idx="1">
-            <a:schemeClr val="accent2"/>
-          </a:fillRef>
-          <a:effectRef idx="1">
-            <a:schemeClr val="accent2"/>
-          </a:effectRef>
-          <a:fontRef idx="minor">
-            <a:schemeClr val="lt1"/>
-          </a:fontRef>
-        </p:style>
-        <p:txBody>
-          <a:bodyPr rtlCol="0" anchor="ctr"/>
-          <a:lstStyle/>
-          <a:p>
-            <a:pPr algn="ctr"/>
-            <a:r>
-              <a:rPr lang="pt-BR" sz="1492" dirty="0" smtClean="0"/>
-              <a:t>AnkleBot?</a:t>
-            </a:r>
-            <a:endParaRPr lang="pt-BR" sz="1492" dirty="0"/>
+          <p:cNvPr id="68" name="TextBox 67"/>
+          <p:cNvSpPr txBox="1"/>
+          <p:nvPr/>
+        </p:nvSpPr>
+        <p:spPr>
+          <a:xfrm>
+            <a:off x="9030112" y="2671367"/>
+            <a:ext cx="1538563" cy="369332"/>
+          </a:xfrm>
+          <a:prstGeom prst="rect">
+            <a:avLst/>
+          </a:prstGeom>
+          <a:noFill/>
+        </p:spPr>
+        <p:txBody>
+          <a:bodyPr wrap="none" rtlCol="0">
+            <a:spAutoFit/>
+          </a:bodyPr>
+          <a:lstStyle/>
+          <a:p>
+            <a:r>
+              <a:rPr lang="pt-BR" dirty="0"/>
+              <a:t>Utiliza a classe</a:t>
+            </a:r>
+          </a:p>
+        </p:txBody>
+      </p:sp>
+      <p:sp>
+        <p:nvSpPr>
+          <p:cNvPr id="77" name="TextBox 76"/>
+          <p:cNvSpPr txBox="1"/>
+          <p:nvPr/>
+        </p:nvSpPr>
+        <p:spPr>
+          <a:xfrm>
+            <a:off x="9040997" y="3002539"/>
+            <a:ext cx="1775230" cy="369332"/>
+          </a:xfrm>
+          <a:prstGeom prst="rect">
+            <a:avLst/>
+          </a:prstGeom>
+          <a:noFill/>
+        </p:spPr>
+        <p:txBody>
+          <a:bodyPr wrap="none" rtlCol="0">
+            <a:spAutoFit/>
+          </a:bodyPr>
+          <a:lstStyle/>
+          <a:p>
+            <a:r>
+              <a:rPr lang="pt-BR" dirty="0"/>
+              <a:t>Utiliza o instance</a:t>
+            </a:r>
+          </a:p>
+        </p:txBody>
+      </p:sp>
+      <p:sp>
+        <p:nvSpPr>
+          <p:cNvPr id="78" name="TextBox 77"/>
+          <p:cNvSpPr txBox="1"/>
+          <p:nvPr/>
+        </p:nvSpPr>
+        <p:spPr>
+          <a:xfrm>
+            <a:off x="9051884" y="3333711"/>
+            <a:ext cx="2130391" cy="369332"/>
+          </a:xfrm>
+          <a:prstGeom prst="rect">
+            <a:avLst/>
+          </a:prstGeom>
+          <a:noFill/>
+        </p:spPr>
+        <p:txBody>
+          <a:bodyPr wrap="none" rtlCol="0">
+            <a:spAutoFit/>
+          </a:bodyPr>
+          <a:lstStyle/>
+          <a:p>
+            <a:r>
+              <a:rPr lang="pt-BR" dirty="0"/>
+              <a:t>Utiliza uma var static</a:t>
+            </a:r>
           </a:p>
         </p:txBody>
       </p:sp>
       <p:cxnSp>
         <p:nvCxnSpPr>
-          <p:cNvPr id="90" name="Elbow Connector 89"/>
+          <p:cNvPr id="79" name="Straight Arrow Connector 78"/>
+          <p:cNvCxnSpPr/>
+          <p:nvPr/>
+        </p:nvCxnSpPr>
+        <p:spPr>
+          <a:xfrm flipV="1">
+            <a:off x="8236882" y="3849550"/>
+            <a:ext cx="744030" cy="1"/>
+          </a:xfrm>
+          <a:prstGeom prst="straightConnector1">
+            <a:avLst/>
+          </a:prstGeom>
+          <a:ln w="38100">
+            <a:solidFill>
+              <a:srgbClr val="00B0F0"/>
+            </a:solidFill>
+            <a:prstDash val="sysDash"/>
+            <a:tailEnd type="triangle"/>
+          </a:ln>
+        </p:spPr>
+        <p:style>
+          <a:lnRef idx="1">
+            <a:schemeClr val="accent1"/>
+          </a:lnRef>
+          <a:fillRef idx="0">
+            <a:schemeClr val="accent1"/>
+          </a:fillRef>
+          <a:effectRef idx="0">
+            <a:schemeClr val="accent1"/>
+          </a:effectRef>
+          <a:fontRef idx="minor">
+            <a:schemeClr val="tx1"/>
+          </a:fontRef>
+        </p:style>
+      </p:cxnSp>
+      <p:sp>
+        <p:nvSpPr>
+          <p:cNvPr id="80" name="TextBox 79"/>
+          <p:cNvSpPr txBox="1"/>
+          <p:nvPr/>
+        </p:nvSpPr>
+        <p:spPr>
+          <a:xfrm>
+            <a:off x="9051884" y="3664883"/>
+            <a:ext cx="2250809" cy="369332"/>
+          </a:xfrm>
+          <a:prstGeom prst="rect">
+            <a:avLst/>
+          </a:prstGeom>
+          <a:noFill/>
+        </p:spPr>
+        <p:txBody>
+          <a:bodyPr wrap="none" rtlCol="0">
+            <a:spAutoFit/>
+          </a:bodyPr>
+          <a:lstStyle/>
+          <a:p>
+            <a:r>
+              <a:rPr lang="pt-BR" dirty="0"/>
+              <a:t>Utiliza uma func static</a:t>
+            </a:r>
+          </a:p>
+        </p:txBody>
+      </p:sp>
+      <p:cxnSp>
+        <p:nvCxnSpPr>
+          <p:cNvPr id="94" name="Straight Arrow Connector 93"/>
           <p:cNvCxnSpPr>
-            <a:stCxn id="45" idx="3"/>
-            <a:endCxn id="22" idx="5"/>
+            <a:stCxn id="38" idx="6"/>
+            <a:endCxn id="18" idx="3"/>
           </p:cNvCxnSpPr>
           <p:nvPr/>
         </p:nvCxnSpPr>
         <p:spPr>
-          <a:xfrm rot="5400000" flipH="1">
-            <a:off x="4909556" y="3613725"/>
-            <a:ext cx="12073" cy="3539022"/>
+          <a:xfrm flipV="1">
+            <a:off x="5100976" y="4614637"/>
+            <a:ext cx="976060" cy="789562"/>
+          </a:xfrm>
+          <a:prstGeom prst="straightConnector1">
+            <a:avLst/>
+          </a:prstGeom>
+          <a:ln w="38100">
+            <a:solidFill>
+              <a:srgbClr val="00B0F0"/>
+            </a:solidFill>
+            <a:prstDash val="sysDash"/>
+            <a:tailEnd type="triangle"/>
+          </a:ln>
+        </p:spPr>
+        <p:style>
+          <a:lnRef idx="1">
+            <a:schemeClr val="accent1"/>
+          </a:lnRef>
+          <a:fillRef idx="0">
+            <a:schemeClr val="accent1"/>
+          </a:fillRef>
+          <a:effectRef idx="0">
+            <a:schemeClr val="accent1"/>
+          </a:effectRef>
+          <a:fontRef idx="minor">
+            <a:schemeClr val="tx1"/>
+          </a:fontRef>
+        </p:style>
+      </p:cxnSp>
+      <p:cxnSp>
+        <p:nvCxnSpPr>
+          <p:cNvPr id="106" name="Elbow Connector 105"/>
+          <p:cNvCxnSpPr>
+            <a:stCxn id="45" idx="6"/>
+            <a:endCxn id="18" idx="6"/>
+          </p:cNvCxnSpPr>
+          <p:nvPr/>
+        </p:nvCxnSpPr>
+        <p:spPr>
+          <a:xfrm flipH="1" flipV="1">
+            <a:off x="7431056" y="4381362"/>
+            <a:ext cx="283" cy="1022836"/>
           </a:xfrm>
           <a:prstGeom prst="bentConnector3">
             <a:avLst>
-              <a:gd name="adj1" fmla="val -1972501"/>
+              <a:gd name="adj1" fmla="val -80777385"/>
             </a:avLst>
           </a:prstGeom>
-          <a:ln w="28575">
+          <a:ln w="38100">
+            <a:solidFill>
+              <a:srgbClr val="00B0F0"/>
+            </a:solidFill>
+            <a:prstDash val="sysDash"/>
+            <a:tailEnd type="triangle"/>
+          </a:ln>
+        </p:spPr>
+        <p:style>
+          <a:lnRef idx="1">
+            <a:schemeClr val="accent1"/>
+          </a:lnRef>
+          <a:fillRef idx="0">
+            <a:schemeClr val="accent1"/>
+          </a:fillRef>
+          <a:effectRef idx="0">
+            <a:schemeClr val="accent1"/>
+          </a:effectRef>
+          <a:fontRef idx="minor">
+            <a:schemeClr val="tx1"/>
+          </a:fontRef>
+        </p:style>
+      </p:cxnSp>
+      <p:cxnSp>
+        <p:nvCxnSpPr>
+          <p:cNvPr id="109" name="Straight Arrow Connector 108"/>
+          <p:cNvCxnSpPr>
+            <a:stCxn id="20" idx="4"/>
+            <a:endCxn id="24" idx="1"/>
+          </p:cNvCxnSpPr>
+          <p:nvPr/>
+        </p:nvCxnSpPr>
+        <p:spPr>
+          <a:xfrm>
+            <a:off x="4307810" y="2689743"/>
+            <a:ext cx="1769511" cy="447583"/>
+          </a:xfrm>
+          <a:prstGeom prst="straightConnector1">
+            <a:avLst/>
+          </a:prstGeom>
+          <a:ln w="38100">
             <a:solidFill>
               <a:schemeClr val="tx1"/>
             </a:solidFill>
@@ -4743,24 +5225,25 @@
       </p:cxnSp>
       <p:cxnSp>
         <p:nvCxnSpPr>
-          <p:cNvPr id="47" name="Elbow Connector 46"/>
+          <p:cNvPr id="130" name="Elbow Connector 129"/>
           <p:cNvCxnSpPr>
-            <a:stCxn id="54" idx="2"/>
-            <a:endCxn id="29" idx="6"/>
+            <a:stCxn id="26" idx="6"/>
+            <a:endCxn id="38" idx="7"/>
           </p:cNvCxnSpPr>
           <p:nvPr/>
         </p:nvCxnSpPr>
         <p:spPr>
-          <a:xfrm rot="10800000">
-            <a:off x="3378395" y="6154686"/>
-            <a:ext cx="744033" cy="1010761"/>
-          </a:xfrm>
-          <a:prstGeom prst="bentConnector3">
+          <a:xfrm flipH="1">
+            <a:off x="4868663" y="3369197"/>
+            <a:ext cx="232028" cy="1801726"/>
+          </a:xfrm>
+          <a:prstGeom prst="bentConnector4">
             <a:avLst>
-              <a:gd name="adj1" fmla="val 50000"/>
+              <a:gd name="adj1" fmla="val -32841"/>
+              <a:gd name="adj2" fmla="val 98767"/>
             </a:avLst>
           </a:prstGeom>
-          <a:ln w="28575">
+          <a:ln w="38100">
             <a:solidFill>
               <a:schemeClr val="tx1"/>
             </a:solidFill>
@@ -4782,10 +5265,2376 @@
           </a:fontRef>
         </p:style>
       </p:cxnSp>
+      <p:sp>
+        <p:nvSpPr>
+          <p:cNvPr id="138" name="Down Arrow 137"/>
+          <p:cNvSpPr/>
+          <p:nvPr/>
+        </p:nvSpPr>
+        <p:spPr>
+          <a:xfrm rot="5400000" flipV="1">
+            <a:off x="7602454" y="2094911"/>
+            <a:ext cx="209276" cy="541378"/>
+          </a:xfrm>
+          <a:prstGeom prst="downArrow">
+            <a:avLst/>
+          </a:prstGeom>
+        </p:spPr>
+        <p:style>
+          <a:lnRef idx="2">
+            <a:schemeClr val="accent3">
+              <a:shade val="50000"/>
+            </a:schemeClr>
+          </a:lnRef>
+          <a:fillRef idx="1">
+            <a:schemeClr val="accent3"/>
+          </a:fillRef>
+          <a:effectRef idx="0">
+            <a:schemeClr val="accent3"/>
+          </a:effectRef>
+          <a:fontRef idx="minor">
+            <a:schemeClr val="lt1"/>
+          </a:fontRef>
+        </p:style>
+        <p:txBody>
+          <a:bodyPr rtlCol="0" anchor="ctr"/>
+          <a:lstStyle/>
+          <a:p>
+            <a:pPr algn="ctr"/>
+            <a:endParaRPr lang="pt-BR" sz="1492"/>
+          </a:p>
+        </p:txBody>
+      </p:sp>
     </p:spTree>
     <p:extLst>
       <p:ext uri="{BB962C8B-B14F-4D97-AF65-F5344CB8AC3E}">
         <p14:creationId xmlns:p14="http://schemas.microsoft.com/office/powerpoint/2010/main" val="3386064608"/>
+      </p:ext>
+    </p:extLst>
+  </p:cSld>
+  <p:clrMapOvr>
+    <a:masterClrMapping/>
+  </p:clrMapOvr>
+</p:sld>
+</file>
+
+<file path=ppt/slides/slide2.xml><?xml version="1.0" encoding="utf-8"?>
+<p:sld xmlns:a="http://schemas.openxmlformats.org/drawingml/2006/main" xmlns:r="http://schemas.openxmlformats.org/officeDocument/2006/relationships" xmlns:p="http://schemas.openxmlformats.org/presentationml/2006/main">
+  <p:cSld>
+    <p:spTree>
+      <p:nvGrpSpPr>
+        <p:cNvPr id="1" name=""/>
+        <p:cNvGrpSpPr/>
+        <p:nvPr/>
+      </p:nvGrpSpPr>
+      <p:grpSpPr>
+        <a:xfrm>
+          <a:off x="0" y="0"/>
+          <a:ext cx="0" cy="0"/>
+          <a:chOff x="0" y="0"/>
+          <a:chExt cx="0" cy="0"/>
+        </a:xfrm>
+      </p:grpSpPr>
+      <p:sp>
+        <p:nvSpPr>
+          <p:cNvPr id="18" name="Oval 17"/>
+          <p:cNvSpPr/>
+          <p:nvPr/>
+        </p:nvSpPr>
+        <p:spPr>
+          <a:xfrm>
+            <a:off x="4626959" y="2862166"/>
+            <a:ext cx="1586333" cy="659803"/>
+          </a:xfrm>
+          <a:prstGeom prst="ellipse">
+            <a:avLst/>
+          </a:prstGeom>
+        </p:spPr>
+        <p:style>
+          <a:lnRef idx="2">
+            <a:schemeClr val="accent4">
+              <a:shade val="50000"/>
+            </a:schemeClr>
+          </a:lnRef>
+          <a:fillRef idx="1">
+            <a:schemeClr val="accent4"/>
+          </a:fillRef>
+          <a:effectRef idx="0">
+            <a:schemeClr val="accent4"/>
+          </a:effectRef>
+          <a:fontRef idx="minor">
+            <a:schemeClr val="lt1"/>
+          </a:fontRef>
+        </p:style>
+        <p:txBody>
+          <a:bodyPr rtlCol="0" anchor="ctr"/>
+          <a:lstStyle/>
+          <a:p>
+            <a:pPr algn="ctr"/>
+            <a:r>
+              <a:rPr lang="pt-BR" sz="1492" dirty="0"/>
+              <a:t>Choice</a:t>
+            </a:r>
+          </a:p>
+        </p:txBody>
+      </p:sp>
+      <p:sp>
+        <p:nvSpPr>
+          <p:cNvPr id="19" name="Oval 18"/>
+          <p:cNvSpPr/>
+          <p:nvPr/>
+        </p:nvSpPr>
+        <p:spPr>
+          <a:xfrm>
+            <a:off x="3581358" y="1804406"/>
+            <a:ext cx="1586333" cy="659803"/>
+          </a:xfrm>
+          <a:prstGeom prst="ellipse">
+            <a:avLst/>
+          </a:prstGeom>
+        </p:spPr>
+        <p:style>
+          <a:lnRef idx="2">
+            <a:schemeClr val="accent6">
+              <a:shade val="50000"/>
+            </a:schemeClr>
+          </a:lnRef>
+          <a:fillRef idx="1">
+            <a:schemeClr val="accent6"/>
+          </a:fillRef>
+          <a:effectRef idx="0">
+            <a:schemeClr val="accent6"/>
+          </a:effectRef>
+          <a:fontRef idx="minor">
+            <a:schemeClr val="lt1"/>
+          </a:fontRef>
+        </p:style>
+        <p:txBody>
+          <a:bodyPr rtlCol="0" anchor="ctr"/>
+          <a:lstStyle/>
+          <a:p>
+            <a:pPr algn="ctr"/>
+            <a:r>
+              <a:rPr lang="pt-BR" sz="1492" dirty="0"/>
+              <a:t>Card</a:t>
+            </a:r>
+          </a:p>
+        </p:txBody>
+      </p:sp>
+      <p:sp>
+        <p:nvSpPr>
+          <p:cNvPr id="20" name="Oval 19"/>
+          <p:cNvSpPr/>
+          <p:nvPr/>
+        </p:nvSpPr>
+        <p:spPr>
+          <a:xfrm>
+            <a:off x="6568835" y="3303466"/>
+            <a:ext cx="1586333" cy="659803"/>
+          </a:xfrm>
+          <a:prstGeom prst="ellipse">
+            <a:avLst/>
+          </a:prstGeom>
+          <a:ln w="38100">
+            <a:solidFill>
+              <a:schemeClr val="bg1">
+                <a:lumMod val="50000"/>
+              </a:schemeClr>
+            </a:solidFill>
+            <a:prstDash val="dash"/>
+          </a:ln>
+        </p:spPr>
+        <p:style>
+          <a:lnRef idx="3">
+            <a:schemeClr val="lt1"/>
+          </a:lnRef>
+          <a:fillRef idx="1">
+            <a:schemeClr val="accent2"/>
+          </a:fillRef>
+          <a:effectRef idx="1">
+            <a:schemeClr val="accent2"/>
+          </a:effectRef>
+          <a:fontRef idx="minor">
+            <a:schemeClr val="lt1"/>
+          </a:fontRef>
+        </p:style>
+        <p:txBody>
+          <a:bodyPr rtlCol="0" anchor="ctr"/>
+          <a:lstStyle/>
+          <a:p>
+            <a:pPr algn="ctr"/>
+            <a:r>
+              <a:rPr lang="pt-BR" sz="1492" dirty="0"/>
+              <a:t>Control Manager</a:t>
+            </a:r>
+          </a:p>
+        </p:txBody>
+      </p:sp>
+      <p:sp>
+        <p:nvSpPr>
+          <p:cNvPr id="21" name="Oval 20"/>
+          <p:cNvSpPr/>
+          <p:nvPr/>
+        </p:nvSpPr>
+        <p:spPr>
+          <a:xfrm>
+            <a:off x="4519149" y="442094"/>
+            <a:ext cx="1586333" cy="659803"/>
+          </a:xfrm>
+          <a:prstGeom prst="ellipse">
+            <a:avLst/>
+          </a:prstGeom>
+        </p:spPr>
+        <p:style>
+          <a:lnRef idx="2">
+            <a:schemeClr val="accent6">
+              <a:shade val="50000"/>
+            </a:schemeClr>
+          </a:lnRef>
+          <a:fillRef idx="1">
+            <a:schemeClr val="accent6"/>
+          </a:fillRef>
+          <a:effectRef idx="0">
+            <a:schemeClr val="accent6"/>
+          </a:effectRef>
+          <a:fontRef idx="minor">
+            <a:schemeClr val="lt1"/>
+          </a:fontRef>
+        </p:style>
+        <p:txBody>
+          <a:bodyPr rtlCol="0" anchor="ctr"/>
+          <a:lstStyle/>
+          <a:p>
+            <a:pPr algn="ctr"/>
+            <a:r>
+              <a:rPr lang="pt-BR" sz="1492" dirty="0"/>
+              <a:t>Dealer</a:t>
+            </a:r>
+          </a:p>
+        </p:txBody>
+      </p:sp>
+      <p:sp>
+        <p:nvSpPr>
+          <p:cNvPr id="22" name="Oval 21"/>
+          <p:cNvSpPr/>
+          <p:nvPr/>
+        </p:nvSpPr>
+        <p:spPr>
+          <a:xfrm>
+            <a:off x="2586077" y="5489018"/>
+            <a:ext cx="1586333" cy="659803"/>
+          </a:xfrm>
+          <a:prstGeom prst="ellipse">
+            <a:avLst/>
+          </a:prstGeom>
+        </p:spPr>
+        <p:style>
+          <a:lnRef idx="2">
+            <a:schemeClr val="accent5">
+              <a:shade val="50000"/>
+            </a:schemeClr>
+          </a:lnRef>
+          <a:fillRef idx="1">
+            <a:schemeClr val="accent5"/>
+          </a:fillRef>
+          <a:effectRef idx="0">
+            <a:schemeClr val="accent5"/>
+          </a:effectRef>
+          <a:fontRef idx="minor">
+            <a:schemeClr val="lt1"/>
+          </a:fontRef>
+        </p:style>
+        <p:txBody>
+          <a:bodyPr rtlCol="0" anchor="ctr"/>
+          <a:lstStyle/>
+          <a:p>
+            <a:pPr algn="ctr"/>
+            <a:r>
+              <a:rPr lang="pt-BR" sz="1492" dirty="0"/>
+              <a:t>Hide / Show</a:t>
+            </a:r>
+          </a:p>
+        </p:txBody>
+      </p:sp>
+      <p:sp>
+        <p:nvSpPr>
+          <p:cNvPr id="23" name="Oval 22"/>
+          <p:cNvSpPr/>
+          <p:nvPr/>
+        </p:nvSpPr>
+        <p:spPr>
+          <a:xfrm>
+            <a:off x="6574453" y="483220"/>
+            <a:ext cx="1586333" cy="659803"/>
+          </a:xfrm>
+          <a:prstGeom prst="ellipse">
+            <a:avLst/>
+          </a:prstGeom>
+        </p:spPr>
+        <p:style>
+          <a:lnRef idx="3">
+            <a:schemeClr val="lt1"/>
+          </a:lnRef>
+          <a:fillRef idx="1">
+            <a:schemeClr val="accent2"/>
+          </a:fillRef>
+          <a:effectRef idx="1">
+            <a:schemeClr val="accent2"/>
+          </a:effectRef>
+          <a:fontRef idx="minor">
+            <a:schemeClr val="lt1"/>
+          </a:fontRef>
+        </p:style>
+        <p:txBody>
+          <a:bodyPr rtlCol="0" anchor="ctr"/>
+          <a:lstStyle/>
+          <a:p>
+            <a:pPr algn="ctr"/>
+            <a:r>
+              <a:rPr lang="pt-BR" sz="1492" dirty="0">
+                <a:solidFill>
+                  <a:schemeClr val="bg1"/>
+                </a:solidFill>
+              </a:rPr>
+              <a:t>Challenge Manager</a:t>
+            </a:r>
+          </a:p>
+        </p:txBody>
+      </p:sp>
+      <p:sp>
+        <p:nvSpPr>
+          <p:cNvPr id="24" name="Oval 23"/>
+          <p:cNvSpPr/>
+          <p:nvPr/>
+        </p:nvSpPr>
+        <p:spPr>
+          <a:xfrm>
+            <a:off x="1446681" y="112192"/>
+            <a:ext cx="1586333" cy="659803"/>
+          </a:xfrm>
+          <a:prstGeom prst="ellipse">
+            <a:avLst/>
+          </a:prstGeom>
+        </p:spPr>
+        <p:style>
+          <a:lnRef idx="2">
+            <a:schemeClr val="accent4">
+              <a:shade val="50000"/>
+            </a:schemeClr>
+          </a:lnRef>
+          <a:fillRef idx="1">
+            <a:schemeClr val="accent4"/>
+          </a:fillRef>
+          <a:effectRef idx="0">
+            <a:schemeClr val="accent4"/>
+          </a:effectRef>
+          <a:fontRef idx="minor">
+            <a:schemeClr val="lt1"/>
+          </a:fontRef>
+        </p:style>
+        <p:txBody>
+          <a:bodyPr rtlCol="0" anchor="ctr"/>
+          <a:lstStyle/>
+          <a:p>
+            <a:pPr algn="ctr"/>
+            <a:r>
+              <a:rPr lang="pt-BR" sz="1492" dirty="0"/>
+              <a:t>Logger</a:t>
+            </a:r>
+          </a:p>
+        </p:txBody>
+      </p:sp>
+      <p:sp>
+        <p:nvSpPr>
+          <p:cNvPr id="25" name="Oval 24"/>
+          <p:cNvSpPr/>
+          <p:nvPr/>
+        </p:nvSpPr>
+        <p:spPr>
+          <a:xfrm>
+            <a:off x="1906835" y="1305840"/>
+            <a:ext cx="1586333" cy="659803"/>
+          </a:xfrm>
+          <a:prstGeom prst="ellipse">
+            <a:avLst/>
+          </a:prstGeom>
+        </p:spPr>
+        <p:style>
+          <a:lnRef idx="2">
+            <a:schemeClr val="accent5">
+              <a:shade val="50000"/>
+            </a:schemeClr>
+          </a:lnRef>
+          <a:fillRef idx="1">
+            <a:schemeClr val="accent5"/>
+          </a:fillRef>
+          <a:effectRef idx="0">
+            <a:schemeClr val="accent5"/>
+          </a:effectRef>
+          <a:fontRef idx="minor">
+            <a:schemeClr val="lt1"/>
+          </a:fontRef>
+        </p:style>
+        <p:txBody>
+          <a:bodyPr rtlCol="0" anchor="ctr"/>
+          <a:lstStyle/>
+          <a:p>
+            <a:pPr algn="ctr"/>
+            <a:r>
+              <a:rPr lang="pt-BR" sz="1492" dirty="0"/>
+              <a:t>Motion</a:t>
+            </a:r>
+          </a:p>
+        </p:txBody>
+      </p:sp>
+      <p:sp>
+        <p:nvSpPr>
+          <p:cNvPr id="26" name="Oval 25"/>
+          <p:cNvSpPr/>
+          <p:nvPr/>
+        </p:nvSpPr>
+        <p:spPr>
+          <a:xfrm>
+            <a:off x="0" y="988457"/>
+            <a:ext cx="1586333" cy="659803"/>
+          </a:xfrm>
+          <a:prstGeom prst="ellipse">
+            <a:avLst/>
+          </a:prstGeom>
+          <a:ln w="38100">
+            <a:solidFill>
+              <a:schemeClr val="bg1">
+                <a:lumMod val="50000"/>
+              </a:schemeClr>
+            </a:solidFill>
+            <a:prstDash val="dash"/>
+          </a:ln>
+        </p:spPr>
+        <p:style>
+          <a:lnRef idx="3">
+            <a:schemeClr val="lt1"/>
+          </a:lnRef>
+          <a:fillRef idx="1">
+            <a:schemeClr val="accent2"/>
+          </a:fillRef>
+          <a:effectRef idx="1">
+            <a:schemeClr val="accent2"/>
+          </a:effectRef>
+          <a:fontRef idx="minor">
+            <a:schemeClr val="lt1"/>
+          </a:fontRef>
+        </p:style>
+        <p:txBody>
+          <a:bodyPr rtlCol="0" anchor="ctr"/>
+          <a:lstStyle/>
+          <a:p>
+            <a:pPr algn="ctr"/>
+            <a:r>
+              <a:rPr lang="pt-BR" sz="1492" dirty="0"/>
+              <a:t>Iterface Manager</a:t>
+            </a:r>
+          </a:p>
+        </p:txBody>
+      </p:sp>
+      <p:sp>
+        <p:nvSpPr>
+          <p:cNvPr id="28" name="Oval 27"/>
+          <p:cNvSpPr/>
+          <p:nvPr/>
+        </p:nvSpPr>
+        <p:spPr>
+          <a:xfrm>
+            <a:off x="9688368" y="7540649"/>
+            <a:ext cx="1586333" cy="659803"/>
+          </a:xfrm>
+          <a:prstGeom prst="ellipse">
+            <a:avLst/>
+          </a:prstGeom>
+          <a:ln w="28575">
+            <a:prstDash val="dash"/>
+          </a:ln>
+        </p:spPr>
+        <p:style>
+          <a:lnRef idx="1">
+            <a:schemeClr val="dk1"/>
+          </a:lnRef>
+          <a:fillRef idx="2">
+            <a:schemeClr val="dk1"/>
+          </a:fillRef>
+          <a:effectRef idx="1">
+            <a:schemeClr val="dk1"/>
+          </a:effectRef>
+          <a:fontRef idx="minor">
+            <a:schemeClr val="dk1"/>
+          </a:fontRef>
+        </p:style>
+        <p:txBody>
+          <a:bodyPr rtlCol="0" anchor="ctr"/>
+          <a:lstStyle/>
+          <a:p>
+            <a:pPr algn="ctr"/>
+            <a:r>
+              <a:rPr lang="pt-BR" sz="1492" dirty="0"/>
+              <a:t>Exit</a:t>
+            </a:r>
+          </a:p>
+        </p:txBody>
+      </p:sp>
+      <p:sp>
+        <p:nvSpPr>
+          <p:cNvPr id="29" name="Oval 28"/>
+          <p:cNvSpPr/>
+          <p:nvPr/>
+        </p:nvSpPr>
+        <p:spPr>
+          <a:xfrm>
+            <a:off x="6291122" y="6942511"/>
+            <a:ext cx="1586333" cy="659803"/>
+          </a:xfrm>
+          <a:prstGeom prst="ellipse">
+            <a:avLst/>
+          </a:prstGeom>
+        </p:spPr>
+        <p:style>
+          <a:lnRef idx="1">
+            <a:schemeClr val="accent2"/>
+          </a:lnRef>
+          <a:fillRef idx="2">
+            <a:schemeClr val="accent2"/>
+          </a:fillRef>
+          <a:effectRef idx="1">
+            <a:schemeClr val="accent2"/>
+          </a:effectRef>
+          <a:fontRef idx="minor">
+            <a:schemeClr val="dk1"/>
+          </a:fontRef>
+        </p:style>
+        <p:txBody>
+          <a:bodyPr rtlCol="0" anchor="ctr"/>
+          <a:lstStyle/>
+          <a:p>
+            <a:pPr algn="ctr"/>
+            <a:r>
+              <a:rPr lang="pt-BR" sz="1492" dirty="0"/>
+              <a:t>User</a:t>
+            </a:r>
+          </a:p>
+          <a:p>
+            <a:pPr algn="ctr"/>
+            <a:r>
+              <a:rPr lang="pt-BR" sz="1492" dirty="0"/>
+              <a:t>Panel</a:t>
+            </a:r>
+          </a:p>
+        </p:txBody>
+      </p:sp>
+      <p:cxnSp>
+        <p:nvCxnSpPr>
+          <p:cNvPr id="31" name="Straight Arrow Connector 30"/>
+          <p:cNvCxnSpPr>
+            <a:stCxn id="21" idx="4"/>
+            <a:endCxn id="20" idx="1"/>
+          </p:cNvCxnSpPr>
+          <p:nvPr/>
+        </p:nvCxnSpPr>
+        <p:spPr>
+          <a:xfrm>
+            <a:off x="5312316" y="1101897"/>
+            <a:ext cx="1488832" cy="2298195"/>
+          </a:xfrm>
+          <a:prstGeom prst="straightConnector1">
+            <a:avLst/>
+          </a:prstGeom>
+          <a:ln w="38100">
+            <a:solidFill>
+              <a:schemeClr val="tx1"/>
+            </a:solidFill>
+            <a:tailEnd type="triangle"/>
+          </a:ln>
+        </p:spPr>
+        <p:style>
+          <a:lnRef idx="1">
+            <a:schemeClr val="accent1"/>
+          </a:lnRef>
+          <a:fillRef idx="0">
+            <a:schemeClr val="accent1"/>
+          </a:fillRef>
+          <a:effectRef idx="0">
+            <a:schemeClr val="accent1"/>
+          </a:effectRef>
+          <a:fontRef idx="minor">
+            <a:schemeClr val="tx1"/>
+          </a:fontRef>
+        </p:style>
+      </p:cxnSp>
+      <p:cxnSp>
+        <p:nvCxnSpPr>
+          <p:cNvPr id="33" name="Straight Arrow Connector 32"/>
+          <p:cNvCxnSpPr>
+            <a:stCxn id="21" idx="3"/>
+            <a:endCxn id="19" idx="0"/>
+          </p:cNvCxnSpPr>
+          <p:nvPr/>
+        </p:nvCxnSpPr>
+        <p:spPr>
+          <a:xfrm flipH="1">
+            <a:off x="4374525" y="1005271"/>
+            <a:ext cx="376937" cy="799135"/>
+          </a:xfrm>
+          <a:prstGeom prst="straightConnector1">
+            <a:avLst/>
+          </a:prstGeom>
+          <a:ln w="38100">
+            <a:solidFill>
+              <a:schemeClr val="tx1"/>
+            </a:solidFill>
+            <a:tailEnd type="triangle"/>
+          </a:ln>
+        </p:spPr>
+        <p:style>
+          <a:lnRef idx="1">
+            <a:schemeClr val="accent1"/>
+          </a:lnRef>
+          <a:fillRef idx="0">
+            <a:schemeClr val="accent1"/>
+          </a:fillRef>
+          <a:effectRef idx="0">
+            <a:schemeClr val="accent1"/>
+          </a:effectRef>
+          <a:fontRef idx="minor">
+            <a:schemeClr val="tx1"/>
+          </a:fontRef>
+        </p:style>
+      </p:cxnSp>
+      <p:cxnSp>
+        <p:nvCxnSpPr>
+          <p:cNvPr id="35" name="Straight Arrow Connector 34"/>
+          <p:cNvCxnSpPr>
+            <a:stCxn id="21" idx="2"/>
+            <a:endCxn id="26" idx="6"/>
+          </p:cNvCxnSpPr>
+          <p:nvPr/>
+        </p:nvCxnSpPr>
+        <p:spPr>
+          <a:xfrm flipH="1">
+            <a:off x="1586333" y="771996"/>
+            <a:ext cx="2932816" cy="546363"/>
+          </a:xfrm>
+          <a:prstGeom prst="straightConnector1">
+            <a:avLst/>
+          </a:prstGeom>
+          <a:ln w="38100">
+            <a:solidFill>
+              <a:schemeClr val="tx1"/>
+            </a:solidFill>
+            <a:tailEnd type="triangle"/>
+          </a:ln>
+        </p:spPr>
+        <p:style>
+          <a:lnRef idx="1">
+            <a:schemeClr val="accent1"/>
+          </a:lnRef>
+          <a:fillRef idx="0">
+            <a:schemeClr val="accent1"/>
+          </a:fillRef>
+          <a:effectRef idx="0">
+            <a:schemeClr val="accent1"/>
+          </a:effectRef>
+          <a:fontRef idx="minor">
+            <a:schemeClr val="tx1"/>
+          </a:fontRef>
+        </p:style>
+      </p:cxnSp>
+      <p:cxnSp>
+        <p:nvCxnSpPr>
+          <p:cNvPr id="37" name="Straight Arrow Connector 36"/>
+          <p:cNvCxnSpPr>
+            <a:stCxn id="21" idx="4"/>
+            <a:endCxn id="18" idx="0"/>
+          </p:cNvCxnSpPr>
+          <p:nvPr/>
+        </p:nvCxnSpPr>
+        <p:spPr>
+          <a:xfrm>
+            <a:off x="5312316" y="1101897"/>
+            <a:ext cx="107810" cy="1760269"/>
+          </a:xfrm>
+          <a:prstGeom prst="straightConnector1">
+            <a:avLst/>
+          </a:prstGeom>
+          <a:ln w="38100">
+            <a:solidFill>
+              <a:schemeClr val="tx1"/>
+            </a:solidFill>
+            <a:tailEnd type="triangle"/>
+          </a:ln>
+        </p:spPr>
+        <p:style>
+          <a:lnRef idx="1">
+            <a:schemeClr val="accent1"/>
+          </a:lnRef>
+          <a:fillRef idx="0">
+            <a:schemeClr val="accent1"/>
+          </a:fillRef>
+          <a:effectRef idx="0">
+            <a:schemeClr val="accent1"/>
+          </a:effectRef>
+          <a:fontRef idx="minor">
+            <a:schemeClr val="tx1"/>
+          </a:fontRef>
+        </p:style>
+      </p:cxnSp>
+      <p:cxnSp>
+        <p:nvCxnSpPr>
+          <p:cNvPr id="39" name="Straight Arrow Connector 38"/>
+          <p:cNvCxnSpPr>
+            <a:stCxn id="26" idx="5"/>
+            <a:endCxn id="25" idx="2"/>
+          </p:cNvCxnSpPr>
+          <p:nvPr/>
+        </p:nvCxnSpPr>
+        <p:spPr>
+          <a:xfrm>
+            <a:off x="1354020" y="1551634"/>
+            <a:ext cx="552815" cy="84108"/>
+          </a:xfrm>
+          <a:prstGeom prst="straightConnector1">
+            <a:avLst/>
+          </a:prstGeom>
+          <a:ln w="38100">
+            <a:solidFill>
+              <a:schemeClr val="tx1"/>
+            </a:solidFill>
+            <a:tailEnd type="triangle"/>
+          </a:ln>
+        </p:spPr>
+        <p:style>
+          <a:lnRef idx="1">
+            <a:schemeClr val="accent1"/>
+          </a:lnRef>
+          <a:fillRef idx="0">
+            <a:schemeClr val="accent1"/>
+          </a:fillRef>
+          <a:effectRef idx="0">
+            <a:schemeClr val="accent1"/>
+          </a:effectRef>
+          <a:fontRef idx="minor">
+            <a:schemeClr val="tx1"/>
+          </a:fontRef>
+        </p:style>
+      </p:cxnSp>
+      <p:cxnSp>
+        <p:nvCxnSpPr>
+          <p:cNvPr id="43" name="Straight Arrow Connector 42"/>
+          <p:cNvCxnSpPr>
+            <a:stCxn id="29" idx="4"/>
+            <a:endCxn id="30" idx="0"/>
+          </p:cNvCxnSpPr>
+          <p:nvPr/>
+        </p:nvCxnSpPr>
+        <p:spPr>
+          <a:xfrm>
+            <a:off x="7084289" y="7602314"/>
+            <a:ext cx="1" cy="397522"/>
+          </a:xfrm>
+          <a:prstGeom prst="straightConnector1">
+            <a:avLst/>
+          </a:prstGeom>
+          <a:ln w="38100">
+            <a:solidFill>
+              <a:schemeClr val="tx1"/>
+            </a:solidFill>
+            <a:tailEnd type="triangle"/>
+          </a:ln>
+        </p:spPr>
+        <p:style>
+          <a:lnRef idx="1">
+            <a:schemeClr val="accent1"/>
+          </a:lnRef>
+          <a:fillRef idx="0">
+            <a:schemeClr val="accent1"/>
+          </a:fillRef>
+          <a:effectRef idx="0">
+            <a:schemeClr val="accent1"/>
+          </a:effectRef>
+          <a:fontRef idx="minor">
+            <a:schemeClr val="tx1"/>
+          </a:fontRef>
+        </p:style>
+      </p:cxnSp>
+      <p:sp>
+        <p:nvSpPr>
+          <p:cNvPr id="27" name="Oval 26"/>
+          <p:cNvSpPr/>
+          <p:nvPr/>
+        </p:nvSpPr>
+        <p:spPr>
+          <a:xfrm>
+            <a:off x="9688368" y="1143023"/>
+            <a:ext cx="1586333" cy="659803"/>
+          </a:xfrm>
+          <a:prstGeom prst="ellipse">
+            <a:avLst/>
+          </a:prstGeom>
+        </p:spPr>
+        <p:style>
+          <a:lnRef idx="2">
+            <a:schemeClr val="accent3">
+              <a:shade val="50000"/>
+            </a:schemeClr>
+          </a:lnRef>
+          <a:fillRef idx="1">
+            <a:schemeClr val="accent3"/>
+          </a:fillRef>
+          <a:effectRef idx="0">
+            <a:schemeClr val="accent3"/>
+          </a:effectRef>
+          <a:fontRef idx="minor">
+            <a:schemeClr val="lt1"/>
+          </a:fontRef>
+        </p:style>
+        <p:txBody>
+          <a:bodyPr rtlCol="0" anchor="ctr"/>
+          <a:lstStyle/>
+          <a:p>
+            <a:pPr algn="ctr"/>
+            <a:r>
+              <a:rPr lang="pt-BR" sz="1492" dirty="0"/>
+              <a:t>Singleton</a:t>
+            </a:r>
+          </a:p>
+        </p:txBody>
+      </p:sp>
+      <p:sp>
+        <p:nvSpPr>
+          <p:cNvPr id="4" name="Oval 3"/>
+          <p:cNvSpPr/>
+          <p:nvPr/>
+        </p:nvSpPr>
+        <p:spPr>
+          <a:xfrm>
+            <a:off x="9619230" y="207773"/>
+            <a:ext cx="1586333" cy="659803"/>
+          </a:xfrm>
+          <a:prstGeom prst="ellipse">
+            <a:avLst/>
+          </a:prstGeom>
+        </p:spPr>
+        <p:style>
+          <a:lnRef idx="3">
+            <a:schemeClr val="lt1"/>
+          </a:lnRef>
+          <a:fillRef idx="1">
+            <a:schemeClr val="dk1"/>
+          </a:fillRef>
+          <a:effectRef idx="1">
+            <a:schemeClr val="dk1"/>
+          </a:effectRef>
+          <a:fontRef idx="minor">
+            <a:schemeClr val="lt1"/>
+          </a:fontRef>
+        </p:style>
+        <p:txBody>
+          <a:bodyPr rtlCol="0" anchor="ctr"/>
+          <a:lstStyle/>
+          <a:p>
+            <a:pPr algn="ctr"/>
+            <a:r>
+              <a:rPr lang="pt-BR" sz="1492" dirty="0"/>
+              <a:t>Game Base</a:t>
+            </a:r>
+          </a:p>
+        </p:txBody>
+      </p:sp>
+      <p:sp>
+        <p:nvSpPr>
+          <p:cNvPr id="30" name="Oval 29"/>
+          <p:cNvSpPr/>
+          <p:nvPr/>
+        </p:nvSpPr>
+        <p:spPr>
+          <a:xfrm>
+            <a:off x="6291123" y="7999836"/>
+            <a:ext cx="1586333" cy="659803"/>
+          </a:xfrm>
+          <a:prstGeom prst="ellipse">
+            <a:avLst/>
+          </a:prstGeom>
+        </p:spPr>
+        <p:style>
+          <a:lnRef idx="2">
+            <a:schemeClr val="accent4">
+              <a:shade val="50000"/>
+            </a:schemeClr>
+          </a:lnRef>
+          <a:fillRef idx="1">
+            <a:schemeClr val="accent4"/>
+          </a:fillRef>
+          <a:effectRef idx="0">
+            <a:schemeClr val="accent4"/>
+          </a:effectRef>
+          <a:fontRef idx="minor">
+            <a:schemeClr val="lt1"/>
+          </a:fontRef>
+        </p:style>
+        <p:txBody>
+          <a:bodyPr rtlCol="0" anchor="ctr"/>
+          <a:lstStyle/>
+          <a:p>
+            <a:pPr algn="ctr"/>
+            <a:r>
+              <a:rPr lang="pt-BR" sz="1492" dirty="0"/>
+              <a:t>User</a:t>
+            </a:r>
+          </a:p>
+          <a:p>
+            <a:pPr algn="ctr"/>
+            <a:r>
+              <a:rPr lang="pt-BR" sz="1492" dirty="0"/>
+              <a:t>Manager</a:t>
+            </a:r>
+          </a:p>
+        </p:txBody>
+      </p:sp>
+      <p:cxnSp>
+        <p:nvCxnSpPr>
+          <p:cNvPr id="32" name="Straight Arrow Connector 31"/>
+          <p:cNvCxnSpPr>
+            <a:stCxn id="29" idx="2"/>
+            <a:endCxn id="22" idx="5"/>
+          </p:cNvCxnSpPr>
+          <p:nvPr/>
+        </p:nvCxnSpPr>
+        <p:spPr>
+          <a:xfrm flipH="1" flipV="1">
+            <a:off x="3940097" y="6052195"/>
+            <a:ext cx="2351025" cy="1220218"/>
+          </a:xfrm>
+          <a:prstGeom prst="straightConnector1">
+            <a:avLst/>
+          </a:prstGeom>
+          <a:ln w="38100">
+            <a:solidFill>
+              <a:schemeClr val="tx1"/>
+            </a:solidFill>
+            <a:tailEnd type="triangle"/>
+          </a:ln>
+        </p:spPr>
+        <p:style>
+          <a:lnRef idx="1">
+            <a:schemeClr val="accent1"/>
+          </a:lnRef>
+          <a:fillRef idx="0">
+            <a:schemeClr val="accent1"/>
+          </a:fillRef>
+          <a:effectRef idx="0">
+            <a:schemeClr val="accent1"/>
+          </a:effectRef>
+          <a:fontRef idx="minor">
+            <a:schemeClr val="tx1"/>
+          </a:fontRef>
+        </p:style>
+      </p:cxnSp>
+      <p:cxnSp>
+        <p:nvCxnSpPr>
+          <p:cNvPr id="34" name="Straight Arrow Connector 33"/>
+          <p:cNvCxnSpPr>
+            <a:stCxn id="26" idx="4"/>
+            <a:endCxn id="18" idx="2"/>
+          </p:cNvCxnSpPr>
+          <p:nvPr/>
+        </p:nvCxnSpPr>
+        <p:spPr>
+          <a:xfrm>
+            <a:off x="793167" y="1648260"/>
+            <a:ext cx="3833792" cy="1543808"/>
+          </a:xfrm>
+          <a:prstGeom prst="straightConnector1">
+            <a:avLst/>
+          </a:prstGeom>
+          <a:ln w="38100">
+            <a:solidFill>
+              <a:schemeClr val="bg1">
+                <a:lumMod val="50000"/>
+              </a:schemeClr>
+            </a:solidFill>
+            <a:tailEnd type="triangle"/>
+          </a:ln>
+        </p:spPr>
+        <p:style>
+          <a:lnRef idx="1">
+            <a:schemeClr val="accent1"/>
+          </a:lnRef>
+          <a:fillRef idx="0">
+            <a:schemeClr val="accent1"/>
+          </a:fillRef>
+          <a:effectRef idx="0">
+            <a:schemeClr val="accent1"/>
+          </a:effectRef>
+          <a:fontRef idx="minor">
+            <a:schemeClr val="tx1"/>
+          </a:fontRef>
+        </p:style>
+      </p:cxnSp>
+      <p:sp>
+        <p:nvSpPr>
+          <p:cNvPr id="38" name="Oval 37"/>
+          <p:cNvSpPr/>
+          <p:nvPr/>
+        </p:nvSpPr>
+        <p:spPr>
+          <a:xfrm>
+            <a:off x="1856482" y="3557293"/>
+            <a:ext cx="1586333" cy="659803"/>
+          </a:xfrm>
+          <a:prstGeom prst="ellipse">
+            <a:avLst/>
+          </a:prstGeom>
+        </p:spPr>
+        <p:style>
+          <a:lnRef idx="1">
+            <a:schemeClr val="accent2"/>
+          </a:lnRef>
+          <a:fillRef idx="2">
+            <a:schemeClr val="accent2"/>
+          </a:fillRef>
+          <a:effectRef idx="1">
+            <a:schemeClr val="accent2"/>
+          </a:effectRef>
+          <a:fontRef idx="minor">
+            <a:schemeClr val="dk1"/>
+          </a:fontRef>
+        </p:style>
+        <p:txBody>
+          <a:bodyPr rtlCol="0" anchor="ctr"/>
+          <a:lstStyle/>
+          <a:p>
+            <a:pPr algn="ctr"/>
+            <a:r>
+              <a:rPr lang="pt-BR" sz="1492" dirty="0"/>
+              <a:t>Control</a:t>
+            </a:r>
+          </a:p>
+          <a:p>
+            <a:pPr algn="ctr"/>
+            <a:r>
+              <a:rPr lang="pt-BR" sz="1492" dirty="0"/>
+              <a:t>Panel</a:t>
+            </a:r>
+          </a:p>
+        </p:txBody>
+      </p:sp>
+      <p:cxnSp>
+        <p:nvCxnSpPr>
+          <p:cNvPr id="40" name="Straight Arrow Connector 39"/>
+          <p:cNvCxnSpPr>
+            <a:stCxn id="38" idx="4"/>
+            <a:endCxn id="22" idx="0"/>
+          </p:cNvCxnSpPr>
+          <p:nvPr/>
+        </p:nvCxnSpPr>
+        <p:spPr>
+          <a:xfrm>
+            <a:off x="2649649" y="4217096"/>
+            <a:ext cx="729595" cy="1271922"/>
+          </a:xfrm>
+          <a:prstGeom prst="straightConnector1">
+            <a:avLst/>
+          </a:prstGeom>
+          <a:ln w="38100">
+            <a:solidFill>
+              <a:schemeClr val="tx1"/>
+            </a:solidFill>
+            <a:tailEnd type="triangle"/>
+          </a:ln>
+        </p:spPr>
+        <p:style>
+          <a:lnRef idx="1">
+            <a:schemeClr val="accent1"/>
+          </a:lnRef>
+          <a:fillRef idx="0">
+            <a:schemeClr val="accent1"/>
+          </a:fillRef>
+          <a:effectRef idx="0">
+            <a:schemeClr val="accent1"/>
+          </a:effectRef>
+          <a:fontRef idx="minor">
+            <a:schemeClr val="tx1"/>
+          </a:fontRef>
+        </p:style>
+      </p:cxnSp>
+      <p:sp>
+        <p:nvSpPr>
+          <p:cNvPr id="45" name="Oval 44"/>
+          <p:cNvSpPr/>
+          <p:nvPr/>
+        </p:nvSpPr>
+        <p:spPr>
+          <a:xfrm>
+            <a:off x="4821140" y="5867386"/>
+            <a:ext cx="1586333" cy="659803"/>
+          </a:xfrm>
+          <a:prstGeom prst="ellipse">
+            <a:avLst/>
+          </a:prstGeom>
+        </p:spPr>
+        <p:style>
+          <a:lnRef idx="1">
+            <a:schemeClr val="accent2"/>
+          </a:lnRef>
+          <a:fillRef idx="2">
+            <a:schemeClr val="accent2"/>
+          </a:fillRef>
+          <a:effectRef idx="1">
+            <a:schemeClr val="accent2"/>
+          </a:effectRef>
+          <a:fontRef idx="minor">
+            <a:schemeClr val="dk1"/>
+          </a:fontRef>
+        </p:style>
+        <p:txBody>
+          <a:bodyPr rtlCol="0" anchor="ctr"/>
+          <a:lstStyle/>
+          <a:p>
+            <a:pPr algn="ctr"/>
+            <a:r>
+              <a:rPr lang="pt-BR" sz="1492"/>
+              <a:t>Results</a:t>
+            </a:r>
+            <a:endParaRPr lang="pt-BR" sz="1492" dirty="0"/>
+          </a:p>
+          <a:p>
+            <a:pPr algn="ctr"/>
+            <a:r>
+              <a:rPr lang="pt-BR" sz="1492" dirty="0"/>
+              <a:t>Panel</a:t>
+            </a:r>
+          </a:p>
+        </p:txBody>
+      </p:sp>
+      <p:cxnSp>
+        <p:nvCxnSpPr>
+          <p:cNvPr id="50" name="Straight Arrow Connector 49"/>
+          <p:cNvCxnSpPr>
+            <a:stCxn id="38" idx="5"/>
+            <a:endCxn id="45" idx="1"/>
+          </p:cNvCxnSpPr>
+          <p:nvPr/>
+        </p:nvCxnSpPr>
+        <p:spPr>
+          <a:xfrm>
+            <a:off x="3210502" y="4120470"/>
+            <a:ext cx="1842951" cy="1843542"/>
+          </a:xfrm>
+          <a:prstGeom prst="straightConnector1">
+            <a:avLst/>
+          </a:prstGeom>
+          <a:ln w="38100">
+            <a:solidFill>
+              <a:schemeClr val="tx1"/>
+            </a:solidFill>
+            <a:tailEnd type="triangle"/>
+          </a:ln>
+        </p:spPr>
+        <p:style>
+          <a:lnRef idx="1">
+            <a:schemeClr val="accent1"/>
+          </a:lnRef>
+          <a:fillRef idx="0">
+            <a:schemeClr val="accent1"/>
+          </a:fillRef>
+          <a:effectRef idx="0">
+            <a:schemeClr val="accent1"/>
+          </a:effectRef>
+          <a:fontRef idx="minor">
+            <a:schemeClr val="tx1"/>
+          </a:fontRef>
+        </p:style>
+      </p:cxnSp>
+      <p:sp>
+        <p:nvSpPr>
+          <p:cNvPr id="54" name="Oval 53"/>
+          <p:cNvSpPr/>
+          <p:nvPr/>
+        </p:nvSpPr>
+        <p:spPr>
+          <a:xfrm>
+            <a:off x="8643140" y="5706237"/>
+            <a:ext cx="1586333" cy="659803"/>
+          </a:xfrm>
+          <a:prstGeom prst="ellipse">
+            <a:avLst/>
+          </a:prstGeom>
+        </p:spPr>
+        <p:style>
+          <a:lnRef idx="3">
+            <a:schemeClr val="lt1"/>
+          </a:lnRef>
+          <a:fillRef idx="1">
+            <a:schemeClr val="accent2"/>
+          </a:fillRef>
+          <a:effectRef idx="1">
+            <a:schemeClr val="accent2"/>
+          </a:effectRef>
+          <a:fontRef idx="minor">
+            <a:schemeClr val="lt1"/>
+          </a:fontRef>
+        </p:style>
+        <p:txBody>
+          <a:bodyPr rtlCol="0" anchor="ctr"/>
+          <a:lstStyle/>
+          <a:p>
+            <a:pPr algn="ctr"/>
+            <a:r>
+              <a:rPr lang="pt-BR" sz="1492" dirty="0"/>
+              <a:t>Robot</a:t>
+            </a:r>
+          </a:p>
+          <a:p>
+            <a:pPr algn="ctr"/>
+            <a:r>
+              <a:rPr lang="pt-BR" sz="1492" dirty="0"/>
+              <a:t>Cursor</a:t>
+            </a:r>
+          </a:p>
+        </p:txBody>
+      </p:sp>
+      <p:sp>
+        <p:nvSpPr>
+          <p:cNvPr id="59" name="Oval 58"/>
+          <p:cNvSpPr/>
+          <p:nvPr/>
+        </p:nvSpPr>
+        <p:spPr>
+          <a:xfrm>
+            <a:off x="5831773" y="4762464"/>
+            <a:ext cx="1586333" cy="659803"/>
+          </a:xfrm>
+          <a:prstGeom prst="ellipse">
+            <a:avLst/>
+          </a:prstGeom>
+          <a:ln>
+            <a:solidFill>
+              <a:schemeClr val="tx1"/>
+            </a:solidFill>
+            <a:prstDash val="dash"/>
+          </a:ln>
+        </p:spPr>
+        <p:style>
+          <a:lnRef idx="3">
+            <a:schemeClr val="lt1"/>
+          </a:lnRef>
+          <a:fillRef idx="1">
+            <a:schemeClr val="accent2"/>
+          </a:fillRef>
+          <a:effectRef idx="1">
+            <a:schemeClr val="accent2"/>
+          </a:effectRef>
+          <a:fontRef idx="minor">
+            <a:schemeClr val="lt1"/>
+          </a:fontRef>
+        </p:style>
+        <p:txBody>
+          <a:bodyPr rtlCol="0" anchor="ctr"/>
+          <a:lstStyle/>
+          <a:p>
+            <a:pPr algn="ctr"/>
+            <a:r>
+              <a:rPr lang="pt-BR" sz="1492" dirty="0"/>
+              <a:t>Connection</a:t>
+            </a:r>
+          </a:p>
+        </p:txBody>
+      </p:sp>
+      <p:cxnSp>
+        <p:nvCxnSpPr>
+          <p:cNvPr id="62" name="Straight Arrow Connector 61"/>
+          <p:cNvCxnSpPr>
+            <a:stCxn id="38" idx="6"/>
+            <a:endCxn id="59" idx="2"/>
+          </p:cNvCxnSpPr>
+          <p:nvPr/>
+        </p:nvCxnSpPr>
+        <p:spPr>
+          <a:xfrm>
+            <a:off x="3442815" y="3887195"/>
+            <a:ext cx="2388958" cy="1205171"/>
+          </a:xfrm>
+          <a:prstGeom prst="straightConnector1">
+            <a:avLst/>
+          </a:prstGeom>
+          <a:ln w="38100">
+            <a:solidFill>
+              <a:schemeClr val="tx1"/>
+            </a:solidFill>
+            <a:tailEnd type="triangle"/>
+          </a:ln>
+        </p:spPr>
+        <p:style>
+          <a:lnRef idx="1">
+            <a:schemeClr val="accent1"/>
+          </a:lnRef>
+          <a:fillRef idx="0">
+            <a:schemeClr val="accent1"/>
+          </a:fillRef>
+          <a:effectRef idx="0">
+            <a:schemeClr val="accent1"/>
+          </a:effectRef>
+          <a:fontRef idx="minor">
+            <a:schemeClr val="tx1"/>
+          </a:fontRef>
+        </p:style>
+      </p:cxnSp>
+      <p:cxnSp>
+        <p:nvCxnSpPr>
+          <p:cNvPr id="75" name="Straight Arrow Connector 74"/>
+          <p:cNvCxnSpPr>
+            <a:stCxn id="54" idx="2"/>
+            <a:endCxn id="59" idx="5"/>
+          </p:cNvCxnSpPr>
+          <p:nvPr/>
+        </p:nvCxnSpPr>
+        <p:spPr>
+          <a:xfrm flipH="1" flipV="1">
+            <a:off x="7185793" y="5325641"/>
+            <a:ext cx="1457347" cy="710498"/>
+          </a:xfrm>
+          <a:prstGeom prst="straightConnector1">
+            <a:avLst/>
+          </a:prstGeom>
+          <a:ln w="38100">
+            <a:solidFill>
+              <a:schemeClr val="tx1"/>
+            </a:solidFill>
+            <a:tailEnd type="triangle"/>
+          </a:ln>
+        </p:spPr>
+        <p:style>
+          <a:lnRef idx="1">
+            <a:schemeClr val="accent1"/>
+          </a:lnRef>
+          <a:fillRef idx="0">
+            <a:schemeClr val="accent1"/>
+          </a:fillRef>
+          <a:effectRef idx="0">
+            <a:schemeClr val="accent1"/>
+          </a:effectRef>
+          <a:fontRef idx="minor">
+            <a:schemeClr val="tx1"/>
+          </a:fontRef>
+        </p:style>
+      </p:cxnSp>
+      <p:sp>
+        <p:nvSpPr>
+          <p:cNvPr id="88" name="Oval 87"/>
+          <p:cNvSpPr/>
+          <p:nvPr/>
+        </p:nvSpPr>
+        <p:spPr>
+          <a:xfrm>
+            <a:off x="12831513" y="3562074"/>
+            <a:ext cx="1586333" cy="659803"/>
+          </a:xfrm>
+          <a:prstGeom prst="ellipse">
+            <a:avLst/>
+          </a:prstGeom>
+        </p:spPr>
+        <p:style>
+          <a:lnRef idx="3">
+            <a:schemeClr val="lt1"/>
+          </a:lnRef>
+          <a:fillRef idx="1">
+            <a:schemeClr val="accent2"/>
+          </a:fillRef>
+          <a:effectRef idx="1">
+            <a:schemeClr val="accent2"/>
+          </a:effectRef>
+          <a:fontRef idx="minor">
+            <a:schemeClr val="lt1"/>
+          </a:fontRef>
+        </p:style>
+        <p:txBody>
+          <a:bodyPr rtlCol="0" anchor="ctr"/>
+          <a:lstStyle/>
+          <a:p>
+            <a:pPr algn="ctr"/>
+            <a:r>
+              <a:rPr lang="pt-BR" sz="1492" dirty="0">
+                <a:solidFill>
+                  <a:srgbClr val="FF0000"/>
+                </a:solidFill>
+              </a:rPr>
+              <a:t>AnkleBot?</a:t>
+            </a:r>
+          </a:p>
+        </p:txBody>
+      </p:sp>
+      <p:sp>
+        <p:nvSpPr>
+          <p:cNvPr id="66" name="Oval 65"/>
+          <p:cNvSpPr/>
+          <p:nvPr/>
+        </p:nvSpPr>
+        <p:spPr>
+          <a:xfrm>
+            <a:off x="9688368" y="2107684"/>
+            <a:ext cx="1586333" cy="659803"/>
+          </a:xfrm>
+          <a:prstGeom prst="ellipse">
+            <a:avLst/>
+          </a:prstGeom>
+        </p:spPr>
+        <p:style>
+          <a:lnRef idx="3">
+            <a:schemeClr val="lt1"/>
+          </a:lnRef>
+          <a:fillRef idx="1">
+            <a:schemeClr val="accent2"/>
+          </a:fillRef>
+          <a:effectRef idx="1">
+            <a:schemeClr val="accent2"/>
+          </a:effectRef>
+          <a:fontRef idx="minor">
+            <a:schemeClr val="lt1"/>
+          </a:fontRef>
+        </p:style>
+        <p:txBody>
+          <a:bodyPr rtlCol="0" anchor="ctr"/>
+          <a:lstStyle/>
+          <a:p>
+            <a:pPr algn="ctr"/>
+            <a:r>
+              <a:rPr lang="pt-BR" sz="1492" dirty="0">
+                <a:solidFill>
+                  <a:srgbClr val="FF0000"/>
+                </a:solidFill>
+              </a:rPr>
+              <a:t>Data Manager</a:t>
+            </a:r>
+          </a:p>
+        </p:txBody>
+      </p:sp>
+      <p:cxnSp>
+        <p:nvCxnSpPr>
+          <p:cNvPr id="67" name="Straight Arrow Connector 66"/>
+          <p:cNvCxnSpPr>
+            <a:stCxn id="21" idx="6"/>
+            <a:endCxn id="23" idx="2"/>
+          </p:cNvCxnSpPr>
+          <p:nvPr/>
+        </p:nvCxnSpPr>
+        <p:spPr>
+          <a:xfrm>
+            <a:off x="6105482" y="771996"/>
+            <a:ext cx="468971" cy="41126"/>
+          </a:xfrm>
+          <a:prstGeom prst="straightConnector1">
+            <a:avLst/>
+          </a:prstGeom>
+          <a:ln w="38100">
+            <a:solidFill>
+              <a:schemeClr val="tx1"/>
+            </a:solidFill>
+            <a:tailEnd type="triangle"/>
+          </a:ln>
+        </p:spPr>
+        <p:style>
+          <a:lnRef idx="1">
+            <a:schemeClr val="accent1"/>
+          </a:lnRef>
+          <a:fillRef idx="0">
+            <a:schemeClr val="accent1"/>
+          </a:fillRef>
+          <a:effectRef idx="0">
+            <a:schemeClr val="accent1"/>
+          </a:effectRef>
+          <a:fontRef idx="minor">
+            <a:schemeClr val="tx1"/>
+          </a:fontRef>
+        </p:style>
+      </p:cxnSp>
+      <p:cxnSp>
+        <p:nvCxnSpPr>
+          <p:cNvPr id="73" name="Straight Arrow Connector 72"/>
+          <p:cNvCxnSpPr/>
+          <p:nvPr/>
+        </p:nvCxnSpPr>
+        <p:spPr>
+          <a:xfrm flipV="1">
+            <a:off x="10368361" y="4955293"/>
+            <a:ext cx="744030" cy="1"/>
+          </a:xfrm>
+          <a:prstGeom prst="straightConnector1">
+            <a:avLst/>
+          </a:prstGeom>
+          <a:ln w="38100">
+            <a:solidFill>
+              <a:srgbClr val="00B0F0"/>
+            </a:solidFill>
+            <a:tailEnd type="triangle"/>
+          </a:ln>
+        </p:spPr>
+        <p:style>
+          <a:lnRef idx="1">
+            <a:schemeClr val="accent1"/>
+          </a:lnRef>
+          <a:fillRef idx="0">
+            <a:schemeClr val="accent1"/>
+          </a:fillRef>
+          <a:effectRef idx="0">
+            <a:schemeClr val="accent1"/>
+          </a:effectRef>
+          <a:fontRef idx="minor">
+            <a:schemeClr val="tx1"/>
+          </a:fontRef>
+        </p:style>
+      </p:cxnSp>
+      <p:cxnSp>
+        <p:nvCxnSpPr>
+          <p:cNvPr id="74" name="Straight Arrow Connector 73"/>
+          <p:cNvCxnSpPr/>
+          <p:nvPr/>
+        </p:nvCxnSpPr>
+        <p:spPr>
+          <a:xfrm flipV="1">
+            <a:off x="10368361" y="4624121"/>
+            <a:ext cx="744030" cy="1"/>
+          </a:xfrm>
+          <a:prstGeom prst="straightConnector1">
+            <a:avLst/>
+          </a:prstGeom>
+          <a:ln w="38100">
+            <a:solidFill>
+              <a:schemeClr val="bg1">
+                <a:lumMod val="50000"/>
+              </a:schemeClr>
+            </a:solidFill>
+            <a:tailEnd type="triangle"/>
+          </a:ln>
+        </p:spPr>
+        <p:style>
+          <a:lnRef idx="1">
+            <a:schemeClr val="accent1"/>
+          </a:lnRef>
+          <a:fillRef idx="0">
+            <a:schemeClr val="accent1"/>
+          </a:fillRef>
+          <a:effectRef idx="0">
+            <a:schemeClr val="accent1"/>
+          </a:effectRef>
+          <a:fontRef idx="minor">
+            <a:schemeClr val="tx1"/>
+          </a:fontRef>
+        </p:style>
+      </p:cxnSp>
+      <p:cxnSp>
+        <p:nvCxnSpPr>
+          <p:cNvPr id="76" name="Straight Arrow Connector 75"/>
+          <p:cNvCxnSpPr/>
+          <p:nvPr/>
+        </p:nvCxnSpPr>
+        <p:spPr>
+          <a:xfrm flipV="1">
+            <a:off x="10368361" y="4292949"/>
+            <a:ext cx="744030" cy="1"/>
+          </a:xfrm>
+          <a:prstGeom prst="straightConnector1">
+            <a:avLst/>
+          </a:prstGeom>
+          <a:ln w="38100">
+            <a:solidFill>
+              <a:schemeClr val="tx1"/>
+            </a:solidFill>
+            <a:tailEnd type="triangle"/>
+          </a:ln>
+        </p:spPr>
+        <p:style>
+          <a:lnRef idx="1">
+            <a:schemeClr val="accent1"/>
+          </a:lnRef>
+          <a:fillRef idx="0">
+            <a:schemeClr val="accent1"/>
+          </a:fillRef>
+          <a:effectRef idx="0">
+            <a:schemeClr val="accent1"/>
+          </a:effectRef>
+          <a:fontRef idx="minor">
+            <a:schemeClr val="tx1"/>
+          </a:fontRef>
+        </p:style>
+      </p:cxnSp>
+      <p:sp>
+        <p:nvSpPr>
+          <p:cNvPr id="68" name="TextBox 67"/>
+          <p:cNvSpPr txBox="1"/>
+          <p:nvPr/>
+        </p:nvSpPr>
+        <p:spPr>
+          <a:xfrm>
+            <a:off x="11161591" y="4108282"/>
+            <a:ext cx="1538563" cy="369332"/>
+          </a:xfrm>
+          <a:prstGeom prst="rect">
+            <a:avLst/>
+          </a:prstGeom>
+          <a:noFill/>
+        </p:spPr>
+        <p:txBody>
+          <a:bodyPr wrap="none" rtlCol="0">
+            <a:spAutoFit/>
+          </a:bodyPr>
+          <a:lstStyle/>
+          <a:p>
+            <a:r>
+              <a:rPr lang="pt-BR" dirty="0"/>
+              <a:t>Utiliza a classe</a:t>
+            </a:r>
+          </a:p>
+        </p:txBody>
+      </p:sp>
+      <p:sp>
+        <p:nvSpPr>
+          <p:cNvPr id="77" name="TextBox 76"/>
+          <p:cNvSpPr txBox="1"/>
+          <p:nvPr/>
+        </p:nvSpPr>
+        <p:spPr>
+          <a:xfrm>
+            <a:off x="11172476" y="4439454"/>
+            <a:ext cx="1775230" cy="369332"/>
+          </a:xfrm>
+          <a:prstGeom prst="rect">
+            <a:avLst/>
+          </a:prstGeom>
+          <a:noFill/>
+        </p:spPr>
+        <p:txBody>
+          <a:bodyPr wrap="none" rtlCol="0">
+            <a:spAutoFit/>
+          </a:bodyPr>
+          <a:lstStyle/>
+          <a:p>
+            <a:r>
+              <a:rPr lang="pt-BR" dirty="0"/>
+              <a:t>Utiliza o instance</a:t>
+            </a:r>
+          </a:p>
+        </p:txBody>
+      </p:sp>
+      <p:sp>
+        <p:nvSpPr>
+          <p:cNvPr id="78" name="TextBox 77"/>
+          <p:cNvSpPr txBox="1"/>
+          <p:nvPr/>
+        </p:nvSpPr>
+        <p:spPr>
+          <a:xfrm>
+            <a:off x="11183363" y="4770626"/>
+            <a:ext cx="2130391" cy="369332"/>
+          </a:xfrm>
+          <a:prstGeom prst="rect">
+            <a:avLst/>
+          </a:prstGeom>
+          <a:noFill/>
+        </p:spPr>
+        <p:txBody>
+          <a:bodyPr wrap="none" rtlCol="0">
+            <a:spAutoFit/>
+          </a:bodyPr>
+          <a:lstStyle/>
+          <a:p>
+            <a:r>
+              <a:rPr lang="pt-BR" dirty="0"/>
+              <a:t>Utiliza uma var static</a:t>
+            </a:r>
+          </a:p>
+        </p:txBody>
+      </p:sp>
+      <p:cxnSp>
+        <p:nvCxnSpPr>
+          <p:cNvPr id="79" name="Straight Arrow Connector 78"/>
+          <p:cNvCxnSpPr/>
+          <p:nvPr/>
+        </p:nvCxnSpPr>
+        <p:spPr>
+          <a:xfrm flipV="1">
+            <a:off x="10368361" y="5286465"/>
+            <a:ext cx="744030" cy="1"/>
+          </a:xfrm>
+          <a:prstGeom prst="straightConnector1">
+            <a:avLst/>
+          </a:prstGeom>
+          <a:ln w="38100">
+            <a:solidFill>
+              <a:srgbClr val="00B0F0"/>
+            </a:solidFill>
+            <a:prstDash val="sysDash"/>
+            <a:tailEnd type="triangle"/>
+          </a:ln>
+        </p:spPr>
+        <p:style>
+          <a:lnRef idx="1">
+            <a:schemeClr val="accent1"/>
+          </a:lnRef>
+          <a:fillRef idx="0">
+            <a:schemeClr val="accent1"/>
+          </a:fillRef>
+          <a:effectRef idx="0">
+            <a:schemeClr val="accent1"/>
+          </a:effectRef>
+          <a:fontRef idx="minor">
+            <a:schemeClr val="tx1"/>
+          </a:fontRef>
+        </p:style>
+      </p:cxnSp>
+      <p:sp>
+        <p:nvSpPr>
+          <p:cNvPr id="80" name="TextBox 79"/>
+          <p:cNvSpPr txBox="1"/>
+          <p:nvPr/>
+        </p:nvSpPr>
+        <p:spPr>
+          <a:xfrm>
+            <a:off x="11183363" y="5101798"/>
+            <a:ext cx="2250809" cy="369332"/>
+          </a:xfrm>
+          <a:prstGeom prst="rect">
+            <a:avLst/>
+          </a:prstGeom>
+          <a:noFill/>
+        </p:spPr>
+        <p:txBody>
+          <a:bodyPr wrap="none" rtlCol="0">
+            <a:spAutoFit/>
+          </a:bodyPr>
+          <a:lstStyle/>
+          <a:p>
+            <a:r>
+              <a:rPr lang="pt-BR" dirty="0"/>
+              <a:t>Utiliza uma func static</a:t>
+            </a:r>
+          </a:p>
+        </p:txBody>
+      </p:sp>
+      <p:cxnSp>
+        <p:nvCxnSpPr>
+          <p:cNvPr id="94" name="Straight Arrow Connector 93"/>
+          <p:cNvCxnSpPr>
+            <a:stCxn id="38" idx="7"/>
+            <a:endCxn id="18" idx="3"/>
+          </p:cNvCxnSpPr>
+          <p:nvPr/>
+        </p:nvCxnSpPr>
+        <p:spPr>
+          <a:xfrm flipV="1">
+            <a:off x="3210502" y="3425343"/>
+            <a:ext cx="1648770" cy="228576"/>
+          </a:xfrm>
+          <a:prstGeom prst="straightConnector1">
+            <a:avLst/>
+          </a:prstGeom>
+          <a:ln w="38100">
+            <a:solidFill>
+              <a:srgbClr val="00B0F0"/>
+            </a:solidFill>
+            <a:prstDash val="sysDash"/>
+            <a:tailEnd type="triangle"/>
+          </a:ln>
+        </p:spPr>
+        <p:style>
+          <a:lnRef idx="1">
+            <a:schemeClr val="accent1"/>
+          </a:lnRef>
+          <a:fillRef idx="0">
+            <a:schemeClr val="accent1"/>
+          </a:fillRef>
+          <a:effectRef idx="0">
+            <a:schemeClr val="accent1"/>
+          </a:effectRef>
+          <a:fontRef idx="minor">
+            <a:schemeClr val="tx1"/>
+          </a:fontRef>
+        </p:style>
+      </p:cxnSp>
+      <p:cxnSp>
+        <p:nvCxnSpPr>
+          <p:cNvPr id="109" name="Straight Arrow Connector 108"/>
+          <p:cNvCxnSpPr>
+            <a:stCxn id="26" idx="7"/>
+            <a:endCxn id="24" idx="3"/>
+          </p:cNvCxnSpPr>
+          <p:nvPr/>
+        </p:nvCxnSpPr>
+        <p:spPr>
+          <a:xfrm flipV="1">
+            <a:off x="1354020" y="675369"/>
+            <a:ext cx="324974" cy="409714"/>
+          </a:xfrm>
+          <a:prstGeom prst="straightConnector1">
+            <a:avLst/>
+          </a:prstGeom>
+          <a:ln w="38100">
+            <a:solidFill>
+              <a:schemeClr val="tx1"/>
+            </a:solidFill>
+            <a:tailEnd type="triangle"/>
+          </a:ln>
+        </p:spPr>
+        <p:style>
+          <a:lnRef idx="1">
+            <a:schemeClr val="accent1"/>
+          </a:lnRef>
+          <a:fillRef idx="0">
+            <a:schemeClr val="accent1"/>
+          </a:fillRef>
+          <a:effectRef idx="0">
+            <a:schemeClr val="accent1"/>
+          </a:effectRef>
+          <a:fontRef idx="minor">
+            <a:schemeClr val="tx1"/>
+          </a:fontRef>
+        </p:style>
+      </p:cxnSp>
+      <p:cxnSp>
+        <p:nvCxnSpPr>
+          <p:cNvPr id="69" name="Straight Arrow Connector 68"/>
+          <p:cNvCxnSpPr>
+            <a:stCxn id="18" idx="1"/>
+            <a:endCxn id="19" idx="4"/>
+          </p:cNvCxnSpPr>
+          <p:nvPr/>
+        </p:nvCxnSpPr>
+        <p:spPr>
+          <a:xfrm flipH="1" flipV="1">
+            <a:off x="4374525" y="2464209"/>
+            <a:ext cx="484747" cy="494583"/>
+          </a:xfrm>
+          <a:prstGeom prst="straightConnector1">
+            <a:avLst/>
+          </a:prstGeom>
+          <a:ln w="38100">
+            <a:solidFill>
+              <a:schemeClr val="tx1"/>
+            </a:solidFill>
+            <a:tailEnd type="triangle"/>
+          </a:ln>
+        </p:spPr>
+        <p:style>
+          <a:lnRef idx="1">
+            <a:schemeClr val="accent1"/>
+          </a:lnRef>
+          <a:fillRef idx="0">
+            <a:schemeClr val="accent1"/>
+          </a:fillRef>
+          <a:effectRef idx="0">
+            <a:schemeClr val="accent1"/>
+          </a:effectRef>
+          <a:fontRef idx="minor">
+            <a:schemeClr val="tx1"/>
+          </a:fontRef>
+        </p:style>
+      </p:cxnSp>
+      <p:cxnSp>
+        <p:nvCxnSpPr>
+          <p:cNvPr id="71" name="Straight Arrow Connector 70"/>
+          <p:cNvCxnSpPr>
+            <a:stCxn id="26" idx="4"/>
+            <a:endCxn id="38" idx="1"/>
+          </p:cNvCxnSpPr>
+          <p:nvPr/>
+        </p:nvCxnSpPr>
+        <p:spPr>
+          <a:xfrm>
+            <a:off x="793167" y="1648260"/>
+            <a:ext cx="1295628" cy="2005659"/>
+          </a:xfrm>
+          <a:prstGeom prst="straightConnector1">
+            <a:avLst/>
+          </a:prstGeom>
+          <a:ln w="38100">
+            <a:solidFill>
+              <a:schemeClr val="tx1"/>
+            </a:solidFill>
+            <a:tailEnd type="triangle"/>
+          </a:ln>
+        </p:spPr>
+        <p:style>
+          <a:lnRef idx="1">
+            <a:schemeClr val="accent1"/>
+          </a:lnRef>
+          <a:fillRef idx="0">
+            <a:schemeClr val="accent1"/>
+          </a:fillRef>
+          <a:effectRef idx="0">
+            <a:schemeClr val="accent1"/>
+          </a:effectRef>
+          <a:fontRef idx="minor">
+            <a:schemeClr val="tx1"/>
+          </a:fontRef>
+        </p:style>
+      </p:cxnSp>
+      <p:cxnSp>
+        <p:nvCxnSpPr>
+          <p:cNvPr id="81" name="Straight Arrow Connector 80"/>
+          <p:cNvCxnSpPr>
+            <a:stCxn id="20" idx="4"/>
+            <a:endCxn id="59" idx="0"/>
+          </p:cNvCxnSpPr>
+          <p:nvPr/>
+        </p:nvCxnSpPr>
+        <p:spPr>
+          <a:xfrm flipH="1">
+            <a:off x="6624940" y="3963269"/>
+            <a:ext cx="737062" cy="799195"/>
+          </a:xfrm>
+          <a:prstGeom prst="straightConnector1">
+            <a:avLst/>
+          </a:prstGeom>
+          <a:ln w="38100">
+            <a:solidFill>
+              <a:schemeClr val="tx1"/>
+            </a:solidFill>
+            <a:tailEnd type="triangle"/>
+          </a:ln>
+        </p:spPr>
+        <p:style>
+          <a:lnRef idx="1">
+            <a:schemeClr val="accent1"/>
+          </a:lnRef>
+          <a:fillRef idx="0">
+            <a:schemeClr val="accent1"/>
+          </a:fillRef>
+          <a:effectRef idx="0">
+            <a:schemeClr val="accent1"/>
+          </a:effectRef>
+          <a:fontRef idx="minor">
+            <a:schemeClr val="tx1"/>
+          </a:fontRef>
+        </p:style>
+      </p:cxnSp>
+      <p:cxnSp>
+        <p:nvCxnSpPr>
+          <p:cNvPr id="82" name="Straight Arrow Connector 81"/>
+          <p:cNvCxnSpPr>
+            <a:stCxn id="45" idx="2"/>
+            <a:endCxn id="22" idx="6"/>
+          </p:cNvCxnSpPr>
+          <p:nvPr/>
+        </p:nvCxnSpPr>
+        <p:spPr>
+          <a:xfrm flipH="1" flipV="1">
+            <a:off x="4172410" y="5818920"/>
+            <a:ext cx="648730" cy="378368"/>
+          </a:xfrm>
+          <a:prstGeom prst="straightConnector1">
+            <a:avLst/>
+          </a:prstGeom>
+          <a:ln w="38100">
+            <a:solidFill>
+              <a:schemeClr val="tx1"/>
+            </a:solidFill>
+            <a:tailEnd type="triangle"/>
+          </a:ln>
+        </p:spPr>
+        <p:style>
+          <a:lnRef idx="1">
+            <a:schemeClr val="accent1"/>
+          </a:lnRef>
+          <a:fillRef idx="0">
+            <a:schemeClr val="accent1"/>
+          </a:fillRef>
+          <a:effectRef idx="0">
+            <a:schemeClr val="accent1"/>
+          </a:effectRef>
+          <a:fontRef idx="minor">
+            <a:schemeClr val="tx1"/>
+          </a:fontRef>
+        </p:style>
+      </p:cxnSp>
+      <p:cxnSp>
+        <p:nvCxnSpPr>
+          <p:cNvPr id="87" name="Straight Arrow Connector 86"/>
+          <p:cNvCxnSpPr>
+            <a:stCxn id="54" idx="3"/>
+            <a:endCxn id="29" idx="7"/>
+          </p:cNvCxnSpPr>
+          <p:nvPr/>
+        </p:nvCxnSpPr>
+        <p:spPr>
+          <a:xfrm flipH="1">
+            <a:off x="7645142" y="6269414"/>
+            <a:ext cx="1230311" cy="769723"/>
+          </a:xfrm>
+          <a:prstGeom prst="straightConnector1">
+            <a:avLst/>
+          </a:prstGeom>
+          <a:ln w="38100">
+            <a:solidFill>
+              <a:schemeClr val="tx1"/>
+            </a:solidFill>
+            <a:tailEnd type="triangle"/>
+          </a:ln>
+        </p:spPr>
+        <p:style>
+          <a:lnRef idx="1">
+            <a:schemeClr val="accent1"/>
+          </a:lnRef>
+          <a:fillRef idx="0">
+            <a:schemeClr val="accent1"/>
+          </a:fillRef>
+          <a:effectRef idx="0">
+            <a:schemeClr val="accent1"/>
+          </a:effectRef>
+          <a:fontRef idx="minor">
+            <a:schemeClr val="tx1"/>
+          </a:fontRef>
+        </p:style>
+      </p:cxnSp>
+      <p:cxnSp>
+        <p:nvCxnSpPr>
+          <p:cNvPr id="92" name="Straight Arrow Connector 91"/>
+          <p:cNvCxnSpPr>
+            <a:stCxn id="19" idx="1"/>
+            <a:endCxn id="25" idx="5"/>
+          </p:cNvCxnSpPr>
+          <p:nvPr/>
+        </p:nvCxnSpPr>
+        <p:spPr>
+          <a:xfrm flipH="1" flipV="1">
+            <a:off x="3260855" y="1869017"/>
+            <a:ext cx="552816" cy="32015"/>
+          </a:xfrm>
+          <a:prstGeom prst="straightConnector1">
+            <a:avLst/>
+          </a:prstGeom>
+          <a:ln w="38100">
+            <a:solidFill>
+              <a:schemeClr val="tx1"/>
+            </a:solidFill>
+            <a:tailEnd type="triangle"/>
+          </a:ln>
+        </p:spPr>
+        <p:style>
+          <a:lnRef idx="1">
+            <a:schemeClr val="accent1"/>
+          </a:lnRef>
+          <a:fillRef idx="0">
+            <a:schemeClr val="accent1"/>
+          </a:fillRef>
+          <a:effectRef idx="0">
+            <a:schemeClr val="accent1"/>
+          </a:effectRef>
+          <a:fontRef idx="minor">
+            <a:schemeClr val="tx1"/>
+          </a:fontRef>
+        </p:style>
+      </p:cxnSp>
+      <p:cxnSp>
+        <p:nvCxnSpPr>
+          <p:cNvPr id="105" name="Straight Arrow Connector 104"/>
+          <p:cNvCxnSpPr>
+            <a:stCxn id="38" idx="6"/>
+            <a:endCxn id="20" idx="2"/>
+          </p:cNvCxnSpPr>
+          <p:nvPr/>
+        </p:nvCxnSpPr>
+        <p:spPr>
+          <a:xfrm flipV="1">
+            <a:off x="3442815" y="3633368"/>
+            <a:ext cx="3126020" cy="253827"/>
+          </a:xfrm>
+          <a:prstGeom prst="straightConnector1">
+            <a:avLst/>
+          </a:prstGeom>
+          <a:ln w="38100">
+            <a:solidFill>
+              <a:schemeClr val="bg1">
+                <a:lumMod val="50000"/>
+              </a:schemeClr>
+            </a:solidFill>
+            <a:tailEnd type="triangle"/>
+          </a:ln>
+        </p:spPr>
+        <p:style>
+          <a:lnRef idx="1">
+            <a:schemeClr val="accent1"/>
+          </a:lnRef>
+          <a:fillRef idx="0">
+            <a:schemeClr val="accent1"/>
+          </a:fillRef>
+          <a:effectRef idx="0">
+            <a:schemeClr val="accent1"/>
+          </a:effectRef>
+          <a:fontRef idx="minor">
+            <a:schemeClr val="tx1"/>
+          </a:fontRef>
+        </p:style>
+      </p:cxnSp>
+      <p:cxnSp>
+        <p:nvCxnSpPr>
+          <p:cNvPr id="108" name="Straight Arrow Connector 107"/>
+          <p:cNvCxnSpPr>
+            <a:stCxn id="54" idx="0"/>
+            <a:endCxn id="20" idx="5"/>
+          </p:cNvCxnSpPr>
+          <p:nvPr/>
+        </p:nvCxnSpPr>
+        <p:spPr>
+          <a:xfrm flipH="1" flipV="1">
+            <a:off x="7922855" y="3866643"/>
+            <a:ext cx="1513452" cy="1839594"/>
+          </a:xfrm>
+          <a:prstGeom prst="straightConnector1">
+            <a:avLst/>
+          </a:prstGeom>
+          <a:ln w="38100">
+            <a:solidFill>
+              <a:schemeClr val="bg1">
+                <a:lumMod val="50000"/>
+              </a:schemeClr>
+            </a:solidFill>
+            <a:tailEnd type="triangle"/>
+          </a:ln>
+        </p:spPr>
+        <p:style>
+          <a:lnRef idx="1">
+            <a:schemeClr val="accent1"/>
+          </a:lnRef>
+          <a:fillRef idx="0">
+            <a:schemeClr val="accent1"/>
+          </a:fillRef>
+          <a:effectRef idx="0">
+            <a:schemeClr val="accent1"/>
+          </a:effectRef>
+          <a:fontRef idx="minor">
+            <a:schemeClr val="tx1"/>
+          </a:fontRef>
+        </p:style>
+      </p:cxnSp>
+      <p:cxnSp>
+        <p:nvCxnSpPr>
+          <p:cNvPr id="89" name="Straight Arrow Connector 88"/>
+          <p:cNvCxnSpPr>
+            <a:stCxn id="45" idx="0"/>
+            <a:endCxn id="18" idx="4"/>
+          </p:cNvCxnSpPr>
+          <p:nvPr/>
+        </p:nvCxnSpPr>
+        <p:spPr>
+          <a:xfrm flipH="1" flipV="1">
+            <a:off x="5420126" y="3521969"/>
+            <a:ext cx="194181" cy="2345417"/>
+          </a:xfrm>
+          <a:prstGeom prst="straightConnector1">
+            <a:avLst/>
+          </a:prstGeom>
+          <a:ln w="38100">
+            <a:solidFill>
+              <a:srgbClr val="00B0F0"/>
+            </a:solidFill>
+            <a:prstDash val="sysDash"/>
+            <a:tailEnd type="triangle"/>
+          </a:ln>
+        </p:spPr>
+        <p:style>
+          <a:lnRef idx="1">
+            <a:schemeClr val="accent1"/>
+          </a:lnRef>
+          <a:fillRef idx="0">
+            <a:schemeClr val="accent1"/>
+          </a:fillRef>
+          <a:effectRef idx="0">
+            <a:schemeClr val="accent1"/>
+          </a:effectRef>
+          <a:fontRef idx="minor">
+            <a:schemeClr val="tx1"/>
+          </a:fontRef>
+        </p:style>
+      </p:cxnSp>
+      <p:cxnSp>
+        <p:nvCxnSpPr>
+          <p:cNvPr id="297" name="Straight Arrow Connector 296"/>
+          <p:cNvCxnSpPr/>
+          <p:nvPr/>
+        </p:nvCxnSpPr>
+        <p:spPr>
+          <a:xfrm flipV="1">
+            <a:off x="10390133" y="5983396"/>
+            <a:ext cx="744030" cy="1"/>
+          </a:xfrm>
+          <a:prstGeom prst="straightConnector1">
+            <a:avLst/>
+          </a:prstGeom>
+          <a:ln w="38100">
+            <a:solidFill>
+              <a:schemeClr val="bg1">
+                <a:lumMod val="50000"/>
+              </a:schemeClr>
+            </a:solidFill>
+            <a:prstDash val="dash"/>
+            <a:headEnd type="none" w="med" len="med"/>
+            <a:tailEnd type="none" w="med" len="med"/>
+          </a:ln>
+        </p:spPr>
+        <p:style>
+          <a:lnRef idx="1">
+            <a:schemeClr val="accent1"/>
+          </a:lnRef>
+          <a:fillRef idx="0">
+            <a:schemeClr val="accent1"/>
+          </a:fillRef>
+          <a:effectRef idx="0">
+            <a:schemeClr val="accent1"/>
+          </a:effectRef>
+          <a:fontRef idx="minor">
+            <a:schemeClr val="tx1"/>
+          </a:fontRef>
+        </p:style>
+      </p:cxnSp>
+      <p:cxnSp>
+        <p:nvCxnSpPr>
+          <p:cNvPr id="298" name="Straight Arrow Connector 297"/>
+          <p:cNvCxnSpPr/>
+          <p:nvPr/>
+        </p:nvCxnSpPr>
+        <p:spPr>
+          <a:xfrm flipV="1">
+            <a:off x="10390133" y="5652224"/>
+            <a:ext cx="744030" cy="1"/>
+          </a:xfrm>
+          <a:prstGeom prst="straightConnector1">
+            <a:avLst/>
+          </a:prstGeom>
+          <a:ln w="38100">
+            <a:solidFill>
+              <a:schemeClr val="tx1"/>
+            </a:solidFill>
+            <a:prstDash val="dash"/>
+            <a:headEnd type="none" w="med" len="med"/>
+            <a:tailEnd type="none" w="med" len="med"/>
+          </a:ln>
+        </p:spPr>
+        <p:style>
+          <a:lnRef idx="1">
+            <a:schemeClr val="accent1"/>
+          </a:lnRef>
+          <a:fillRef idx="0">
+            <a:schemeClr val="accent1"/>
+          </a:fillRef>
+          <a:effectRef idx="0">
+            <a:schemeClr val="accent1"/>
+          </a:effectRef>
+          <a:fontRef idx="minor">
+            <a:schemeClr val="tx1"/>
+          </a:fontRef>
+        </p:style>
+      </p:cxnSp>
+      <p:sp>
+        <p:nvSpPr>
+          <p:cNvPr id="299" name="TextBox 298"/>
+          <p:cNvSpPr txBox="1"/>
+          <p:nvPr/>
+        </p:nvSpPr>
+        <p:spPr>
+          <a:xfrm>
+            <a:off x="11183363" y="5467557"/>
+            <a:ext cx="2088520" cy="369332"/>
+          </a:xfrm>
+          <a:prstGeom prst="rect">
+            <a:avLst/>
+          </a:prstGeom>
+          <a:noFill/>
+        </p:spPr>
+        <p:txBody>
+          <a:bodyPr wrap="none" rtlCol="0">
+            <a:spAutoFit/>
+          </a:bodyPr>
+          <a:lstStyle/>
+          <a:p>
+            <a:r>
+              <a:rPr lang="pt-BR" dirty="0" smtClean="0"/>
+              <a:t>Not from GameBase</a:t>
+            </a:r>
+            <a:endParaRPr lang="pt-BR" dirty="0"/>
+          </a:p>
+        </p:txBody>
+      </p:sp>
+      <p:sp>
+        <p:nvSpPr>
+          <p:cNvPr id="300" name="TextBox 299"/>
+          <p:cNvSpPr txBox="1"/>
+          <p:nvPr/>
+        </p:nvSpPr>
+        <p:spPr>
+          <a:xfrm>
+            <a:off x="11194248" y="5798729"/>
+            <a:ext cx="1600951" cy="369332"/>
+          </a:xfrm>
+          <a:prstGeom prst="rect">
+            <a:avLst/>
+          </a:prstGeom>
+          <a:noFill/>
+        </p:spPr>
+        <p:txBody>
+          <a:bodyPr wrap="none" rtlCol="0">
+            <a:spAutoFit/>
+          </a:bodyPr>
+          <a:lstStyle/>
+          <a:p>
+            <a:r>
+              <a:rPr lang="pt-BR" dirty="0" smtClean="0"/>
+              <a:t>From Singleton</a:t>
+            </a:r>
+            <a:endParaRPr lang="pt-BR" dirty="0"/>
+          </a:p>
+        </p:txBody>
+      </p:sp>
+      <p:cxnSp>
+        <p:nvCxnSpPr>
+          <p:cNvPr id="371" name="Curved Connector 370"/>
+          <p:cNvCxnSpPr>
+            <a:stCxn id="29" idx="3"/>
+            <a:endCxn id="26" idx="3"/>
+          </p:cNvCxnSpPr>
+          <p:nvPr/>
+        </p:nvCxnSpPr>
+        <p:spPr>
+          <a:xfrm rot="5400000" flipH="1">
+            <a:off x="400847" y="1383100"/>
+            <a:ext cx="5954054" cy="6291122"/>
+          </a:xfrm>
+          <a:prstGeom prst="curvedConnector3">
+            <a:avLst>
+              <a:gd name="adj1" fmla="val -7839"/>
+            </a:avLst>
+          </a:prstGeom>
+          <a:ln w="28575">
+            <a:solidFill>
+              <a:schemeClr val="tx1"/>
+            </a:solidFill>
+            <a:headEnd type="triangle" w="med" len="med"/>
+            <a:tailEnd type="none" w="med" len="med"/>
+          </a:ln>
+        </p:spPr>
+        <p:style>
+          <a:lnRef idx="1">
+            <a:schemeClr val="accent1"/>
+          </a:lnRef>
+          <a:fillRef idx="0">
+            <a:schemeClr val="accent1"/>
+          </a:fillRef>
+          <a:effectRef idx="0">
+            <a:schemeClr val="accent1"/>
+          </a:effectRef>
+          <a:fontRef idx="minor">
+            <a:schemeClr val="tx1"/>
+          </a:fontRef>
+        </p:style>
+      </p:cxnSp>
+    </p:spTree>
+    <p:extLst>
+      <p:ext uri="{BB962C8B-B14F-4D97-AF65-F5344CB8AC3E}">
+        <p14:creationId xmlns:p14="http://schemas.microsoft.com/office/powerpoint/2010/main" val="1787979404"/>
       </p:ext>
     </p:extLst>
   </p:cSld>

--- a/Script Flow.pptx
+++ b/Script Flow.pptx
@@ -244,7 +244,7 @@
           <a:p>
             <a:fld id="{2E538E35-4A08-48D2-89A5-89C6CF66D327}" type="datetimeFigureOut">
               <a:rPr lang="pt-BR" smtClean="0"/>
-              <a:t>26/06/2017</a:t>
+              <a:t>28/06/2017</a:t>
             </a:fld>
             <a:endParaRPr lang="pt-BR"/>
           </a:p>
@@ -414,7 +414,7 @@
           <a:p>
             <a:fld id="{2E538E35-4A08-48D2-89A5-89C6CF66D327}" type="datetimeFigureOut">
               <a:rPr lang="pt-BR" smtClean="0"/>
-              <a:t>26/06/2017</a:t>
+              <a:t>28/06/2017</a:t>
             </a:fld>
             <a:endParaRPr lang="pt-BR"/>
           </a:p>
@@ -594,7 +594,7 @@
           <a:p>
             <a:fld id="{2E538E35-4A08-48D2-89A5-89C6CF66D327}" type="datetimeFigureOut">
               <a:rPr lang="pt-BR" smtClean="0"/>
-              <a:t>26/06/2017</a:t>
+              <a:t>28/06/2017</a:t>
             </a:fld>
             <a:endParaRPr lang="pt-BR"/>
           </a:p>
@@ -764,7 +764,7 @@
           <a:p>
             <a:fld id="{2E538E35-4A08-48D2-89A5-89C6CF66D327}" type="datetimeFigureOut">
               <a:rPr lang="pt-BR" smtClean="0"/>
-              <a:t>26/06/2017</a:t>
+              <a:t>28/06/2017</a:t>
             </a:fld>
             <a:endParaRPr lang="pt-BR"/>
           </a:p>
@@ -1008,7 +1008,7 @@
           <a:p>
             <a:fld id="{2E538E35-4A08-48D2-89A5-89C6CF66D327}" type="datetimeFigureOut">
               <a:rPr lang="pt-BR" smtClean="0"/>
-              <a:t>26/06/2017</a:t>
+              <a:t>28/06/2017</a:t>
             </a:fld>
             <a:endParaRPr lang="pt-BR"/>
           </a:p>
@@ -1240,7 +1240,7 @@
           <a:p>
             <a:fld id="{2E538E35-4A08-48D2-89A5-89C6CF66D327}" type="datetimeFigureOut">
               <a:rPr lang="pt-BR" smtClean="0"/>
-              <a:t>26/06/2017</a:t>
+              <a:t>28/06/2017</a:t>
             </a:fld>
             <a:endParaRPr lang="pt-BR"/>
           </a:p>
@@ -1607,7 +1607,7 @@
           <a:p>
             <a:fld id="{2E538E35-4A08-48D2-89A5-89C6CF66D327}" type="datetimeFigureOut">
               <a:rPr lang="pt-BR" smtClean="0"/>
-              <a:t>26/06/2017</a:t>
+              <a:t>28/06/2017</a:t>
             </a:fld>
             <a:endParaRPr lang="pt-BR"/>
           </a:p>
@@ -1725,7 +1725,7 @@
           <a:p>
             <a:fld id="{2E538E35-4A08-48D2-89A5-89C6CF66D327}" type="datetimeFigureOut">
               <a:rPr lang="pt-BR" smtClean="0"/>
-              <a:t>26/06/2017</a:t>
+              <a:t>28/06/2017</a:t>
             </a:fld>
             <a:endParaRPr lang="pt-BR"/>
           </a:p>
@@ -1820,7 +1820,7 @@
           <a:p>
             <a:fld id="{2E538E35-4A08-48D2-89A5-89C6CF66D327}" type="datetimeFigureOut">
               <a:rPr lang="pt-BR" smtClean="0"/>
-              <a:t>26/06/2017</a:t>
+              <a:t>28/06/2017</a:t>
             </a:fld>
             <a:endParaRPr lang="pt-BR"/>
           </a:p>
@@ -2097,7 +2097,7 @@
           <a:p>
             <a:fld id="{2E538E35-4A08-48D2-89A5-89C6CF66D327}" type="datetimeFigureOut">
               <a:rPr lang="pt-BR" smtClean="0"/>
-              <a:t>26/06/2017</a:t>
+              <a:t>28/06/2017</a:t>
             </a:fld>
             <a:endParaRPr lang="pt-BR"/>
           </a:p>
@@ -2354,7 +2354,7 @@
           <a:p>
             <a:fld id="{2E538E35-4A08-48D2-89A5-89C6CF66D327}" type="datetimeFigureOut">
               <a:rPr lang="pt-BR" smtClean="0"/>
-              <a:t>26/06/2017</a:t>
+              <a:t>28/06/2017</a:t>
             </a:fld>
             <a:endParaRPr lang="pt-BR"/>
           </a:p>
@@ -2567,7 +2567,7 @@
           <a:p>
             <a:fld id="{2E538E35-4A08-48D2-89A5-89C6CF66D327}" type="datetimeFigureOut">
               <a:rPr lang="pt-BR" smtClean="0"/>
-              <a:t>26/06/2017</a:t>
+              <a:t>28/06/2017</a:t>
             </a:fld>
             <a:endParaRPr lang="pt-BR"/>
           </a:p>
@@ -4619,13 +4619,29 @@
           <a:p>
             <a:pPr algn="ctr"/>
             <a:r>
-              <a:rPr lang="pt-BR" sz="1492" dirty="0">
+              <a:rPr lang="pt-BR" sz="1492" dirty="0" smtClean="0">
                 <a:solidFill>
                   <a:srgbClr val="FF0000"/>
                 </a:solidFill>
               </a:rPr>
-              <a:t>AnkleBot?</a:t>
-            </a:r>
+              <a:t>Ankle</a:t>
+            </a:r>
+          </a:p>
+          <a:p>
+            <a:pPr algn="ctr"/>
+            <a:r>
+              <a:rPr lang="pt-BR" sz="1492" dirty="0" smtClean="0">
+                <a:solidFill>
+                  <a:srgbClr val="FF0000"/>
+                </a:solidFill>
+              </a:rPr>
+              <a:t>Movement?</a:t>
+            </a:r>
+            <a:endParaRPr lang="pt-BR" sz="1492" dirty="0">
+              <a:solidFill>
+                <a:srgbClr val="FF0000"/>
+              </a:solidFill>
+            </a:endParaRPr>
           </a:p>
         </p:txBody>
       </p:sp>

--- a/Script Flow.pptx
+++ b/Script Flow.pptx
@@ -6648,12 +6648,18 @@
         </p:nvSpPr>
         <p:spPr>
           <a:xfrm>
-            <a:off x="12831513" y="3562074"/>
+            <a:off x="7261744" y="2080486"/>
             <a:ext cx="1586333" cy="659803"/>
           </a:xfrm>
           <a:prstGeom prst="ellipse">
             <a:avLst/>
           </a:prstGeom>
+          <a:ln>
+            <a:solidFill>
+              <a:schemeClr val="tx1"/>
+            </a:solidFill>
+            <a:prstDash val="dash"/>
+          </a:ln>
         </p:spPr>
         <p:style>
           <a:lnRef idx="3">
@@ -6675,13 +6681,29 @@
           <a:p>
             <a:pPr algn="ctr"/>
             <a:r>
-              <a:rPr lang="pt-BR" sz="1492" dirty="0">
+              <a:rPr lang="pt-BR" sz="1492" dirty="0" smtClean="0">
                 <a:solidFill>
-                  <a:srgbClr val="FF0000"/>
+                  <a:schemeClr val="bg1"/>
                 </a:solidFill>
               </a:rPr>
-              <a:t>AnkleBot?</a:t>
-            </a:r>
+              <a:t>Ankle</a:t>
+            </a:r>
+          </a:p>
+          <a:p>
+            <a:pPr algn="ctr"/>
+            <a:r>
+              <a:rPr lang="pt-BR" sz="1492" dirty="0" smtClean="0">
+                <a:solidFill>
+                  <a:schemeClr val="bg1"/>
+                </a:solidFill>
+              </a:rPr>
+              <a:t>Movement</a:t>
+            </a:r>
+            <a:endParaRPr lang="pt-BR" sz="1492" dirty="0">
+              <a:solidFill>
+                <a:schemeClr val="bg1"/>
+              </a:solidFill>
+            </a:endParaRPr>
           </a:p>
         </p:txBody>
       </p:sp>
@@ -7630,6 +7652,45 @@
             </a:solidFill>
             <a:headEnd type="triangle" w="med" len="med"/>
             <a:tailEnd type="none" w="med" len="med"/>
+          </a:ln>
+        </p:spPr>
+        <p:style>
+          <a:lnRef idx="1">
+            <a:schemeClr val="accent1"/>
+          </a:lnRef>
+          <a:fillRef idx="0">
+            <a:schemeClr val="accent1"/>
+          </a:fillRef>
+          <a:effectRef idx="0">
+            <a:schemeClr val="accent1"/>
+          </a:effectRef>
+          <a:fontRef idx="minor">
+            <a:schemeClr val="tx1"/>
+          </a:fontRef>
+        </p:style>
+      </p:cxnSp>
+      <p:cxnSp>
+        <p:nvCxnSpPr>
+          <p:cNvPr id="60" name="Straight Arrow Connector 59"/>
+          <p:cNvCxnSpPr>
+            <a:stCxn id="20" idx="7"/>
+            <a:endCxn id="88" idx="4"/>
+          </p:cNvCxnSpPr>
+          <p:nvPr/>
+        </p:nvCxnSpPr>
+        <p:spPr>
+          <a:xfrm flipV="1">
+            <a:off x="7922855" y="2740289"/>
+            <a:ext cx="132056" cy="659803"/>
+          </a:xfrm>
+          <a:prstGeom prst="straightConnector1">
+            <a:avLst/>
+          </a:prstGeom>
+          <a:ln w="38100">
+            <a:solidFill>
+              <a:schemeClr val="tx1"/>
+            </a:solidFill>
+            <a:tailEnd type="triangle"/>
           </a:ln>
         </p:spPr>
         <p:style>

--- a/Script Flow.pptx
+++ b/Script Flow.pptx
@@ -5,8 +5,8 @@
     <p:sldMasterId id="2147483672" r:id="rId1"/>
   </p:sldMasterIdLst>
   <p:sldIdLst>
-    <p:sldId id="256" r:id="rId2"/>
-    <p:sldId id="257" r:id="rId3"/>
+    <p:sldId id="257" r:id="rId2"/>
+    <p:sldId id="256" r:id="rId3"/>
   </p:sldIdLst>
   <p:sldSz cx="11809413" cy="8856663"/>
   <p:notesSz cx="6858000" cy="9144000"/>
@@ -244,7 +244,7 @@
           <a:p>
             <a:fld id="{2E538E35-4A08-48D2-89A5-89C6CF66D327}" type="datetimeFigureOut">
               <a:rPr lang="pt-BR" smtClean="0"/>
-              <a:t>28/06/2017</a:t>
+              <a:t>29/06/2017</a:t>
             </a:fld>
             <a:endParaRPr lang="pt-BR"/>
           </a:p>
@@ -414,7 +414,7 @@
           <a:p>
             <a:fld id="{2E538E35-4A08-48D2-89A5-89C6CF66D327}" type="datetimeFigureOut">
               <a:rPr lang="pt-BR" smtClean="0"/>
-              <a:t>28/06/2017</a:t>
+              <a:t>29/06/2017</a:t>
             </a:fld>
             <a:endParaRPr lang="pt-BR"/>
           </a:p>
@@ -594,7 +594,7 @@
           <a:p>
             <a:fld id="{2E538E35-4A08-48D2-89A5-89C6CF66D327}" type="datetimeFigureOut">
               <a:rPr lang="pt-BR" smtClean="0"/>
-              <a:t>28/06/2017</a:t>
+              <a:t>29/06/2017</a:t>
             </a:fld>
             <a:endParaRPr lang="pt-BR"/>
           </a:p>
@@ -764,7 +764,7 @@
           <a:p>
             <a:fld id="{2E538E35-4A08-48D2-89A5-89C6CF66D327}" type="datetimeFigureOut">
               <a:rPr lang="pt-BR" smtClean="0"/>
-              <a:t>28/06/2017</a:t>
+              <a:t>29/06/2017</a:t>
             </a:fld>
             <a:endParaRPr lang="pt-BR"/>
           </a:p>
@@ -1008,7 +1008,7 @@
           <a:p>
             <a:fld id="{2E538E35-4A08-48D2-89A5-89C6CF66D327}" type="datetimeFigureOut">
               <a:rPr lang="pt-BR" smtClean="0"/>
-              <a:t>28/06/2017</a:t>
+              <a:t>29/06/2017</a:t>
             </a:fld>
             <a:endParaRPr lang="pt-BR"/>
           </a:p>
@@ -1240,7 +1240,7 @@
           <a:p>
             <a:fld id="{2E538E35-4A08-48D2-89A5-89C6CF66D327}" type="datetimeFigureOut">
               <a:rPr lang="pt-BR" smtClean="0"/>
-              <a:t>28/06/2017</a:t>
+              <a:t>29/06/2017</a:t>
             </a:fld>
             <a:endParaRPr lang="pt-BR"/>
           </a:p>
@@ -1607,7 +1607,7 @@
           <a:p>
             <a:fld id="{2E538E35-4A08-48D2-89A5-89C6CF66D327}" type="datetimeFigureOut">
               <a:rPr lang="pt-BR" smtClean="0"/>
-              <a:t>28/06/2017</a:t>
+              <a:t>29/06/2017</a:t>
             </a:fld>
             <a:endParaRPr lang="pt-BR"/>
           </a:p>
@@ -1725,7 +1725,7 @@
           <a:p>
             <a:fld id="{2E538E35-4A08-48D2-89A5-89C6CF66D327}" type="datetimeFigureOut">
               <a:rPr lang="pt-BR" smtClean="0"/>
-              <a:t>28/06/2017</a:t>
+              <a:t>29/06/2017</a:t>
             </a:fld>
             <a:endParaRPr lang="pt-BR"/>
           </a:p>
@@ -1820,7 +1820,7 @@
           <a:p>
             <a:fld id="{2E538E35-4A08-48D2-89A5-89C6CF66D327}" type="datetimeFigureOut">
               <a:rPr lang="pt-BR" smtClean="0"/>
-              <a:t>28/06/2017</a:t>
+              <a:t>29/06/2017</a:t>
             </a:fld>
             <a:endParaRPr lang="pt-BR"/>
           </a:p>
@@ -2097,7 +2097,7 @@
           <a:p>
             <a:fld id="{2E538E35-4A08-48D2-89A5-89C6CF66D327}" type="datetimeFigureOut">
               <a:rPr lang="pt-BR" smtClean="0"/>
-              <a:t>28/06/2017</a:t>
+              <a:t>29/06/2017</a:t>
             </a:fld>
             <a:endParaRPr lang="pt-BR"/>
           </a:p>
@@ -2354,7 +2354,7 @@
           <a:p>
             <a:fld id="{2E538E35-4A08-48D2-89A5-89C6CF66D327}" type="datetimeFigureOut">
               <a:rPr lang="pt-BR" smtClean="0"/>
-              <a:t>28/06/2017</a:t>
+              <a:t>29/06/2017</a:t>
             </a:fld>
             <a:endParaRPr lang="pt-BR"/>
           </a:p>
@@ -2567,7 +2567,7 @@
           <a:p>
             <a:fld id="{2E538E35-4A08-48D2-89A5-89C6CF66D327}" type="datetimeFigureOut">
               <a:rPr lang="pt-BR" smtClean="0"/>
-              <a:t>28/06/2017</a:t>
+              <a:t>29/06/2017</a:t>
             </a:fld>
             <a:endParaRPr lang="pt-BR"/>
           </a:p>
@@ -2974,40 +2974,122 @@
       </p:grpSpPr>
       <p:sp>
         <p:nvSpPr>
-          <p:cNvPr id="64" name="Rectangle 63"/>
+          <p:cNvPr id="18" name="Oval 17"/>
           <p:cNvSpPr/>
           <p:nvPr/>
         </p:nvSpPr>
         <p:spPr>
           <a:xfrm>
-            <a:off x="3339842" y="2019296"/>
-            <a:ext cx="2084368" cy="1829927"/>
-          </a:xfrm>
-          <a:prstGeom prst="rect">
-            <a:avLst/>
-          </a:prstGeom>
-          <a:noFill/>
-          <a:ln w="28575">
+            <a:off x="4626959" y="2862166"/>
+            <a:ext cx="1586333" cy="659803"/>
+          </a:xfrm>
+          <a:prstGeom prst="ellipse">
+            <a:avLst/>
+          </a:prstGeom>
+        </p:spPr>
+        <p:style>
+          <a:lnRef idx="2">
+            <a:schemeClr val="accent4">
+              <a:shade val="50000"/>
+            </a:schemeClr>
+          </a:lnRef>
+          <a:fillRef idx="1">
+            <a:schemeClr val="accent4"/>
+          </a:fillRef>
+          <a:effectRef idx="0">
+            <a:schemeClr val="accent4"/>
+          </a:effectRef>
+          <a:fontRef idx="minor">
+            <a:schemeClr val="lt1"/>
+          </a:fontRef>
+        </p:style>
+        <p:txBody>
+          <a:bodyPr rtlCol="0" anchor="ctr"/>
+          <a:lstStyle/>
+          <a:p>
+            <a:pPr algn="ctr"/>
+            <a:r>
+              <a:rPr lang="pt-BR" sz="1492" dirty="0"/>
+              <a:t>Choice</a:t>
+            </a:r>
+          </a:p>
+        </p:txBody>
+      </p:sp>
+      <p:sp>
+        <p:nvSpPr>
+          <p:cNvPr id="19" name="Oval 18"/>
+          <p:cNvSpPr/>
+          <p:nvPr/>
+        </p:nvSpPr>
+        <p:spPr>
+          <a:xfrm>
+            <a:off x="3581358" y="1804406"/>
+            <a:ext cx="1586333" cy="659803"/>
+          </a:xfrm>
+          <a:prstGeom prst="ellipse">
+            <a:avLst/>
+          </a:prstGeom>
+        </p:spPr>
+        <p:style>
+          <a:lnRef idx="2">
+            <a:schemeClr val="accent6">
+              <a:shade val="50000"/>
+            </a:schemeClr>
+          </a:lnRef>
+          <a:fillRef idx="1">
+            <a:schemeClr val="accent6"/>
+          </a:fillRef>
+          <a:effectRef idx="0">
+            <a:schemeClr val="accent6"/>
+          </a:effectRef>
+          <a:fontRef idx="minor">
+            <a:schemeClr val="lt1"/>
+          </a:fontRef>
+        </p:style>
+        <p:txBody>
+          <a:bodyPr rtlCol="0" anchor="ctr"/>
+          <a:lstStyle/>
+          <a:p>
+            <a:pPr algn="ctr"/>
+            <a:r>
+              <a:rPr lang="pt-BR" sz="1492" dirty="0"/>
+              <a:t>Card</a:t>
+            </a:r>
+          </a:p>
+        </p:txBody>
+      </p:sp>
+      <p:sp>
+        <p:nvSpPr>
+          <p:cNvPr id="20" name="Oval 19"/>
+          <p:cNvSpPr/>
+          <p:nvPr/>
+        </p:nvSpPr>
+        <p:spPr>
+          <a:xfrm>
+            <a:off x="6568835" y="3303466"/>
+            <a:ext cx="1586333" cy="659803"/>
+          </a:xfrm>
+          <a:prstGeom prst="ellipse">
+            <a:avLst/>
+          </a:prstGeom>
+          <a:ln w="38100">
             <a:solidFill>
-              <a:schemeClr val="tx1">
+              <a:schemeClr val="bg1">
                 <a:lumMod val="50000"/>
-                <a:lumOff val="50000"/>
               </a:schemeClr>
             </a:solidFill>
             <a:prstDash val="dash"/>
           </a:ln>
         </p:spPr>
         <p:style>
-          <a:lnRef idx="2">
-            <a:schemeClr val="accent1">
-              <a:shade val="50000"/>
-            </a:schemeClr>
+          <a:lnRef idx="3">
+            <a:schemeClr val="lt1"/>
           </a:lnRef>
           <a:fillRef idx="1">
-            <a:schemeClr val="accent1"/>
-          </a:fillRef>
-          <a:effectRef idx="0">
-            <a:schemeClr val="accent1"/>
+            <a:schemeClr val="accent2"/>
+          </a:fillRef>
+          <a:effectRef idx="1">
+            <a:schemeClr val="accent2"/>
           </a:effectRef>
           <a:fontRef idx="minor">
             <a:schemeClr val="lt1"/>
@@ -3018,62 +3100,22 @@
           <a:lstStyle/>
           <a:p>
             <a:pPr algn="ctr"/>
-            <a:endParaRPr lang="pt-BR" sz="1492"/>
-          </a:p>
-        </p:txBody>
-      </p:sp>
-      <p:sp>
-        <p:nvSpPr>
-          <p:cNvPr id="18" name="Oval 17"/>
+            <a:r>
+              <a:rPr lang="pt-BR" sz="1492" dirty="0"/>
+              <a:t>Control Manager</a:t>
+            </a:r>
+          </a:p>
+        </p:txBody>
+      </p:sp>
+      <p:sp>
+        <p:nvSpPr>
+          <p:cNvPr id="21" name="Oval 20"/>
           <p:cNvSpPr/>
           <p:nvPr/>
         </p:nvSpPr>
         <p:spPr>
           <a:xfrm>
-            <a:off x="5844723" y="4051460"/>
-            <a:ext cx="1586333" cy="659803"/>
-          </a:xfrm>
-          <a:prstGeom prst="ellipse">
-            <a:avLst/>
-          </a:prstGeom>
-        </p:spPr>
-        <p:style>
-          <a:lnRef idx="2">
-            <a:schemeClr val="accent4">
-              <a:shade val="50000"/>
-            </a:schemeClr>
-          </a:lnRef>
-          <a:fillRef idx="1">
-            <a:schemeClr val="accent4"/>
-          </a:fillRef>
-          <a:effectRef idx="0">
-            <a:schemeClr val="accent4"/>
-          </a:effectRef>
-          <a:fontRef idx="minor">
-            <a:schemeClr val="lt1"/>
-          </a:fontRef>
-        </p:style>
-        <p:txBody>
-          <a:bodyPr rtlCol="0" anchor="ctr"/>
-          <a:lstStyle/>
-          <a:p>
-            <a:pPr algn="ctr"/>
-            <a:r>
-              <a:rPr lang="pt-BR" sz="1492" dirty="0"/>
-              <a:t>Choice</a:t>
-            </a:r>
-          </a:p>
-        </p:txBody>
-      </p:sp>
-      <p:sp>
-        <p:nvSpPr>
-          <p:cNvPr id="19" name="Oval 18"/>
-          <p:cNvSpPr/>
-          <p:nvPr/>
-        </p:nvSpPr>
-        <p:spPr>
-          <a:xfrm>
-            <a:off x="1184277" y="2029940"/>
+            <a:off x="4519149" y="442094"/>
             <a:ext cx="1586333" cy="659803"/>
           </a:xfrm>
           <a:prstGeom prst="ellipse">
@@ -3103,90 +3145,6 @@
             <a:pPr algn="ctr"/>
             <a:r>
               <a:rPr lang="pt-BR" sz="1492" dirty="0"/>
-              <a:t>Card</a:t>
-            </a:r>
-          </a:p>
-        </p:txBody>
-      </p:sp>
-      <p:sp>
-        <p:nvSpPr>
-          <p:cNvPr id="20" name="Oval 19"/>
-          <p:cNvSpPr/>
-          <p:nvPr/>
-        </p:nvSpPr>
-        <p:spPr>
-          <a:xfrm>
-            <a:off x="3514643" y="2029940"/>
-            <a:ext cx="1586333" cy="659803"/>
-          </a:xfrm>
-          <a:prstGeom prst="ellipse">
-            <a:avLst/>
-          </a:prstGeom>
-        </p:spPr>
-        <p:style>
-          <a:lnRef idx="3">
-            <a:schemeClr val="lt1"/>
-          </a:lnRef>
-          <a:fillRef idx="1">
-            <a:schemeClr val="accent2"/>
-          </a:fillRef>
-          <a:effectRef idx="1">
-            <a:schemeClr val="accent2"/>
-          </a:effectRef>
-          <a:fontRef idx="minor">
-            <a:schemeClr val="lt1"/>
-          </a:fontRef>
-        </p:style>
-        <p:txBody>
-          <a:bodyPr rtlCol="0" anchor="ctr"/>
-          <a:lstStyle/>
-          <a:p>
-            <a:pPr algn="ctr"/>
-            <a:r>
-              <a:rPr lang="pt-BR" sz="1492" dirty="0"/>
-              <a:t>Control Manager</a:t>
-            </a:r>
-          </a:p>
-        </p:txBody>
-      </p:sp>
-      <p:sp>
-        <p:nvSpPr>
-          <p:cNvPr id="21" name="Oval 20"/>
-          <p:cNvSpPr/>
-          <p:nvPr/>
-        </p:nvSpPr>
-        <p:spPr>
-          <a:xfrm>
-            <a:off x="1184277" y="3040700"/>
-            <a:ext cx="1586333" cy="659803"/>
-          </a:xfrm>
-          <a:prstGeom prst="ellipse">
-            <a:avLst/>
-          </a:prstGeom>
-        </p:spPr>
-        <p:style>
-          <a:lnRef idx="2">
-            <a:schemeClr val="accent6">
-              <a:shade val="50000"/>
-            </a:schemeClr>
-          </a:lnRef>
-          <a:fillRef idx="1">
-            <a:schemeClr val="accent6"/>
-          </a:fillRef>
-          <a:effectRef idx="0">
-            <a:schemeClr val="accent6"/>
-          </a:effectRef>
-          <a:fontRef idx="minor">
-            <a:schemeClr val="lt1"/>
-          </a:fontRef>
-        </p:style>
-        <p:txBody>
-          <a:bodyPr rtlCol="0" anchor="ctr"/>
-          <a:lstStyle/>
-          <a:p>
-            <a:pPr algn="ctr"/>
-            <a:r>
-              <a:rPr lang="pt-BR" sz="1492" dirty="0"/>
               <a:t>Dealer</a:t>
             </a:r>
           </a:p>
@@ -3200,7 +3158,7 @@
         </p:nvSpPr>
         <p:spPr>
           <a:xfrm>
-            <a:off x="1184277" y="5062223"/>
+            <a:off x="2586077" y="5489018"/>
             <a:ext cx="1586333" cy="659803"/>
           </a:xfrm>
           <a:prstGeom prst="ellipse">
@@ -3243,7 +3201,7 @@
         </p:nvSpPr>
         <p:spPr>
           <a:xfrm>
-            <a:off x="3520993" y="4050054"/>
+            <a:off x="6574453" y="483220"/>
             <a:ext cx="1586333" cy="659803"/>
           </a:xfrm>
           <a:prstGeom prst="ellipse">
@@ -3288,7 +3246,7 @@
         </p:nvSpPr>
         <p:spPr>
           <a:xfrm>
-            <a:off x="5845008" y="3040700"/>
+            <a:off x="1446681" y="112192"/>
             <a:ext cx="1586333" cy="659803"/>
           </a:xfrm>
           <a:prstGeom prst="ellipse">
@@ -3331,7 +3289,7 @@
         </p:nvSpPr>
         <p:spPr>
           <a:xfrm>
-            <a:off x="1184277" y="4051462"/>
+            <a:off x="1906835" y="1305840"/>
             <a:ext cx="1586333" cy="659803"/>
           </a:xfrm>
           <a:prstGeom prst="ellipse">
@@ -3374,25 +3332,31 @@
         </p:nvSpPr>
         <p:spPr>
           <a:xfrm>
-            <a:off x="3514358" y="3039295"/>
+            <a:off x="0" y="988457"/>
             <a:ext cx="1586333" cy="659803"/>
           </a:xfrm>
           <a:prstGeom prst="ellipse">
             <a:avLst/>
           </a:prstGeom>
-        </p:spPr>
-        <p:style>
-          <a:lnRef idx="3">
-            <a:schemeClr val="lt1"/>
-          </a:lnRef>
-          <a:fillRef idx="1">
+          <a:ln w="28575">
+            <a:solidFill>
+              <a:schemeClr val="tx1"/>
+            </a:solidFill>
+            <a:prstDash val="dash"/>
+          </a:ln>
+        </p:spPr>
+        <p:style>
+          <a:lnRef idx="1">
+            <a:schemeClr val="accent2"/>
+          </a:lnRef>
+          <a:fillRef idx="2">
             <a:schemeClr val="accent2"/>
           </a:fillRef>
           <a:effectRef idx="1">
             <a:schemeClr val="accent2"/>
           </a:effectRef>
           <a:fontRef idx="minor">
-            <a:schemeClr val="lt1"/>
+            <a:schemeClr val="dk1"/>
           </a:fontRef>
         </p:style>
         <p:txBody>
@@ -3415,12 +3379,15 @@
         </p:nvSpPr>
         <p:spPr>
           <a:xfrm>
-            <a:off x="5845007" y="696934"/>
+            <a:off x="9688368" y="7540649"/>
             <a:ext cx="1586333" cy="659803"/>
           </a:xfrm>
           <a:prstGeom prst="ellipse">
             <a:avLst/>
           </a:prstGeom>
+          <a:ln w="28575">
+            <a:prstDash val="dash"/>
+          </a:ln>
         </p:spPr>
         <p:style>
           <a:lnRef idx="1">
@@ -3456,7 +3423,7 @@
         </p:nvSpPr>
         <p:spPr>
           <a:xfrm>
-            <a:off x="1184276" y="6072984"/>
+            <a:off x="6291122" y="6942511"/>
             <a:ext cx="1586333" cy="659803"/>
           </a:xfrm>
           <a:prstGeom prst="ellipse">
@@ -3500,15 +3467,15 @@
         <p:nvCxnSpPr>
           <p:cNvPr id="31" name="Straight Arrow Connector 30"/>
           <p:cNvCxnSpPr>
-            <a:stCxn id="21" idx="7"/>
-            <a:endCxn id="20" idx="3"/>
+            <a:stCxn id="21" idx="4"/>
+            <a:endCxn id="20" idx="1"/>
           </p:cNvCxnSpPr>
           <p:nvPr/>
         </p:nvCxnSpPr>
         <p:spPr>
-          <a:xfrm flipV="1">
-            <a:off x="2538297" y="2593117"/>
-            <a:ext cx="1208659" cy="544209"/>
+          <a:xfrm>
+            <a:off x="5312316" y="1101897"/>
+            <a:ext cx="1488832" cy="2298195"/>
           </a:xfrm>
           <a:prstGeom prst="straightConnector1">
             <a:avLst/>
@@ -3539,15 +3506,15 @@
         <p:nvCxnSpPr>
           <p:cNvPr id="33" name="Straight Arrow Connector 32"/>
           <p:cNvCxnSpPr>
-            <a:stCxn id="21" idx="0"/>
-            <a:endCxn id="19" idx="4"/>
+            <a:stCxn id="21" idx="3"/>
+            <a:endCxn id="19" idx="0"/>
           </p:cNvCxnSpPr>
           <p:nvPr/>
         </p:nvCxnSpPr>
         <p:spPr>
-          <a:xfrm flipV="1">
-            <a:off x="1977442" y="2689741"/>
-            <a:ext cx="0" cy="350958"/>
+          <a:xfrm flipH="1">
+            <a:off x="4374525" y="1005271"/>
+            <a:ext cx="376937" cy="799135"/>
           </a:xfrm>
           <a:prstGeom prst="straightConnector1">
             <a:avLst/>
@@ -3578,15 +3545,15 @@
         <p:nvCxnSpPr>
           <p:cNvPr id="35" name="Straight Arrow Connector 34"/>
           <p:cNvCxnSpPr>
-            <a:stCxn id="21" idx="6"/>
-            <a:endCxn id="26" idx="2"/>
+            <a:stCxn id="21" idx="2"/>
+            <a:endCxn id="26" idx="6"/>
           </p:cNvCxnSpPr>
           <p:nvPr/>
         </p:nvCxnSpPr>
         <p:spPr>
-          <a:xfrm flipV="1">
-            <a:off x="2770610" y="3369197"/>
-            <a:ext cx="743748" cy="1405"/>
+          <a:xfrm flipH="1">
+            <a:off x="1586333" y="771996"/>
+            <a:ext cx="2932816" cy="546363"/>
           </a:xfrm>
           <a:prstGeom prst="straightConnector1">
             <a:avLst/>
@@ -3617,15 +3584,15 @@
         <p:nvCxnSpPr>
           <p:cNvPr id="37" name="Straight Arrow Connector 36"/>
           <p:cNvCxnSpPr>
-            <a:stCxn id="21" idx="6"/>
-            <a:endCxn id="18" idx="2"/>
+            <a:stCxn id="21" idx="4"/>
+            <a:endCxn id="18" idx="0"/>
           </p:cNvCxnSpPr>
           <p:nvPr/>
         </p:nvCxnSpPr>
         <p:spPr>
           <a:xfrm>
-            <a:off x="2770610" y="3370602"/>
-            <a:ext cx="3074113" cy="1010760"/>
+            <a:off x="5312316" y="1101897"/>
+            <a:ext cx="107810" cy="1760269"/>
           </a:xfrm>
           <a:prstGeom prst="straightConnector1">
             <a:avLst/>
@@ -3656,15 +3623,15 @@
         <p:nvCxnSpPr>
           <p:cNvPr id="39" name="Straight Arrow Connector 38"/>
           <p:cNvCxnSpPr>
-            <a:stCxn id="26" idx="3"/>
-            <a:endCxn id="25" idx="6"/>
+            <a:stCxn id="26" idx="5"/>
+            <a:endCxn id="25" idx="2"/>
           </p:cNvCxnSpPr>
           <p:nvPr/>
         </p:nvCxnSpPr>
         <p:spPr>
-          <a:xfrm flipH="1">
-            <a:off x="2770610" y="3602472"/>
-            <a:ext cx="976061" cy="778892"/>
+          <a:xfrm>
+            <a:off x="1354020" y="1551634"/>
+            <a:ext cx="552815" cy="84108"/>
           </a:xfrm>
           <a:prstGeom prst="straightConnector1">
             <a:avLst/>
@@ -3702,8 +3669,8 @@
         </p:nvCxnSpPr>
         <p:spPr>
           <a:xfrm>
-            <a:off x="1977442" y="6732786"/>
-            <a:ext cx="0" cy="350958"/>
+            <a:off x="7084289" y="7602314"/>
+            <a:ext cx="1" cy="397522"/>
           </a:xfrm>
           <a:prstGeom prst="straightConnector1">
             <a:avLst/>
@@ -3732,16 +3699,16 @@
       </p:cxnSp>
       <p:sp>
         <p:nvSpPr>
-          <p:cNvPr id="46" name="Down Arrow 45"/>
+          <p:cNvPr id="27" name="Oval 26"/>
           <p:cNvSpPr/>
           <p:nvPr/>
         </p:nvSpPr>
         <p:spPr>
-          <a:xfrm rot="5400000">
-            <a:off x="5579374" y="2105798"/>
-            <a:ext cx="243832" cy="554161"/>
-          </a:xfrm>
-          <a:prstGeom prst="downArrow">
+          <a:xfrm>
+            <a:off x="9688368" y="1143023"/>
+            <a:ext cx="1586333" cy="659803"/>
+          </a:xfrm>
+          <a:prstGeom prst="ellipse">
             <a:avLst/>
           </a:prstGeom>
         </p:spPr>
@@ -3766,19 +3733,22 @@
           <a:lstStyle/>
           <a:p>
             <a:pPr algn="ctr"/>
-            <a:endParaRPr lang="pt-BR" sz="1492"/>
-          </a:p>
-        </p:txBody>
-      </p:sp>
-      <p:sp>
-        <p:nvSpPr>
-          <p:cNvPr id="27" name="Oval 26"/>
+            <a:r>
+              <a:rPr lang="pt-BR" sz="1492" dirty="0"/>
+              <a:t>Singleton</a:t>
+            </a:r>
+          </a:p>
+        </p:txBody>
+      </p:sp>
+      <p:sp>
+        <p:nvSpPr>
+          <p:cNvPr id="4" name="Oval 3"/>
           <p:cNvSpPr/>
           <p:nvPr/>
         </p:nvSpPr>
         <p:spPr>
           <a:xfrm>
-            <a:off x="5845008" y="2049206"/>
+            <a:off x="9619230" y="207773"/>
             <a:ext cx="1586333" cy="659803"/>
           </a:xfrm>
           <a:prstGeom prst="ellipse">
@@ -3786,16 +3756,57 @@
           </a:prstGeom>
         </p:spPr>
         <p:style>
+          <a:lnRef idx="3">
+            <a:schemeClr val="lt1"/>
+          </a:lnRef>
+          <a:fillRef idx="1">
+            <a:schemeClr val="dk1"/>
+          </a:fillRef>
+          <a:effectRef idx="1">
+            <a:schemeClr val="dk1"/>
+          </a:effectRef>
+          <a:fontRef idx="minor">
+            <a:schemeClr val="lt1"/>
+          </a:fontRef>
+        </p:style>
+        <p:txBody>
+          <a:bodyPr rtlCol="0" anchor="ctr"/>
+          <a:lstStyle/>
+          <a:p>
+            <a:pPr algn="ctr"/>
+            <a:r>
+              <a:rPr lang="pt-BR" sz="1492" dirty="0"/>
+              <a:t>Game Base</a:t>
+            </a:r>
+          </a:p>
+        </p:txBody>
+      </p:sp>
+      <p:sp>
+        <p:nvSpPr>
+          <p:cNvPr id="30" name="Oval 29"/>
+          <p:cNvSpPr/>
+          <p:nvPr/>
+        </p:nvSpPr>
+        <p:spPr>
+          <a:xfrm>
+            <a:off x="6291123" y="7999836"/>
+            <a:ext cx="1586333" cy="659803"/>
+          </a:xfrm>
+          <a:prstGeom prst="ellipse">
+            <a:avLst/>
+          </a:prstGeom>
+        </p:spPr>
+        <p:style>
           <a:lnRef idx="2">
-            <a:schemeClr val="accent3">
+            <a:schemeClr val="accent4">
               <a:shade val="50000"/>
             </a:schemeClr>
           </a:lnRef>
           <a:fillRef idx="1">
-            <a:schemeClr val="accent3"/>
+            <a:schemeClr val="accent4"/>
           </a:fillRef>
           <a:effectRef idx="0">
-            <a:schemeClr val="accent3"/>
+            <a:schemeClr val="accent4"/>
           </a:effectRef>
           <a:fontRef idx="minor">
             <a:schemeClr val="lt1"/>
@@ -3808,29 +3819,34 @@
             <a:pPr algn="ctr"/>
             <a:r>
               <a:rPr lang="pt-BR" sz="1492" dirty="0"/>
-              <a:t>Singleton</a:t>
+              <a:t>User</a:t>
+            </a:r>
+          </a:p>
+          <a:p>
+            <a:pPr algn="ctr"/>
+            <a:r>
+              <a:rPr lang="pt-BR" sz="1492" dirty="0"/>
+              <a:t>Manager</a:t>
             </a:r>
           </a:p>
         </p:txBody>
       </p:sp>
       <p:cxnSp>
         <p:nvCxnSpPr>
-          <p:cNvPr id="51" name="Elbow Connector 50"/>
+          <p:cNvPr id="32" name="Straight Arrow Connector 31"/>
           <p:cNvCxnSpPr>
-            <a:stCxn id="19" idx="2"/>
-            <a:endCxn id="25" idx="2"/>
+            <a:stCxn id="29" idx="2"/>
+            <a:endCxn id="22" idx="5"/>
           </p:cNvCxnSpPr>
           <p:nvPr/>
         </p:nvCxnSpPr>
         <p:spPr>
-          <a:xfrm rot="10800000" flipV="1">
-            <a:off x="1184276" y="2359841"/>
-            <a:ext cx="10529" cy="2021523"/>
-          </a:xfrm>
-          <a:prstGeom prst="bentConnector3">
-            <a:avLst>
-              <a:gd name="adj1" fmla="val 1800000"/>
-            </a:avLst>
+          <a:xfrm flipH="1" flipV="1">
+            <a:off x="3940097" y="6052195"/>
+            <a:ext cx="2351025" cy="1220218"/>
+          </a:xfrm>
+          <a:prstGeom prst="straightConnector1">
+            <a:avLst/>
           </a:prstGeom>
           <a:ln w="38100">
             <a:solidFill>
@@ -3856,228 +3872,17 @@
       </p:cxnSp>
       <p:cxnSp>
         <p:nvCxnSpPr>
-          <p:cNvPr id="53" name="Elbow Connector 52"/>
-          <p:cNvCxnSpPr>
-            <a:stCxn id="18" idx="0"/>
-            <a:endCxn id="19" idx="0"/>
-          </p:cNvCxnSpPr>
-          <p:nvPr/>
-        </p:nvCxnSpPr>
-        <p:spPr>
-          <a:xfrm rot="16200000" flipV="1">
-            <a:off x="3296907" y="710477"/>
-            <a:ext cx="2021520" cy="4660446"/>
-          </a:xfrm>
-          <a:prstGeom prst="bentConnector3">
-            <a:avLst>
-              <a:gd name="adj1" fmla="val 111308"/>
-            </a:avLst>
-          </a:prstGeom>
-          <a:ln w="38100">
-            <a:solidFill>
-              <a:schemeClr val="tx1"/>
-            </a:solidFill>
-            <a:tailEnd type="triangle"/>
-          </a:ln>
-        </p:spPr>
-        <p:style>
-          <a:lnRef idx="1">
-            <a:schemeClr val="accent1"/>
-          </a:lnRef>
-          <a:fillRef idx="0">
-            <a:schemeClr val="accent1"/>
-          </a:fillRef>
-          <a:effectRef idx="0">
-            <a:schemeClr val="accent1"/>
-          </a:effectRef>
-          <a:fontRef idx="minor">
-            <a:schemeClr val="tx1"/>
-          </a:fontRef>
-        </p:style>
-      </p:cxnSp>
-      <p:sp>
-        <p:nvSpPr>
-          <p:cNvPr id="60" name="Down Arrow 59"/>
-          <p:cNvSpPr/>
-          <p:nvPr/>
-        </p:nvSpPr>
-        <p:spPr>
-          <a:xfrm>
-            <a:off x="4141710" y="1356736"/>
-            <a:ext cx="332199" cy="332260"/>
-          </a:xfrm>
-          <a:prstGeom prst="downArrow">
-            <a:avLst/>
-          </a:prstGeom>
-        </p:spPr>
-        <p:style>
-          <a:lnRef idx="2">
-            <a:schemeClr val="dk1">
-              <a:shade val="50000"/>
-            </a:schemeClr>
-          </a:lnRef>
-          <a:fillRef idx="1">
-            <a:schemeClr val="dk1"/>
-          </a:fillRef>
-          <a:effectRef idx="0">
-            <a:schemeClr val="dk1"/>
-          </a:effectRef>
-          <a:fontRef idx="minor">
-            <a:schemeClr val="lt1"/>
-          </a:fontRef>
-        </p:style>
-        <p:txBody>
-          <a:bodyPr rtlCol="0" anchor="ctr"/>
-          <a:lstStyle/>
-          <a:p>
-            <a:pPr algn="ctr"/>
-            <a:endParaRPr lang="pt-BR" sz="1492"/>
-          </a:p>
-        </p:txBody>
-      </p:sp>
-      <p:sp>
-        <p:nvSpPr>
-          <p:cNvPr id="4" name="Oval 3"/>
-          <p:cNvSpPr/>
-          <p:nvPr/>
-        </p:nvSpPr>
-        <p:spPr>
-          <a:xfrm>
-            <a:off x="3514643" y="691158"/>
-            <a:ext cx="1586333" cy="659803"/>
-          </a:xfrm>
-          <a:prstGeom prst="ellipse">
-            <a:avLst/>
-          </a:prstGeom>
-        </p:spPr>
-        <p:style>
-          <a:lnRef idx="3">
-            <a:schemeClr val="lt1"/>
-          </a:lnRef>
-          <a:fillRef idx="1">
-            <a:schemeClr val="dk1"/>
-          </a:fillRef>
-          <a:effectRef idx="1">
-            <a:schemeClr val="dk1"/>
-          </a:effectRef>
-          <a:fontRef idx="minor">
-            <a:schemeClr val="lt1"/>
-          </a:fontRef>
-        </p:style>
-        <p:txBody>
-          <a:bodyPr rtlCol="0" anchor="ctr"/>
-          <a:lstStyle/>
-          <a:p>
-            <a:pPr algn="ctr"/>
-            <a:r>
-              <a:rPr lang="pt-BR" sz="1492" dirty="0"/>
-              <a:t>Game Base</a:t>
-            </a:r>
-          </a:p>
-        </p:txBody>
-      </p:sp>
-      <p:sp>
-        <p:nvSpPr>
-          <p:cNvPr id="30" name="Oval 29"/>
-          <p:cNvSpPr/>
-          <p:nvPr/>
-        </p:nvSpPr>
-        <p:spPr>
-          <a:xfrm>
-            <a:off x="1184276" y="7083745"/>
-            <a:ext cx="1586333" cy="659803"/>
-          </a:xfrm>
-          <a:prstGeom prst="ellipse">
-            <a:avLst/>
-          </a:prstGeom>
-        </p:spPr>
-        <p:style>
-          <a:lnRef idx="2">
-            <a:schemeClr val="accent4">
-              <a:shade val="50000"/>
-            </a:schemeClr>
-          </a:lnRef>
-          <a:fillRef idx="1">
-            <a:schemeClr val="accent4"/>
-          </a:fillRef>
-          <a:effectRef idx="0">
-            <a:schemeClr val="accent4"/>
-          </a:effectRef>
-          <a:fontRef idx="minor">
-            <a:schemeClr val="lt1"/>
-          </a:fontRef>
-        </p:style>
-        <p:txBody>
-          <a:bodyPr rtlCol="0" anchor="ctr"/>
-          <a:lstStyle/>
-          <a:p>
-            <a:pPr algn="ctr"/>
-            <a:r>
-              <a:rPr lang="pt-BR" sz="1492" dirty="0"/>
-              <a:t>User</a:t>
-            </a:r>
-          </a:p>
-          <a:p>
-            <a:pPr algn="ctr"/>
-            <a:r>
-              <a:rPr lang="pt-BR" sz="1492" dirty="0"/>
-              <a:t>Manager</a:t>
-            </a:r>
-          </a:p>
-        </p:txBody>
-      </p:sp>
-      <p:cxnSp>
-        <p:nvCxnSpPr>
-          <p:cNvPr id="32" name="Straight Arrow Connector 31"/>
-          <p:cNvCxnSpPr>
-            <a:stCxn id="29" idx="0"/>
-            <a:endCxn id="22" idx="4"/>
-          </p:cNvCxnSpPr>
-          <p:nvPr/>
-        </p:nvCxnSpPr>
-        <p:spPr>
-          <a:xfrm flipV="1">
-            <a:off x="1977443" y="5722025"/>
-            <a:ext cx="1" cy="350958"/>
-          </a:xfrm>
-          <a:prstGeom prst="straightConnector1">
-            <a:avLst/>
-          </a:prstGeom>
-          <a:ln w="38100">
-            <a:solidFill>
-              <a:schemeClr val="tx1"/>
-            </a:solidFill>
-            <a:tailEnd type="triangle"/>
-          </a:ln>
-        </p:spPr>
-        <p:style>
-          <a:lnRef idx="1">
-            <a:schemeClr val="accent1"/>
-          </a:lnRef>
-          <a:fillRef idx="0">
-            <a:schemeClr val="accent1"/>
-          </a:fillRef>
-          <a:effectRef idx="0">
-            <a:schemeClr val="accent1"/>
-          </a:effectRef>
-          <a:fontRef idx="minor">
-            <a:schemeClr val="tx1"/>
-          </a:fontRef>
-        </p:style>
-      </p:cxnSp>
-      <p:cxnSp>
-        <p:nvCxnSpPr>
           <p:cNvPr id="34" name="Straight Arrow Connector 33"/>
           <p:cNvCxnSpPr>
-            <a:stCxn id="26" idx="5"/>
-            <a:endCxn id="18" idx="1"/>
+            <a:stCxn id="26" idx="4"/>
+            <a:endCxn id="18" idx="2"/>
           </p:cNvCxnSpPr>
           <p:nvPr/>
         </p:nvCxnSpPr>
         <p:spPr>
           <a:xfrm>
-            <a:off x="4868378" y="3602472"/>
-            <a:ext cx="1208658" cy="545614"/>
+            <a:off x="793167" y="1648260"/>
+            <a:ext cx="3833792" cy="1543808"/>
           </a:xfrm>
           <a:prstGeom prst="straightConnector1">
             <a:avLst/>
@@ -4114,7 +3919,7 @@
         </p:nvSpPr>
         <p:spPr>
           <a:xfrm>
-            <a:off x="3514643" y="5074297"/>
+            <a:off x="1856482" y="3557293"/>
             <a:ext cx="1586333" cy="659803"/>
           </a:xfrm>
           <a:prstGeom prst="ellipse">
@@ -4158,15 +3963,15 @@
         <p:nvCxnSpPr>
           <p:cNvPr id="40" name="Straight Arrow Connector 39"/>
           <p:cNvCxnSpPr>
-            <a:stCxn id="38" idx="2"/>
-            <a:endCxn id="22" idx="6"/>
+            <a:stCxn id="38" idx="4"/>
+            <a:endCxn id="22" idx="0"/>
           </p:cNvCxnSpPr>
           <p:nvPr/>
         </p:nvCxnSpPr>
         <p:spPr>
-          <a:xfrm flipH="1" flipV="1">
-            <a:off x="2770610" y="5392124"/>
-            <a:ext cx="744033" cy="12074"/>
+          <a:xfrm>
+            <a:off x="2649649" y="4217096"/>
+            <a:ext cx="729595" cy="1271922"/>
           </a:xfrm>
           <a:prstGeom prst="straightConnector1">
             <a:avLst/>
@@ -4201,7 +4006,7 @@
         </p:nvSpPr>
         <p:spPr>
           <a:xfrm>
-            <a:off x="5845006" y="5074296"/>
+            <a:off x="4821140" y="5867386"/>
             <a:ext cx="1586333" cy="659803"/>
           </a:xfrm>
           <a:prstGeom prst="ellipse">
@@ -4244,22 +4049,416 @@
       </p:sp>
       <p:cxnSp>
         <p:nvCxnSpPr>
-          <p:cNvPr id="41" name="Elbow Connector 40"/>
+          <p:cNvPr id="50" name="Straight Arrow Connector 49"/>
+          <p:cNvCxnSpPr>
+            <a:stCxn id="38" idx="5"/>
+            <a:endCxn id="45" idx="1"/>
+          </p:cNvCxnSpPr>
+          <p:nvPr/>
+        </p:nvCxnSpPr>
+        <p:spPr>
+          <a:xfrm>
+            <a:off x="3210502" y="4120470"/>
+            <a:ext cx="1842951" cy="1843542"/>
+          </a:xfrm>
+          <a:prstGeom prst="straightConnector1">
+            <a:avLst/>
+          </a:prstGeom>
+          <a:ln w="38100">
+            <a:solidFill>
+              <a:schemeClr val="tx1"/>
+            </a:solidFill>
+            <a:tailEnd type="triangle"/>
+          </a:ln>
+        </p:spPr>
+        <p:style>
+          <a:lnRef idx="1">
+            <a:schemeClr val="accent1"/>
+          </a:lnRef>
+          <a:fillRef idx="0">
+            <a:schemeClr val="accent1"/>
+          </a:fillRef>
+          <a:effectRef idx="0">
+            <a:schemeClr val="accent1"/>
+          </a:effectRef>
+          <a:fontRef idx="minor">
+            <a:schemeClr val="tx1"/>
+          </a:fontRef>
+        </p:style>
+      </p:cxnSp>
+      <p:sp>
+        <p:nvSpPr>
+          <p:cNvPr id="54" name="Oval 53"/>
+          <p:cNvSpPr/>
+          <p:nvPr/>
+        </p:nvSpPr>
+        <p:spPr>
+          <a:xfrm>
+            <a:off x="8643140" y="5706237"/>
+            <a:ext cx="1586333" cy="659803"/>
+          </a:xfrm>
+          <a:prstGeom prst="ellipse">
+            <a:avLst/>
+          </a:prstGeom>
+        </p:spPr>
+        <p:style>
+          <a:lnRef idx="3">
+            <a:schemeClr val="lt1"/>
+          </a:lnRef>
+          <a:fillRef idx="1">
+            <a:schemeClr val="accent2"/>
+          </a:fillRef>
+          <a:effectRef idx="1">
+            <a:schemeClr val="accent2"/>
+          </a:effectRef>
+          <a:fontRef idx="minor">
+            <a:schemeClr val="lt1"/>
+          </a:fontRef>
+        </p:style>
+        <p:txBody>
+          <a:bodyPr rtlCol="0" anchor="ctr"/>
+          <a:lstStyle/>
+          <a:p>
+            <a:pPr algn="ctr"/>
+            <a:r>
+              <a:rPr lang="pt-BR" sz="1492" dirty="0"/>
+              <a:t>Robot</a:t>
+            </a:r>
+          </a:p>
+          <a:p>
+            <a:pPr algn="ctr"/>
+            <a:r>
+              <a:rPr lang="pt-BR" sz="1492" dirty="0"/>
+              <a:t>Cursor</a:t>
+            </a:r>
+          </a:p>
+        </p:txBody>
+      </p:sp>
+      <p:sp>
+        <p:nvSpPr>
+          <p:cNvPr id="59" name="Oval 58"/>
+          <p:cNvSpPr/>
+          <p:nvPr/>
+        </p:nvSpPr>
+        <p:spPr>
+          <a:xfrm>
+            <a:off x="5831773" y="4762464"/>
+            <a:ext cx="1586333" cy="659803"/>
+          </a:xfrm>
+          <a:prstGeom prst="ellipse">
+            <a:avLst/>
+          </a:prstGeom>
+          <a:ln>
+            <a:solidFill>
+              <a:schemeClr val="tx1"/>
+            </a:solidFill>
+            <a:prstDash val="dash"/>
+          </a:ln>
+        </p:spPr>
+        <p:style>
+          <a:lnRef idx="3">
+            <a:schemeClr val="lt1"/>
+          </a:lnRef>
+          <a:fillRef idx="1">
+            <a:schemeClr val="accent2"/>
+          </a:fillRef>
+          <a:effectRef idx="1">
+            <a:schemeClr val="accent2"/>
+          </a:effectRef>
+          <a:fontRef idx="minor">
+            <a:schemeClr val="lt1"/>
+          </a:fontRef>
+        </p:style>
+        <p:txBody>
+          <a:bodyPr rtlCol="0" anchor="ctr"/>
+          <a:lstStyle/>
+          <a:p>
+            <a:pPr algn="ctr"/>
+            <a:r>
+              <a:rPr lang="pt-BR" sz="1492" dirty="0"/>
+              <a:t>Connection</a:t>
+            </a:r>
+          </a:p>
+        </p:txBody>
+      </p:sp>
+      <p:cxnSp>
+        <p:nvCxnSpPr>
+          <p:cNvPr id="62" name="Straight Arrow Connector 61"/>
           <p:cNvCxnSpPr>
             <a:stCxn id="38" idx="6"/>
-            <a:endCxn id="20" idx="6"/>
+            <a:endCxn id="59" idx="2"/>
           </p:cNvCxnSpPr>
           <p:nvPr/>
         </p:nvCxnSpPr>
         <p:spPr>
+          <a:xfrm>
+            <a:off x="3442815" y="3887195"/>
+            <a:ext cx="2388958" cy="1205171"/>
+          </a:xfrm>
+          <a:prstGeom prst="straightConnector1">
+            <a:avLst/>
+          </a:prstGeom>
+          <a:ln w="38100">
+            <a:solidFill>
+              <a:schemeClr val="tx1"/>
+            </a:solidFill>
+            <a:tailEnd type="triangle"/>
+          </a:ln>
+        </p:spPr>
+        <p:style>
+          <a:lnRef idx="1">
+            <a:schemeClr val="accent1"/>
+          </a:lnRef>
+          <a:fillRef idx="0">
+            <a:schemeClr val="accent1"/>
+          </a:fillRef>
+          <a:effectRef idx="0">
+            <a:schemeClr val="accent1"/>
+          </a:effectRef>
+          <a:fontRef idx="minor">
+            <a:schemeClr val="tx1"/>
+          </a:fontRef>
+        </p:style>
+      </p:cxnSp>
+      <p:cxnSp>
+        <p:nvCxnSpPr>
+          <p:cNvPr id="75" name="Straight Arrow Connector 74"/>
+          <p:cNvCxnSpPr>
+            <a:stCxn id="54" idx="2"/>
+            <a:endCxn id="59" idx="5"/>
+          </p:cNvCxnSpPr>
+          <p:nvPr/>
+        </p:nvCxnSpPr>
+        <p:spPr>
+          <a:xfrm flipH="1" flipV="1">
+            <a:off x="7185793" y="5325641"/>
+            <a:ext cx="1457347" cy="710498"/>
+          </a:xfrm>
+          <a:prstGeom prst="straightConnector1">
+            <a:avLst/>
+          </a:prstGeom>
+          <a:ln w="38100">
+            <a:solidFill>
+              <a:schemeClr val="tx1"/>
+            </a:solidFill>
+            <a:tailEnd type="triangle"/>
+          </a:ln>
+        </p:spPr>
+        <p:style>
+          <a:lnRef idx="1">
+            <a:schemeClr val="accent1"/>
+          </a:lnRef>
+          <a:fillRef idx="0">
+            <a:schemeClr val="accent1"/>
+          </a:fillRef>
+          <a:effectRef idx="0">
+            <a:schemeClr val="accent1"/>
+          </a:effectRef>
+          <a:fontRef idx="minor">
+            <a:schemeClr val="tx1"/>
+          </a:fontRef>
+        </p:style>
+      </p:cxnSp>
+      <p:sp>
+        <p:nvSpPr>
+          <p:cNvPr id="88" name="Oval 87"/>
+          <p:cNvSpPr/>
+          <p:nvPr/>
+        </p:nvSpPr>
+        <p:spPr>
+          <a:xfrm>
+            <a:off x="7261744" y="2080486"/>
+            <a:ext cx="1586333" cy="659803"/>
+          </a:xfrm>
+          <a:prstGeom prst="ellipse">
+            <a:avLst/>
+          </a:prstGeom>
+          <a:ln>
+            <a:solidFill>
+              <a:schemeClr val="tx1"/>
+            </a:solidFill>
+            <a:prstDash val="dash"/>
+          </a:ln>
+        </p:spPr>
+        <p:style>
+          <a:lnRef idx="3">
+            <a:schemeClr val="lt1"/>
+          </a:lnRef>
+          <a:fillRef idx="1">
+            <a:schemeClr val="accent2"/>
+          </a:fillRef>
+          <a:effectRef idx="1">
+            <a:schemeClr val="accent2"/>
+          </a:effectRef>
+          <a:fontRef idx="minor">
+            <a:schemeClr val="lt1"/>
+          </a:fontRef>
+        </p:style>
+        <p:txBody>
+          <a:bodyPr rtlCol="0" anchor="ctr"/>
+          <a:lstStyle/>
+          <a:p>
+            <a:pPr algn="ctr"/>
+            <a:r>
+              <a:rPr lang="pt-BR" sz="1492" dirty="0" smtClean="0">
+                <a:solidFill>
+                  <a:schemeClr val="bg1"/>
+                </a:solidFill>
+              </a:rPr>
+              <a:t>Ankle</a:t>
+            </a:r>
+          </a:p>
+          <a:p>
+            <a:pPr algn="ctr"/>
+            <a:r>
+              <a:rPr lang="pt-BR" sz="1492" dirty="0" smtClean="0">
+                <a:solidFill>
+                  <a:schemeClr val="bg1"/>
+                </a:solidFill>
+              </a:rPr>
+              <a:t>Movement</a:t>
+            </a:r>
+            <a:endParaRPr lang="pt-BR" sz="1492" dirty="0">
+              <a:solidFill>
+                <a:schemeClr val="bg1"/>
+              </a:solidFill>
+            </a:endParaRPr>
+          </a:p>
+        </p:txBody>
+      </p:sp>
+      <p:sp>
+        <p:nvSpPr>
+          <p:cNvPr id="66" name="Oval 65"/>
+          <p:cNvSpPr/>
+          <p:nvPr/>
+        </p:nvSpPr>
+        <p:spPr>
+          <a:xfrm>
+            <a:off x="9688368" y="2107684"/>
+            <a:ext cx="1586333" cy="659803"/>
+          </a:xfrm>
+          <a:prstGeom prst="ellipse">
+            <a:avLst/>
+          </a:prstGeom>
+        </p:spPr>
+        <p:style>
+          <a:lnRef idx="3">
+            <a:schemeClr val="lt1"/>
+          </a:lnRef>
+          <a:fillRef idx="1">
+            <a:schemeClr val="accent2"/>
+          </a:fillRef>
+          <a:effectRef idx="1">
+            <a:schemeClr val="accent2"/>
+          </a:effectRef>
+          <a:fontRef idx="minor">
+            <a:schemeClr val="lt1"/>
+          </a:fontRef>
+        </p:style>
+        <p:txBody>
+          <a:bodyPr rtlCol="0" anchor="ctr"/>
+          <a:lstStyle/>
+          <a:p>
+            <a:pPr algn="ctr"/>
+            <a:r>
+              <a:rPr lang="pt-BR" sz="1492" dirty="0">
+                <a:solidFill>
+                  <a:srgbClr val="FF0000"/>
+                </a:solidFill>
+              </a:rPr>
+              <a:t>Data Manager</a:t>
+            </a:r>
+          </a:p>
+        </p:txBody>
+      </p:sp>
+      <p:cxnSp>
+        <p:nvCxnSpPr>
+          <p:cNvPr id="67" name="Straight Arrow Connector 66"/>
+          <p:cNvCxnSpPr>
+            <a:stCxn id="21" idx="6"/>
+            <a:endCxn id="23" idx="2"/>
+          </p:cNvCxnSpPr>
+          <p:nvPr/>
+        </p:nvCxnSpPr>
+        <p:spPr>
+          <a:xfrm>
+            <a:off x="6105482" y="771996"/>
+            <a:ext cx="468971" cy="41126"/>
+          </a:xfrm>
+          <a:prstGeom prst="straightConnector1">
+            <a:avLst/>
+          </a:prstGeom>
+          <a:ln w="38100">
+            <a:solidFill>
+              <a:schemeClr val="tx1"/>
+            </a:solidFill>
+            <a:tailEnd type="triangle"/>
+          </a:ln>
+        </p:spPr>
+        <p:style>
+          <a:lnRef idx="1">
+            <a:schemeClr val="accent1"/>
+          </a:lnRef>
+          <a:fillRef idx="0">
+            <a:schemeClr val="accent1"/>
+          </a:fillRef>
+          <a:effectRef idx="0">
+            <a:schemeClr val="accent1"/>
+          </a:effectRef>
+          <a:fontRef idx="minor">
+            <a:schemeClr val="tx1"/>
+          </a:fontRef>
+        </p:style>
+      </p:cxnSp>
+      <p:cxnSp>
+        <p:nvCxnSpPr>
+          <p:cNvPr id="73" name="Straight Arrow Connector 72"/>
+          <p:cNvCxnSpPr/>
+          <p:nvPr/>
+        </p:nvCxnSpPr>
+        <p:spPr>
           <a:xfrm flipV="1">
-            <a:off x="5100976" y="2359842"/>
-            <a:ext cx="12700" cy="3044357"/>
-          </a:xfrm>
-          <a:prstGeom prst="bentConnector3">
-            <a:avLst>
-              <a:gd name="adj1" fmla="val 1800000"/>
-            </a:avLst>
+            <a:off x="10368361" y="4955293"/>
+            <a:ext cx="744030" cy="1"/>
+          </a:xfrm>
+          <a:prstGeom prst="straightConnector1">
+            <a:avLst/>
+          </a:prstGeom>
+          <a:ln w="38100">
+            <a:solidFill>
+              <a:srgbClr val="00B0F0"/>
+            </a:solidFill>
+            <a:tailEnd type="triangle"/>
+          </a:ln>
+        </p:spPr>
+        <p:style>
+          <a:lnRef idx="1">
+            <a:schemeClr val="accent1"/>
+          </a:lnRef>
+          <a:fillRef idx="0">
+            <a:schemeClr val="accent1"/>
+          </a:fillRef>
+          <a:effectRef idx="0">
+            <a:schemeClr val="accent1"/>
+          </a:effectRef>
+          <a:fontRef idx="minor">
+            <a:schemeClr val="tx1"/>
+          </a:fontRef>
+        </p:style>
+      </p:cxnSp>
+      <p:cxnSp>
+        <p:nvCxnSpPr>
+          <p:cNvPr id="74" name="Straight Arrow Connector 73"/>
+          <p:cNvCxnSpPr/>
+          <p:nvPr/>
+        </p:nvCxnSpPr>
+        <p:spPr>
+          <a:xfrm flipV="1">
+            <a:off x="10368361" y="4624121"/>
+            <a:ext cx="744030" cy="1"/>
+          </a:xfrm>
+          <a:prstGeom prst="straightConnector1">
+            <a:avLst/>
           </a:prstGeom>
           <a:ln w="38100">
             <a:solidFill>
@@ -4287,17 +4486,14 @@
       </p:cxnSp>
       <p:cxnSp>
         <p:nvCxnSpPr>
-          <p:cNvPr id="50" name="Straight Arrow Connector 49"/>
-          <p:cNvCxnSpPr>
-            <a:stCxn id="38" idx="5"/>
-            <a:endCxn id="45" idx="2"/>
-          </p:cNvCxnSpPr>
+          <p:cNvPr id="76" name="Straight Arrow Connector 75"/>
+          <p:cNvCxnSpPr/>
           <p:nvPr/>
         </p:nvCxnSpPr>
         <p:spPr>
           <a:xfrm flipV="1">
-            <a:off x="4868663" y="5404198"/>
-            <a:ext cx="976343" cy="233276"/>
+            <a:off x="10368361" y="4292949"/>
+            <a:ext cx="744030" cy="1"/>
           </a:xfrm>
           <a:prstGeom prst="straightConnector1">
             <a:avLst/>
@@ -4326,157 +4522,210 @@
       </p:cxnSp>
       <p:sp>
         <p:nvSpPr>
-          <p:cNvPr id="36" name="Rectangle 35"/>
-          <p:cNvSpPr/>
-          <p:nvPr/>
-        </p:nvSpPr>
-        <p:spPr>
-          <a:xfrm>
-            <a:off x="709385" y="1688996"/>
-            <a:ext cx="7032172" cy="6244518"/>
+          <p:cNvPr id="68" name="TextBox 67"/>
+          <p:cNvSpPr txBox="1"/>
+          <p:nvPr/>
+        </p:nvSpPr>
+        <p:spPr>
+          <a:xfrm>
+            <a:off x="11161591" y="4108282"/>
+            <a:ext cx="1538563" cy="369332"/>
           </a:xfrm>
           <a:prstGeom prst="rect">
             <a:avLst/>
           </a:prstGeom>
           <a:noFill/>
-          <a:ln w="28575">
-            <a:solidFill>
-              <a:schemeClr val="tx1"/>
-            </a:solidFill>
-            <a:prstDash val="dash"/>
-          </a:ln>
-        </p:spPr>
-        <p:style>
-          <a:lnRef idx="1">
-            <a:schemeClr val="dk1"/>
-          </a:lnRef>
-          <a:fillRef idx="2">
-            <a:schemeClr val="dk1"/>
-          </a:fillRef>
-          <a:effectRef idx="1">
-            <a:schemeClr val="dk1"/>
-          </a:effectRef>
-          <a:fontRef idx="minor">
-            <a:schemeClr val="dk1"/>
-          </a:fontRef>
-        </p:style>
-        <p:txBody>
-          <a:bodyPr rtlCol="0" anchor="ctr"/>
-          <a:lstStyle/>
-          <a:p>
-            <a:pPr algn="ctr"/>
-            <a:endParaRPr lang="pt-BR"/>
-          </a:p>
-        </p:txBody>
-      </p:sp>
-      <p:sp>
-        <p:nvSpPr>
-          <p:cNvPr id="54" name="Oval 53"/>
-          <p:cNvSpPr/>
-          <p:nvPr/>
-        </p:nvSpPr>
-        <p:spPr>
-          <a:xfrm>
-            <a:off x="3514642" y="7083745"/>
-            <a:ext cx="1586333" cy="659803"/>
-          </a:xfrm>
-          <a:prstGeom prst="ellipse">
-            <a:avLst/>
-          </a:prstGeom>
-        </p:spPr>
-        <p:style>
-          <a:lnRef idx="3">
-            <a:schemeClr val="lt1"/>
-          </a:lnRef>
-          <a:fillRef idx="1">
-            <a:schemeClr val="accent2"/>
-          </a:fillRef>
-          <a:effectRef idx="1">
-            <a:schemeClr val="accent2"/>
-          </a:effectRef>
-          <a:fontRef idx="minor">
-            <a:schemeClr val="lt1"/>
-          </a:fontRef>
-        </p:style>
-        <p:txBody>
-          <a:bodyPr rtlCol="0" anchor="ctr"/>
-          <a:lstStyle/>
-          <a:p>
-            <a:pPr algn="ctr"/>
-            <a:r>
-              <a:rPr lang="pt-BR" sz="1492" dirty="0"/>
-              <a:t>Robot</a:t>
-            </a:r>
-          </a:p>
-          <a:p>
-            <a:pPr algn="ctr"/>
-            <a:r>
-              <a:rPr lang="pt-BR" sz="1492" dirty="0"/>
-              <a:t>Cursor</a:t>
-            </a:r>
-          </a:p>
-        </p:txBody>
-      </p:sp>
-      <p:sp>
-        <p:nvSpPr>
-          <p:cNvPr id="59" name="Oval 58"/>
-          <p:cNvSpPr/>
-          <p:nvPr/>
-        </p:nvSpPr>
-        <p:spPr>
-          <a:xfrm>
-            <a:off x="3514641" y="6093604"/>
-            <a:ext cx="1586333" cy="659803"/>
-          </a:xfrm>
-          <a:prstGeom prst="ellipse">
-            <a:avLst/>
-          </a:prstGeom>
-          <a:ln>
-            <a:solidFill>
-              <a:schemeClr val="tx1"/>
-            </a:solidFill>
-            <a:prstDash val="dash"/>
-          </a:ln>
-        </p:spPr>
-        <p:style>
-          <a:lnRef idx="3">
-            <a:schemeClr val="lt1"/>
-          </a:lnRef>
-          <a:fillRef idx="1">
-            <a:schemeClr val="accent2"/>
-          </a:fillRef>
-          <a:effectRef idx="1">
-            <a:schemeClr val="accent2"/>
-          </a:effectRef>
-          <a:fontRef idx="minor">
-            <a:schemeClr val="lt1"/>
-          </a:fontRef>
-        </p:style>
-        <p:txBody>
-          <a:bodyPr rtlCol="0" anchor="ctr"/>
-          <a:lstStyle/>
-          <a:p>
-            <a:pPr algn="ctr"/>
-            <a:r>
-              <a:rPr lang="pt-BR" sz="1492" dirty="0"/>
-              <a:t>Connection</a:t>
+        </p:spPr>
+        <p:txBody>
+          <a:bodyPr wrap="none" rtlCol="0">
+            <a:spAutoFit/>
+          </a:bodyPr>
+          <a:lstStyle/>
+          <a:p>
+            <a:r>
+              <a:rPr lang="pt-BR" dirty="0"/>
+              <a:t>Utiliza a classe</a:t>
+            </a:r>
+          </a:p>
+        </p:txBody>
+      </p:sp>
+      <p:sp>
+        <p:nvSpPr>
+          <p:cNvPr id="77" name="TextBox 76"/>
+          <p:cNvSpPr txBox="1"/>
+          <p:nvPr/>
+        </p:nvSpPr>
+        <p:spPr>
+          <a:xfrm>
+            <a:off x="11172476" y="4439454"/>
+            <a:ext cx="1775230" cy="369332"/>
+          </a:xfrm>
+          <a:prstGeom prst="rect">
+            <a:avLst/>
+          </a:prstGeom>
+          <a:noFill/>
+        </p:spPr>
+        <p:txBody>
+          <a:bodyPr wrap="none" rtlCol="0">
+            <a:spAutoFit/>
+          </a:bodyPr>
+          <a:lstStyle/>
+          <a:p>
+            <a:r>
+              <a:rPr lang="pt-BR" dirty="0"/>
+              <a:t>Utiliza o instance</a:t>
+            </a:r>
+          </a:p>
+        </p:txBody>
+      </p:sp>
+      <p:sp>
+        <p:nvSpPr>
+          <p:cNvPr id="78" name="TextBox 77"/>
+          <p:cNvSpPr txBox="1"/>
+          <p:nvPr/>
+        </p:nvSpPr>
+        <p:spPr>
+          <a:xfrm>
+            <a:off x="11183363" y="4770626"/>
+            <a:ext cx="2130391" cy="369332"/>
+          </a:xfrm>
+          <a:prstGeom prst="rect">
+            <a:avLst/>
+          </a:prstGeom>
+          <a:noFill/>
+        </p:spPr>
+        <p:txBody>
+          <a:bodyPr wrap="none" rtlCol="0">
+            <a:spAutoFit/>
+          </a:bodyPr>
+          <a:lstStyle/>
+          <a:p>
+            <a:r>
+              <a:rPr lang="pt-BR" dirty="0"/>
+              <a:t>Utiliza uma var static</a:t>
             </a:r>
           </a:p>
         </p:txBody>
       </p:sp>
       <p:cxnSp>
         <p:nvCxnSpPr>
-          <p:cNvPr id="62" name="Straight Arrow Connector 61"/>
+          <p:cNvPr id="79" name="Straight Arrow Connector 78"/>
+          <p:cNvCxnSpPr/>
+          <p:nvPr/>
+        </p:nvCxnSpPr>
+        <p:spPr>
+          <a:xfrm flipV="1">
+            <a:off x="10368361" y="5286465"/>
+            <a:ext cx="744030" cy="1"/>
+          </a:xfrm>
+          <a:prstGeom prst="straightConnector1">
+            <a:avLst/>
+          </a:prstGeom>
+          <a:ln w="38100">
+            <a:solidFill>
+              <a:srgbClr val="00B0F0"/>
+            </a:solidFill>
+            <a:prstDash val="sysDash"/>
+            <a:tailEnd type="triangle"/>
+          </a:ln>
+        </p:spPr>
+        <p:style>
+          <a:lnRef idx="1">
+            <a:schemeClr val="accent1"/>
+          </a:lnRef>
+          <a:fillRef idx="0">
+            <a:schemeClr val="accent1"/>
+          </a:fillRef>
+          <a:effectRef idx="0">
+            <a:schemeClr val="accent1"/>
+          </a:effectRef>
+          <a:fontRef idx="minor">
+            <a:schemeClr val="tx1"/>
+          </a:fontRef>
+        </p:style>
+      </p:cxnSp>
+      <p:sp>
+        <p:nvSpPr>
+          <p:cNvPr id="80" name="TextBox 79"/>
+          <p:cNvSpPr txBox="1"/>
+          <p:nvPr/>
+        </p:nvSpPr>
+        <p:spPr>
+          <a:xfrm>
+            <a:off x="11183363" y="5101798"/>
+            <a:ext cx="2250809" cy="369332"/>
+          </a:xfrm>
+          <a:prstGeom prst="rect">
+            <a:avLst/>
+          </a:prstGeom>
+          <a:noFill/>
+        </p:spPr>
+        <p:txBody>
+          <a:bodyPr wrap="none" rtlCol="0">
+            <a:spAutoFit/>
+          </a:bodyPr>
+          <a:lstStyle/>
+          <a:p>
+            <a:r>
+              <a:rPr lang="pt-BR" dirty="0"/>
+              <a:t>Utiliza uma func static</a:t>
+            </a:r>
+          </a:p>
+        </p:txBody>
+      </p:sp>
+      <p:cxnSp>
+        <p:nvCxnSpPr>
+          <p:cNvPr id="94" name="Straight Arrow Connector 93"/>
           <p:cNvCxnSpPr>
-            <a:stCxn id="38" idx="4"/>
-            <a:endCxn id="59" idx="0"/>
+            <a:stCxn id="38" idx="7"/>
+            <a:endCxn id="18" idx="3"/>
           </p:cNvCxnSpPr>
           <p:nvPr/>
         </p:nvCxnSpPr>
         <p:spPr>
-          <a:xfrm flipH="1">
-            <a:off x="4307807" y="5734099"/>
-            <a:ext cx="2" cy="359504"/>
+          <a:xfrm flipV="1">
+            <a:off x="3210502" y="3425343"/>
+            <a:ext cx="1648770" cy="228576"/>
+          </a:xfrm>
+          <a:prstGeom prst="straightConnector1">
+            <a:avLst/>
+          </a:prstGeom>
+          <a:ln w="38100">
+            <a:solidFill>
+              <a:srgbClr val="00B0F0"/>
+            </a:solidFill>
+            <a:prstDash val="sysDash"/>
+            <a:tailEnd type="triangle"/>
+          </a:ln>
+        </p:spPr>
+        <p:style>
+          <a:lnRef idx="1">
+            <a:schemeClr val="accent1"/>
+          </a:lnRef>
+          <a:fillRef idx="0">
+            <a:schemeClr val="accent1"/>
+          </a:fillRef>
+          <a:effectRef idx="0">
+            <a:schemeClr val="accent1"/>
+          </a:effectRef>
+          <a:fontRef idx="minor">
+            <a:schemeClr val="tx1"/>
+          </a:fontRef>
+        </p:style>
+      </p:cxnSp>
+      <p:cxnSp>
+        <p:nvCxnSpPr>
+          <p:cNvPr id="109" name="Straight Arrow Connector 108"/>
+          <p:cNvCxnSpPr>
+            <a:stCxn id="26" idx="7"/>
+            <a:endCxn id="24" idx="3"/>
+          </p:cNvCxnSpPr>
+          <p:nvPr/>
+        </p:nvCxnSpPr>
+        <p:spPr>
+          <a:xfrm flipV="1">
+            <a:off x="1354020" y="675369"/>
+            <a:ext cx="324974" cy="409714"/>
           </a:xfrm>
           <a:prstGeom prst="straightConnector1">
             <a:avLst/>
@@ -4505,24 +4754,518 @@
       </p:cxnSp>
       <p:cxnSp>
         <p:nvCxnSpPr>
-          <p:cNvPr id="65" name="Elbow Connector 64"/>
+          <p:cNvPr id="69" name="Straight Arrow Connector 68"/>
           <p:cNvCxnSpPr>
-            <a:stCxn id="59" idx="2"/>
+            <a:stCxn id="18" idx="1"/>
+            <a:endCxn id="19" idx="4"/>
+          </p:cNvCxnSpPr>
+          <p:nvPr/>
+        </p:nvCxnSpPr>
+        <p:spPr>
+          <a:xfrm flipH="1" flipV="1">
+            <a:off x="4374525" y="2464209"/>
+            <a:ext cx="484747" cy="494583"/>
+          </a:xfrm>
+          <a:prstGeom prst="straightConnector1">
+            <a:avLst/>
+          </a:prstGeom>
+          <a:ln w="38100">
+            <a:solidFill>
+              <a:schemeClr val="tx1"/>
+            </a:solidFill>
+            <a:tailEnd type="triangle"/>
+          </a:ln>
+        </p:spPr>
+        <p:style>
+          <a:lnRef idx="1">
+            <a:schemeClr val="accent1"/>
+          </a:lnRef>
+          <a:fillRef idx="0">
+            <a:schemeClr val="accent1"/>
+          </a:fillRef>
+          <a:effectRef idx="0">
+            <a:schemeClr val="accent1"/>
+          </a:effectRef>
+          <a:fontRef idx="minor">
+            <a:schemeClr val="tx1"/>
+          </a:fontRef>
+        </p:style>
+      </p:cxnSp>
+      <p:cxnSp>
+        <p:nvCxnSpPr>
+          <p:cNvPr id="71" name="Straight Arrow Connector 70"/>
+          <p:cNvCxnSpPr>
+            <a:stCxn id="26" idx="4"/>
+            <a:endCxn id="38" idx="1"/>
+          </p:cNvCxnSpPr>
+          <p:nvPr/>
+        </p:nvCxnSpPr>
+        <p:spPr>
+          <a:xfrm>
+            <a:off x="793167" y="1648260"/>
+            <a:ext cx="1295628" cy="2005659"/>
+          </a:xfrm>
+          <a:prstGeom prst="straightConnector1">
+            <a:avLst/>
+          </a:prstGeom>
+          <a:ln w="38100">
+            <a:solidFill>
+              <a:schemeClr val="tx1"/>
+            </a:solidFill>
+            <a:tailEnd type="triangle"/>
+          </a:ln>
+        </p:spPr>
+        <p:style>
+          <a:lnRef idx="1">
+            <a:schemeClr val="accent1"/>
+          </a:lnRef>
+          <a:fillRef idx="0">
+            <a:schemeClr val="accent1"/>
+          </a:fillRef>
+          <a:effectRef idx="0">
+            <a:schemeClr val="accent1"/>
+          </a:effectRef>
+          <a:fontRef idx="minor">
+            <a:schemeClr val="tx1"/>
+          </a:fontRef>
+        </p:style>
+      </p:cxnSp>
+      <p:cxnSp>
+        <p:nvCxnSpPr>
+          <p:cNvPr id="81" name="Straight Arrow Connector 80"/>
+          <p:cNvCxnSpPr>
+            <a:stCxn id="20" idx="4"/>
+            <a:endCxn id="59" idx="0"/>
+          </p:cNvCxnSpPr>
+          <p:nvPr/>
+        </p:nvCxnSpPr>
+        <p:spPr>
+          <a:xfrm flipH="1">
+            <a:off x="6624940" y="3963269"/>
+            <a:ext cx="737062" cy="799195"/>
+          </a:xfrm>
+          <a:prstGeom prst="straightConnector1">
+            <a:avLst/>
+          </a:prstGeom>
+          <a:ln w="38100">
+            <a:solidFill>
+              <a:schemeClr val="tx1"/>
+            </a:solidFill>
+            <a:tailEnd type="triangle"/>
+          </a:ln>
+        </p:spPr>
+        <p:style>
+          <a:lnRef idx="1">
+            <a:schemeClr val="accent1"/>
+          </a:lnRef>
+          <a:fillRef idx="0">
+            <a:schemeClr val="accent1"/>
+          </a:fillRef>
+          <a:effectRef idx="0">
+            <a:schemeClr val="accent1"/>
+          </a:effectRef>
+          <a:fontRef idx="minor">
+            <a:schemeClr val="tx1"/>
+          </a:fontRef>
+        </p:style>
+      </p:cxnSp>
+      <p:cxnSp>
+        <p:nvCxnSpPr>
+          <p:cNvPr id="82" name="Straight Arrow Connector 81"/>
+          <p:cNvCxnSpPr>
+            <a:stCxn id="45" idx="2"/>
+            <a:endCxn id="22" idx="6"/>
+          </p:cNvCxnSpPr>
+          <p:nvPr/>
+        </p:nvCxnSpPr>
+        <p:spPr>
+          <a:xfrm flipH="1" flipV="1">
+            <a:off x="4172410" y="5818920"/>
+            <a:ext cx="648730" cy="378368"/>
+          </a:xfrm>
+          <a:prstGeom prst="straightConnector1">
+            <a:avLst/>
+          </a:prstGeom>
+          <a:ln w="38100">
+            <a:solidFill>
+              <a:schemeClr val="tx1"/>
+            </a:solidFill>
+            <a:tailEnd type="triangle"/>
+          </a:ln>
+        </p:spPr>
+        <p:style>
+          <a:lnRef idx="1">
+            <a:schemeClr val="accent1"/>
+          </a:lnRef>
+          <a:fillRef idx="0">
+            <a:schemeClr val="accent1"/>
+          </a:fillRef>
+          <a:effectRef idx="0">
+            <a:schemeClr val="accent1"/>
+          </a:effectRef>
+          <a:fontRef idx="minor">
+            <a:schemeClr val="tx1"/>
+          </a:fontRef>
+        </p:style>
+      </p:cxnSp>
+      <p:cxnSp>
+        <p:nvCxnSpPr>
+          <p:cNvPr id="87" name="Straight Arrow Connector 86"/>
+          <p:cNvCxnSpPr>
+            <a:stCxn id="54" idx="3"/>
+            <a:endCxn id="29" idx="7"/>
+          </p:cNvCxnSpPr>
+          <p:nvPr/>
+        </p:nvCxnSpPr>
+        <p:spPr>
+          <a:xfrm flipH="1">
+            <a:off x="7645142" y="6269414"/>
+            <a:ext cx="1230311" cy="769723"/>
+          </a:xfrm>
+          <a:prstGeom prst="straightConnector1">
+            <a:avLst/>
+          </a:prstGeom>
+          <a:ln w="38100">
+            <a:solidFill>
+              <a:schemeClr val="tx1"/>
+            </a:solidFill>
+            <a:tailEnd type="triangle"/>
+          </a:ln>
+        </p:spPr>
+        <p:style>
+          <a:lnRef idx="1">
+            <a:schemeClr val="accent1"/>
+          </a:lnRef>
+          <a:fillRef idx="0">
+            <a:schemeClr val="accent1"/>
+          </a:fillRef>
+          <a:effectRef idx="0">
+            <a:schemeClr val="accent1"/>
+          </a:effectRef>
+          <a:fontRef idx="minor">
+            <a:schemeClr val="tx1"/>
+          </a:fontRef>
+        </p:style>
+      </p:cxnSp>
+      <p:cxnSp>
+        <p:nvCxnSpPr>
+          <p:cNvPr id="92" name="Straight Arrow Connector 91"/>
+          <p:cNvCxnSpPr>
+            <a:stCxn id="19" idx="1"/>
+            <a:endCxn id="25" idx="5"/>
+          </p:cNvCxnSpPr>
+          <p:nvPr/>
+        </p:nvCxnSpPr>
+        <p:spPr>
+          <a:xfrm flipH="1" flipV="1">
+            <a:off x="3260855" y="1869017"/>
+            <a:ext cx="552816" cy="32015"/>
+          </a:xfrm>
+          <a:prstGeom prst="straightConnector1">
+            <a:avLst/>
+          </a:prstGeom>
+          <a:ln w="38100">
+            <a:solidFill>
+              <a:schemeClr val="tx1"/>
+            </a:solidFill>
+            <a:tailEnd type="triangle"/>
+          </a:ln>
+        </p:spPr>
+        <p:style>
+          <a:lnRef idx="1">
+            <a:schemeClr val="accent1"/>
+          </a:lnRef>
+          <a:fillRef idx="0">
+            <a:schemeClr val="accent1"/>
+          </a:fillRef>
+          <a:effectRef idx="0">
+            <a:schemeClr val="accent1"/>
+          </a:effectRef>
+          <a:fontRef idx="minor">
+            <a:schemeClr val="tx1"/>
+          </a:fontRef>
+        </p:style>
+      </p:cxnSp>
+      <p:cxnSp>
+        <p:nvCxnSpPr>
+          <p:cNvPr id="105" name="Straight Arrow Connector 104"/>
+          <p:cNvCxnSpPr>
+            <a:stCxn id="38" idx="6"/>
             <a:endCxn id="20" idx="2"/>
           </p:cNvCxnSpPr>
           <p:nvPr/>
         </p:nvCxnSpPr>
         <p:spPr>
-          <a:xfrm rot="10800000" flipH="1">
-            <a:off x="3514640" y="2359841"/>
-            <a:ext cx="2" cy="4063664"/>
-          </a:xfrm>
-          <a:prstGeom prst="bentConnector3">
+          <a:xfrm flipV="1">
+            <a:off x="3442815" y="3633368"/>
+            <a:ext cx="3126020" cy="253827"/>
+          </a:xfrm>
+          <a:prstGeom prst="straightConnector1">
+            <a:avLst/>
+          </a:prstGeom>
+          <a:ln w="38100">
+            <a:solidFill>
+              <a:schemeClr val="bg1">
+                <a:lumMod val="50000"/>
+              </a:schemeClr>
+            </a:solidFill>
+            <a:tailEnd type="triangle"/>
+          </a:ln>
+        </p:spPr>
+        <p:style>
+          <a:lnRef idx="1">
+            <a:schemeClr val="accent1"/>
+          </a:lnRef>
+          <a:fillRef idx="0">
+            <a:schemeClr val="accent1"/>
+          </a:fillRef>
+          <a:effectRef idx="0">
+            <a:schemeClr val="accent1"/>
+          </a:effectRef>
+          <a:fontRef idx="minor">
+            <a:schemeClr val="tx1"/>
+          </a:fontRef>
+        </p:style>
+      </p:cxnSp>
+      <p:cxnSp>
+        <p:nvCxnSpPr>
+          <p:cNvPr id="108" name="Straight Arrow Connector 107"/>
+          <p:cNvCxnSpPr>
+            <a:stCxn id="54" idx="0"/>
+            <a:endCxn id="20" idx="5"/>
+          </p:cNvCxnSpPr>
+          <p:nvPr/>
+        </p:nvCxnSpPr>
+        <p:spPr>
+          <a:xfrm flipH="1" flipV="1">
+            <a:off x="7922855" y="3866643"/>
+            <a:ext cx="1513452" cy="1839594"/>
+          </a:xfrm>
+          <a:prstGeom prst="straightConnector1">
+            <a:avLst/>
+          </a:prstGeom>
+          <a:ln w="38100">
+            <a:solidFill>
+              <a:schemeClr val="bg1">
+                <a:lumMod val="50000"/>
+              </a:schemeClr>
+            </a:solidFill>
+            <a:tailEnd type="triangle"/>
+          </a:ln>
+        </p:spPr>
+        <p:style>
+          <a:lnRef idx="1">
+            <a:schemeClr val="accent1"/>
+          </a:lnRef>
+          <a:fillRef idx="0">
+            <a:schemeClr val="accent1"/>
+          </a:fillRef>
+          <a:effectRef idx="0">
+            <a:schemeClr val="accent1"/>
+          </a:effectRef>
+          <a:fontRef idx="minor">
+            <a:schemeClr val="tx1"/>
+          </a:fontRef>
+        </p:style>
+      </p:cxnSp>
+      <p:cxnSp>
+        <p:nvCxnSpPr>
+          <p:cNvPr id="89" name="Straight Arrow Connector 88"/>
+          <p:cNvCxnSpPr>
+            <a:stCxn id="45" idx="0"/>
+            <a:endCxn id="18" idx="4"/>
+          </p:cNvCxnSpPr>
+          <p:nvPr/>
+        </p:nvCxnSpPr>
+        <p:spPr>
+          <a:xfrm flipH="1" flipV="1">
+            <a:off x="5420126" y="3521969"/>
+            <a:ext cx="194181" cy="2345417"/>
+          </a:xfrm>
+          <a:prstGeom prst="straightConnector1">
+            <a:avLst/>
+          </a:prstGeom>
+          <a:ln w="38100">
+            <a:solidFill>
+              <a:srgbClr val="00B0F0"/>
+            </a:solidFill>
+            <a:prstDash val="sysDash"/>
+            <a:tailEnd type="triangle"/>
+          </a:ln>
+        </p:spPr>
+        <p:style>
+          <a:lnRef idx="1">
+            <a:schemeClr val="accent1"/>
+          </a:lnRef>
+          <a:fillRef idx="0">
+            <a:schemeClr val="accent1"/>
+          </a:fillRef>
+          <a:effectRef idx="0">
+            <a:schemeClr val="accent1"/>
+          </a:effectRef>
+          <a:fontRef idx="minor">
+            <a:schemeClr val="tx1"/>
+          </a:fontRef>
+        </p:style>
+      </p:cxnSp>
+      <p:cxnSp>
+        <p:nvCxnSpPr>
+          <p:cNvPr id="297" name="Straight Arrow Connector 296"/>
+          <p:cNvCxnSpPr/>
+          <p:nvPr/>
+        </p:nvCxnSpPr>
+        <p:spPr>
+          <a:xfrm flipV="1">
+            <a:off x="10390133" y="5983396"/>
+            <a:ext cx="744030" cy="1"/>
+          </a:xfrm>
+          <a:prstGeom prst="straightConnector1">
+            <a:avLst/>
+          </a:prstGeom>
+          <a:ln w="38100">
+            <a:solidFill>
+              <a:schemeClr val="bg1">
+                <a:lumMod val="50000"/>
+              </a:schemeClr>
+            </a:solidFill>
+            <a:prstDash val="dash"/>
+            <a:headEnd type="none" w="med" len="med"/>
+            <a:tailEnd type="none" w="med" len="med"/>
+          </a:ln>
+        </p:spPr>
+        <p:style>
+          <a:lnRef idx="1">
+            <a:schemeClr val="accent1"/>
+          </a:lnRef>
+          <a:fillRef idx="0">
+            <a:schemeClr val="accent1"/>
+          </a:fillRef>
+          <a:effectRef idx="0">
+            <a:schemeClr val="accent1"/>
+          </a:effectRef>
+          <a:fontRef idx="minor">
+            <a:schemeClr val="tx1"/>
+          </a:fontRef>
+        </p:style>
+      </p:cxnSp>
+      <p:cxnSp>
+        <p:nvCxnSpPr>
+          <p:cNvPr id="298" name="Straight Arrow Connector 297"/>
+          <p:cNvCxnSpPr/>
+          <p:nvPr/>
+        </p:nvCxnSpPr>
+        <p:spPr>
+          <a:xfrm flipV="1">
+            <a:off x="10390133" y="5652224"/>
+            <a:ext cx="744030" cy="1"/>
+          </a:xfrm>
+          <a:prstGeom prst="straightConnector1">
+            <a:avLst/>
+          </a:prstGeom>
+          <a:ln w="38100">
+            <a:solidFill>
+              <a:schemeClr val="tx1"/>
+            </a:solidFill>
+            <a:prstDash val="dash"/>
+            <a:headEnd type="none" w="med" len="med"/>
+            <a:tailEnd type="none" w="med" len="med"/>
+          </a:ln>
+        </p:spPr>
+        <p:style>
+          <a:lnRef idx="1">
+            <a:schemeClr val="accent1"/>
+          </a:lnRef>
+          <a:fillRef idx="0">
+            <a:schemeClr val="accent1"/>
+          </a:fillRef>
+          <a:effectRef idx="0">
+            <a:schemeClr val="accent1"/>
+          </a:effectRef>
+          <a:fontRef idx="minor">
+            <a:schemeClr val="tx1"/>
+          </a:fontRef>
+        </p:style>
+      </p:cxnSp>
+      <p:sp>
+        <p:nvSpPr>
+          <p:cNvPr id="299" name="TextBox 298"/>
+          <p:cNvSpPr txBox="1"/>
+          <p:nvPr/>
+        </p:nvSpPr>
+        <p:spPr>
+          <a:xfrm>
+            <a:off x="11183363" y="5467557"/>
+            <a:ext cx="2088520" cy="369332"/>
+          </a:xfrm>
+          <a:prstGeom prst="rect">
+            <a:avLst/>
+          </a:prstGeom>
+          <a:noFill/>
+        </p:spPr>
+        <p:txBody>
+          <a:bodyPr wrap="none" rtlCol="0">
+            <a:spAutoFit/>
+          </a:bodyPr>
+          <a:lstStyle/>
+          <a:p>
+            <a:r>
+              <a:rPr lang="pt-BR" dirty="0" smtClean="0"/>
+              <a:t>Not from GameBase</a:t>
+            </a:r>
+            <a:endParaRPr lang="pt-BR" dirty="0"/>
+          </a:p>
+        </p:txBody>
+      </p:sp>
+      <p:sp>
+        <p:nvSpPr>
+          <p:cNvPr id="300" name="TextBox 299"/>
+          <p:cNvSpPr txBox="1"/>
+          <p:nvPr/>
+        </p:nvSpPr>
+        <p:spPr>
+          <a:xfrm>
+            <a:off x="11194248" y="5798729"/>
+            <a:ext cx="1600951" cy="369332"/>
+          </a:xfrm>
+          <a:prstGeom prst="rect">
+            <a:avLst/>
+          </a:prstGeom>
+          <a:noFill/>
+        </p:spPr>
+        <p:txBody>
+          <a:bodyPr wrap="none" rtlCol="0">
+            <a:spAutoFit/>
+          </a:bodyPr>
+          <a:lstStyle/>
+          <a:p>
+            <a:r>
+              <a:rPr lang="pt-BR" dirty="0" smtClean="0"/>
+              <a:t>From Singleton</a:t>
+            </a:r>
+            <a:endParaRPr lang="pt-BR" dirty="0"/>
+          </a:p>
+        </p:txBody>
+      </p:sp>
+      <p:cxnSp>
+        <p:nvCxnSpPr>
+          <p:cNvPr id="371" name="Curved Connector 370"/>
+          <p:cNvCxnSpPr>
+            <a:stCxn id="29" idx="3"/>
+            <a:endCxn id="26" idx="3"/>
+          </p:cNvCxnSpPr>
+          <p:nvPr/>
+        </p:nvCxnSpPr>
+        <p:spPr>
+          <a:xfrm rot="5400000" flipH="1">
+            <a:off x="400847" y="1383100"/>
+            <a:ext cx="5954054" cy="6291122"/>
+          </a:xfrm>
+          <a:prstGeom prst="curvedConnector3">
             <a:avLst>
-              <a:gd name="adj1" fmla="val -11430000000"/>
+              <a:gd name="adj1" fmla="val -7839"/>
             </a:avLst>
           </a:prstGeom>
-          <a:ln w="38100">
+          <a:ln w="28575">
             <a:solidFill>
               <a:schemeClr val="tx1"/>
             </a:solidFill>
@@ -4547,17 +5290,17 @@
       </p:cxnSp>
       <p:cxnSp>
         <p:nvCxnSpPr>
-          <p:cNvPr id="75" name="Straight Arrow Connector 74"/>
+          <p:cNvPr id="60" name="Straight Arrow Connector 59"/>
           <p:cNvCxnSpPr>
-            <a:stCxn id="54" idx="0"/>
-            <a:endCxn id="59" idx="4"/>
+            <a:stCxn id="20" idx="7"/>
+            <a:endCxn id="88" idx="4"/>
           </p:cNvCxnSpPr>
           <p:nvPr/>
         </p:nvCxnSpPr>
         <p:spPr>
-          <a:xfrm flipH="1" flipV="1">
-            <a:off x="4307808" y="6753406"/>
-            <a:ext cx="1" cy="330338"/>
+          <a:xfrm flipV="1">
+            <a:off x="7922855" y="2740289"/>
+            <a:ext cx="132056" cy="659803"/>
           </a:xfrm>
           <a:prstGeom prst="straightConnector1">
             <a:avLst/>
@@ -4584,168 +5327,22 @@
           </a:fontRef>
         </p:style>
       </p:cxnSp>
-      <p:sp>
-        <p:nvSpPr>
-          <p:cNvPr id="88" name="Oval 87"/>
-          <p:cNvSpPr/>
-          <p:nvPr/>
-        </p:nvSpPr>
-        <p:spPr>
-          <a:xfrm>
-            <a:off x="5845006" y="6093604"/>
-            <a:ext cx="1586333" cy="659803"/>
-          </a:xfrm>
-          <a:prstGeom prst="ellipse">
-            <a:avLst/>
-          </a:prstGeom>
-        </p:spPr>
-        <p:style>
-          <a:lnRef idx="3">
-            <a:schemeClr val="lt1"/>
-          </a:lnRef>
-          <a:fillRef idx="1">
-            <a:schemeClr val="accent2"/>
-          </a:fillRef>
-          <a:effectRef idx="1">
-            <a:schemeClr val="accent2"/>
-          </a:effectRef>
-          <a:fontRef idx="minor">
-            <a:schemeClr val="lt1"/>
-          </a:fontRef>
-        </p:style>
-        <p:txBody>
-          <a:bodyPr rtlCol="0" anchor="ctr"/>
-          <a:lstStyle/>
-          <a:p>
-            <a:pPr algn="ctr"/>
-            <a:r>
-              <a:rPr lang="pt-BR" sz="1492" dirty="0" smtClean="0">
-                <a:solidFill>
-                  <a:srgbClr val="FF0000"/>
-                </a:solidFill>
-              </a:rPr>
-              <a:t>Ankle</a:t>
-            </a:r>
-          </a:p>
-          <a:p>
-            <a:pPr algn="ctr"/>
-            <a:r>
-              <a:rPr lang="pt-BR" sz="1492" dirty="0" smtClean="0">
-                <a:solidFill>
-                  <a:srgbClr val="FF0000"/>
-                </a:solidFill>
-              </a:rPr>
-              <a:t>Movement?</a:t>
-            </a:r>
-            <a:endParaRPr lang="pt-BR" sz="1492" dirty="0">
-              <a:solidFill>
-                <a:srgbClr val="FF0000"/>
-              </a:solidFill>
-            </a:endParaRPr>
-          </a:p>
-        </p:txBody>
-      </p:sp>
       <p:cxnSp>
         <p:nvCxnSpPr>
-          <p:cNvPr id="90" name="Elbow Connector 89"/>
+          <p:cNvPr id="3" name="Curved Connector 2"/>
           <p:cNvCxnSpPr>
-            <a:stCxn id="45" idx="3"/>
-            <a:endCxn id="22" idx="5"/>
+            <a:stCxn id="45" idx="6"/>
+            <a:endCxn id="88" idx="5"/>
           </p:cNvCxnSpPr>
           <p:nvPr/>
         </p:nvCxnSpPr>
         <p:spPr>
-          <a:xfrm rot="5400000" flipH="1">
-            <a:off x="4301771" y="3861925"/>
-            <a:ext cx="12073" cy="3539022"/>
-          </a:xfrm>
-          <a:prstGeom prst="bentConnector3">
-            <a:avLst>
-              <a:gd name="adj1" fmla="val -1972501"/>
-            </a:avLst>
-          </a:prstGeom>
-          <a:ln w="28575">
-            <a:solidFill>
-              <a:schemeClr val="tx1"/>
-            </a:solidFill>
-            <a:tailEnd type="triangle"/>
-          </a:ln>
-        </p:spPr>
-        <p:style>
-          <a:lnRef idx="1">
-            <a:schemeClr val="accent1"/>
-          </a:lnRef>
-          <a:fillRef idx="0">
-            <a:schemeClr val="accent1"/>
-          </a:fillRef>
-          <a:effectRef idx="0">
-            <a:schemeClr val="accent1"/>
-          </a:effectRef>
-          <a:fontRef idx="minor">
-            <a:schemeClr val="tx1"/>
-          </a:fontRef>
-        </p:style>
-      </p:cxnSp>
-      <p:cxnSp>
-        <p:nvCxnSpPr>
-          <p:cNvPr id="47" name="Elbow Connector 46"/>
-          <p:cNvCxnSpPr>
-            <a:stCxn id="54" idx="2"/>
-            <a:endCxn id="29" idx="6"/>
-          </p:cNvCxnSpPr>
-          <p:nvPr/>
-        </p:nvCxnSpPr>
-        <p:spPr>
-          <a:xfrm rot="10800000">
-            <a:off x="2770610" y="6402887"/>
-            <a:ext cx="744033" cy="1010761"/>
-          </a:xfrm>
-          <a:prstGeom prst="bentConnector3">
-            <a:avLst>
-              <a:gd name="adj1" fmla="val 50000"/>
-            </a:avLst>
-          </a:prstGeom>
-          <a:ln w="28575">
-            <a:solidFill>
-              <a:schemeClr val="tx1"/>
-            </a:solidFill>
-            <a:tailEnd type="triangle"/>
-          </a:ln>
-        </p:spPr>
-        <p:style>
-          <a:lnRef idx="1">
-            <a:schemeClr val="accent1"/>
-          </a:lnRef>
-          <a:fillRef idx="0">
-            <a:schemeClr val="accent1"/>
-          </a:fillRef>
-          <a:effectRef idx="0">
-            <a:schemeClr val="accent1"/>
-          </a:effectRef>
-          <a:fontRef idx="minor">
-            <a:schemeClr val="tx1"/>
-          </a:fontRef>
-        </p:style>
-      </p:cxnSp>
-      <p:cxnSp>
-        <p:nvCxnSpPr>
-          <p:cNvPr id="48" name="Elbow Connector 47"/>
-          <p:cNvCxnSpPr>
-            <a:stCxn id="54" idx="6"/>
-            <a:endCxn id="20" idx="5"/>
-          </p:cNvCxnSpPr>
-          <p:nvPr/>
-        </p:nvCxnSpPr>
-        <p:spPr>
-          <a:xfrm flipH="1" flipV="1">
-            <a:off x="4868662" y="2593116"/>
-            <a:ext cx="232312" cy="4820530"/>
-          </a:xfrm>
-          <a:prstGeom prst="bentConnector4">
-            <a:avLst>
-              <a:gd name="adj1" fmla="val -60915"/>
-              <a:gd name="adj2" fmla="val 99165"/>
-            </a:avLst>
+          <a:xfrm flipV="1">
+            <a:off x="6407473" y="2643663"/>
+            <a:ext cx="2208291" cy="3553625"/>
+          </a:xfrm>
+          <a:prstGeom prst="curvedConnector2">
+            <a:avLst/>
           </a:prstGeom>
           <a:ln w="28575">
             <a:solidFill>
@@ -4771,560 +5368,10 @@
           </a:fontRef>
         </p:style>
       </p:cxnSp>
-      <p:sp>
-        <p:nvSpPr>
-          <p:cNvPr id="66" name="Oval 65"/>
-          <p:cNvSpPr/>
-          <p:nvPr/>
-        </p:nvSpPr>
-        <p:spPr>
-          <a:xfrm>
-            <a:off x="7977781" y="2049206"/>
-            <a:ext cx="1586333" cy="659803"/>
-          </a:xfrm>
-          <a:prstGeom prst="ellipse">
-            <a:avLst/>
-          </a:prstGeom>
-        </p:spPr>
-        <p:style>
-          <a:lnRef idx="3">
-            <a:schemeClr val="lt1"/>
-          </a:lnRef>
-          <a:fillRef idx="1">
-            <a:schemeClr val="accent2"/>
-          </a:fillRef>
-          <a:effectRef idx="1">
-            <a:schemeClr val="accent2"/>
-          </a:effectRef>
-          <a:fontRef idx="minor">
-            <a:schemeClr val="lt1"/>
-          </a:fontRef>
-        </p:style>
-        <p:txBody>
-          <a:bodyPr rtlCol="0" anchor="ctr"/>
-          <a:lstStyle/>
-          <a:p>
-            <a:pPr algn="ctr"/>
-            <a:r>
-              <a:rPr lang="pt-BR" sz="1492" dirty="0">
-                <a:solidFill>
-                  <a:srgbClr val="FF0000"/>
-                </a:solidFill>
-              </a:rPr>
-              <a:t>Data Manager</a:t>
-            </a:r>
-          </a:p>
-        </p:txBody>
-      </p:sp>
-      <p:cxnSp>
-        <p:nvCxnSpPr>
-          <p:cNvPr id="67" name="Straight Arrow Connector 66"/>
-          <p:cNvCxnSpPr>
-            <a:stCxn id="21" idx="5"/>
-            <a:endCxn id="23" idx="2"/>
-          </p:cNvCxnSpPr>
-          <p:nvPr/>
-        </p:nvCxnSpPr>
-        <p:spPr>
-          <a:xfrm>
-            <a:off x="2538297" y="3603877"/>
-            <a:ext cx="982696" cy="776079"/>
-          </a:xfrm>
-          <a:prstGeom prst="straightConnector1">
-            <a:avLst/>
-          </a:prstGeom>
-          <a:ln w="38100">
-            <a:solidFill>
-              <a:schemeClr val="tx1"/>
-            </a:solidFill>
-            <a:tailEnd type="triangle"/>
-          </a:ln>
-        </p:spPr>
-        <p:style>
-          <a:lnRef idx="1">
-            <a:schemeClr val="accent1"/>
-          </a:lnRef>
-          <a:fillRef idx="0">
-            <a:schemeClr val="accent1"/>
-          </a:fillRef>
-          <a:effectRef idx="0">
-            <a:schemeClr val="accent1"/>
-          </a:effectRef>
-          <a:fontRef idx="minor">
-            <a:schemeClr val="tx1"/>
-          </a:fontRef>
-        </p:style>
-      </p:cxnSp>
-      <p:cxnSp>
-        <p:nvCxnSpPr>
-          <p:cNvPr id="73" name="Straight Arrow Connector 72"/>
-          <p:cNvCxnSpPr/>
-          <p:nvPr/>
-        </p:nvCxnSpPr>
-        <p:spPr>
-          <a:xfrm flipV="1">
-            <a:off x="8236882" y="3518378"/>
-            <a:ext cx="744030" cy="1"/>
-          </a:xfrm>
-          <a:prstGeom prst="straightConnector1">
-            <a:avLst/>
-          </a:prstGeom>
-          <a:ln w="38100">
-            <a:solidFill>
-              <a:srgbClr val="00B0F0"/>
-            </a:solidFill>
-            <a:tailEnd type="triangle"/>
-          </a:ln>
-        </p:spPr>
-        <p:style>
-          <a:lnRef idx="1">
-            <a:schemeClr val="accent1"/>
-          </a:lnRef>
-          <a:fillRef idx="0">
-            <a:schemeClr val="accent1"/>
-          </a:fillRef>
-          <a:effectRef idx="0">
-            <a:schemeClr val="accent1"/>
-          </a:effectRef>
-          <a:fontRef idx="minor">
-            <a:schemeClr val="tx1"/>
-          </a:fontRef>
-        </p:style>
-      </p:cxnSp>
-      <p:cxnSp>
-        <p:nvCxnSpPr>
-          <p:cNvPr id="74" name="Straight Arrow Connector 73"/>
-          <p:cNvCxnSpPr/>
-          <p:nvPr/>
-        </p:nvCxnSpPr>
-        <p:spPr>
-          <a:xfrm flipV="1">
-            <a:off x="8236882" y="3187206"/>
-            <a:ext cx="744030" cy="1"/>
-          </a:xfrm>
-          <a:prstGeom prst="straightConnector1">
-            <a:avLst/>
-          </a:prstGeom>
-          <a:ln w="38100">
-            <a:solidFill>
-              <a:schemeClr val="bg1">
-                <a:lumMod val="50000"/>
-              </a:schemeClr>
-            </a:solidFill>
-            <a:tailEnd type="triangle"/>
-          </a:ln>
-        </p:spPr>
-        <p:style>
-          <a:lnRef idx="1">
-            <a:schemeClr val="accent1"/>
-          </a:lnRef>
-          <a:fillRef idx="0">
-            <a:schemeClr val="accent1"/>
-          </a:fillRef>
-          <a:effectRef idx="0">
-            <a:schemeClr val="accent1"/>
-          </a:effectRef>
-          <a:fontRef idx="minor">
-            <a:schemeClr val="tx1"/>
-          </a:fontRef>
-        </p:style>
-      </p:cxnSp>
-      <p:cxnSp>
-        <p:nvCxnSpPr>
-          <p:cNvPr id="76" name="Straight Arrow Connector 75"/>
-          <p:cNvCxnSpPr/>
-          <p:nvPr/>
-        </p:nvCxnSpPr>
-        <p:spPr>
-          <a:xfrm flipV="1">
-            <a:off x="8236882" y="2856034"/>
-            <a:ext cx="744030" cy="1"/>
-          </a:xfrm>
-          <a:prstGeom prst="straightConnector1">
-            <a:avLst/>
-          </a:prstGeom>
-          <a:ln w="38100">
-            <a:solidFill>
-              <a:schemeClr val="tx1"/>
-            </a:solidFill>
-            <a:tailEnd type="triangle"/>
-          </a:ln>
-        </p:spPr>
-        <p:style>
-          <a:lnRef idx="1">
-            <a:schemeClr val="accent1"/>
-          </a:lnRef>
-          <a:fillRef idx="0">
-            <a:schemeClr val="accent1"/>
-          </a:fillRef>
-          <a:effectRef idx="0">
-            <a:schemeClr val="accent1"/>
-          </a:effectRef>
-          <a:fontRef idx="minor">
-            <a:schemeClr val="tx1"/>
-          </a:fontRef>
-        </p:style>
-      </p:cxnSp>
-      <p:sp>
-        <p:nvSpPr>
-          <p:cNvPr id="68" name="TextBox 67"/>
-          <p:cNvSpPr txBox="1"/>
-          <p:nvPr/>
-        </p:nvSpPr>
-        <p:spPr>
-          <a:xfrm>
-            <a:off x="9030112" y="2671367"/>
-            <a:ext cx="1538563" cy="369332"/>
-          </a:xfrm>
-          <a:prstGeom prst="rect">
-            <a:avLst/>
-          </a:prstGeom>
-          <a:noFill/>
-        </p:spPr>
-        <p:txBody>
-          <a:bodyPr wrap="none" rtlCol="0">
-            <a:spAutoFit/>
-          </a:bodyPr>
-          <a:lstStyle/>
-          <a:p>
-            <a:r>
-              <a:rPr lang="pt-BR" dirty="0"/>
-              <a:t>Utiliza a classe</a:t>
-            </a:r>
-          </a:p>
-        </p:txBody>
-      </p:sp>
-      <p:sp>
-        <p:nvSpPr>
-          <p:cNvPr id="77" name="TextBox 76"/>
-          <p:cNvSpPr txBox="1"/>
-          <p:nvPr/>
-        </p:nvSpPr>
-        <p:spPr>
-          <a:xfrm>
-            <a:off x="9040997" y="3002539"/>
-            <a:ext cx="1775230" cy="369332"/>
-          </a:xfrm>
-          <a:prstGeom prst="rect">
-            <a:avLst/>
-          </a:prstGeom>
-          <a:noFill/>
-        </p:spPr>
-        <p:txBody>
-          <a:bodyPr wrap="none" rtlCol="0">
-            <a:spAutoFit/>
-          </a:bodyPr>
-          <a:lstStyle/>
-          <a:p>
-            <a:r>
-              <a:rPr lang="pt-BR" dirty="0"/>
-              <a:t>Utiliza o instance</a:t>
-            </a:r>
-          </a:p>
-        </p:txBody>
-      </p:sp>
-      <p:sp>
-        <p:nvSpPr>
-          <p:cNvPr id="78" name="TextBox 77"/>
-          <p:cNvSpPr txBox="1"/>
-          <p:nvPr/>
-        </p:nvSpPr>
-        <p:spPr>
-          <a:xfrm>
-            <a:off x="9051884" y="3333711"/>
-            <a:ext cx="2130391" cy="369332"/>
-          </a:xfrm>
-          <a:prstGeom prst="rect">
-            <a:avLst/>
-          </a:prstGeom>
-          <a:noFill/>
-        </p:spPr>
-        <p:txBody>
-          <a:bodyPr wrap="none" rtlCol="0">
-            <a:spAutoFit/>
-          </a:bodyPr>
-          <a:lstStyle/>
-          <a:p>
-            <a:r>
-              <a:rPr lang="pt-BR" dirty="0"/>
-              <a:t>Utiliza uma var static</a:t>
-            </a:r>
-          </a:p>
-        </p:txBody>
-      </p:sp>
-      <p:cxnSp>
-        <p:nvCxnSpPr>
-          <p:cNvPr id="79" name="Straight Arrow Connector 78"/>
-          <p:cNvCxnSpPr/>
-          <p:nvPr/>
-        </p:nvCxnSpPr>
-        <p:spPr>
-          <a:xfrm flipV="1">
-            <a:off x="8236882" y="3849550"/>
-            <a:ext cx="744030" cy="1"/>
-          </a:xfrm>
-          <a:prstGeom prst="straightConnector1">
-            <a:avLst/>
-          </a:prstGeom>
-          <a:ln w="38100">
-            <a:solidFill>
-              <a:srgbClr val="00B0F0"/>
-            </a:solidFill>
-            <a:prstDash val="sysDash"/>
-            <a:tailEnd type="triangle"/>
-          </a:ln>
-        </p:spPr>
-        <p:style>
-          <a:lnRef idx="1">
-            <a:schemeClr val="accent1"/>
-          </a:lnRef>
-          <a:fillRef idx="0">
-            <a:schemeClr val="accent1"/>
-          </a:fillRef>
-          <a:effectRef idx="0">
-            <a:schemeClr val="accent1"/>
-          </a:effectRef>
-          <a:fontRef idx="minor">
-            <a:schemeClr val="tx1"/>
-          </a:fontRef>
-        </p:style>
-      </p:cxnSp>
-      <p:sp>
-        <p:nvSpPr>
-          <p:cNvPr id="80" name="TextBox 79"/>
-          <p:cNvSpPr txBox="1"/>
-          <p:nvPr/>
-        </p:nvSpPr>
-        <p:spPr>
-          <a:xfrm>
-            <a:off x="9051884" y="3664883"/>
-            <a:ext cx="2250809" cy="369332"/>
-          </a:xfrm>
-          <a:prstGeom prst="rect">
-            <a:avLst/>
-          </a:prstGeom>
-          <a:noFill/>
-        </p:spPr>
-        <p:txBody>
-          <a:bodyPr wrap="none" rtlCol="0">
-            <a:spAutoFit/>
-          </a:bodyPr>
-          <a:lstStyle/>
-          <a:p>
-            <a:r>
-              <a:rPr lang="pt-BR" dirty="0"/>
-              <a:t>Utiliza uma func static</a:t>
-            </a:r>
-          </a:p>
-        </p:txBody>
-      </p:sp>
-      <p:cxnSp>
-        <p:nvCxnSpPr>
-          <p:cNvPr id="94" name="Straight Arrow Connector 93"/>
-          <p:cNvCxnSpPr>
-            <a:stCxn id="38" idx="6"/>
-            <a:endCxn id="18" idx="3"/>
-          </p:cNvCxnSpPr>
-          <p:nvPr/>
-        </p:nvCxnSpPr>
-        <p:spPr>
-          <a:xfrm flipV="1">
-            <a:off x="5100976" y="4614637"/>
-            <a:ext cx="976060" cy="789562"/>
-          </a:xfrm>
-          <a:prstGeom prst="straightConnector1">
-            <a:avLst/>
-          </a:prstGeom>
-          <a:ln w="38100">
-            <a:solidFill>
-              <a:srgbClr val="00B0F0"/>
-            </a:solidFill>
-            <a:prstDash val="sysDash"/>
-            <a:tailEnd type="triangle"/>
-          </a:ln>
-        </p:spPr>
-        <p:style>
-          <a:lnRef idx="1">
-            <a:schemeClr val="accent1"/>
-          </a:lnRef>
-          <a:fillRef idx="0">
-            <a:schemeClr val="accent1"/>
-          </a:fillRef>
-          <a:effectRef idx="0">
-            <a:schemeClr val="accent1"/>
-          </a:effectRef>
-          <a:fontRef idx="minor">
-            <a:schemeClr val="tx1"/>
-          </a:fontRef>
-        </p:style>
-      </p:cxnSp>
-      <p:cxnSp>
-        <p:nvCxnSpPr>
-          <p:cNvPr id="106" name="Elbow Connector 105"/>
-          <p:cNvCxnSpPr>
-            <a:stCxn id="45" idx="6"/>
-            <a:endCxn id="18" idx="6"/>
-          </p:cNvCxnSpPr>
-          <p:nvPr/>
-        </p:nvCxnSpPr>
-        <p:spPr>
-          <a:xfrm flipH="1" flipV="1">
-            <a:off x="7431056" y="4381362"/>
-            <a:ext cx="283" cy="1022836"/>
-          </a:xfrm>
-          <a:prstGeom prst="bentConnector3">
-            <a:avLst>
-              <a:gd name="adj1" fmla="val -80777385"/>
-            </a:avLst>
-          </a:prstGeom>
-          <a:ln w="38100">
-            <a:solidFill>
-              <a:srgbClr val="00B0F0"/>
-            </a:solidFill>
-            <a:prstDash val="sysDash"/>
-            <a:tailEnd type="triangle"/>
-          </a:ln>
-        </p:spPr>
-        <p:style>
-          <a:lnRef idx="1">
-            <a:schemeClr val="accent1"/>
-          </a:lnRef>
-          <a:fillRef idx="0">
-            <a:schemeClr val="accent1"/>
-          </a:fillRef>
-          <a:effectRef idx="0">
-            <a:schemeClr val="accent1"/>
-          </a:effectRef>
-          <a:fontRef idx="minor">
-            <a:schemeClr val="tx1"/>
-          </a:fontRef>
-        </p:style>
-      </p:cxnSp>
-      <p:cxnSp>
-        <p:nvCxnSpPr>
-          <p:cNvPr id="109" name="Straight Arrow Connector 108"/>
-          <p:cNvCxnSpPr>
-            <a:stCxn id="20" idx="4"/>
-            <a:endCxn id="24" idx="1"/>
-          </p:cNvCxnSpPr>
-          <p:nvPr/>
-        </p:nvCxnSpPr>
-        <p:spPr>
-          <a:xfrm>
-            <a:off x="4307810" y="2689743"/>
-            <a:ext cx="1769511" cy="447583"/>
-          </a:xfrm>
-          <a:prstGeom prst="straightConnector1">
-            <a:avLst/>
-          </a:prstGeom>
-          <a:ln w="38100">
-            <a:solidFill>
-              <a:schemeClr val="tx1"/>
-            </a:solidFill>
-            <a:tailEnd type="triangle"/>
-          </a:ln>
-        </p:spPr>
-        <p:style>
-          <a:lnRef idx="1">
-            <a:schemeClr val="accent1"/>
-          </a:lnRef>
-          <a:fillRef idx="0">
-            <a:schemeClr val="accent1"/>
-          </a:fillRef>
-          <a:effectRef idx="0">
-            <a:schemeClr val="accent1"/>
-          </a:effectRef>
-          <a:fontRef idx="minor">
-            <a:schemeClr val="tx1"/>
-          </a:fontRef>
-        </p:style>
-      </p:cxnSp>
-      <p:cxnSp>
-        <p:nvCxnSpPr>
-          <p:cNvPr id="130" name="Elbow Connector 129"/>
-          <p:cNvCxnSpPr>
-            <a:stCxn id="26" idx="6"/>
-            <a:endCxn id="38" idx="7"/>
-          </p:cNvCxnSpPr>
-          <p:nvPr/>
-        </p:nvCxnSpPr>
-        <p:spPr>
-          <a:xfrm flipH="1">
-            <a:off x="4868663" y="3369197"/>
-            <a:ext cx="232028" cy="1801726"/>
-          </a:xfrm>
-          <a:prstGeom prst="bentConnector4">
-            <a:avLst>
-              <a:gd name="adj1" fmla="val -32841"/>
-              <a:gd name="adj2" fmla="val 98767"/>
-            </a:avLst>
-          </a:prstGeom>
-          <a:ln w="38100">
-            <a:solidFill>
-              <a:schemeClr val="tx1"/>
-            </a:solidFill>
-            <a:tailEnd type="triangle"/>
-          </a:ln>
-        </p:spPr>
-        <p:style>
-          <a:lnRef idx="1">
-            <a:schemeClr val="accent1"/>
-          </a:lnRef>
-          <a:fillRef idx="0">
-            <a:schemeClr val="accent1"/>
-          </a:fillRef>
-          <a:effectRef idx="0">
-            <a:schemeClr val="accent1"/>
-          </a:effectRef>
-          <a:fontRef idx="minor">
-            <a:schemeClr val="tx1"/>
-          </a:fontRef>
-        </p:style>
-      </p:cxnSp>
-      <p:sp>
-        <p:nvSpPr>
-          <p:cNvPr id="138" name="Down Arrow 137"/>
-          <p:cNvSpPr/>
-          <p:nvPr/>
-        </p:nvSpPr>
-        <p:spPr>
-          <a:xfrm rot="5400000" flipV="1">
-            <a:off x="7602454" y="2094911"/>
-            <a:ext cx="209276" cy="541378"/>
-          </a:xfrm>
-          <a:prstGeom prst="downArrow">
-            <a:avLst/>
-          </a:prstGeom>
-        </p:spPr>
-        <p:style>
-          <a:lnRef idx="2">
-            <a:schemeClr val="accent3">
-              <a:shade val="50000"/>
-            </a:schemeClr>
-          </a:lnRef>
-          <a:fillRef idx="1">
-            <a:schemeClr val="accent3"/>
-          </a:fillRef>
-          <a:effectRef idx="0">
-            <a:schemeClr val="accent3"/>
-          </a:effectRef>
-          <a:fontRef idx="minor">
-            <a:schemeClr val="lt1"/>
-          </a:fontRef>
-        </p:style>
-        <p:txBody>
-          <a:bodyPr rtlCol="0" anchor="ctr"/>
-          <a:lstStyle/>
-          <a:p>
-            <a:pPr algn="ctr"/>
-            <a:endParaRPr lang="pt-BR" sz="1492"/>
-          </a:p>
-        </p:txBody>
-      </p:sp>
     </p:spTree>
     <p:extLst>
       <p:ext uri="{BB962C8B-B14F-4D97-AF65-F5344CB8AC3E}">
-        <p14:creationId xmlns:p14="http://schemas.microsoft.com/office/powerpoint/2010/main" val="3386064608"/>
+        <p14:creationId xmlns:p14="http://schemas.microsoft.com/office/powerpoint/2010/main" val="1787979404"/>
       </p:ext>
     </p:extLst>
   </p:cSld>
@@ -5353,13 +5400,63 @@
       </p:grpSpPr>
       <p:sp>
         <p:nvSpPr>
+          <p:cNvPr id="64" name="Rectangle 63"/>
+          <p:cNvSpPr/>
+          <p:nvPr/>
+        </p:nvSpPr>
+        <p:spPr>
+          <a:xfrm>
+            <a:off x="3339842" y="2019296"/>
+            <a:ext cx="2084368" cy="1829927"/>
+          </a:xfrm>
+          <a:prstGeom prst="rect">
+            <a:avLst/>
+          </a:prstGeom>
+          <a:noFill/>
+          <a:ln w="28575">
+            <a:solidFill>
+              <a:schemeClr val="tx1">
+                <a:lumMod val="50000"/>
+                <a:lumOff val="50000"/>
+              </a:schemeClr>
+            </a:solidFill>
+            <a:prstDash val="dash"/>
+          </a:ln>
+        </p:spPr>
+        <p:style>
+          <a:lnRef idx="2">
+            <a:schemeClr val="accent1">
+              <a:shade val="50000"/>
+            </a:schemeClr>
+          </a:lnRef>
+          <a:fillRef idx="1">
+            <a:schemeClr val="accent1"/>
+          </a:fillRef>
+          <a:effectRef idx="0">
+            <a:schemeClr val="accent1"/>
+          </a:effectRef>
+          <a:fontRef idx="minor">
+            <a:schemeClr val="lt1"/>
+          </a:fontRef>
+        </p:style>
+        <p:txBody>
+          <a:bodyPr rtlCol="0" anchor="ctr"/>
+          <a:lstStyle/>
+          <a:p>
+            <a:pPr algn="ctr"/>
+            <a:endParaRPr lang="pt-BR" sz="1492"/>
+          </a:p>
+        </p:txBody>
+      </p:sp>
+      <p:sp>
+        <p:nvSpPr>
           <p:cNvPr id="18" name="Oval 17"/>
           <p:cNvSpPr/>
           <p:nvPr/>
         </p:nvSpPr>
         <p:spPr>
           <a:xfrm>
-            <a:off x="4626959" y="2862166"/>
+            <a:off x="5844723" y="4051460"/>
             <a:ext cx="1586333" cy="659803"/>
           </a:xfrm>
           <a:prstGeom prst="ellipse">
@@ -5402,7 +5499,7 @@
         </p:nvSpPr>
         <p:spPr>
           <a:xfrm>
-            <a:off x="3581358" y="1804406"/>
+            <a:off x="1184277" y="2029940"/>
             <a:ext cx="1586333" cy="659803"/>
           </a:xfrm>
           <a:prstGeom prst="ellipse">
@@ -5445,20 +5542,12 @@
         </p:nvSpPr>
         <p:spPr>
           <a:xfrm>
-            <a:off x="6568835" y="3303466"/>
+            <a:off x="3514643" y="2029940"/>
             <a:ext cx="1586333" cy="659803"/>
           </a:xfrm>
           <a:prstGeom prst="ellipse">
             <a:avLst/>
           </a:prstGeom>
-          <a:ln w="38100">
-            <a:solidFill>
-              <a:schemeClr val="bg1">
-                <a:lumMod val="50000"/>
-              </a:schemeClr>
-            </a:solidFill>
-            <a:prstDash val="dash"/>
-          </a:ln>
         </p:spPr>
         <p:style>
           <a:lnRef idx="3">
@@ -5494,7 +5583,7 @@
         </p:nvSpPr>
         <p:spPr>
           <a:xfrm>
-            <a:off x="4519149" y="442094"/>
+            <a:off x="1184277" y="3040700"/>
             <a:ext cx="1586333" cy="659803"/>
           </a:xfrm>
           <a:prstGeom prst="ellipse">
@@ -5537,7 +5626,7 @@
         </p:nvSpPr>
         <p:spPr>
           <a:xfrm>
-            <a:off x="2586077" y="5489018"/>
+            <a:off x="1184277" y="5062223"/>
             <a:ext cx="1586333" cy="659803"/>
           </a:xfrm>
           <a:prstGeom prst="ellipse">
@@ -5580,7 +5669,7 @@
         </p:nvSpPr>
         <p:spPr>
           <a:xfrm>
-            <a:off x="6574453" y="483220"/>
+            <a:off x="3520993" y="4050054"/>
             <a:ext cx="1586333" cy="659803"/>
           </a:xfrm>
           <a:prstGeom prst="ellipse">
@@ -5625,7 +5714,7 @@
         </p:nvSpPr>
         <p:spPr>
           <a:xfrm>
-            <a:off x="1446681" y="112192"/>
+            <a:off x="5845008" y="3040700"/>
             <a:ext cx="1586333" cy="659803"/>
           </a:xfrm>
           <a:prstGeom prst="ellipse">
@@ -5668,7 +5757,7 @@
         </p:nvSpPr>
         <p:spPr>
           <a:xfrm>
-            <a:off x="1906835" y="1305840"/>
+            <a:off x="1184277" y="4051462"/>
             <a:ext cx="1586333" cy="659803"/>
           </a:xfrm>
           <a:prstGeom prst="ellipse">
@@ -5711,20 +5800,12 @@
         </p:nvSpPr>
         <p:spPr>
           <a:xfrm>
-            <a:off x="0" y="988457"/>
+            <a:off x="3514358" y="3039295"/>
             <a:ext cx="1586333" cy="659803"/>
           </a:xfrm>
           <a:prstGeom prst="ellipse">
             <a:avLst/>
           </a:prstGeom>
-          <a:ln w="38100">
-            <a:solidFill>
-              <a:schemeClr val="bg1">
-                <a:lumMod val="50000"/>
-              </a:schemeClr>
-            </a:solidFill>
-            <a:prstDash val="dash"/>
-          </a:ln>
         </p:spPr>
         <p:style>
           <a:lnRef idx="3">
@@ -5760,15 +5841,12 @@
         </p:nvSpPr>
         <p:spPr>
           <a:xfrm>
-            <a:off x="9688368" y="7540649"/>
+            <a:off x="5845007" y="696934"/>
             <a:ext cx="1586333" cy="659803"/>
           </a:xfrm>
           <a:prstGeom prst="ellipse">
             <a:avLst/>
           </a:prstGeom>
-          <a:ln w="28575">
-            <a:prstDash val="dash"/>
-          </a:ln>
         </p:spPr>
         <p:style>
           <a:lnRef idx="1">
@@ -5804,7 +5882,7 @@
         </p:nvSpPr>
         <p:spPr>
           <a:xfrm>
-            <a:off x="6291122" y="6942511"/>
+            <a:off x="1184276" y="6072984"/>
             <a:ext cx="1586333" cy="659803"/>
           </a:xfrm>
           <a:prstGeom prst="ellipse">
@@ -5848,15 +5926,15 @@
         <p:nvCxnSpPr>
           <p:cNvPr id="31" name="Straight Arrow Connector 30"/>
           <p:cNvCxnSpPr>
-            <a:stCxn id="21" idx="4"/>
-            <a:endCxn id="20" idx="1"/>
+            <a:stCxn id="21" idx="7"/>
+            <a:endCxn id="20" idx="3"/>
           </p:cNvCxnSpPr>
           <p:nvPr/>
         </p:nvCxnSpPr>
         <p:spPr>
-          <a:xfrm>
-            <a:off x="5312316" y="1101897"/>
-            <a:ext cx="1488832" cy="2298195"/>
+          <a:xfrm flipV="1">
+            <a:off x="2538297" y="2593117"/>
+            <a:ext cx="1208659" cy="544209"/>
           </a:xfrm>
           <a:prstGeom prst="straightConnector1">
             <a:avLst/>
@@ -5887,15 +5965,15 @@
         <p:nvCxnSpPr>
           <p:cNvPr id="33" name="Straight Arrow Connector 32"/>
           <p:cNvCxnSpPr>
-            <a:stCxn id="21" idx="3"/>
-            <a:endCxn id="19" idx="0"/>
+            <a:stCxn id="21" idx="0"/>
+            <a:endCxn id="19" idx="4"/>
           </p:cNvCxnSpPr>
           <p:nvPr/>
         </p:nvCxnSpPr>
         <p:spPr>
-          <a:xfrm flipH="1">
-            <a:off x="4374525" y="1005271"/>
-            <a:ext cx="376937" cy="799135"/>
+          <a:xfrm flipV="1">
+            <a:off x="1977442" y="2689741"/>
+            <a:ext cx="0" cy="350958"/>
           </a:xfrm>
           <a:prstGeom prst="straightConnector1">
             <a:avLst/>
@@ -5926,15 +6004,15 @@
         <p:nvCxnSpPr>
           <p:cNvPr id="35" name="Straight Arrow Connector 34"/>
           <p:cNvCxnSpPr>
-            <a:stCxn id="21" idx="2"/>
-            <a:endCxn id="26" idx="6"/>
+            <a:stCxn id="21" idx="6"/>
+            <a:endCxn id="26" idx="2"/>
           </p:cNvCxnSpPr>
           <p:nvPr/>
         </p:nvCxnSpPr>
         <p:spPr>
-          <a:xfrm flipH="1">
-            <a:off x="1586333" y="771996"/>
-            <a:ext cx="2932816" cy="546363"/>
+          <a:xfrm flipV="1">
+            <a:off x="2770610" y="3369197"/>
+            <a:ext cx="743748" cy="1405"/>
           </a:xfrm>
           <a:prstGeom prst="straightConnector1">
             <a:avLst/>
@@ -5965,15 +6043,15 @@
         <p:nvCxnSpPr>
           <p:cNvPr id="37" name="Straight Arrow Connector 36"/>
           <p:cNvCxnSpPr>
-            <a:stCxn id="21" idx="4"/>
-            <a:endCxn id="18" idx="0"/>
+            <a:stCxn id="21" idx="6"/>
+            <a:endCxn id="18" idx="2"/>
           </p:cNvCxnSpPr>
           <p:nvPr/>
         </p:nvCxnSpPr>
         <p:spPr>
           <a:xfrm>
-            <a:off x="5312316" y="1101897"/>
-            <a:ext cx="107810" cy="1760269"/>
+            <a:off x="2770610" y="3370602"/>
+            <a:ext cx="3074113" cy="1010760"/>
           </a:xfrm>
           <a:prstGeom prst="straightConnector1">
             <a:avLst/>
@@ -6004,15 +6082,15 @@
         <p:nvCxnSpPr>
           <p:cNvPr id="39" name="Straight Arrow Connector 38"/>
           <p:cNvCxnSpPr>
-            <a:stCxn id="26" idx="5"/>
-            <a:endCxn id="25" idx="2"/>
+            <a:stCxn id="26" idx="3"/>
+            <a:endCxn id="25" idx="6"/>
           </p:cNvCxnSpPr>
           <p:nvPr/>
         </p:nvCxnSpPr>
         <p:spPr>
-          <a:xfrm>
-            <a:off x="1354020" y="1551634"/>
-            <a:ext cx="552815" cy="84108"/>
+          <a:xfrm flipH="1">
+            <a:off x="2770610" y="3602472"/>
+            <a:ext cx="976061" cy="778892"/>
           </a:xfrm>
           <a:prstGeom prst="straightConnector1">
             <a:avLst/>
@@ -6050,8 +6128,8 @@
         </p:nvCxnSpPr>
         <p:spPr>
           <a:xfrm>
-            <a:off x="7084289" y="7602314"/>
-            <a:ext cx="1" cy="397522"/>
+            <a:off x="1977442" y="6732786"/>
+            <a:ext cx="0" cy="350958"/>
           </a:xfrm>
           <a:prstGeom prst="straightConnector1">
             <a:avLst/>
@@ -6080,16 +6158,16 @@
       </p:cxnSp>
       <p:sp>
         <p:nvSpPr>
-          <p:cNvPr id="27" name="Oval 26"/>
+          <p:cNvPr id="46" name="Down Arrow 45"/>
           <p:cNvSpPr/>
           <p:nvPr/>
         </p:nvSpPr>
         <p:spPr>
-          <a:xfrm>
-            <a:off x="9688368" y="1143023"/>
-            <a:ext cx="1586333" cy="659803"/>
-          </a:xfrm>
-          <a:prstGeom prst="ellipse">
+          <a:xfrm rot="5400000">
+            <a:off x="5579374" y="2105798"/>
+            <a:ext cx="243832" cy="554161"/>
+          </a:xfrm>
+          <a:prstGeom prst="downArrow">
             <a:avLst/>
           </a:prstGeom>
         </p:spPr>
@@ -6114,6 +6192,46 @@
           <a:lstStyle/>
           <a:p>
             <a:pPr algn="ctr"/>
+            <a:endParaRPr lang="pt-BR" sz="1492"/>
+          </a:p>
+        </p:txBody>
+      </p:sp>
+      <p:sp>
+        <p:nvSpPr>
+          <p:cNvPr id="27" name="Oval 26"/>
+          <p:cNvSpPr/>
+          <p:nvPr/>
+        </p:nvSpPr>
+        <p:spPr>
+          <a:xfrm>
+            <a:off x="5845008" y="2049206"/>
+            <a:ext cx="1586333" cy="659803"/>
+          </a:xfrm>
+          <a:prstGeom prst="ellipse">
+            <a:avLst/>
+          </a:prstGeom>
+        </p:spPr>
+        <p:style>
+          <a:lnRef idx="2">
+            <a:schemeClr val="accent3">
+              <a:shade val="50000"/>
+            </a:schemeClr>
+          </a:lnRef>
+          <a:fillRef idx="1">
+            <a:schemeClr val="accent3"/>
+          </a:fillRef>
+          <a:effectRef idx="0">
+            <a:schemeClr val="accent3"/>
+          </a:effectRef>
+          <a:fontRef idx="minor">
+            <a:schemeClr val="lt1"/>
+          </a:fontRef>
+        </p:style>
+        <p:txBody>
+          <a:bodyPr rtlCol="0" anchor="ctr"/>
+          <a:lstStyle/>
+          <a:p>
+            <a:pPr algn="ctr"/>
             <a:r>
               <a:rPr lang="pt-BR" sz="1492" dirty="0"/>
               <a:t>Singleton</a:t>
@@ -6121,113 +6239,24 @@
           </a:p>
         </p:txBody>
       </p:sp>
-      <p:sp>
-        <p:nvSpPr>
-          <p:cNvPr id="4" name="Oval 3"/>
-          <p:cNvSpPr/>
-          <p:nvPr/>
-        </p:nvSpPr>
-        <p:spPr>
-          <a:xfrm>
-            <a:off x="9619230" y="207773"/>
-            <a:ext cx="1586333" cy="659803"/>
-          </a:xfrm>
-          <a:prstGeom prst="ellipse">
-            <a:avLst/>
-          </a:prstGeom>
-        </p:spPr>
-        <p:style>
-          <a:lnRef idx="3">
-            <a:schemeClr val="lt1"/>
-          </a:lnRef>
-          <a:fillRef idx="1">
-            <a:schemeClr val="dk1"/>
-          </a:fillRef>
-          <a:effectRef idx="1">
-            <a:schemeClr val="dk1"/>
-          </a:effectRef>
-          <a:fontRef idx="minor">
-            <a:schemeClr val="lt1"/>
-          </a:fontRef>
-        </p:style>
-        <p:txBody>
-          <a:bodyPr rtlCol="0" anchor="ctr"/>
-          <a:lstStyle/>
-          <a:p>
-            <a:pPr algn="ctr"/>
-            <a:r>
-              <a:rPr lang="pt-BR" sz="1492" dirty="0"/>
-              <a:t>Game Base</a:t>
-            </a:r>
-          </a:p>
-        </p:txBody>
-      </p:sp>
-      <p:sp>
-        <p:nvSpPr>
-          <p:cNvPr id="30" name="Oval 29"/>
-          <p:cNvSpPr/>
-          <p:nvPr/>
-        </p:nvSpPr>
-        <p:spPr>
-          <a:xfrm>
-            <a:off x="6291123" y="7999836"/>
-            <a:ext cx="1586333" cy="659803"/>
-          </a:xfrm>
-          <a:prstGeom prst="ellipse">
-            <a:avLst/>
-          </a:prstGeom>
-        </p:spPr>
-        <p:style>
-          <a:lnRef idx="2">
-            <a:schemeClr val="accent4">
-              <a:shade val="50000"/>
-            </a:schemeClr>
-          </a:lnRef>
-          <a:fillRef idx="1">
-            <a:schemeClr val="accent4"/>
-          </a:fillRef>
-          <a:effectRef idx="0">
-            <a:schemeClr val="accent4"/>
-          </a:effectRef>
-          <a:fontRef idx="minor">
-            <a:schemeClr val="lt1"/>
-          </a:fontRef>
-        </p:style>
-        <p:txBody>
-          <a:bodyPr rtlCol="0" anchor="ctr"/>
-          <a:lstStyle/>
-          <a:p>
-            <a:pPr algn="ctr"/>
-            <a:r>
-              <a:rPr lang="pt-BR" sz="1492" dirty="0"/>
-              <a:t>User</a:t>
-            </a:r>
-          </a:p>
-          <a:p>
-            <a:pPr algn="ctr"/>
-            <a:r>
-              <a:rPr lang="pt-BR" sz="1492" dirty="0"/>
-              <a:t>Manager</a:t>
-            </a:r>
-          </a:p>
-        </p:txBody>
-      </p:sp>
       <p:cxnSp>
         <p:nvCxnSpPr>
-          <p:cNvPr id="32" name="Straight Arrow Connector 31"/>
+          <p:cNvPr id="51" name="Elbow Connector 50"/>
           <p:cNvCxnSpPr>
-            <a:stCxn id="29" idx="2"/>
-            <a:endCxn id="22" idx="5"/>
+            <a:stCxn id="19" idx="2"/>
+            <a:endCxn id="25" idx="2"/>
           </p:cNvCxnSpPr>
           <p:nvPr/>
         </p:nvCxnSpPr>
         <p:spPr>
-          <a:xfrm flipH="1" flipV="1">
-            <a:off x="3940097" y="6052195"/>
-            <a:ext cx="2351025" cy="1220218"/>
-          </a:xfrm>
-          <a:prstGeom prst="straightConnector1">
-            <a:avLst/>
+          <a:xfrm rot="10800000" flipV="1">
+            <a:off x="1184276" y="2359841"/>
+            <a:ext cx="10529" cy="2021523"/>
+          </a:xfrm>
+          <a:prstGeom prst="bentConnector3">
+            <a:avLst>
+              <a:gd name="adj1" fmla="val 1800000"/>
+            </a:avLst>
           </a:prstGeom>
           <a:ln w="38100">
             <a:solidFill>
@@ -6253,17 +6282,228 @@
       </p:cxnSp>
       <p:cxnSp>
         <p:nvCxnSpPr>
+          <p:cNvPr id="53" name="Elbow Connector 52"/>
+          <p:cNvCxnSpPr>
+            <a:stCxn id="18" idx="0"/>
+            <a:endCxn id="19" idx="0"/>
+          </p:cNvCxnSpPr>
+          <p:nvPr/>
+        </p:nvCxnSpPr>
+        <p:spPr>
+          <a:xfrm rot="16200000" flipV="1">
+            <a:off x="3296907" y="710477"/>
+            <a:ext cx="2021520" cy="4660446"/>
+          </a:xfrm>
+          <a:prstGeom prst="bentConnector3">
+            <a:avLst>
+              <a:gd name="adj1" fmla="val 111308"/>
+            </a:avLst>
+          </a:prstGeom>
+          <a:ln w="38100">
+            <a:solidFill>
+              <a:schemeClr val="tx1"/>
+            </a:solidFill>
+            <a:tailEnd type="triangle"/>
+          </a:ln>
+        </p:spPr>
+        <p:style>
+          <a:lnRef idx="1">
+            <a:schemeClr val="accent1"/>
+          </a:lnRef>
+          <a:fillRef idx="0">
+            <a:schemeClr val="accent1"/>
+          </a:fillRef>
+          <a:effectRef idx="0">
+            <a:schemeClr val="accent1"/>
+          </a:effectRef>
+          <a:fontRef idx="minor">
+            <a:schemeClr val="tx1"/>
+          </a:fontRef>
+        </p:style>
+      </p:cxnSp>
+      <p:sp>
+        <p:nvSpPr>
+          <p:cNvPr id="60" name="Down Arrow 59"/>
+          <p:cNvSpPr/>
+          <p:nvPr/>
+        </p:nvSpPr>
+        <p:spPr>
+          <a:xfrm>
+            <a:off x="4141710" y="1356736"/>
+            <a:ext cx="332199" cy="332260"/>
+          </a:xfrm>
+          <a:prstGeom prst="downArrow">
+            <a:avLst/>
+          </a:prstGeom>
+        </p:spPr>
+        <p:style>
+          <a:lnRef idx="2">
+            <a:schemeClr val="dk1">
+              <a:shade val="50000"/>
+            </a:schemeClr>
+          </a:lnRef>
+          <a:fillRef idx="1">
+            <a:schemeClr val="dk1"/>
+          </a:fillRef>
+          <a:effectRef idx="0">
+            <a:schemeClr val="dk1"/>
+          </a:effectRef>
+          <a:fontRef idx="minor">
+            <a:schemeClr val="lt1"/>
+          </a:fontRef>
+        </p:style>
+        <p:txBody>
+          <a:bodyPr rtlCol="0" anchor="ctr"/>
+          <a:lstStyle/>
+          <a:p>
+            <a:pPr algn="ctr"/>
+            <a:endParaRPr lang="pt-BR" sz="1492"/>
+          </a:p>
+        </p:txBody>
+      </p:sp>
+      <p:sp>
+        <p:nvSpPr>
+          <p:cNvPr id="4" name="Oval 3"/>
+          <p:cNvSpPr/>
+          <p:nvPr/>
+        </p:nvSpPr>
+        <p:spPr>
+          <a:xfrm>
+            <a:off x="3514643" y="691158"/>
+            <a:ext cx="1586333" cy="659803"/>
+          </a:xfrm>
+          <a:prstGeom prst="ellipse">
+            <a:avLst/>
+          </a:prstGeom>
+        </p:spPr>
+        <p:style>
+          <a:lnRef idx="3">
+            <a:schemeClr val="lt1"/>
+          </a:lnRef>
+          <a:fillRef idx="1">
+            <a:schemeClr val="dk1"/>
+          </a:fillRef>
+          <a:effectRef idx="1">
+            <a:schemeClr val="dk1"/>
+          </a:effectRef>
+          <a:fontRef idx="minor">
+            <a:schemeClr val="lt1"/>
+          </a:fontRef>
+        </p:style>
+        <p:txBody>
+          <a:bodyPr rtlCol="0" anchor="ctr"/>
+          <a:lstStyle/>
+          <a:p>
+            <a:pPr algn="ctr"/>
+            <a:r>
+              <a:rPr lang="pt-BR" sz="1492" dirty="0"/>
+              <a:t>Game Base</a:t>
+            </a:r>
+          </a:p>
+        </p:txBody>
+      </p:sp>
+      <p:sp>
+        <p:nvSpPr>
+          <p:cNvPr id="30" name="Oval 29"/>
+          <p:cNvSpPr/>
+          <p:nvPr/>
+        </p:nvSpPr>
+        <p:spPr>
+          <a:xfrm>
+            <a:off x="1184276" y="7083745"/>
+            <a:ext cx="1586333" cy="659803"/>
+          </a:xfrm>
+          <a:prstGeom prst="ellipse">
+            <a:avLst/>
+          </a:prstGeom>
+        </p:spPr>
+        <p:style>
+          <a:lnRef idx="2">
+            <a:schemeClr val="accent4">
+              <a:shade val="50000"/>
+            </a:schemeClr>
+          </a:lnRef>
+          <a:fillRef idx="1">
+            <a:schemeClr val="accent4"/>
+          </a:fillRef>
+          <a:effectRef idx="0">
+            <a:schemeClr val="accent4"/>
+          </a:effectRef>
+          <a:fontRef idx="minor">
+            <a:schemeClr val="lt1"/>
+          </a:fontRef>
+        </p:style>
+        <p:txBody>
+          <a:bodyPr rtlCol="0" anchor="ctr"/>
+          <a:lstStyle/>
+          <a:p>
+            <a:pPr algn="ctr"/>
+            <a:r>
+              <a:rPr lang="pt-BR" sz="1492" dirty="0"/>
+              <a:t>User</a:t>
+            </a:r>
+          </a:p>
+          <a:p>
+            <a:pPr algn="ctr"/>
+            <a:r>
+              <a:rPr lang="pt-BR" sz="1492" dirty="0"/>
+              <a:t>Manager</a:t>
+            </a:r>
+          </a:p>
+        </p:txBody>
+      </p:sp>
+      <p:cxnSp>
+        <p:nvCxnSpPr>
+          <p:cNvPr id="32" name="Straight Arrow Connector 31"/>
+          <p:cNvCxnSpPr>
+            <a:stCxn id="29" idx="0"/>
+            <a:endCxn id="22" idx="4"/>
+          </p:cNvCxnSpPr>
+          <p:nvPr/>
+        </p:nvCxnSpPr>
+        <p:spPr>
+          <a:xfrm flipV="1">
+            <a:off x="1977443" y="5722025"/>
+            <a:ext cx="1" cy="350958"/>
+          </a:xfrm>
+          <a:prstGeom prst="straightConnector1">
+            <a:avLst/>
+          </a:prstGeom>
+          <a:ln w="38100">
+            <a:solidFill>
+              <a:schemeClr val="tx1"/>
+            </a:solidFill>
+            <a:tailEnd type="triangle"/>
+          </a:ln>
+        </p:spPr>
+        <p:style>
+          <a:lnRef idx="1">
+            <a:schemeClr val="accent1"/>
+          </a:lnRef>
+          <a:fillRef idx="0">
+            <a:schemeClr val="accent1"/>
+          </a:fillRef>
+          <a:effectRef idx="0">
+            <a:schemeClr val="accent1"/>
+          </a:effectRef>
+          <a:fontRef idx="minor">
+            <a:schemeClr val="tx1"/>
+          </a:fontRef>
+        </p:style>
+      </p:cxnSp>
+      <p:cxnSp>
+        <p:nvCxnSpPr>
           <p:cNvPr id="34" name="Straight Arrow Connector 33"/>
           <p:cNvCxnSpPr>
-            <a:stCxn id="26" idx="4"/>
-            <a:endCxn id="18" idx="2"/>
+            <a:stCxn id="26" idx="5"/>
+            <a:endCxn id="18" idx="1"/>
           </p:cNvCxnSpPr>
           <p:nvPr/>
         </p:nvCxnSpPr>
         <p:spPr>
           <a:xfrm>
-            <a:off x="793167" y="1648260"/>
-            <a:ext cx="3833792" cy="1543808"/>
+            <a:off x="4868378" y="3602472"/>
+            <a:ext cx="1208658" cy="545614"/>
           </a:xfrm>
           <a:prstGeom prst="straightConnector1">
             <a:avLst/>
@@ -6300,7 +6540,7 @@
         </p:nvSpPr>
         <p:spPr>
           <a:xfrm>
-            <a:off x="1856482" y="3557293"/>
+            <a:off x="3514643" y="5074297"/>
             <a:ext cx="1586333" cy="659803"/>
           </a:xfrm>
           <a:prstGeom prst="ellipse">
@@ -6344,15 +6584,15 @@
         <p:nvCxnSpPr>
           <p:cNvPr id="40" name="Straight Arrow Connector 39"/>
           <p:cNvCxnSpPr>
-            <a:stCxn id="38" idx="4"/>
-            <a:endCxn id="22" idx="0"/>
+            <a:stCxn id="38" idx="2"/>
+            <a:endCxn id="22" idx="6"/>
           </p:cNvCxnSpPr>
           <p:nvPr/>
         </p:nvCxnSpPr>
         <p:spPr>
-          <a:xfrm>
-            <a:off x="2649649" y="4217096"/>
-            <a:ext cx="729595" cy="1271922"/>
+          <a:xfrm flipH="1" flipV="1">
+            <a:off x="2770610" y="5392124"/>
+            <a:ext cx="744033" cy="12074"/>
           </a:xfrm>
           <a:prstGeom prst="straightConnector1">
             <a:avLst/>
@@ -6387,7 +6627,7 @@
         </p:nvSpPr>
         <p:spPr>
           <a:xfrm>
-            <a:off x="4821140" y="5867386"/>
+            <a:off x="5845006" y="5074296"/>
             <a:ext cx="1586333" cy="659803"/>
           </a:xfrm>
           <a:prstGeom prst="ellipse">
@@ -6430,416 +6670,22 @@
       </p:sp>
       <p:cxnSp>
         <p:nvCxnSpPr>
-          <p:cNvPr id="50" name="Straight Arrow Connector 49"/>
-          <p:cNvCxnSpPr>
-            <a:stCxn id="38" idx="5"/>
-            <a:endCxn id="45" idx="1"/>
-          </p:cNvCxnSpPr>
-          <p:nvPr/>
-        </p:nvCxnSpPr>
-        <p:spPr>
-          <a:xfrm>
-            <a:off x="3210502" y="4120470"/>
-            <a:ext cx="1842951" cy="1843542"/>
-          </a:xfrm>
-          <a:prstGeom prst="straightConnector1">
-            <a:avLst/>
-          </a:prstGeom>
-          <a:ln w="38100">
-            <a:solidFill>
-              <a:schemeClr val="tx1"/>
-            </a:solidFill>
-            <a:tailEnd type="triangle"/>
-          </a:ln>
-        </p:spPr>
-        <p:style>
-          <a:lnRef idx="1">
-            <a:schemeClr val="accent1"/>
-          </a:lnRef>
-          <a:fillRef idx="0">
-            <a:schemeClr val="accent1"/>
-          </a:fillRef>
-          <a:effectRef idx="0">
-            <a:schemeClr val="accent1"/>
-          </a:effectRef>
-          <a:fontRef idx="minor">
-            <a:schemeClr val="tx1"/>
-          </a:fontRef>
-        </p:style>
-      </p:cxnSp>
-      <p:sp>
-        <p:nvSpPr>
-          <p:cNvPr id="54" name="Oval 53"/>
-          <p:cNvSpPr/>
-          <p:nvPr/>
-        </p:nvSpPr>
-        <p:spPr>
-          <a:xfrm>
-            <a:off x="8643140" y="5706237"/>
-            <a:ext cx="1586333" cy="659803"/>
-          </a:xfrm>
-          <a:prstGeom prst="ellipse">
-            <a:avLst/>
-          </a:prstGeom>
-        </p:spPr>
-        <p:style>
-          <a:lnRef idx="3">
-            <a:schemeClr val="lt1"/>
-          </a:lnRef>
-          <a:fillRef idx="1">
-            <a:schemeClr val="accent2"/>
-          </a:fillRef>
-          <a:effectRef idx="1">
-            <a:schemeClr val="accent2"/>
-          </a:effectRef>
-          <a:fontRef idx="minor">
-            <a:schemeClr val="lt1"/>
-          </a:fontRef>
-        </p:style>
-        <p:txBody>
-          <a:bodyPr rtlCol="0" anchor="ctr"/>
-          <a:lstStyle/>
-          <a:p>
-            <a:pPr algn="ctr"/>
-            <a:r>
-              <a:rPr lang="pt-BR" sz="1492" dirty="0"/>
-              <a:t>Robot</a:t>
-            </a:r>
-          </a:p>
-          <a:p>
-            <a:pPr algn="ctr"/>
-            <a:r>
-              <a:rPr lang="pt-BR" sz="1492" dirty="0"/>
-              <a:t>Cursor</a:t>
-            </a:r>
-          </a:p>
-        </p:txBody>
-      </p:sp>
-      <p:sp>
-        <p:nvSpPr>
-          <p:cNvPr id="59" name="Oval 58"/>
-          <p:cNvSpPr/>
-          <p:nvPr/>
-        </p:nvSpPr>
-        <p:spPr>
-          <a:xfrm>
-            <a:off x="5831773" y="4762464"/>
-            <a:ext cx="1586333" cy="659803"/>
-          </a:xfrm>
-          <a:prstGeom prst="ellipse">
-            <a:avLst/>
-          </a:prstGeom>
-          <a:ln>
-            <a:solidFill>
-              <a:schemeClr val="tx1"/>
-            </a:solidFill>
-            <a:prstDash val="dash"/>
-          </a:ln>
-        </p:spPr>
-        <p:style>
-          <a:lnRef idx="3">
-            <a:schemeClr val="lt1"/>
-          </a:lnRef>
-          <a:fillRef idx="1">
-            <a:schemeClr val="accent2"/>
-          </a:fillRef>
-          <a:effectRef idx="1">
-            <a:schemeClr val="accent2"/>
-          </a:effectRef>
-          <a:fontRef idx="minor">
-            <a:schemeClr val="lt1"/>
-          </a:fontRef>
-        </p:style>
-        <p:txBody>
-          <a:bodyPr rtlCol="0" anchor="ctr"/>
-          <a:lstStyle/>
-          <a:p>
-            <a:pPr algn="ctr"/>
-            <a:r>
-              <a:rPr lang="pt-BR" sz="1492" dirty="0"/>
-              <a:t>Connection</a:t>
-            </a:r>
-          </a:p>
-        </p:txBody>
-      </p:sp>
-      <p:cxnSp>
-        <p:nvCxnSpPr>
-          <p:cNvPr id="62" name="Straight Arrow Connector 61"/>
+          <p:cNvPr id="41" name="Elbow Connector 40"/>
           <p:cNvCxnSpPr>
             <a:stCxn id="38" idx="6"/>
-            <a:endCxn id="59" idx="2"/>
+            <a:endCxn id="20" idx="6"/>
           </p:cNvCxnSpPr>
           <p:nvPr/>
         </p:nvCxnSpPr>
         <p:spPr>
-          <a:xfrm>
-            <a:off x="3442815" y="3887195"/>
-            <a:ext cx="2388958" cy="1205171"/>
-          </a:xfrm>
-          <a:prstGeom prst="straightConnector1">
-            <a:avLst/>
-          </a:prstGeom>
-          <a:ln w="38100">
-            <a:solidFill>
-              <a:schemeClr val="tx1"/>
-            </a:solidFill>
-            <a:tailEnd type="triangle"/>
-          </a:ln>
-        </p:spPr>
-        <p:style>
-          <a:lnRef idx="1">
-            <a:schemeClr val="accent1"/>
-          </a:lnRef>
-          <a:fillRef idx="0">
-            <a:schemeClr val="accent1"/>
-          </a:fillRef>
-          <a:effectRef idx="0">
-            <a:schemeClr val="accent1"/>
-          </a:effectRef>
-          <a:fontRef idx="minor">
-            <a:schemeClr val="tx1"/>
-          </a:fontRef>
-        </p:style>
-      </p:cxnSp>
-      <p:cxnSp>
-        <p:nvCxnSpPr>
-          <p:cNvPr id="75" name="Straight Arrow Connector 74"/>
-          <p:cNvCxnSpPr>
-            <a:stCxn id="54" idx="2"/>
-            <a:endCxn id="59" idx="5"/>
-          </p:cNvCxnSpPr>
-          <p:nvPr/>
-        </p:nvCxnSpPr>
-        <p:spPr>
-          <a:xfrm flipH="1" flipV="1">
-            <a:off x="7185793" y="5325641"/>
-            <a:ext cx="1457347" cy="710498"/>
-          </a:xfrm>
-          <a:prstGeom prst="straightConnector1">
-            <a:avLst/>
-          </a:prstGeom>
-          <a:ln w="38100">
-            <a:solidFill>
-              <a:schemeClr val="tx1"/>
-            </a:solidFill>
-            <a:tailEnd type="triangle"/>
-          </a:ln>
-        </p:spPr>
-        <p:style>
-          <a:lnRef idx="1">
-            <a:schemeClr val="accent1"/>
-          </a:lnRef>
-          <a:fillRef idx="0">
-            <a:schemeClr val="accent1"/>
-          </a:fillRef>
-          <a:effectRef idx="0">
-            <a:schemeClr val="accent1"/>
-          </a:effectRef>
-          <a:fontRef idx="minor">
-            <a:schemeClr val="tx1"/>
-          </a:fontRef>
-        </p:style>
-      </p:cxnSp>
-      <p:sp>
-        <p:nvSpPr>
-          <p:cNvPr id="88" name="Oval 87"/>
-          <p:cNvSpPr/>
-          <p:nvPr/>
-        </p:nvSpPr>
-        <p:spPr>
-          <a:xfrm>
-            <a:off x="7261744" y="2080486"/>
-            <a:ext cx="1586333" cy="659803"/>
-          </a:xfrm>
-          <a:prstGeom prst="ellipse">
-            <a:avLst/>
-          </a:prstGeom>
-          <a:ln>
-            <a:solidFill>
-              <a:schemeClr val="tx1"/>
-            </a:solidFill>
-            <a:prstDash val="dash"/>
-          </a:ln>
-        </p:spPr>
-        <p:style>
-          <a:lnRef idx="3">
-            <a:schemeClr val="lt1"/>
-          </a:lnRef>
-          <a:fillRef idx="1">
-            <a:schemeClr val="accent2"/>
-          </a:fillRef>
-          <a:effectRef idx="1">
-            <a:schemeClr val="accent2"/>
-          </a:effectRef>
-          <a:fontRef idx="minor">
-            <a:schemeClr val="lt1"/>
-          </a:fontRef>
-        </p:style>
-        <p:txBody>
-          <a:bodyPr rtlCol="0" anchor="ctr"/>
-          <a:lstStyle/>
-          <a:p>
-            <a:pPr algn="ctr"/>
-            <a:r>
-              <a:rPr lang="pt-BR" sz="1492" dirty="0" smtClean="0">
-                <a:solidFill>
-                  <a:schemeClr val="bg1"/>
-                </a:solidFill>
-              </a:rPr>
-              <a:t>Ankle</a:t>
-            </a:r>
-          </a:p>
-          <a:p>
-            <a:pPr algn="ctr"/>
-            <a:r>
-              <a:rPr lang="pt-BR" sz="1492" dirty="0" smtClean="0">
-                <a:solidFill>
-                  <a:schemeClr val="bg1"/>
-                </a:solidFill>
-              </a:rPr>
-              <a:t>Movement</a:t>
-            </a:r>
-            <a:endParaRPr lang="pt-BR" sz="1492" dirty="0">
-              <a:solidFill>
-                <a:schemeClr val="bg1"/>
-              </a:solidFill>
-            </a:endParaRPr>
-          </a:p>
-        </p:txBody>
-      </p:sp>
-      <p:sp>
-        <p:nvSpPr>
-          <p:cNvPr id="66" name="Oval 65"/>
-          <p:cNvSpPr/>
-          <p:nvPr/>
-        </p:nvSpPr>
-        <p:spPr>
-          <a:xfrm>
-            <a:off x="9688368" y="2107684"/>
-            <a:ext cx="1586333" cy="659803"/>
-          </a:xfrm>
-          <a:prstGeom prst="ellipse">
-            <a:avLst/>
-          </a:prstGeom>
-        </p:spPr>
-        <p:style>
-          <a:lnRef idx="3">
-            <a:schemeClr val="lt1"/>
-          </a:lnRef>
-          <a:fillRef idx="1">
-            <a:schemeClr val="accent2"/>
-          </a:fillRef>
-          <a:effectRef idx="1">
-            <a:schemeClr val="accent2"/>
-          </a:effectRef>
-          <a:fontRef idx="minor">
-            <a:schemeClr val="lt1"/>
-          </a:fontRef>
-        </p:style>
-        <p:txBody>
-          <a:bodyPr rtlCol="0" anchor="ctr"/>
-          <a:lstStyle/>
-          <a:p>
-            <a:pPr algn="ctr"/>
-            <a:r>
-              <a:rPr lang="pt-BR" sz="1492" dirty="0">
-                <a:solidFill>
-                  <a:srgbClr val="FF0000"/>
-                </a:solidFill>
-              </a:rPr>
-              <a:t>Data Manager</a:t>
-            </a:r>
-          </a:p>
-        </p:txBody>
-      </p:sp>
-      <p:cxnSp>
-        <p:nvCxnSpPr>
-          <p:cNvPr id="67" name="Straight Arrow Connector 66"/>
-          <p:cNvCxnSpPr>
-            <a:stCxn id="21" idx="6"/>
-            <a:endCxn id="23" idx="2"/>
-          </p:cNvCxnSpPr>
-          <p:nvPr/>
-        </p:nvCxnSpPr>
-        <p:spPr>
-          <a:xfrm>
-            <a:off x="6105482" y="771996"/>
-            <a:ext cx="468971" cy="41126"/>
-          </a:xfrm>
-          <a:prstGeom prst="straightConnector1">
-            <a:avLst/>
-          </a:prstGeom>
-          <a:ln w="38100">
-            <a:solidFill>
-              <a:schemeClr val="tx1"/>
-            </a:solidFill>
-            <a:tailEnd type="triangle"/>
-          </a:ln>
-        </p:spPr>
-        <p:style>
-          <a:lnRef idx="1">
-            <a:schemeClr val="accent1"/>
-          </a:lnRef>
-          <a:fillRef idx="0">
-            <a:schemeClr val="accent1"/>
-          </a:fillRef>
-          <a:effectRef idx="0">
-            <a:schemeClr val="accent1"/>
-          </a:effectRef>
-          <a:fontRef idx="minor">
-            <a:schemeClr val="tx1"/>
-          </a:fontRef>
-        </p:style>
-      </p:cxnSp>
-      <p:cxnSp>
-        <p:nvCxnSpPr>
-          <p:cNvPr id="73" name="Straight Arrow Connector 72"/>
-          <p:cNvCxnSpPr/>
-          <p:nvPr/>
-        </p:nvCxnSpPr>
-        <p:spPr>
           <a:xfrm flipV="1">
-            <a:off x="10368361" y="4955293"/>
-            <a:ext cx="744030" cy="1"/>
-          </a:xfrm>
-          <a:prstGeom prst="straightConnector1">
-            <a:avLst/>
-          </a:prstGeom>
-          <a:ln w="38100">
-            <a:solidFill>
-              <a:srgbClr val="00B0F0"/>
-            </a:solidFill>
-            <a:tailEnd type="triangle"/>
-          </a:ln>
-        </p:spPr>
-        <p:style>
-          <a:lnRef idx="1">
-            <a:schemeClr val="accent1"/>
-          </a:lnRef>
-          <a:fillRef idx="0">
-            <a:schemeClr val="accent1"/>
-          </a:fillRef>
-          <a:effectRef idx="0">
-            <a:schemeClr val="accent1"/>
-          </a:effectRef>
-          <a:fontRef idx="minor">
-            <a:schemeClr val="tx1"/>
-          </a:fontRef>
-        </p:style>
-      </p:cxnSp>
-      <p:cxnSp>
-        <p:nvCxnSpPr>
-          <p:cNvPr id="74" name="Straight Arrow Connector 73"/>
-          <p:cNvCxnSpPr/>
-          <p:nvPr/>
-        </p:nvCxnSpPr>
-        <p:spPr>
-          <a:xfrm flipV="1">
-            <a:off x="10368361" y="4624121"/>
-            <a:ext cx="744030" cy="1"/>
-          </a:xfrm>
-          <a:prstGeom prst="straightConnector1">
-            <a:avLst/>
+            <a:off x="5100976" y="2359842"/>
+            <a:ext cx="12700" cy="3044357"/>
+          </a:xfrm>
+          <a:prstGeom prst="bentConnector3">
+            <a:avLst>
+              <a:gd name="adj1" fmla="val 1800000"/>
+            </a:avLst>
           </a:prstGeom>
           <a:ln w="38100">
             <a:solidFill>
@@ -6867,14 +6713,17 @@
       </p:cxnSp>
       <p:cxnSp>
         <p:nvCxnSpPr>
-          <p:cNvPr id="76" name="Straight Arrow Connector 75"/>
-          <p:cNvCxnSpPr/>
+          <p:cNvPr id="50" name="Straight Arrow Connector 49"/>
+          <p:cNvCxnSpPr>
+            <a:stCxn id="38" idx="5"/>
+            <a:endCxn id="45" idx="2"/>
+          </p:cNvCxnSpPr>
           <p:nvPr/>
         </p:nvCxnSpPr>
         <p:spPr>
           <a:xfrm flipV="1">
-            <a:off x="10368361" y="4292949"/>
-            <a:ext cx="744030" cy="1"/>
+            <a:off x="4868663" y="5404198"/>
+            <a:ext cx="976343" cy="233276"/>
           </a:xfrm>
           <a:prstGeom prst="straightConnector1">
             <a:avLst/>
@@ -6903,210 +6752,157 @@
       </p:cxnSp>
       <p:sp>
         <p:nvSpPr>
-          <p:cNvPr id="68" name="TextBox 67"/>
-          <p:cNvSpPr txBox="1"/>
-          <p:nvPr/>
-        </p:nvSpPr>
-        <p:spPr>
-          <a:xfrm>
-            <a:off x="11161591" y="4108282"/>
-            <a:ext cx="1538563" cy="369332"/>
+          <p:cNvPr id="36" name="Rectangle 35"/>
+          <p:cNvSpPr/>
+          <p:nvPr/>
+        </p:nvSpPr>
+        <p:spPr>
+          <a:xfrm>
+            <a:off x="709385" y="1688996"/>
+            <a:ext cx="7032172" cy="6244518"/>
           </a:xfrm>
           <a:prstGeom prst="rect">
             <a:avLst/>
           </a:prstGeom>
           <a:noFill/>
-        </p:spPr>
-        <p:txBody>
-          <a:bodyPr wrap="none" rtlCol="0">
-            <a:spAutoFit/>
-          </a:bodyPr>
-          <a:lstStyle/>
-          <a:p>
-            <a:r>
-              <a:rPr lang="pt-BR" dirty="0"/>
-              <a:t>Utiliza a classe</a:t>
-            </a:r>
-          </a:p>
-        </p:txBody>
-      </p:sp>
-      <p:sp>
-        <p:nvSpPr>
-          <p:cNvPr id="77" name="TextBox 76"/>
-          <p:cNvSpPr txBox="1"/>
-          <p:nvPr/>
-        </p:nvSpPr>
-        <p:spPr>
-          <a:xfrm>
-            <a:off x="11172476" y="4439454"/>
-            <a:ext cx="1775230" cy="369332"/>
-          </a:xfrm>
-          <a:prstGeom prst="rect">
-            <a:avLst/>
-          </a:prstGeom>
-          <a:noFill/>
-        </p:spPr>
-        <p:txBody>
-          <a:bodyPr wrap="none" rtlCol="0">
-            <a:spAutoFit/>
-          </a:bodyPr>
-          <a:lstStyle/>
-          <a:p>
-            <a:r>
-              <a:rPr lang="pt-BR" dirty="0"/>
-              <a:t>Utiliza o instance</a:t>
-            </a:r>
-          </a:p>
-        </p:txBody>
-      </p:sp>
-      <p:sp>
-        <p:nvSpPr>
-          <p:cNvPr id="78" name="TextBox 77"/>
-          <p:cNvSpPr txBox="1"/>
-          <p:nvPr/>
-        </p:nvSpPr>
-        <p:spPr>
-          <a:xfrm>
-            <a:off x="11183363" y="4770626"/>
-            <a:ext cx="2130391" cy="369332"/>
-          </a:xfrm>
-          <a:prstGeom prst="rect">
-            <a:avLst/>
-          </a:prstGeom>
-          <a:noFill/>
-        </p:spPr>
-        <p:txBody>
-          <a:bodyPr wrap="none" rtlCol="0">
-            <a:spAutoFit/>
-          </a:bodyPr>
-          <a:lstStyle/>
-          <a:p>
-            <a:r>
-              <a:rPr lang="pt-BR" dirty="0"/>
-              <a:t>Utiliza uma var static</a:t>
+          <a:ln w="28575">
+            <a:solidFill>
+              <a:schemeClr val="tx1"/>
+            </a:solidFill>
+            <a:prstDash val="dash"/>
+          </a:ln>
+        </p:spPr>
+        <p:style>
+          <a:lnRef idx="1">
+            <a:schemeClr val="dk1"/>
+          </a:lnRef>
+          <a:fillRef idx="2">
+            <a:schemeClr val="dk1"/>
+          </a:fillRef>
+          <a:effectRef idx="1">
+            <a:schemeClr val="dk1"/>
+          </a:effectRef>
+          <a:fontRef idx="minor">
+            <a:schemeClr val="dk1"/>
+          </a:fontRef>
+        </p:style>
+        <p:txBody>
+          <a:bodyPr rtlCol="0" anchor="ctr"/>
+          <a:lstStyle/>
+          <a:p>
+            <a:pPr algn="ctr"/>
+            <a:endParaRPr lang="pt-BR"/>
+          </a:p>
+        </p:txBody>
+      </p:sp>
+      <p:sp>
+        <p:nvSpPr>
+          <p:cNvPr id="54" name="Oval 53"/>
+          <p:cNvSpPr/>
+          <p:nvPr/>
+        </p:nvSpPr>
+        <p:spPr>
+          <a:xfrm>
+            <a:off x="3514642" y="7083745"/>
+            <a:ext cx="1586333" cy="659803"/>
+          </a:xfrm>
+          <a:prstGeom prst="ellipse">
+            <a:avLst/>
+          </a:prstGeom>
+        </p:spPr>
+        <p:style>
+          <a:lnRef idx="3">
+            <a:schemeClr val="lt1"/>
+          </a:lnRef>
+          <a:fillRef idx="1">
+            <a:schemeClr val="accent2"/>
+          </a:fillRef>
+          <a:effectRef idx="1">
+            <a:schemeClr val="accent2"/>
+          </a:effectRef>
+          <a:fontRef idx="minor">
+            <a:schemeClr val="lt1"/>
+          </a:fontRef>
+        </p:style>
+        <p:txBody>
+          <a:bodyPr rtlCol="0" anchor="ctr"/>
+          <a:lstStyle/>
+          <a:p>
+            <a:pPr algn="ctr"/>
+            <a:r>
+              <a:rPr lang="pt-BR" sz="1492" dirty="0"/>
+              <a:t>Robot</a:t>
+            </a:r>
+          </a:p>
+          <a:p>
+            <a:pPr algn="ctr"/>
+            <a:r>
+              <a:rPr lang="pt-BR" sz="1492" dirty="0"/>
+              <a:t>Cursor</a:t>
+            </a:r>
+          </a:p>
+        </p:txBody>
+      </p:sp>
+      <p:sp>
+        <p:nvSpPr>
+          <p:cNvPr id="59" name="Oval 58"/>
+          <p:cNvSpPr/>
+          <p:nvPr/>
+        </p:nvSpPr>
+        <p:spPr>
+          <a:xfrm>
+            <a:off x="3514641" y="6093604"/>
+            <a:ext cx="1586333" cy="659803"/>
+          </a:xfrm>
+          <a:prstGeom prst="ellipse">
+            <a:avLst/>
+          </a:prstGeom>
+          <a:ln>
+            <a:solidFill>
+              <a:schemeClr val="tx1"/>
+            </a:solidFill>
+            <a:prstDash val="dash"/>
+          </a:ln>
+        </p:spPr>
+        <p:style>
+          <a:lnRef idx="3">
+            <a:schemeClr val="lt1"/>
+          </a:lnRef>
+          <a:fillRef idx="1">
+            <a:schemeClr val="accent2"/>
+          </a:fillRef>
+          <a:effectRef idx="1">
+            <a:schemeClr val="accent2"/>
+          </a:effectRef>
+          <a:fontRef idx="minor">
+            <a:schemeClr val="lt1"/>
+          </a:fontRef>
+        </p:style>
+        <p:txBody>
+          <a:bodyPr rtlCol="0" anchor="ctr"/>
+          <a:lstStyle/>
+          <a:p>
+            <a:pPr algn="ctr"/>
+            <a:r>
+              <a:rPr lang="pt-BR" sz="1492" dirty="0"/>
+              <a:t>Connection</a:t>
             </a:r>
           </a:p>
         </p:txBody>
       </p:sp>
       <p:cxnSp>
         <p:nvCxnSpPr>
-          <p:cNvPr id="79" name="Straight Arrow Connector 78"/>
-          <p:cNvCxnSpPr/>
+          <p:cNvPr id="62" name="Straight Arrow Connector 61"/>
+          <p:cNvCxnSpPr>
+            <a:stCxn id="38" idx="4"/>
+            <a:endCxn id="59" idx="0"/>
+          </p:cNvCxnSpPr>
           <p:nvPr/>
         </p:nvCxnSpPr>
         <p:spPr>
-          <a:xfrm flipV="1">
-            <a:off x="10368361" y="5286465"/>
-            <a:ext cx="744030" cy="1"/>
-          </a:xfrm>
-          <a:prstGeom prst="straightConnector1">
-            <a:avLst/>
-          </a:prstGeom>
-          <a:ln w="38100">
-            <a:solidFill>
-              <a:srgbClr val="00B0F0"/>
-            </a:solidFill>
-            <a:prstDash val="sysDash"/>
-            <a:tailEnd type="triangle"/>
-          </a:ln>
-        </p:spPr>
-        <p:style>
-          <a:lnRef idx="1">
-            <a:schemeClr val="accent1"/>
-          </a:lnRef>
-          <a:fillRef idx="0">
-            <a:schemeClr val="accent1"/>
-          </a:fillRef>
-          <a:effectRef idx="0">
-            <a:schemeClr val="accent1"/>
-          </a:effectRef>
-          <a:fontRef idx="minor">
-            <a:schemeClr val="tx1"/>
-          </a:fontRef>
-        </p:style>
-      </p:cxnSp>
-      <p:sp>
-        <p:nvSpPr>
-          <p:cNvPr id="80" name="TextBox 79"/>
-          <p:cNvSpPr txBox="1"/>
-          <p:nvPr/>
-        </p:nvSpPr>
-        <p:spPr>
-          <a:xfrm>
-            <a:off x="11183363" y="5101798"/>
-            <a:ext cx="2250809" cy="369332"/>
-          </a:xfrm>
-          <a:prstGeom prst="rect">
-            <a:avLst/>
-          </a:prstGeom>
-          <a:noFill/>
-        </p:spPr>
-        <p:txBody>
-          <a:bodyPr wrap="none" rtlCol="0">
-            <a:spAutoFit/>
-          </a:bodyPr>
-          <a:lstStyle/>
-          <a:p>
-            <a:r>
-              <a:rPr lang="pt-BR" dirty="0"/>
-              <a:t>Utiliza uma func static</a:t>
-            </a:r>
-          </a:p>
-        </p:txBody>
-      </p:sp>
-      <p:cxnSp>
-        <p:nvCxnSpPr>
-          <p:cNvPr id="94" name="Straight Arrow Connector 93"/>
-          <p:cNvCxnSpPr>
-            <a:stCxn id="38" idx="7"/>
-            <a:endCxn id="18" idx="3"/>
-          </p:cNvCxnSpPr>
-          <p:nvPr/>
-        </p:nvCxnSpPr>
-        <p:spPr>
-          <a:xfrm flipV="1">
-            <a:off x="3210502" y="3425343"/>
-            <a:ext cx="1648770" cy="228576"/>
-          </a:xfrm>
-          <a:prstGeom prst="straightConnector1">
-            <a:avLst/>
-          </a:prstGeom>
-          <a:ln w="38100">
-            <a:solidFill>
-              <a:srgbClr val="00B0F0"/>
-            </a:solidFill>
-            <a:prstDash val="sysDash"/>
-            <a:tailEnd type="triangle"/>
-          </a:ln>
-        </p:spPr>
-        <p:style>
-          <a:lnRef idx="1">
-            <a:schemeClr val="accent1"/>
-          </a:lnRef>
-          <a:fillRef idx="0">
-            <a:schemeClr val="accent1"/>
-          </a:fillRef>
-          <a:effectRef idx="0">
-            <a:schemeClr val="accent1"/>
-          </a:effectRef>
-          <a:fontRef idx="minor">
-            <a:schemeClr val="tx1"/>
-          </a:fontRef>
-        </p:style>
-      </p:cxnSp>
-      <p:cxnSp>
-        <p:nvCxnSpPr>
-          <p:cNvPr id="109" name="Straight Arrow Connector 108"/>
-          <p:cNvCxnSpPr>
-            <a:stCxn id="26" idx="7"/>
-            <a:endCxn id="24" idx="3"/>
-          </p:cNvCxnSpPr>
-          <p:nvPr/>
-        </p:nvCxnSpPr>
-        <p:spPr>
-          <a:xfrm flipV="1">
-            <a:off x="1354020" y="675369"/>
-            <a:ext cx="324974" cy="409714"/>
+          <a:xfrm flipH="1">
+            <a:off x="4307807" y="5734099"/>
+            <a:ext cx="2" cy="359504"/>
           </a:xfrm>
           <a:prstGeom prst="straightConnector1">
             <a:avLst/>
@@ -7135,17 +6931,59 @@
       </p:cxnSp>
       <p:cxnSp>
         <p:nvCxnSpPr>
-          <p:cNvPr id="69" name="Straight Arrow Connector 68"/>
+          <p:cNvPr id="65" name="Elbow Connector 64"/>
           <p:cNvCxnSpPr>
-            <a:stCxn id="18" idx="1"/>
-            <a:endCxn id="19" idx="4"/>
+            <a:stCxn id="59" idx="2"/>
+            <a:endCxn id="20" idx="2"/>
           </p:cNvCxnSpPr>
           <p:nvPr/>
         </p:nvCxnSpPr>
         <p:spPr>
+          <a:xfrm rot="10800000" flipH="1">
+            <a:off x="3514640" y="2359841"/>
+            <a:ext cx="2" cy="4063664"/>
+          </a:xfrm>
+          <a:prstGeom prst="bentConnector3">
+            <a:avLst>
+              <a:gd name="adj1" fmla="val -11430000000"/>
+            </a:avLst>
+          </a:prstGeom>
+          <a:ln w="38100">
+            <a:solidFill>
+              <a:schemeClr val="tx1"/>
+            </a:solidFill>
+            <a:headEnd type="triangle" w="med" len="med"/>
+            <a:tailEnd type="none" w="med" len="med"/>
+          </a:ln>
+        </p:spPr>
+        <p:style>
+          <a:lnRef idx="1">
+            <a:schemeClr val="accent1"/>
+          </a:lnRef>
+          <a:fillRef idx="0">
+            <a:schemeClr val="accent1"/>
+          </a:fillRef>
+          <a:effectRef idx="0">
+            <a:schemeClr val="accent1"/>
+          </a:effectRef>
+          <a:fontRef idx="minor">
+            <a:schemeClr val="tx1"/>
+          </a:fontRef>
+        </p:style>
+      </p:cxnSp>
+      <p:cxnSp>
+        <p:nvCxnSpPr>
+          <p:cNvPr id="75" name="Straight Arrow Connector 74"/>
+          <p:cNvCxnSpPr>
+            <a:stCxn id="54" idx="0"/>
+            <a:endCxn id="59" idx="4"/>
+          </p:cNvCxnSpPr>
+          <p:nvPr/>
+        </p:nvCxnSpPr>
+        <p:spPr>
           <a:xfrm flipH="1" flipV="1">
-            <a:off x="4374525" y="2464209"/>
-            <a:ext cx="484747" cy="494583"/>
+            <a:off x="4307808" y="6753406"/>
+            <a:ext cx="1" cy="330338"/>
           </a:xfrm>
           <a:prstGeom prst="straightConnector1">
             <a:avLst/>
@@ -7172,19 +7010,251 @@
           </a:fontRef>
         </p:style>
       </p:cxnSp>
+      <p:sp>
+        <p:nvSpPr>
+          <p:cNvPr id="88" name="Oval 87"/>
+          <p:cNvSpPr/>
+          <p:nvPr/>
+        </p:nvSpPr>
+        <p:spPr>
+          <a:xfrm>
+            <a:off x="5845006" y="6093604"/>
+            <a:ext cx="1586333" cy="659803"/>
+          </a:xfrm>
+          <a:prstGeom prst="ellipse">
+            <a:avLst/>
+          </a:prstGeom>
+        </p:spPr>
+        <p:style>
+          <a:lnRef idx="3">
+            <a:schemeClr val="lt1"/>
+          </a:lnRef>
+          <a:fillRef idx="1">
+            <a:schemeClr val="accent2"/>
+          </a:fillRef>
+          <a:effectRef idx="1">
+            <a:schemeClr val="accent2"/>
+          </a:effectRef>
+          <a:fontRef idx="minor">
+            <a:schemeClr val="lt1"/>
+          </a:fontRef>
+        </p:style>
+        <p:txBody>
+          <a:bodyPr rtlCol="0" anchor="ctr"/>
+          <a:lstStyle/>
+          <a:p>
+            <a:pPr algn="ctr"/>
+            <a:r>
+              <a:rPr lang="pt-BR" sz="1492" dirty="0" smtClean="0">
+                <a:solidFill>
+                  <a:srgbClr val="FF0000"/>
+                </a:solidFill>
+              </a:rPr>
+              <a:t>Ankle</a:t>
+            </a:r>
+          </a:p>
+          <a:p>
+            <a:pPr algn="ctr"/>
+            <a:r>
+              <a:rPr lang="pt-BR" sz="1492" dirty="0" smtClean="0">
+                <a:solidFill>
+                  <a:srgbClr val="FF0000"/>
+                </a:solidFill>
+              </a:rPr>
+              <a:t>Movement?</a:t>
+            </a:r>
+            <a:endParaRPr lang="pt-BR" sz="1492" dirty="0">
+              <a:solidFill>
+                <a:srgbClr val="FF0000"/>
+              </a:solidFill>
+            </a:endParaRPr>
+          </a:p>
+        </p:txBody>
+      </p:sp>
       <p:cxnSp>
         <p:nvCxnSpPr>
-          <p:cNvPr id="71" name="Straight Arrow Connector 70"/>
+          <p:cNvPr id="90" name="Elbow Connector 89"/>
           <p:cNvCxnSpPr>
-            <a:stCxn id="26" idx="4"/>
-            <a:endCxn id="38" idx="1"/>
+            <a:stCxn id="45" idx="3"/>
+            <a:endCxn id="22" idx="5"/>
           </p:cNvCxnSpPr>
           <p:nvPr/>
         </p:nvCxnSpPr>
         <p:spPr>
-          <a:xfrm>
-            <a:off x="793167" y="1648260"/>
-            <a:ext cx="1295628" cy="2005659"/>
+          <a:xfrm rot="5400000" flipH="1">
+            <a:off x="4301771" y="3861925"/>
+            <a:ext cx="12073" cy="3539022"/>
+          </a:xfrm>
+          <a:prstGeom prst="bentConnector3">
+            <a:avLst>
+              <a:gd name="adj1" fmla="val -1972501"/>
+            </a:avLst>
+          </a:prstGeom>
+          <a:ln w="28575">
+            <a:solidFill>
+              <a:schemeClr val="tx1"/>
+            </a:solidFill>
+            <a:tailEnd type="triangle"/>
+          </a:ln>
+        </p:spPr>
+        <p:style>
+          <a:lnRef idx="1">
+            <a:schemeClr val="accent1"/>
+          </a:lnRef>
+          <a:fillRef idx="0">
+            <a:schemeClr val="accent1"/>
+          </a:fillRef>
+          <a:effectRef idx="0">
+            <a:schemeClr val="accent1"/>
+          </a:effectRef>
+          <a:fontRef idx="minor">
+            <a:schemeClr val="tx1"/>
+          </a:fontRef>
+        </p:style>
+      </p:cxnSp>
+      <p:cxnSp>
+        <p:nvCxnSpPr>
+          <p:cNvPr id="47" name="Elbow Connector 46"/>
+          <p:cNvCxnSpPr>
+            <a:stCxn id="54" idx="2"/>
+            <a:endCxn id="29" idx="6"/>
+          </p:cNvCxnSpPr>
+          <p:nvPr/>
+        </p:nvCxnSpPr>
+        <p:spPr>
+          <a:xfrm rot="10800000">
+            <a:off x="2770610" y="6402887"/>
+            <a:ext cx="744033" cy="1010761"/>
+          </a:xfrm>
+          <a:prstGeom prst="bentConnector3">
+            <a:avLst>
+              <a:gd name="adj1" fmla="val 50000"/>
+            </a:avLst>
+          </a:prstGeom>
+          <a:ln w="28575">
+            <a:solidFill>
+              <a:schemeClr val="tx1"/>
+            </a:solidFill>
+            <a:tailEnd type="triangle"/>
+          </a:ln>
+        </p:spPr>
+        <p:style>
+          <a:lnRef idx="1">
+            <a:schemeClr val="accent1"/>
+          </a:lnRef>
+          <a:fillRef idx="0">
+            <a:schemeClr val="accent1"/>
+          </a:fillRef>
+          <a:effectRef idx="0">
+            <a:schemeClr val="accent1"/>
+          </a:effectRef>
+          <a:fontRef idx="minor">
+            <a:schemeClr val="tx1"/>
+          </a:fontRef>
+        </p:style>
+      </p:cxnSp>
+      <p:cxnSp>
+        <p:nvCxnSpPr>
+          <p:cNvPr id="48" name="Elbow Connector 47"/>
+          <p:cNvCxnSpPr>
+            <a:stCxn id="54" idx="6"/>
+            <a:endCxn id="20" idx="5"/>
+          </p:cNvCxnSpPr>
+          <p:nvPr/>
+        </p:nvCxnSpPr>
+        <p:spPr>
+          <a:xfrm flipH="1" flipV="1">
+            <a:off x="4868662" y="2593116"/>
+            <a:ext cx="232312" cy="4820530"/>
+          </a:xfrm>
+          <a:prstGeom prst="bentConnector4">
+            <a:avLst>
+              <a:gd name="adj1" fmla="val -60915"/>
+              <a:gd name="adj2" fmla="val 99165"/>
+            </a:avLst>
+          </a:prstGeom>
+          <a:ln w="28575">
+            <a:solidFill>
+              <a:schemeClr val="bg1">
+                <a:lumMod val="50000"/>
+              </a:schemeClr>
+            </a:solidFill>
+            <a:tailEnd type="triangle"/>
+          </a:ln>
+        </p:spPr>
+        <p:style>
+          <a:lnRef idx="1">
+            <a:schemeClr val="accent1"/>
+          </a:lnRef>
+          <a:fillRef idx="0">
+            <a:schemeClr val="accent1"/>
+          </a:fillRef>
+          <a:effectRef idx="0">
+            <a:schemeClr val="accent1"/>
+          </a:effectRef>
+          <a:fontRef idx="minor">
+            <a:schemeClr val="tx1"/>
+          </a:fontRef>
+        </p:style>
+      </p:cxnSp>
+      <p:sp>
+        <p:nvSpPr>
+          <p:cNvPr id="66" name="Oval 65"/>
+          <p:cNvSpPr/>
+          <p:nvPr/>
+        </p:nvSpPr>
+        <p:spPr>
+          <a:xfrm>
+            <a:off x="7977781" y="2049206"/>
+            <a:ext cx="1586333" cy="659803"/>
+          </a:xfrm>
+          <a:prstGeom prst="ellipse">
+            <a:avLst/>
+          </a:prstGeom>
+        </p:spPr>
+        <p:style>
+          <a:lnRef idx="3">
+            <a:schemeClr val="lt1"/>
+          </a:lnRef>
+          <a:fillRef idx="1">
+            <a:schemeClr val="accent2"/>
+          </a:fillRef>
+          <a:effectRef idx="1">
+            <a:schemeClr val="accent2"/>
+          </a:effectRef>
+          <a:fontRef idx="minor">
+            <a:schemeClr val="lt1"/>
+          </a:fontRef>
+        </p:style>
+        <p:txBody>
+          <a:bodyPr rtlCol="0" anchor="ctr"/>
+          <a:lstStyle/>
+          <a:p>
+            <a:pPr algn="ctr"/>
+            <a:r>
+              <a:rPr lang="pt-BR" sz="1492" dirty="0">
+                <a:solidFill>
+                  <a:srgbClr val="FF0000"/>
+                </a:solidFill>
+              </a:rPr>
+              <a:t>Data Manager</a:t>
+            </a:r>
+          </a:p>
+        </p:txBody>
+      </p:sp>
+      <p:cxnSp>
+        <p:nvCxnSpPr>
+          <p:cNvPr id="67" name="Straight Arrow Connector 66"/>
+          <p:cNvCxnSpPr>
+            <a:stCxn id="21" idx="5"/>
+            <a:endCxn id="23" idx="2"/>
+          </p:cNvCxnSpPr>
+          <p:nvPr/>
+        </p:nvCxnSpPr>
+        <p:spPr>
+          <a:xfrm>
+            <a:off x="2538297" y="3603877"/>
+            <a:ext cx="982696" cy="776079"/>
           </a:xfrm>
           <a:prstGeom prst="straightConnector1">
             <a:avLst/>
@@ -7213,24 +7283,21 @@
       </p:cxnSp>
       <p:cxnSp>
         <p:nvCxnSpPr>
-          <p:cNvPr id="81" name="Straight Arrow Connector 80"/>
-          <p:cNvCxnSpPr>
-            <a:stCxn id="20" idx="4"/>
-            <a:endCxn id="59" idx="0"/>
-          </p:cNvCxnSpPr>
+          <p:cNvPr id="73" name="Straight Arrow Connector 72"/>
+          <p:cNvCxnSpPr/>
           <p:nvPr/>
         </p:nvCxnSpPr>
         <p:spPr>
-          <a:xfrm flipH="1">
-            <a:off x="6624940" y="3963269"/>
-            <a:ext cx="737062" cy="799195"/>
+          <a:xfrm flipV="1">
+            <a:off x="8236882" y="3518378"/>
+            <a:ext cx="744030" cy="1"/>
           </a:xfrm>
           <a:prstGeom prst="straightConnector1">
             <a:avLst/>
           </a:prstGeom>
           <a:ln w="38100">
             <a:solidFill>
-              <a:schemeClr val="tx1"/>
+              <a:srgbClr val="00B0F0"/>
             </a:solidFill>
             <a:tailEnd type="triangle"/>
           </a:ln>
@@ -7252,134 +7319,14 @@
       </p:cxnSp>
       <p:cxnSp>
         <p:nvCxnSpPr>
-          <p:cNvPr id="82" name="Straight Arrow Connector 81"/>
-          <p:cNvCxnSpPr>
-            <a:stCxn id="45" idx="2"/>
-            <a:endCxn id="22" idx="6"/>
-          </p:cNvCxnSpPr>
+          <p:cNvPr id="74" name="Straight Arrow Connector 73"/>
+          <p:cNvCxnSpPr/>
           <p:nvPr/>
         </p:nvCxnSpPr>
         <p:spPr>
-          <a:xfrm flipH="1" flipV="1">
-            <a:off x="4172410" y="5818920"/>
-            <a:ext cx="648730" cy="378368"/>
-          </a:xfrm>
-          <a:prstGeom prst="straightConnector1">
-            <a:avLst/>
-          </a:prstGeom>
-          <a:ln w="38100">
-            <a:solidFill>
-              <a:schemeClr val="tx1"/>
-            </a:solidFill>
-            <a:tailEnd type="triangle"/>
-          </a:ln>
-        </p:spPr>
-        <p:style>
-          <a:lnRef idx="1">
-            <a:schemeClr val="accent1"/>
-          </a:lnRef>
-          <a:fillRef idx="0">
-            <a:schemeClr val="accent1"/>
-          </a:fillRef>
-          <a:effectRef idx="0">
-            <a:schemeClr val="accent1"/>
-          </a:effectRef>
-          <a:fontRef idx="minor">
-            <a:schemeClr val="tx1"/>
-          </a:fontRef>
-        </p:style>
-      </p:cxnSp>
-      <p:cxnSp>
-        <p:nvCxnSpPr>
-          <p:cNvPr id="87" name="Straight Arrow Connector 86"/>
-          <p:cNvCxnSpPr>
-            <a:stCxn id="54" idx="3"/>
-            <a:endCxn id="29" idx="7"/>
-          </p:cNvCxnSpPr>
-          <p:nvPr/>
-        </p:nvCxnSpPr>
-        <p:spPr>
-          <a:xfrm flipH="1">
-            <a:off x="7645142" y="6269414"/>
-            <a:ext cx="1230311" cy="769723"/>
-          </a:xfrm>
-          <a:prstGeom prst="straightConnector1">
-            <a:avLst/>
-          </a:prstGeom>
-          <a:ln w="38100">
-            <a:solidFill>
-              <a:schemeClr val="tx1"/>
-            </a:solidFill>
-            <a:tailEnd type="triangle"/>
-          </a:ln>
-        </p:spPr>
-        <p:style>
-          <a:lnRef idx="1">
-            <a:schemeClr val="accent1"/>
-          </a:lnRef>
-          <a:fillRef idx="0">
-            <a:schemeClr val="accent1"/>
-          </a:fillRef>
-          <a:effectRef idx="0">
-            <a:schemeClr val="accent1"/>
-          </a:effectRef>
-          <a:fontRef idx="minor">
-            <a:schemeClr val="tx1"/>
-          </a:fontRef>
-        </p:style>
-      </p:cxnSp>
-      <p:cxnSp>
-        <p:nvCxnSpPr>
-          <p:cNvPr id="92" name="Straight Arrow Connector 91"/>
-          <p:cNvCxnSpPr>
-            <a:stCxn id="19" idx="1"/>
-            <a:endCxn id="25" idx="5"/>
-          </p:cNvCxnSpPr>
-          <p:nvPr/>
-        </p:nvCxnSpPr>
-        <p:spPr>
-          <a:xfrm flipH="1" flipV="1">
-            <a:off x="3260855" y="1869017"/>
-            <a:ext cx="552816" cy="32015"/>
-          </a:xfrm>
-          <a:prstGeom prst="straightConnector1">
-            <a:avLst/>
-          </a:prstGeom>
-          <a:ln w="38100">
-            <a:solidFill>
-              <a:schemeClr val="tx1"/>
-            </a:solidFill>
-            <a:tailEnd type="triangle"/>
-          </a:ln>
-        </p:spPr>
-        <p:style>
-          <a:lnRef idx="1">
-            <a:schemeClr val="accent1"/>
-          </a:lnRef>
-          <a:fillRef idx="0">
-            <a:schemeClr val="accent1"/>
-          </a:fillRef>
-          <a:effectRef idx="0">
-            <a:schemeClr val="accent1"/>
-          </a:effectRef>
-          <a:fontRef idx="minor">
-            <a:schemeClr val="tx1"/>
-          </a:fontRef>
-        </p:style>
-      </p:cxnSp>
-      <p:cxnSp>
-        <p:nvCxnSpPr>
-          <p:cNvPr id="105" name="Straight Arrow Connector 104"/>
-          <p:cNvCxnSpPr>
-            <a:stCxn id="38" idx="6"/>
-            <a:endCxn id="20" idx="2"/>
-          </p:cNvCxnSpPr>
-          <p:nvPr/>
-        </p:nvCxnSpPr>
-        <p:spPr>
           <a:xfrm flipV="1">
-            <a:off x="3442815" y="3633368"/>
-            <a:ext cx="3126020" cy="253827"/>
+            <a:off x="8236882" y="3187206"/>
+            <a:ext cx="744030" cy="1"/>
           </a:xfrm>
           <a:prstGeom prst="straightConnector1">
             <a:avLst/>
@@ -7410,26 +7357,21 @@
       </p:cxnSp>
       <p:cxnSp>
         <p:nvCxnSpPr>
-          <p:cNvPr id="108" name="Straight Arrow Connector 107"/>
-          <p:cNvCxnSpPr>
-            <a:stCxn id="54" idx="0"/>
-            <a:endCxn id="20" idx="5"/>
-          </p:cNvCxnSpPr>
+          <p:cNvPr id="76" name="Straight Arrow Connector 75"/>
+          <p:cNvCxnSpPr/>
           <p:nvPr/>
         </p:nvCxnSpPr>
         <p:spPr>
-          <a:xfrm flipH="1" flipV="1">
-            <a:off x="7922855" y="3866643"/>
-            <a:ext cx="1513452" cy="1839594"/>
+          <a:xfrm flipV="1">
+            <a:off x="8236882" y="2856034"/>
+            <a:ext cx="744030" cy="1"/>
           </a:xfrm>
           <a:prstGeom prst="straightConnector1">
             <a:avLst/>
           </a:prstGeom>
           <a:ln w="38100">
             <a:solidFill>
-              <a:schemeClr val="bg1">
-                <a:lumMod val="50000"/>
-              </a:schemeClr>
+              <a:schemeClr val="tx1"/>
             </a:solidFill>
             <a:tailEnd type="triangle"/>
           </a:ln>
@@ -7449,19 +7391,103 @@
           </a:fontRef>
         </p:style>
       </p:cxnSp>
+      <p:sp>
+        <p:nvSpPr>
+          <p:cNvPr id="68" name="TextBox 67"/>
+          <p:cNvSpPr txBox="1"/>
+          <p:nvPr/>
+        </p:nvSpPr>
+        <p:spPr>
+          <a:xfrm>
+            <a:off x="9030112" y="2671367"/>
+            <a:ext cx="1538563" cy="369332"/>
+          </a:xfrm>
+          <a:prstGeom prst="rect">
+            <a:avLst/>
+          </a:prstGeom>
+          <a:noFill/>
+        </p:spPr>
+        <p:txBody>
+          <a:bodyPr wrap="none" rtlCol="0">
+            <a:spAutoFit/>
+          </a:bodyPr>
+          <a:lstStyle/>
+          <a:p>
+            <a:r>
+              <a:rPr lang="pt-BR" dirty="0"/>
+              <a:t>Utiliza a classe</a:t>
+            </a:r>
+          </a:p>
+        </p:txBody>
+      </p:sp>
+      <p:sp>
+        <p:nvSpPr>
+          <p:cNvPr id="77" name="TextBox 76"/>
+          <p:cNvSpPr txBox="1"/>
+          <p:nvPr/>
+        </p:nvSpPr>
+        <p:spPr>
+          <a:xfrm>
+            <a:off x="9040997" y="3002539"/>
+            <a:ext cx="1775230" cy="369332"/>
+          </a:xfrm>
+          <a:prstGeom prst="rect">
+            <a:avLst/>
+          </a:prstGeom>
+          <a:noFill/>
+        </p:spPr>
+        <p:txBody>
+          <a:bodyPr wrap="none" rtlCol="0">
+            <a:spAutoFit/>
+          </a:bodyPr>
+          <a:lstStyle/>
+          <a:p>
+            <a:r>
+              <a:rPr lang="pt-BR" dirty="0"/>
+              <a:t>Utiliza o instance</a:t>
+            </a:r>
+          </a:p>
+        </p:txBody>
+      </p:sp>
+      <p:sp>
+        <p:nvSpPr>
+          <p:cNvPr id="78" name="TextBox 77"/>
+          <p:cNvSpPr txBox="1"/>
+          <p:nvPr/>
+        </p:nvSpPr>
+        <p:spPr>
+          <a:xfrm>
+            <a:off x="9051884" y="3333711"/>
+            <a:ext cx="2130391" cy="369332"/>
+          </a:xfrm>
+          <a:prstGeom prst="rect">
+            <a:avLst/>
+          </a:prstGeom>
+          <a:noFill/>
+        </p:spPr>
+        <p:txBody>
+          <a:bodyPr wrap="none" rtlCol="0">
+            <a:spAutoFit/>
+          </a:bodyPr>
+          <a:lstStyle/>
+          <a:p>
+            <a:r>
+              <a:rPr lang="pt-BR" dirty="0"/>
+              <a:t>Utiliza uma var static</a:t>
+            </a:r>
+          </a:p>
+        </p:txBody>
+      </p:sp>
       <p:cxnSp>
         <p:nvCxnSpPr>
-          <p:cNvPr id="89" name="Straight Arrow Connector 88"/>
-          <p:cNvCxnSpPr>
-            <a:stCxn id="45" idx="0"/>
-            <a:endCxn id="18" idx="4"/>
-          </p:cNvCxnSpPr>
+          <p:cNvPr id="79" name="Straight Arrow Connector 78"/>
+          <p:cNvCxnSpPr/>
           <p:nvPr/>
         </p:nvCxnSpPr>
         <p:spPr>
-          <a:xfrm flipH="1" flipV="1">
-            <a:off x="5420126" y="3521969"/>
-            <a:ext cx="194181" cy="2345417"/>
+          <a:xfrm flipV="1">
+            <a:off x="8236882" y="3849550"/>
+            <a:ext cx="744030" cy="1"/>
           </a:xfrm>
           <a:prstGeom prst="straightConnector1">
             <a:avLst/>
@@ -7489,29 +7515,58 @@
           </a:fontRef>
         </p:style>
       </p:cxnSp>
+      <p:sp>
+        <p:nvSpPr>
+          <p:cNvPr id="80" name="TextBox 79"/>
+          <p:cNvSpPr txBox="1"/>
+          <p:nvPr/>
+        </p:nvSpPr>
+        <p:spPr>
+          <a:xfrm>
+            <a:off x="9051884" y="3664883"/>
+            <a:ext cx="2250809" cy="369332"/>
+          </a:xfrm>
+          <a:prstGeom prst="rect">
+            <a:avLst/>
+          </a:prstGeom>
+          <a:noFill/>
+        </p:spPr>
+        <p:txBody>
+          <a:bodyPr wrap="none" rtlCol="0">
+            <a:spAutoFit/>
+          </a:bodyPr>
+          <a:lstStyle/>
+          <a:p>
+            <a:r>
+              <a:rPr lang="pt-BR" dirty="0"/>
+              <a:t>Utiliza uma func static</a:t>
+            </a:r>
+          </a:p>
+        </p:txBody>
+      </p:sp>
       <p:cxnSp>
         <p:nvCxnSpPr>
-          <p:cNvPr id="297" name="Straight Arrow Connector 296"/>
-          <p:cNvCxnSpPr/>
+          <p:cNvPr id="94" name="Straight Arrow Connector 93"/>
+          <p:cNvCxnSpPr>
+            <a:stCxn id="38" idx="6"/>
+            <a:endCxn id="18" idx="3"/>
+          </p:cNvCxnSpPr>
           <p:nvPr/>
         </p:nvCxnSpPr>
         <p:spPr>
           <a:xfrm flipV="1">
-            <a:off x="10390133" y="5983396"/>
-            <a:ext cx="744030" cy="1"/>
+            <a:off x="5100976" y="4614637"/>
+            <a:ext cx="976060" cy="789562"/>
           </a:xfrm>
           <a:prstGeom prst="straightConnector1">
             <a:avLst/>
           </a:prstGeom>
           <a:ln w="38100">
             <a:solidFill>
-              <a:schemeClr val="bg1">
-                <a:lumMod val="50000"/>
-              </a:schemeClr>
+              <a:srgbClr val="00B0F0"/>
             </a:solidFill>
-            <a:prstDash val="dash"/>
-            <a:headEnd type="none" w="med" len="med"/>
-            <a:tailEnd type="none" w="med" len="med"/>
+            <a:prstDash val="sysDash"/>
+            <a:tailEnd type="triangle"/>
           </a:ln>
         </p:spPr>
         <p:style>
@@ -7531,127 +7586,29 @@
       </p:cxnSp>
       <p:cxnSp>
         <p:nvCxnSpPr>
-          <p:cNvPr id="298" name="Straight Arrow Connector 297"/>
-          <p:cNvCxnSpPr/>
+          <p:cNvPr id="106" name="Elbow Connector 105"/>
+          <p:cNvCxnSpPr>
+            <a:stCxn id="45" idx="6"/>
+            <a:endCxn id="18" idx="6"/>
+          </p:cNvCxnSpPr>
           <p:nvPr/>
         </p:nvCxnSpPr>
         <p:spPr>
-          <a:xfrm flipV="1">
-            <a:off x="10390133" y="5652224"/>
-            <a:ext cx="744030" cy="1"/>
-          </a:xfrm>
-          <a:prstGeom prst="straightConnector1">
-            <a:avLst/>
+          <a:xfrm flipH="1" flipV="1">
+            <a:off x="7431056" y="4381362"/>
+            <a:ext cx="283" cy="1022836"/>
+          </a:xfrm>
+          <a:prstGeom prst="bentConnector3">
+            <a:avLst>
+              <a:gd name="adj1" fmla="val -80777385"/>
+            </a:avLst>
           </a:prstGeom>
           <a:ln w="38100">
             <a:solidFill>
-              <a:schemeClr val="tx1"/>
+              <a:srgbClr val="00B0F0"/>
             </a:solidFill>
-            <a:prstDash val="dash"/>
-            <a:headEnd type="none" w="med" len="med"/>
-            <a:tailEnd type="none" w="med" len="med"/>
-          </a:ln>
-        </p:spPr>
-        <p:style>
-          <a:lnRef idx="1">
-            <a:schemeClr val="accent1"/>
-          </a:lnRef>
-          <a:fillRef idx="0">
-            <a:schemeClr val="accent1"/>
-          </a:fillRef>
-          <a:effectRef idx="0">
-            <a:schemeClr val="accent1"/>
-          </a:effectRef>
-          <a:fontRef idx="minor">
-            <a:schemeClr val="tx1"/>
-          </a:fontRef>
-        </p:style>
-      </p:cxnSp>
-      <p:sp>
-        <p:nvSpPr>
-          <p:cNvPr id="299" name="TextBox 298"/>
-          <p:cNvSpPr txBox="1"/>
-          <p:nvPr/>
-        </p:nvSpPr>
-        <p:spPr>
-          <a:xfrm>
-            <a:off x="11183363" y="5467557"/>
-            <a:ext cx="2088520" cy="369332"/>
-          </a:xfrm>
-          <a:prstGeom prst="rect">
-            <a:avLst/>
-          </a:prstGeom>
-          <a:noFill/>
-        </p:spPr>
-        <p:txBody>
-          <a:bodyPr wrap="none" rtlCol="0">
-            <a:spAutoFit/>
-          </a:bodyPr>
-          <a:lstStyle/>
-          <a:p>
-            <a:r>
-              <a:rPr lang="pt-BR" dirty="0" smtClean="0"/>
-              <a:t>Not from GameBase</a:t>
-            </a:r>
-            <a:endParaRPr lang="pt-BR" dirty="0"/>
-          </a:p>
-        </p:txBody>
-      </p:sp>
-      <p:sp>
-        <p:nvSpPr>
-          <p:cNvPr id="300" name="TextBox 299"/>
-          <p:cNvSpPr txBox="1"/>
-          <p:nvPr/>
-        </p:nvSpPr>
-        <p:spPr>
-          <a:xfrm>
-            <a:off x="11194248" y="5798729"/>
-            <a:ext cx="1600951" cy="369332"/>
-          </a:xfrm>
-          <a:prstGeom prst="rect">
-            <a:avLst/>
-          </a:prstGeom>
-          <a:noFill/>
-        </p:spPr>
-        <p:txBody>
-          <a:bodyPr wrap="none" rtlCol="0">
-            <a:spAutoFit/>
-          </a:bodyPr>
-          <a:lstStyle/>
-          <a:p>
-            <a:r>
-              <a:rPr lang="pt-BR" dirty="0" smtClean="0"/>
-              <a:t>From Singleton</a:t>
-            </a:r>
-            <a:endParaRPr lang="pt-BR" dirty="0"/>
-          </a:p>
-        </p:txBody>
-      </p:sp>
-      <p:cxnSp>
-        <p:nvCxnSpPr>
-          <p:cNvPr id="371" name="Curved Connector 370"/>
-          <p:cNvCxnSpPr>
-            <a:stCxn id="29" idx="3"/>
-            <a:endCxn id="26" idx="3"/>
-          </p:cNvCxnSpPr>
-          <p:nvPr/>
-        </p:nvCxnSpPr>
-        <p:spPr>
-          <a:xfrm rot="5400000" flipH="1">
-            <a:off x="400847" y="1383100"/>
-            <a:ext cx="5954054" cy="6291122"/>
-          </a:xfrm>
-          <a:prstGeom prst="curvedConnector3">
-            <a:avLst>
-              <a:gd name="adj1" fmla="val -7839"/>
-            </a:avLst>
-          </a:prstGeom>
-          <a:ln w="28575">
-            <a:solidFill>
-              <a:schemeClr val="tx1"/>
-            </a:solidFill>
-            <a:headEnd type="triangle" w="med" len="med"/>
-            <a:tailEnd type="none" w="med" len="med"/>
+            <a:prstDash val="sysDash"/>
+            <a:tailEnd type="triangle"/>
           </a:ln>
         </p:spPr>
         <p:style>
@@ -7671,17 +7628,17 @@
       </p:cxnSp>
       <p:cxnSp>
         <p:nvCxnSpPr>
-          <p:cNvPr id="60" name="Straight Arrow Connector 59"/>
+          <p:cNvPr id="109" name="Straight Arrow Connector 108"/>
           <p:cNvCxnSpPr>
-            <a:stCxn id="20" idx="7"/>
-            <a:endCxn id="88" idx="4"/>
+            <a:stCxn id="20" idx="4"/>
+            <a:endCxn id="24" idx="1"/>
           </p:cNvCxnSpPr>
           <p:nvPr/>
         </p:nvCxnSpPr>
         <p:spPr>
-          <a:xfrm flipV="1">
-            <a:off x="7922855" y="2740289"/>
-            <a:ext cx="132056" cy="659803"/>
+          <a:xfrm>
+            <a:off x="4307810" y="2689743"/>
+            <a:ext cx="1769511" cy="447583"/>
           </a:xfrm>
           <a:prstGeom prst="straightConnector1">
             <a:avLst/>
@@ -7708,10 +7665,92 @@
           </a:fontRef>
         </p:style>
       </p:cxnSp>
+      <p:cxnSp>
+        <p:nvCxnSpPr>
+          <p:cNvPr id="130" name="Elbow Connector 129"/>
+          <p:cNvCxnSpPr>
+            <a:stCxn id="26" idx="6"/>
+            <a:endCxn id="38" idx="7"/>
+          </p:cNvCxnSpPr>
+          <p:nvPr/>
+        </p:nvCxnSpPr>
+        <p:spPr>
+          <a:xfrm flipH="1">
+            <a:off x="4868663" y="3369197"/>
+            <a:ext cx="232028" cy="1801726"/>
+          </a:xfrm>
+          <a:prstGeom prst="bentConnector4">
+            <a:avLst>
+              <a:gd name="adj1" fmla="val -32841"/>
+              <a:gd name="adj2" fmla="val 98767"/>
+            </a:avLst>
+          </a:prstGeom>
+          <a:ln w="38100">
+            <a:solidFill>
+              <a:schemeClr val="tx1"/>
+            </a:solidFill>
+            <a:tailEnd type="triangle"/>
+          </a:ln>
+        </p:spPr>
+        <p:style>
+          <a:lnRef idx="1">
+            <a:schemeClr val="accent1"/>
+          </a:lnRef>
+          <a:fillRef idx="0">
+            <a:schemeClr val="accent1"/>
+          </a:fillRef>
+          <a:effectRef idx="0">
+            <a:schemeClr val="accent1"/>
+          </a:effectRef>
+          <a:fontRef idx="minor">
+            <a:schemeClr val="tx1"/>
+          </a:fontRef>
+        </p:style>
+      </p:cxnSp>
+      <p:sp>
+        <p:nvSpPr>
+          <p:cNvPr id="138" name="Down Arrow 137"/>
+          <p:cNvSpPr/>
+          <p:nvPr/>
+        </p:nvSpPr>
+        <p:spPr>
+          <a:xfrm rot="5400000" flipV="1">
+            <a:off x="7602454" y="2094911"/>
+            <a:ext cx="209276" cy="541378"/>
+          </a:xfrm>
+          <a:prstGeom prst="downArrow">
+            <a:avLst/>
+          </a:prstGeom>
+        </p:spPr>
+        <p:style>
+          <a:lnRef idx="2">
+            <a:schemeClr val="accent3">
+              <a:shade val="50000"/>
+            </a:schemeClr>
+          </a:lnRef>
+          <a:fillRef idx="1">
+            <a:schemeClr val="accent3"/>
+          </a:fillRef>
+          <a:effectRef idx="0">
+            <a:schemeClr val="accent3"/>
+          </a:effectRef>
+          <a:fontRef idx="minor">
+            <a:schemeClr val="lt1"/>
+          </a:fontRef>
+        </p:style>
+        <p:txBody>
+          <a:bodyPr rtlCol="0" anchor="ctr"/>
+          <a:lstStyle/>
+          <a:p>
+            <a:pPr algn="ctr"/>
+            <a:endParaRPr lang="pt-BR" sz="1492"/>
+          </a:p>
+        </p:txBody>
+      </p:sp>
     </p:spTree>
     <p:extLst>
       <p:ext uri="{BB962C8B-B14F-4D97-AF65-F5344CB8AC3E}">
-        <p14:creationId xmlns:p14="http://schemas.microsoft.com/office/powerpoint/2010/main" val="1787979404"/>
+        <p14:creationId xmlns:p14="http://schemas.microsoft.com/office/powerpoint/2010/main" val="3386064608"/>
       </p:ext>
     </p:extLst>
   </p:cSld>

--- a/Script Flow.pptx
+++ b/Script Flow.pptx
@@ -2980,7 +2980,7 @@
         </p:nvSpPr>
         <p:spPr>
           <a:xfrm>
-            <a:off x="4626959" y="2862166"/>
+            <a:off x="4692543" y="2679675"/>
             <a:ext cx="1586333" cy="659803"/>
           </a:xfrm>
           <a:prstGeom prst="ellipse">
@@ -3201,7 +3201,7 @@
         </p:nvSpPr>
         <p:spPr>
           <a:xfrm>
-            <a:off x="6574453" y="483220"/>
+            <a:off x="1655569" y="127654"/>
             <a:ext cx="1586333" cy="659803"/>
           </a:xfrm>
           <a:prstGeom prst="ellipse">
@@ -3246,7 +3246,7 @@
         </p:nvSpPr>
         <p:spPr>
           <a:xfrm>
-            <a:off x="1446681" y="112192"/>
+            <a:off x="1856482" y="2661527"/>
             <a:ext cx="1586333" cy="659803"/>
           </a:xfrm>
           <a:prstGeom prst="ellipse">
@@ -3592,7 +3592,7 @@
         <p:spPr>
           <a:xfrm>
             <a:off x="5312316" y="1101897"/>
-            <a:ext cx="107810" cy="1760269"/>
+            <a:ext cx="173394" cy="1577778"/>
           </a:xfrm>
           <a:prstGeom prst="straightConnector1">
             <a:avLst/>
@@ -3882,7 +3882,7 @@
         <p:spPr>
           <a:xfrm>
             <a:off x="793167" y="1648260"/>
-            <a:ext cx="3833792" cy="1543808"/>
+            <a:ext cx="3899376" cy="1361317"/>
           </a:xfrm>
           <a:prstGeom prst="straightConnector1">
             <a:avLst/>
@@ -4375,15 +4375,15 @@
         <p:nvCxnSpPr>
           <p:cNvPr id="67" name="Straight Arrow Connector 66"/>
           <p:cNvCxnSpPr>
-            <a:stCxn id="21" idx="6"/>
+            <a:stCxn id="26" idx="7"/>
             <a:endCxn id="23" idx="2"/>
           </p:cNvCxnSpPr>
           <p:nvPr/>
         </p:nvCxnSpPr>
         <p:spPr>
-          <a:xfrm>
-            <a:off x="6105482" y="771996"/>
-            <a:ext cx="468971" cy="41126"/>
+          <a:xfrm flipV="1">
+            <a:off x="1354020" y="457556"/>
+            <a:ext cx="301549" cy="627527"/>
           </a:xfrm>
           <a:prstGeom prst="straightConnector1">
             <a:avLst/>
@@ -4684,8 +4684,8 @@
         </p:nvCxnSpPr>
         <p:spPr>
           <a:xfrm flipV="1">
-            <a:off x="3210502" y="3425343"/>
-            <a:ext cx="1648770" cy="228576"/>
+            <a:off x="3210502" y="3242852"/>
+            <a:ext cx="1714354" cy="411067"/>
           </a:xfrm>
           <a:prstGeom prst="straightConnector1">
             <a:avLst/>
@@ -4717,15 +4717,15 @@
         <p:nvCxnSpPr>
           <p:cNvPr id="109" name="Straight Arrow Connector 108"/>
           <p:cNvCxnSpPr>
-            <a:stCxn id="26" idx="7"/>
-            <a:endCxn id="24" idx="3"/>
+            <a:stCxn id="26" idx="4"/>
+            <a:endCxn id="24" idx="1"/>
           </p:cNvCxnSpPr>
           <p:nvPr/>
         </p:nvCxnSpPr>
         <p:spPr>
-          <a:xfrm flipV="1">
-            <a:off x="1354020" y="675369"/>
-            <a:ext cx="324974" cy="409714"/>
+          <a:xfrm>
+            <a:off x="793167" y="1648260"/>
+            <a:ext cx="1295628" cy="1109893"/>
           </a:xfrm>
           <a:prstGeom prst="straightConnector1">
             <a:avLst/>
@@ -4764,7 +4764,7 @@
         <p:spPr>
           <a:xfrm flipH="1" flipV="1">
             <a:off x="4374525" y="2464209"/>
-            <a:ext cx="484747" cy="494583"/>
+            <a:ext cx="550331" cy="312092"/>
           </a:xfrm>
           <a:prstGeom prst="straightConnector1">
             <a:avLst/>
@@ -5079,8 +5079,8 @@
         </p:nvCxnSpPr>
         <p:spPr>
           <a:xfrm flipH="1" flipV="1">
-            <a:off x="5420126" y="3521969"/>
-            <a:ext cx="194181" cy="2345417"/>
+            <a:off x="5485710" y="3339478"/>
+            <a:ext cx="128597" cy="2527908"/>
           </a:xfrm>
           <a:prstGeom prst="straightConnector1">
             <a:avLst/>
@@ -5345,6 +5345,87 @@
             <a:avLst/>
           </a:prstGeom>
           <a:ln w="28575">
+            <a:solidFill>
+              <a:schemeClr val="bg1">
+                <a:lumMod val="50000"/>
+              </a:schemeClr>
+            </a:solidFill>
+            <a:tailEnd type="triangle"/>
+          </a:ln>
+        </p:spPr>
+        <p:style>
+          <a:lnRef idx="1">
+            <a:schemeClr val="accent1"/>
+          </a:lnRef>
+          <a:fillRef idx="0">
+            <a:schemeClr val="accent1"/>
+          </a:fillRef>
+          <a:effectRef idx="0">
+            <a:schemeClr val="accent1"/>
+          </a:effectRef>
+          <a:fontRef idx="minor">
+            <a:schemeClr val="tx1"/>
+          </a:fontRef>
+        </p:style>
+      </p:cxnSp>
+      <p:cxnSp>
+        <p:nvCxnSpPr>
+          <p:cNvPr id="61" name="Straight Arrow Connector 60"/>
+          <p:cNvCxnSpPr>
+            <a:stCxn id="24" idx="6"/>
+            <a:endCxn id="18" idx="2"/>
+          </p:cNvCxnSpPr>
+          <p:nvPr/>
+        </p:nvCxnSpPr>
+        <p:spPr>
+          <a:xfrm>
+            <a:off x="3442815" y="2991429"/>
+            <a:ext cx="1249728" cy="18148"/>
+          </a:xfrm>
+          <a:prstGeom prst="straightConnector1">
+            <a:avLst/>
+          </a:prstGeom>
+          <a:ln w="38100">
+            <a:solidFill>
+              <a:srgbClr val="00B0F0"/>
+            </a:solidFill>
+            <a:prstDash val="sysDash"/>
+            <a:tailEnd type="triangle"/>
+          </a:ln>
+        </p:spPr>
+        <p:style>
+          <a:lnRef idx="1">
+            <a:schemeClr val="accent1"/>
+          </a:lnRef>
+          <a:fillRef idx="0">
+            <a:schemeClr val="accent1"/>
+          </a:fillRef>
+          <a:effectRef idx="0">
+            <a:schemeClr val="accent1"/>
+          </a:effectRef>
+          <a:fontRef idx="minor">
+            <a:schemeClr val="tx1"/>
+          </a:fontRef>
+        </p:style>
+      </p:cxnSp>
+      <p:cxnSp>
+        <p:nvCxnSpPr>
+          <p:cNvPr id="70" name="Straight Arrow Connector 69"/>
+          <p:cNvCxnSpPr>
+            <a:stCxn id="24" idx="5"/>
+            <a:endCxn id="20" idx="2"/>
+          </p:cNvCxnSpPr>
+          <p:nvPr/>
+        </p:nvCxnSpPr>
+        <p:spPr>
+          <a:xfrm>
+            <a:off x="3210502" y="3224704"/>
+            <a:ext cx="3358333" cy="408664"/>
+          </a:xfrm>
+          <a:prstGeom prst="straightConnector1">
+            <a:avLst/>
+          </a:prstGeom>
+          <a:ln w="38100">
             <a:solidFill>
               <a:schemeClr val="bg1">
                 <a:lumMod val="50000"/>

--- a/Script Flow.pptx
+++ b/Script Flow.pptx
@@ -244,7 +244,7 @@
           <a:p>
             <a:fld id="{2E538E35-4A08-48D2-89A5-89C6CF66D327}" type="datetimeFigureOut">
               <a:rPr lang="pt-BR" smtClean="0"/>
-              <a:t>29/06/2017</a:t>
+              <a:t>30/06/2017</a:t>
             </a:fld>
             <a:endParaRPr lang="pt-BR"/>
           </a:p>
@@ -414,7 +414,7 @@
           <a:p>
             <a:fld id="{2E538E35-4A08-48D2-89A5-89C6CF66D327}" type="datetimeFigureOut">
               <a:rPr lang="pt-BR" smtClean="0"/>
-              <a:t>29/06/2017</a:t>
+              <a:t>30/06/2017</a:t>
             </a:fld>
             <a:endParaRPr lang="pt-BR"/>
           </a:p>
@@ -594,7 +594,7 @@
           <a:p>
             <a:fld id="{2E538E35-4A08-48D2-89A5-89C6CF66D327}" type="datetimeFigureOut">
               <a:rPr lang="pt-BR" smtClean="0"/>
-              <a:t>29/06/2017</a:t>
+              <a:t>30/06/2017</a:t>
             </a:fld>
             <a:endParaRPr lang="pt-BR"/>
           </a:p>
@@ -764,7 +764,7 @@
           <a:p>
             <a:fld id="{2E538E35-4A08-48D2-89A5-89C6CF66D327}" type="datetimeFigureOut">
               <a:rPr lang="pt-BR" smtClean="0"/>
-              <a:t>29/06/2017</a:t>
+              <a:t>30/06/2017</a:t>
             </a:fld>
             <a:endParaRPr lang="pt-BR"/>
           </a:p>
@@ -1008,7 +1008,7 @@
           <a:p>
             <a:fld id="{2E538E35-4A08-48D2-89A5-89C6CF66D327}" type="datetimeFigureOut">
               <a:rPr lang="pt-BR" smtClean="0"/>
-              <a:t>29/06/2017</a:t>
+              <a:t>30/06/2017</a:t>
             </a:fld>
             <a:endParaRPr lang="pt-BR"/>
           </a:p>
@@ -1240,7 +1240,7 @@
           <a:p>
             <a:fld id="{2E538E35-4A08-48D2-89A5-89C6CF66D327}" type="datetimeFigureOut">
               <a:rPr lang="pt-BR" smtClean="0"/>
-              <a:t>29/06/2017</a:t>
+              <a:t>30/06/2017</a:t>
             </a:fld>
             <a:endParaRPr lang="pt-BR"/>
           </a:p>
@@ -1607,7 +1607,7 @@
           <a:p>
             <a:fld id="{2E538E35-4A08-48D2-89A5-89C6CF66D327}" type="datetimeFigureOut">
               <a:rPr lang="pt-BR" smtClean="0"/>
-              <a:t>29/06/2017</a:t>
+              <a:t>30/06/2017</a:t>
             </a:fld>
             <a:endParaRPr lang="pt-BR"/>
           </a:p>
@@ -1725,7 +1725,7 @@
           <a:p>
             <a:fld id="{2E538E35-4A08-48D2-89A5-89C6CF66D327}" type="datetimeFigureOut">
               <a:rPr lang="pt-BR" smtClean="0"/>
-              <a:t>29/06/2017</a:t>
+              <a:t>30/06/2017</a:t>
             </a:fld>
             <a:endParaRPr lang="pt-BR"/>
           </a:p>
@@ -1820,7 +1820,7 @@
           <a:p>
             <a:fld id="{2E538E35-4A08-48D2-89A5-89C6CF66D327}" type="datetimeFigureOut">
               <a:rPr lang="pt-BR" smtClean="0"/>
-              <a:t>29/06/2017</a:t>
+              <a:t>30/06/2017</a:t>
             </a:fld>
             <a:endParaRPr lang="pt-BR"/>
           </a:p>
@@ -2097,7 +2097,7 @@
           <a:p>
             <a:fld id="{2E538E35-4A08-48D2-89A5-89C6CF66D327}" type="datetimeFigureOut">
               <a:rPr lang="pt-BR" smtClean="0"/>
-              <a:t>29/06/2017</a:t>
+              <a:t>30/06/2017</a:t>
             </a:fld>
             <a:endParaRPr lang="pt-BR"/>
           </a:p>
@@ -2354,7 +2354,7 @@
           <a:p>
             <a:fld id="{2E538E35-4A08-48D2-89A5-89C6CF66D327}" type="datetimeFigureOut">
               <a:rPr lang="pt-BR" smtClean="0"/>
-              <a:t>29/06/2017</a:t>
+              <a:t>30/06/2017</a:t>
             </a:fld>
             <a:endParaRPr lang="pt-BR"/>
           </a:p>
@@ -2567,7 +2567,7 @@
           <a:p>
             <a:fld id="{2E538E35-4A08-48D2-89A5-89C6CF66D327}" type="datetimeFigureOut">
               <a:rPr lang="pt-BR" smtClean="0"/>
-              <a:t>29/06/2017</a:t>
+              <a:t>30/06/2017</a:t>
             </a:fld>
             <a:endParaRPr lang="pt-BR"/>
           </a:p>
@@ -4326,51 +4326,6 @@
           </a:p>
         </p:txBody>
       </p:sp>
-      <p:sp>
-        <p:nvSpPr>
-          <p:cNvPr id="66" name="Oval 65"/>
-          <p:cNvSpPr/>
-          <p:nvPr/>
-        </p:nvSpPr>
-        <p:spPr>
-          <a:xfrm>
-            <a:off x="9688368" y="2107684"/>
-            <a:ext cx="1586333" cy="659803"/>
-          </a:xfrm>
-          <a:prstGeom prst="ellipse">
-            <a:avLst/>
-          </a:prstGeom>
-        </p:spPr>
-        <p:style>
-          <a:lnRef idx="3">
-            <a:schemeClr val="lt1"/>
-          </a:lnRef>
-          <a:fillRef idx="1">
-            <a:schemeClr val="accent2"/>
-          </a:fillRef>
-          <a:effectRef idx="1">
-            <a:schemeClr val="accent2"/>
-          </a:effectRef>
-          <a:fontRef idx="minor">
-            <a:schemeClr val="lt1"/>
-          </a:fontRef>
-        </p:style>
-        <p:txBody>
-          <a:bodyPr rtlCol="0" anchor="ctr"/>
-          <a:lstStyle/>
-          <a:p>
-            <a:pPr algn="ctr"/>
-            <a:r>
-              <a:rPr lang="pt-BR" sz="1492" dirty="0">
-                <a:solidFill>
-                  <a:srgbClr val="FF0000"/>
-                </a:solidFill>
-              </a:rPr>
-              <a:t>Data Manager</a:t>
-            </a:r>
-          </a:p>
-        </p:txBody>
-      </p:sp>
       <p:cxnSp>
         <p:nvCxnSpPr>
           <p:cNvPr id="67" name="Straight Arrow Connector 66"/>
@@ -5421,6 +5376,141 @@
           <a:xfrm>
             <a:off x="3210502" y="3224704"/>
             <a:ext cx="3358333" cy="408664"/>
+          </a:xfrm>
+          <a:prstGeom prst="straightConnector1">
+            <a:avLst/>
+          </a:prstGeom>
+          <a:ln w="38100">
+            <a:solidFill>
+              <a:schemeClr val="bg1">
+                <a:lumMod val="50000"/>
+              </a:schemeClr>
+            </a:solidFill>
+            <a:tailEnd type="triangle"/>
+          </a:ln>
+        </p:spPr>
+        <p:style>
+          <a:lnRef idx="1">
+            <a:schemeClr val="accent1"/>
+          </a:lnRef>
+          <a:fillRef idx="0">
+            <a:schemeClr val="accent1"/>
+          </a:fillRef>
+          <a:effectRef idx="0">
+            <a:schemeClr val="accent1"/>
+          </a:effectRef>
+          <a:fontRef idx="minor">
+            <a:schemeClr val="tx1"/>
+          </a:fontRef>
+        </p:style>
+      </p:cxnSp>
+      <p:sp>
+        <p:nvSpPr>
+          <p:cNvPr id="63" name="Oval 62"/>
+          <p:cNvSpPr/>
+          <p:nvPr/>
+        </p:nvSpPr>
+        <p:spPr>
+          <a:xfrm>
+            <a:off x="1191912" y="4871687"/>
+            <a:ext cx="1586333" cy="659803"/>
+          </a:xfrm>
+          <a:prstGeom prst="ellipse">
+            <a:avLst/>
+          </a:prstGeom>
+          <a:ln w="28575">
+            <a:solidFill>
+              <a:schemeClr val="tx1"/>
+            </a:solidFill>
+            <a:prstDash val="dash"/>
+          </a:ln>
+        </p:spPr>
+        <p:style>
+          <a:lnRef idx="1">
+            <a:schemeClr val="accent2"/>
+          </a:lnRef>
+          <a:fillRef idx="2">
+            <a:schemeClr val="accent2"/>
+          </a:fillRef>
+          <a:effectRef idx="1">
+            <a:schemeClr val="accent2"/>
+          </a:effectRef>
+          <a:fontRef idx="minor">
+            <a:schemeClr val="dk1"/>
+          </a:fontRef>
+        </p:style>
+        <p:txBody>
+          <a:bodyPr rtlCol="0" anchor="ctr"/>
+          <a:lstStyle/>
+          <a:p>
+            <a:pPr algn="ctr"/>
+            <a:r>
+              <a:rPr lang="pt-BR" sz="1492" dirty="0" smtClean="0"/>
+              <a:t>Mini</a:t>
+            </a:r>
+          </a:p>
+          <a:p>
+            <a:pPr algn="ctr"/>
+            <a:r>
+              <a:rPr lang="pt-BR" sz="1492" dirty="0" smtClean="0"/>
+              <a:t>Map</a:t>
+            </a:r>
+            <a:endParaRPr lang="pt-BR" sz="1492" dirty="0"/>
+          </a:p>
+        </p:txBody>
+      </p:sp>
+      <p:cxnSp>
+        <p:nvCxnSpPr>
+          <p:cNvPr id="64" name="Straight Arrow Connector 63"/>
+          <p:cNvCxnSpPr>
+            <a:stCxn id="38" idx="3"/>
+            <a:endCxn id="63" idx="0"/>
+          </p:cNvCxnSpPr>
+          <p:nvPr/>
+        </p:nvCxnSpPr>
+        <p:spPr>
+          <a:xfrm flipH="1">
+            <a:off x="1985079" y="4120470"/>
+            <a:ext cx="103716" cy="751217"/>
+          </a:xfrm>
+          <a:prstGeom prst="straightConnector1">
+            <a:avLst/>
+          </a:prstGeom>
+          <a:ln w="38100">
+            <a:solidFill>
+              <a:schemeClr val="tx1"/>
+            </a:solidFill>
+            <a:tailEnd type="triangle"/>
+          </a:ln>
+        </p:spPr>
+        <p:style>
+          <a:lnRef idx="1">
+            <a:schemeClr val="accent1"/>
+          </a:lnRef>
+          <a:fillRef idx="0">
+            <a:schemeClr val="accent1"/>
+          </a:fillRef>
+          <a:effectRef idx="0">
+            <a:schemeClr val="accent1"/>
+          </a:effectRef>
+          <a:fontRef idx="minor">
+            <a:schemeClr val="tx1"/>
+          </a:fontRef>
+        </p:style>
+      </p:cxnSp>
+      <p:cxnSp>
+        <p:nvCxnSpPr>
+          <p:cNvPr id="72" name="Straight Arrow Connector 71"/>
+          <p:cNvCxnSpPr>
+            <a:stCxn id="63" idx="7"/>
+            <a:endCxn id="20" idx="3"/>
+          </p:cNvCxnSpPr>
+          <p:nvPr/>
+        </p:nvCxnSpPr>
+        <p:spPr>
+          <a:xfrm flipV="1">
+            <a:off x="2545932" y="3866643"/>
+            <a:ext cx="4255216" cy="1101670"/>
           </a:xfrm>
           <a:prstGeom prst="straightConnector1">
             <a:avLst/>

--- a/Script Flow.pptx
+++ b/Script Flow.pptx
@@ -244,7 +244,7 @@
           <a:p>
             <a:fld id="{2E538E35-4A08-48D2-89A5-89C6CF66D327}" type="datetimeFigureOut">
               <a:rPr lang="pt-BR" smtClean="0"/>
-              <a:t>30/06/2017</a:t>
+              <a:t>12/09/2017</a:t>
             </a:fld>
             <a:endParaRPr lang="pt-BR"/>
           </a:p>
@@ -414,7 +414,7 @@
           <a:p>
             <a:fld id="{2E538E35-4A08-48D2-89A5-89C6CF66D327}" type="datetimeFigureOut">
               <a:rPr lang="pt-BR" smtClean="0"/>
-              <a:t>30/06/2017</a:t>
+              <a:t>12/09/2017</a:t>
             </a:fld>
             <a:endParaRPr lang="pt-BR"/>
           </a:p>
@@ -594,7 +594,7 @@
           <a:p>
             <a:fld id="{2E538E35-4A08-48D2-89A5-89C6CF66D327}" type="datetimeFigureOut">
               <a:rPr lang="pt-BR" smtClean="0"/>
-              <a:t>30/06/2017</a:t>
+              <a:t>12/09/2017</a:t>
             </a:fld>
             <a:endParaRPr lang="pt-BR"/>
           </a:p>
@@ -764,7 +764,7 @@
           <a:p>
             <a:fld id="{2E538E35-4A08-48D2-89A5-89C6CF66D327}" type="datetimeFigureOut">
               <a:rPr lang="pt-BR" smtClean="0"/>
-              <a:t>30/06/2017</a:t>
+              <a:t>12/09/2017</a:t>
             </a:fld>
             <a:endParaRPr lang="pt-BR"/>
           </a:p>
@@ -1008,7 +1008,7 @@
           <a:p>
             <a:fld id="{2E538E35-4A08-48D2-89A5-89C6CF66D327}" type="datetimeFigureOut">
               <a:rPr lang="pt-BR" smtClean="0"/>
-              <a:t>30/06/2017</a:t>
+              <a:t>12/09/2017</a:t>
             </a:fld>
             <a:endParaRPr lang="pt-BR"/>
           </a:p>
@@ -1240,7 +1240,7 @@
           <a:p>
             <a:fld id="{2E538E35-4A08-48D2-89A5-89C6CF66D327}" type="datetimeFigureOut">
               <a:rPr lang="pt-BR" smtClean="0"/>
-              <a:t>30/06/2017</a:t>
+              <a:t>12/09/2017</a:t>
             </a:fld>
             <a:endParaRPr lang="pt-BR"/>
           </a:p>
@@ -1607,7 +1607,7 @@
           <a:p>
             <a:fld id="{2E538E35-4A08-48D2-89A5-89C6CF66D327}" type="datetimeFigureOut">
               <a:rPr lang="pt-BR" smtClean="0"/>
-              <a:t>30/06/2017</a:t>
+              <a:t>12/09/2017</a:t>
             </a:fld>
             <a:endParaRPr lang="pt-BR"/>
           </a:p>
@@ -1725,7 +1725,7 @@
           <a:p>
             <a:fld id="{2E538E35-4A08-48D2-89A5-89C6CF66D327}" type="datetimeFigureOut">
               <a:rPr lang="pt-BR" smtClean="0"/>
-              <a:t>30/06/2017</a:t>
+              <a:t>12/09/2017</a:t>
             </a:fld>
             <a:endParaRPr lang="pt-BR"/>
           </a:p>
@@ -1820,7 +1820,7 @@
           <a:p>
             <a:fld id="{2E538E35-4A08-48D2-89A5-89C6CF66D327}" type="datetimeFigureOut">
               <a:rPr lang="pt-BR" smtClean="0"/>
-              <a:t>30/06/2017</a:t>
+              <a:t>12/09/2017</a:t>
             </a:fld>
             <a:endParaRPr lang="pt-BR"/>
           </a:p>
@@ -2097,7 +2097,7 @@
           <a:p>
             <a:fld id="{2E538E35-4A08-48D2-89A5-89C6CF66D327}" type="datetimeFigureOut">
               <a:rPr lang="pt-BR" smtClean="0"/>
-              <a:t>30/06/2017</a:t>
+              <a:t>12/09/2017</a:t>
             </a:fld>
             <a:endParaRPr lang="pt-BR"/>
           </a:p>
@@ -2354,7 +2354,7 @@
           <a:p>
             <a:fld id="{2E538E35-4A08-48D2-89A5-89C6CF66D327}" type="datetimeFigureOut">
               <a:rPr lang="pt-BR" smtClean="0"/>
-              <a:t>30/06/2017</a:t>
+              <a:t>12/09/2017</a:t>
             </a:fld>
             <a:endParaRPr lang="pt-BR"/>
           </a:p>
@@ -2567,7 +2567,7 @@
           <a:p>
             <a:fld id="{2E538E35-4A08-48D2-89A5-89C6CF66D327}" type="datetimeFigureOut">
               <a:rPr lang="pt-BR" smtClean="0"/>
-              <a:t>30/06/2017</a:t>
+              <a:t>12/09/2017</a:t>
             </a:fld>
             <a:endParaRPr lang="pt-BR"/>
           </a:p>
@@ -3340,7 +3340,10 @@
           </a:prstGeom>
           <a:ln w="28575">
             <a:solidFill>
-              <a:schemeClr val="tx1"/>
+              <a:schemeClr val="tx1">
+                <a:lumMod val="50000"/>
+                <a:lumOff val="50000"/>
+              </a:schemeClr>
             </a:solidFill>
             <a:prstDash val="dash"/>
           </a:ln>

--- a/Script Flow.pptx
+++ b/Script Flow.pptx
@@ -5,8 +5,8 @@
     <p:sldMasterId id="2147483672" r:id="rId1"/>
   </p:sldMasterIdLst>
   <p:sldIdLst>
-    <p:sldId id="257" r:id="rId2"/>
-    <p:sldId id="256" r:id="rId3"/>
+    <p:sldId id="256" r:id="rId2"/>
+    <p:sldId id="257" r:id="rId3"/>
   </p:sldIdLst>
   <p:sldSz cx="11809413" cy="8856663"/>
   <p:notesSz cx="6858000" cy="9144000"/>
@@ -244,7 +244,7 @@
           <a:p>
             <a:fld id="{2E538E35-4A08-48D2-89A5-89C6CF66D327}" type="datetimeFigureOut">
               <a:rPr lang="pt-BR" smtClean="0"/>
-              <a:t>12/09/2017</a:t>
+              <a:t>13/09/2017</a:t>
             </a:fld>
             <a:endParaRPr lang="pt-BR"/>
           </a:p>
@@ -414,7 +414,7 @@
           <a:p>
             <a:fld id="{2E538E35-4A08-48D2-89A5-89C6CF66D327}" type="datetimeFigureOut">
               <a:rPr lang="pt-BR" smtClean="0"/>
-              <a:t>12/09/2017</a:t>
+              <a:t>13/09/2017</a:t>
             </a:fld>
             <a:endParaRPr lang="pt-BR"/>
           </a:p>
@@ -594,7 +594,7 @@
           <a:p>
             <a:fld id="{2E538E35-4A08-48D2-89A5-89C6CF66D327}" type="datetimeFigureOut">
               <a:rPr lang="pt-BR" smtClean="0"/>
-              <a:t>12/09/2017</a:t>
+              <a:t>13/09/2017</a:t>
             </a:fld>
             <a:endParaRPr lang="pt-BR"/>
           </a:p>
@@ -764,7 +764,7 @@
           <a:p>
             <a:fld id="{2E538E35-4A08-48D2-89A5-89C6CF66D327}" type="datetimeFigureOut">
               <a:rPr lang="pt-BR" smtClean="0"/>
-              <a:t>12/09/2017</a:t>
+              <a:t>13/09/2017</a:t>
             </a:fld>
             <a:endParaRPr lang="pt-BR"/>
           </a:p>
@@ -1008,7 +1008,7 @@
           <a:p>
             <a:fld id="{2E538E35-4A08-48D2-89A5-89C6CF66D327}" type="datetimeFigureOut">
               <a:rPr lang="pt-BR" smtClean="0"/>
-              <a:t>12/09/2017</a:t>
+              <a:t>13/09/2017</a:t>
             </a:fld>
             <a:endParaRPr lang="pt-BR"/>
           </a:p>
@@ -1240,7 +1240,7 @@
           <a:p>
             <a:fld id="{2E538E35-4A08-48D2-89A5-89C6CF66D327}" type="datetimeFigureOut">
               <a:rPr lang="pt-BR" smtClean="0"/>
-              <a:t>12/09/2017</a:t>
+              <a:t>13/09/2017</a:t>
             </a:fld>
             <a:endParaRPr lang="pt-BR"/>
           </a:p>
@@ -1607,7 +1607,7 @@
           <a:p>
             <a:fld id="{2E538E35-4A08-48D2-89A5-89C6CF66D327}" type="datetimeFigureOut">
               <a:rPr lang="pt-BR" smtClean="0"/>
-              <a:t>12/09/2017</a:t>
+              <a:t>13/09/2017</a:t>
             </a:fld>
             <a:endParaRPr lang="pt-BR"/>
           </a:p>
@@ -1725,7 +1725,7 @@
           <a:p>
             <a:fld id="{2E538E35-4A08-48D2-89A5-89C6CF66D327}" type="datetimeFigureOut">
               <a:rPr lang="pt-BR" smtClean="0"/>
-              <a:t>12/09/2017</a:t>
+              <a:t>13/09/2017</a:t>
             </a:fld>
             <a:endParaRPr lang="pt-BR"/>
           </a:p>
@@ -1820,7 +1820,7 @@
           <a:p>
             <a:fld id="{2E538E35-4A08-48D2-89A5-89C6CF66D327}" type="datetimeFigureOut">
               <a:rPr lang="pt-BR" smtClean="0"/>
-              <a:t>12/09/2017</a:t>
+              <a:t>13/09/2017</a:t>
             </a:fld>
             <a:endParaRPr lang="pt-BR"/>
           </a:p>
@@ -2097,7 +2097,7 @@
           <a:p>
             <a:fld id="{2E538E35-4A08-48D2-89A5-89C6CF66D327}" type="datetimeFigureOut">
               <a:rPr lang="pt-BR" smtClean="0"/>
-              <a:t>12/09/2017</a:t>
+              <a:t>13/09/2017</a:t>
             </a:fld>
             <a:endParaRPr lang="pt-BR"/>
           </a:p>
@@ -2354,7 +2354,7 @@
           <a:p>
             <a:fld id="{2E538E35-4A08-48D2-89A5-89C6CF66D327}" type="datetimeFigureOut">
               <a:rPr lang="pt-BR" smtClean="0"/>
-              <a:t>12/09/2017</a:t>
+              <a:t>13/09/2017</a:t>
             </a:fld>
             <a:endParaRPr lang="pt-BR"/>
           </a:p>
@@ -2567,7 +2567,7 @@
           <a:p>
             <a:fld id="{2E538E35-4A08-48D2-89A5-89C6CF66D327}" type="datetimeFigureOut">
               <a:rPr lang="pt-BR" smtClean="0"/>
-              <a:t>12/09/2017</a:t>
+              <a:t>13/09/2017</a:t>
             </a:fld>
             <a:endParaRPr lang="pt-BR"/>
           </a:p>
@@ -2974,370 +2974,19 @@
       </p:grpSpPr>
       <p:sp>
         <p:nvSpPr>
-          <p:cNvPr id="18" name="Oval 17"/>
+          <p:cNvPr id="64" name="Rectangle 63"/>
           <p:cNvSpPr/>
           <p:nvPr/>
         </p:nvSpPr>
         <p:spPr>
           <a:xfrm>
-            <a:off x="4692543" y="2679675"/>
-            <a:ext cx="1586333" cy="659803"/>
-          </a:xfrm>
-          <a:prstGeom prst="ellipse">
-            <a:avLst/>
-          </a:prstGeom>
-        </p:spPr>
-        <p:style>
-          <a:lnRef idx="2">
-            <a:schemeClr val="accent4">
-              <a:shade val="50000"/>
-            </a:schemeClr>
-          </a:lnRef>
-          <a:fillRef idx="1">
-            <a:schemeClr val="accent4"/>
-          </a:fillRef>
-          <a:effectRef idx="0">
-            <a:schemeClr val="accent4"/>
-          </a:effectRef>
-          <a:fontRef idx="minor">
-            <a:schemeClr val="lt1"/>
-          </a:fontRef>
-        </p:style>
-        <p:txBody>
-          <a:bodyPr rtlCol="0" anchor="ctr"/>
-          <a:lstStyle/>
-          <a:p>
-            <a:pPr algn="ctr"/>
-            <a:r>
-              <a:rPr lang="pt-BR" sz="1492" dirty="0"/>
-              <a:t>Choice</a:t>
-            </a:r>
-          </a:p>
-        </p:txBody>
-      </p:sp>
-      <p:sp>
-        <p:nvSpPr>
-          <p:cNvPr id="19" name="Oval 18"/>
-          <p:cNvSpPr/>
-          <p:nvPr/>
-        </p:nvSpPr>
-        <p:spPr>
-          <a:xfrm>
-            <a:off x="3581358" y="1804406"/>
-            <a:ext cx="1586333" cy="659803"/>
-          </a:xfrm>
-          <a:prstGeom prst="ellipse">
-            <a:avLst/>
-          </a:prstGeom>
-        </p:spPr>
-        <p:style>
-          <a:lnRef idx="2">
-            <a:schemeClr val="accent6">
-              <a:shade val="50000"/>
-            </a:schemeClr>
-          </a:lnRef>
-          <a:fillRef idx="1">
-            <a:schemeClr val="accent6"/>
-          </a:fillRef>
-          <a:effectRef idx="0">
-            <a:schemeClr val="accent6"/>
-          </a:effectRef>
-          <a:fontRef idx="minor">
-            <a:schemeClr val="lt1"/>
-          </a:fontRef>
-        </p:style>
-        <p:txBody>
-          <a:bodyPr rtlCol="0" anchor="ctr"/>
-          <a:lstStyle/>
-          <a:p>
-            <a:pPr algn="ctr"/>
-            <a:r>
-              <a:rPr lang="pt-BR" sz="1492" dirty="0"/>
-              <a:t>Card</a:t>
-            </a:r>
-          </a:p>
-        </p:txBody>
-      </p:sp>
-      <p:sp>
-        <p:nvSpPr>
-          <p:cNvPr id="20" name="Oval 19"/>
-          <p:cNvSpPr/>
-          <p:nvPr/>
-        </p:nvSpPr>
-        <p:spPr>
-          <a:xfrm>
-            <a:off x="6568835" y="3303466"/>
-            <a:ext cx="1586333" cy="659803"/>
-          </a:xfrm>
-          <a:prstGeom prst="ellipse">
-            <a:avLst/>
-          </a:prstGeom>
-          <a:ln w="38100">
-            <a:solidFill>
-              <a:schemeClr val="bg1">
-                <a:lumMod val="50000"/>
-              </a:schemeClr>
-            </a:solidFill>
-            <a:prstDash val="dash"/>
-          </a:ln>
-        </p:spPr>
-        <p:style>
-          <a:lnRef idx="3">
-            <a:schemeClr val="lt1"/>
-          </a:lnRef>
-          <a:fillRef idx="1">
-            <a:schemeClr val="accent2"/>
-          </a:fillRef>
-          <a:effectRef idx="1">
-            <a:schemeClr val="accent2"/>
-          </a:effectRef>
-          <a:fontRef idx="minor">
-            <a:schemeClr val="lt1"/>
-          </a:fontRef>
-        </p:style>
-        <p:txBody>
-          <a:bodyPr rtlCol="0" anchor="ctr"/>
-          <a:lstStyle/>
-          <a:p>
-            <a:pPr algn="ctr"/>
-            <a:r>
-              <a:rPr lang="pt-BR" sz="1492" dirty="0"/>
-              <a:t>Control Manager</a:t>
-            </a:r>
-          </a:p>
-        </p:txBody>
-      </p:sp>
-      <p:sp>
-        <p:nvSpPr>
-          <p:cNvPr id="21" name="Oval 20"/>
-          <p:cNvSpPr/>
-          <p:nvPr/>
-        </p:nvSpPr>
-        <p:spPr>
-          <a:xfrm>
-            <a:off x="4519149" y="442094"/>
-            <a:ext cx="1586333" cy="659803"/>
-          </a:xfrm>
-          <a:prstGeom prst="ellipse">
-            <a:avLst/>
-          </a:prstGeom>
-        </p:spPr>
-        <p:style>
-          <a:lnRef idx="2">
-            <a:schemeClr val="accent6">
-              <a:shade val="50000"/>
-            </a:schemeClr>
-          </a:lnRef>
-          <a:fillRef idx="1">
-            <a:schemeClr val="accent6"/>
-          </a:fillRef>
-          <a:effectRef idx="0">
-            <a:schemeClr val="accent6"/>
-          </a:effectRef>
-          <a:fontRef idx="minor">
-            <a:schemeClr val="lt1"/>
-          </a:fontRef>
-        </p:style>
-        <p:txBody>
-          <a:bodyPr rtlCol="0" anchor="ctr"/>
-          <a:lstStyle/>
-          <a:p>
-            <a:pPr algn="ctr"/>
-            <a:r>
-              <a:rPr lang="pt-BR" sz="1492" dirty="0"/>
-              <a:t>Dealer</a:t>
-            </a:r>
-          </a:p>
-        </p:txBody>
-      </p:sp>
-      <p:sp>
-        <p:nvSpPr>
-          <p:cNvPr id="22" name="Oval 21"/>
-          <p:cNvSpPr/>
-          <p:nvPr/>
-        </p:nvSpPr>
-        <p:spPr>
-          <a:xfrm>
-            <a:off x="2586077" y="5489018"/>
-            <a:ext cx="1586333" cy="659803"/>
-          </a:xfrm>
-          <a:prstGeom prst="ellipse">
-            <a:avLst/>
-          </a:prstGeom>
-        </p:spPr>
-        <p:style>
-          <a:lnRef idx="2">
-            <a:schemeClr val="accent5">
-              <a:shade val="50000"/>
-            </a:schemeClr>
-          </a:lnRef>
-          <a:fillRef idx="1">
-            <a:schemeClr val="accent5"/>
-          </a:fillRef>
-          <a:effectRef idx="0">
-            <a:schemeClr val="accent5"/>
-          </a:effectRef>
-          <a:fontRef idx="minor">
-            <a:schemeClr val="lt1"/>
-          </a:fontRef>
-        </p:style>
-        <p:txBody>
-          <a:bodyPr rtlCol="0" anchor="ctr"/>
-          <a:lstStyle/>
-          <a:p>
-            <a:pPr algn="ctr"/>
-            <a:r>
-              <a:rPr lang="pt-BR" sz="1492" dirty="0"/>
-              <a:t>Hide / Show</a:t>
-            </a:r>
-          </a:p>
-        </p:txBody>
-      </p:sp>
-      <p:sp>
-        <p:nvSpPr>
-          <p:cNvPr id="23" name="Oval 22"/>
-          <p:cNvSpPr/>
-          <p:nvPr/>
-        </p:nvSpPr>
-        <p:spPr>
-          <a:xfrm>
-            <a:off x="1655569" y="127654"/>
-            <a:ext cx="1586333" cy="659803"/>
-          </a:xfrm>
-          <a:prstGeom prst="ellipse">
-            <a:avLst/>
-          </a:prstGeom>
-        </p:spPr>
-        <p:style>
-          <a:lnRef idx="3">
-            <a:schemeClr val="lt1"/>
-          </a:lnRef>
-          <a:fillRef idx="1">
-            <a:schemeClr val="accent2"/>
-          </a:fillRef>
-          <a:effectRef idx="1">
-            <a:schemeClr val="accent2"/>
-          </a:effectRef>
-          <a:fontRef idx="minor">
-            <a:schemeClr val="lt1"/>
-          </a:fontRef>
-        </p:style>
-        <p:txBody>
-          <a:bodyPr rtlCol="0" anchor="ctr"/>
-          <a:lstStyle/>
-          <a:p>
-            <a:pPr algn="ctr"/>
-            <a:r>
-              <a:rPr lang="pt-BR" sz="1492" dirty="0">
-                <a:solidFill>
-                  <a:schemeClr val="bg1"/>
-                </a:solidFill>
-              </a:rPr>
-              <a:t>Challenge Manager</a:t>
-            </a:r>
-          </a:p>
-        </p:txBody>
-      </p:sp>
-      <p:sp>
-        <p:nvSpPr>
-          <p:cNvPr id="24" name="Oval 23"/>
-          <p:cNvSpPr/>
-          <p:nvPr/>
-        </p:nvSpPr>
-        <p:spPr>
-          <a:xfrm>
-            <a:off x="1856482" y="2661527"/>
-            <a:ext cx="1586333" cy="659803"/>
-          </a:xfrm>
-          <a:prstGeom prst="ellipse">
-            <a:avLst/>
-          </a:prstGeom>
-        </p:spPr>
-        <p:style>
-          <a:lnRef idx="2">
-            <a:schemeClr val="accent4">
-              <a:shade val="50000"/>
-            </a:schemeClr>
-          </a:lnRef>
-          <a:fillRef idx="1">
-            <a:schemeClr val="accent4"/>
-          </a:fillRef>
-          <a:effectRef idx="0">
-            <a:schemeClr val="accent4"/>
-          </a:effectRef>
-          <a:fontRef idx="minor">
-            <a:schemeClr val="lt1"/>
-          </a:fontRef>
-        </p:style>
-        <p:txBody>
-          <a:bodyPr rtlCol="0" anchor="ctr"/>
-          <a:lstStyle/>
-          <a:p>
-            <a:pPr algn="ctr"/>
-            <a:r>
-              <a:rPr lang="pt-BR" sz="1492" dirty="0"/>
-              <a:t>Logger</a:t>
-            </a:r>
-          </a:p>
-        </p:txBody>
-      </p:sp>
-      <p:sp>
-        <p:nvSpPr>
-          <p:cNvPr id="25" name="Oval 24"/>
-          <p:cNvSpPr/>
-          <p:nvPr/>
-        </p:nvSpPr>
-        <p:spPr>
-          <a:xfrm>
-            <a:off x="1906835" y="1305840"/>
-            <a:ext cx="1586333" cy="659803"/>
-          </a:xfrm>
-          <a:prstGeom prst="ellipse">
-            <a:avLst/>
-          </a:prstGeom>
-        </p:spPr>
-        <p:style>
-          <a:lnRef idx="2">
-            <a:schemeClr val="accent5">
-              <a:shade val="50000"/>
-            </a:schemeClr>
-          </a:lnRef>
-          <a:fillRef idx="1">
-            <a:schemeClr val="accent5"/>
-          </a:fillRef>
-          <a:effectRef idx="0">
-            <a:schemeClr val="accent5"/>
-          </a:effectRef>
-          <a:fontRef idx="minor">
-            <a:schemeClr val="lt1"/>
-          </a:fontRef>
-        </p:style>
-        <p:txBody>
-          <a:bodyPr rtlCol="0" anchor="ctr"/>
-          <a:lstStyle/>
-          <a:p>
-            <a:pPr algn="ctr"/>
-            <a:r>
-              <a:rPr lang="pt-BR" sz="1492" dirty="0"/>
-              <a:t>Motion</a:t>
-            </a:r>
-          </a:p>
-        </p:txBody>
-      </p:sp>
-      <p:sp>
-        <p:nvSpPr>
-          <p:cNvPr id="26" name="Oval 25"/>
-          <p:cNvSpPr/>
-          <p:nvPr/>
-        </p:nvSpPr>
-        <p:spPr>
-          <a:xfrm>
-            <a:off x="0" y="988457"/>
-            <a:ext cx="1586333" cy="659803"/>
-          </a:xfrm>
-          <a:prstGeom prst="ellipse">
-            <a:avLst/>
-          </a:prstGeom>
+            <a:off x="3339842" y="2019296"/>
+            <a:ext cx="2084368" cy="1829927"/>
+          </a:xfrm>
+          <a:prstGeom prst="rect">
+            <a:avLst/>
+          </a:prstGeom>
+          <a:noFill/>
           <a:ln w="28575">
             <a:solidFill>
               <a:schemeClr val="tx1">
@@ -3349,17 +2998,401 @@
           </a:ln>
         </p:spPr>
         <p:style>
-          <a:lnRef idx="1">
-            <a:schemeClr val="accent2"/>
-          </a:lnRef>
-          <a:fillRef idx="2">
+          <a:lnRef idx="2">
+            <a:schemeClr val="accent1">
+              <a:shade val="50000"/>
+            </a:schemeClr>
+          </a:lnRef>
+          <a:fillRef idx="1">
+            <a:schemeClr val="accent1"/>
+          </a:fillRef>
+          <a:effectRef idx="0">
+            <a:schemeClr val="accent1"/>
+          </a:effectRef>
+          <a:fontRef idx="minor">
+            <a:schemeClr val="lt1"/>
+          </a:fontRef>
+        </p:style>
+        <p:txBody>
+          <a:bodyPr rtlCol="0" anchor="ctr"/>
+          <a:lstStyle/>
+          <a:p>
+            <a:pPr algn="ctr"/>
+            <a:endParaRPr lang="pt-BR" sz="1492"/>
+          </a:p>
+        </p:txBody>
+      </p:sp>
+      <p:sp>
+        <p:nvSpPr>
+          <p:cNvPr id="18" name="Oval 17"/>
+          <p:cNvSpPr/>
+          <p:nvPr/>
+        </p:nvSpPr>
+        <p:spPr>
+          <a:xfrm>
+            <a:off x="5844723" y="4051460"/>
+            <a:ext cx="1586333" cy="659803"/>
+          </a:xfrm>
+          <a:prstGeom prst="ellipse">
+            <a:avLst/>
+          </a:prstGeom>
+        </p:spPr>
+        <p:style>
+          <a:lnRef idx="2">
+            <a:schemeClr val="accent4">
+              <a:shade val="50000"/>
+            </a:schemeClr>
+          </a:lnRef>
+          <a:fillRef idx="1">
+            <a:schemeClr val="accent4"/>
+          </a:fillRef>
+          <a:effectRef idx="0">
+            <a:schemeClr val="accent4"/>
+          </a:effectRef>
+          <a:fontRef idx="minor">
+            <a:schemeClr val="lt1"/>
+          </a:fontRef>
+        </p:style>
+        <p:txBody>
+          <a:bodyPr rtlCol="0" anchor="ctr"/>
+          <a:lstStyle/>
+          <a:p>
+            <a:pPr algn="ctr"/>
+            <a:r>
+              <a:rPr lang="pt-BR" sz="1492" dirty="0"/>
+              <a:t>Choice</a:t>
+            </a:r>
+          </a:p>
+        </p:txBody>
+      </p:sp>
+      <p:sp>
+        <p:nvSpPr>
+          <p:cNvPr id="19" name="Oval 18"/>
+          <p:cNvSpPr/>
+          <p:nvPr/>
+        </p:nvSpPr>
+        <p:spPr>
+          <a:xfrm>
+            <a:off x="1184277" y="2029940"/>
+            <a:ext cx="1586333" cy="659803"/>
+          </a:xfrm>
+          <a:prstGeom prst="ellipse">
+            <a:avLst/>
+          </a:prstGeom>
+        </p:spPr>
+        <p:style>
+          <a:lnRef idx="2">
+            <a:schemeClr val="accent6">
+              <a:shade val="50000"/>
+            </a:schemeClr>
+          </a:lnRef>
+          <a:fillRef idx="1">
+            <a:schemeClr val="accent6"/>
+          </a:fillRef>
+          <a:effectRef idx="0">
+            <a:schemeClr val="accent6"/>
+          </a:effectRef>
+          <a:fontRef idx="minor">
+            <a:schemeClr val="lt1"/>
+          </a:fontRef>
+        </p:style>
+        <p:txBody>
+          <a:bodyPr rtlCol="0" anchor="ctr"/>
+          <a:lstStyle/>
+          <a:p>
+            <a:pPr algn="ctr"/>
+            <a:r>
+              <a:rPr lang="pt-BR" sz="1492" dirty="0"/>
+              <a:t>Card</a:t>
+            </a:r>
+          </a:p>
+        </p:txBody>
+      </p:sp>
+      <p:sp>
+        <p:nvSpPr>
+          <p:cNvPr id="20" name="Oval 19"/>
+          <p:cNvSpPr/>
+          <p:nvPr/>
+        </p:nvSpPr>
+        <p:spPr>
+          <a:xfrm>
+            <a:off x="3514643" y="2029940"/>
+            <a:ext cx="1586333" cy="659803"/>
+          </a:xfrm>
+          <a:prstGeom prst="ellipse">
+            <a:avLst/>
+          </a:prstGeom>
+        </p:spPr>
+        <p:style>
+          <a:lnRef idx="3">
+            <a:schemeClr val="lt1"/>
+          </a:lnRef>
+          <a:fillRef idx="1">
             <a:schemeClr val="accent2"/>
           </a:fillRef>
           <a:effectRef idx="1">
             <a:schemeClr val="accent2"/>
           </a:effectRef>
           <a:fontRef idx="minor">
-            <a:schemeClr val="dk1"/>
+            <a:schemeClr val="lt1"/>
+          </a:fontRef>
+        </p:style>
+        <p:txBody>
+          <a:bodyPr rtlCol="0" anchor="ctr"/>
+          <a:lstStyle/>
+          <a:p>
+            <a:pPr algn="ctr"/>
+            <a:r>
+              <a:rPr lang="pt-BR" sz="1492" dirty="0"/>
+              <a:t>Control Manager</a:t>
+            </a:r>
+          </a:p>
+        </p:txBody>
+      </p:sp>
+      <p:sp>
+        <p:nvSpPr>
+          <p:cNvPr id="21" name="Oval 20"/>
+          <p:cNvSpPr/>
+          <p:nvPr/>
+        </p:nvSpPr>
+        <p:spPr>
+          <a:xfrm>
+            <a:off x="1184277" y="3040700"/>
+            <a:ext cx="1586333" cy="659803"/>
+          </a:xfrm>
+          <a:prstGeom prst="ellipse">
+            <a:avLst/>
+          </a:prstGeom>
+        </p:spPr>
+        <p:style>
+          <a:lnRef idx="2">
+            <a:schemeClr val="accent6">
+              <a:shade val="50000"/>
+            </a:schemeClr>
+          </a:lnRef>
+          <a:fillRef idx="1">
+            <a:schemeClr val="accent6"/>
+          </a:fillRef>
+          <a:effectRef idx="0">
+            <a:schemeClr val="accent6"/>
+          </a:effectRef>
+          <a:fontRef idx="minor">
+            <a:schemeClr val="lt1"/>
+          </a:fontRef>
+        </p:style>
+        <p:txBody>
+          <a:bodyPr rtlCol="0" anchor="ctr"/>
+          <a:lstStyle/>
+          <a:p>
+            <a:pPr algn="ctr"/>
+            <a:r>
+              <a:rPr lang="pt-BR" sz="1492" dirty="0"/>
+              <a:t>Dealer</a:t>
+            </a:r>
+          </a:p>
+        </p:txBody>
+      </p:sp>
+      <p:sp>
+        <p:nvSpPr>
+          <p:cNvPr id="22" name="Oval 21"/>
+          <p:cNvSpPr/>
+          <p:nvPr/>
+        </p:nvSpPr>
+        <p:spPr>
+          <a:xfrm>
+            <a:off x="1184277" y="5062223"/>
+            <a:ext cx="1586333" cy="659803"/>
+          </a:xfrm>
+          <a:prstGeom prst="ellipse">
+            <a:avLst/>
+          </a:prstGeom>
+        </p:spPr>
+        <p:style>
+          <a:lnRef idx="2">
+            <a:schemeClr val="accent5">
+              <a:shade val="50000"/>
+            </a:schemeClr>
+          </a:lnRef>
+          <a:fillRef idx="1">
+            <a:schemeClr val="accent5"/>
+          </a:fillRef>
+          <a:effectRef idx="0">
+            <a:schemeClr val="accent5"/>
+          </a:effectRef>
+          <a:fontRef idx="minor">
+            <a:schemeClr val="lt1"/>
+          </a:fontRef>
+        </p:style>
+        <p:txBody>
+          <a:bodyPr rtlCol="0" anchor="ctr"/>
+          <a:lstStyle/>
+          <a:p>
+            <a:pPr algn="ctr"/>
+            <a:r>
+              <a:rPr lang="pt-BR" sz="1492" dirty="0"/>
+              <a:t>Hide / Show</a:t>
+            </a:r>
+          </a:p>
+        </p:txBody>
+      </p:sp>
+      <p:sp>
+        <p:nvSpPr>
+          <p:cNvPr id="23" name="Oval 22"/>
+          <p:cNvSpPr/>
+          <p:nvPr/>
+        </p:nvSpPr>
+        <p:spPr>
+          <a:xfrm>
+            <a:off x="3520993" y="4050054"/>
+            <a:ext cx="1586333" cy="659803"/>
+          </a:xfrm>
+          <a:prstGeom prst="ellipse">
+            <a:avLst/>
+          </a:prstGeom>
+        </p:spPr>
+        <p:style>
+          <a:lnRef idx="3">
+            <a:schemeClr val="lt1"/>
+          </a:lnRef>
+          <a:fillRef idx="1">
+            <a:schemeClr val="accent2"/>
+          </a:fillRef>
+          <a:effectRef idx="1">
+            <a:schemeClr val="accent2"/>
+          </a:effectRef>
+          <a:fontRef idx="minor">
+            <a:schemeClr val="lt1"/>
+          </a:fontRef>
+        </p:style>
+        <p:txBody>
+          <a:bodyPr rtlCol="0" anchor="ctr"/>
+          <a:lstStyle/>
+          <a:p>
+            <a:pPr algn="ctr"/>
+            <a:r>
+              <a:rPr lang="pt-BR" sz="1492" dirty="0">
+                <a:solidFill>
+                  <a:schemeClr val="bg1"/>
+                </a:solidFill>
+              </a:rPr>
+              <a:t>Challenge Manager</a:t>
+            </a:r>
+          </a:p>
+        </p:txBody>
+      </p:sp>
+      <p:sp>
+        <p:nvSpPr>
+          <p:cNvPr id="24" name="Oval 23"/>
+          <p:cNvSpPr/>
+          <p:nvPr/>
+        </p:nvSpPr>
+        <p:spPr>
+          <a:xfrm>
+            <a:off x="5845008" y="3040700"/>
+            <a:ext cx="1586333" cy="659803"/>
+          </a:xfrm>
+          <a:prstGeom prst="ellipse">
+            <a:avLst/>
+          </a:prstGeom>
+        </p:spPr>
+        <p:style>
+          <a:lnRef idx="2">
+            <a:schemeClr val="accent4">
+              <a:shade val="50000"/>
+            </a:schemeClr>
+          </a:lnRef>
+          <a:fillRef idx="1">
+            <a:schemeClr val="accent4"/>
+          </a:fillRef>
+          <a:effectRef idx="0">
+            <a:schemeClr val="accent4"/>
+          </a:effectRef>
+          <a:fontRef idx="minor">
+            <a:schemeClr val="lt1"/>
+          </a:fontRef>
+        </p:style>
+        <p:txBody>
+          <a:bodyPr rtlCol="0" anchor="ctr"/>
+          <a:lstStyle/>
+          <a:p>
+            <a:pPr algn="ctr"/>
+            <a:r>
+              <a:rPr lang="pt-BR" sz="1492" dirty="0"/>
+              <a:t>Logger</a:t>
+            </a:r>
+          </a:p>
+        </p:txBody>
+      </p:sp>
+      <p:sp>
+        <p:nvSpPr>
+          <p:cNvPr id="25" name="Oval 24"/>
+          <p:cNvSpPr/>
+          <p:nvPr/>
+        </p:nvSpPr>
+        <p:spPr>
+          <a:xfrm>
+            <a:off x="1184277" y="4051462"/>
+            <a:ext cx="1586333" cy="659803"/>
+          </a:xfrm>
+          <a:prstGeom prst="ellipse">
+            <a:avLst/>
+          </a:prstGeom>
+        </p:spPr>
+        <p:style>
+          <a:lnRef idx="2">
+            <a:schemeClr val="accent5">
+              <a:shade val="50000"/>
+            </a:schemeClr>
+          </a:lnRef>
+          <a:fillRef idx="1">
+            <a:schemeClr val="accent5"/>
+          </a:fillRef>
+          <a:effectRef idx="0">
+            <a:schemeClr val="accent5"/>
+          </a:effectRef>
+          <a:fontRef idx="minor">
+            <a:schemeClr val="lt1"/>
+          </a:fontRef>
+        </p:style>
+        <p:txBody>
+          <a:bodyPr rtlCol="0" anchor="ctr"/>
+          <a:lstStyle/>
+          <a:p>
+            <a:pPr algn="ctr"/>
+            <a:r>
+              <a:rPr lang="pt-BR" sz="1492" dirty="0"/>
+              <a:t>Motion</a:t>
+            </a:r>
+          </a:p>
+        </p:txBody>
+      </p:sp>
+      <p:sp>
+        <p:nvSpPr>
+          <p:cNvPr id="26" name="Oval 25"/>
+          <p:cNvSpPr/>
+          <p:nvPr/>
+        </p:nvSpPr>
+        <p:spPr>
+          <a:xfrm>
+            <a:off x="3514358" y="3039295"/>
+            <a:ext cx="1586333" cy="659803"/>
+          </a:xfrm>
+          <a:prstGeom prst="ellipse">
+            <a:avLst/>
+          </a:prstGeom>
+        </p:spPr>
+        <p:style>
+          <a:lnRef idx="3">
+            <a:schemeClr val="lt1"/>
+          </a:lnRef>
+          <a:fillRef idx="1">
+            <a:schemeClr val="accent2"/>
+          </a:fillRef>
+          <a:effectRef idx="1">
+            <a:schemeClr val="accent2"/>
+          </a:effectRef>
+          <a:fontRef idx="minor">
+            <a:schemeClr val="lt1"/>
           </a:fontRef>
         </p:style>
         <p:txBody>
@@ -3382,15 +3415,12 @@
         </p:nvSpPr>
         <p:spPr>
           <a:xfrm>
-            <a:off x="9688368" y="7540649"/>
+            <a:off x="5845007" y="696934"/>
             <a:ext cx="1586333" cy="659803"/>
           </a:xfrm>
           <a:prstGeom prst="ellipse">
             <a:avLst/>
           </a:prstGeom>
-          <a:ln w="28575">
-            <a:prstDash val="dash"/>
-          </a:ln>
         </p:spPr>
         <p:style>
           <a:lnRef idx="1">
@@ -3426,7 +3456,7 @@
         </p:nvSpPr>
         <p:spPr>
           <a:xfrm>
-            <a:off x="6291122" y="6942511"/>
+            <a:off x="1184276" y="6072984"/>
             <a:ext cx="1586333" cy="659803"/>
           </a:xfrm>
           <a:prstGeom prst="ellipse">
@@ -3470,15 +3500,15 @@
         <p:nvCxnSpPr>
           <p:cNvPr id="31" name="Straight Arrow Connector 30"/>
           <p:cNvCxnSpPr>
-            <a:stCxn id="21" idx="4"/>
-            <a:endCxn id="20" idx="1"/>
+            <a:stCxn id="21" idx="7"/>
+            <a:endCxn id="20" idx="3"/>
           </p:cNvCxnSpPr>
           <p:nvPr/>
         </p:nvCxnSpPr>
         <p:spPr>
-          <a:xfrm>
-            <a:off x="5312316" y="1101897"/>
-            <a:ext cx="1488832" cy="2298195"/>
+          <a:xfrm flipV="1">
+            <a:off x="2538297" y="2593117"/>
+            <a:ext cx="1208659" cy="544209"/>
           </a:xfrm>
           <a:prstGeom prst="straightConnector1">
             <a:avLst/>
@@ -3509,15 +3539,15 @@
         <p:nvCxnSpPr>
           <p:cNvPr id="33" name="Straight Arrow Connector 32"/>
           <p:cNvCxnSpPr>
-            <a:stCxn id="21" idx="3"/>
-            <a:endCxn id="19" idx="0"/>
+            <a:stCxn id="21" idx="0"/>
+            <a:endCxn id="19" idx="4"/>
           </p:cNvCxnSpPr>
           <p:nvPr/>
         </p:nvCxnSpPr>
         <p:spPr>
-          <a:xfrm flipH="1">
-            <a:off x="4374525" y="1005271"/>
-            <a:ext cx="376937" cy="799135"/>
+          <a:xfrm flipV="1">
+            <a:off x="1977442" y="2689741"/>
+            <a:ext cx="0" cy="350958"/>
           </a:xfrm>
           <a:prstGeom prst="straightConnector1">
             <a:avLst/>
@@ -3548,15 +3578,15 @@
         <p:nvCxnSpPr>
           <p:cNvPr id="35" name="Straight Arrow Connector 34"/>
           <p:cNvCxnSpPr>
-            <a:stCxn id="21" idx="2"/>
-            <a:endCxn id="26" idx="6"/>
+            <a:stCxn id="21" idx="6"/>
+            <a:endCxn id="26" idx="2"/>
           </p:cNvCxnSpPr>
           <p:nvPr/>
         </p:nvCxnSpPr>
         <p:spPr>
-          <a:xfrm flipH="1">
-            <a:off x="1586333" y="771996"/>
-            <a:ext cx="2932816" cy="546363"/>
+          <a:xfrm flipV="1">
+            <a:off x="2770610" y="3369197"/>
+            <a:ext cx="743748" cy="1405"/>
           </a:xfrm>
           <a:prstGeom prst="straightConnector1">
             <a:avLst/>
@@ -3587,15 +3617,15 @@
         <p:nvCxnSpPr>
           <p:cNvPr id="37" name="Straight Arrow Connector 36"/>
           <p:cNvCxnSpPr>
-            <a:stCxn id="21" idx="4"/>
-            <a:endCxn id="18" idx="0"/>
+            <a:stCxn id="21" idx="6"/>
+            <a:endCxn id="18" idx="2"/>
           </p:cNvCxnSpPr>
           <p:nvPr/>
         </p:nvCxnSpPr>
         <p:spPr>
           <a:xfrm>
-            <a:off x="5312316" y="1101897"/>
-            <a:ext cx="173394" cy="1577778"/>
+            <a:off x="2770610" y="3370602"/>
+            <a:ext cx="3074113" cy="1010760"/>
           </a:xfrm>
           <a:prstGeom prst="straightConnector1">
             <a:avLst/>
@@ -3626,15 +3656,15 @@
         <p:nvCxnSpPr>
           <p:cNvPr id="39" name="Straight Arrow Connector 38"/>
           <p:cNvCxnSpPr>
-            <a:stCxn id="26" idx="5"/>
-            <a:endCxn id="25" idx="2"/>
+            <a:stCxn id="26" idx="3"/>
+            <a:endCxn id="25" idx="6"/>
           </p:cNvCxnSpPr>
           <p:nvPr/>
         </p:nvCxnSpPr>
         <p:spPr>
-          <a:xfrm>
-            <a:off x="1354020" y="1551634"/>
-            <a:ext cx="552815" cy="84108"/>
+          <a:xfrm flipH="1">
+            <a:off x="2770610" y="3602472"/>
+            <a:ext cx="976061" cy="778892"/>
           </a:xfrm>
           <a:prstGeom prst="straightConnector1">
             <a:avLst/>
@@ -3672,8 +3702,8 @@
         </p:nvCxnSpPr>
         <p:spPr>
           <a:xfrm>
-            <a:off x="7084289" y="7602314"/>
-            <a:ext cx="1" cy="397522"/>
+            <a:off x="1977442" y="6732786"/>
+            <a:ext cx="0" cy="350958"/>
           </a:xfrm>
           <a:prstGeom prst="straightConnector1">
             <a:avLst/>
@@ -3702,16 +3732,16 @@
       </p:cxnSp>
       <p:sp>
         <p:nvSpPr>
-          <p:cNvPr id="27" name="Oval 26"/>
+          <p:cNvPr id="46" name="Down Arrow 45"/>
           <p:cNvSpPr/>
           <p:nvPr/>
         </p:nvSpPr>
         <p:spPr>
-          <a:xfrm>
-            <a:off x="9688368" y="1143023"/>
-            <a:ext cx="1586333" cy="659803"/>
-          </a:xfrm>
-          <a:prstGeom prst="ellipse">
+          <a:xfrm rot="5400000">
+            <a:off x="5579374" y="2105798"/>
+            <a:ext cx="243832" cy="554161"/>
+          </a:xfrm>
+          <a:prstGeom prst="downArrow">
             <a:avLst/>
           </a:prstGeom>
         </p:spPr>
@@ -3736,6 +3766,46 @@
           <a:lstStyle/>
           <a:p>
             <a:pPr algn="ctr"/>
+            <a:endParaRPr lang="pt-BR" sz="1492"/>
+          </a:p>
+        </p:txBody>
+      </p:sp>
+      <p:sp>
+        <p:nvSpPr>
+          <p:cNvPr id="27" name="Oval 26"/>
+          <p:cNvSpPr/>
+          <p:nvPr/>
+        </p:nvSpPr>
+        <p:spPr>
+          <a:xfrm>
+            <a:off x="5845008" y="2049206"/>
+            <a:ext cx="1586333" cy="659803"/>
+          </a:xfrm>
+          <a:prstGeom prst="ellipse">
+            <a:avLst/>
+          </a:prstGeom>
+        </p:spPr>
+        <p:style>
+          <a:lnRef idx="2">
+            <a:schemeClr val="accent3">
+              <a:shade val="50000"/>
+            </a:schemeClr>
+          </a:lnRef>
+          <a:fillRef idx="1">
+            <a:schemeClr val="accent3"/>
+          </a:fillRef>
+          <a:effectRef idx="0">
+            <a:schemeClr val="accent3"/>
+          </a:effectRef>
+          <a:fontRef idx="minor">
+            <a:schemeClr val="lt1"/>
+          </a:fontRef>
+        </p:style>
+        <p:txBody>
+          <a:bodyPr rtlCol="0" anchor="ctr"/>
+          <a:lstStyle/>
+          <a:p>
+            <a:pPr algn="ctr"/>
             <a:r>
               <a:rPr lang="pt-BR" sz="1492" dirty="0"/>
               <a:t>Singleton</a:t>
@@ -3743,113 +3813,24 @@
           </a:p>
         </p:txBody>
       </p:sp>
-      <p:sp>
-        <p:nvSpPr>
-          <p:cNvPr id="4" name="Oval 3"/>
-          <p:cNvSpPr/>
-          <p:nvPr/>
-        </p:nvSpPr>
-        <p:spPr>
-          <a:xfrm>
-            <a:off x="9619230" y="207773"/>
-            <a:ext cx="1586333" cy="659803"/>
-          </a:xfrm>
-          <a:prstGeom prst="ellipse">
-            <a:avLst/>
-          </a:prstGeom>
-        </p:spPr>
-        <p:style>
-          <a:lnRef idx="3">
-            <a:schemeClr val="lt1"/>
-          </a:lnRef>
-          <a:fillRef idx="1">
-            <a:schemeClr val="dk1"/>
-          </a:fillRef>
-          <a:effectRef idx="1">
-            <a:schemeClr val="dk1"/>
-          </a:effectRef>
-          <a:fontRef idx="minor">
-            <a:schemeClr val="lt1"/>
-          </a:fontRef>
-        </p:style>
-        <p:txBody>
-          <a:bodyPr rtlCol="0" anchor="ctr"/>
-          <a:lstStyle/>
-          <a:p>
-            <a:pPr algn="ctr"/>
-            <a:r>
-              <a:rPr lang="pt-BR" sz="1492" dirty="0"/>
-              <a:t>Game Base</a:t>
-            </a:r>
-          </a:p>
-        </p:txBody>
-      </p:sp>
-      <p:sp>
-        <p:nvSpPr>
-          <p:cNvPr id="30" name="Oval 29"/>
-          <p:cNvSpPr/>
-          <p:nvPr/>
-        </p:nvSpPr>
-        <p:spPr>
-          <a:xfrm>
-            <a:off x="6291123" y="7999836"/>
-            <a:ext cx="1586333" cy="659803"/>
-          </a:xfrm>
-          <a:prstGeom prst="ellipse">
-            <a:avLst/>
-          </a:prstGeom>
-        </p:spPr>
-        <p:style>
-          <a:lnRef idx="2">
-            <a:schemeClr val="accent4">
-              <a:shade val="50000"/>
-            </a:schemeClr>
-          </a:lnRef>
-          <a:fillRef idx="1">
-            <a:schemeClr val="accent4"/>
-          </a:fillRef>
-          <a:effectRef idx="0">
-            <a:schemeClr val="accent4"/>
-          </a:effectRef>
-          <a:fontRef idx="minor">
-            <a:schemeClr val="lt1"/>
-          </a:fontRef>
-        </p:style>
-        <p:txBody>
-          <a:bodyPr rtlCol="0" anchor="ctr"/>
-          <a:lstStyle/>
-          <a:p>
-            <a:pPr algn="ctr"/>
-            <a:r>
-              <a:rPr lang="pt-BR" sz="1492" dirty="0"/>
-              <a:t>User</a:t>
-            </a:r>
-          </a:p>
-          <a:p>
-            <a:pPr algn="ctr"/>
-            <a:r>
-              <a:rPr lang="pt-BR" sz="1492" dirty="0"/>
-              <a:t>Manager</a:t>
-            </a:r>
-          </a:p>
-        </p:txBody>
-      </p:sp>
       <p:cxnSp>
         <p:nvCxnSpPr>
-          <p:cNvPr id="32" name="Straight Arrow Connector 31"/>
+          <p:cNvPr id="51" name="Elbow Connector 50"/>
           <p:cNvCxnSpPr>
-            <a:stCxn id="29" idx="2"/>
-            <a:endCxn id="22" idx="5"/>
+            <a:stCxn id="19" idx="2"/>
+            <a:endCxn id="25" idx="2"/>
           </p:cNvCxnSpPr>
           <p:nvPr/>
         </p:nvCxnSpPr>
         <p:spPr>
-          <a:xfrm flipH="1" flipV="1">
-            <a:off x="3940097" y="6052195"/>
-            <a:ext cx="2351025" cy="1220218"/>
-          </a:xfrm>
-          <a:prstGeom prst="straightConnector1">
-            <a:avLst/>
+          <a:xfrm rot="10800000" flipV="1">
+            <a:off x="1184276" y="2359841"/>
+            <a:ext cx="10529" cy="2021523"/>
+          </a:xfrm>
+          <a:prstGeom prst="bentConnector3">
+            <a:avLst>
+              <a:gd name="adj1" fmla="val 1800000"/>
+            </a:avLst>
           </a:prstGeom>
           <a:ln w="38100">
             <a:solidFill>
@@ -3875,17 +3856,228 @@
       </p:cxnSp>
       <p:cxnSp>
         <p:nvCxnSpPr>
+          <p:cNvPr id="53" name="Elbow Connector 52"/>
+          <p:cNvCxnSpPr>
+            <a:stCxn id="18" idx="0"/>
+            <a:endCxn id="19" idx="0"/>
+          </p:cNvCxnSpPr>
+          <p:nvPr/>
+        </p:nvCxnSpPr>
+        <p:spPr>
+          <a:xfrm rot="16200000" flipV="1">
+            <a:off x="3296907" y="710477"/>
+            <a:ext cx="2021520" cy="4660446"/>
+          </a:xfrm>
+          <a:prstGeom prst="bentConnector3">
+            <a:avLst>
+              <a:gd name="adj1" fmla="val 111308"/>
+            </a:avLst>
+          </a:prstGeom>
+          <a:ln w="38100">
+            <a:solidFill>
+              <a:schemeClr val="tx1"/>
+            </a:solidFill>
+            <a:tailEnd type="triangle"/>
+          </a:ln>
+        </p:spPr>
+        <p:style>
+          <a:lnRef idx="1">
+            <a:schemeClr val="accent1"/>
+          </a:lnRef>
+          <a:fillRef idx="0">
+            <a:schemeClr val="accent1"/>
+          </a:fillRef>
+          <a:effectRef idx="0">
+            <a:schemeClr val="accent1"/>
+          </a:effectRef>
+          <a:fontRef idx="minor">
+            <a:schemeClr val="tx1"/>
+          </a:fontRef>
+        </p:style>
+      </p:cxnSp>
+      <p:sp>
+        <p:nvSpPr>
+          <p:cNvPr id="60" name="Down Arrow 59"/>
+          <p:cNvSpPr/>
+          <p:nvPr/>
+        </p:nvSpPr>
+        <p:spPr>
+          <a:xfrm>
+            <a:off x="4141710" y="1356736"/>
+            <a:ext cx="332199" cy="332260"/>
+          </a:xfrm>
+          <a:prstGeom prst="downArrow">
+            <a:avLst/>
+          </a:prstGeom>
+        </p:spPr>
+        <p:style>
+          <a:lnRef idx="2">
+            <a:schemeClr val="dk1">
+              <a:shade val="50000"/>
+            </a:schemeClr>
+          </a:lnRef>
+          <a:fillRef idx="1">
+            <a:schemeClr val="dk1"/>
+          </a:fillRef>
+          <a:effectRef idx="0">
+            <a:schemeClr val="dk1"/>
+          </a:effectRef>
+          <a:fontRef idx="minor">
+            <a:schemeClr val="lt1"/>
+          </a:fontRef>
+        </p:style>
+        <p:txBody>
+          <a:bodyPr rtlCol="0" anchor="ctr"/>
+          <a:lstStyle/>
+          <a:p>
+            <a:pPr algn="ctr"/>
+            <a:endParaRPr lang="pt-BR" sz="1492"/>
+          </a:p>
+        </p:txBody>
+      </p:sp>
+      <p:sp>
+        <p:nvSpPr>
+          <p:cNvPr id="4" name="Oval 3"/>
+          <p:cNvSpPr/>
+          <p:nvPr/>
+        </p:nvSpPr>
+        <p:spPr>
+          <a:xfrm>
+            <a:off x="3514643" y="691158"/>
+            <a:ext cx="1586333" cy="659803"/>
+          </a:xfrm>
+          <a:prstGeom prst="ellipse">
+            <a:avLst/>
+          </a:prstGeom>
+        </p:spPr>
+        <p:style>
+          <a:lnRef idx="3">
+            <a:schemeClr val="lt1"/>
+          </a:lnRef>
+          <a:fillRef idx="1">
+            <a:schemeClr val="dk1"/>
+          </a:fillRef>
+          <a:effectRef idx="1">
+            <a:schemeClr val="dk1"/>
+          </a:effectRef>
+          <a:fontRef idx="minor">
+            <a:schemeClr val="lt1"/>
+          </a:fontRef>
+        </p:style>
+        <p:txBody>
+          <a:bodyPr rtlCol="0" anchor="ctr"/>
+          <a:lstStyle/>
+          <a:p>
+            <a:pPr algn="ctr"/>
+            <a:r>
+              <a:rPr lang="pt-BR" sz="1492" dirty="0"/>
+              <a:t>Game Base</a:t>
+            </a:r>
+          </a:p>
+        </p:txBody>
+      </p:sp>
+      <p:sp>
+        <p:nvSpPr>
+          <p:cNvPr id="30" name="Oval 29"/>
+          <p:cNvSpPr/>
+          <p:nvPr/>
+        </p:nvSpPr>
+        <p:spPr>
+          <a:xfrm>
+            <a:off x="1184276" y="7083745"/>
+            <a:ext cx="1586333" cy="659803"/>
+          </a:xfrm>
+          <a:prstGeom prst="ellipse">
+            <a:avLst/>
+          </a:prstGeom>
+        </p:spPr>
+        <p:style>
+          <a:lnRef idx="2">
+            <a:schemeClr val="accent4">
+              <a:shade val="50000"/>
+            </a:schemeClr>
+          </a:lnRef>
+          <a:fillRef idx="1">
+            <a:schemeClr val="accent4"/>
+          </a:fillRef>
+          <a:effectRef idx="0">
+            <a:schemeClr val="accent4"/>
+          </a:effectRef>
+          <a:fontRef idx="minor">
+            <a:schemeClr val="lt1"/>
+          </a:fontRef>
+        </p:style>
+        <p:txBody>
+          <a:bodyPr rtlCol="0" anchor="ctr"/>
+          <a:lstStyle/>
+          <a:p>
+            <a:pPr algn="ctr"/>
+            <a:r>
+              <a:rPr lang="pt-BR" sz="1492" dirty="0"/>
+              <a:t>User</a:t>
+            </a:r>
+          </a:p>
+          <a:p>
+            <a:pPr algn="ctr"/>
+            <a:r>
+              <a:rPr lang="pt-BR" sz="1492" dirty="0"/>
+              <a:t>Manager</a:t>
+            </a:r>
+          </a:p>
+        </p:txBody>
+      </p:sp>
+      <p:cxnSp>
+        <p:nvCxnSpPr>
+          <p:cNvPr id="32" name="Straight Arrow Connector 31"/>
+          <p:cNvCxnSpPr>
+            <a:stCxn id="29" idx="0"/>
+            <a:endCxn id="22" idx="4"/>
+          </p:cNvCxnSpPr>
+          <p:nvPr/>
+        </p:nvCxnSpPr>
+        <p:spPr>
+          <a:xfrm flipV="1">
+            <a:off x="1977443" y="5722025"/>
+            <a:ext cx="1" cy="350958"/>
+          </a:xfrm>
+          <a:prstGeom prst="straightConnector1">
+            <a:avLst/>
+          </a:prstGeom>
+          <a:ln w="38100">
+            <a:solidFill>
+              <a:schemeClr val="tx1"/>
+            </a:solidFill>
+            <a:tailEnd type="triangle"/>
+          </a:ln>
+        </p:spPr>
+        <p:style>
+          <a:lnRef idx="1">
+            <a:schemeClr val="accent1"/>
+          </a:lnRef>
+          <a:fillRef idx="0">
+            <a:schemeClr val="accent1"/>
+          </a:fillRef>
+          <a:effectRef idx="0">
+            <a:schemeClr val="accent1"/>
+          </a:effectRef>
+          <a:fontRef idx="minor">
+            <a:schemeClr val="tx1"/>
+          </a:fontRef>
+        </p:style>
+      </p:cxnSp>
+      <p:cxnSp>
+        <p:nvCxnSpPr>
           <p:cNvPr id="34" name="Straight Arrow Connector 33"/>
           <p:cNvCxnSpPr>
-            <a:stCxn id="26" idx="4"/>
-            <a:endCxn id="18" idx="2"/>
+            <a:stCxn id="26" idx="5"/>
+            <a:endCxn id="18" idx="1"/>
           </p:cNvCxnSpPr>
           <p:nvPr/>
         </p:nvCxnSpPr>
         <p:spPr>
           <a:xfrm>
-            <a:off x="793167" y="1648260"/>
-            <a:ext cx="3899376" cy="1361317"/>
+            <a:off x="4868378" y="3602472"/>
+            <a:ext cx="1208658" cy="545614"/>
           </a:xfrm>
           <a:prstGeom prst="straightConnector1">
             <a:avLst/>
@@ -3922,7 +4114,7 @@
         </p:nvSpPr>
         <p:spPr>
           <a:xfrm>
-            <a:off x="1856482" y="3557293"/>
+            <a:off x="3514643" y="5074297"/>
             <a:ext cx="1586333" cy="659803"/>
           </a:xfrm>
           <a:prstGeom prst="ellipse">
@@ -3966,15 +4158,15 @@
         <p:nvCxnSpPr>
           <p:cNvPr id="40" name="Straight Arrow Connector 39"/>
           <p:cNvCxnSpPr>
-            <a:stCxn id="38" idx="4"/>
-            <a:endCxn id="22" idx="0"/>
+            <a:stCxn id="38" idx="2"/>
+            <a:endCxn id="22" idx="6"/>
           </p:cNvCxnSpPr>
           <p:nvPr/>
         </p:nvCxnSpPr>
         <p:spPr>
-          <a:xfrm>
-            <a:off x="2649649" y="4217096"/>
-            <a:ext cx="729595" cy="1271922"/>
+          <a:xfrm flipH="1" flipV="1">
+            <a:off x="2770610" y="5392124"/>
+            <a:ext cx="744033" cy="12074"/>
           </a:xfrm>
           <a:prstGeom prst="straightConnector1">
             <a:avLst/>
@@ -4009,7 +4201,7 @@
         </p:nvSpPr>
         <p:spPr>
           <a:xfrm>
-            <a:off x="4821140" y="5867386"/>
+            <a:off x="5845006" y="5074296"/>
             <a:ext cx="1586333" cy="659803"/>
           </a:xfrm>
           <a:prstGeom prst="ellipse">
@@ -4052,371 +4244,22 @@
       </p:sp>
       <p:cxnSp>
         <p:nvCxnSpPr>
-          <p:cNvPr id="50" name="Straight Arrow Connector 49"/>
-          <p:cNvCxnSpPr>
-            <a:stCxn id="38" idx="5"/>
-            <a:endCxn id="45" idx="1"/>
-          </p:cNvCxnSpPr>
-          <p:nvPr/>
-        </p:nvCxnSpPr>
-        <p:spPr>
-          <a:xfrm>
-            <a:off x="3210502" y="4120470"/>
-            <a:ext cx="1842951" cy="1843542"/>
-          </a:xfrm>
-          <a:prstGeom prst="straightConnector1">
-            <a:avLst/>
-          </a:prstGeom>
-          <a:ln w="38100">
-            <a:solidFill>
-              <a:schemeClr val="tx1"/>
-            </a:solidFill>
-            <a:tailEnd type="triangle"/>
-          </a:ln>
-        </p:spPr>
-        <p:style>
-          <a:lnRef idx="1">
-            <a:schemeClr val="accent1"/>
-          </a:lnRef>
-          <a:fillRef idx="0">
-            <a:schemeClr val="accent1"/>
-          </a:fillRef>
-          <a:effectRef idx="0">
-            <a:schemeClr val="accent1"/>
-          </a:effectRef>
-          <a:fontRef idx="minor">
-            <a:schemeClr val="tx1"/>
-          </a:fontRef>
-        </p:style>
-      </p:cxnSp>
-      <p:sp>
-        <p:nvSpPr>
-          <p:cNvPr id="54" name="Oval 53"/>
-          <p:cNvSpPr/>
-          <p:nvPr/>
-        </p:nvSpPr>
-        <p:spPr>
-          <a:xfrm>
-            <a:off x="8643140" y="5706237"/>
-            <a:ext cx="1586333" cy="659803"/>
-          </a:xfrm>
-          <a:prstGeom prst="ellipse">
-            <a:avLst/>
-          </a:prstGeom>
-        </p:spPr>
-        <p:style>
-          <a:lnRef idx="3">
-            <a:schemeClr val="lt1"/>
-          </a:lnRef>
-          <a:fillRef idx="1">
-            <a:schemeClr val="accent2"/>
-          </a:fillRef>
-          <a:effectRef idx="1">
-            <a:schemeClr val="accent2"/>
-          </a:effectRef>
-          <a:fontRef idx="minor">
-            <a:schemeClr val="lt1"/>
-          </a:fontRef>
-        </p:style>
-        <p:txBody>
-          <a:bodyPr rtlCol="0" anchor="ctr"/>
-          <a:lstStyle/>
-          <a:p>
-            <a:pPr algn="ctr"/>
-            <a:r>
-              <a:rPr lang="pt-BR" sz="1492" dirty="0"/>
-              <a:t>Robot</a:t>
-            </a:r>
-          </a:p>
-          <a:p>
-            <a:pPr algn="ctr"/>
-            <a:r>
-              <a:rPr lang="pt-BR" sz="1492" dirty="0"/>
-              <a:t>Cursor</a:t>
-            </a:r>
-          </a:p>
-        </p:txBody>
-      </p:sp>
-      <p:sp>
-        <p:nvSpPr>
-          <p:cNvPr id="59" name="Oval 58"/>
-          <p:cNvSpPr/>
-          <p:nvPr/>
-        </p:nvSpPr>
-        <p:spPr>
-          <a:xfrm>
-            <a:off x="5831773" y="4762464"/>
-            <a:ext cx="1586333" cy="659803"/>
-          </a:xfrm>
-          <a:prstGeom prst="ellipse">
-            <a:avLst/>
-          </a:prstGeom>
-          <a:ln>
-            <a:solidFill>
-              <a:schemeClr val="tx1"/>
-            </a:solidFill>
-            <a:prstDash val="dash"/>
-          </a:ln>
-        </p:spPr>
-        <p:style>
-          <a:lnRef idx="3">
-            <a:schemeClr val="lt1"/>
-          </a:lnRef>
-          <a:fillRef idx="1">
-            <a:schemeClr val="accent2"/>
-          </a:fillRef>
-          <a:effectRef idx="1">
-            <a:schemeClr val="accent2"/>
-          </a:effectRef>
-          <a:fontRef idx="minor">
-            <a:schemeClr val="lt1"/>
-          </a:fontRef>
-        </p:style>
-        <p:txBody>
-          <a:bodyPr rtlCol="0" anchor="ctr"/>
-          <a:lstStyle/>
-          <a:p>
-            <a:pPr algn="ctr"/>
-            <a:r>
-              <a:rPr lang="pt-BR" sz="1492" dirty="0"/>
-              <a:t>Connection</a:t>
-            </a:r>
-          </a:p>
-        </p:txBody>
-      </p:sp>
-      <p:cxnSp>
-        <p:nvCxnSpPr>
-          <p:cNvPr id="62" name="Straight Arrow Connector 61"/>
+          <p:cNvPr id="41" name="Elbow Connector 40"/>
           <p:cNvCxnSpPr>
             <a:stCxn id="38" idx="6"/>
-            <a:endCxn id="59" idx="2"/>
+            <a:endCxn id="20" idx="6"/>
           </p:cNvCxnSpPr>
           <p:nvPr/>
         </p:nvCxnSpPr>
         <p:spPr>
-          <a:xfrm>
-            <a:off x="3442815" y="3887195"/>
-            <a:ext cx="2388958" cy="1205171"/>
-          </a:xfrm>
-          <a:prstGeom prst="straightConnector1">
-            <a:avLst/>
-          </a:prstGeom>
-          <a:ln w="38100">
-            <a:solidFill>
-              <a:schemeClr val="tx1"/>
-            </a:solidFill>
-            <a:tailEnd type="triangle"/>
-          </a:ln>
-        </p:spPr>
-        <p:style>
-          <a:lnRef idx="1">
-            <a:schemeClr val="accent1"/>
-          </a:lnRef>
-          <a:fillRef idx="0">
-            <a:schemeClr val="accent1"/>
-          </a:fillRef>
-          <a:effectRef idx="0">
-            <a:schemeClr val="accent1"/>
-          </a:effectRef>
-          <a:fontRef idx="minor">
-            <a:schemeClr val="tx1"/>
-          </a:fontRef>
-        </p:style>
-      </p:cxnSp>
-      <p:cxnSp>
-        <p:nvCxnSpPr>
-          <p:cNvPr id="75" name="Straight Arrow Connector 74"/>
-          <p:cNvCxnSpPr>
-            <a:stCxn id="54" idx="2"/>
-            <a:endCxn id="59" idx="5"/>
-          </p:cNvCxnSpPr>
-          <p:nvPr/>
-        </p:nvCxnSpPr>
-        <p:spPr>
-          <a:xfrm flipH="1" flipV="1">
-            <a:off x="7185793" y="5325641"/>
-            <a:ext cx="1457347" cy="710498"/>
-          </a:xfrm>
-          <a:prstGeom prst="straightConnector1">
-            <a:avLst/>
-          </a:prstGeom>
-          <a:ln w="38100">
-            <a:solidFill>
-              <a:schemeClr val="tx1"/>
-            </a:solidFill>
-            <a:tailEnd type="triangle"/>
-          </a:ln>
-        </p:spPr>
-        <p:style>
-          <a:lnRef idx="1">
-            <a:schemeClr val="accent1"/>
-          </a:lnRef>
-          <a:fillRef idx="0">
-            <a:schemeClr val="accent1"/>
-          </a:fillRef>
-          <a:effectRef idx="0">
-            <a:schemeClr val="accent1"/>
-          </a:effectRef>
-          <a:fontRef idx="minor">
-            <a:schemeClr val="tx1"/>
-          </a:fontRef>
-        </p:style>
-      </p:cxnSp>
-      <p:sp>
-        <p:nvSpPr>
-          <p:cNvPr id="88" name="Oval 87"/>
-          <p:cNvSpPr/>
-          <p:nvPr/>
-        </p:nvSpPr>
-        <p:spPr>
-          <a:xfrm>
-            <a:off x="7261744" y="2080486"/>
-            <a:ext cx="1586333" cy="659803"/>
-          </a:xfrm>
-          <a:prstGeom prst="ellipse">
-            <a:avLst/>
-          </a:prstGeom>
-          <a:ln>
-            <a:solidFill>
-              <a:schemeClr val="tx1"/>
-            </a:solidFill>
-            <a:prstDash val="dash"/>
-          </a:ln>
-        </p:spPr>
-        <p:style>
-          <a:lnRef idx="3">
-            <a:schemeClr val="lt1"/>
-          </a:lnRef>
-          <a:fillRef idx="1">
-            <a:schemeClr val="accent2"/>
-          </a:fillRef>
-          <a:effectRef idx="1">
-            <a:schemeClr val="accent2"/>
-          </a:effectRef>
-          <a:fontRef idx="minor">
-            <a:schemeClr val="lt1"/>
-          </a:fontRef>
-        </p:style>
-        <p:txBody>
-          <a:bodyPr rtlCol="0" anchor="ctr"/>
-          <a:lstStyle/>
-          <a:p>
-            <a:pPr algn="ctr"/>
-            <a:r>
-              <a:rPr lang="pt-BR" sz="1492" dirty="0" smtClean="0">
-                <a:solidFill>
-                  <a:schemeClr val="bg1"/>
-                </a:solidFill>
-              </a:rPr>
-              <a:t>Ankle</a:t>
-            </a:r>
-          </a:p>
-          <a:p>
-            <a:pPr algn="ctr"/>
-            <a:r>
-              <a:rPr lang="pt-BR" sz="1492" dirty="0" smtClean="0">
-                <a:solidFill>
-                  <a:schemeClr val="bg1"/>
-                </a:solidFill>
-              </a:rPr>
-              <a:t>Movement</a:t>
-            </a:r>
-            <a:endParaRPr lang="pt-BR" sz="1492" dirty="0">
-              <a:solidFill>
-                <a:schemeClr val="bg1"/>
-              </a:solidFill>
-            </a:endParaRPr>
-          </a:p>
-        </p:txBody>
-      </p:sp>
-      <p:cxnSp>
-        <p:nvCxnSpPr>
-          <p:cNvPr id="67" name="Straight Arrow Connector 66"/>
-          <p:cNvCxnSpPr>
-            <a:stCxn id="26" idx="7"/>
-            <a:endCxn id="23" idx="2"/>
-          </p:cNvCxnSpPr>
-          <p:nvPr/>
-        </p:nvCxnSpPr>
-        <p:spPr>
           <a:xfrm flipV="1">
-            <a:off x="1354020" y="457556"/>
-            <a:ext cx="301549" cy="627527"/>
-          </a:xfrm>
-          <a:prstGeom prst="straightConnector1">
-            <a:avLst/>
-          </a:prstGeom>
-          <a:ln w="38100">
-            <a:solidFill>
-              <a:schemeClr val="tx1"/>
-            </a:solidFill>
-            <a:tailEnd type="triangle"/>
-          </a:ln>
-        </p:spPr>
-        <p:style>
-          <a:lnRef idx="1">
-            <a:schemeClr val="accent1"/>
-          </a:lnRef>
-          <a:fillRef idx="0">
-            <a:schemeClr val="accent1"/>
-          </a:fillRef>
-          <a:effectRef idx="0">
-            <a:schemeClr val="accent1"/>
-          </a:effectRef>
-          <a:fontRef idx="minor">
-            <a:schemeClr val="tx1"/>
-          </a:fontRef>
-        </p:style>
-      </p:cxnSp>
-      <p:cxnSp>
-        <p:nvCxnSpPr>
-          <p:cNvPr id="73" name="Straight Arrow Connector 72"/>
-          <p:cNvCxnSpPr/>
-          <p:nvPr/>
-        </p:nvCxnSpPr>
-        <p:spPr>
-          <a:xfrm flipV="1">
-            <a:off x="10368361" y="4955293"/>
-            <a:ext cx="744030" cy="1"/>
-          </a:xfrm>
-          <a:prstGeom prst="straightConnector1">
-            <a:avLst/>
-          </a:prstGeom>
-          <a:ln w="38100">
-            <a:solidFill>
-              <a:srgbClr val="00B0F0"/>
-            </a:solidFill>
-            <a:tailEnd type="triangle"/>
-          </a:ln>
-        </p:spPr>
-        <p:style>
-          <a:lnRef idx="1">
-            <a:schemeClr val="accent1"/>
-          </a:lnRef>
-          <a:fillRef idx="0">
-            <a:schemeClr val="accent1"/>
-          </a:fillRef>
-          <a:effectRef idx="0">
-            <a:schemeClr val="accent1"/>
-          </a:effectRef>
-          <a:fontRef idx="minor">
-            <a:schemeClr val="tx1"/>
-          </a:fontRef>
-        </p:style>
-      </p:cxnSp>
-      <p:cxnSp>
-        <p:nvCxnSpPr>
-          <p:cNvPr id="74" name="Straight Arrow Connector 73"/>
-          <p:cNvCxnSpPr/>
-          <p:nvPr/>
-        </p:nvCxnSpPr>
-        <p:spPr>
-          <a:xfrm flipV="1">
-            <a:off x="10368361" y="4624121"/>
-            <a:ext cx="744030" cy="1"/>
-          </a:xfrm>
-          <a:prstGeom prst="straightConnector1">
-            <a:avLst/>
+            <a:off x="5100976" y="2359842"/>
+            <a:ext cx="12700" cy="3044357"/>
+          </a:xfrm>
+          <a:prstGeom prst="bentConnector3">
+            <a:avLst>
+              <a:gd name="adj1" fmla="val 1800000"/>
+            </a:avLst>
           </a:prstGeom>
           <a:ln w="38100">
             <a:solidFill>
@@ -4444,14 +4287,17 @@
       </p:cxnSp>
       <p:cxnSp>
         <p:nvCxnSpPr>
-          <p:cNvPr id="76" name="Straight Arrow Connector 75"/>
-          <p:cNvCxnSpPr/>
+          <p:cNvPr id="50" name="Straight Arrow Connector 49"/>
+          <p:cNvCxnSpPr>
+            <a:stCxn id="38" idx="5"/>
+            <a:endCxn id="45" idx="2"/>
+          </p:cNvCxnSpPr>
           <p:nvPr/>
         </p:nvCxnSpPr>
         <p:spPr>
           <a:xfrm flipV="1">
-            <a:off x="10368361" y="4292949"/>
-            <a:ext cx="744030" cy="1"/>
+            <a:off x="4868663" y="5404198"/>
+            <a:ext cx="976343" cy="233276"/>
           </a:xfrm>
           <a:prstGeom prst="straightConnector1">
             <a:avLst/>
@@ -4480,210 +4326,157 @@
       </p:cxnSp>
       <p:sp>
         <p:nvSpPr>
-          <p:cNvPr id="68" name="TextBox 67"/>
-          <p:cNvSpPr txBox="1"/>
-          <p:nvPr/>
-        </p:nvSpPr>
-        <p:spPr>
-          <a:xfrm>
-            <a:off x="11161591" y="4108282"/>
-            <a:ext cx="1538563" cy="369332"/>
+          <p:cNvPr id="36" name="Rectangle 35"/>
+          <p:cNvSpPr/>
+          <p:nvPr/>
+        </p:nvSpPr>
+        <p:spPr>
+          <a:xfrm>
+            <a:off x="709385" y="1688996"/>
+            <a:ext cx="7032172" cy="6244518"/>
           </a:xfrm>
           <a:prstGeom prst="rect">
             <a:avLst/>
           </a:prstGeom>
           <a:noFill/>
-        </p:spPr>
-        <p:txBody>
-          <a:bodyPr wrap="none" rtlCol="0">
-            <a:spAutoFit/>
-          </a:bodyPr>
-          <a:lstStyle/>
-          <a:p>
-            <a:r>
-              <a:rPr lang="pt-BR" dirty="0"/>
-              <a:t>Utiliza a classe</a:t>
-            </a:r>
-          </a:p>
-        </p:txBody>
-      </p:sp>
-      <p:sp>
-        <p:nvSpPr>
-          <p:cNvPr id="77" name="TextBox 76"/>
-          <p:cNvSpPr txBox="1"/>
-          <p:nvPr/>
-        </p:nvSpPr>
-        <p:spPr>
-          <a:xfrm>
-            <a:off x="11172476" y="4439454"/>
-            <a:ext cx="1775230" cy="369332"/>
-          </a:xfrm>
-          <a:prstGeom prst="rect">
-            <a:avLst/>
-          </a:prstGeom>
-          <a:noFill/>
-        </p:spPr>
-        <p:txBody>
-          <a:bodyPr wrap="none" rtlCol="0">
-            <a:spAutoFit/>
-          </a:bodyPr>
-          <a:lstStyle/>
-          <a:p>
-            <a:r>
-              <a:rPr lang="pt-BR" dirty="0"/>
-              <a:t>Utiliza o instance</a:t>
-            </a:r>
-          </a:p>
-        </p:txBody>
-      </p:sp>
-      <p:sp>
-        <p:nvSpPr>
-          <p:cNvPr id="78" name="TextBox 77"/>
-          <p:cNvSpPr txBox="1"/>
-          <p:nvPr/>
-        </p:nvSpPr>
-        <p:spPr>
-          <a:xfrm>
-            <a:off x="11183363" y="4770626"/>
-            <a:ext cx="2130391" cy="369332"/>
-          </a:xfrm>
-          <a:prstGeom prst="rect">
-            <a:avLst/>
-          </a:prstGeom>
-          <a:noFill/>
-        </p:spPr>
-        <p:txBody>
-          <a:bodyPr wrap="none" rtlCol="0">
-            <a:spAutoFit/>
-          </a:bodyPr>
-          <a:lstStyle/>
-          <a:p>
-            <a:r>
-              <a:rPr lang="pt-BR" dirty="0"/>
-              <a:t>Utiliza uma var static</a:t>
+          <a:ln w="28575">
+            <a:solidFill>
+              <a:schemeClr val="tx1"/>
+            </a:solidFill>
+            <a:prstDash val="dash"/>
+          </a:ln>
+        </p:spPr>
+        <p:style>
+          <a:lnRef idx="1">
+            <a:schemeClr val="dk1"/>
+          </a:lnRef>
+          <a:fillRef idx="2">
+            <a:schemeClr val="dk1"/>
+          </a:fillRef>
+          <a:effectRef idx="1">
+            <a:schemeClr val="dk1"/>
+          </a:effectRef>
+          <a:fontRef idx="minor">
+            <a:schemeClr val="dk1"/>
+          </a:fontRef>
+        </p:style>
+        <p:txBody>
+          <a:bodyPr rtlCol="0" anchor="ctr"/>
+          <a:lstStyle/>
+          <a:p>
+            <a:pPr algn="ctr"/>
+            <a:endParaRPr lang="pt-BR"/>
+          </a:p>
+        </p:txBody>
+      </p:sp>
+      <p:sp>
+        <p:nvSpPr>
+          <p:cNvPr id="54" name="Oval 53"/>
+          <p:cNvSpPr/>
+          <p:nvPr/>
+        </p:nvSpPr>
+        <p:spPr>
+          <a:xfrm>
+            <a:off x="3514642" y="7083745"/>
+            <a:ext cx="1586333" cy="659803"/>
+          </a:xfrm>
+          <a:prstGeom prst="ellipse">
+            <a:avLst/>
+          </a:prstGeom>
+        </p:spPr>
+        <p:style>
+          <a:lnRef idx="3">
+            <a:schemeClr val="lt1"/>
+          </a:lnRef>
+          <a:fillRef idx="1">
+            <a:schemeClr val="accent2"/>
+          </a:fillRef>
+          <a:effectRef idx="1">
+            <a:schemeClr val="accent2"/>
+          </a:effectRef>
+          <a:fontRef idx="minor">
+            <a:schemeClr val="lt1"/>
+          </a:fontRef>
+        </p:style>
+        <p:txBody>
+          <a:bodyPr rtlCol="0" anchor="ctr"/>
+          <a:lstStyle/>
+          <a:p>
+            <a:pPr algn="ctr"/>
+            <a:r>
+              <a:rPr lang="pt-BR" sz="1492" dirty="0"/>
+              <a:t>Robot</a:t>
+            </a:r>
+          </a:p>
+          <a:p>
+            <a:pPr algn="ctr"/>
+            <a:r>
+              <a:rPr lang="pt-BR" sz="1492" dirty="0"/>
+              <a:t>Cursor</a:t>
+            </a:r>
+          </a:p>
+        </p:txBody>
+      </p:sp>
+      <p:sp>
+        <p:nvSpPr>
+          <p:cNvPr id="59" name="Oval 58"/>
+          <p:cNvSpPr/>
+          <p:nvPr/>
+        </p:nvSpPr>
+        <p:spPr>
+          <a:xfrm>
+            <a:off x="3514641" y="6093604"/>
+            <a:ext cx="1586333" cy="659803"/>
+          </a:xfrm>
+          <a:prstGeom prst="ellipse">
+            <a:avLst/>
+          </a:prstGeom>
+          <a:ln>
+            <a:solidFill>
+              <a:schemeClr val="tx1"/>
+            </a:solidFill>
+            <a:prstDash val="dash"/>
+          </a:ln>
+        </p:spPr>
+        <p:style>
+          <a:lnRef idx="3">
+            <a:schemeClr val="lt1"/>
+          </a:lnRef>
+          <a:fillRef idx="1">
+            <a:schemeClr val="accent2"/>
+          </a:fillRef>
+          <a:effectRef idx="1">
+            <a:schemeClr val="accent2"/>
+          </a:effectRef>
+          <a:fontRef idx="minor">
+            <a:schemeClr val="lt1"/>
+          </a:fontRef>
+        </p:style>
+        <p:txBody>
+          <a:bodyPr rtlCol="0" anchor="ctr"/>
+          <a:lstStyle/>
+          <a:p>
+            <a:pPr algn="ctr"/>
+            <a:r>
+              <a:rPr lang="pt-BR" sz="1492" dirty="0"/>
+              <a:t>Connection</a:t>
             </a:r>
           </a:p>
         </p:txBody>
       </p:sp>
       <p:cxnSp>
         <p:nvCxnSpPr>
-          <p:cNvPr id="79" name="Straight Arrow Connector 78"/>
-          <p:cNvCxnSpPr/>
+          <p:cNvPr id="62" name="Straight Arrow Connector 61"/>
+          <p:cNvCxnSpPr>
+            <a:stCxn id="38" idx="4"/>
+            <a:endCxn id="59" idx="0"/>
+          </p:cNvCxnSpPr>
           <p:nvPr/>
         </p:nvCxnSpPr>
         <p:spPr>
-          <a:xfrm flipV="1">
-            <a:off x="10368361" y="5286465"/>
-            <a:ext cx="744030" cy="1"/>
-          </a:xfrm>
-          <a:prstGeom prst="straightConnector1">
-            <a:avLst/>
-          </a:prstGeom>
-          <a:ln w="38100">
-            <a:solidFill>
-              <a:srgbClr val="00B0F0"/>
-            </a:solidFill>
-            <a:prstDash val="sysDash"/>
-            <a:tailEnd type="triangle"/>
-          </a:ln>
-        </p:spPr>
-        <p:style>
-          <a:lnRef idx="1">
-            <a:schemeClr val="accent1"/>
-          </a:lnRef>
-          <a:fillRef idx="0">
-            <a:schemeClr val="accent1"/>
-          </a:fillRef>
-          <a:effectRef idx="0">
-            <a:schemeClr val="accent1"/>
-          </a:effectRef>
-          <a:fontRef idx="minor">
-            <a:schemeClr val="tx1"/>
-          </a:fontRef>
-        </p:style>
-      </p:cxnSp>
-      <p:sp>
-        <p:nvSpPr>
-          <p:cNvPr id="80" name="TextBox 79"/>
-          <p:cNvSpPr txBox="1"/>
-          <p:nvPr/>
-        </p:nvSpPr>
-        <p:spPr>
-          <a:xfrm>
-            <a:off x="11183363" y="5101798"/>
-            <a:ext cx="2250809" cy="369332"/>
-          </a:xfrm>
-          <a:prstGeom prst="rect">
-            <a:avLst/>
-          </a:prstGeom>
-          <a:noFill/>
-        </p:spPr>
-        <p:txBody>
-          <a:bodyPr wrap="none" rtlCol="0">
-            <a:spAutoFit/>
-          </a:bodyPr>
-          <a:lstStyle/>
-          <a:p>
-            <a:r>
-              <a:rPr lang="pt-BR" dirty="0"/>
-              <a:t>Utiliza uma func static</a:t>
-            </a:r>
-          </a:p>
-        </p:txBody>
-      </p:sp>
-      <p:cxnSp>
-        <p:nvCxnSpPr>
-          <p:cNvPr id="94" name="Straight Arrow Connector 93"/>
-          <p:cNvCxnSpPr>
-            <a:stCxn id="38" idx="7"/>
-            <a:endCxn id="18" idx="3"/>
-          </p:cNvCxnSpPr>
-          <p:nvPr/>
-        </p:nvCxnSpPr>
-        <p:spPr>
-          <a:xfrm flipV="1">
-            <a:off x="3210502" y="3242852"/>
-            <a:ext cx="1714354" cy="411067"/>
-          </a:xfrm>
-          <a:prstGeom prst="straightConnector1">
-            <a:avLst/>
-          </a:prstGeom>
-          <a:ln w="38100">
-            <a:solidFill>
-              <a:srgbClr val="00B0F0"/>
-            </a:solidFill>
-            <a:prstDash val="sysDash"/>
-            <a:tailEnd type="triangle"/>
-          </a:ln>
-        </p:spPr>
-        <p:style>
-          <a:lnRef idx="1">
-            <a:schemeClr val="accent1"/>
-          </a:lnRef>
-          <a:fillRef idx="0">
-            <a:schemeClr val="accent1"/>
-          </a:fillRef>
-          <a:effectRef idx="0">
-            <a:schemeClr val="accent1"/>
-          </a:effectRef>
-          <a:fontRef idx="minor">
-            <a:schemeClr val="tx1"/>
-          </a:fontRef>
-        </p:style>
-      </p:cxnSp>
-      <p:cxnSp>
-        <p:nvCxnSpPr>
-          <p:cNvPr id="109" name="Straight Arrow Connector 108"/>
-          <p:cNvCxnSpPr>
-            <a:stCxn id="26" idx="4"/>
-            <a:endCxn id="24" idx="1"/>
-          </p:cNvCxnSpPr>
-          <p:nvPr/>
-        </p:nvCxnSpPr>
-        <p:spPr>
-          <a:xfrm>
-            <a:off x="793167" y="1648260"/>
-            <a:ext cx="1295628" cy="1109893"/>
+          <a:xfrm flipH="1">
+            <a:off x="4307807" y="5734099"/>
+            <a:ext cx="2" cy="359504"/>
           </a:xfrm>
           <a:prstGeom prst="straightConnector1">
             <a:avLst/>
@@ -4712,17 +4505,59 @@
       </p:cxnSp>
       <p:cxnSp>
         <p:nvCxnSpPr>
-          <p:cNvPr id="69" name="Straight Arrow Connector 68"/>
+          <p:cNvPr id="65" name="Elbow Connector 64"/>
           <p:cNvCxnSpPr>
-            <a:stCxn id="18" idx="1"/>
-            <a:endCxn id="19" idx="4"/>
+            <a:stCxn id="59" idx="2"/>
+            <a:endCxn id="20" idx="2"/>
           </p:cNvCxnSpPr>
           <p:nvPr/>
         </p:nvCxnSpPr>
         <p:spPr>
+          <a:xfrm rot="10800000" flipH="1">
+            <a:off x="3514640" y="2359841"/>
+            <a:ext cx="2" cy="4063664"/>
+          </a:xfrm>
+          <a:prstGeom prst="bentConnector3">
+            <a:avLst>
+              <a:gd name="adj1" fmla="val -11430000000"/>
+            </a:avLst>
+          </a:prstGeom>
+          <a:ln w="38100">
+            <a:solidFill>
+              <a:schemeClr val="tx1"/>
+            </a:solidFill>
+            <a:headEnd type="triangle" w="med" len="med"/>
+            <a:tailEnd type="none" w="med" len="med"/>
+          </a:ln>
+        </p:spPr>
+        <p:style>
+          <a:lnRef idx="1">
+            <a:schemeClr val="accent1"/>
+          </a:lnRef>
+          <a:fillRef idx="0">
+            <a:schemeClr val="accent1"/>
+          </a:fillRef>
+          <a:effectRef idx="0">
+            <a:schemeClr val="accent1"/>
+          </a:effectRef>
+          <a:fontRef idx="minor">
+            <a:schemeClr val="tx1"/>
+          </a:fontRef>
+        </p:style>
+      </p:cxnSp>
+      <p:cxnSp>
+        <p:nvCxnSpPr>
+          <p:cNvPr id="75" name="Straight Arrow Connector 74"/>
+          <p:cNvCxnSpPr>
+            <a:stCxn id="54" idx="0"/>
+            <a:endCxn id="59" idx="4"/>
+          </p:cNvCxnSpPr>
+          <p:nvPr/>
+        </p:nvCxnSpPr>
+        <p:spPr>
           <a:xfrm flipH="1" flipV="1">
-            <a:off x="4374525" y="2464209"/>
-            <a:ext cx="550331" cy="312092"/>
+            <a:off x="4307808" y="6753406"/>
+            <a:ext cx="1" cy="330338"/>
           </a:xfrm>
           <a:prstGeom prst="straightConnector1">
             <a:avLst/>
@@ -4749,19 +4584,251 @@
           </a:fontRef>
         </p:style>
       </p:cxnSp>
+      <p:sp>
+        <p:nvSpPr>
+          <p:cNvPr id="88" name="Oval 87"/>
+          <p:cNvSpPr/>
+          <p:nvPr/>
+        </p:nvSpPr>
+        <p:spPr>
+          <a:xfrm>
+            <a:off x="5845006" y="6093604"/>
+            <a:ext cx="1586333" cy="659803"/>
+          </a:xfrm>
+          <a:prstGeom prst="ellipse">
+            <a:avLst/>
+          </a:prstGeom>
+        </p:spPr>
+        <p:style>
+          <a:lnRef idx="3">
+            <a:schemeClr val="lt1"/>
+          </a:lnRef>
+          <a:fillRef idx="1">
+            <a:schemeClr val="accent2"/>
+          </a:fillRef>
+          <a:effectRef idx="1">
+            <a:schemeClr val="accent2"/>
+          </a:effectRef>
+          <a:fontRef idx="minor">
+            <a:schemeClr val="lt1"/>
+          </a:fontRef>
+        </p:style>
+        <p:txBody>
+          <a:bodyPr rtlCol="0" anchor="ctr"/>
+          <a:lstStyle/>
+          <a:p>
+            <a:pPr algn="ctr"/>
+            <a:r>
+              <a:rPr lang="pt-BR" sz="1492" dirty="0" smtClean="0">
+                <a:solidFill>
+                  <a:srgbClr val="FF0000"/>
+                </a:solidFill>
+              </a:rPr>
+              <a:t>Ankle</a:t>
+            </a:r>
+          </a:p>
+          <a:p>
+            <a:pPr algn="ctr"/>
+            <a:r>
+              <a:rPr lang="pt-BR" sz="1492" dirty="0" smtClean="0">
+                <a:solidFill>
+                  <a:srgbClr val="FF0000"/>
+                </a:solidFill>
+              </a:rPr>
+              <a:t>Movement?</a:t>
+            </a:r>
+            <a:endParaRPr lang="pt-BR" sz="1492" dirty="0">
+              <a:solidFill>
+                <a:srgbClr val="FF0000"/>
+              </a:solidFill>
+            </a:endParaRPr>
+          </a:p>
+        </p:txBody>
+      </p:sp>
       <p:cxnSp>
         <p:nvCxnSpPr>
-          <p:cNvPr id="71" name="Straight Arrow Connector 70"/>
+          <p:cNvPr id="90" name="Elbow Connector 89"/>
           <p:cNvCxnSpPr>
-            <a:stCxn id="26" idx="4"/>
-            <a:endCxn id="38" idx="1"/>
+            <a:stCxn id="45" idx="3"/>
+            <a:endCxn id="22" idx="5"/>
           </p:cNvCxnSpPr>
           <p:nvPr/>
         </p:nvCxnSpPr>
         <p:spPr>
-          <a:xfrm>
-            <a:off x="793167" y="1648260"/>
-            <a:ext cx="1295628" cy="2005659"/>
+          <a:xfrm rot="5400000" flipH="1">
+            <a:off x="4301771" y="3861925"/>
+            <a:ext cx="12073" cy="3539022"/>
+          </a:xfrm>
+          <a:prstGeom prst="bentConnector3">
+            <a:avLst>
+              <a:gd name="adj1" fmla="val -1972501"/>
+            </a:avLst>
+          </a:prstGeom>
+          <a:ln w="28575">
+            <a:solidFill>
+              <a:schemeClr val="tx1"/>
+            </a:solidFill>
+            <a:tailEnd type="triangle"/>
+          </a:ln>
+        </p:spPr>
+        <p:style>
+          <a:lnRef idx="1">
+            <a:schemeClr val="accent1"/>
+          </a:lnRef>
+          <a:fillRef idx="0">
+            <a:schemeClr val="accent1"/>
+          </a:fillRef>
+          <a:effectRef idx="0">
+            <a:schemeClr val="accent1"/>
+          </a:effectRef>
+          <a:fontRef idx="minor">
+            <a:schemeClr val="tx1"/>
+          </a:fontRef>
+        </p:style>
+      </p:cxnSp>
+      <p:cxnSp>
+        <p:nvCxnSpPr>
+          <p:cNvPr id="47" name="Elbow Connector 46"/>
+          <p:cNvCxnSpPr>
+            <a:stCxn id="54" idx="2"/>
+            <a:endCxn id="29" idx="6"/>
+          </p:cNvCxnSpPr>
+          <p:nvPr/>
+        </p:nvCxnSpPr>
+        <p:spPr>
+          <a:xfrm rot="10800000">
+            <a:off x="2770610" y="6402887"/>
+            <a:ext cx="744033" cy="1010761"/>
+          </a:xfrm>
+          <a:prstGeom prst="bentConnector3">
+            <a:avLst>
+              <a:gd name="adj1" fmla="val 50000"/>
+            </a:avLst>
+          </a:prstGeom>
+          <a:ln w="28575">
+            <a:solidFill>
+              <a:schemeClr val="tx1"/>
+            </a:solidFill>
+            <a:tailEnd type="triangle"/>
+          </a:ln>
+        </p:spPr>
+        <p:style>
+          <a:lnRef idx="1">
+            <a:schemeClr val="accent1"/>
+          </a:lnRef>
+          <a:fillRef idx="0">
+            <a:schemeClr val="accent1"/>
+          </a:fillRef>
+          <a:effectRef idx="0">
+            <a:schemeClr val="accent1"/>
+          </a:effectRef>
+          <a:fontRef idx="minor">
+            <a:schemeClr val="tx1"/>
+          </a:fontRef>
+        </p:style>
+      </p:cxnSp>
+      <p:cxnSp>
+        <p:nvCxnSpPr>
+          <p:cNvPr id="48" name="Elbow Connector 47"/>
+          <p:cNvCxnSpPr>
+            <a:stCxn id="54" idx="6"/>
+            <a:endCxn id="20" idx="5"/>
+          </p:cNvCxnSpPr>
+          <p:nvPr/>
+        </p:nvCxnSpPr>
+        <p:spPr>
+          <a:xfrm flipH="1" flipV="1">
+            <a:off x="4868662" y="2593116"/>
+            <a:ext cx="232312" cy="4820530"/>
+          </a:xfrm>
+          <a:prstGeom prst="bentConnector4">
+            <a:avLst>
+              <a:gd name="adj1" fmla="val -60915"/>
+              <a:gd name="adj2" fmla="val 99165"/>
+            </a:avLst>
+          </a:prstGeom>
+          <a:ln w="28575">
+            <a:solidFill>
+              <a:schemeClr val="bg1">
+                <a:lumMod val="50000"/>
+              </a:schemeClr>
+            </a:solidFill>
+            <a:tailEnd type="triangle"/>
+          </a:ln>
+        </p:spPr>
+        <p:style>
+          <a:lnRef idx="1">
+            <a:schemeClr val="accent1"/>
+          </a:lnRef>
+          <a:fillRef idx="0">
+            <a:schemeClr val="accent1"/>
+          </a:fillRef>
+          <a:effectRef idx="0">
+            <a:schemeClr val="accent1"/>
+          </a:effectRef>
+          <a:fontRef idx="minor">
+            <a:schemeClr val="tx1"/>
+          </a:fontRef>
+        </p:style>
+      </p:cxnSp>
+      <p:sp>
+        <p:nvSpPr>
+          <p:cNvPr id="66" name="Oval 65"/>
+          <p:cNvSpPr/>
+          <p:nvPr/>
+        </p:nvSpPr>
+        <p:spPr>
+          <a:xfrm>
+            <a:off x="7977781" y="2049206"/>
+            <a:ext cx="1586333" cy="659803"/>
+          </a:xfrm>
+          <a:prstGeom prst="ellipse">
+            <a:avLst/>
+          </a:prstGeom>
+        </p:spPr>
+        <p:style>
+          <a:lnRef idx="3">
+            <a:schemeClr val="lt1"/>
+          </a:lnRef>
+          <a:fillRef idx="1">
+            <a:schemeClr val="accent2"/>
+          </a:fillRef>
+          <a:effectRef idx="1">
+            <a:schemeClr val="accent2"/>
+          </a:effectRef>
+          <a:fontRef idx="minor">
+            <a:schemeClr val="lt1"/>
+          </a:fontRef>
+        </p:style>
+        <p:txBody>
+          <a:bodyPr rtlCol="0" anchor="ctr"/>
+          <a:lstStyle/>
+          <a:p>
+            <a:pPr algn="ctr"/>
+            <a:r>
+              <a:rPr lang="pt-BR" sz="1492" dirty="0">
+                <a:solidFill>
+                  <a:srgbClr val="FF0000"/>
+                </a:solidFill>
+              </a:rPr>
+              <a:t>Data Manager</a:t>
+            </a:r>
+          </a:p>
+        </p:txBody>
+      </p:sp>
+      <p:cxnSp>
+        <p:nvCxnSpPr>
+          <p:cNvPr id="67" name="Straight Arrow Connector 66"/>
+          <p:cNvCxnSpPr>
+            <a:stCxn id="21" idx="5"/>
+            <a:endCxn id="23" idx="2"/>
+          </p:cNvCxnSpPr>
+          <p:nvPr/>
+        </p:nvCxnSpPr>
+        <p:spPr>
+          <a:xfrm>
+            <a:off x="2538297" y="3603877"/>
+            <a:ext cx="982696" cy="776079"/>
           </a:xfrm>
           <a:prstGeom prst="straightConnector1">
             <a:avLst/>
@@ -4790,24 +4857,21 @@
       </p:cxnSp>
       <p:cxnSp>
         <p:nvCxnSpPr>
-          <p:cNvPr id="81" name="Straight Arrow Connector 80"/>
-          <p:cNvCxnSpPr>
-            <a:stCxn id="20" idx="4"/>
-            <a:endCxn id="59" idx="0"/>
-          </p:cNvCxnSpPr>
+          <p:cNvPr id="73" name="Straight Arrow Connector 72"/>
+          <p:cNvCxnSpPr/>
           <p:nvPr/>
         </p:nvCxnSpPr>
         <p:spPr>
-          <a:xfrm flipH="1">
-            <a:off x="6624940" y="3963269"/>
-            <a:ext cx="737062" cy="799195"/>
+          <a:xfrm flipV="1">
+            <a:off x="8236882" y="3518378"/>
+            <a:ext cx="744030" cy="1"/>
           </a:xfrm>
           <a:prstGeom prst="straightConnector1">
             <a:avLst/>
           </a:prstGeom>
           <a:ln w="38100">
             <a:solidFill>
-              <a:schemeClr val="tx1"/>
+              <a:srgbClr val="00B0F0"/>
             </a:solidFill>
             <a:tailEnd type="triangle"/>
           </a:ln>
@@ -4829,134 +4893,14 @@
       </p:cxnSp>
       <p:cxnSp>
         <p:nvCxnSpPr>
-          <p:cNvPr id="82" name="Straight Arrow Connector 81"/>
-          <p:cNvCxnSpPr>
-            <a:stCxn id="45" idx="2"/>
-            <a:endCxn id="22" idx="6"/>
-          </p:cNvCxnSpPr>
+          <p:cNvPr id="74" name="Straight Arrow Connector 73"/>
+          <p:cNvCxnSpPr/>
           <p:nvPr/>
         </p:nvCxnSpPr>
         <p:spPr>
-          <a:xfrm flipH="1" flipV="1">
-            <a:off x="4172410" y="5818920"/>
-            <a:ext cx="648730" cy="378368"/>
-          </a:xfrm>
-          <a:prstGeom prst="straightConnector1">
-            <a:avLst/>
-          </a:prstGeom>
-          <a:ln w="38100">
-            <a:solidFill>
-              <a:schemeClr val="tx1"/>
-            </a:solidFill>
-            <a:tailEnd type="triangle"/>
-          </a:ln>
-        </p:spPr>
-        <p:style>
-          <a:lnRef idx="1">
-            <a:schemeClr val="accent1"/>
-          </a:lnRef>
-          <a:fillRef idx="0">
-            <a:schemeClr val="accent1"/>
-          </a:fillRef>
-          <a:effectRef idx="0">
-            <a:schemeClr val="accent1"/>
-          </a:effectRef>
-          <a:fontRef idx="minor">
-            <a:schemeClr val="tx1"/>
-          </a:fontRef>
-        </p:style>
-      </p:cxnSp>
-      <p:cxnSp>
-        <p:nvCxnSpPr>
-          <p:cNvPr id="87" name="Straight Arrow Connector 86"/>
-          <p:cNvCxnSpPr>
-            <a:stCxn id="54" idx="3"/>
-            <a:endCxn id="29" idx="7"/>
-          </p:cNvCxnSpPr>
-          <p:nvPr/>
-        </p:nvCxnSpPr>
-        <p:spPr>
-          <a:xfrm flipH="1">
-            <a:off x="7645142" y="6269414"/>
-            <a:ext cx="1230311" cy="769723"/>
-          </a:xfrm>
-          <a:prstGeom prst="straightConnector1">
-            <a:avLst/>
-          </a:prstGeom>
-          <a:ln w="38100">
-            <a:solidFill>
-              <a:schemeClr val="tx1"/>
-            </a:solidFill>
-            <a:tailEnd type="triangle"/>
-          </a:ln>
-        </p:spPr>
-        <p:style>
-          <a:lnRef idx="1">
-            <a:schemeClr val="accent1"/>
-          </a:lnRef>
-          <a:fillRef idx="0">
-            <a:schemeClr val="accent1"/>
-          </a:fillRef>
-          <a:effectRef idx="0">
-            <a:schemeClr val="accent1"/>
-          </a:effectRef>
-          <a:fontRef idx="minor">
-            <a:schemeClr val="tx1"/>
-          </a:fontRef>
-        </p:style>
-      </p:cxnSp>
-      <p:cxnSp>
-        <p:nvCxnSpPr>
-          <p:cNvPr id="92" name="Straight Arrow Connector 91"/>
-          <p:cNvCxnSpPr>
-            <a:stCxn id="19" idx="1"/>
-            <a:endCxn id="25" idx="5"/>
-          </p:cNvCxnSpPr>
-          <p:nvPr/>
-        </p:nvCxnSpPr>
-        <p:spPr>
-          <a:xfrm flipH="1" flipV="1">
-            <a:off x="3260855" y="1869017"/>
-            <a:ext cx="552816" cy="32015"/>
-          </a:xfrm>
-          <a:prstGeom prst="straightConnector1">
-            <a:avLst/>
-          </a:prstGeom>
-          <a:ln w="38100">
-            <a:solidFill>
-              <a:schemeClr val="tx1"/>
-            </a:solidFill>
-            <a:tailEnd type="triangle"/>
-          </a:ln>
-        </p:spPr>
-        <p:style>
-          <a:lnRef idx="1">
-            <a:schemeClr val="accent1"/>
-          </a:lnRef>
-          <a:fillRef idx="0">
-            <a:schemeClr val="accent1"/>
-          </a:fillRef>
-          <a:effectRef idx="0">
-            <a:schemeClr val="accent1"/>
-          </a:effectRef>
-          <a:fontRef idx="minor">
-            <a:schemeClr val="tx1"/>
-          </a:fontRef>
-        </p:style>
-      </p:cxnSp>
-      <p:cxnSp>
-        <p:nvCxnSpPr>
-          <p:cNvPr id="105" name="Straight Arrow Connector 104"/>
-          <p:cNvCxnSpPr>
-            <a:stCxn id="38" idx="6"/>
-            <a:endCxn id="20" idx="2"/>
-          </p:cNvCxnSpPr>
-          <p:nvPr/>
-        </p:nvCxnSpPr>
-        <p:spPr>
           <a:xfrm flipV="1">
-            <a:off x="3442815" y="3633368"/>
-            <a:ext cx="3126020" cy="253827"/>
+            <a:off x="8236882" y="3187206"/>
+            <a:ext cx="744030" cy="1"/>
           </a:xfrm>
           <a:prstGeom prst="straightConnector1">
             <a:avLst/>
@@ -4987,26 +4931,21 @@
       </p:cxnSp>
       <p:cxnSp>
         <p:nvCxnSpPr>
-          <p:cNvPr id="108" name="Straight Arrow Connector 107"/>
-          <p:cNvCxnSpPr>
-            <a:stCxn id="54" idx="0"/>
-            <a:endCxn id="20" idx="5"/>
-          </p:cNvCxnSpPr>
+          <p:cNvPr id="76" name="Straight Arrow Connector 75"/>
+          <p:cNvCxnSpPr/>
           <p:nvPr/>
         </p:nvCxnSpPr>
         <p:spPr>
-          <a:xfrm flipH="1" flipV="1">
-            <a:off x="7922855" y="3866643"/>
-            <a:ext cx="1513452" cy="1839594"/>
+          <a:xfrm flipV="1">
+            <a:off x="8236882" y="2856034"/>
+            <a:ext cx="744030" cy="1"/>
           </a:xfrm>
           <a:prstGeom prst="straightConnector1">
             <a:avLst/>
           </a:prstGeom>
           <a:ln w="38100">
             <a:solidFill>
-              <a:schemeClr val="bg1">
-                <a:lumMod val="50000"/>
-              </a:schemeClr>
+              <a:schemeClr val="tx1"/>
             </a:solidFill>
             <a:tailEnd type="triangle"/>
           </a:ln>
@@ -5026,19 +4965,103 @@
           </a:fontRef>
         </p:style>
       </p:cxnSp>
+      <p:sp>
+        <p:nvSpPr>
+          <p:cNvPr id="68" name="TextBox 67"/>
+          <p:cNvSpPr txBox="1"/>
+          <p:nvPr/>
+        </p:nvSpPr>
+        <p:spPr>
+          <a:xfrm>
+            <a:off x="9030112" y="2671367"/>
+            <a:ext cx="1538563" cy="369332"/>
+          </a:xfrm>
+          <a:prstGeom prst="rect">
+            <a:avLst/>
+          </a:prstGeom>
+          <a:noFill/>
+        </p:spPr>
+        <p:txBody>
+          <a:bodyPr wrap="none" rtlCol="0">
+            <a:spAutoFit/>
+          </a:bodyPr>
+          <a:lstStyle/>
+          <a:p>
+            <a:r>
+              <a:rPr lang="pt-BR" dirty="0"/>
+              <a:t>Utiliza a classe</a:t>
+            </a:r>
+          </a:p>
+        </p:txBody>
+      </p:sp>
+      <p:sp>
+        <p:nvSpPr>
+          <p:cNvPr id="77" name="TextBox 76"/>
+          <p:cNvSpPr txBox="1"/>
+          <p:nvPr/>
+        </p:nvSpPr>
+        <p:spPr>
+          <a:xfrm>
+            <a:off x="9040997" y="3002539"/>
+            <a:ext cx="1775230" cy="369332"/>
+          </a:xfrm>
+          <a:prstGeom prst="rect">
+            <a:avLst/>
+          </a:prstGeom>
+          <a:noFill/>
+        </p:spPr>
+        <p:txBody>
+          <a:bodyPr wrap="none" rtlCol="0">
+            <a:spAutoFit/>
+          </a:bodyPr>
+          <a:lstStyle/>
+          <a:p>
+            <a:r>
+              <a:rPr lang="pt-BR" dirty="0"/>
+              <a:t>Utiliza o instance</a:t>
+            </a:r>
+          </a:p>
+        </p:txBody>
+      </p:sp>
+      <p:sp>
+        <p:nvSpPr>
+          <p:cNvPr id="78" name="TextBox 77"/>
+          <p:cNvSpPr txBox="1"/>
+          <p:nvPr/>
+        </p:nvSpPr>
+        <p:spPr>
+          <a:xfrm>
+            <a:off x="9051884" y="3333711"/>
+            <a:ext cx="2130391" cy="369332"/>
+          </a:xfrm>
+          <a:prstGeom prst="rect">
+            <a:avLst/>
+          </a:prstGeom>
+          <a:noFill/>
+        </p:spPr>
+        <p:txBody>
+          <a:bodyPr wrap="none" rtlCol="0">
+            <a:spAutoFit/>
+          </a:bodyPr>
+          <a:lstStyle/>
+          <a:p>
+            <a:r>
+              <a:rPr lang="pt-BR" dirty="0"/>
+              <a:t>Utiliza uma var static</a:t>
+            </a:r>
+          </a:p>
+        </p:txBody>
+      </p:sp>
       <p:cxnSp>
         <p:nvCxnSpPr>
-          <p:cNvPr id="89" name="Straight Arrow Connector 88"/>
-          <p:cNvCxnSpPr>
-            <a:stCxn id="45" idx="0"/>
-            <a:endCxn id="18" idx="4"/>
-          </p:cNvCxnSpPr>
+          <p:cNvPr id="79" name="Straight Arrow Connector 78"/>
+          <p:cNvCxnSpPr/>
           <p:nvPr/>
         </p:nvCxnSpPr>
         <p:spPr>
-          <a:xfrm flipH="1" flipV="1">
-            <a:off x="5485710" y="3339478"/>
-            <a:ext cx="128597" cy="2527908"/>
+          <a:xfrm flipV="1">
+            <a:off x="8236882" y="3849550"/>
+            <a:ext cx="744030" cy="1"/>
           </a:xfrm>
           <a:prstGeom prst="straightConnector1">
             <a:avLst/>
@@ -5066,94 +5089,16 @@
           </a:fontRef>
         </p:style>
       </p:cxnSp>
-      <p:cxnSp>
-        <p:nvCxnSpPr>
-          <p:cNvPr id="297" name="Straight Arrow Connector 296"/>
-          <p:cNvCxnSpPr/>
-          <p:nvPr/>
-        </p:nvCxnSpPr>
-        <p:spPr>
-          <a:xfrm flipV="1">
-            <a:off x="10390133" y="5983396"/>
-            <a:ext cx="744030" cy="1"/>
-          </a:xfrm>
-          <a:prstGeom prst="straightConnector1">
-            <a:avLst/>
-          </a:prstGeom>
-          <a:ln w="38100">
-            <a:solidFill>
-              <a:schemeClr val="bg1">
-                <a:lumMod val="50000"/>
-              </a:schemeClr>
-            </a:solidFill>
-            <a:prstDash val="dash"/>
-            <a:headEnd type="none" w="med" len="med"/>
-            <a:tailEnd type="none" w="med" len="med"/>
-          </a:ln>
-        </p:spPr>
-        <p:style>
-          <a:lnRef idx="1">
-            <a:schemeClr val="accent1"/>
-          </a:lnRef>
-          <a:fillRef idx="0">
-            <a:schemeClr val="accent1"/>
-          </a:fillRef>
-          <a:effectRef idx="0">
-            <a:schemeClr val="accent1"/>
-          </a:effectRef>
-          <a:fontRef idx="minor">
-            <a:schemeClr val="tx1"/>
-          </a:fontRef>
-        </p:style>
-      </p:cxnSp>
-      <p:cxnSp>
-        <p:nvCxnSpPr>
-          <p:cNvPr id="298" name="Straight Arrow Connector 297"/>
-          <p:cNvCxnSpPr/>
-          <p:nvPr/>
-        </p:nvCxnSpPr>
-        <p:spPr>
-          <a:xfrm flipV="1">
-            <a:off x="10390133" y="5652224"/>
-            <a:ext cx="744030" cy="1"/>
-          </a:xfrm>
-          <a:prstGeom prst="straightConnector1">
-            <a:avLst/>
-          </a:prstGeom>
-          <a:ln w="38100">
-            <a:solidFill>
-              <a:schemeClr val="tx1"/>
-            </a:solidFill>
-            <a:prstDash val="dash"/>
-            <a:headEnd type="none" w="med" len="med"/>
-            <a:tailEnd type="none" w="med" len="med"/>
-          </a:ln>
-        </p:spPr>
-        <p:style>
-          <a:lnRef idx="1">
-            <a:schemeClr val="accent1"/>
-          </a:lnRef>
-          <a:fillRef idx="0">
-            <a:schemeClr val="accent1"/>
-          </a:fillRef>
-          <a:effectRef idx="0">
-            <a:schemeClr val="accent1"/>
-          </a:effectRef>
-          <a:fontRef idx="minor">
-            <a:schemeClr val="tx1"/>
-          </a:fontRef>
-        </p:style>
-      </p:cxnSp>
-      <p:sp>
-        <p:nvSpPr>
-          <p:cNvPr id="299" name="TextBox 298"/>
+      <p:sp>
+        <p:nvSpPr>
+          <p:cNvPr id="80" name="TextBox 79"/>
           <p:cNvSpPr txBox="1"/>
           <p:nvPr/>
         </p:nvSpPr>
         <p:spPr>
           <a:xfrm>
-            <a:off x="11183363" y="5467557"/>
-            <a:ext cx="2088520" cy="369332"/>
+            <a:off x="9051884" y="3664883"/>
+            <a:ext cx="2250809" cy="369332"/>
           </a:xfrm>
           <a:prstGeom prst="rect">
             <a:avLst/>
@@ -5167,178 +5112,25 @@
           <a:lstStyle/>
           <a:p>
             <a:r>
-              <a:rPr lang="pt-BR" dirty="0" smtClean="0"/>
-              <a:t>Not from GameBase</a:t>
-            </a:r>
-            <a:endParaRPr lang="pt-BR" dirty="0"/>
-          </a:p>
-        </p:txBody>
-      </p:sp>
-      <p:sp>
-        <p:nvSpPr>
-          <p:cNvPr id="300" name="TextBox 299"/>
-          <p:cNvSpPr txBox="1"/>
-          <p:nvPr/>
-        </p:nvSpPr>
-        <p:spPr>
-          <a:xfrm>
-            <a:off x="11194248" y="5798729"/>
-            <a:ext cx="1600951" cy="369332"/>
-          </a:xfrm>
-          <a:prstGeom prst="rect">
-            <a:avLst/>
-          </a:prstGeom>
-          <a:noFill/>
-        </p:spPr>
-        <p:txBody>
-          <a:bodyPr wrap="none" rtlCol="0">
-            <a:spAutoFit/>
-          </a:bodyPr>
-          <a:lstStyle/>
-          <a:p>
-            <a:r>
-              <a:rPr lang="pt-BR" dirty="0" smtClean="0"/>
-              <a:t>From Singleton</a:t>
-            </a:r>
-            <a:endParaRPr lang="pt-BR" dirty="0"/>
+              <a:rPr lang="pt-BR" dirty="0"/>
+              <a:t>Utiliza uma func static</a:t>
+            </a:r>
           </a:p>
         </p:txBody>
       </p:sp>
       <p:cxnSp>
         <p:nvCxnSpPr>
-          <p:cNvPr id="371" name="Curved Connector 370"/>
+          <p:cNvPr id="94" name="Straight Arrow Connector 93"/>
           <p:cNvCxnSpPr>
-            <a:stCxn id="29" idx="3"/>
-            <a:endCxn id="26" idx="3"/>
+            <a:stCxn id="38" idx="6"/>
+            <a:endCxn id="18" idx="3"/>
           </p:cNvCxnSpPr>
           <p:nvPr/>
         </p:nvCxnSpPr>
         <p:spPr>
-          <a:xfrm rot="5400000" flipH="1">
-            <a:off x="400847" y="1383100"/>
-            <a:ext cx="5954054" cy="6291122"/>
-          </a:xfrm>
-          <a:prstGeom prst="curvedConnector3">
-            <a:avLst>
-              <a:gd name="adj1" fmla="val -7839"/>
-            </a:avLst>
-          </a:prstGeom>
-          <a:ln w="28575">
-            <a:solidFill>
-              <a:schemeClr val="tx1"/>
-            </a:solidFill>
-            <a:headEnd type="triangle" w="med" len="med"/>
-            <a:tailEnd type="none" w="med" len="med"/>
-          </a:ln>
-        </p:spPr>
-        <p:style>
-          <a:lnRef idx="1">
-            <a:schemeClr val="accent1"/>
-          </a:lnRef>
-          <a:fillRef idx="0">
-            <a:schemeClr val="accent1"/>
-          </a:fillRef>
-          <a:effectRef idx="0">
-            <a:schemeClr val="accent1"/>
-          </a:effectRef>
-          <a:fontRef idx="minor">
-            <a:schemeClr val="tx1"/>
-          </a:fontRef>
-        </p:style>
-      </p:cxnSp>
-      <p:cxnSp>
-        <p:nvCxnSpPr>
-          <p:cNvPr id="60" name="Straight Arrow Connector 59"/>
-          <p:cNvCxnSpPr>
-            <a:stCxn id="20" idx="7"/>
-            <a:endCxn id="88" idx="4"/>
-          </p:cNvCxnSpPr>
-          <p:nvPr/>
-        </p:nvCxnSpPr>
-        <p:spPr>
           <a:xfrm flipV="1">
-            <a:off x="7922855" y="2740289"/>
-            <a:ext cx="132056" cy="659803"/>
-          </a:xfrm>
-          <a:prstGeom prst="straightConnector1">
-            <a:avLst/>
-          </a:prstGeom>
-          <a:ln w="38100">
-            <a:solidFill>
-              <a:schemeClr val="tx1"/>
-            </a:solidFill>
-            <a:tailEnd type="triangle"/>
-          </a:ln>
-        </p:spPr>
-        <p:style>
-          <a:lnRef idx="1">
-            <a:schemeClr val="accent1"/>
-          </a:lnRef>
-          <a:fillRef idx="0">
-            <a:schemeClr val="accent1"/>
-          </a:fillRef>
-          <a:effectRef idx="0">
-            <a:schemeClr val="accent1"/>
-          </a:effectRef>
-          <a:fontRef idx="minor">
-            <a:schemeClr val="tx1"/>
-          </a:fontRef>
-        </p:style>
-      </p:cxnSp>
-      <p:cxnSp>
-        <p:nvCxnSpPr>
-          <p:cNvPr id="3" name="Curved Connector 2"/>
-          <p:cNvCxnSpPr>
-            <a:stCxn id="45" idx="6"/>
-            <a:endCxn id="88" idx="5"/>
-          </p:cNvCxnSpPr>
-          <p:nvPr/>
-        </p:nvCxnSpPr>
-        <p:spPr>
-          <a:xfrm flipV="1">
-            <a:off x="6407473" y="2643663"/>
-            <a:ext cx="2208291" cy="3553625"/>
-          </a:xfrm>
-          <a:prstGeom prst="curvedConnector2">
-            <a:avLst/>
-          </a:prstGeom>
-          <a:ln w="28575">
-            <a:solidFill>
-              <a:schemeClr val="bg1">
-                <a:lumMod val="50000"/>
-              </a:schemeClr>
-            </a:solidFill>
-            <a:tailEnd type="triangle"/>
-          </a:ln>
-        </p:spPr>
-        <p:style>
-          <a:lnRef idx="1">
-            <a:schemeClr val="accent1"/>
-          </a:lnRef>
-          <a:fillRef idx="0">
-            <a:schemeClr val="accent1"/>
-          </a:fillRef>
-          <a:effectRef idx="0">
-            <a:schemeClr val="accent1"/>
-          </a:effectRef>
-          <a:fontRef idx="minor">
-            <a:schemeClr val="tx1"/>
-          </a:fontRef>
-        </p:style>
-      </p:cxnSp>
-      <p:cxnSp>
-        <p:nvCxnSpPr>
-          <p:cNvPr id="61" name="Straight Arrow Connector 60"/>
-          <p:cNvCxnSpPr>
-            <a:stCxn id="24" idx="6"/>
-            <a:endCxn id="18" idx="2"/>
-          </p:cNvCxnSpPr>
-          <p:nvPr/>
-        </p:nvCxnSpPr>
-        <p:spPr>
-          <a:xfrm>
-            <a:off x="3442815" y="2991429"/>
-            <a:ext cx="1249728" cy="18148"/>
+            <a:off x="5100976" y="4614637"/>
+            <a:ext cx="976060" cy="789562"/>
           </a:xfrm>
           <a:prstGeom prst="straightConnector1">
             <a:avLst/>
@@ -5368,27 +5160,28 @@
       </p:cxnSp>
       <p:cxnSp>
         <p:nvCxnSpPr>
-          <p:cNvPr id="70" name="Straight Arrow Connector 69"/>
+          <p:cNvPr id="106" name="Elbow Connector 105"/>
           <p:cNvCxnSpPr>
-            <a:stCxn id="24" idx="5"/>
-            <a:endCxn id="20" idx="2"/>
+            <a:stCxn id="45" idx="6"/>
+            <a:endCxn id="18" idx="6"/>
           </p:cNvCxnSpPr>
           <p:nvPr/>
         </p:nvCxnSpPr>
         <p:spPr>
-          <a:xfrm>
-            <a:off x="3210502" y="3224704"/>
-            <a:ext cx="3358333" cy="408664"/>
-          </a:xfrm>
-          <a:prstGeom prst="straightConnector1">
-            <a:avLst/>
+          <a:xfrm flipH="1" flipV="1">
+            <a:off x="7431056" y="4381362"/>
+            <a:ext cx="283" cy="1022836"/>
+          </a:xfrm>
+          <a:prstGeom prst="bentConnector3">
+            <a:avLst>
+              <a:gd name="adj1" fmla="val -80777385"/>
+            </a:avLst>
           </a:prstGeom>
           <a:ln w="38100">
             <a:solidFill>
-              <a:schemeClr val="bg1">
-                <a:lumMod val="50000"/>
-              </a:schemeClr>
+              <a:srgbClr val="00B0F0"/>
             </a:solidFill>
+            <a:prstDash val="sysDash"/>
             <a:tailEnd type="triangle"/>
           </a:ln>
         </p:spPr>
@@ -5407,74 +5200,19 @@
           </a:fontRef>
         </p:style>
       </p:cxnSp>
-      <p:sp>
-        <p:nvSpPr>
-          <p:cNvPr id="63" name="Oval 62"/>
-          <p:cNvSpPr/>
-          <p:nvPr/>
-        </p:nvSpPr>
-        <p:spPr>
-          <a:xfrm>
-            <a:off x="1191912" y="4871687"/>
-            <a:ext cx="1586333" cy="659803"/>
-          </a:xfrm>
-          <a:prstGeom prst="ellipse">
-            <a:avLst/>
-          </a:prstGeom>
-          <a:ln w="28575">
-            <a:solidFill>
-              <a:schemeClr val="tx1"/>
-            </a:solidFill>
-            <a:prstDash val="dash"/>
-          </a:ln>
-        </p:spPr>
-        <p:style>
-          <a:lnRef idx="1">
-            <a:schemeClr val="accent2"/>
-          </a:lnRef>
-          <a:fillRef idx="2">
-            <a:schemeClr val="accent2"/>
-          </a:fillRef>
-          <a:effectRef idx="1">
-            <a:schemeClr val="accent2"/>
-          </a:effectRef>
-          <a:fontRef idx="minor">
-            <a:schemeClr val="dk1"/>
-          </a:fontRef>
-        </p:style>
-        <p:txBody>
-          <a:bodyPr rtlCol="0" anchor="ctr"/>
-          <a:lstStyle/>
-          <a:p>
-            <a:pPr algn="ctr"/>
-            <a:r>
-              <a:rPr lang="pt-BR" sz="1492" dirty="0" smtClean="0"/>
-              <a:t>Mini</a:t>
-            </a:r>
-          </a:p>
-          <a:p>
-            <a:pPr algn="ctr"/>
-            <a:r>
-              <a:rPr lang="pt-BR" sz="1492" dirty="0" smtClean="0"/>
-              <a:t>Map</a:t>
-            </a:r>
-            <a:endParaRPr lang="pt-BR" sz="1492" dirty="0"/>
-          </a:p>
-        </p:txBody>
-      </p:sp>
       <p:cxnSp>
         <p:nvCxnSpPr>
-          <p:cNvPr id="64" name="Straight Arrow Connector 63"/>
+          <p:cNvPr id="109" name="Straight Arrow Connector 108"/>
           <p:cNvCxnSpPr>
-            <a:stCxn id="38" idx="3"/>
-            <a:endCxn id="63" idx="0"/>
+            <a:stCxn id="20" idx="4"/>
+            <a:endCxn id="24" idx="1"/>
           </p:cNvCxnSpPr>
           <p:nvPr/>
         </p:nvCxnSpPr>
         <p:spPr>
-          <a:xfrm flipH="1">
-            <a:off x="1985079" y="4120470"/>
-            <a:ext cx="103716" cy="751217"/>
+          <a:xfrm>
+            <a:off x="4307810" y="2689743"/>
+            <a:ext cx="1769511" cy="447583"/>
           </a:xfrm>
           <a:prstGeom prst="straightConnector1">
             <a:avLst/>
@@ -5503,26 +5241,27 @@
       </p:cxnSp>
       <p:cxnSp>
         <p:nvCxnSpPr>
-          <p:cNvPr id="72" name="Straight Arrow Connector 71"/>
+          <p:cNvPr id="130" name="Elbow Connector 129"/>
           <p:cNvCxnSpPr>
-            <a:stCxn id="63" idx="7"/>
-            <a:endCxn id="20" idx="3"/>
+            <a:stCxn id="26" idx="6"/>
+            <a:endCxn id="38" idx="7"/>
           </p:cNvCxnSpPr>
           <p:nvPr/>
         </p:nvCxnSpPr>
         <p:spPr>
-          <a:xfrm flipV="1">
-            <a:off x="2545932" y="3866643"/>
-            <a:ext cx="4255216" cy="1101670"/>
-          </a:xfrm>
-          <a:prstGeom prst="straightConnector1">
-            <a:avLst/>
+          <a:xfrm flipH="1">
+            <a:off x="4868663" y="3369197"/>
+            <a:ext cx="232028" cy="1801726"/>
+          </a:xfrm>
+          <a:prstGeom prst="bentConnector4">
+            <a:avLst>
+              <a:gd name="adj1" fmla="val -32841"/>
+              <a:gd name="adj2" fmla="val 98767"/>
+            </a:avLst>
           </a:prstGeom>
           <a:ln w="38100">
             <a:solidFill>
-              <a:schemeClr val="bg1">
-                <a:lumMod val="50000"/>
-              </a:schemeClr>
+              <a:schemeClr val="tx1"/>
             </a:solidFill>
             <a:tailEnd type="triangle"/>
           </a:ln>
@@ -5542,10 +5281,50 @@
           </a:fontRef>
         </p:style>
       </p:cxnSp>
+      <p:sp>
+        <p:nvSpPr>
+          <p:cNvPr id="138" name="Down Arrow 137"/>
+          <p:cNvSpPr/>
+          <p:nvPr/>
+        </p:nvSpPr>
+        <p:spPr>
+          <a:xfrm rot="5400000" flipV="1">
+            <a:off x="7602454" y="2094911"/>
+            <a:ext cx="209276" cy="541378"/>
+          </a:xfrm>
+          <a:prstGeom prst="downArrow">
+            <a:avLst/>
+          </a:prstGeom>
+        </p:spPr>
+        <p:style>
+          <a:lnRef idx="2">
+            <a:schemeClr val="accent3">
+              <a:shade val="50000"/>
+            </a:schemeClr>
+          </a:lnRef>
+          <a:fillRef idx="1">
+            <a:schemeClr val="accent3"/>
+          </a:fillRef>
+          <a:effectRef idx="0">
+            <a:schemeClr val="accent3"/>
+          </a:effectRef>
+          <a:fontRef idx="minor">
+            <a:schemeClr val="lt1"/>
+          </a:fontRef>
+        </p:style>
+        <p:txBody>
+          <a:bodyPr rtlCol="0" anchor="ctr"/>
+          <a:lstStyle/>
+          <a:p>
+            <a:pPr algn="ctr"/>
+            <a:endParaRPr lang="pt-BR" sz="1492"/>
+          </a:p>
+        </p:txBody>
+      </p:sp>
     </p:spTree>
     <p:extLst>
       <p:ext uri="{BB962C8B-B14F-4D97-AF65-F5344CB8AC3E}">
-        <p14:creationId xmlns:p14="http://schemas.microsoft.com/office/powerpoint/2010/main" val="1787979404"/>
+        <p14:creationId xmlns:p14="http://schemas.microsoft.com/office/powerpoint/2010/main" val="3386064608"/>
       </p:ext>
     </p:extLst>
   </p:cSld>
@@ -5574,19 +5353,370 @@
       </p:grpSpPr>
       <p:sp>
         <p:nvSpPr>
-          <p:cNvPr id="64" name="Rectangle 63"/>
+          <p:cNvPr id="18" name="Oval 17"/>
           <p:cNvSpPr/>
           <p:nvPr/>
         </p:nvSpPr>
         <p:spPr>
           <a:xfrm>
-            <a:off x="3339842" y="2019296"/>
-            <a:ext cx="2084368" cy="1829927"/>
-          </a:xfrm>
-          <a:prstGeom prst="rect">
-            <a:avLst/>
-          </a:prstGeom>
-          <a:noFill/>
+            <a:off x="4692543" y="2679675"/>
+            <a:ext cx="1586333" cy="659803"/>
+          </a:xfrm>
+          <a:prstGeom prst="ellipse">
+            <a:avLst/>
+          </a:prstGeom>
+        </p:spPr>
+        <p:style>
+          <a:lnRef idx="2">
+            <a:schemeClr val="accent4">
+              <a:shade val="50000"/>
+            </a:schemeClr>
+          </a:lnRef>
+          <a:fillRef idx="1">
+            <a:schemeClr val="accent4"/>
+          </a:fillRef>
+          <a:effectRef idx="0">
+            <a:schemeClr val="accent4"/>
+          </a:effectRef>
+          <a:fontRef idx="minor">
+            <a:schemeClr val="lt1"/>
+          </a:fontRef>
+        </p:style>
+        <p:txBody>
+          <a:bodyPr rtlCol="0" anchor="ctr"/>
+          <a:lstStyle/>
+          <a:p>
+            <a:pPr algn="ctr"/>
+            <a:r>
+              <a:rPr lang="pt-BR" sz="1492" dirty="0"/>
+              <a:t>Choice</a:t>
+            </a:r>
+          </a:p>
+        </p:txBody>
+      </p:sp>
+      <p:sp>
+        <p:nvSpPr>
+          <p:cNvPr id="19" name="Oval 18"/>
+          <p:cNvSpPr/>
+          <p:nvPr/>
+        </p:nvSpPr>
+        <p:spPr>
+          <a:xfrm>
+            <a:off x="3581358" y="1804406"/>
+            <a:ext cx="1586333" cy="659803"/>
+          </a:xfrm>
+          <a:prstGeom prst="ellipse">
+            <a:avLst/>
+          </a:prstGeom>
+        </p:spPr>
+        <p:style>
+          <a:lnRef idx="2">
+            <a:schemeClr val="accent6">
+              <a:shade val="50000"/>
+            </a:schemeClr>
+          </a:lnRef>
+          <a:fillRef idx="1">
+            <a:schemeClr val="accent6"/>
+          </a:fillRef>
+          <a:effectRef idx="0">
+            <a:schemeClr val="accent6"/>
+          </a:effectRef>
+          <a:fontRef idx="minor">
+            <a:schemeClr val="lt1"/>
+          </a:fontRef>
+        </p:style>
+        <p:txBody>
+          <a:bodyPr rtlCol="0" anchor="ctr"/>
+          <a:lstStyle/>
+          <a:p>
+            <a:pPr algn="ctr"/>
+            <a:r>
+              <a:rPr lang="pt-BR" sz="1492" dirty="0"/>
+              <a:t>Card</a:t>
+            </a:r>
+          </a:p>
+        </p:txBody>
+      </p:sp>
+      <p:sp>
+        <p:nvSpPr>
+          <p:cNvPr id="20" name="Oval 19"/>
+          <p:cNvSpPr/>
+          <p:nvPr/>
+        </p:nvSpPr>
+        <p:spPr>
+          <a:xfrm>
+            <a:off x="6568835" y="3303466"/>
+            <a:ext cx="1586333" cy="659803"/>
+          </a:xfrm>
+          <a:prstGeom prst="ellipse">
+            <a:avLst/>
+          </a:prstGeom>
+          <a:ln w="38100">
+            <a:solidFill>
+              <a:schemeClr val="bg1">
+                <a:lumMod val="50000"/>
+              </a:schemeClr>
+            </a:solidFill>
+            <a:prstDash val="dash"/>
+          </a:ln>
+        </p:spPr>
+        <p:style>
+          <a:lnRef idx="3">
+            <a:schemeClr val="lt1"/>
+          </a:lnRef>
+          <a:fillRef idx="1">
+            <a:schemeClr val="accent2"/>
+          </a:fillRef>
+          <a:effectRef idx="1">
+            <a:schemeClr val="accent2"/>
+          </a:effectRef>
+          <a:fontRef idx="minor">
+            <a:schemeClr val="lt1"/>
+          </a:fontRef>
+        </p:style>
+        <p:txBody>
+          <a:bodyPr rtlCol="0" anchor="ctr"/>
+          <a:lstStyle/>
+          <a:p>
+            <a:pPr algn="ctr"/>
+            <a:r>
+              <a:rPr lang="pt-BR" sz="1492" dirty="0"/>
+              <a:t>Control Manager</a:t>
+            </a:r>
+          </a:p>
+        </p:txBody>
+      </p:sp>
+      <p:sp>
+        <p:nvSpPr>
+          <p:cNvPr id="21" name="Oval 20"/>
+          <p:cNvSpPr/>
+          <p:nvPr/>
+        </p:nvSpPr>
+        <p:spPr>
+          <a:xfrm>
+            <a:off x="4519149" y="442094"/>
+            <a:ext cx="1586333" cy="659803"/>
+          </a:xfrm>
+          <a:prstGeom prst="ellipse">
+            <a:avLst/>
+          </a:prstGeom>
+        </p:spPr>
+        <p:style>
+          <a:lnRef idx="2">
+            <a:schemeClr val="accent6">
+              <a:shade val="50000"/>
+            </a:schemeClr>
+          </a:lnRef>
+          <a:fillRef idx="1">
+            <a:schemeClr val="accent6"/>
+          </a:fillRef>
+          <a:effectRef idx="0">
+            <a:schemeClr val="accent6"/>
+          </a:effectRef>
+          <a:fontRef idx="minor">
+            <a:schemeClr val="lt1"/>
+          </a:fontRef>
+        </p:style>
+        <p:txBody>
+          <a:bodyPr rtlCol="0" anchor="ctr"/>
+          <a:lstStyle/>
+          <a:p>
+            <a:pPr algn="ctr"/>
+            <a:r>
+              <a:rPr lang="pt-BR" sz="1492" dirty="0"/>
+              <a:t>Dealer</a:t>
+            </a:r>
+          </a:p>
+        </p:txBody>
+      </p:sp>
+      <p:sp>
+        <p:nvSpPr>
+          <p:cNvPr id="22" name="Oval 21"/>
+          <p:cNvSpPr/>
+          <p:nvPr/>
+        </p:nvSpPr>
+        <p:spPr>
+          <a:xfrm>
+            <a:off x="2586077" y="5489018"/>
+            <a:ext cx="1586333" cy="659803"/>
+          </a:xfrm>
+          <a:prstGeom prst="ellipse">
+            <a:avLst/>
+          </a:prstGeom>
+        </p:spPr>
+        <p:style>
+          <a:lnRef idx="2">
+            <a:schemeClr val="accent5">
+              <a:shade val="50000"/>
+            </a:schemeClr>
+          </a:lnRef>
+          <a:fillRef idx="1">
+            <a:schemeClr val="accent5"/>
+          </a:fillRef>
+          <a:effectRef idx="0">
+            <a:schemeClr val="accent5"/>
+          </a:effectRef>
+          <a:fontRef idx="minor">
+            <a:schemeClr val="lt1"/>
+          </a:fontRef>
+        </p:style>
+        <p:txBody>
+          <a:bodyPr rtlCol="0" anchor="ctr"/>
+          <a:lstStyle/>
+          <a:p>
+            <a:pPr algn="ctr"/>
+            <a:r>
+              <a:rPr lang="pt-BR" sz="1492" dirty="0"/>
+              <a:t>Hide / Show</a:t>
+            </a:r>
+          </a:p>
+        </p:txBody>
+      </p:sp>
+      <p:sp>
+        <p:nvSpPr>
+          <p:cNvPr id="23" name="Oval 22"/>
+          <p:cNvSpPr/>
+          <p:nvPr/>
+        </p:nvSpPr>
+        <p:spPr>
+          <a:xfrm>
+            <a:off x="1655569" y="127654"/>
+            <a:ext cx="1586333" cy="659803"/>
+          </a:xfrm>
+          <a:prstGeom prst="ellipse">
+            <a:avLst/>
+          </a:prstGeom>
+        </p:spPr>
+        <p:style>
+          <a:lnRef idx="3">
+            <a:schemeClr val="lt1"/>
+          </a:lnRef>
+          <a:fillRef idx="1">
+            <a:schemeClr val="accent2"/>
+          </a:fillRef>
+          <a:effectRef idx="1">
+            <a:schemeClr val="accent2"/>
+          </a:effectRef>
+          <a:fontRef idx="minor">
+            <a:schemeClr val="lt1"/>
+          </a:fontRef>
+        </p:style>
+        <p:txBody>
+          <a:bodyPr rtlCol="0" anchor="ctr"/>
+          <a:lstStyle/>
+          <a:p>
+            <a:pPr algn="ctr"/>
+            <a:r>
+              <a:rPr lang="pt-BR" sz="1492" dirty="0">
+                <a:solidFill>
+                  <a:schemeClr val="bg1"/>
+                </a:solidFill>
+              </a:rPr>
+              <a:t>Challenge Manager</a:t>
+            </a:r>
+          </a:p>
+        </p:txBody>
+      </p:sp>
+      <p:sp>
+        <p:nvSpPr>
+          <p:cNvPr id="24" name="Oval 23"/>
+          <p:cNvSpPr/>
+          <p:nvPr/>
+        </p:nvSpPr>
+        <p:spPr>
+          <a:xfrm>
+            <a:off x="1856482" y="2661527"/>
+            <a:ext cx="1586333" cy="659803"/>
+          </a:xfrm>
+          <a:prstGeom prst="ellipse">
+            <a:avLst/>
+          </a:prstGeom>
+        </p:spPr>
+        <p:style>
+          <a:lnRef idx="2">
+            <a:schemeClr val="accent4">
+              <a:shade val="50000"/>
+            </a:schemeClr>
+          </a:lnRef>
+          <a:fillRef idx="1">
+            <a:schemeClr val="accent4"/>
+          </a:fillRef>
+          <a:effectRef idx="0">
+            <a:schemeClr val="accent4"/>
+          </a:effectRef>
+          <a:fontRef idx="minor">
+            <a:schemeClr val="lt1"/>
+          </a:fontRef>
+        </p:style>
+        <p:txBody>
+          <a:bodyPr rtlCol="0" anchor="ctr"/>
+          <a:lstStyle/>
+          <a:p>
+            <a:pPr algn="ctr"/>
+            <a:r>
+              <a:rPr lang="pt-BR" sz="1492" dirty="0"/>
+              <a:t>Logger</a:t>
+            </a:r>
+          </a:p>
+        </p:txBody>
+      </p:sp>
+      <p:sp>
+        <p:nvSpPr>
+          <p:cNvPr id="25" name="Oval 24"/>
+          <p:cNvSpPr/>
+          <p:nvPr/>
+        </p:nvSpPr>
+        <p:spPr>
+          <a:xfrm>
+            <a:off x="1906835" y="1305840"/>
+            <a:ext cx="1586333" cy="659803"/>
+          </a:xfrm>
+          <a:prstGeom prst="ellipse">
+            <a:avLst/>
+          </a:prstGeom>
+        </p:spPr>
+        <p:style>
+          <a:lnRef idx="2">
+            <a:schemeClr val="accent5">
+              <a:shade val="50000"/>
+            </a:schemeClr>
+          </a:lnRef>
+          <a:fillRef idx="1">
+            <a:schemeClr val="accent5"/>
+          </a:fillRef>
+          <a:effectRef idx="0">
+            <a:schemeClr val="accent5"/>
+          </a:effectRef>
+          <a:fontRef idx="minor">
+            <a:schemeClr val="lt1"/>
+          </a:fontRef>
+        </p:style>
+        <p:txBody>
+          <a:bodyPr rtlCol="0" anchor="ctr"/>
+          <a:lstStyle/>
+          <a:p>
+            <a:pPr algn="ctr"/>
+            <a:r>
+              <a:rPr lang="pt-BR" sz="1492" dirty="0"/>
+              <a:t>Motion</a:t>
+            </a:r>
+          </a:p>
+        </p:txBody>
+      </p:sp>
+      <p:sp>
+        <p:nvSpPr>
+          <p:cNvPr id="26" name="Oval 25"/>
+          <p:cNvSpPr/>
+          <p:nvPr/>
+        </p:nvSpPr>
+        <p:spPr>
+          <a:xfrm>
+            <a:off x="0" y="988457"/>
+            <a:ext cx="1586333" cy="659803"/>
+          </a:xfrm>
+          <a:prstGeom prst="ellipse">
+            <a:avLst/>
+          </a:prstGeom>
           <a:ln w="28575">
             <a:solidFill>
               <a:schemeClr val="tx1">
@@ -5598,401 +5728,17 @@
           </a:ln>
         </p:spPr>
         <p:style>
-          <a:lnRef idx="2">
-            <a:schemeClr val="accent1">
-              <a:shade val="50000"/>
-            </a:schemeClr>
-          </a:lnRef>
-          <a:fillRef idx="1">
-            <a:schemeClr val="accent1"/>
-          </a:fillRef>
-          <a:effectRef idx="0">
-            <a:schemeClr val="accent1"/>
-          </a:effectRef>
-          <a:fontRef idx="minor">
-            <a:schemeClr val="lt1"/>
-          </a:fontRef>
-        </p:style>
-        <p:txBody>
-          <a:bodyPr rtlCol="0" anchor="ctr"/>
-          <a:lstStyle/>
-          <a:p>
-            <a:pPr algn="ctr"/>
-            <a:endParaRPr lang="pt-BR" sz="1492"/>
-          </a:p>
-        </p:txBody>
-      </p:sp>
-      <p:sp>
-        <p:nvSpPr>
-          <p:cNvPr id="18" name="Oval 17"/>
-          <p:cNvSpPr/>
-          <p:nvPr/>
-        </p:nvSpPr>
-        <p:spPr>
-          <a:xfrm>
-            <a:off x="5844723" y="4051460"/>
-            <a:ext cx="1586333" cy="659803"/>
-          </a:xfrm>
-          <a:prstGeom prst="ellipse">
-            <a:avLst/>
-          </a:prstGeom>
-        </p:spPr>
-        <p:style>
-          <a:lnRef idx="2">
-            <a:schemeClr val="accent4">
-              <a:shade val="50000"/>
-            </a:schemeClr>
-          </a:lnRef>
-          <a:fillRef idx="1">
-            <a:schemeClr val="accent4"/>
-          </a:fillRef>
-          <a:effectRef idx="0">
-            <a:schemeClr val="accent4"/>
-          </a:effectRef>
-          <a:fontRef idx="minor">
-            <a:schemeClr val="lt1"/>
-          </a:fontRef>
-        </p:style>
-        <p:txBody>
-          <a:bodyPr rtlCol="0" anchor="ctr"/>
-          <a:lstStyle/>
-          <a:p>
-            <a:pPr algn="ctr"/>
-            <a:r>
-              <a:rPr lang="pt-BR" sz="1492" dirty="0"/>
-              <a:t>Choice</a:t>
-            </a:r>
-          </a:p>
-        </p:txBody>
-      </p:sp>
-      <p:sp>
-        <p:nvSpPr>
-          <p:cNvPr id="19" name="Oval 18"/>
-          <p:cNvSpPr/>
-          <p:nvPr/>
-        </p:nvSpPr>
-        <p:spPr>
-          <a:xfrm>
-            <a:off x="1184277" y="2029940"/>
-            <a:ext cx="1586333" cy="659803"/>
-          </a:xfrm>
-          <a:prstGeom prst="ellipse">
-            <a:avLst/>
-          </a:prstGeom>
-        </p:spPr>
-        <p:style>
-          <a:lnRef idx="2">
-            <a:schemeClr val="accent6">
-              <a:shade val="50000"/>
-            </a:schemeClr>
-          </a:lnRef>
-          <a:fillRef idx="1">
-            <a:schemeClr val="accent6"/>
-          </a:fillRef>
-          <a:effectRef idx="0">
-            <a:schemeClr val="accent6"/>
-          </a:effectRef>
-          <a:fontRef idx="minor">
-            <a:schemeClr val="lt1"/>
-          </a:fontRef>
-        </p:style>
-        <p:txBody>
-          <a:bodyPr rtlCol="0" anchor="ctr"/>
-          <a:lstStyle/>
-          <a:p>
-            <a:pPr algn="ctr"/>
-            <a:r>
-              <a:rPr lang="pt-BR" sz="1492" dirty="0"/>
-              <a:t>Card</a:t>
-            </a:r>
-          </a:p>
-        </p:txBody>
-      </p:sp>
-      <p:sp>
-        <p:nvSpPr>
-          <p:cNvPr id="20" name="Oval 19"/>
-          <p:cNvSpPr/>
-          <p:nvPr/>
-        </p:nvSpPr>
-        <p:spPr>
-          <a:xfrm>
-            <a:off x="3514643" y="2029940"/>
-            <a:ext cx="1586333" cy="659803"/>
-          </a:xfrm>
-          <a:prstGeom prst="ellipse">
-            <a:avLst/>
-          </a:prstGeom>
-        </p:spPr>
-        <p:style>
-          <a:lnRef idx="3">
-            <a:schemeClr val="lt1"/>
-          </a:lnRef>
-          <a:fillRef idx="1">
+          <a:lnRef idx="1">
+            <a:schemeClr val="accent2"/>
+          </a:lnRef>
+          <a:fillRef idx="2">
             <a:schemeClr val="accent2"/>
           </a:fillRef>
           <a:effectRef idx="1">
             <a:schemeClr val="accent2"/>
           </a:effectRef>
           <a:fontRef idx="minor">
-            <a:schemeClr val="lt1"/>
-          </a:fontRef>
-        </p:style>
-        <p:txBody>
-          <a:bodyPr rtlCol="0" anchor="ctr"/>
-          <a:lstStyle/>
-          <a:p>
-            <a:pPr algn="ctr"/>
-            <a:r>
-              <a:rPr lang="pt-BR" sz="1492" dirty="0"/>
-              <a:t>Control Manager</a:t>
-            </a:r>
-          </a:p>
-        </p:txBody>
-      </p:sp>
-      <p:sp>
-        <p:nvSpPr>
-          <p:cNvPr id="21" name="Oval 20"/>
-          <p:cNvSpPr/>
-          <p:nvPr/>
-        </p:nvSpPr>
-        <p:spPr>
-          <a:xfrm>
-            <a:off x="1184277" y="3040700"/>
-            <a:ext cx="1586333" cy="659803"/>
-          </a:xfrm>
-          <a:prstGeom prst="ellipse">
-            <a:avLst/>
-          </a:prstGeom>
-        </p:spPr>
-        <p:style>
-          <a:lnRef idx="2">
-            <a:schemeClr val="accent6">
-              <a:shade val="50000"/>
-            </a:schemeClr>
-          </a:lnRef>
-          <a:fillRef idx="1">
-            <a:schemeClr val="accent6"/>
-          </a:fillRef>
-          <a:effectRef idx="0">
-            <a:schemeClr val="accent6"/>
-          </a:effectRef>
-          <a:fontRef idx="minor">
-            <a:schemeClr val="lt1"/>
-          </a:fontRef>
-        </p:style>
-        <p:txBody>
-          <a:bodyPr rtlCol="0" anchor="ctr"/>
-          <a:lstStyle/>
-          <a:p>
-            <a:pPr algn="ctr"/>
-            <a:r>
-              <a:rPr lang="pt-BR" sz="1492" dirty="0"/>
-              <a:t>Dealer</a:t>
-            </a:r>
-          </a:p>
-        </p:txBody>
-      </p:sp>
-      <p:sp>
-        <p:nvSpPr>
-          <p:cNvPr id="22" name="Oval 21"/>
-          <p:cNvSpPr/>
-          <p:nvPr/>
-        </p:nvSpPr>
-        <p:spPr>
-          <a:xfrm>
-            <a:off x="1184277" y="5062223"/>
-            <a:ext cx="1586333" cy="659803"/>
-          </a:xfrm>
-          <a:prstGeom prst="ellipse">
-            <a:avLst/>
-          </a:prstGeom>
-        </p:spPr>
-        <p:style>
-          <a:lnRef idx="2">
-            <a:schemeClr val="accent5">
-              <a:shade val="50000"/>
-            </a:schemeClr>
-          </a:lnRef>
-          <a:fillRef idx="1">
-            <a:schemeClr val="accent5"/>
-          </a:fillRef>
-          <a:effectRef idx="0">
-            <a:schemeClr val="accent5"/>
-          </a:effectRef>
-          <a:fontRef idx="minor">
-            <a:schemeClr val="lt1"/>
-          </a:fontRef>
-        </p:style>
-        <p:txBody>
-          <a:bodyPr rtlCol="0" anchor="ctr"/>
-          <a:lstStyle/>
-          <a:p>
-            <a:pPr algn="ctr"/>
-            <a:r>
-              <a:rPr lang="pt-BR" sz="1492" dirty="0"/>
-              <a:t>Hide / Show</a:t>
-            </a:r>
-          </a:p>
-        </p:txBody>
-      </p:sp>
-      <p:sp>
-        <p:nvSpPr>
-          <p:cNvPr id="23" name="Oval 22"/>
-          <p:cNvSpPr/>
-          <p:nvPr/>
-        </p:nvSpPr>
-        <p:spPr>
-          <a:xfrm>
-            <a:off x="3520993" y="4050054"/>
-            <a:ext cx="1586333" cy="659803"/>
-          </a:xfrm>
-          <a:prstGeom prst="ellipse">
-            <a:avLst/>
-          </a:prstGeom>
-        </p:spPr>
-        <p:style>
-          <a:lnRef idx="3">
-            <a:schemeClr val="lt1"/>
-          </a:lnRef>
-          <a:fillRef idx="1">
-            <a:schemeClr val="accent2"/>
-          </a:fillRef>
-          <a:effectRef idx="1">
-            <a:schemeClr val="accent2"/>
-          </a:effectRef>
-          <a:fontRef idx="minor">
-            <a:schemeClr val="lt1"/>
-          </a:fontRef>
-        </p:style>
-        <p:txBody>
-          <a:bodyPr rtlCol="0" anchor="ctr"/>
-          <a:lstStyle/>
-          <a:p>
-            <a:pPr algn="ctr"/>
-            <a:r>
-              <a:rPr lang="pt-BR" sz="1492" dirty="0">
-                <a:solidFill>
-                  <a:schemeClr val="bg1"/>
-                </a:solidFill>
-              </a:rPr>
-              <a:t>Challenge Manager</a:t>
-            </a:r>
-          </a:p>
-        </p:txBody>
-      </p:sp>
-      <p:sp>
-        <p:nvSpPr>
-          <p:cNvPr id="24" name="Oval 23"/>
-          <p:cNvSpPr/>
-          <p:nvPr/>
-        </p:nvSpPr>
-        <p:spPr>
-          <a:xfrm>
-            <a:off x="5845008" y="3040700"/>
-            <a:ext cx="1586333" cy="659803"/>
-          </a:xfrm>
-          <a:prstGeom prst="ellipse">
-            <a:avLst/>
-          </a:prstGeom>
-        </p:spPr>
-        <p:style>
-          <a:lnRef idx="2">
-            <a:schemeClr val="accent4">
-              <a:shade val="50000"/>
-            </a:schemeClr>
-          </a:lnRef>
-          <a:fillRef idx="1">
-            <a:schemeClr val="accent4"/>
-          </a:fillRef>
-          <a:effectRef idx="0">
-            <a:schemeClr val="accent4"/>
-          </a:effectRef>
-          <a:fontRef idx="minor">
-            <a:schemeClr val="lt1"/>
-          </a:fontRef>
-        </p:style>
-        <p:txBody>
-          <a:bodyPr rtlCol="0" anchor="ctr"/>
-          <a:lstStyle/>
-          <a:p>
-            <a:pPr algn="ctr"/>
-            <a:r>
-              <a:rPr lang="pt-BR" sz="1492" dirty="0"/>
-              <a:t>Logger</a:t>
-            </a:r>
-          </a:p>
-        </p:txBody>
-      </p:sp>
-      <p:sp>
-        <p:nvSpPr>
-          <p:cNvPr id="25" name="Oval 24"/>
-          <p:cNvSpPr/>
-          <p:nvPr/>
-        </p:nvSpPr>
-        <p:spPr>
-          <a:xfrm>
-            <a:off x="1184277" y="4051462"/>
-            <a:ext cx="1586333" cy="659803"/>
-          </a:xfrm>
-          <a:prstGeom prst="ellipse">
-            <a:avLst/>
-          </a:prstGeom>
-        </p:spPr>
-        <p:style>
-          <a:lnRef idx="2">
-            <a:schemeClr val="accent5">
-              <a:shade val="50000"/>
-            </a:schemeClr>
-          </a:lnRef>
-          <a:fillRef idx="1">
-            <a:schemeClr val="accent5"/>
-          </a:fillRef>
-          <a:effectRef idx="0">
-            <a:schemeClr val="accent5"/>
-          </a:effectRef>
-          <a:fontRef idx="minor">
-            <a:schemeClr val="lt1"/>
-          </a:fontRef>
-        </p:style>
-        <p:txBody>
-          <a:bodyPr rtlCol="0" anchor="ctr"/>
-          <a:lstStyle/>
-          <a:p>
-            <a:pPr algn="ctr"/>
-            <a:r>
-              <a:rPr lang="pt-BR" sz="1492" dirty="0"/>
-              <a:t>Motion</a:t>
-            </a:r>
-          </a:p>
-        </p:txBody>
-      </p:sp>
-      <p:sp>
-        <p:nvSpPr>
-          <p:cNvPr id="26" name="Oval 25"/>
-          <p:cNvSpPr/>
-          <p:nvPr/>
-        </p:nvSpPr>
-        <p:spPr>
-          <a:xfrm>
-            <a:off x="3514358" y="3039295"/>
-            <a:ext cx="1586333" cy="659803"/>
-          </a:xfrm>
-          <a:prstGeom prst="ellipse">
-            <a:avLst/>
-          </a:prstGeom>
-        </p:spPr>
-        <p:style>
-          <a:lnRef idx="3">
-            <a:schemeClr val="lt1"/>
-          </a:lnRef>
-          <a:fillRef idx="1">
-            <a:schemeClr val="accent2"/>
-          </a:fillRef>
-          <a:effectRef idx="1">
-            <a:schemeClr val="accent2"/>
-          </a:effectRef>
-          <a:fontRef idx="minor">
-            <a:schemeClr val="lt1"/>
+            <a:schemeClr val="dk1"/>
           </a:fontRef>
         </p:style>
         <p:txBody>
@@ -6015,12 +5761,15 @@
         </p:nvSpPr>
         <p:spPr>
           <a:xfrm>
-            <a:off x="5845007" y="696934"/>
+            <a:off x="9688368" y="7540649"/>
             <a:ext cx="1586333" cy="659803"/>
           </a:xfrm>
           <a:prstGeom prst="ellipse">
             <a:avLst/>
           </a:prstGeom>
+          <a:ln w="28575">
+            <a:prstDash val="dash"/>
+          </a:ln>
         </p:spPr>
         <p:style>
           <a:lnRef idx="1">
@@ -6056,7 +5805,7 @@
         </p:nvSpPr>
         <p:spPr>
           <a:xfrm>
-            <a:off x="1184276" y="6072984"/>
+            <a:off x="6291122" y="6942511"/>
             <a:ext cx="1586333" cy="659803"/>
           </a:xfrm>
           <a:prstGeom prst="ellipse">
@@ -6100,15 +5849,15 @@
         <p:nvCxnSpPr>
           <p:cNvPr id="31" name="Straight Arrow Connector 30"/>
           <p:cNvCxnSpPr>
-            <a:stCxn id="21" idx="7"/>
-            <a:endCxn id="20" idx="3"/>
+            <a:stCxn id="21" idx="4"/>
+            <a:endCxn id="20" idx="1"/>
           </p:cNvCxnSpPr>
           <p:nvPr/>
         </p:nvCxnSpPr>
         <p:spPr>
-          <a:xfrm flipV="1">
-            <a:off x="2538297" y="2593117"/>
-            <a:ext cx="1208659" cy="544209"/>
+          <a:xfrm>
+            <a:off x="5312316" y="1101897"/>
+            <a:ext cx="1488832" cy="2298195"/>
           </a:xfrm>
           <a:prstGeom prst="straightConnector1">
             <a:avLst/>
@@ -6139,15 +5888,15 @@
         <p:nvCxnSpPr>
           <p:cNvPr id="33" name="Straight Arrow Connector 32"/>
           <p:cNvCxnSpPr>
-            <a:stCxn id="21" idx="0"/>
-            <a:endCxn id="19" idx="4"/>
+            <a:stCxn id="21" idx="3"/>
+            <a:endCxn id="19" idx="0"/>
           </p:cNvCxnSpPr>
           <p:nvPr/>
         </p:nvCxnSpPr>
         <p:spPr>
-          <a:xfrm flipV="1">
-            <a:off x="1977442" y="2689741"/>
-            <a:ext cx="0" cy="350958"/>
+          <a:xfrm flipH="1">
+            <a:off x="4374525" y="1005271"/>
+            <a:ext cx="376937" cy="799135"/>
           </a:xfrm>
           <a:prstGeom prst="straightConnector1">
             <a:avLst/>
@@ -6178,15 +5927,15 @@
         <p:nvCxnSpPr>
           <p:cNvPr id="35" name="Straight Arrow Connector 34"/>
           <p:cNvCxnSpPr>
-            <a:stCxn id="21" idx="6"/>
-            <a:endCxn id="26" idx="2"/>
+            <a:stCxn id="21" idx="2"/>
+            <a:endCxn id="26" idx="6"/>
           </p:cNvCxnSpPr>
           <p:nvPr/>
         </p:nvCxnSpPr>
         <p:spPr>
-          <a:xfrm flipV="1">
-            <a:off x="2770610" y="3369197"/>
-            <a:ext cx="743748" cy="1405"/>
+          <a:xfrm flipH="1">
+            <a:off x="1586333" y="771996"/>
+            <a:ext cx="2932816" cy="546363"/>
           </a:xfrm>
           <a:prstGeom prst="straightConnector1">
             <a:avLst/>
@@ -6217,15 +5966,15 @@
         <p:nvCxnSpPr>
           <p:cNvPr id="37" name="Straight Arrow Connector 36"/>
           <p:cNvCxnSpPr>
-            <a:stCxn id="21" idx="6"/>
-            <a:endCxn id="18" idx="2"/>
+            <a:stCxn id="21" idx="4"/>
+            <a:endCxn id="18" idx="0"/>
           </p:cNvCxnSpPr>
           <p:nvPr/>
         </p:nvCxnSpPr>
         <p:spPr>
           <a:xfrm>
-            <a:off x="2770610" y="3370602"/>
-            <a:ext cx="3074113" cy="1010760"/>
+            <a:off x="5312316" y="1101897"/>
+            <a:ext cx="173394" cy="1577778"/>
           </a:xfrm>
           <a:prstGeom prst="straightConnector1">
             <a:avLst/>
@@ -6256,15 +6005,15 @@
         <p:nvCxnSpPr>
           <p:cNvPr id="39" name="Straight Arrow Connector 38"/>
           <p:cNvCxnSpPr>
-            <a:stCxn id="26" idx="3"/>
-            <a:endCxn id="25" idx="6"/>
+            <a:stCxn id="26" idx="5"/>
+            <a:endCxn id="25" idx="2"/>
           </p:cNvCxnSpPr>
           <p:nvPr/>
         </p:nvCxnSpPr>
         <p:spPr>
-          <a:xfrm flipH="1">
-            <a:off x="2770610" y="3602472"/>
-            <a:ext cx="976061" cy="778892"/>
+          <a:xfrm>
+            <a:off x="1354020" y="1551634"/>
+            <a:ext cx="552815" cy="84108"/>
           </a:xfrm>
           <a:prstGeom prst="straightConnector1">
             <a:avLst/>
@@ -6302,8 +6051,8 @@
         </p:nvCxnSpPr>
         <p:spPr>
           <a:xfrm>
-            <a:off x="1977442" y="6732786"/>
-            <a:ext cx="0" cy="350958"/>
+            <a:off x="7084289" y="7602314"/>
+            <a:ext cx="1" cy="397522"/>
           </a:xfrm>
           <a:prstGeom prst="straightConnector1">
             <a:avLst/>
@@ -6332,16 +6081,16 @@
       </p:cxnSp>
       <p:sp>
         <p:nvSpPr>
-          <p:cNvPr id="46" name="Down Arrow 45"/>
+          <p:cNvPr id="27" name="Oval 26"/>
           <p:cNvSpPr/>
           <p:nvPr/>
         </p:nvSpPr>
         <p:spPr>
-          <a:xfrm rot="5400000">
-            <a:off x="5579374" y="2105798"/>
-            <a:ext cx="243832" cy="554161"/>
-          </a:xfrm>
-          <a:prstGeom prst="downArrow">
+          <a:xfrm>
+            <a:off x="9688368" y="1143023"/>
+            <a:ext cx="1586333" cy="659803"/>
+          </a:xfrm>
+          <a:prstGeom prst="ellipse">
             <a:avLst/>
           </a:prstGeom>
         </p:spPr>
@@ -6366,19 +6115,22 @@
           <a:lstStyle/>
           <a:p>
             <a:pPr algn="ctr"/>
-            <a:endParaRPr lang="pt-BR" sz="1492"/>
-          </a:p>
-        </p:txBody>
-      </p:sp>
-      <p:sp>
-        <p:nvSpPr>
-          <p:cNvPr id="27" name="Oval 26"/>
+            <a:r>
+              <a:rPr lang="pt-BR" sz="1492" dirty="0"/>
+              <a:t>Singleton</a:t>
+            </a:r>
+          </a:p>
+        </p:txBody>
+      </p:sp>
+      <p:sp>
+        <p:nvSpPr>
+          <p:cNvPr id="4" name="Oval 3"/>
           <p:cNvSpPr/>
           <p:nvPr/>
         </p:nvSpPr>
         <p:spPr>
           <a:xfrm>
-            <a:off x="5845008" y="2049206"/>
+            <a:off x="9619230" y="207773"/>
             <a:ext cx="1586333" cy="659803"/>
           </a:xfrm>
           <a:prstGeom prst="ellipse">
@@ -6386,16 +6138,57 @@
           </a:prstGeom>
         </p:spPr>
         <p:style>
+          <a:lnRef idx="3">
+            <a:schemeClr val="lt1"/>
+          </a:lnRef>
+          <a:fillRef idx="1">
+            <a:schemeClr val="dk1"/>
+          </a:fillRef>
+          <a:effectRef idx="1">
+            <a:schemeClr val="dk1"/>
+          </a:effectRef>
+          <a:fontRef idx="minor">
+            <a:schemeClr val="lt1"/>
+          </a:fontRef>
+        </p:style>
+        <p:txBody>
+          <a:bodyPr rtlCol="0" anchor="ctr"/>
+          <a:lstStyle/>
+          <a:p>
+            <a:pPr algn="ctr"/>
+            <a:r>
+              <a:rPr lang="pt-BR" sz="1492" dirty="0"/>
+              <a:t>Game Base</a:t>
+            </a:r>
+          </a:p>
+        </p:txBody>
+      </p:sp>
+      <p:sp>
+        <p:nvSpPr>
+          <p:cNvPr id="30" name="Oval 29"/>
+          <p:cNvSpPr/>
+          <p:nvPr/>
+        </p:nvSpPr>
+        <p:spPr>
+          <a:xfrm>
+            <a:off x="6291123" y="7999836"/>
+            <a:ext cx="1586333" cy="659803"/>
+          </a:xfrm>
+          <a:prstGeom prst="ellipse">
+            <a:avLst/>
+          </a:prstGeom>
+        </p:spPr>
+        <p:style>
           <a:lnRef idx="2">
-            <a:schemeClr val="accent3">
+            <a:schemeClr val="accent4">
               <a:shade val="50000"/>
             </a:schemeClr>
           </a:lnRef>
           <a:fillRef idx="1">
-            <a:schemeClr val="accent3"/>
-          </a:fillRef>
-          <a:effectRef idx="0">
-            <a:schemeClr val="accent3"/>
+            <a:schemeClr val="accent4"/>
+          </a:fillRef>
+          <a:effectRef idx="0">
+            <a:schemeClr val="accent4"/>
           </a:effectRef>
           <a:fontRef idx="minor">
             <a:schemeClr val="lt1"/>
@@ -6408,29 +6201,34 @@
             <a:pPr algn="ctr"/>
             <a:r>
               <a:rPr lang="pt-BR" sz="1492" dirty="0"/>
-              <a:t>Singleton</a:t>
+              <a:t>User</a:t>
+            </a:r>
+          </a:p>
+          <a:p>
+            <a:pPr algn="ctr"/>
+            <a:r>
+              <a:rPr lang="pt-BR" sz="1492" dirty="0"/>
+              <a:t>Manager</a:t>
             </a:r>
           </a:p>
         </p:txBody>
       </p:sp>
       <p:cxnSp>
         <p:nvCxnSpPr>
-          <p:cNvPr id="51" name="Elbow Connector 50"/>
+          <p:cNvPr id="32" name="Straight Arrow Connector 31"/>
           <p:cNvCxnSpPr>
-            <a:stCxn id="19" idx="2"/>
-            <a:endCxn id="25" idx="2"/>
+            <a:stCxn id="29" idx="2"/>
+            <a:endCxn id="22" idx="5"/>
           </p:cNvCxnSpPr>
           <p:nvPr/>
         </p:nvCxnSpPr>
         <p:spPr>
-          <a:xfrm rot="10800000" flipV="1">
-            <a:off x="1184276" y="2359841"/>
-            <a:ext cx="10529" cy="2021523"/>
-          </a:xfrm>
-          <a:prstGeom prst="bentConnector3">
-            <a:avLst>
-              <a:gd name="adj1" fmla="val 1800000"/>
-            </a:avLst>
+          <a:xfrm flipH="1" flipV="1">
+            <a:off x="3940097" y="6052195"/>
+            <a:ext cx="2351025" cy="1220218"/>
+          </a:xfrm>
+          <a:prstGeom prst="straightConnector1">
+            <a:avLst/>
           </a:prstGeom>
           <a:ln w="38100">
             <a:solidFill>
@@ -6456,228 +6254,17 @@
       </p:cxnSp>
       <p:cxnSp>
         <p:nvCxnSpPr>
-          <p:cNvPr id="53" name="Elbow Connector 52"/>
-          <p:cNvCxnSpPr>
-            <a:stCxn id="18" idx="0"/>
-            <a:endCxn id="19" idx="0"/>
-          </p:cNvCxnSpPr>
-          <p:nvPr/>
-        </p:nvCxnSpPr>
-        <p:spPr>
-          <a:xfrm rot="16200000" flipV="1">
-            <a:off x="3296907" y="710477"/>
-            <a:ext cx="2021520" cy="4660446"/>
-          </a:xfrm>
-          <a:prstGeom prst="bentConnector3">
-            <a:avLst>
-              <a:gd name="adj1" fmla="val 111308"/>
-            </a:avLst>
-          </a:prstGeom>
-          <a:ln w="38100">
-            <a:solidFill>
-              <a:schemeClr val="tx1"/>
-            </a:solidFill>
-            <a:tailEnd type="triangle"/>
-          </a:ln>
-        </p:spPr>
-        <p:style>
-          <a:lnRef idx="1">
-            <a:schemeClr val="accent1"/>
-          </a:lnRef>
-          <a:fillRef idx="0">
-            <a:schemeClr val="accent1"/>
-          </a:fillRef>
-          <a:effectRef idx="0">
-            <a:schemeClr val="accent1"/>
-          </a:effectRef>
-          <a:fontRef idx="minor">
-            <a:schemeClr val="tx1"/>
-          </a:fontRef>
-        </p:style>
-      </p:cxnSp>
-      <p:sp>
-        <p:nvSpPr>
-          <p:cNvPr id="60" name="Down Arrow 59"/>
-          <p:cNvSpPr/>
-          <p:nvPr/>
-        </p:nvSpPr>
-        <p:spPr>
-          <a:xfrm>
-            <a:off x="4141710" y="1356736"/>
-            <a:ext cx="332199" cy="332260"/>
-          </a:xfrm>
-          <a:prstGeom prst="downArrow">
-            <a:avLst/>
-          </a:prstGeom>
-        </p:spPr>
-        <p:style>
-          <a:lnRef idx="2">
-            <a:schemeClr val="dk1">
-              <a:shade val="50000"/>
-            </a:schemeClr>
-          </a:lnRef>
-          <a:fillRef idx="1">
-            <a:schemeClr val="dk1"/>
-          </a:fillRef>
-          <a:effectRef idx="0">
-            <a:schemeClr val="dk1"/>
-          </a:effectRef>
-          <a:fontRef idx="minor">
-            <a:schemeClr val="lt1"/>
-          </a:fontRef>
-        </p:style>
-        <p:txBody>
-          <a:bodyPr rtlCol="0" anchor="ctr"/>
-          <a:lstStyle/>
-          <a:p>
-            <a:pPr algn="ctr"/>
-            <a:endParaRPr lang="pt-BR" sz="1492"/>
-          </a:p>
-        </p:txBody>
-      </p:sp>
-      <p:sp>
-        <p:nvSpPr>
-          <p:cNvPr id="4" name="Oval 3"/>
-          <p:cNvSpPr/>
-          <p:nvPr/>
-        </p:nvSpPr>
-        <p:spPr>
-          <a:xfrm>
-            <a:off x="3514643" y="691158"/>
-            <a:ext cx="1586333" cy="659803"/>
-          </a:xfrm>
-          <a:prstGeom prst="ellipse">
-            <a:avLst/>
-          </a:prstGeom>
-        </p:spPr>
-        <p:style>
-          <a:lnRef idx="3">
-            <a:schemeClr val="lt1"/>
-          </a:lnRef>
-          <a:fillRef idx="1">
-            <a:schemeClr val="dk1"/>
-          </a:fillRef>
-          <a:effectRef idx="1">
-            <a:schemeClr val="dk1"/>
-          </a:effectRef>
-          <a:fontRef idx="minor">
-            <a:schemeClr val="lt1"/>
-          </a:fontRef>
-        </p:style>
-        <p:txBody>
-          <a:bodyPr rtlCol="0" anchor="ctr"/>
-          <a:lstStyle/>
-          <a:p>
-            <a:pPr algn="ctr"/>
-            <a:r>
-              <a:rPr lang="pt-BR" sz="1492" dirty="0"/>
-              <a:t>Game Base</a:t>
-            </a:r>
-          </a:p>
-        </p:txBody>
-      </p:sp>
-      <p:sp>
-        <p:nvSpPr>
-          <p:cNvPr id="30" name="Oval 29"/>
-          <p:cNvSpPr/>
-          <p:nvPr/>
-        </p:nvSpPr>
-        <p:spPr>
-          <a:xfrm>
-            <a:off x="1184276" y="7083745"/>
-            <a:ext cx="1586333" cy="659803"/>
-          </a:xfrm>
-          <a:prstGeom prst="ellipse">
-            <a:avLst/>
-          </a:prstGeom>
-        </p:spPr>
-        <p:style>
-          <a:lnRef idx="2">
-            <a:schemeClr val="accent4">
-              <a:shade val="50000"/>
-            </a:schemeClr>
-          </a:lnRef>
-          <a:fillRef idx="1">
-            <a:schemeClr val="accent4"/>
-          </a:fillRef>
-          <a:effectRef idx="0">
-            <a:schemeClr val="accent4"/>
-          </a:effectRef>
-          <a:fontRef idx="minor">
-            <a:schemeClr val="lt1"/>
-          </a:fontRef>
-        </p:style>
-        <p:txBody>
-          <a:bodyPr rtlCol="0" anchor="ctr"/>
-          <a:lstStyle/>
-          <a:p>
-            <a:pPr algn="ctr"/>
-            <a:r>
-              <a:rPr lang="pt-BR" sz="1492" dirty="0"/>
-              <a:t>User</a:t>
-            </a:r>
-          </a:p>
-          <a:p>
-            <a:pPr algn="ctr"/>
-            <a:r>
-              <a:rPr lang="pt-BR" sz="1492" dirty="0"/>
-              <a:t>Manager</a:t>
-            </a:r>
-          </a:p>
-        </p:txBody>
-      </p:sp>
-      <p:cxnSp>
-        <p:nvCxnSpPr>
-          <p:cNvPr id="32" name="Straight Arrow Connector 31"/>
-          <p:cNvCxnSpPr>
-            <a:stCxn id="29" idx="0"/>
-            <a:endCxn id="22" idx="4"/>
-          </p:cNvCxnSpPr>
-          <p:nvPr/>
-        </p:nvCxnSpPr>
-        <p:spPr>
-          <a:xfrm flipV="1">
-            <a:off x="1977443" y="5722025"/>
-            <a:ext cx="1" cy="350958"/>
-          </a:xfrm>
-          <a:prstGeom prst="straightConnector1">
-            <a:avLst/>
-          </a:prstGeom>
-          <a:ln w="38100">
-            <a:solidFill>
-              <a:schemeClr val="tx1"/>
-            </a:solidFill>
-            <a:tailEnd type="triangle"/>
-          </a:ln>
-        </p:spPr>
-        <p:style>
-          <a:lnRef idx="1">
-            <a:schemeClr val="accent1"/>
-          </a:lnRef>
-          <a:fillRef idx="0">
-            <a:schemeClr val="accent1"/>
-          </a:fillRef>
-          <a:effectRef idx="0">
-            <a:schemeClr val="accent1"/>
-          </a:effectRef>
-          <a:fontRef idx="minor">
-            <a:schemeClr val="tx1"/>
-          </a:fontRef>
-        </p:style>
-      </p:cxnSp>
-      <p:cxnSp>
-        <p:nvCxnSpPr>
           <p:cNvPr id="34" name="Straight Arrow Connector 33"/>
           <p:cNvCxnSpPr>
-            <a:stCxn id="26" idx="5"/>
-            <a:endCxn id="18" idx="1"/>
+            <a:stCxn id="26" idx="4"/>
+            <a:endCxn id="18" idx="2"/>
           </p:cNvCxnSpPr>
           <p:nvPr/>
         </p:nvCxnSpPr>
         <p:spPr>
           <a:xfrm>
-            <a:off x="4868378" y="3602472"/>
-            <a:ext cx="1208658" cy="545614"/>
+            <a:off x="793167" y="1648260"/>
+            <a:ext cx="3899376" cy="1361317"/>
           </a:xfrm>
           <a:prstGeom prst="straightConnector1">
             <a:avLst/>
@@ -6714,7 +6301,7 @@
         </p:nvSpPr>
         <p:spPr>
           <a:xfrm>
-            <a:off x="3514643" y="5074297"/>
+            <a:off x="1856482" y="3557293"/>
             <a:ext cx="1586333" cy="659803"/>
           </a:xfrm>
           <a:prstGeom prst="ellipse">
@@ -6758,15 +6345,15 @@
         <p:nvCxnSpPr>
           <p:cNvPr id="40" name="Straight Arrow Connector 39"/>
           <p:cNvCxnSpPr>
-            <a:stCxn id="38" idx="2"/>
-            <a:endCxn id="22" idx="6"/>
+            <a:stCxn id="38" idx="4"/>
+            <a:endCxn id="22" idx="0"/>
           </p:cNvCxnSpPr>
           <p:nvPr/>
         </p:nvCxnSpPr>
         <p:spPr>
-          <a:xfrm flipH="1" flipV="1">
-            <a:off x="2770610" y="5392124"/>
-            <a:ext cx="744033" cy="12074"/>
+          <a:xfrm>
+            <a:off x="2649649" y="4217096"/>
+            <a:ext cx="729595" cy="1271922"/>
           </a:xfrm>
           <a:prstGeom prst="straightConnector1">
             <a:avLst/>
@@ -6801,7 +6388,7 @@
         </p:nvSpPr>
         <p:spPr>
           <a:xfrm>
-            <a:off x="5845006" y="5074296"/>
+            <a:off x="4821140" y="5867386"/>
             <a:ext cx="1586333" cy="659803"/>
           </a:xfrm>
           <a:prstGeom prst="ellipse">
@@ -6844,22 +6431,371 @@
       </p:sp>
       <p:cxnSp>
         <p:nvCxnSpPr>
-          <p:cNvPr id="41" name="Elbow Connector 40"/>
+          <p:cNvPr id="50" name="Straight Arrow Connector 49"/>
+          <p:cNvCxnSpPr>
+            <a:stCxn id="38" idx="5"/>
+            <a:endCxn id="45" idx="1"/>
+          </p:cNvCxnSpPr>
+          <p:nvPr/>
+        </p:nvCxnSpPr>
+        <p:spPr>
+          <a:xfrm>
+            <a:off x="3210502" y="4120470"/>
+            <a:ext cx="1842951" cy="1843542"/>
+          </a:xfrm>
+          <a:prstGeom prst="straightConnector1">
+            <a:avLst/>
+          </a:prstGeom>
+          <a:ln w="38100">
+            <a:solidFill>
+              <a:schemeClr val="tx1"/>
+            </a:solidFill>
+            <a:tailEnd type="triangle"/>
+          </a:ln>
+        </p:spPr>
+        <p:style>
+          <a:lnRef idx="1">
+            <a:schemeClr val="accent1"/>
+          </a:lnRef>
+          <a:fillRef idx="0">
+            <a:schemeClr val="accent1"/>
+          </a:fillRef>
+          <a:effectRef idx="0">
+            <a:schemeClr val="accent1"/>
+          </a:effectRef>
+          <a:fontRef idx="minor">
+            <a:schemeClr val="tx1"/>
+          </a:fontRef>
+        </p:style>
+      </p:cxnSp>
+      <p:sp>
+        <p:nvSpPr>
+          <p:cNvPr id="54" name="Oval 53"/>
+          <p:cNvSpPr/>
+          <p:nvPr/>
+        </p:nvSpPr>
+        <p:spPr>
+          <a:xfrm>
+            <a:off x="8643140" y="5706237"/>
+            <a:ext cx="1586333" cy="659803"/>
+          </a:xfrm>
+          <a:prstGeom prst="ellipse">
+            <a:avLst/>
+          </a:prstGeom>
+        </p:spPr>
+        <p:style>
+          <a:lnRef idx="3">
+            <a:schemeClr val="lt1"/>
+          </a:lnRef>
+          <a:fillRef idx="1">
+            <a:schemeClr val="accent2"/>
+          </a:fillRef>
+          <a:effectRef idx="1">
+            <a:schemeClr val="accent2"/>
+          </a:effectRef>
+          <a:fontRef idx="minor">
+            <a:schemeClr val="lt1"/>
+          </a:fontRef>
+        </p:style>
+        <p:txBody>
+          <a:bodyPr rtlCol="0" anchor="ctr"/>
+          <a:lstStyle/>
+          <a:p>
+            <a:pPr algn="ctr"/>
+            <a:r>
+              <a:rPr lang="pt-BR" sz="1492" dirty="0"/>
+              <a:t>Robot</a:t>
+            </a:r>
+          </a:p>
+          <a:p>
+            <a:pPr algn="ctr"/>
+            <a:r>
+              <a:rPr lang="pt-BR" sz="1492" dirty="0"/>
+              <a:t>Cursor</a:t>
+            </a:r>
+          </a:p>
+        </p:txBody>
+      </p:sp>
+      <p:sp>
+        <p:nvSpPr>
+          <p:cNvPr id="59" name="Oval 58"/>
+          <p:cNvSpPr/>
+          <p:nvPr/>
+        </p:nvSpPr>
+        <p:spPr>
+          <a:xfrm>
+            <a:off x="5831773" y="4762464"/>
+            <a:ext cx="1586333" cy="659803"/>
+          </a:xfrm>
+          <a:prstGeom prst="ellipse">
+            <a:avLst/>
+          </a:prstGeom>
+          <a:ln>
+            <a:solidFill>
+              <a:schemeClr val="tx1"/>
+            </a:solidFill>
+            <a:prstDash val="dash"/>
+          </a:ln>
+        </p:spPr>
+        <p:style>
+          <a:lnRef idx="3">
+            <a:schemeClr val="lt1"/>
+          </a:lnRef>
+          <a:fillRef idx="1">
+            <a:schemeClr val="accent2"/>
+          </a:fillRef>
+          <a:effectRef idx="1">
+            <a:schemeClr val="accent2"/>
+          </a:effectRef>
+          <a:fontRef idx="minor">
+            <a:schemeClr val="lt1"/>
+          </a:fontRef>
+        </p:style>
+        <p:txBody>
+          <a:bodyPr rtlCol="0" anchor="ctr"/>
+          <a:lstStyle/>
+          <a:p>
+            <a:pPr algn="ctr"/>
+            <a:r>
+              <a:rPr lang="pt-BR" sz="1492" dirty="0"/>
+              <a:t>Connection</a:t>
+            </a:r>
+          </a:p>
+        </p:txBody>
+      </p:sp>
+      <p:cxnSp>
+        <p:nvCxnSpPr>
+          <p:cNvPr id="62" name="Straight Arrow Connector 61"/>
           <p:cNvCxnSpPr>
             <a:stCxn id="38" idx="6"/>
-            <a:endCxn id="20" idx="6"/>
+            <a:endCxn id="59" idx="2"/>
           </p:cNvCxnSpPr>
           <p:nvPr/>
         </p:nvCxnSpPr>
         <p:spPr>
+          <a:xfrm>
+            <a:off x="3442815" y="3887195"/>
+            <a:ext cx="2388958" cy="1205171"/>
+          </a:xfrm>
+          <a:prstGeom prst="straightConnector1">
+            <a:avLst/>
+          </a:prstGeom>
+          <a:ln w="38100">
+            <a:solidFill>
+              <a:schemeClr val="tx1"/>
+            </a:solidFill>
+            <a:tailEnd type="triangle"/>
+          </a:ln>
+        </p:spPr>
+        <p:style>
+          <a:lnRef idx="1">
+            <a:schemeClr val="accent1"/>
+          </a:lnRef>
+          <a:fillRef idx="0">
+            <a:schemeClr val="accent1"/>
+          </a:fillRef>
+          <a:effectRef idx="0">
+            <a:schemeClr val="accent1"/>
+          </a:effectRef>
+          <a:fontRef idx="minor">
+            <a:schemeClr val="tx1"/>
+          </a:fontRef>
+        </p:style>
+      </p:cxnSp>
+      <p:cxnSp>
+        <p:nvCxnSpPr>
+          <p:cNvPr id="75" name="Straight Arrow Connector 74"/>
+          <p:cNvCxnSpPr>
+            <a:stCxn id="54" idx="2"/>
+            <a:endCxn id="59" idx="5"/>
+          </p:cNvCxnSpPr>
+          <p:nvPr/>
+        </p:nvCxnSpPr>
+        <p:spPr>
+          <a:xfrm flipH="1" flipV="1">
+            <a:off x="7185793" y="5325641"/>
+            <a:ext cx="1457347" cy="710498"/>
+          </a:xfrm>
+          <a:prstGeom prst="straightConnector1">
+            <a:avLst/>
+          </a:prstGeom>
+          <a:ln w="38100">
+            <a:solidFill>
+              <a:schemeClr val="tx1"/>
+            </a:solidFill>
+            <a:tailEnd type="triangle"/>
+          </a:ln>
+        </p:spPr>
+        <p:style>
+          <a:lnRef idx="1">
+            <a:schemeClr val="accent1"/>
+          </a:lnRef>
+          <a:fillRef idx="0">
+            <a:schemeClr val="accent1"/>
+          </a:fillRef>
+          <a:effectRef idx="0">
+            <a:schemeClr val="accent1"/>
+          </a:effectRef>
+          <a:fontRef idx="minor">
+            <a:schemeClr val="tx1"/>
+          </a:fontRef>
+        </p:style>
+      </p:cxnSp>
+      <p:sp>
+        <p:nvSpPr>
+          <p:cNvPr id="88" name="Oval 87"/>
+          <p:cNvSpPr/>
+          <p:nvPr/>
+        </p:nvSpPr>
+        <p:spPr>
+          <a:xfrm>
+            <a:off x="6755748" y="5921703"/>
+            <a:ext cx="1586333" cy="659803"/>
+          </a:xfrm>
+          <a:prstGeom prst="ellipse">
+            <a:avLst/>
+          </a:prstGeom>
+          <a:ln>
+            <a:solidFill>
+              <a:schemeClr val="tx1"/>
+            </a:solidFill>
+            <a:prstDash val="dash"/>
+          </a:ln>
+        </p:spPr>
+        <p:style>
+          <a:lnRef idx="3">
+            <a:schemeClr val="lt1"/>
+          </a:lnRef>
+          <a:fillRef idx="1">
+            <a:schemeClr val="accent2"/>
+          </a:fillRef>
+          <a:effectRef idx="1">
+            <a:schemeClr val="accent2"/>
+          </a:effectRef>
+          <a:fontRef idx="minor">
+            <a:schemeClr val="lt1"/>
+          </a:fontRef>
+        </p:style>
+        <p:txBody>
+          <a:bodyPr rtlCol="0" anchor="ctr"/>
+          <a:lstStyle/>
+          <a:p>
+            <a:pPr algn="ctr"/>
+            <a:r>
+              <a:rPr lang="pt-BR" sz="1492" dirty="0" smtClean="0">
+                <a:solidFill>
+                  <a:schemeClr val="bg1"/>
+                </a:solidFill>
+              </a:rPr>
+              <a:t>Ankle</a:t>
+            </a:r>
+          </a:p>
+          <a:p>
+            <a:pPr algn="ctr"/>
+            <a:r>
+              <a:rPr lang="pt-BR" sz="1492" dirty="0" smtClean="0">
+                <a:solidFill>
+                  <a:schemeClr val="bg1"/>
+                </a:solidFill>
+              </a:rPr>
+              <a:t>Movement</a:t>
+            </a:r>
+            <a:endParaRPr lang="pt-BR" sz="1492" dirty="0">
+              <a:solidFill>
+                <a:schemeClr val="bg1"/>
+              </a:solidFill>
+            </a:endParaRPr>
+          </a:p>
+        </p:txBody>
+      </p:sp>
+      <p:cxnSp>
+        <p:nvCxnSpPr>
+          <p:cNvPr id="67" name="Straight Arrow Connector 66"/>
+          <p:cNvCxnSpPr>
+            <a:stCxn id="26" idx="7"/>
+            <a:endCxn id="23" idx="2"/>
+          </p:cNvCxnSpPr>
+          <p:nvPr/>
+        </p:nvCxnSpPr>
+        <p:spPr>
           <a:xfrm flipV="1">
-            <a:off x="5100976" y="2359842"/>
-            <a:ext cx="12700" cy="3044357"/>
-          </a:xfrm>
-          <a:prstGeom prst="bentConnector3">
-            <a:avLst>
-              <a:gd name="adj1" fmla="val 1800000"/>
-            </a:avLst>
+            <a:off x="1354020" y="457556"/>
+            <a:ext cx="301549" cy="627527"/>
+          </a:xfrm>
+          <a:prstGeom prst="straightConnector1">
+            <a:avLst/>
+          </a:prstGeom>
+          <a:ln w="38100">
+            <a:solidFill>
+              <a:schemeClr val="tx1"/>
+            </a:solidFill>
+            <a:tailEnd type="triangle"/>
+          </a:ln>
+        </p:spPr>
+        <p:style>
+          <a:lnRef idx="1">
+            <a:schemeClr val="accent1"/>
+          </a:lnRef>
+          <a:fillRef idx="0">
+            <a:schemeClr val="accent1"/>
+          </a:fillRef>
+          <a:effectRef idx="0">
+            <a:schemeClr val="accent1"/>
+          </a:effectRef>
+          <a:fontRef idx="minor">
+            <a:schemeClr val="tx1"/>
+          </a:fontRef>
+        </p:style>
+      </p:cxnSp>
+      <p:cxnSp>
+        <p:nvCxnSpPr>
+          <p:cNvPr id="73" name="Straight Arrow Connector 72"/>
+          <p:cNvCxnSpPr/>
+          <p:nvPr/>
+        </p:nvCxnSpPr>
+        <p:spPr>
+          <a:xfrm flipV="1">
+            <a:off x="10368361" y="4955293"/>
+            <a:ext cx="744030" cy="1"/>
+          </a:xfrm>
+          <a:prstGeom prst="straightConnector1">
+            <a:avLst/>
+          </a:prstGeom>
+          <a:ln w="38100">
+            <a:solidFill>
+              <a:srgbClr val="00B0F0"/>
+            </a:solidFill>
+            <a:tailEnd type="triangle"/>
+          </a:ln>
+        </p:spPr>
+        <p:style>
+          <a:lnRef idx="1">
+            <a:schemeClr val="accent1"/>
+          </a:lnRef>
+          <a:fillRef idx="0">
+            <a:schemeClr val="accent1"/>
+          </a:fillRef>
+          <a:effectRef idx="0">
+            <a:schemeClr val="accent1"/>
+          </a:effectRef>
+          <a:fontRef idx="minor">
+            <a:schemeClr val="tx1"/>
+          </a:fontRef>
+        </p:style>
+      </p:cxnSp>
+      <p:cxnSp>
+        <p:nvCxnSpPr>
+          <p:cNvPr id="74" name="Straight Arrow Connector 73"/>
+          <p:cNvCxnSpPr/>
+          <p:nvPr/>
+        </p:nvCxnSpPr>
+        <p:spPr>
+          <a:xfrm flipV="1">
+            <a:off x="10368361" y="4624121"/>
+            <a:ext cx="744030" cy="1"/>
+          </a:xfrm>
+          <a:prstGeom prst="straightConnector1">
+            <a:avLst/>
           </a:prstGeom>
           <a:ln w="38100">
             <a:solidFill>
@@ -6887,17 +6823,14 @@
       </p:cxnSp>
       <p:cxnSp>
         <p:nvCxnSpPr>
-          <p:cNvPr id="50" name="Straight Arrow Connector 49"/>
-          <p:cNvCxnSpPr>
-            <a:stCxn id="38" idx="5"/>
-            <a:endCxn id="45" idx="2"/>
-          </p:cNvCxnSpPr>
+          <p:cNvPr id="76" name="Straight Arrow Connector 75"/>
+          <p:cNvCxnSpPr/>
           <p:nvPr/>
         </p:nvCxnSpPr>
         <p:spPr>
           <a:xfrm flipV="1">
-            <a:off x="4868663" y="5404198"/>
-            <a:ext cx="976343" cy="233276"/>
+            <a:off x="10368361" y="4292949"/>
+            <a:ext cx="744030" cy="1"/>
           </a:xfrm>
           <a:prstGeom prst="straightConnector1">
             <a:avLst/>
@@ -6926,157 +6859,210 @@
       </p:cxnSp>
       <p:sp>
         <p:nvSpPr>
-          <p:cNvPr id="36" name="Rectangle 35"/>
-          <p:cNvSpPr/>
-          <p:nvPr/>
-        </p:nvSpPr>
-        <p:spPr>
-          <a:xfrm>
-            <a:off x="709385" y="1688996"/>
-            <a:ext cx="7032172" cy="6244518"/>
+          <p:cNvPr id="68" name="TextBox 67"/>
+          <p:cNvSpPr txBox="1"/>
+          <p:nvPr/>
+        </p:nvSpPr>
+        <p:spPr>
+          <a:xfrm>
+            <a:off x="11161591" y="4108282"/>
+            <a:ext cx="1538563" cy="369332"/>
           </a:xfrm>
           <a:prstGeom prst="rect">
             <a:avLst/>
           </a:prstGeom>
           <a:noFill/>
-          <a:ln w="28575">
-            <a:solidFill>
-              <a:schemeClr val="tx1"/>
-            </a:solidFill>
-            <a:prstDash val="dash"/>
-          </a:ln>
-        </p:spPr>
-        <p:style>
-          <a:lnRef idx="1">
-            <a:schemeClr val="dk1"/>
-          </a:lnRef>
-          <a:fillRef idx="2">
-            <a:schemeClr val="dk1"/>
-          </a:fillRef>
-          <a:effectRef idx="1">
-            <a:schemeClr val="dk1"/>
-          </a:effectRef>
-          <a:fontRef idx="minor">
-            <a:schemeClr val="dk1"/>
-          </a:fontRef>
-        </p:style>
-        <p:txBody>
-          <a:bodyPr rtlCol="0" anchor="ctr"/>
-          <a:lstStyle/>
-          <a:p>
-            <a:pPr algn="ctr"/>
-            <a:endParaRPr lang="pt-BR"/>
-          </a:p>
-        </p:txBody>
-      </p:sp>
-      <p:sp>
-        <p:nvSpPr>
-          <p:cNvPr id="54" name="Oval 53"/>
-          <p:cNvSpPr/>
-          <p:nvPr/>
-        </p:nvSpPr>
-        <p:spPr>
-          <a:xfrm>
-            <a:off x="3514642" y="7083745"/>
-            <a:ext cx="1586333" cy="659803"/>
-          </a:xfrm>
-          <a:prstGeom prst="ellipse">
-            <a:avLst/>
-          </a:prstGeom>
-        </p:spPr>
-        <p:style>
-          <a:lnRef idx="3">
-            <a:schemeClr val="lt1"/>
-          </a:lnRef>
-          <a:fillRef idx="1">
-            <a:schemeClr val="accent2"/>
-          </a:fillRef>
-          <a:effectRef idx="1">
-            <a:schemeClr val="accent2"/>
-          </a:effectRef>
-          <a:fontRef idx="minor">
-            <a:schemeClr val="lt1"/>
-          </a:fontRef>
-        </p:style>
-        <p:txBody>
-          <a:bodyPr rtlCol="0" anchor="ctr"/>
-          <a:lstStyle/>
-          <a:p>
-            <a:pPr algn="ctr"/>
-            <a:r>
-              <a:rPr lang="pt-BR" sz="1492" dirty="0"/>
-              <a:t>Robot</a:t>
-            </a:r>
-          </a:p>
-          <a:p>
-            <a:pPr algn="ctr"/>
-            <a:r>
-              <a:rPr lang="pt-BR" sz="1492" dirty="0"/>
-              <a:t>Cursor</a:t>
-            </a:r>
-          </a:p>
-        </p:txBody>
-      </p:sp>
-      <p:sp>
-        <p:nvSpPr>
-          <p:cNvPr id="59" name="Oval 58"/>
-          <p:cNvSpPr/>
-          <p:nvPr/>
-        </p:nvSpPr>
-        <p:spPr>
-          <a:xfrm>
-            <a:off x="3514641" y="6093604"/>
-            <a:ext cx="1586333" cy="659803"/>
-          </a:xfrm>
-          <a:prstGeom prst="ellipse">
-            <a:avLst/>
-          </a:prstGeom>
-          <a:ln>
-            <a:solidFill>
-              <a:schemeClr val="tx1"/>
-            </a:solidFill>
-            <a:prstDash val="dash"/>
-          </a:ln>
-        </p:spPr>
-        <p:style>
-          <a:lnRef idx="3">
-            <a:schemeClr val="lt1"/>
-          </a:lnRef>
-          <a:fillRef idx="1">
-            <a:schemeClr val="accent2"/>
-          </a:fillRef>
-          <a:effectRef idx="1">
-            <a:schemeClr val="accent2"/>
-          </a:effectRef>
-          <a:fontRef idx="minor">
-            <a:schemeClr val="lt1"/>
-          </a:fontRef>
-        </p:style>
-        <p:txBody>
-          <a:bodyPr rtlCol="0" anchor="ctr"/>
-          <a:lstStyle/>
-          <a:p>
-            <a:pPr algn="ctr"/>
-            <a:r>
-              <a:rPr lang="pt-BR" sz="1492" dirty="0"/>
-              <a:t>Connection</a:t>
+        </p:spPr>
+        <p:txBody>
+          <a:bodyPr wrap="none" rtlCol="0">
+            <a:spAutoFit/>
+          </a:bodyPr>
+          <a:lstStyle/>
+          <a:p>
+            <a:r>
+              <a:rPr lang="pt-BR" dirty="0"/>
+              <a:t>Utiliza a classe</a:t>
+            </a:r>
+          </a:p>
+        </p:txBody>
+      </p:sp>
+      <p:sp>
+        <p:nvSpPr>
+          <p:cNvPr id="77" name="TextBox 76"/>
+          <p:cNvSpPr txBox="1"/>
+          <p:nvPr/>
+        </p:nvSpPr>
+        <p:spPr>
+          <a:xfrm>
+            <a:off x="11172476" y="4439454"/>
+            <a:ext cx="1775230" cy="369332"/>
+          </a:xfrm>
+          <a:prstGeom prst="rect">
+            <a:avLst/>
+          </a:prstGeom>
+          <a:noFill/>
+        </p:spPr>
+        <p:txBody>
+          <a:bodyPr wrap="none" rtlCol="0">
+            <a:spAutoFit/>
+          </a:bodyPr>
+          <a:lstStyle/>
+          <a:p>
+            <a:r>
+              <a:rPr lang="pt-BR" dirty="0"/>
+              <a:t>Utiliza o instance</a:t>
+            </a:r>
+          </a:p>
+        </p:txBody>
+      </p:sp>
+      <p:sp>
+        <p:nvSpPr>
+          <p:cNvPr id="78" name="TextBox 77"/>
+          <p:cNvSpPr txBox="1"/>
+          <p:nvPr/>
+        </p:nvSpPr>
+        <p:spPr>
+          <a:xfrm>
+            <a:off x="11183363" y="4770626"/>
+            <a:ext cx="2130391" cy="369332"/>
+          </a:xfrm>
+          <a:prstGeom prst="rect">
+            <a:avLst/>
+          </a:prstGeom>
+          <a:noFill/>
+        </p:spPr>
+        <p:txBody>
+          <a:bodyPr wrap="none" rtlCol="0">
+            <a:spAutoFit/>
+          </a:bodyPr>
+          <a:lstStyle/>
+          <a:p>
+            <a:r>
+              <a:rPr lang="pt-BR" dirty="0"/>
+              <a:t>Utiliza uma var static</a:t>
             </a:r>
           </a:p>
         </p:txBody>
       </p:sp>
       <p:cxnSp>
         <p:nvCxnSpPr>
-          <p:cNvPr id="62" name="Straight Arrow Connector 61"/>
+          <p:cNvPr id="79" name="Straight Arrow Connector 78"/>
+          <p:cNvCxnSpPr/>
+          <p:nvPr/>
+        </p:nvCxnSpPr>
+        <p:spPr>
+          <a:xfrm flipV="1">
+            <a:off x="10368361" y="5286465"/>
+            <a:ext cx="744030" cy="1"/>
+          </a:xfrm>
+          <a:prstGeom prst="straightConnector1">
+            <a:avLst/>
+          </a:prstGeom>
+          <a:ln w="38100">
+            <a:solidFill>
+              <a:srgbClr val="00B0F0"/>
+            </a:solidFill>
+            <a:prstDash val="sysDash"/>
+            <a:tailEnd type="triangle"/>
+          </a:ln>
+        </p:spPr>
+        <p:style>
+          <a:lnRef idx="1">
+            <a:schemeClr val="accent1"/>
+          </a:lnRef>
+          <a:fillRef idx="0">
+            <a:schemeClr val="accent1"/>
+          </a:fillRef>
+          <a:effectRef idx="0">
+            <a:schemeClr val="accent1"/>
+          </a:effectRef>
+          <a:fontRef idx="minor">
+            <a:schemeClr val="tx1"/>
+          </a:fontRef>
+        </p:style>
+      </p:cxnSp>
+      <p:sp>
+        <p:nvSpPr>
+          <p:cNvPr id="80" name="TextBox 79"/>
+          <p:cNvSpPr txBox="1"/>
+          <p:nvPr/>
+        </p:nvSpPr>
+        <p:spPr>
+          <a:xfrm>
+            <a:off x="11183363" y="5101798"/>
+            <a:ext cx="2250809" cy="369332"/>
+          </a:xfrm>
+          <a:prstGeom prst="rect">
+            <a:avLst/>
+          </a:prstGeom>
+          <a:noFill/>
+        </p:spPr>
+        <p:txBody>
+          <a:bodyPr wrap="none" rtlCol="0">
+            <a:spAutoFit/>
+          </a:bodyPr>
+          <a:lstStyle/>
+          <a:p>
+            <a:r>
+              <a:rPr lang="pt-BR" dirty="0"/>
+              <a:t>Utiliza uma func static</a:t>
+            </a:r>
+          </a:p>
+        </p:txBody>
+      </p:sp>
+      <p:cxnSp>
+        <p:nvCxnSpPr>
+          <p:cNvPr id="94" name="Straight Arrow Connector 93"/>
           <p:cNvCxnSpPr>
-            <a:stCxn id="38" idx="4"/>
-            <a:endCxn id="59" idx="0"/>
+            <a:stCxn id="38" idx="7"/>
+            <a:endCxn id="18" idx="3"/>
           </p:cNvCxnSpPr>
           <p:nvPr/>
         </p:nvCxnSpPr>
         <p:spPr>
-          <a:xfrm flipH="1">
-            <a:off x="4307807" y="5734099"/>
-            <a:ext cx="2" cy="359504"/>
+          <a:xfrm flipV="1">
+            <a:off x="3210502" y="3242852"/>
+            <a:ext cx="1714354" cy="411067"/>
+          </a:xfrm>
+          <a:prstGeom prst="straightConnector1">
+            <a:avLst/>
+          </a:prstGeom>
+          <a:ln w="38100">
+            <a:solidFill>
+              <a:srgbClr val="00B0F0"/>
+            </a:solidFill>
+            <a:prstDash val="sysDash"/>
+            <a:tailEnd type="triangle"/>
+          </a:ln>
+        </p:spPr>
+        <p:style>
+          <a:lnRef idx="1">
+            <a:schemeClr val="accent1"/>
+          </a:lnRef>
+          <a:fillRef idx="0">
+            <a:schemeClr val="accent1"/>
+          </a:fillRef>
+          <a:effectRef idx="0">
+            <a:schemeClr val="accent1"/>
+          </a:effectRef>
+          <a:fontRef idx="minor">
+            <a:schemeClr val="tx1"/>
+          </a:fontRef>
+        </p:style>
+      </p:cxnSp>
+      <p:cxnSp>
+        <p:nvCxnSpPr>
+          <p:cNvPr id="109" name="Straight Arrow Connector 108"/>
+          <p:cNvCxnSpPr>
+            <a:stCxn id="26" idx="4"/>
+            <a:endCxn id="24" idx="1"/>
+          </p:cNvCxnSpPr>
+          <p:nvPr/>
+        </p:nvCxnSpPr>
+        <p:spPr>
+          <a:xfrm>
+            <a:off x="793167" y="1648260"/>
+            <a:ext cx="1295628" cy="1109893"/>
           </a:xfrm>
           <a:prstGeom prst="straightConnector1">
             <a:avLst/>
@@ -7105,59 +7091,17 @@
       </p:cxnSp>
       <p:cxnSp>
         <p:nvCxnSpPr>
-          <p:cNvPr id="65" name="Elbow Connector 64"/>
+          <p:cNvPr id="69" name="Straight Arrow Connector 68"/>
           <p:cNvCxnSpPr>
-            <a:stCxn id="59" idx="2"/>
-            <a:endCxn id="20" idx="2"/>
+            <a:stCxn id="18" idx="1"/>
+            <a:endCxn id="19" idx="4"/>
           </p:cNvCxnSpPr>
           <p:nvPr/>
         </p:nvCxnSpPr>
         <p:spPr>
-          <a:xfrm rot="10800000" flipH="1">
-            <a:off x="3514640" y="2359841"/>
-            <a:ext cx="2" cy="4063664"/>
-          </a:xfrm>
-          <a:prstGeom prst="bentConnector3">
-            <a:avLst>
-              <a:gd name="adj1" fmla="val -11430000000"/>
-            </a:avLst>
-          </a:prstGeom>
-          <a:ln w="38100">
-            <a:solidFill>
-              <a:schemeClr val="tx1"/>
-            </a:solidFill>
-            <a:headEnd type="triangle" w="med" len="med"/>
-            <a:tailEnd type="none" w="med" len="med"/>
-          </a:ln>
-        </p:spPr>
-        <p:style>
-          <a:lnRef idx="1">
-            <a:schemeClr val="accent1"/>
-          </a:lnRef>
-          <a:fillRef idx="0">
-            <a:schemeClr val="accent1"/>
-          </a:fillRef>
-          <a:effectRef idx="0">
-            <a:schemeClr val="accent1"/>
-          </a:effectRef>
-          <a:fontRef idx="minor">
-            <a:schemeClr val="tx1"/>
-          </a:fontRef>
-        </p:style>
-      </p:cxnSp>
-      <p:cxnSp>
-        <p:nvCxnSpPr>
-          <p:cNvPr id="75" name="Straight Arrow Connector 74"/>
-          <p:cNvCxnSpPr>
-            <a:stCxn id="54" idx="0"/>
-            <a:endCxn id="59" idx="4"/>
-          </p:cNvCxnSpPr>
-          <p:nvPr/>
-        </p:nvCxnSpPr>
-        <p:spPr>
           <a:xfrm flipH="1" flipV="1">
-            <a:off x="4307808" y="6753406"/>
-            <a:ext cx="1" cy="330338"/>
+            <a:off x="4374525" y="2464209"/>
+            <a:ext cx="550331" cy="312092"/>
           </a:xfrm>
           <a:prstGeom prst="straightConnector1">
             <a:avLst/>
@@ -7184,251 +7128,19 @@
           </a:fontRef>
         </p:style>
       </p:cxnSp>
-      <p:sp>
-        <p:nvSpPr>
-          <p:cNvPr id="88" name="Oval 87"/>
-          <p:cNvSpPr/>
-          <p:nvPr/>
-        </p:nvSpPr>
-        <p:spPr>
-          <a:xfrm>
-            <a:off x="5845006" y="6093604"/>
-            <a:ext cx="1586333" cy="659803"/>
-          </a:xfrm>
-          <a:prstGeom prst="ellipse">
-            <a:avLst/>
-          </a:prstGeom>
-        </p:spPr>
-        <p:style>
-          <a:lnRef idx="3">
-            <a:schemeClr val="lt1"/>
-          </a:lnRef>
-          <a:fillRef idx="1">
-            <a:schemeClr val="accent2"/>
-          </a:fillRef>
-          <a:effectRef idx="1">
-            <a:schemeClr val="accent2"/>
-          </a:effectRef>
-          <a:fontRef idx="minor">
-            <a:schemeClr val="lt1"/>
-          </a:fontRef>
-        </p:style>
-        <p:txBody>
-          <a:bodyPr rtlCol="0" anchor="ctr"/>
-          <a:lstStyle/>
-          <a:p>
-            <a:pPr algn="ctr"/>
-            <a:r>
-              <a:rPr lang="pt-BR" sz="1492" dirty="0" smtClean="0">
-                <a:solidFill>
-                  <a:srgbClr val="FF0000"/>
-                </a:solidFill>
-              </a:rPr>
-              <a:t>Ankle</a:t>
-            </a:r>
-          </a:p>
-          <a:p>
-            <a:pPr algn="ctr"/>
-            <a:r>
-              <a:rPr lang="pt-BR" sz="1492" dirty="0" smtClean="0">
-                <a:solidFill>
-                  <a:srgbClr val="FF0000"/>
-                </a:solidFill>
-              </a:rPr>
-              <a:t>Movement?</a:t>
-            </a:r>
-            <a:endParaRPr lang="pt-BR" sz="1492" dirty="0">
-              <a:solidFill>
-                <a:srgbClr val="FF0000"/>
-              </a:solidFill>
-            </a:endParaRPr>
-          </a:p>
-        </p:txBody>
-      </p:sp>
       <p:cxnSp>
         <p:nvCxnSpPr>
-          <p:cNvPr id="90" name="Elbow Connector 89"/>
+          <p:cNvPr id="71" name="Straight Arrow Connector 70"/>
           <p:cNvCxnSpPr>
-            <a:stCxn id="45" idx="3"/>
-            <a:endCxn id="22" idx="5"/>
+            <a:stCxn id="26" idx="4"/>
+            <a:endCxn id="38" idx="1"/>
           </p:cNvCxnSpPr>
           <p:nvPr/>
         </p:nvCxnSpPr>
         <p:spPr>
-          <a:xfrm rot="5400000" flipH="1">
-            <a:off x="4301771" y="3861925"/>
-            <a:ext cx="12073" cy="3539022"/>
-          </a:xfrm>
-          <a:prstGeom prst="bentConnector3">
-            <a:avLst>
-              <a:gd name="adj1" fmla="val -1972501"/>
-            </a:avLst>
-          </a:prstGeom>
-          <a:ln w="28575">
-            <a:solidFill>
-              <a:schemeClr val="tx1"/>
-            </a:solidFill>
-            <a:tailEnd type="triangle"/>
-          </a:ln>
-        </p:spPr>
-        <p:style>
-          <a:lnRef idx="1">
-            <a:schemeClr val="accent1"/>
-          </a:lnRef>
-          <a:fillRef idx="0">
-            <a:schemeClr val="accent1"/>
-          </a:fillRef>
-          <a:effectRef idx="0">
-            <a:schemeClr val="accent1"/>
-          </a:effectRef>
-          <a:fontRef idx="minor">
-            <a:schemeClr val="tx1"/>
-          </a:fontRef>
-        </p:style>
-      </p:cxnSp>
-      <p:cxnSp>
-        <p:nvCxnSpPr>
-          <p:cNvPr id="47" name="Elbow Connector 46"/>
-          <p:cNvCxnSpPr>
-            <a:stCxn id="54" idx="2"/>
-            <a:endCxn id="29" idx="6"/>
-          </p:cNvCxnSpPr>
-          <p:nvPr/>
-        </p:nvCxnSpPr>
-        <p:spPr>
-          <a:xfrm rot="10800000">
-            <a:off x="2770610" y="6402887"/>
-            <a:ext cx="744033" cy="1010761"/>
-          </a:xfrm>
-          <a:prstGeom prst="bentConnector3">
-            <a:avLst>
-              <a:gd name="adj1" fmla="val 50000"/>
-            </a:avLst>
-          </a:prstGeom>
-          <a:ln w="28575">
-            <a:solidFill>
-              <a:schemeClr val="tx1"/>
-            </a:solidFill>
-            <a:tailEnd type="triangle"/>
-          </a:ln>
-        </p:spPr>
-        <p:style>
-          <a:lnRef idx="1">
-            <a:schemeClr val="accent1"/>
-          </a:lnRef>
-          <a:fillRef idx="0">
-            <a:schemeClr val="accent1"/>
-          </a:fillRef>
-          <a:effectRef idx="0">
-            <a:schemeClr val="accent1"/>
-          </a:effectRef>
-          <a:fontRef idx="minor">
-            <a:schemeClr val="tx1"/>
-          </a:fontRef>
-        </p:style>
-      </p:cxnSp>
-      <p:cxnSp>
-        <p:nvCxnSpPr>
-          <p:cNvPr id="48" name="Elbow Connector 47"/>
-          <p:cNvCxnSpPr>
-            <a:stCxn id="54" idx="6"/>
-            <a:endCxn id="20" idx="5"/>
-          </p:cNvCxnSpPr>
-          <p:nvPr/>
-        </p:nvCxnSpPr>
-        <p:spPr>
-          <a:xfrm flipH="1" flipV="1">
-            <a:off x="4868662" y="2593116"/>
-            <a:ext cx="232312" cy="4820530"/>
-          </a:xfrm>
-          <a:prstGeom prst="bentConnector4">
-            <a:avLst>
-              <a:gd name="adj1" fmla="val -60915"/>
-              <a:gd name="adj2" fmla="val 99165"/>
-            </a:avLst>
-          </a:prstGeom>
-          <a:ln w="28575">
-            <a:solidFill>
-              <a:schemeClr val="bg1">
-                <a:lumMod val="50000"/>
-              </a:schemeClr>
-            </a:solidFill>
-            <a:tailEnd type="triangle"/>
-          </a:ln>
-        </p:spPr>
-        <p:style>
-          <a:lnRef idx="1">
-            <a:schemeClr val="accent1"/>
-          </a:lnRef>
-          <a:fillRef idx="0">
-            <a:schemeClr val="accent1"/>
-          </a:fillRef>
-          <a:effectRef idx="0">
-            <a:schemeClr val="accent1"/>
-          </a:effectRef>
-          <a:fontRef idx="minor">
-            <a:schemeClr val="tx1"/>
-          </a:fontRef>
-        </p:style>
-      </p:cxnSp>
-      <p:sp>
-        <p:nvSpPr>
-          <p:cNvPr id="66" name="Oval 65"/>
-          <p:cNvSpPr/>
-          <p:nvPr/>
-        </p:nvSpPr>
-        <p:spPr>
-          <a:xfrm>
-            <a:off x="7977781" y="2049206"/>
-            <a:ext cx="1586333" cy="659803"/>
-          </a:xfrm>
-          <a:prstGeom prst="ellipse">
-            <a:avLst/>
-          </a:prstGeom>
-        </p:spPr>
-        <p:style>
-          <a:lnRef idx="3">
-            <a:schemeClr val="lt1"/>
-          </a:lnRef>
-          <a:fillRef idx="1">
-            <a:schemeClr val="accent2"/>
-          </a:fillRef>
-          <a:effectRef idx="1">
-            <a:schemeClr val="accent2"/>
-          </a:effectRef>
-          <a:fontRef idx="minor">
-            <a:schemeClr val="lt1"/>
-          </a:fontRef>
-        </p:style>
-        <p:txBody>
-          <a:bodyPr rtlCol="0" anchor="ctr"/>
-          <a:lstStyle/>
-          <a:p>
-            <a:pPr algn="ctr"/>
-            <a:r>
-              <a:rPr lang="pt-BR" sz="1492" dirty="0">
-                <a:solidFill>
-                  <a:srgbClr val="FF0000"/>
-                </a:solidFill>
-              </a:rPr>
-              <a:t>Data Manager</a:t>
-            </a:r>
-          </a:p>
-        </p:txBody>
-      </p:sp>
-      <p:cxnSp>
-        <p:nvCxnSpPr>
-          <p:cNvPr id="67" name="Straight Arrow Connector 66"/>
-          <p:cNvCxnSpPr>
-            <a:stCxn id="21" idx="5"/>
-            <a:endCxn id="23" idx="2"/>
-          </p:cNvCxnSpPr>
-          <p:nvPr/>
-        </p:nvCxnSpPr>
-        <p:spPr>
-          <a:xfrm>
-            <a:off x="2538297" y="3603877"/>
-            <a:ext cx="982696" cy="776079"/>
+          <a:xfrm>
+            <a:off x="793167" y="1648260"/>
+            <a:ext cx="1295628" cy="2005659"/>
           </a:xfrm>
           <a:prstGeom prst="straightConnector1">
             <a:avLst/>
@@ -7457,21 +7169,24 @@
       </p:cxnSp>
       <p:cxnSp>
         <p:nvCxnSpPr>
-          <p:cNvPr id="73" name="Straight Arrow Connector 72"/>
-          <p:cNvCxnSpPr/>
+          <p:cNvPr id="81" name="Straight Arrow Connector 80"/>
+          <p:cNvCxnSpPr>
+            <a:stCxn id="20" idx="4"/>
+            <a:endCxn id="59" idx="0"/>
+          </p:cNvCxnSpPr>
           <p:nvPr/>
         </p:nvCxnSpPr>
         <p:spPr>
-          <a:xfrm flipV="1">
-            <a:off x="8236882" y="3518378"/>
-            <a:ext cx="744030" cy="1"/>
+          <a:xfrm flipH="1">
+            <a:off x="6624940" y="3963269"/>
+            <a:ext cx="737062" cy="799195"/>
           </a:xfrm>
           <a:prstGeom prst="straightConnector1">
             <a:avLst/>
           </a:prstGeom>
           <a:ln w="38100">
             <a:solidFill>
-              <a:srgbClr val="00B0F0"/>
+              <a:schemeClr val="tx1"/>
             </a:solidFill>
             <a:tailEnd type="triangle"/>
           </a:ln>
@@ -7493,14 +7208,134 @@
       </p:cxnSp>
       <p:cxnSp>
         <p:nvCxnSpPr>
-          <p:cNvPr id="74" name="Straight Arrow Connector 73"/>
-          <p:cNvCxnSpPr/>
+          <p:cNvPr id="82" name="Straight Arrow Connector 81"/>
+          <p:cNvCxnSpPr>
+            <a:stCxn id="45" idx="2"/>
+            <a:endCxn id="22" idx="6"/>
+          </p:cNvCxnSpPr>
           <p:nvPr/>
         </p:nvCxnSpPr>
         <p:spPr>
+          <a:xfrm flipH="1" flipV="1">
+            <a:off x="4172410" y="5818920"/>
+            <a:ext cx="648730" cy="378368"/>
+          </a:xfrm>
+          <a:prstGeom prst="straightConnector1">
+            <a:avLst/>
+          </a:prstGeom>
+          <a:ln w="38100">
+            <a:solidFill>
+              <a:schemeClr val="tx1"/>
+            </a:solidFill>
+            <a:tailEnd type="triangle"/>
+          </a:ln>
+        </p:spPr>
+        <p:style>
+          <a:lnRef idx="1">
+            <a:schemeClr val="accent1"/>
+          </a:lnRef>
+          <a:fillRef idx="0">
+            <a:schemeClr val="accent1"/>
+          </a:fillRef>
+          <a:effectRef idx="0">
+            <a:schemeClr val="accent1"/>
+          </a:effectRef>
+          <a:fontRef idx="minor">
+            <a:schemeClr val="tx1"/>
+          </a:fontRef>
+        </p:style>
+      </p:cxnSp>
+      <p:cxnSp>
+        <p:nvCxnSpPr>
+          <p:cNvPr id="87" name="Straight Arrow Connector 86"/>
+          <p:cNvCxnSpPr>
+            <a:stCxn id="54" idx="3"/>
+            <a:endCxn id="29" idx="7"/>
+          </p:cNvCxnSpPr>
+          <p:nvPr/>
+        </p:nvCxnSpPr>
+        <p:spPr>
+          <a:xfrm flipH="1">
+            <a:off x="7645142" y="6269414"/>
+            <a:ext cx="1230311" cy="769723"/>
+          </a:xfrm>
+          <a:prstGeom prst="straightConnector1">
+            <a:avLst/>
+          </a:prstGeom>
+          <a:ln w="38100">
+            <a:solidFill>
+              <a:schemeClr val="tx1"/>
+            </a:solidFill>
+            <a:tailEnd type="triangle"/>
+          </a:ln>
+        </p:spPr>
+        <p:style>
+          <a:lnRef idx="1">
+            <a:schemeClr val="accent1"/>
+          </a:lnRef>
+          <a:fillRef idx="0">
+            <a:schemeClr val="accent1"/>
+          </a:fillRef>
+          <a:effectRef idx="0">
+            <a:schemeClr val="accent1"/>
+          </a:effectRef>
+          <a:fontRef idx="minor">
+            <a:schemeClr val="tx1"/>
+          </a:fontRef>
+        </p:style>
+      </p:cxnSp>
+      <p:cxnSp>
+        <p:nvCxnSpPr>
+          <p:cNvPr id="92" name="Straight Arrow Connector 91"/>
+          <p:cNvCxnSpPr>
+            <a:stCxn id="19" idx="1"/>
+            <a:endCxn id="25" idx="5"/>
+          </p:cNvCxnSpPr>
+          <p:nvPr/>
+        </p:nvCxnSpPr>
+        <p:spPr>
+          <a:xfrm flipH="1" flipV="1">
+            <a:off x="3260855" y="1869017"/>
+            <a:ext cx="552816" cy="32015"/>
+          </a:xfrm>
+          <a:prstGeom prst="straightConnector1">
+            <a:avLst/>
+          </a:prstGeom>
+          <a:ln w="38100">
+            <a:solidFill>
+              <a:schemeClr val="tx1"/>
+            </a:solidFill>
+            <a:tailEnd type="triangle"/>
+          </a:ln>
+        </p:spPr>
+        <p:style>
+          <a:lnRef idx="1">
+            <a:schemeClr val="accent1"/>
+          </a:lnRef>
+          <a:fillRef idx="0">
+            <a:schemeClr val="accent1"/>
+          </a:fillRef>
+          <a:effectRef idx="0">
+            <a:schemeClr val="accent1"/>
+          </a:effectRef>
+          <a:fontRef idx="minor">
+            <a:schemeClr val="tx1"/>
+          </a:fontRef>
+        </p:style>
+      </p:cxnSp>
+      <p:cxnSp>
+        <p:nvCxnSpPr>
+          <p:cNvPr id="105" name="Straight Arrow Connector 104"/>
+          <p:cNvCxnSpPr>
+            <a:stCxn id="38" idx="6"/>
+            <a:endCxn id="20" idx="2"/>
+          </p:cNvCxnSpPr>
+          <p:nvPr/>
+        </p:nvCxnSpPr>
+        <p:spPr>
           <a:xfrm flipV="1">
-            <a:off x="8236882" y="3187206"/>
-            <a:ext cx="744030" cy="1"/>
+            <a:off x="3442815" y="3633368"/>
+            <a:ext cx="3126020" cy="253827"/>
           </a:xfrm>
           <a:prstGeom prst="straightConnector1">
             <a:avLst/>
@@ -7531,21 +7366,26 @@
       </p:cxnSp>
       <p:cxnSp>
         <p:nvCxnSpPr>
-          <p:cNvPr id="76" name="Straight Arrow Connector 75"/>
-          <p:cNvCxnSpPr/>
+          <p:cNvPr id="108" name="Straight Arrow Connector 107"/>
+          <p:cNvCxnSpPr>
+            <a:stCxn id="54" idx="0"/>
+            <a:endCxn id="20" idx="5"/>
+          </p:cNvCxnSpPr>
           <p:nvPr/>
         </p:nvCxnSpPr>
         <p:spPr>
-          <a:xfrm flipV="1">
-            <a:off x="8236882" y="2856034"/>
-            <a:ext cx="744030" cy="1"/>
+          <a:xfrm flipH="1" flipV="1">
+            <a:off x="7922855" y="3866643"/>
+            <a:ext cx="1513452" cy="1839594"/>
           </a:xfrm>
           <a:prstGeom prst="straightConnector1">
             <a:avLst/>
           </a:prstGeom>
           <a:ln w="38100">
             <a:solidFill>
-              <a:schemeClr val="tx1"/>
+              <a:schemeClr val="bg1">
+                <a:lumMod val="50000"/>
+              </a:schemeClr>
             </a:solidFill>
             <a:tailEnd type="triangle"/>
           </a:ln>
@@ -7565,103 +7405,19 @@
           </a:fontRef>
         </p:style>
       </p:cxnSp>
-      <p:sp>
-        <p:nvSpPr>
-          <p:cNvPr id="68" name="TextBox 67"/>
-          <p:cNvSpPr txBox="1"/>
-          <p:nvPr/>
-        </p:nvSpPr>
-        <p:spPr>
-          <a:xfrm>
-            <a:off x="9030112" y="2671367"/>
-            <a:ext cx="1538563" cy="369332"/>
-          </a:xfrm>
-          <a:prstGeom prst="rect">
-            <a:avLst/>
-          </a:prstGeom>
-          <a:noFill/>
-        </p:spPr>
-        <p:txBody>
-          <a:bodyPr wrap="none" rtlCol="0">
-            <a:spAutoFit/>
-          </a:bodyPr>
-          <a:lstStyle/>
-          <a:p>
-            <a:r>
-              <a:rPr lang="pt-BR" dirty="0"/>
-              <a:t>Utiliza a classe</a:t>
-            </a:r>
-          </a:p>
-        </p:txBody>
-      </p:sp>
-      <p:sp>
-        <p:nvSpPr>
-          <p:cNvPr id="77" name="TextBox 76"/>
-          <p:cNvSpPr txBox="1"/>
-          <p:nvPr/>
-        </p:nvSpPr>
-        <p:spPr>
-          <a:xfrm>
-            <a:off x="9040997" y="3002539"/>
-            <a:ext cx="1775230" cy="369332"/>
-          </a:xfrm>
-          <a:prstGeom prst="rect">
-            <a:avLst/>
-          </a:prstGeom>
-          <a:noFill/>
-        </p:spPr>
-        <p:txBody>
-          <a:bodyPr wrap="none" rtlCol="0">
-            <a:spAutoFit/>
-          </a:bodyPr>
-          <a:lstStyle/>
-          <a:p>
-            <a:r>
-              <a:rPr lang="pt-BR" dirty="0"/>
-              <a:t>Utiliza o instance</a:t>
-            </a:r>
-          </a:p>
-        </p:txBody>
-      </p:sp>
-      <p:sp>
-        <p:nvSpPr>
-          <p:cNvPr id="78" name="TextBox 77"/>
-          <p:cNvSpPr txBox="1"/>
-          <p:nvPr/>
-        </p:nvSpPr>
-        <p:spPr>
-          <a:xfrm>
-            <a:off x="9051884" y="3333711"/>
-            <a:ext cx="2130391" cy="369332"/>
-          </a:xfrm>
-          <a:prstGeom prst="rect">
-            <a:avLst/>
-          </a:prstGeom>
-          <a:noFill/>
-        </p:spPr>
-        <p:txBody>
-          <a:bodyPr wrap="none" rtlCol="0">
-            <a:spAutoFit/>
-          </a:bodyPr>
-          <a:lstStyle/>
-          <a:p>
-            <a:r>
-              <a:rPr lang="pt-BR" dirty="0"/>
-              <a:t>Utiliza uma var static</a:t>
-            </a:r>
-          </a:p>
-        </p:txBody>
-      </p:sp>
       <p:cxnSp>
         <p:nvCxnSpPr>
-          <p:cNvPr id="79" name="Straight Arrow Connector 78"/>
-          <p:cNvCxnSpPr/>
+          <p:cNvPr id="89" name="Straight Arrow Connector 88"/>
+          <p:cNvCxnSpPr>
+            <a:stCxn id="45" idx="0"/>
+            <a:endCxn id="18" idx="4"/>
+          </p:cNvCxnSpPr>
           <p:nvPr/>
         </p:nvCxnSpPr>
         <p:spPr>
-          <a:xfrm flipV="1">
-            <a:off x="8236882" y="3849550"/>
-            <a:ext cx="744030" cy="1"/>
+          <a:xfrm flipH="1" flipV="1">
+            <a:off x="5485710" y="3339478"/>
+            <a:ext cx="128597" cy="2527908"/>
           </a:xfrm>
           <a:prstGeom prst="straightConnector1">
             <a:avLst/>
@@ -7689,16 +7445,94 @@
           </a:fontRef>
         </p:style>
       </p:cxnSp>
-      <p:sp>
-        <p:nvSpPr>
-          <p:cNvPr id="80" name="TextBox 79"/>
+      <p:cxnSp>
+        <p:nvCxnSpPr>
+          <p:cNvPr id="297" name="Straight Arrow Connector 296"/>
+          <p:cNvCxnSpPr/>
+          <p:nvPr/>
+        </p:nvCxnSpPr>
+        <p:spPr>
+          <a:xfrm flipV="1">
+            <a:off x="10390133" y="5983396"/>
+            <a:ext cx="744030" cy="1"/>
+          </a:xfrm>
+          <a:prstGeom prst="straightConnector1">
+            <a:avLst/>
+          </a:prstGeom>
+          <a:ln w="38100">
+            <a:solidFill>
+              <a:schemeClr val="bg1">
+                <a:lumMod val="50000"/>
+              </a:schemeClr>
+            </a:solidFill>
+            <a:prstDash val="dash"/>
+            <a:headEnd type="none" w="med" len="med"/>
+            <a:tailEnd type="none" w="med" len="med"/>
+          </a:ln>
+        </p:spPr>
+        <p:style>
+          <a:lnRef idx="1">
+            <a:schemeClr val="accent1"/>
+          </a:lnRef>
+          <a:fillRef idx="0">
+            <a:schemeClr val="accent1"/>
+          </a:fillRef>
+          <a:effectRef idx="0">
+            <a:schemeClr val="accent1"/>
+          </a:effectRef>
+          <a:fontRef idx="minor">
+            <a:schemeClr val="tx1"/>
+          </a:fontRef>
+        </p:style>
+      </p:cxnSp>
+      <p:cxnSp>
+        <p:nvCxnSpPr>
+          <p:cNvPr id="298" name="Straight Arrow Connector 297"/>
+          <p:cNvCxnSpPr/>
+          <p:nvPr/>
+        </p:nvCxnSpPr>
+        <p:spPr>
+          <a:xfrm flipV="1">
+            <a:off x="10390133" y="5652224"/>
+            <a:ext cx="744030" cy="1"/>
+          </a:xfrm>
+          <a:prstGeom prst="straightConnector1">
+            <a:avLst/>
+          </a:prstGeom>
+          <a:ln w="38100">
+            <a:solidFill>
+              <a:schemeClr val="tx1"/>
+            </a:solidFill>
+            <a:prstDash val="dash"/>
+            <a:headEnd type="none" w="med" len="med"/>
+            <a:tailEnd type="none" w="med" len="med"/>
+          </a:ln>
+        </p:spPr>
+        <p:style>
+          <a:lnRef idx="1">
+            <a:schemeClr val="accent1"/>
+          </a:lnRef>
+          <a:fillRef idx="0">
+            <a:schemeClr val="accent1"/>
+          </a:fillRef>
+          <a:effectRef idx="0">
+            <a:schemeClr val="accent1"/>
+          </a:effectRef>
+          <a:fontRef idx="minor">
+            <a:schemeClr val="tx1"/>
+          </a:fontRef>
+        </p:style>
+      </p:cxnSp>
+      <p:sp>
+        <p:nvSpPr>
+          <p:cNvPr id="299" name="TextBox 298"/>
           <p:cNvSpPr txBox="1"/>
           <p:nvPr/>
         </p:nvSpPr>
         <p:spPr>
           <a:xfrm>
-            <a:off x="9051884" y="3664883"/>
-            <a:ext cx="2250809" cy="369332"/>
+            <a:off x="11183363" y="5467557"/>
+            <a:ext cx="2088520" cy="369332"/>
           </a:xfrm>
           <a:prstGeom prst="rect">
             <a:avLst/>
@@ -7712,25 +7546,136 @@
           <a:lstStyle/>
           <a:p>
             <a:r>
-              <a:rPr lang="pt-BR" dirty="0"/>
-              <a:t>Utiliza uma func static</a:t>
-            </a:r>
+              <a:rPr lang="pt-BR" dirty="0" smtClean="0"/>
+              <a:t>Not from GameBase</a:t>
+            </a:r>
+            <a:endParaRPr lang="pt-BR" dirty="0"/>
+          </a:p>
+        </p:txBody>
+      </p:sp>
+      <p:sp>
+        <p:nvSpPr>
+          <p:cNvPr id="300" name="TextBox 299"/>
+          <p:cNvSpPr txBox="1"/>
+          <p:nvPr/>
+        </p:nvSpPr>
+        <p:spPr>
+          <a:xfrm>
+            <a:off x="11194248" y="5798729"/>
+            <a:ext cx="1600951" cy="369332"/>
+          </a:xfrm>
+          <a:prstGeom prst="rect">
+            <a:avLst/>
+          </a:prstGeom>
+          <a:noFill/>
+        </p:spPr>
+        <p:txBody>
+          <a:bodyPr wrap="none" rtlCol="0">
+            <a:spAutoFit/>
+          </a:bodyPr>
+          <a:lstStyle/>
+          <a:p>
+            <a:r>
+              <a:rPr lang="pt-BR" dirty="0" smtClean="0"/>
+              <a:t>From Singleton</a:t>
+            </a:r>
+            <a:endParaRPr lang="pt-BR" dirty="0"/>
           </a:p>
         </p:txBody>
       </p:sp>
       <p:cxnSp>
         <p:nvCxnSpPr>
-          <p:cNvPr id="94" name="Straight Arrow Connector 93"/>
+          <p:cNvPr id="371" name="Curved Connector 370"/>
           <p:cNvCxnSpPr>
-            <a:stCxn id="38" idx="6"/>
-            <a:endCxn id="18" idx="3"/>
+            <a:stCxn id="29" idx="3"/>
+            <a:endCxn id="26" idx="3"/>
           </p:cNvCxnSpPr>
           <p:nvPr/>
         </p:nvCxnSpPr>
         <p:spPr>
-          <a:xfrm flipV="1">
-            <a:off x="5100976" y="4614637"/>
-            <a:ext cx="976060" cy="789562"/>
+          <a:xfrm rot="5400000" flipH="1">
+            <a:off x="400847" y="1383100"/>
+            <a:ext cx="5954054" cy="6291122"/>
+          </a:xfrm>
+          <a:prstGeom prst="curvedConnector3">
+            <a:avLst>
+              <a:gd name="adj1" fmla="val -7839"/>
+            </a:avLst>
+          </a:prstGeom>
+          <a:ln w="28575">
+            <a:solidFill>
+              <a:schemeClr val="tx1"/>
+            </a:solidFill>
+            <a:headEnd type="triangle" w="med" len="med"/>
+            <a:tailEnd type="none" w="med" len="med"/>
+          </a:ln>
+        </p:spPr>
+        <p:style>
+          <a:lnRef idx="1">
+            <a:schemeClr val="accent1"/>
+          </a:lnRef>
+          <a:fillRef idx="0">
+            <a:schemeClr val="accent1"/>
+          </a:fillRef>
+          <a:effectRef idx="0">
+            <a:schemeClr val="accent1"/>
+          </a:effectRef>
+          <a:fontRef idx="minor">
+            <a:schemeClr val="tx1"/>
+          </a:fontRef>
+        </p:style>
+      </p:cxnSp>
+      <p:cxnSp>
+        <p:nvCxnSpPr>
+          <p:cNvPr id="60" name="Straight Arrow Connector 59"/>
+          <p:cNvCxnSpPr>
+            <a:endCxn id="88" idx="0"/>
+          </p:cNvCxnSpPr>
+          <p:nvPr/>
+        </p:nvCxnSpPr>
+        <p:spPr>
+          <a:xfrm flipH="1">
+            <a:off x="7548915" y="3963269"/>
+            <a:ext cx="78804" cy="1958434"/>
+          </a:xfrm>
+          <a:prstGeom prst="straightConnector1">
+            <a:avLst/>
+          </a:prstGeom>
+          <a:ln w="38100">
+            <a:solidFill>
+              <a:schemeClr val="tx1"/>
+            </a:solidFill>
+            <a:tailEnd type="triangle"/>
+          </a:ln>
+        </p:spPr>
+        <p:style>
+          <a:lnRef idx="1">
+            <a:schemeClr val="accent1"/>
+          </a:lnRef>
+          <a:fillRef idx="0">
+            <a:schemeClr val="accent1"/>
+          </a:fillRef>
+          <a:effectRef idx="0">
+            <a:schemeClr val="accent1"/>
+          </a:effectRef>
+          <a:fontRef idx="minor">
+            <a:schemeClr val="tx1"/>
+          </a:fontRef>
+        </p:style>
+      </p:cxnSp>
+      <p:cxnSp>
+        <p:nvCxnSpPr>
+          <p:cNvPr id="61" name="Straight Arrow Connector 60"/>
+          <p:cNvCxnSpPr>
+            <a:stCxn id="24" idx="6"/>
+            <a:endCxn id="18" idx="2"/>
+          </p:cNvCxnSpPr>
+          <p:nvPr/>
+        </p:nvCxnSpPr>
+        <p:spPr>
+          <a:xfrm>
+            <a:off x="3442815" y="2991429"/>
+            <a:ext cx="1249728" cy="18148"/>
           </a:xfrm>
           <a:prstGeom prst="straightConnector1">
             <a:avLst/>
@@ -7760,28 +7705,27 @@
       </p:cxnSp>
       <p:cxnSp>
         <p:nvCxnSpPr>
-          <p:cNvPr id="106" name="Elbow Connector 105"/>
+          <p:cNvPr id="70" name="Straight Arrow Connector 69"/>
           <p:cNvCxnSpPr>
-            <a:stCxn id="45" idx="6"/>
-            <a:endCxn id="18" idx="6"/>
+            <a:stCxn id="24" idx="5"/>
+            <a:endCxn id="20" idx="2"/>
           </p:cNvCxnSpPr>
           <p:nvPr/>
         </p:nvCxnSpPr>
         <p:spPr>
-          <a:xfrm flipH="1" flipV="1">
-            <a:off x="7431056" y="4381362"/>
-            <a:ext cx="283" cy="1022836"/>
-          </a:xfrm>
-          <a:prstGeom prst="bentConnector3">
-            <a:avLst>
-              <a:gd name="adj1" fmla="val -80777385"/>
-            </a:avLst>
+          <a:xfrm>
+            <a:off x="3210502" y="3224704"/>
+            <a:ext cx="3358333" cy="408664"/>
+          </a:xfrm>
+          <a:prstGeom prst="straightConnector1">
+            <a:avLst/>
           </a:prstGeom>
           <a:ln w="38100">
             <a:solidFill>
-              <a:srgbClr val="00B0F0"/>
+              <a:schemeClr val="bg1">
+                <a:lumMod val="50000"/>
+              </a:schemeClr>
             </a:solidFill>
-            <a:prstDash val="sysDash"/>
             <a:tailEnd type="triangle"/>
           </a:ln>
         </p:spPr>
@@ -7800,19 +7744,74 @@
           </a:fontRef>
         </p:style>
       </p:cxnSp>
+      <p:sp>
+        <p:nvSpPr>
+          <p:cNvPr id="63" name="Oval 62"/>
+          <p:cNvSpPr/>
+          <p:nvPr/>
+        </p:nvSpPr>
+        <p:spPr>
+          <a:xfrm>
+            <a:off x="1191912" y="4871687"/>
+            <a:ext cx="1586333" cy="659803"/>
+          </a:xfrm>
+          <a:prstGeom prst="ellipse">
+            <a:avLst/>
+          </a:prstGeom>
+          <a:ln w="28575">
+            <a:solidFill>
+              <a:schemeClr val="tx1"/>
+            </a:solidFill>
+            <a:prstDash val="dash"/>
+          </a:ln>
+        </p:spPr>
+        <p:style>
+          <a:lnRef idx="1">
+            <a:schemeClr val="accent2"/>
+          </a:lnRef>
+          <a:fillRef idx="2">
+            <a:schemeClr val="accent2"/>
+          </a:fillRef>
+          <a:effectRef idx="1">
+            <a:schemeClr val="accent2"/>
+          </a:effectRef>
+          <a:fontRef idx="minor">
+            <a:schemeClr val="dk1"/>
+          </a:fontRef>
+        </p:style>
+        <p:txBody>
+          <a:bodyPr rtlCol="0" anchor="ctr"/>
+          <a:lstStyle/>
+          <a:p>
+            <a:pPr algn="ctr"/>
+            <a:r>
+              <a:rPr lang="pt-BR" sz="1492" dirty="0" smtClean="0"/>
+              <a:t>Mini</a:t>
+            </a:r>
+          </a:p>
+          <a:p>
+            <a:pPr algn="ctr"/>
+            <a:r>
+              <a:rPr lang="pt-BR" sz="1492" dirty="0" smtClean="0"/>
+              <a:t>Map</a:t>
+            </a:r>
+            <a:endParaRPr lang="pt-BR" sz="1492" dirty="0"/>
+          </a:p>
+        </p:txBody>
+      </p:sp>
       <p:cxnSp>
         <p:nvCxnSpPr>
-          <p:cNvPr id="109" name="Straight Arrow Connector 108"/>
+          <p:cNvPr id="64" name="Straight Arrow Connector 63"/>
           <p:cNvCxnSpPr>
-            <a:stCxn id="20" idx="4"/>
-            <a:endCxn id="24" idx="1"/>
+            <a:stCxn id="38" idx="3"/>
+            <a:endCxn id="63" idx="0"/>
           </p:cNvCxnSpPr>
           <p:nvPr/>
         </p:nvCxnSpPr>
         <p:spPr>
-          <a:xfrm>
-            <a:off x="4307810" y="2689743"/>
-            <a:ext cx="1769511" cy="447583"/>
+          <a:xfrm flipH="1">
+            <a:off x="1985079" y="4120470"/>
+            <a:ext cx="103716" cy="751217"/>
           </a:xfrm>
           <a:prstGeom prst="straightConnector1">
             <a:avLst/>
@@ -7841,27 +7840,26 @@
       </p:cxnSp>
       <p:cxnSp>
         <p:nvCxnSpPr>
-          <p:cNvPr id="130" name="Elbow Connector 129"/>
+          <p:cNvPr id="72" name="Straight Arrow Connector 71"/>
           <p:cNvCxnSpPr>
-            <a:stCxn id="26" idx="6"/>
-            <a:endCxn id="38" idx="7"/>
+            <a:stCxn id="63" idx="7"/>
+            <a:endCxn id="20" idx="3"/>
           </p:cNvCxnSpPr>
           <p:nvPr/>
         </p:nvCxnSpPr>
         <p:spPr>
-          <a:xfrm flipH="1">
-            <a:off x="4868663" y="3369197"/>
-            <a:ext cx="232028" cy="1801726"/>
-          </a:xfrm>
-          <a:prstGeom prst="bentConnector4">
-            <a:avLst>
-              <a:gd name="adj1" fmla="val -32841"/>
-              <a:gd name="adj2" fmla="val 98767"/>
-            </a:avLst>
+          <a:xfrm flipV="1">
+            <a:off x="2545932" y="3866643"/>
+            <a:ext cx="4255216" cy="1101670"/>
+          </a:xfrm>
+          <a:prstGeom prst="straightConnector1">
+            <a:avLst/>
           </a:prstGeom>
           <a:ln w="38100">
             <a:solidFill>
-              <a:schemeClr val="tx1"/>
+              <a:schemeClr val="bg1">
+                <a:lumMod val="50000"/>
+              </a:schemeClr>
             </a:solidFill>
             <a:tailEnd type="triangle"/>
           </a:ln>
@@ -7881,50 +7879,51 @@
           </a:fontRef>
         </p:style>
       </p:cxnSp>
-      <p:sp>
-        <p:nvSpPr>
-          <p:cNvPr id="138" name="Down Arrow 137"/>
-          <p:cNvSpPr/>
-          <p:nvPr/>
-        </p:nvSpPr>
-        <p:spPr>
-          <a:xfrm rot="5400000" flipV="1">
-            <a:off x="7602454" y="2094911"/>
-            <a:ext cx="209276" cy="541378"/>
-          </a:xfrm>
-          <a:prstGeom prst="downArrow">
-            <a:avLst/>
-          </a:prstGeom>
-        </p:spPr>
-        <p:style>
-          <a:lnRef idx="2">
-            <a:schemeClr val="accent3">
-              <a:shade val="50000"/>
-            </a:schemeClr>
-          </a:lnRef>
-          <a:fillRef idx="1">
-            <a:schemeClr val="accent3"/>
-          </a:fillRef>
-          <a:effectRef idx="0">
-            <a:schemeClr val="accent3"/>
-          </a:effectRef>
-          <a:fontRef idx="minor">
-            <a:schemeClr val="lt1"/>
-          </a:fontRef>
-        </p:style>
-        <p:txBody>
-          <a:bodyPr rtlCol="0" anchor="ctr"/>
-          <a:lstStyle/>
-          <a:p>
-            <a:pPr algn="ctr"/>
-            <a:endParaRPr lang="pt-BR" sz="1492"/>
-          </a:p>
-        </p:txBody>
-      </p:sp>
+      <p:cxnSp>
+        <p:nvCxnSpPr>
+          <p:cNvPr id="83" name="Straight Arrow Connector 82"/>
+          <p:cNvCxnSpPr>
+            <a:stCxn id="45" idx="6"/>
+            <a:endCxn id="88" idx="2"/>
+          </p:cNvCxnSpPr>
+          <p:nvPr/>
+        </p:nvCxnSpPr>
+        <p:spPr>
+          <a:xfrm>
+            <a:off x="6407473" y="6197288"/>
+            <a:ext cx="348275" cy="54317"/>
+          </a:xfrm>
+          <a:prstGeom prst="straightConnector1">
+            <a:avLst/>
+          </a:prstGeom>
+          <a:ln w="38100">
+            <a:solidFill>
+              <a:schemeClr val="bg1">
+                <a:lumMod val="50000"/>
+              </a:schemeClr>
+            </a:solidFill>
+            <a:tailEnd type="triangle"/>
+          </a:ln>
+        </p:spPr>
+        <p:style>
+          <a:lnRef idx="1">
+            <a:schemeClr val="accent1"/>
+          </a:lnRef>
+          <a:fillRef idx="0">
+            <a:schemeClr val="accent1"/>
+          </a:fillRef>
+          <a:effectRef idx="0">
+            <a:schemeClr val="accent1"/>
+          </a:effectRef>
+          <a:fontRef idx="minor">
+            <a:schemeClr val="tx1"/>
+          </a:fontRef>
+        </p:style>
+      </p:cxnSp>
     </p:spTree>
     <p:extLst>
       <p:ext uri="{BB962C8B-B14F-4D97-AF65-F5344CB8AC3E}">
-        <p14:creationId xmlns:p14="http://schemas.microsoft.com/office/powerpoint/2010/main" val="3386064608"/>
+        <p14:creationId xmlns:p14="http://schemas.microsoft.com/office/powerpoint/2010/main" val="1787979404"/>
       </p:ext>
     </p:extLst>
   </p:cSld>
